--- a/PPTs/L3-Exercises ANS.pptx
+++ b/PPTs/L3-Exercises ANS.pptx
@@ -5,32 +5,33 @@
     <p:sldMasterId id="2147483648" r:id="rId1"/>
   </p:sldMasterIdLst>
   <p:notesMasterIdLst>
-    <p:notesMasterId r:id="rId22"/>
+    <p:notesMasterId r:id="rId23"/>
   </p:notesMasterIdLst>
   <p:handoutMasterIdLst>
-    <p:handoutMasterId r:id="rId23"/>
+    <p:handoutMasterId r:id="rId24"/>
   </p:handoutMasterIdLst>
   <p:sldIdLst>
     <p:sldId id="256" r:id="rId2"/>
     <p:sldId id="1382" r:id="rId3"/>
-    <p:sldId id="348" r:id="rId4"/>
-    <p:sldId id="1381" r:id="rId5"/>
-    <p:sldId id="1390" r:id="rId6"/>
-    <p:sldId id="1388" r:id="rId7"/>
-    <p:sldId id="1391" r:id="rId8"/>
-    <p:sldId id="1384" r:id="rId9"/>
-    <p:sldId id="1392" r:id="rId10"/>
-    <p:sldId id="1389" r:id="rId11"/>
-    <p:sldId id="1393" r:id="rId12"/>
-    <p:sldId id="257" r:id="rId13"/>
-    <p:sldId id="258" r:id="rId14"/>
-    <p:sldId id="259" r:id="rId15"/>
-    <p:sldId id="260" r:id="rId16"/>
-    <p:sldId id="1379" r:id="rId17"/>
-    <p:sldId id="1380" r:id="rId18"/>
-    <p:sldId id="262" r:id="rId19"/>
-    <p:sldId id="264" r:id="rId20"/>
-    <p:sldId id="421" r:id="rId21"/>
+    <p:sldId id="1394" r:id="rId4"/>
+    <p:sldId id="348" r:id="rId5"/>
+    <p:sldId id="1381" r:id="rId6"/>
+    <p:sldId id="1390" r:id="rId7"/>
+    <p:sldId id="1388" r:id="rId8"/>
+    <p:sldId id="1391" r:id="rId9"/>
+    <p:sldId id="1384" r:id="rId10"/>
+    <p:sldId id="1392" r:id="rId11"/>
+    <p:sldId id="1389" r:id="rId12"/>
+    <p:sldId id="1393" r:id="rId13"/>
+    <p:sldId id="257" r:id="rId14"/>
+    <p:sldId id="258" r:id="rId15"/>
+    <p:sldId id="259" r:id="rId16"/>
+    <p:sldId id="260" r:id="rId17"/>
+    <p:sldId id="1379" r:id="rId18"/>
+    <p:sldId id="1380" r:id="rId19"/>
+    <p:sldId id="262" r:id="rId20"/>
+    <p:sldId id="264" r:id="rId21"/>
+    <p:sldId id="421" r:id="rId22"/>
   </p:sldIdLst>
   <p:sldSz cx="12192000" cy="6858000"/>
   <p:notesSz cx="9601200" cy="7315200"/>
@@ -227,14 +228,14 @@
           <a:effectLst/>
           <a:extLst>
             <a:ext uri="{909E8E84-426E-40dd-AFC4-6F175D3DCCD1}">
-              <a14:hiddenFill xmlns="" xmlns:a14="http://schemas.microsoft.com/office/drawing/2010/main">
+              <a14:hiddenFill xmlns:a14="http://schemas.microsoft.com/office/drawing/2010/main" xmlns="">
                 <a:solidFill>
                   <a:schemeClr val="bg1"/>
                 </a:solidFill>
               </a14:hiddenFill>
             </a:ext>
             <a:ext uri="{91240B29-F687-4f45-9708-019B960494DF}">
-              <a14:hiddenLine xmlns="" xmlns:a14="http://schemas.microsoft.com/office/drawing/2010/main" w="12700">
+              <a14:hiddenLine xmlns:a14="http://schemas.microsoft.com/office/drawing/2010/main" xmlns="" w="12700">
                 <a:pattFill prst="narHorz">
                   <a:fgClr>
                     <a:schemeClr val="tx1"/>
@@ -249,7 +250,7 @@
               </a14:hiddenLine>
             </a:ext>
             <a:ext uri="{AF507438-7753-43e0-B8FC-AC1667EBCBE1}">
-              <a14:hiddenEffects xmlns="" xmlns:a14="http://schemas.microsoft.com/office/drawing/2010/main">
+              <a14:hiddenEffects xmlns:a14="http://schemas.microsoft.com/office/drawing/2010/main" xmlns="">
                 <a:effectLst>
                   <a:outerShdw dist="35921" dir="2700000" algn="ctr" rotWithShape="0">
                     <a:schemeClr val="bg2"/>
@@ -355,14 +356,14 @@
           <a:effectLst/>
           <a:extLst>
             <a:ext uri="{909E8E84-426E-40dd-AFC4-6F175D3DCCD1}">
-              <a14:hiddenFill xmlns="" xmlns:a14="http://schemas.microsoft.com/office/drawing/2010/main">
+              <a14:hiddenFill xmlns:a14="http://schemas.microsoft.com/office/drawing/2010/main" xmlns="">
                 <a:solidFill>
                   <a:schemeClr val="bg1"/>
                 </a:solidFill>
               </a14:hiddenFill>
             </a:ext>
             <a:ext uri="{91240B29-F687-4f45-9708-019B960494DF}">
-              <a14:hiddenLine xmlns="" xmlns:a14="http://schemas.microsoft.com/office/drawing/2010/main" w="12700">
+              <a14:hiddenLine xmlns:a14="http://schemas.microsoft.com/office/drawing/2010/main" xmlns="" w="12700">
                 <a:pattFill prst="narHorz">
                   <a:fgClr>
                     <a:schemeClr val="tx1"/>
@@ -377,7 +378,7 @@
               </a14:hiddenLine>
             </a:ext>
             <a:ext uri="{AF507438-7753-43e0-B8FC-AC1667EBCBE1}">
-              <a14:hiddenEffects xmlns="" xmlns:a14="http://schemas.microsoft.com/office/drawing/2010/main">
+              <a14:hiddenEffects xmlns:a14="http://schemas.microsoft.com/office/drawing/2010/main" xmlns="">
                 <a:effectLst>
                   <a:outerShdw dist="35921" dir="2700000" algn="ctr" rotWithShape="0">
                     <a:schemeClr val="bg2"/>
@@ -445,17 +446,17 @@
           <a:effectLst/>
           <a:extLst>
             <a:ext uri="{FAA26D3D-D897-4be2-8F04-BA451C77F1D7}">
-              <ma14:placeholderFlag xmlns="" xmlns:ma14="http://schemas.microsoft.com/office/mac/drawingml/2011/main" val="1"/>
+              <ma14:placeholderFlag xmlns:ma14="http://schemas.microsoft.com/office/mac/drawingml/2011/main" xmlns="" val="1"/>
             </a:ext>
             <a:ext uri="{909E8E84-426E-40dd-AFC4-6F175D3DCCD1}">
-              <a14:hiddenFill xmlns="" xmlns:a14="http://schemas.microsoft.com/office/drawing/2010/main">
+              <a14:hiddenFill xmlns:a14="http://schemas.microsoft.com/office/drawing/2010/main" xmlns="">
                 <a:solidFill>
                   <a:srgbClr val="FFFFFF"/>
                 </a:solidFill>
               </a14:hiddenFill>
             </a:ext>
             <a:ext uri="{AF507438-7753-43e0-B8FC-AC1667EBCBE1}">
-              <a14:hiddenEffects xmlns="" xmlns:a14="http://schemas.microsoft.com/office/drawing/2010/main">
+              <a14:hiddenEffects xmlns:a14="http://schemas.microsoft.com/office/drawing/2010/main" xmlns="">
                 <a:effectLst>
                   <a:outerShdw blurRad="63500" dist="38099" dir="2700000" algn="ctr" rotWithShape="0">
                     <a:srgbClr val="000000">
@@ -466,7 +467,7 @@
               </a14:hiddenEffects>
             </a:ext>
             <a:ext uri="{53640926-AAD7-44d8-BBD7-CCE9431645EC}">
-              <a14:shadowObscured xmlns="" xmlns:a14="http://schemas.microsoft.com/office/drawing/2010/main" val="1"/>
+              <a14:shadowObscured xmlns:a14="http://schemas.microsoft.com/office/drawing/2010/main" xmlns="" val="1"/>
             </a:ext>
           </a:extLst>
         </p:spPr>
@@ -496,14 +497,14 @@
           <a:effectLst/>
           <a:extLst>
             <a:ext uri="{909E8E84-426E-40dd-AFC4-6F175D3DCCD1}">
-              <a14:hiddenFill xmlns="" xmlns:a14="http://schemas.microsoft.com/office/drawing/2010/main">
+              <a14:hiddenFill xmlns:a14="http://schemas.microsoft.com/office/drawing/2010/main" xmlns="">
                 <a:solidFill>
                   <a:schemeClr val="bg1"/>
                 </a:solidFill>
               </a14:hiddenFill>
             </a:ext>
             <a:ext uri="{91240B29-F687-4f45-9708-019B960494DF}">
-              <a14:hiddenLine xmlns="" xmlns:a14="http://schemas.microsoft.com/office/drawing/2010/main" w="12700">
+              <a14:hiddenLine xmlns:a14="http://schemas.microsoft.com/office/drawing/2010/main" xmlns="" w="12700">
                 <a:pattFill prst="narHorz">
                   <a:fgClr>
                     <a:schemeClr val="tx1"/>
@@ -518,7 +519,7 @@
               </a14:hiddenLine>
             </a:ext>
             <a:ext uri="{AF507438-7753-43e0-B8FC-AC1667EBCBE1}">
-              <a14:hiddenEffects xmlns="" xmlns:a14="http://schemas.microsoft.com/office/drawing/2010/main">
+              <a14:hiddenEffects xmlns:a14="http://schemas.microsoft.com/office/drawing/2010/main" xmlns="">
                 <a:effectLst>
                   <a:outerShdw dist="35921" dir="2700000" algn="ctr" rotWithShape="0">
                     <a:schemeClr val="bg2"/>
@@ -768,10 +769,10 @@
         <p:spPr>
           <a:extLst>
             <a:ext uri="{FAA26D3D-D897-4be2-8F04-BA451C77F1D7}">
-              <ma14:placeholderFlag xmlns="" xmlns:ma14="http://schemas.microsoft.com/office/mac/drawingml/2011/main" val="1"/>
+              <ma14:placeholderFlag xmlns:ma14="http://schemas.microsoft.com/office/mac/drawingml/2011/main" xmlns="" val="1"/>
             </a:ext>
             <a:ext uri="{AF507438-7753-43e0-B8FC-AC1667EBCBE1}">
-              <a14:hiddenEffects xmlns="" xmlns:a14="http://schemas.microsoft.com/office/drawing/2010/main">
+              <a14:hiddenEffects xmlns:a14="http://schemas.microsoft.com/office/drawing/2010/main" xmlns="">
                 <a:effectLst>
                   <a:outerShdw blurRad="63500" dist="38099" dir="2700000" algn="ctr" rotWithShape="0">
                     <a:schemeClr val="bg2">
@@ -5700,17 +5701,17 @@
           <a:effectLst/>
           <a:extLst>
             <a:ext uri="{FAA26D3D-D897-4be2-8F04-BA451C77F1D7}">
-              <ma14:placeholderFlag xmlns="" xmlns:ma14="http://schemas.microsoft.com/office/mac/drawingml/2011/main" val="1"/>
+              <ma14:placeholderFlag xmlns:ma14="http://schemas.microsoft.com/office/mac/drawingml/2011/main" xmlns="" val="1"/>
             </a:ext>
             <a:ext uri="{909E8E84-426E-40dd-AFC4-6F175D3DCCD1}">
-              <a14:hiddenFill xmlns="" xmlns:a14="http://schemas.microsoft.com/office/drawing/2010/main">
+              <a14:hiddenFill xmlns:a14="http://schemas.microsoft.com/office/drawing/2010/main" xmlns="">
                 <a:solidFill>
                   <a:schemeClr val="bg1"/>
                 </a:solidFill>
               </a14:hiddenFill>
             </a:ext>
             <a:ext uri="{91240B29-F687-4f45-9708-019B960494DF}">
-              <a14:hiddenLine xmlns="" xmlns:a14="http://schemas.microsoft.com/office/drawing/2010/main" w="12700">
+              <a14:hiddenLine xmlns:a14="http://schemas.microsoft.com/office/drawing/2010/main" xmlns="" w="12700">
                 <a:pattFill prst="narHorz">
                   <a:fgClr>
                     <a:schemeClr val="tx1"/>
@@ -5725,7 +5726,7 @@
               </a14:hiddenLine>
             </a:ext>
             <a:ext uri="{AF507438-7753-43e0-B8FC-AC1667EBCBE1}">
-              <a14:hiddenEffects xmlns="" xmlns:a14="http://schemas.microsoft.com/office/drawing/2010/main">
+              <a14:hiddenEffects xmlns:a14="http://schemas.microsoft.com/office/drawing/2010/main" xmlns="">
                 <a:effectLst>
                   <a:outerShdw blurRad="63500" dist="38099" dir="2700000" algn="ctr" rotWithShape="0">
                     <a:schemeClr val="bg2">
@@ -5778,17 +5779,17 @@
           <a:effectLst/>
           <a:extLst>
             <a:ext uri="{FAA26D3D-D897-4be2-8F04-BA451C77F1D7}">
-              <ma14:placeholderFlag xmlns="" xmlns:ma14="http://schemas.microsoft.com/office/mac/drawingml/2011/main" val="1"/>
+              <ma14:placeholderFlag xmlns:ma14="http://schemas.microsoft.com/office/mac/drawingml/2011/main" xmlns="" val="1"/>
             </a:ext>
             <a:ext uri="{909E8E84-426E-40dd-AFC4-6F175D3DCCD1}">
-              <a14:hiddenFill xmlns="" xmlns:a14="http://schemas.microsoft.com/office/drawing/2010/main">
+              <a14:hiddenFill xmlns:a14="http://schemas.microsoft.com/office/drawing/2010/main" xmlns="">
                 <a:solidFill>
                   <a:schemeClr val="bg1"/>
                 </a:solidFill>
               </a14:hiddenFill>
             </a:ext>
             <a:ext uri="{91240B29-F687-4f45-9708-019B960494DF}">
-              <a14:hiddenLine xmlns="" xmlns:a14="http://schemas.microsoft.com/office/drawing/2010/main" w="12700">
+              <a14:hiddenLine xmlns:a14="http://schemas.microsoft.com/office/drawing/2010/main" xmlns="" w="12700">
                 <a:pattFill prst="narHorz">
                   <a:fgClr>
                     <a:schemeClr val="tx1"/>
@@ -5803,7 +5804,7 @@
               </a14:hiddenLine>
             </a:ext>
             <a:ext uri="{AF507438-7753-43e0-B8FC-AC1667EBCBE1}">
-              <a14:hiddenEffects xmlns="" xmlns:a14="http://schemas.microsoft.com/office/drawing/2010/main">
+              <a14:hiddenEffects xmlns:a14="http://schemas.microsoft.com/office/drawing/2010/main" xmlns="">
                 <a:effectLst>
                   <a:outerShdw blurRad="63500" dist="38099" dir="2700000" algn="ctr" rotWithShape="0">
                     <a:schemeClr val="bg2">
@@ -5887,12 +5888,12 @@
           <a:effectLst/>
           <a:extLst>
             <a:ext uri="{909E8E84-426E-40dd-AFC4-6F175D3DCCD1}">
-              <a14:hiddenFill xmlns="" xmlns:a14="http://schemas.microsoft.com/office/drawing/2010/main">
+              <a14:hiddenFill xmlns:a14="http://schemas.microsoft.com/office/drawing/2010/main" xmlns="">
                 <a:noFill/>
               </a14:hiddenFill>
             </a:ext>
             <a:ext uri="{AF507438-7753-43e0-B8FC-AC1667EBCBE1}">
-              <a14:hiddenEffects xmlns="" xmlns:a14="http://schemas.microsoft.com/office/drawing/2010/main">
+              <a14:hiddenEffects xmlns:a14="http://schemas.microsoft.com/office/drawing/2010/main" xmlns="">
                 <a:effectLst>
                   <a:outerShdw blurRad="63500" dist="38099" dir="2700000" algn="ctr" rotWithShape="0">
                     <a:schemeClr val="bg2">
@@ -6726,6 +6727,114 @@
   <p:cSld>
     <p:spTree>
       <p:nvGrpSpPr>
+        <p:cNvPr id="1" name=""/>
+        <p:cNvGrpSpPr/>
+        <p:nvPr/>
+      </p:nvGrpSpPr>
+      <p:grpSpPr>
+        <a:xfrm>
+          <a:off x="0" y="0"/>
+          <a:ext cx="0" cy="0"/>
+          <a:chOff x="0" y="0"/>
+          <a:chExt cx="0" cy="0"/>
+        </a:xfrm>
+      </p:grpSpPr>
+      <p:sp>
+        <p:nvSpPr>
+          <p:cNvPr id="2" name="Title 1">
+            <a:extLst>
+              <a:ext uri="{FF2B5EF4-FFF2-40B4-BE49-F238E27FC236}">
+                <a16:creationId xmlns:a16="http://schemas.microsoft.com/office/drawing/2014/main" id="{CCDB4D07-14D3-2F7D-45E2-B1FD2B2DDD0A}"/>
+              </a:ext>
+            </a:extLst>
+          </p:cNvPr>
+          <p:cNvSpPr>
+            <a:spLocks noGrp="1"/>
+          </p:cNvSpPr>
+          <p:nvPr>
+            <p:ph type="title"/>
+          </p:nvPr>
+        </p:nvSpPr>
+        <p:spPr/>
+        <p:txBody>
+          <a:bodyPr/>
+          <a:lstStyle/>
+          <a:p>
+            <a:r>
+              <a:rPr lang="en-GB" dirty="0"/>
+              <a:t>Mutual Exclusion III (Peterson’s Solution) Answer</a:t>
+            </a:r>
+            <a:endParaRPr lang="en-SE" dirty="0"/>
+          </a:p>
+        </p:txBody>
+      </p:sp>
+      <p:sp>
+        <p:nvSpPr>
+          <p:cNvPr id="3" name="Content Placeholder 2">
+            <a:extLst>
+              <a:ext uri="{FF2B5EF4-FFF2-40B4-BE49-F238E27FC236}">
+                <a16:creationId xmlns:a16="http://schemas.microsoft.com/office/drawing/2014/main" id="{28DED17B-03E7-3D44-E8B9-4D0632D6C4DA}"/>
+              </a:ext>
+            </a:extLst>
+          </p:cNvPr>
+          <p:cNvSpPr>
+            <a:spLocks noGrp="1"/>
+          </p:cNvSpPr>
+          <p:nvPr>
+            <p:ph idx="1"/>
+          </p:nvPr>
+        </p:nvSpPr>
+        <p:spPr/>
+        <p:txBody>
+          <a:bodyPr>
+            <a:normAutofit fontScale="92500" lnSpcReduction="10000"/>
+          </a:bodyPr>
+          <a:lstStyle/>
+          <a:p>
+            <a:r>
+              <a:rPr lang="en-GB" dirty="0"/>
+              <a:t>Mutual Exclusion: Achieved. The combination of flag and turn ensures that only one thread can enter its critical section at a time.</a:t>
+            </a:r>
+          </a:p>
+          <a:p>
+            <a:endParaRPr lang="en-GB" dirty="0"/>
+          </a:p>
+          <a:p>
+            <a:r>
+              <a:rPr lang="en-GB" dirty="0"/>
+              <a:t>Progress (Deadlock-Free): Guaranteed. The turn variable ensures that if both threads want to enter their critical sections, one will eventually proceed. It is not possible for each thread to be blocked forever waiting for each other.</a:t>
+            </a:r>
+          </a:p>
+          <a:p>
+            <a:endParaRPr lang="en-GB" dirty="0"/>
+          </a:p>
+          <a:p>
+            <a:r>
+              <a:rPr lang="en-GB" dirty="0"/>
+              <a:t>Bounded Waiting (Starvation-Free): Guaranteed. Each thread gets a fair chance to enter its critical section due to the alternation enforced by the turn variable.</a:t>
+            </a:r>
+          </a:p>
+        </p:txBody>
+      </p:sp>
+    </p:spTree>
+    <p:extLst>
+      <p:ext uri="{BB962C8B-B14F-4D97-AF65-F5344CB8AC3E}">
+        <p14:creationId xmlns:p14="http://schemas.microsoft.com/office/powerpoint/2010/main" val="1874218625"/>
+      </p:ext>
+    </p:extLst>
+  </p:cSld>
+  <p:clrMapOvr>
+    <a:masterClrMapping/>
+  </p:clrMapOvr>
+  <p:transition/>
+</p:sld>
+</file>
+
+<file path=ppt/slides/slide11.xml><?xml version="1.0" encoding="utf-8"?>
+<p:sld xmlns:a="http://schemas.openxmlformats.org/drawingml/2006/main" xmlns:r="http://schemas.openxmlformats.org/officeDocument/2006/relationships" xmlns:p="http://schemas.openxmlformats.org/presentationml/2006/main">
+  <p:cSld>
+    <p:spTree>
+      <p:nvGrpSpPr>
         <p:cNvPr id="1" name="">
           <a:extLst>
             <a:ext uri="{FF2B5EF4-FFF2-40B4-BE49-F238E27FC236}">
@@ -6806,17 +6915,17 @@
           <a:effectLst/>
           <a:extLst>
             <a:ext uri="{FAA26D3D-D897-4be2-8F04-BA451C77F1D7}">
-              <ma14:placeholderFlag xmlns="" xmlns:ma14="http://schemas.microsoft.com/office/mac/drawingml/2011/main" val="1"/>
+              <ma14:placeholderFlag xmlns:ma14="http://schemas.microsoft.com/office/mac/drawingml/2011/main" xmlns="" val="1"/>
             </a:ext>
             <a:ext uri="{909E8E84-426E-40dd-AFC4-6F175D3DCCD1}">
-              <a14:hiddenFill xmlns="" xmlns:a14="http://schemas.microsoft.com/office/drawing/2010/main">
+              <a14:hiddenFill xmlns:a14="http://schemas.microsoft.com/office/drawing/2010/main" xmlns="">
                 <a:solidFill>
                   <a:schemeClr val="bg1"/>
                 </a:solidFill>
               </a14:hiddenFill>
             </a:ext>
             <a:ext uri="{91240B29-F687-4f45-9708-019B960494DF}">
-              <a14:hiddenLine xmlns="" xmlns:a14="http://schemas.microsoft.com/office/drawing/2010/main" w="12700">
+              <a14:hiddenLine xmlns:a14="http://schemas.microsoft.com/office/drawing/2010/main" xmlns="" w="12700">
                 <a:pattFill prst="narHorz">
                   <a:fgClr>
                     <a:schemeClr val="tx1"/>
@@ -6831,7 +6940,7 @@
               </a14:hiddenLine>
             </a:ext>
             <a:ext uri="{AF507438-7753-43e0-B8FC-AC1667EBCBE1}">
-              <a14:hiddenEffects xmlns="" xmlns:a14="http://schemas.microsoft.com/office/drawing/2010/main">
+              <a14:hiddenEffects xmlns:a14="http://schemas.microsoft.com/office/drawing/2010/main" xmlns="">
                 <a:effectLst>
                   <a:outerShdw blurRad="63500" dist="38099" dir="2700000" algn="ctr" rotWithShape="0">
                     <a:schemeClr val="bg2">
@@ -7170,17 +7279,17 @@
           <a:effectLst/>
           <a:extLst>
             <a:ext uri="{FAA26D3D-D897-4be2-8F04-BA451C77F1D7}">
-              <ma14:placeholderFlag xmlns="" xmlns:ma14="http://schemas.microsoft.com/office/mac/drawingml/2011/main" val="1"/>
+              <ma14:placeholderFlag xmlns:ma14="http://schemas.microsoft.com/office/mac/drawingml/2011/main" xmlns="" val="1"/>
             </a:ext>
             <a:ext uri="{909E8E84-426E-40dd-AFC4-6F175D3DCCD1}">
-              <a14:hiddenFill xmlns="" xmlns:a14="http://schemas.microsoft.com/office/drawing/2010/main">
+              <a14:hiddenFill xmlns:a14="http://schemas.microsoft.com/office/drawing/2010/main" xmlns="">
                 <a:solidFill>
                   <a:schemeClr val="bg1"/>
                 </a:solidFill>
               </a14:hiddenFill>
             </a:ext>
             <a:ext uri="{91240B29-F687-4f45-9708-019B960494DF}">
-              <a14:hiddenLine xmlns="" xmlns:a14="http://schemas.microsoft.com/office/drawing/2010/main" w="12700">
+              <a14:hiddenLine xmlns:a14="http://schemas.microsoft.com/office/drawing/2010/main" xmlns="" w="12700">
                 <a:pattFill prst="narHorz">
                   <a:fgClr>
                     <a:schemeClr val="tx1"/>
@@ -7195,7 +7304,7 @@
               </a14:hiddenLine>
             </a:ext>
             <a:ext uri="{AF507438-7753-43e0-B8FC-AC1667EBCBE1}">
-              <a14:hiddenEffects xmlns="" xmlns:a14="http://schemas.microsoft.com/office/drawing/2010/main">
+              <a14:hiddenEffects xmlns:a14="http://schemas.microsoft.com/office/drawing/2010/main" xmlns="">
                 <a:effectLst>
                   <a:outerShdw blurRad="63500" dist="38099" dir="2700000" algn="ctr" rotWithShape="0">
                     <a:schemeClr val="bg2">
@@ -7471,17 +7580,17 @@
           <a:effectLst/>
           <a:extLst>
             <a:ext uri="{FAA26D3D-D897-4be2-8F04-BA451C77F1D7}">
-              <ma14:placeholderFlag xmlns="" xmlns:ma14="http://schemas.microsoft.com/office/mac/drawingml/2011/main" val="1"/>
+              <ma14:placeholderFlag xmlns:ma14="http://schemas.microsoft.com/office/mac/drawingml/2011/main" xmlns="" val="1"/>
             </a:ext>
             <a:ext uri="{909E8E84-426E-40dd-AFC4-6F175D3DCCD1}">
-              <a14:hiddenFill xmlns="" xmlns:a14="http://schemas.microsoft.com/office/drawing/2010/main">
+              <a14:hiddenFill xmlns:a14="http://schemas.microsoft.com/office/drawing/2010/main" xmlns="">
                 <a:solidFill>
                   <a:schemeClr val="bg1"/>
                 </a:solidFill>
               </a14:hiddenFill>
             </a:ext>
             <a:ext uri="{91240B29-F687-4f45-9708-019B960494DF}">
-              <a14:hiddenLine xmlns="" xmlns:a14="http://schemas.microsoft.com/office/drawing/2010/main" w="12700">
+              <a14:hiddenLine xmlns:a14="http://schemas.microsoft.com/office/drawing/2010/main" xmlns="" w="12700">
                 <a:pattFill prst="narHorz">
                   <a:fgClr>
                     <a:schemeClr val="tx1"/>
@@ -7496,7 +7605,7 @@
               </a14:hiddenLine>
             </a:ext>
             <a:ext uri="{AF507438-7753-43e0-B8FC-AC1667EBCBE1}">
-              <a14:hiddenEffects xmlns="" xmlns:a14="http://schemas.microsoft.com/office/drawing/2010/main">
+              <a14:hiddenEffects xmlns:a14="http://schemas.microsoft.com/office/drawing/2010/main" xmlns="">
                 <a:effectLst>
                   <a:outerShdw blurRad="63500" dist="38099" dir="2700000" algn="ctr" rotWithShape="0">
                     <a:schemeClr val="bg2">
@@ -7892,7 +8001,7 @@
 </p:sld>
 </file>
 
-<file path=ppt/slides/slide11.xml><?xml version="1.0" encoding="utf-8"?>
+<file path=ppt/slides/slide12.xml><?xml version="1.0" encoding="utf-8"?>
 <p:sld xmlns:a="http://schemas.openxmlformats.org/drawingml/2006/main" xmlns:r="http://schemas.openxmlformats.org/officeDocument/2006/relationships" xmlns:p="http://schemas.openxmlformats.org/presentationml/2006/main">
   <p:cSld>
     <p:spTree>
@@ -7932,11 +8041,7 @@
           <a:p>
             <a:r>
               <a:rPr lang="en-GB" sz="2800" dirty="0"/>
-              <a:t>Mutual Exclusion III (Peterson’s Solution Variation) </a:t>
-            </a:r>
-            <a:r>
-              <a:rPr lang="en-GB" sz="2800" dirty="0" err="1"/>
-              <a:t>Analuysis</a:t>
+              <a:t>Mutual Exclusion III (Peterson’s Solution Variation) Answer</a:t>
             </a:r>
             <a:endParaRPr lang="en-SE" sz="2800" dirty="0"/>
           </a:p>
@@ -8044,7 +8149,7 @@
 </p:sld>
 </file>
 
-<file path=ppt/slides/slide12.xml><?xml version="1.0" encoding="utf-8"?>
+<file path=ppt/slides/slide13.xml><?xml version="1.0" encoding="utf-8"?>
 <p:sld xmlns:a="http://schemas.openxmlformats.org/drawingml/2006/main" xmlns:r="http://schemas.openxmlformats.org/officeDocument/2006/relationships" xmlns:p="http://schemas.openxmlformats.org/presentationml/2006/main">
   <p:cSld>
     <p:spTree>
@@ -10551,17 +10656,17 @@
           <a:effectLst/>
           <a:extLst>
             <a:ext uri="{FAA26D3D-D897-4be2-8F04-BA451C77F1D7}">
-              <ma14:placeholderFlag xmlns="" xmlns:ma14="http://schemas.microsoft.com/office/mac/drawingml/2011/main" val="1"/>
+              <ma14:placeholderFlag xmlns:ma14="http://schemas.microsoft.com/office/mac/drawingml/2011/main" xmlns="" val="1"/>
             </a:ext>
             <a:ext uri="{909E8E84-426E-40dd-AFC4-6F175D3DCCD1}">
-              <a14:hiddenFill xmlns="" xmlns:a14="http://schemas.microsoft.com/office/drawing/2010/main">
+              <a14:hiddenFill xmlns:a14="http://schemas.microsoft.com/office/drawing/2010/main" xmlns="">
                 <a:solidFill>
                   <a:schemeClr val="bg1"/>
                 </a:solidFill>
               </a14:hiddenFill>
             </a:ext>
             <a:ext uri="{91240B29-F687-4f45-9708-019B960494DF}">
-              <a14:hiddenLine xmlns="" xmlns:a14="http://schemas.microsoft.com/office/drawing/2010/main" w="12700">
+              <a14:hiddenLine xmlns:a14="http://schemas.microsoft.com/office/drawing/2010/main" xmlns="" w="12700">
                 <a:pattFill prst="narHorz">
                   <a:fgClr>
                     <a:schemeClr val="tx1"/>
@@ -10576,7 +10681,7 @@
               </a14:hiddenLine>
             </a:ext>
             <a:ext uri="{AF507438-7753-43e0-B8FC-AC1667EBCBE1}">
-              <a14:hiddenEffects xmlns="" xmlns:a14="http://schemas.microsoft.com/office/drawing/2010/main">
+              <a14:hiddenEffects xmlns:a14="http://schemas.microsoft.com/office/drawing/2010/main" xmlns="">
                 <a:effectLst>
                   <a:outerShdw blurRad="63500" dist="38099" dir="2700000" algn="ctr" rotWithShape="0">
                     <a:schemeClr val="bg2">
@@ -10928,7 +11033,7 @@
                 <a:cs typeface="Arial"/>
               </a:rPr>
               <a:pPr algn="ctr"/>
-              <a:t>12</a:t>
+              <a:t>13</a:t>
             </a:fld>
             <a:endParaRPr lang="nb-NO" sz="1400" b="0" i="0" dirty="0">
               <a:solidFill>
@@ -10949,7 +11054,7 @@
 </p:sld>
 </file>
 
-<file path=ppt/slides/slide13.xml><?xml version="1.0" encoding="utf-8"?>
+<file path=ppt/slides/slide14.xml><?xml version="1.0" encoding="utf-8"?>
 <p:sld xmlns:a="http://schemas.openxmlformats.org/drawingml/2006/main" xmlns:r="http://schemas.openxmlformats.org/officeDocument/2006/relationships" xmlns:p="http://schemas.openxmlformats.org/presentationml/2006/main">
   <p:cSld>
     <p:spTree>
@@ -13513,17 +13618,17 @@
           <a:effectLst/>
           <a:extLst>
             <a:ext uri="{FAA26D3D-D897-4be2-8F04-BA451C77F1D7}">
-              <ma14:placeholderFlag xmlns="" xmlns:ma14="http://schemas.microsoft.com/office/mac/drawingml/2011/main" val="1"/>
+              <ma14:placeholderFlag xmlns:ma14="http://schemas.microsoft.com/office/mac/drawingml/2011/main" xmlns="" val="1"/>
             </a:ext>
             <a:ext uri="{909E8E84-426E-40dd-AFC4-6F175D3DCCD1}">
-              <a14:hiddenFill xmlns="" xmlns:a14="http://schemas.microsoft.com/office/drawing/2010/main">
+              <a14:hiddenFill xmlns:a14="http://schemas.microsoft.com/office/drawing/2010/main" xmlns="">
                 <a:solidFill>
                   <a:schemeClr val="bg1"/>
                 </a:solidFill>
               </a14:hiddenFill>
             </a:ext>
             <a:ext uri="{91240B29-F687-4f45-9708-019B960494DF}">
-              <a14:hiddenLine xmlns="" xmlns:a14="http://schemas.microsoft.com/office/drawing/2010/main" w="12700">
+              <a14:hiddenLine xmlns:a14="http://schemas.microsoft.com/office/drawing/2010/main" xmlns="" w="12700">
                 <a:pattFill prst="narHorz">
                   <a:fgClr>
                     <a:schemeClr val="tx1"/>
@@ -13538,7 +13643,7 @@
               </a14:hiddenLine>
             </a:ext>
             <a:ext uri="{AF507438-7753-43e0-B8FC-AC1667EBCBE1}">
-              <a14:hiddenEffects xmlns="" xmlns:a14="http://schemas.microsoft.com/office/drawing/2010/main">
+              <a14:hiddenEffects xmlns:a14="http://schemas.microsoft.com/office/drawing/2010/main" xmlns="">
                 <a:effectLst>
                   <a:outerShdw blurRad="63500" dist="38099" dir="2700000" algn="ctr" rotWithShape="0">
                     <a:schemeClr val="bg2">
@@ -13890,7 +13995,7 @@
                 <a:cs typeface="Arial"/>
               </a:rPr>
               <a:pPr algn="ctr"/>
-              <a:t>13</a:t>
+              <a:t>14</a:t>
             </a:fld>
             <a:endParaRPr lang="nb-NO" sz="1400" b="0" i="0" dirty="0">
               <a:solidFill>
@@ -13911,7 +14016,7 @@
 </p:sld>
 </file>
 
-<file path=ppt/slides/slide14.xml><?xml version="1.0" encoding="utf-8"?>
+<file path=ppt/slides/slide15.xml><?xml version="1.0" encoding="utf-8"?>
 <p:sld xmlns:a="http://schemas.openxmlformats.org/drawingml/2006/main" xmlns:r="http://schemas.openxmlformats.org/officeDocument/2006/relationships" xmlns:p="http://schemas.openxmlformats.org/presentationml/2006/main">
   <p:cSld>
     <p:spTree>
@@ -15728,7 +15833,7 @@
                 <a:cs typeface="Arial"/>
               </a:rPr>
               <a:pPr algn="ctr"/>
-              <a:t>14</a:t>
+              <a:t>15</a:t>
             </a:fld>
             <a:endParaRPr lang="nb-NO" sz="1400" b="0" i="0" dirty="0">
               <a:solidFill>
@@ -15771,17 +15876,17 @@
           <a:effectLst/>
           <a:extLst>
             <a:ext uri="{FAA26D3D-D897-4be2-8F04-BA451C77F1D7}">
-              <ma14:placeholderFlag xmlns="" xmlns:ma14="http://schemas.microsoft.com/office/mac/drawingml/2011/main" val="1"/>
+              <ma14:placeholderFlag xmlns:ma14="http://schemas.microsoft.com/office/mac/drawingml/2011/main" xmlns="" val="1"/>
             </a:ext>
             <a:ext uri="{909E8E84-426E-40dd-AFC4-6F175D3DCCD1}">
-              <a14:hiddenFill xmlns="" xmlns:a14="http://schemas.microsoft.com/office/drawing/2010/main">
+              <a14:hiddenFill xmlns:a14="http://schemas.microsoft.com/office/drawing/2010/main" xmlns="">
                 <a:solidFill>
                   <a:schemeClr val="bg1"/>
                 </a:solidFill>
               </a14:hiddenFill>
             </a:ext>
             <a:ext uri="{91240B29-F687-4f45-9708-019B960494DF}">
-              <a14:hiddenLine xmlns="" xmlns:a14="http://schemas.microsoft.com/office/drawing/2010/main" w="12700">
+              <a14:hiddenLine xmlns:a14="http://schemas.microsoft.com/office/drawing/2010/main" xmlns="" w="12700">
                 <a:pattFill prst="narHorz">
                   <a:fgClr>
                     <a:schemeClr val="tx1"/>
@@ -15796,7 +15901,7 @@
               </a14:hiddenLine>
             </a:ext>
             <a:ext uri="{AF507438-7753-43e0-B8FC-AC1667EBCBE1}">
-              <a14:hiddenEffects xmlns="" xmlns:a14="http://schemas.microsoft.com/office/drawing/2010/main">
+              <a14:hiddenEffects xmlns:a14="http://schemas.microsoft.com/office/drawing/2010/main" xmlns="">
                 <a:effectLst>
                   <a:outerShdw blurRad="63500" dist="38099" dir="2700000" algn="ctr" rotWithShape="0">
                     <a:schemeClr val="bg2">
@@ -16041,17 +16146,17 @@
           <a:effectLst/>
           <a:extLst>
             <a:ext uri="{FAA26D3D-D897-4be2-8F04-BA451C77F1D7}">
-              <ma14:placeholderFlag xmlns="" xmlns:ma14="http://schemas.microsoft.com/office/mac/drawingml/2011/main" val="1"/>
+              <ma14:placeholderFlag xmlns:ma14="http://schemas.microsoft.com/office/mac/drawingml/2011/main" xmlns="" val="1"/>
             </a:ext>
             <a:ext uri="{909E8E84-426E-40dd-AFC4-6F175D3DCCD1}">
-              <a14:hiddenFill xmlns="" xmlns:a14="http://schemas.microsoft.com/office/drawing/2010/main">
+              <a14:hiddenFill xmlns:a14="http://schemas.microsoft.com/office/drawing/2010/main" xmlns="">
                 <a:solidFill>
                   <a:schemeClr val="bg1"/>
                 </a:solidFill>
               </a14:hiddenFill>
             </a:ext>
             <a:ext uri="{91240B29-F687-4f45-9708-019B960494DF}">
-              <a14:hiddenLine xmlns="" xmlns:a14="http://schemas.microsoft.com/office/drawing/2010/main" w="12700">
+              <a14:hiddenLine xmlns:a14="http://schemas.microsoft.com/office/drawing/2010/main" xmlns="" w="12700">
                 <a:pattFill prst="narHorz">
                   <a:fgClr>
                     <a:schemeClr val="tx1"/>
@@ -16066,7 +16171,7 @@
               </a14:hiddenLine>
             </a:ext>
             <a:ext uri="{AF507438-7753-43e0-B8FC-AC1667EBCBE1}">
-              <a14:hiddenEffects xmlns="" xmlns:a14="http://schemas.microsoft.com/office/drawing/2010/main">
+              <a14:hiddenEffects xmlns:a14="http://schemas.microsoft.com/office/drawing/2010/main" xmlns="">
                 <a:effectLst>
                   <a:outerShdw blurRad="63500" dist="38099" dir="2700000" algn="ctr" rotWithShape="0">
                     <a:schemeClr val="bg2">
@@ -16311,17 +16416,17 @@
           <a:effectLst/>
           <a:extLst>
             <a:ext uri="{FAA26D3D-D897-4be2-8F04-BA451C77F1D7}">
-              <ma14:placeholderFlag xmlns="" xmlns:ma14="http://schemas.microsoft.com/office/mac/drawingml/2011/main" val="1"/>
+              <ma14:placeholderFlag xmlns:ma14="http://schemas.microsoft.com/office/mac/drawingml/2011/main" xmlns="" val="1"/>
             </a:ext>
             <a:ext uri="{909E8E84-426E-40dd-AFC4-6F175D3DCCD1}">
-              <a14:hiddenFill xmlns="" xmlns:a14="http://schemas.microsoft.com/office/drawing/2010/main">
+              <a14:hiddenFill xmlns:a14="http://schemas.microsoft.com/office/drawing/2010/main" xmlns="">
                 <a:solidFill>
                   <a:schemeClr val="bg1"/>
                 </a:solidFill>
               </a14:hiddenFill>
             </a:ext>
             <a:ext uri="{91240B29-F687-4f45-9708-019B960494DF}">
-              <a14:hiddenLine xmlns="" xmlns:a14="http://schemas.microsoft.com/office/drawing/2010/main" w="12700">
+              <a14:hiddenLine xmlns:a14="http://schemas.microsoft.com/office/drawing/2010/main" xmlns="" w="12700">
                 <a:pattFill prst="narHorz">
                   <a:fgClr>
                     <a:schemeClr val="tx1"/>
@@ -16336,7 +16441,7 @@
               </a14:hiddenLine>
             </a:ext>
             <a:ext uri="{AF507438-7753-43e0-B8FC-AC1667EBCBE1}">
-              <a14:hiddenEffects xmlns="" xmlns:a14="http://schemas.microsoft.com/office/drawing/2010/main">
+              <a14:hiddenEffects xmlns:a14="http://schemas.microsoft.com/office/drawing/2010/main" xmlns="">
                 <a:effectLst>
                   <a:outerShdw blurRad="63500" dist="38099" dir="2700000" algn="ctr" rotWithShape="0">
                     <a:schemeClr val="bg2">
@@ -16575,7 +16680,7 @@
 </p:sld>
 </file>
 
-<file path=ppt/slides/slide15.xml><?xml version="1.0" encoding="utf-8"?>
+<file path=ppt/slides/slide16.xml><?xml version="1.0" encoding="utf-8"?>
 <p:sld xmlns:a="http://schemas.openxmlformats.org/drawingml/2006/main" xmlns:r="http://schemas.openxmlformats.org/officeDocument/2006/relationships" xmlns:p="http://schemas.openxmlformats.org/presentationml/2006/main">
   <p:cSld>
     <p:spTree>
@@ -20197,7 +20302,7 @@
                 <a:cs typeface="Arial"/>
               </a:rPr>
               <a:pPr algn="ctr"/>
-              <a:t>15</a:t>
+              <a:t>16</a:t>
             </a:fld>
             <a:endParaRPr lang="nb-NO" sz="1400" b="0" i="0" dirty="0">
               <a:solidFill>
@@ -20295,7 +20400,7 @@
 </p:sld>
 </file>
 
-<file path=ppt/slides/slide16.xml><?xml version="1.0" encoding="utf-8"?>
+<file path=ppt/slides/slide17.xml><?xml version="1.0" encoding="utf-8"?>
 <p:sld xmlns:a="http://schemas.openxmlformats.org/drawingml/2006/main" xmlns:r="http://schemas.openxmlformats.org/officeDocument/2006/relationships" xmlns:p="http://schemas.openxmlformats.org/presentationml/2006/main">
   <p:cSld>
     <p:spTree>
@@ -20818,7 +20923,7 @@
 </p:sld>
 </file>
 
-<file path=ppt/slides/slide17.xml><?xml version="1.0" encoding="utf-8"?>
+<file path=ppt/slides/slide18.xml><?xml version="1.0" encoding="utf-8"?>
 <p:sld xmlns:a="http://schemas.openxmlformats.org/drawingml/2006/main" xmlns:r="http://schemas.openxmlformats.org/officeDocument/2006/relationships" xmlns:p="http://schemas.openxmlformats.org/presentationml/2006/main">
   <p:cSld>
     <p:spTree>
@@ -22268,7 +22373,7 @@
 </p:sld>
 </file>
 
-<file path=ppt/slides/slide18.xml><?xml version="1.0" encoding="utf-8"?>
+<file path=ppt/slides/slide19.xml><?xml version="1.0" encoding="utf-8"?>
 <p:sld xmlns:a="http://schemas.openxmlformats.org/drawingml/2006/main" xmlns:r="http://schemas.openxmlformats.org/officeDocument/2006/relationships" xmlns:p="http://schemas.openxmlformats.org/presentationml/2006/main">
   <p:cSld>
     <p:spTree>
@@ -24613,7 +24718,7 @@
                 <a:cs typeface="Arial"/>
               </a:rPr>
               <a:pPr algn="ctr"/>
-              <a:t>18</a:t>
+              <a:t>19</a:t>
             </a:fld>
             <a:endParaRPr lang="nb-NO" sz="1400" b="0" i="0" dirty="0">
               <a:solidFill>
@@ -24634,7 +24739,555 @@
 </p:sld>
 </file>
 
-<file path=ppt/slides/slide19.xml><?xml version="1.0" encoding="utf-8"?>
+<file path=ppt/slides/slide2.xml><?xml version="1.0" encoding="utf-8"?>
+<p:sld xmlns:a="http://schemas.openxmlformats.org/drawingml/2006/main" xmlns:r="http://schemas.openxmlformats.org/officeDocument/2006/relationships" xmlns:p="http://schemas.openxmlformats.org/presentationml/2006/main">
+  <p:cSld>
+    <p:spTree>
+      <p:nvGrpSpPr>
+        <p:cNvPr id="1" name=""/>
+        <p:cNvGrpSpPr/>
+        <p:nvPr/>
+      </p:nvGrpSpPr>
+      <p:grpSpPr>
+        <a:xfrm>
+          <a:off x="0" y="0"/>
+          <a:ext cx="0" cy="0"/>
+          <a:chOff x="0" y="0"/>
+          <a:chExt cx="0" cy="0"/>
+        </a:xfrm>
+      </p:grpSpPr>
+      <p:sp>
+        <p:nvSpPr>
+          <p:cNvPr id="2" name="Title 1">
+            <a:extLst>
+              <a:ext uri="{FF2B5EF4-FFF2-40B4-BE49-F238E27FC236}">
+                <a16:creationId xmlns:a16="http://schemas.microsoft.com/office/drawing/2014/main" id="{EE99ECAB-116C-2AAD-80D6-37DE8E7E942B}"/>
+              </a:ext>
+            </a:extLst>
+          </p:cNvPr>
+          <p:cNvSpPr>
+            <a:spLocks noGrp="1"/>
+          </p:cNvSpPr>
+          <p:nvPr>
+            <p:ph type="title"/>
+          </p:nvPr>
+        </p:nvSpPr>
+        <p:spPr/>
+        <p:txBody>
+          <a:bodyPr/>
+          <a:lstStyle/>
+          <a:p>
+            <a:r>
+              <a:rPr lang="en-GB" dirty="0"/>
+              <a:t>Concurrency</a:t>
+            </a:r>
+            <a:endParaRPr lang="en-SE" dirty="0"/>
+          </a:p>
+        </p:txBody>
+      </p:sp>
+      <p:sp>
+        <p:nvSpPr>
+          <p:cNvPr id="3" name="Content Placeholder 2">
+            <a:extLst>
+              <a:ext uri="{FF2B5EF4-FFF2-40B4-BE49-F238E27FC236}">
+                <a16:creationId xmlns:a16="http://schemas.microsoft.com/office/drawing/2014/main" id="{47F46428-7B6B-9A6D-0CB4-240A8724235B}"/>
+              </a:ext>
+            </a:extLst>
+          </p:cNvPr>
+          <p:cNvSpPr>
+            <a:spLocks noGrp="1"/>
+          </p:cNvSpPr>
+          <p:nvPr>
+            <p:ph idx="1"/>
+          </p:nvPr>
+        </p:nvSpPr>
+        <p:spPr>
+          <a:xfrm>
+            <a:off x="812800" y="914400"/>
+            <a:ext cx="7112000" cy="5105400"/>
+          </a:xfrm>
+        </p:spPr>
+        <p:txBody>
+          <a:bodyPr>
+            <a:normAutofit/>
+          </a:bodyPr>
+          <a:lstStyle/>
+          <a:p>
+            <a:r>
+              <a:rPr lang="en-GB" dirty="0"/>
+              <a:t>Consider three concurrent threads T1, T2, T3, which access a shared variable D that has been initialized to 100. There is no mutex protection. What are the minimum and maximum possible values of D after the three threads have completed execution?</a:t>
+            </a:r>
+          </a:p>
+          <a:p>
+            <a:r>
+              <a:rPr lang="en-GB" dirty="0"/>
+              <a:t>ANS: </a:t>
+            </a:r>
+            <a:endParaRPr lang="en-SE" dirty="0"/>
+          </a:p>
+        </p:txBody>
+      </p:sp>
+      <p:sp>
+        <p:nvSpPr>
+          <p:cNvPr id="6" name="Plassholder for innhold 2">
+            <a:extLst>
+              <a:ext uri="{FF2B5EF4-FFF2-40B4-BE49-F238E27FC236}">
+                <a16:creationId xmlns:a16="http://schemas.microsoft.com/office/drawing/2014/main" id="{2183CFE9-A40B-4A10-8801-A4BBC5E6C6E0}"/>
+              </a:ext>
+            </a:extLst>
+          </p:cNvPr>
+          <p:cNvSpPr txBox="1">
+            <a:spLocks/>
+          </p:cNvSpPr>
+          <p:nvPr/>
+        </p:nvSpPr>
+        <p:spPr bwMode="auto">
+          <a:xfrm>
+            <a:off x="9140173" y="838200"/>
+            <a:ext cx="2209800" cy="4408118"/>
+          </a:xfrm>
+          <a:prstGeom prst="rect">
+            <a:avLst/>
+          </a:prstGeom>
+          <a:noFill/>
+          <a:ln>
+            <a:solidFill>
+              <a:schemeClr val="accent1">
+                <a:lumMod val="50000"/>
+              </a:schemeClr>
+            </a:solidFill>
+          </a:ln>
+          <a:effectLst/>
+          <a:extLst>
+            <a:ext uri="{FAA26D3D-D897-4be2-8F04-BA451C77F1D7}">
+              <ma14:placeholderFlag xmlns:ma14="http://schemas.microsoft.com/office/mac/drawingml/2011/main" xmlns="" val="1"/>
+            </a:ext>
+            <a:ext uri="{909E8E84-426E-40dd-AFC4-6F175D3DCCD1}">
+              <a14:hiddenFill xmlns:a14="http://schemas.microsoft.com/office/drawing/2010/main" xmlns="">
+                <a:solidFill>
+                  <a:schemeClr val="bg1"/>
+                </a:solidFill>
+              </a14:hiddenFill>
+            </a:ext>
+            <a:ext uri="{91240B29-F687-4f45-9708-019B960494DF}">
+              <a14:hiddenLine xmlns:a14="http://schemas.microsoft.com/office/drawing/2010/main" xmlns="" w="12700">
+                <a:pattFill prst="narHorz">
+                  <a:fgClr>
+                    <a:schemeClr val="tx1"/>
+                  </a:fgClr>
+                  <a:bgClr>
+                    <a:schemeClr val="bg1"/>
+                  </a:bgClr>
+                </a:pattFill>
+                <a:miter lim="800000"/>
+                <a:headEnd/>
+                <a:tailEnd/>
+              </a14:hiddenLine>
+            </a:ext>
+            <a:ext uri="{AF507438-7753-43e0-B8FC-AC1667EBCBE1}">
+              <a14:hiddenEffects xmlns:a14="http://schemas.microsoft.com/office/drawing/2010/main" xmlns="">
+                <a:effectLst>
+                  <a:outerShdw blurRad="63500" dist="38099" dir="2700000" algn="ctr" rotWithShape="0">
+                    <a:schemeClr val="bg2">
+                      <a:alpha val="74998"/>
+                    </a:schemeClr>
+                  </a:outerShdw>
+                </a:effectLst>
+              </a14:hiddenEffects>
+            </a:ext>
+          </a:extLst>
+        </p:spPr>
+        <p:txBody>
+          <a:bodyPr vert="horz" wrap="square" lIns="90478" tIns="44445" rIns="90478" bIns="44445" numCol="1" anchor="t" anchorCtr="0" compatLnSpc="1">
+            <a:prstTxWarp prst="textNoShape">
+              <a:avLst/>
+            </a:prstTxWarp>
+            <a:noAutofit/>
+          </a:bodyPr>
+          <a:lstStyle>
+            <a:lvl1pPr marL="285750" indent="-285750" algn="l" rtl="0" eaLnBrk="0" fontAlgn="base" hangingPunct="0">
+              <a:lnSpc>
+                <a:spcPct val="90000"/>
+              </a:lnSpc>
+              <a:spcBef>
+                <a:spcPct val="30000"/>
+              </a:spcBef>
+              <a:spcAft>
+                <a:spcPct val="0"/>
+              </a:spcAft>
+              <a:buSzPct val="100000"/>
+              <a:buChar char="•"/>
+              <a:defRPr sz="2400">
+                <a:solidFill>
+                  <a:schemeClr val="tx1"/>
+                </a:solidFill>
+                <a:latin typeface="Gill Sans" charset="0"/>
+                <a:ea typeface="ＭＳ Ｐゴシック" charset="0"/>
+                <a:cs typeface="Gill Sans" charset="0"/>
+              </a:defRPr>
+            </a:lvl1pPr>
+            <a:lvl2pPr marL="685800" indent="-228600" algn="l" rtl="0" eaLnBrk="0" fontAlgn="base" hangingPunct="0">
+              <a:lnSpc>
+                <a:spcPct val="90000"/>
+              </a:lnSpc>
+              <a:spcBef>
+                <a:spcPct val="30000"/>
+              </a:spcBef>
+              <a:spcAft>
+                <a:spcPct val="0"/>
+              </a:spcAft>
+              <a:buSzPct val="100000"/>
+              <a:buChar char="–"/>
+              <a:defRPr sz="2200">
+                <a:solidFill>
+                  <a:schemeClr val="tx1"/>
+                </a:solidFill>
+                <a:latin typeface="Gill Sans" charset="0"/>
+                <a:ea typeface="Gill Sans" charset="0"/>
+                <a:cs typeface="Gill Sans" charset="0"/>
+              </a:defRPr>
+            </a:lvl2pPr>
+            <a:lvl3pPr marL="1143000" indent="-228600" algn="l" rtl="0" eaLnBrk="0" fontAlgn="base" hangingPunct="0">
+              <a:lnSpc>
+                <a:spcPct val="90000"/>
+              </a:lnSpc>
+              <a:spcBef>
+                <a:spcPct val="30000"/>
+              </a:spcBef>
+              <a:spcAft>
+                <a:spcPct val="0"/>
+              </a:spcAft>
+              <a:buSzPct val="100000"/>
+              <a:buChar char="»"/>
+              <a:defRPr sz="2000">
+                <a:solidFill>
+                  <a:schemeClr val="tx1"/>
+                </a:solidFill>
+                <a:latin typeface="Gill Sans" charset="0"/>
+                <a:ea typeface="Gill Sans" charset="0"/>
+                <a:cs typeface="Gill Sans" charset="0"/>
+              </a:defRPr>
+            </a:lvl3pPr>
+            <a:lvl4pPr marL="1543050" indent="-171450" algn="l" rtl="0" eaLnBrk="0" fontAlgn="base" hangingPunct="0">
+              <a:lnSpc>
+                <a:spcPct val="90000"/>
+              </a:lnSpc>
+              <a:spcBef>
+                <a:spcPct val="30000"/>
+              </a:spcBef>
+              <a:spcAft>
+                <a:spcPct val="0"/>
+              </a:spcAft>
+              <a:buSzPct val="100000"/>
+              <a:buChar char="•"/>
+              <a:defRPr sz="2000">
+                <a:solidFill>
+                  <a:schemeClr val="tx1"/>
+                </a:solidFill>
+                <a:latin typeface="Gill Sans" charset="0"/>
+                <a:ea typeface="Gill Sans" charset="0"/>
+                <a:cs typeface="Gill Sans" charset="0"/>
+              </a:defRPr>
+            </a:lvl4pPr>
+            <a:lvl5pPr marL="2000250" indent="-171450" algn="l" rtl="0" eaLnBrk="0" fontAlgn="base" hangingPunct="0">
+              <a:lnSpc>
+                <a:spcPct val="90000"/>
+              </a:lnSpc>
+              <a:spcBef>
+                <a:spcPct val="30000"/>
+              </a:spcBef>
+              <a:spcAft>
+                <a:spcPct val="0"/>
+              </a:spcAft>
+              <a:buSzPct val="100000"/>
+              <a:buChar char="–"/>
+              <a:defRPr sz="2000">
+                <a:solidFill>
+                  <a:schemeClr val="tx1"/>
+                </a:solidFill>
+                <a:latin typeface="Gill Sans" charset="0"/>
+                <a:ea typeface="Gill Sans" charset="0"/>
+                <a:cs typeface="Gill Sans" charset="0"/>
+              </a:defRPr>
+            </a:lvl5pPr>
+            <a:lvl6pPr marL="2457450" indent="-171450" algn="l" rtl="0" eaLnBrk="0" fontAlgn="base" hangingPunct="0">
+              <a:lnSpc>
+                <a:spcPct val="90000"/>
+              </a:lnSpc>
+              <a:spcBef>
+                <a:spcPct val="30000"/>
+              </a:spcBef>
+              <a:spcAft>
+                <a:spcPct val="0"/>
+              </a:spcAft>
+              <a:buSzPct val="100000"/>
+              <a:buChar char="–"/>
+              <a:defRPr sz="2000" b="1">
+                <a:solidFill>
+                  <a:schemeClr val="tx1"/>
+                </a:solidFill>
+                <a:latin typeface="+mn-lt"/>
+              </a:defRPr>
+            </a:lvl6pPr>
+            <a:lvl7pPr marL="2914650" indent="-171450" algn="l" rtl="0" eaLnBrk="0" fontAlgn="base" hangingPunct="0">
+              <a:lnSpc>
+                <a:spcPct val="90000"/>
+              </a:lnSpc>
+              <a:spcBef>
+                <a:spcPct val="30000"/>
+              </a:spcBef>
+              <a:spcAft>
+                <a:spcPct val="0"/>
+              </a:spcAft>
+              <a:buSzPct val="100000"/>
+              <a:buChar char="–"/>
+              <a:defRPr sz="2000" b="1">
+                <a:solidFill>
+                  <a:schemeClr val="tx1"/>
+                </a:solidFill>
+                <a:latin typeface="+mn-lt"/>
+              </a:defRPr>
+            </a:lvl7pPr>
+            <a:lvl8pPr marL="3371850" indent="-171450" algn="l" rtl="0" eaLnBrk="0" fontAlgn="base" hangingPunct="0">
+              <a:lnSpc>
+                <a:spcPct val="90000"/>
+              </a:lnSpc>
+              <a:spcBef>
+                <a:spcPct val="30000"/>
+              </a:spcBef>
+              <a:spcAft>
+                <a:spcPct val="0"/>
+              </a:spcAft>
+              <a:buSzPct val="100000"/>
+              <a:buChar char="–"/>
+              <a:defRPr sz="2000" b="1">
+                <a:solidFill>
+                  <a:schemeClr val="tx1"/>
+                </a:solidFill>
+                <a:latin typeface="+mn-lt"/>
+              </a:defRPr>
+            </a:lvl8pPr>
+            <a:lvl9pPr marL="3829050" indent="-171450" algn="l" rtl="0" eaLnBrk="0" fontAlgn="base" hangingPunct="0">
+              <a:lnSpc>
+                <a:spcPct val="90000"/>
+              </a:lnSpc>
+              <a:spcBef>
+                <a:spcPct val="30000"/>
+              </a:spcBef>
+              <a:spcAft>
+                <a:spcPct val="0"/>
+              </a:spcAft>
+              <a:buSzPct val="100000"/>
+              <a:buChar char="–"/>
+              <a:defRPr sz="2000" b="1">
+                <a:solidFill>
+                  <a:schemeClr val="tx1"/>
+                </a:solidFill>
+                <a:latin typeface="+mn-lt"/>
+              </a:defRPr>
+            </a:lvl9pPr>
+          </a:lstStyle>
+          <a:p>
+            <a:pPr marL="0" indent="0">
+              <a:buFontTx/>
+              <a:buNone/>
+            </a:pPr>
+            <a:r>
+              <a:rPr lang="en-GB" altLang="zh-CN" sz="1600" b="0" kern="0" dirty="0">
+                <a:latin typeface="Courier New" panose="02070309020205020404" pitchFamily="49" charset="0"/>
+                <a:cs typeface="Courier New" panose="02070309020205020404" pitchFamily="49" charset="0"/>
+              </a:rPr>
+              <a:t>//Initialization</a:t>
+            </a:r>
+          </a:p>
+          <a:p>
+            <a:pPr marL="0" indent="0">
+              <a:buFontTx/>
+              <a:buNone/>
+            </a:pPr>
+            <a:r>
+              <a:rPr lang="en-GB" altLang="zh-CN" sz="1600" b="0" kern="0" dirty="0">
+                <a:latin typeface="Courier New" panose="02070309020205020404" pitchFamily="49" charset="0"/>
+                <a:cs typeface="Courier New" panose="02070309020205020404" pitchFamily="49" charset="0"/>
+              </a:rPr>
+              <a:t>int D=100;</a:t>
+            </a:r>
+            <a:endParaRPr lang="en-GB" altLang="zh-CN" sz="1700" b="0" kern="0" dirty="0">
+              <a:latin typeface="Courier New" panose="02070309020205020404" pitchFamily="49" charset="0"/>
+              <a:cs typeface="Courier New" panose="02070309020205020404" pitchFamily="49" charset="0"/>
+            </a:endParaRPr>
+          </a:p>
+          <a:p>
+            <a:pPr marL="0" indent="0">
+              <a:buFontTx/>
+              <a:buNone/>
+            </a:pPr>
+            <a:r>
+              <a:rPr lang="en-GB" altLang="zh-CN" sz="1700" b="0" kern="0" dirty="0">
+                <a:latin typeface="Courier New" panose="02070309020205020404" pitchFamily="49" charset="0"/>
+                <a:cs typeface="Courier New" panose="02070309020205020404" pitchFamily="49" charset="0"/>
+              </a:rPr>
+              <a:t>//Thread T1</a:t>
+            </a:r>
+          </a:p>
+          <a:p>
+            <a:pPr marL="0" indent="0">
+              <a:buFontTx/>
+              <a:buNone/>
+            </a:pPr>
+            <a:r>
+              <a:rPr lang="en-GB" altLang="zh-CN" sz="1700" b="0" kern="0" dirty="0">
+                <a:latin typeface="Courier New" panose="02070309020205020404" pitchFamily="49" charset="0"/>
+                <a:cs typeface="Courier New" panose="02070309020205020404" pitchFamily="49" charset="0"/>
+              </a:rPr>
+              <a:t>void main(){</a:t>
+            </a:r>
+          </a:p>
+          <a:p>
+            <a:pPr marL="0" indent="0">
+              <a:buFontTx/>
+              <a:buNone/>
+            </a:pPr>
+            <a:r>
+              <a:rPr lang="en-GB" altLang="zh-CN" sz="1700" b="0" kern="0" dirty="0">
+                <a:latin typeface="Courier New" panose="02070309020205020404" pitchFamily="49" charset="0"/>
+                <a:cs typeface="Courier New" panose="02070309020205020404" pitchFamily="49" charset="0"/>
+              </a:rPr>
+              <a:t>D=D+20;</a:t>
+            </a:r>
+          </a:p>
+          <a:p>
+            <a:pPr marL="0" indent="0">
+              <a:buFontTx/>
+              <a:buNone/>
+            </a:pPr>
+            <a:r>
+              <a:rPr lang="en-GB" altLang="zh-CN" sz="1700" b="0" kern="0" dirty="0">
+                <a:latin typeface="Courier New" panose="02070309020205020404" pitchFamily="49" charset="0"/>
+                <a:cs typeface="Courier New" panose="02070309020205020404" pitchFamily="49" charset="0"/>
+              </a:rPr>
+              <a:t>}</a:t>
+            </a:r>
+          </a:p>
+          <a:p>
+            <a:pPr marL="0" indent="0">
+              <a:buFontTx/>
+              <a:buNone/>
+            </a:pPr>
+            <a:r>
+              <a:rPr lang="en-GB" altLang="zh-CN" sz="1700" b="0" kern="0" dirty="0">
+                <a:latin typeface="Courier New" panose="02070309020205020404" pitchFamily="49" charset="0"/>
+                <a:cs typeface="Courier New" panose="02070309020205020404" pitchFamily="49" charset="0"/>
+              </a:rPr>
+              <a:t>//Thread T2</a:t>
+            </a:r>
+          </a:p>
+          <a:p>
+            <a:pPr marL="0" indent="0">
+              <a:buNone/>
+            </a:pPr>
+            <a:r>
+              <a:rPr lang="en-GB" altLang="zh-CN" sz="1700" b="0" kern="0" dirty="0">
+                <a:latin typeface="Courier New" panose="02070309020205020404" pitchFamily="49" charset="0"/>
+                <a:cs typeface="Courier New" panose="02070309020205020404" pitchFamily="49" charset="0"/>
+              </a:rPr>
+              <a:t>void main(){</a:t>
+            </a:r>
+          </a:p>
+          <a:p>
+            <a:pPr marL="0" indent="0">
+              <a:buFontTx/>
+              <a:buNone/>
+            </a:pPr>
+            <a:r>
+              <a:rPr lang="en-GB" altLang="zh-CN" sz="1700" b="0" kern="0" dirty="0">
+                <a:latin typeface="Courier New" panose="02070309020205020404" pitchFamily="49" charset="0"/>
+                <a:cs typeface="Courier New" panose="02070309020205020404" pitchFamily="49" charset="0"/>
+              </a:rPr>
+              <a:t>D=D-50;</a:t>
+            </a:r>
+          </a:p>
+          <a:p>
+            <a:pPr marL="0" indent="0">
+              <a:buFontTx/>
+              <a:buNone/>
+            </a:pPr>
+            <a:r>
+              <a:rPr lang="en-GB" altLang="zh-CN" sz="1700" b="0" kern="0" dirty="0">
+                <a:latin typeface="Courier New" panose="02070309020205020404" pitchFamily="49" charset="0"/>
+                <a:cs typeface="Courier New" panose="02070309020205020404" pitchFamily="49" charset="0"/>
+              </a:rPr>
+              <a:t>}</a:t>
+            </a:r>
+          </a:p>
+          <a:p>
+            <a:pPr marL="0" indent="0">
+              <a:buFontTx/>
+              <a:buNone/>
+            </a:pPr>
+            <a:r>
+              <a:rPr lang="en-GB" altLang="zh-CN" sz="1700" b="0" kern="0" dirty="0">
+                <a:latin typeface="Courier New" panose="02070309020205020404" pitchFamily="49" charset="0"/>
+                <a:cs typeface="Courier New" panose="02070309020205020404" pitchFamily="49" charset="0"/>
+              </a:rPr>
+              <a:t>//Thread T3</a:t>
+            </a:r>
+          </a:p>
+          <a:p>
+            <a:pPr marL="0" indent="0">
+              <a:buNone/>
+            </a:pPr>
+            <a:r>
+              <a:rPr lang="en-GB" altLang="zh-CN" sz="1700" b="0" kern="0" dirty="0">
+                <a:latin typeface="Courier New" panose="02070309020205020404" pitchFamily="49" charset="0"/>
+                <a:cs typeface="Courier New" panose="02070309020205020404" pitchFamily="49" charset="0"/>
+              </a:rPr>
+              <a:t>void main(){</a:t>
+            </a:r>
+          </a:p>
+          <a:p>
+            <a:pPr marL="0" indent="0">
+              <a:buFontTx/>
+              <a:buNone/>
+            </a:pPr>
+            <a:r>
+              <a:rPr lang="en-GB" altLang="zh-CN" sz="1700" b="0" kern="0" dirty="0">
+                <a:latin typeface="Courier New" panose="02070309020205020404" pitchFamily="49" charset="0"/>
+                <a:cs typeface="Courier New" panose="02070309020205020404" pitchFamily="49" charset="0"/>
+              </a:rPr>
+              <a:t>D=D+10;</a:t>
+            </a:r>
+          </a:p>
+          <a:p>
+            <a:pPr marL="0" indent="0">
+              <a:buFontTx/>
+              <a:buNone/>
+            </a:pPr>
+            <a:r>
+              <a:rPr lang="en-GB" altLang="zh-CN" sz="1700" b="0" kern="0" dirty="0">
+                <a:latin typeface="Courier New" panose="02070309020205020404" pitchFamily="49" charset="0"/>
+                <a:cs typeface="Courier New" panose="02070309020205020404" pitchFamily="49" charset="0"/>
+              </a:rPr>
+              <a:t>}</a:t>
+            </a:r>
+          </a:p>
+        </p:txBody>
+      </p:sp>
+    </p:spTree>
+    <p:extLst>
+      <p:ext uri="{BB962C8B-B14F-4D97-AF65-F5344CB8AC3E}">
+        <p14:creationId xmlns:p14="http://schemas.microsoft.com/office/powerpoint/2010/main" val="598802406"/>
+      </p:ext>
+    </p:extLst>
+  </p:cSld>
+  <p:clrMapOvr>
+    <a:masterClrMapping/>
+  </p:clrMapOvr>
+  <p:transition/>
+</p:sld>
+</file>
+
+<file path=ppt/slides/slide20.xml><?xml version="1.0" encoding="utf-8"?>
 <p:sld xmlns:a="http://schemas.openxmlformats.org/drawingml/2006/main" xmlns:r="http://schemas.openxmlformats.org/officeDocument/2006/relationships" xmlns:p="http://schemas.openxmlformats.org/presentationml/2006/main">
   <p:cSld>
     <p:spTree>
@@ -27240,7 +27893,7 @@
                 <a:cs typeface="Arial"/>
               </a:rPr>
               <a:pPr algn="ctr"/>
-              <a:t>19</a:t>
+              <a:t>20</a:t>
             </a:fld>
             <a:endParaRPr lang="nb-NO" sz="1400" b="0" i="0" dirty="0">
               <a:solidFill>
@@ -29432,555 +30085,7 @@
 </p:sld>
 </file>
 
-<file path=ppt/slides/slide2.xml><?xml version="1.0" encoding="utf-8"?>
-<p:sld xmlns:a="http://schemas.openxmlformats.org/drawingml/2006/main" xmlns:r="http://schemas.openxmlformats.org/officeDocument/2006/relationships" xmlns:p="http://schemas.openxmlformats.org/presentationml/2006/main">
-  <p:cSld>
-    <p:spTree>
-      <p:nvGrpSpPr>
-        <p:cNvPr id="1" name=""/>
-        <p:cNvGrpSpPr/>
-        <p:nvPr/>
-      </p:nvGrpSpPr>
-      <p:grpSpPr>
-        <a:xfrm>
-          <a:off x="0" y="0"/>
-          <a:ext cx="0" cy="0"/>
-          <a:chOff x="0" y="0"/>
-          <a:chExt cx="0" cy="0"/>
-        </a:xfrm>
-      </p:grpSpPr>
-      <p:sp>
-        <p:nvSpPr>
-          <p:cNvPr id="2" name="Title 1">
-            <a:extLst>
-              <a:ext uri="{FF2B5EF4-FFF2-40B4-BE49-F238E27FC236}">
-                <a16:creationId xmlns:a16="http://schemas.microsoft.com/office/drawing/2014/main" id="{EE99ECAB-116C-2AAD-80D6-37DE8E7E942B}"/>
-              </a:ext>
-            </a:extLst>
-          </p:cNvPr>
-          <p:cNvSpPr>
-            <a:spLocks noGrp="1"/>
-          </p:cNvSpPr>
-          <p:nvPr>
-            <p:ph type="title"/>
-          </p:nvPr>
-        </p:nvSpPr>
-        <p:spPr/>
-        <p:txBody>
-          <a:bodyPr/>
-          <a:lstStyle/>
-          <a:p>
-            <a:r>
-              <a:rPr lang="en-GB" dirty="0"/>
-              <a:t>Concurrency</a:t>
-            </a:r>
-            <a:endParaRPr lang="en-SE" dirty="0"/>
-          </a:p>
-        </p:txBody>
-      </p:sp>
-      <p:sp>
-        <p:nvSpPr>
-          <p:cNvPr id="3" name="Content Placeholder 2">
-            <a:extLst>
-              <a:ext uri="{FF2B5EF4-FFF2-40B4-BE49-F238E27FC236}">
-                <a16:creationId xmlns:a16="http://schemas.microsoft.com/office/drawing/2014/main" id="{47F46428-7B6B-9A6D-0CB4-240A8724235B}"/>
-              </a:ext>
-            </a:extLst>
-          </p:cNvPr>
-          <p:cNvSpPr>
-            <a:spLocks noGrp="1"/>
-          </p:cNvSpPr>
-          <p:nvPr>
-            <p:ph idx="1"/>
-          </p:nvPr>
-        </p:nvSpPr>
-        <p:spPr>
-          <a:xfrm>
-            <a:off x="812800" y="914400"/>
-            <a:ext cx="7112000" cy="5105400"/>
-          </a:xfrm>
-        </p:spPr>
-        <p:txBody>
-          <a:bodyPr>
-            <a:normAutofit/>
-          </a:bodyPr>
-          <a:lstStyle/>
-          <a:p>
-            <a:r>
-              <a:rPr lang="en-GB" dirty="0"/>
-              <a:t>Consider three concurrent threads T1, T2, T3, which access a shared variable D that has been initialized to 100. There is no mutex protection. What are the minimum and maximum possible values of D after the three threads have completed execution?</a:t>
-            </a:r>
-          </a:p>
-          <a:p>
-            <a:r>
-              <a:rPr lang="en-GB" dirty="0"/>
-              <a:t>ANS: </a:t>
-            </a:r>
-            <a:endParaRPr lang="en-SE" dirty="0"/>
-          </a:p>
-        </p:txBody>
-      </p:sp>
-      <p:sp>
-        <p:nvSpPr>
-          <p:cNvPr id="6" name="Plassholder for innhold 2">
-            <a:extLst>
-              <a:ext uri="{FF2B5EF4-FFF2-40B4-BE49-F238E27FC236}">
-                <a16:creationId xmlns:a16="http://schemas.microsoft.com/office/drawing/2014/main" id="{2183CFE9-A40B-4A10-8801-A4BBC5E6C6E0}"/>
-              </a:ext>
-            </a:extLst>
-          </p:cNvPr>
-          <p:cNvSpPr txBox="1">
-            <a:spLocks/>
-          </p:cNvSpPr>
-          <p:nvPr/>
-        </p:nvSpPr>
-        <p:spPr bwMode="auto">
-          <a:xfrm>
-            <a:off x="9140173" y="838200"/>
-            <a:ext cx="2209800" cy="4408118"/>
-          </a:xfrm>
-          <a:prstGeom prst="rect">
-            <a:avLst/>
-          </a:prstGeom>
-          <a:noFill/>
-          <a:ln>
-            <a:solidFill>
-              <a:schemeClr val="accent1">
-                <a:lumMod val="50000"/>
-              </a:schemeClr>
-            </a:solidFill>
-          </a:ln>
-          <a:effectLst/>
-          <a:extLst>
-            <a:ext uri="{FAA26D3D-D897-4be2-8F04-BA451C77F1D7}">
-              <ma14:placeholderFlag xmlns="" xmlns:ma14="http://schemas.microsoft.com/office/mac/drawingml/2011/main" val="1"/>
-            </a:ext>
-            <a:ext uri="{909E8E84-426E-40dd-AFC4-6F175D3DCCD1}">
-              <a14:hiddenFill xmlns="" xmlns:a14="http://schemas.microsoft.com/office/drawing/2010/main">
-                <a:solidFill>
-                  <a:schemeClr val="bg1"/>
-                </a:solidFill>
-              </a14:hiddenFill>
-            </a:ext>
-            <a:ext uri="{91240B29-F687-4f45-9708-019B960494DF}">
-              <a14:hiddenLine xmlns="" xmlns:a14="http://schemas.microsoft.com/office/drawing/2010/main" w="12700">
-                <a:pattFill prst="narHorz">
-                  <a:fgClr>
-                    <a:schemeClr val="tx1"/>
-                  </a:fgClr>
-                  <a:bgClr>
-                    <a:schemeClr val="bg1"/>
-                  </a:bgClr>
-                </a:pattFill>
-                <a:miter lim="800000"/>
-                <a:headEnd/>
-                <a:tailEnd/>
-              </a14:hiddenLine>
-            </a:ext>
-            <a:ext uri="{AF507438-7753-43e0-B8FC-AC1667EBCBE1}">
-              <a14:hiddenEffects xmlns="" xmlns:a14="http://schemas.microsoft.com/office/drawing/2010/main">
-                <a:effectLst>
-                  <a:outerShdw blurRad="63500" dist="38099" dir="2700000" algn="ctr" rotWithShape="0">
-                    <a:schemeClr val="bg2">
-                      <a:alpha val="74998"/>
-                    </a:schemeClr>
-                  </a:outerShdw>
-                </a:effectLst>
-              </a14:hiddenEffects>
-            </a:ext>
-          </a:extLst>
-        </p:spPr>
-        <p:txBody>
-          <a:bodyPr vert="horz" wrap="square" lIns="90478" tIns="44445" rIns="90478" bIns="44445" numCol="1" anchor="t" anchorCtr="0" compatLnSpc="1">
-            <a:prstTxWarp prst="textNoShape">
-              <a:avLst/>
-            </a:prstTxWarp>
-            <a:noAutofit/>
-          </a:bodyPr>
-          <a:lstStyle>
-            <a:lvl1pPr marL="285750" indent="-285750" algn="l" rtl="0" eaLnBrk="0" fontAlgn="base" hangingPunct="0">
-              <a:lnSpc>
-                <a:spcPct val="90000"/>
-              </a:lnSpc>
-              <a:spcBef>
-                <a:spcPct val="30000"/>
-              </a:spcBef>
-              <a:spcAft>
-                <a:spcPct val="0"/>
-              </a:spcAft>
-              <a:buSzPct val="100000"/>
-              <a:buChar char="•"/>
-              <a:defRPr sz="2400">
-                <a:solidFill>
-                  <a:schemeClr val="tx1"/>
-                </a:solidFill>
-                <a:latin typeface="Gill Sans" charset="0"/>
-                <a:ea typeface="ＭＳ Ｐゴシック" charset="0"/>
-                <a:cs typeface="Gill Sans" charset="0"/>
-              </a:defRPr>
-            </a:lvl1pPr>
-            <a:lvl2pPr marL="685800" indent="-228600" algn="l" rtl="0" eaLnBrk="0" fontAlgn="base" hangingPunct="0">
-              <a:lnSpc>
-                <a:spcPct val="90000"/>
-              </a:lnSpc>
-              <a:spcBef>
-                <a:spcPct val="30000"/>
-              </a:spcBef>
-              <a:spcAft>
-                <a:spcPct val="0"/>
-              </a:spcAft>
-              <a:buSzPct val="100000"/>
-              <a:buChar char="–"/>
-              <a:defRPr sz="2200">
-                <a:solidFill>
-                  <a:schemeClr val="tx1"/>
-                </a:solidFill>
-                <a:latin typeface="Gill Sans" charset="0"/>
-                <a:ea typeface="Gill Sans" charset="0"/>
-                <a:cs typeface="Gill Sans" charset="0"/>
-              </a:defRPr>
-            </a:lvl2pPr>
-            <a:lvl3pPr marL="1143000" indent="-228600" algn="l" rtl="0" eaLnBrk="0" fontAlgn="base" hangingPunct="0">
-              <a:lnSpc>
-                <a:spcPct val="90000"/>
-              </a:lnSpc>
-              <a:spcBef>
-                <a:spcPct val="30000"/>
-              </a:spcBef>
-              <a:spcAft>
-                <a:spcPct val="0"/>
-              </a:spcAft>
-              <a:buSzPct val="100000"/>
-              <a:buChar char="»"/>
-              <a:defRPr sz="2000">
-                <a:solidFill>
-                  <a:schemeClr val="tx1"/>
-                </a:solidFill>
-                <a:latin typeface="Gill Sans" charset="0"/>
-                <a:ea typeface="Gill Sans" charset="0"/>
-                <a:cs typeface="Gill Sans" charset="0"/>
-              </a:defRPr>
-            </a:lvl3pPr>
-            <a:lvl4pPr marL="1543050" indent="-171450" algn="l" rtl="0" eaLnBrk="0" fontAlgn="base" hangingPunct="0">
-              <a:lnSpc>
-                <a:spcPct val="90000"/>
-              </a:lnSpc>
-              <a:spcBef>
-                <a:spcPct val="30000"/>
-              </a:spcBef>
-              <a:spcAft>
-                <a:spcPct val="0"/>
-              </a:spcAft>
-              <a:buSzPct val="100000"/>
-              <a:buChar char="•"/>
-              <a:defRPr sz="2000">
-                <a:solidFill>
-                  <a:schemeClr val="tx1"/>
-                </a:solidFill>
-                <a:latin typeface="Gill Sans" charset="0"/>
-                <a:ea typeface="Gill Sans" charset="0"/>
-                <a:cs typeface="Gill Sans" charset="0"/>
-              </a:defRPr>
-            </a:lvl4pPr>
-            <a:lvl5pPr marL="2000250" indent="-171450" algn="l" rtl="0" eaLnBrk="0" fontAlgn="base" hangingPunct="0">
-              <a:lnSpc>
-                <a:spcPct val="90000"/>
-              </a:lnSpc>
-              <a:spcBef>
-                <a:spcPct val="30000"/>
-              </a:spcBef>
-              <a:spcAft>
-                <a:spcPct val="0"/>
-              </a:spcAft>
-              <a:buSzPct val="100000"/>
-              <a:buChar char="–"/>
-              <a:defRPr sz="2000">
-                <a:solidFill>
-                  <a:schemeClr val="tx1"/>
-                </a:solidFill>
-                <a:latin typeface="Gill Sans" charset="0"/>
-                <a:ea typeface="Gill Sans" charset="0"/>
-                <a:cs typeface="Gill Sans" charset="0"/>
-              </a:defRPr>
-            </a:lvl5pPr>
-            <a:lvl6pPr marL="2457450" indent="-171450" algn="l" rtl="0" eaLnBrk="0" fontAlgn="base" hangingPunct="0">
-              <a:lnSpc>
-                <a:spcPct val="90000"/>
-              </a:lnSpc>
-              <a:spcBef>
-                <a:spcPct val="30000"/>
-              </a:spcBef>
-              <a:spcAft>
-                <a:spcPct val="0"/>
-              </a:spcAft>
-              <a:buSzPct val="100000"/>
-              <a:buChar char="–"/>
-              <a:defRPr sz="2000" b="1">
-                <a:solidFill>
-                  <a:schemeClr val="tx1"/>
-                </a:solidFill>
-                <a:latin typeface="+mn-lt"/>
-              </a:defRPr>
-            </a:lvl6pPr>
-            <a:lvl7pPr marL="2914650" indent="-171450" algn="l" rtl="0" eaLnBrk="0" fontAlgn="base" hangingPunct="0">
-              <a:lnSpc>
-                <a:spcPct val="90000"/>
-              </a:lnSpc>
-              <a:spcBef>
-                <a:spcPct val="30000"/>
-              </a:spcBef>
-              <a:spcAft>
-                <a:spcPct val="0"/>
-              </a:spcAft>
-              <a:buSzPct val="100000"/>
-              <a:buChar char="–"/>
-              <a:defRPr sz="2000" b="1">
-                <a:solidFill>
-                  <a:schemeClr val="tx1"/>
-                </a:solidFill>
-                <a:latin typeface="+mn-lt"/>
-              </a:defRPr>
-            </a:lvl7pPr>
-            <a:lvl8pPr marL="3371850" indent="-171450" algn="l" rtl="0" eaLnBrk="0" fontAlgn="base" hangingPunct="0">
-              <a:lnSpc>
-                <a:spcPct val="90000"/>
-              </a:lnSpc>
-              <a:spcBef>
-                <a:spcPct val="30000"/>
-              </a:spcBef>
-              <a:spcAft>
-                <a:spcPct val="0"/>
-              </a:spcAft>
-              <a:buSzPct val="100000"/>
-              <a:buChar char="–"/>
-              <a:defRPr sz="2000" b="1">
-                <a:solidFill>
-                  <a:schemeClr val="tx1"/>
-                </a:solidFill>
-                <a:latin typeface="+mn-lt"/>
-              </a:defRPr>
-            </a:lvl8pPr>
-            <a:lvl9pPr marL="3829050" indent="-171450" algn="l" rtl="0" eaLnBrk="0" fontAlgn="base" hangingPunct="0">
-              <a:lnSpc>
-                <a:spcPct val="90000"/>
-              </a:lnSpc>
-              <a:spcBef>
-                <a:spcPct val="30000"/>
-              </a:spcBef>
-              <a:spcAft>
-                <a:spcPct val="0"/>
-              </a:spcAft>
-              <a:buSzPct val="100000"/>
-              <a:buChar char="–"/>
-              <a:defRPr sz="2000" b="1">
-                <a:solidFill>
-                  <a:schemeClr val="tx1"/>
-                </a:solidFill>
-                <a:latin typeface="+mn-lt"/>
-              </a:defRPr>
-            </a:lvl9pPr>
-          </a:lstStyle>
-          <a:p>
-            <a:pPr marL="0" indent="0">
-              <a:buFontTx/>
-              <a:buNone/>
-            </a:pPr>
-            <a:r>
-              <a:rPr lang="en-GB" altLang="zh-CN" sz="1600" b="0" kern="0" dirty="0">
-                <a:latin typeface="Courier New" panose="02070309020205020404" pitchFamily="49" charset="0"/>
-                <a:cs typeface="Courier New" panose="02070309020205020404" pitchFamily="49" charset="0"/>
-              </a:rPr>
-              <a:t>//Initialization</a:t>
-            </a:r>
-          </a:p>
-          <a:p>
-            <a:pPr marL="0" indent="0">
-              <a:buFontTx/>
-              <a:buNone/>
-            </a:pPr>
-            <a:r>
-              <a:rPr lang="en-GB" altLang="zh-CN" sz="1600" b="0" kern="0" dirty="0">
-                <a:latin typeface="Courier New" panose="02070309020205020404" pitchFamily="49" charset="0"/>
-                <a:cs typeface="Courier New" panose="02070309020205020404" pitchFamily="49" charset="0"/>
-              </a:rPr>
-              <a:t>int D=100;</a:t>
-            </a:r>
-            <a:endParaRPr lang="en-GB" altLang="zh-CN" sz="1700" b="0" kern="0" dirty="0">
-              <a:latin typeface="Courier New" panose="02070309020205020404" pitchFamily="49" charset="0"/>
-              <a:cs typeface="Courier New" panose="02070309020205020404" pitchFamily="49" charset="0"/>
-            </a:endParaRPr>
-          </a:p>
-          <a:p>
-            <a:pPr marL="0" indent="0">
-              <a:buFontTx/>
-              <a:buNone/>
-            </a:pPr>
-            <a:r>
-              <a:rPr lang="en-GB" altLang="zh-CN" sz="1700" b="0" kern="0" dirty="0">
-                <a:latin typeface="Courier New" panose="02070309020205020404" pitchFamily="49" charset="0"/>
-                <a:cs typeface="Courier New" panose="02070309020205020404" pitchFamily="49" charset="0"/>
-              </a:rPr>
-              <a:t>//Thread T1</a:t>
-            </a:r>
-          </a:p>
-          <a:p>
-            <a:pPr marL="0" indent="0">
-              <a:buFontTx/>
-              <a:buNone/>
-            </a:pPr>
-            <a:r>
-              <a:rPr lang="en-GB" altLang="zh-CN" sz="1700" b="0" kern="0" dirty="0">
-                <a:latin typeface="Courier New" panose="02070309020205020404" pitchFamily="49" charset="0"/>
-                <a:cs typeface="Courier New" panose="02070309020205020404" pitchFamily="49" charset="0"/>
-              </a:rPr>
-              <a:t>void main(){</a:t>
-            </a:r>
-          </a:p>
-          <a:p>
-            <a:pPr marL="0" indent="0">
-              <a:buFontTx/>
-              <a:buNone/>
-            </a:pPr>
-            <a:r>
-              <a:rPr lang="en-GB" altLang="zh-CN" sz="1700" b="0" kern="0" dirty="0">
-                <a:latin typeface="Courier New" panose="02070309020205020404" pitchFamily="49" charset="0"/>
-                <a:cs typeface="Courier New" panose="02070309020205020404" pitchFamily="49" charset="0"/>
-              </a:rPr>
-              <a:t>D=D+20;</a:t>
-            </a:r>
-          </a:p>
-          <a:p>
-            <a:pPr marL="0" indent="0">
-              <a:buFontTx/>
-              <a:buNone/>
-            </a:pPr>
-            <a:r>
-              <a:rPr lang="en-GB" altLang="zh-CN" sz="1700" b="0" kern="0" dirty="0">
-                <a:latin typeface="Courier New" panose="02070309020205020404" pitchFamily="49" charset="0"/>
-                <a:cs typeface="Courier New" panose="02070309020205020404" pitchFamily="49" charset="0"/>
-              </a:rPr>
-              <a:t>}</a:t>
-            </a:r>
-          </a:p>
-          <a:p>
-            <a:pPr marL="0" indent="0">
-              <a:buFontTx/>
-              <a:buNone/>
-            </a:pPr>
-            <a:r>
-              <a:rPr lang="en-GB" altLang="zh-CN" sz="1700" b="0" kern="0" dirty="0">
-                <a:latin typeface="Courier New" panose="02070309020205020404" pitchFamily="49" charset="0"/>
-                <a:cs typeface="Courier New" panose="02070309020205020404" pitchFamily="49" charset="0"/>
-              </a:rPr>
-              <a:t>//Thread T2</a:t>
-            </a:r>
-          </a:p>
-          <a:p>
-            <a:pPr marL="0" indent="0">
-              <a:buNone/>
-            </a:pPr>
-            <a:r>
-              <a:rPr lang="en-GB" altLang="zh-CN" sz="1700" b="0" kern="0" dirty="0">
-                <a:latin typeface="Courier New" panose="02070309020205020404" pitchFamily="49" charset="0"/>
-                <a:cs typeface="Courier New" panose="02070309020205020404" pitchFamily="49" charset="0"/>
-              </a:rPr>
-              <a:t>void main(){</a:t>
-            </a:r>
-          </a:p>
-          <a:p>
-            <a:pPr marL="0" indent="0">
-              <a:buFontTx/>
-              <a:buNone/>
-            </a:pPr>
-            <a:r>
-              <a:rPr lang="en-GB" altLang="zh-CN" sz="1700" b="0" kern="0" dirty="0">
-                <a:latin typeface="Courier New" panose="02070309020205020404" pitchFamily="49" charset="0"/>
-                <a:cs typeface="Courier New" panose="02070309020205020404" pitchFamily="49" charset="0"/>
-              </a:rPr>
-              <a:t>D=D-50;</a:t>
-            </a:r>
-          </a:p>
-          <a:p>
-            <a:pPr marL="0" indent="0">
-              <a:buFontTx/>
-              <a:buNone/>
-            </a:pPr>
-            <a:r>
-              <a:rPr lang="en-GB" altLang="zh-CN" sz="1700" b="0" kern="0" dirty="0">
-                <a:latin typeface="Courier New" panose="02070309020205020404" pitchFamily="49" charset="0"/>
-                <a:cs typeface="Courier New" panose="02070309020205020404" pitchFamily="49" charset="0"/>
-              </a:rPr>
-              <a:t>}</a:t>
-            </a:r>
-          </a:p>
-          <a:p>
-            <a:pPr marL="0" indent="0">
-              <a:buFontTx/>
-              <a:buNone/>
-            </a:pPr>
-            <a:r>
-              <a:rPr lang="en-GB" altLang="zh-CN" sz="1700" b="0" kern="0" dirty="0">
-                <a:latin typeface="Courier New" panose="02070309020205020404" pitchFamily="49" charset="0"/>
-                <a:cs typeface="Courier New" panose="02070309020205020404" pitchFamily="49" charset="0"/>
-              </a:rPr>
-              <a:t>//Thread T3</a:t>
-            </a:r>
-          </a:p>
-          <a:p>
-            <a:pPr marL="0" indent="0">
-              <a:buNone/>
-            </a:pPr>
-            <a:r>
-              <a:rPr lang="en-GB" altLang="zh-CN" sz="1700" b="0" kern="0" dirty="0">
-                <a:latin typeface="Courier New" panose="02070309020205020404" pitchFamily="49" charset="0"/>
-                <a:cs typeface="Courier New" panose="02070309020205020404" pitchFamily="49" charset="0"/>
-              </a:rPr>
-              <a:t>void main(){</a:t>
-            </a:r>
-          </a:p>
-          <a:p>
-            <a:pPr marL="0" indent="0">
-              <a:buFontTx/>
-              <a:buNone/>
-            </a:pPr>
-            <a:r>
-              <a:rPr lang="en-GB" altLang="zh-CN" sz="1700" b="0" kern="0" dirty="0">
-                <a:latin typeface="Courier New" panose="02070309020205020404" pitchFamily="49" charset="0"/>
-                <a:cs typeface="Courier New" panose="02070309020205020404" pitchFamily="49" charset="0"/>
-              </a:rPr>
-              <a:t>D=D+10;</a:t>
-            </a:r>
-          </a:p>
-          <a:p>
-            <a:pPr marL="0" indent="0">
-              <a:buFontTx/>
-              <a:buNone/>
-            </a:pPr>
-            <a:r>
-              <a:rPr lang="en-GB" altLang="zh-CN" sz="1700" b="0" kern="0" dirty="0">
-                <a:latin typeface="Courier New" panose="02070309020205020404" pitchFamily="49" charset="0"/>
-                <a:cs typeface="Courier New" panose="02070309020205020404" pitchFamily="49" charset="0"/>
-              </a:rPr>
-              <a:t>}</a:t>
-            </a:r>
-          </a:p>
-        </p:txBody>
-      </p:sp>
-    </p:spTree>
-    <p:extLst>
-      <p:ext uri="{BB962C8B-B14F-4D97-AF65-F5344CB8AC3E}">
-        <p14:creationId xmlns:p14="http://schemas.microsoft.com/office/powerpoint/2010/main" val="598802406"/>
-      </p:ext>
-    </p:extLst>
-  </p:cSld>
-  <p:clrMapOvr>
-    <a:masterClrMapping/>
-  </p:clrMapOvr>
-  <p:transition/>
-</p:sld>
-</file>
-
-<file path=ppt/slides/slide20.xml><?xml version="1.0" encoding="utf-8"?>
+<file path=ppt/slides/slide21.xml><?xml version="1.0" encoding="utf-8"?>
 <p:sld xmlns:a="http://schemas.openxmlformats.org/drawingml/2006/main" xmlns:r="http://schemas.openxmlformats.org/officeDocument/2006/relationships" xmlns:p="http://schemas.openxmlformats.org/presentationml/2006/main">
   <p:cSld>
     <p:spTree>
@@ -32317,7 +32422,7 @@
                 <a:cs typeface="Arial"/>
               </a:rPr>
               <a:pPr algn="ctr"/>
-              <a:t>20</a:t>
+              <a:t>21</a:t>
             </a:fld>
             <a:endParaRPr lang="nb-NO" sz="1400" b="0" i="0" dirty="0">
               <a:solidFill>
@@ -32344,6 +32449,101 @@
 </file>
 
 <file path=ppt/slides/slide3.xml><?xml version="1.0" encoding="utf-8"?>
+<p:sld xmlns:a="http://schemas.openxmlformats.org/drawingml/2006/main" xmlns:r="http://schemas.openxmlformats.org/officeDocument/2006/relationships" xmlns:p="http://schemas.openxmlformats.org/presentationml/2006/main">
+  <p:cSld>
+    <p:spTree>
+      <p:nvGrpSpPr>
+        <p:cNvPr id="1" name=""/>
+        <p:cNvGrpSpPr/>
+        <p:nvPr/>
+      </p:nvGrpSpPr>
+      <p:grpSpPr>
+        <a:xfrm>
+          <a:off x="0" y="0"/>
+          <a:ext cx="0" cy="0"/>
+          <a:chOff x="0" y="0"/>
+          <a:chExt cx="0" cy="0"/>
+        </a:xfrm>
+      </p:grpSpPr>
+      <p:sp>
+        <p:nvSpPr>
+          <p:cNvPr id="2" name="Title 1">
+            <a:extLst>
+              <a:ext uri="{FF2B5EF4-FFF2-40B4-BE49-F238E27FC236}">
+                <a16:creationId xmlns:a16="http://schemas.microsoft.com/office/drawing/2014/main" id="{4670BD93-EF80-356B-8282-C97D37EA1D2A}"/>
+              </a:ext>
+            </a:extLst>
+          </p:cNvPr>
+          <p:cNvSpPr>
+            <a:spLocks noGrp="1"/>
+          </p:cNvSpPr>
+          <p:nvPr>
+            <p:ph type="title"/>
+          </p:nvPr>
+        </p:nvSpPr>
+        <p:spPr/>
+        <p:txBody>
+          <a:bodyPr/>
+          <a:lstStyle/>
+          <a:p>
+            <a:r>
+              <a:rPr lang="en-GB" dirty="0"/>
+              <a:t> Concurrency Answer</a:t>
+            </a:r>
+            <a:endParaRPr lang="en-SE" dirty="0"/>
+          </a:p>
+        </p:txBody>
+      </p:sp>
+      <p:sp>
+        <p:nvSpPr>
+          <p:cNvPr id="3" name="Content Placeholder 2">
+            <a:extLst>
+              <a:ext uri="{FF2B5EF4-FFF2-40B4-BE49-F238E27FC236}">
+                <a16:creationId xmlns:a16="http://schemas.microsoft.com/office/drawing/2014/main" id="{AC35D08C-9839-AEF1-FDC4-3484AEF38961}"/>
+              </a:ext>
+            </a:extLst>
+          </p:cNvPr>
+          <p:cNvSpPr>
+            <a:spLocks noGrp="1"/>
+          </p:cNvSpPr>
+          <p:nvPr>
+            <p:ph idx="1"/>
+          </p:nvPr>
+        </p:nvSpPr>
+        <p:spPr/>
+        <p:txBody>
+          <a:bodyPr/>
+          <a:lstStyle/>
+          <a:p>
+            <a:r>
+              <a:rPr lang="en-GB" dirty="0"/>
+              <a:t>Min 50, max 130</a:t>
+            </a:r>
+          </a:p>
+          <a:p>
+            <a:r>
+              <a:rPr lang="en-GB" dirty="0"/>
+              <a:t>Since each thread may read the value of int D, then write them in arbitrary order, overwriting each other’s updates. Other possible results include 110, 120, 70…</a:t>
+            </a:r>
+            <a:endParaRPr lang="en-SE" dirty="0"/>
+          </a:p>
+        </p:txBody>
+      </p:sp>
+    </p:spTree>
+    <p:extLst>
+      <p:ext uri="{BB962C8B-B14F-4D97-AF65-F5344CB8AC3E}">
+        <p14:creationId xmlns:p14="http://schemas.microsoft.com/office/powerpoint/2010/main" val="1863975494"/>
+      </p:ext>
+    </p:extLst>
+  </p:cSld>
+  <p:clrMapOvr>
+    <a:masterClrMapping/>
+  </p:clrMapOvr>
+  <p:transition/>
+</p:sld>
+</file>
+
+<file path=ppt/slides/slide4.xml><?xml version="1.0" encoding="utf-8"?>
 <p:sld xmlns:a="http://schemas.openxmlformats.org/drawingml/2006/main" xmlns:r="http://schemas.openxmlformats.org/officeDocument/2006/relationships" xmlns:p="http://schemas.openxmlformats.org/presentationml/2006/main">
   <p:cSld>
     <p:spTree>
@@ -32676,7 +32876,7 @@
 </p:sld>
 </file>
 
-<file path=ppt/slides/slide4.xml><?xml version="1.0" encoding="utf-8"?>
+<file path=ppt/slides/slide5.xml><?xml version="1.0" encoding="utf-8"?>
 <p:sld xmlns:a="http://schemas.openxmlformats.org/drawingml/2006/main" xmlns:r="http://schemas.openxmlformats.org/officeDocument/2006/relationships" xmlns:p="http://schemas.openxmlformats.org/presentationml/2006/main">
   <p:cSld>
     <p:spTree>
@@ -32838,17 +33038,17 @@
           <a:effectLst/>
           <a:extLst>
             <a:ext uri="{FAA26D3D-D897-4be2-8F04-BA451C77F1D7}">
-              <ma14:placeholderFlag xmlns="" xmlns:ma14="http://schemas.microsoft.com/office/mac/drawingml/2011/main" val="1"/>
+              <ma14:placeholderFlag xmlns:ma14="http://schemas.microsoft.com/office/mac/drawingml/2011/main" xmlns="" val="1"/>
             </a:ext>
             <a:ext uri="{909E8E84-426E-40dd-AFC4-6F175D3DCCD1}">
-              <a14:hiddenFill xmlns="" xmlns:a14="http://schemas.microsoft.com/office/drawing/2010/main">
+              <a14:hiddenFill xmlns:a14="http://schemas.microsoft.com/office/drawing/2010/main" xmlns="">
                 <a:solidFill>
                   <a:schemeClr val="bg1"/>
                 </a:solidFill>
               </a14:hiddenFill>
             </a:ext>
             <a:ext uri="{91240B29-F687-4f45-9708-019B960494DF}">
-              <a14:hiddenLine xmlns="" xmlns:a14="http://schemas.microsoft.com/office/drawing/2010/main" w="12700">
+              <a14:hiddenLine xmlns:a14="http://schemas.microsoft.com/office/drawing/2010/main" xmlns="" w="12700">
                 <a:pattFill prst="narHorz">
                   <a:fgClr>
                     <a:schemeClr val="tx1"/>
@@ -32863,7 +33063,7 @@
               </a14:hiddenLine>
             </a:ext>
             <a:ext uri="{AF507438-7753-43e0-B8FC-AC1667EBCBE1}">
-              <a14:hiddenEffects xmlns="" xmlns:a14="http://schemas.microsoft.com/office/drawing/2010/main">
+              <a14:hiddenEffects xmlns:a14="http://schemas.microsoft.com/office/drawing/2010/main" xmlns="">
                 <a:effectLst>
                   <a:outerShdw blurRad="63500" dist="38099" dir="2700000" algn="ctr" rotWithShape="0">
                     <a:schemeClr val="bg2">
@@ -33178,17 +33378,17 @@
           <a:effectLst/>
           <a:extLst>
             <a:ext uri="{FAA26D3D-D897-4be2-8F04-BA451C77F1D7}">
-              <ma14:placeholderFlag xmlns="" xmlns:ma14="http://schemas.microsoft.com/office/mac/drawingml/2011/main" val="1"/>
+              <ma14:placeholderFlag xmlns:ma14="http://schemas.microsoft.com/office/mac/drawingml/2011/main" xmlns="" val="1"/>
             </a:ext>
             <a:ext uri="{909E8E84-426E-40dd-AFC4-6F175D3DCCD1}">
-              <a14:hiddenFill xmlns="" xmlns:a14="http://schemas.microsoft.com/office/drawing/2010/main">
+              <a14:hiddenFill xmlns:a14="http://schemas.microsoft.com/office/drawing/2010/main" xmlns="">
                 <a:solidFill>
                   <a:schemeClr val="bg1"/>
                 </a:solidFill>
               </a14:hiddenFill>
             </a:ext>
             <a:ext uri="{91240B29-F687-4f45-9708-019B960494DF}">
-              <a14:hiddenLine xmlns="" xmlns:a14="http://schemas.microsoft.com/office/drawing/2010/main" w="12700">
+              <a14:hiddenLine xmlns:a14="http://schemas.microsoft.com/office/drawing/2010/main" xmlns="" w="12700">
                 <a:pattFill prst="narHorz">
                   <a:fgClr>
                     <a:schemeClr val="tx1"/>
@@ -33203,7 +33403,7 @@
               </a14:hiddenLine>
             </a:ext>
             <a:ext uri="{AF507438-7753-43e0-B8FC-AC1667EBCBE1}">
-              <a14:hiddenEffects xmlns="" xmlns:a14="http://schemas.microsoft.com/office/drawing/2010/main">
+              <a14:hiddenEffects xmlns:a14="http://schemas.microsoft.com/office/drawing/2010/main" xmlns="">
                 <a:effectLst>
                   <a:outerShdw blurRad="63500" dist="38099" dir="2700000" algn="ctr" rotWithShape="0">
                     <a:schemeClr val="bg2">
@@ -33527,17 +33727,17 @@
           <a:effectLst/>
           <a:extLst>
             <a:ext uri="{FAA26D3D-D897-4be2-8F04-BA451C77F1D7}">
-              <ma14:placeholderFlag xmlns="" xmlns:ma14="http://schemas.microsoft.com/office/mac/drawingml/2011/main" val="1"/>
+              <ma14:placeholderFlag xmlns:ma14="http://schemas.microsoft.com/office/mac/drawingml/2011/main" xmlns="" val="1"/>
             </a:ext>
             <a:ext uri="{909E8E84-426E-40dd-AFC4-6F175D3DCCD1}">
-              <a14:hiddenFill xmlns="" xmlns:a14="http://schemas.microsoft.com/office/drawing/2010/main">
+              <a14:hiddenFill xmlns:a14="http://schemas.microsoft.com/office/drawing/2010/main" xmlns="">
                 <a:solidFill>
                   <a:schemeClr val="bg1"/>
                 </a:solidFill>
               </a14:hiddenFill>
             </a:ext>
             <a:ext uri="{91240B29-F687-4f45-9708-019B960494DF}">
-              <a14:hiddenLine xmlns="" xmlns:a14="http://schemas.microsoft.com/office/drawing/2010/main" w="12700">
+              <a14:hiddenLine xmlns:a14="http://schemas.microsoft.com/office/drawing/2010/main" xmlns="" w="12700">
                 <a:pattFill prst="narHorz">
                   <a:fgClr>
                     <a:schemeClr val="tx1"/>
@@ -33552,7 +33752,7 @@
               </a14:hiddenLine>
             </a:ext>
             <a:ext uri="{AF507438-7753-43e0-B8FC-AC1667EBCBE1}">
-              <a14:hiddenEffects xmlns="" xmlns:a14="http://schemas.microsoft.com/office/drawing/2010/main">
+              <a14:hiddenEffects xmlns:a14="http://schemas.microsoft.com/office/drawing/2010/main" xmlns="">
                 <a:effectLst>
                   <a:outerShdw blurRad="63500" dist="38099" dir="2700000" algn="ctr" rotWithShape="0">
                     <a:schemeClr val="bg2">
@@ -33800,7 +34000,7 @@
 </p:sld>
 </file>
 
-<file path=ppt/slides/slide5.xml><?xml version="1.0" encoding="utf-8"?>
+<file path=ppt/slides/slide6.xml><?xml version="1.0" encoding="utf-8"?>
 <p:sld xmlns:a="http://schemas.openxmlformats.org/drawingml/2006/main" xmlns:r="http://schemas.openxmlformats.org/officeDocument/2006/relationships" xmlns:p="http://schemas.openxmlformats.org/presentationml/2006/main">
   <p:cSld>
     <p:spTree>
@@ -33840,7 +34040,7 @@
           <a:p>
             <a:r>
               <a:rPr lang="en-GB" dirty="0"/>
-              <a:t>Mutual Exclusion I Analysis</a:t>
+              <a:t>Mutual Exclusion I  Answer </a:t>
             </a:r>
             <a:endParaRPr lang="en-SE" dirty="0"/>
           </a:p>
@@ -33967,7 +34167,7 @@
 </p:sld>
 </file>
 
-<file path=ppt/slides/slide6.xml><?xml version="1.0" encoding="utf-8"?>
+<file path=ppt/slides/slide7.xml><?xml version="1.0" encoding="utf-8"?>
 <p:sld xmlns:a="http://schemas.openxmlformats.org/drawingml/2006/main" xmlns:r="http://schemas.openxmlformats.org/officeDocument/2006/relationships" xmlns:p="http://schemas.openxmlformats.org/presentationml/2006/main">
   <p:cSld>
     <p:spTree>
@@ -34115,17 +34315,17 @@
           <a:effectLst/>
           <a:extLst>
             <a:ext uri="{FAA26D3D-D897-4be2-8F04-BA451C77F1D7}">
-              <ma14:placeholderFlag xmlns="" xmlns:ma14="http://schemas.microsoft.com/office/mac/drawingml/2011/main" val="1"/>
+              <ma14:placeholderFlag xmlns:ma14="http://schemas.microsoft.com/office/mac/drawingml/2011/main" xmlns="" val="1"/>
             </a:ext>
             <a:ext uri="{909E8E84-426E-40dd-AFC4-6F175D3DCCD1}">
-              <a14:hiddenFill xmlns="" xmlns:a14="http://schemas.microsoft.com/office/drawing/2010/main">
+              <a14:hiddenFill xmlns:a14="http://schemas.microsoft.com/office/drawing/2010/main" xmlns="">
                 <a:solidFill>
                   <a:schemeClr val="bg1"/>
                 </a:solidFill>
               </a14:hiddenFill>
             </a:ext>
             <a:ext uri="{91240B29-F687-4f45-9708-019B960494DF}">
-              <a14:hiddenLine xmlns="" xmlns:a14="http://schemas.microsoft.com/office/drawing/2010/main" w="12700">
+              <a14:hiddenLine xmlns:a14="http://schemas.microsoft.com/office/drawing/2010/main" xmlns="" w="12700">
                 <a:pattFill prst="narHorz">
                   <a:fgClr>
                     <a:schemeClr val="tx1"/>
@@ -34140,7 +34340,7 @@
               </a14:hiddenLine>
             </a:ext>
             <a:ext uri="{AF507438-7753-43e0-B8FC-AC1667EBCBE1}">
-              <a14:hiddenEffects xmlns="" xmlns:a14="http://schemas.microsoft.com/office/drawing/2010/main">
+              <a14:hiddenEffects xmlns:a14="http://schemas.microsoft.com/office/drawing/2010/main" xmlns="">
                 <a:effectLst>
                   <a:outerShdw blurRad="63500" dist="38099" dir="2700000" algn="ctr" rotWithShape="0">
                     <a:schemeClr val="bg2">
@@ -34468,17 +34668,17 @@
           <a:effectLst/>
           <a:extLst>
             <a:ext uri="{FAA26D3D-D897-4be2-8F04-BA451C77F1D7}">
-              <ma14:placeholderFlag xmlns="" xmlns:ma14="http://schemas.microsoft.com/office/mac/drawingml/2011/main" val="1"/>
+              <ma14:placeholderFlag xmlns:ma14="http://schemas.microsoft.com/office/mac/drawingml/2011/main" xmlns="" val="1"/>
             </a:ext>
             <a:ext uri="{909E8E84-426E-40dd-AFC4-6F175D3DCCD1}">
-              <a14:hiddenFill xmlns="" xmlns:a14="http://schemas.microsoft.com/office/drawing/2010/main">
+              <a14:hiddenFill xmlns:a14="http://schemas.microsoft.com/office/drawing/2010/main" xmlns="">
                 <a:solidFill>
                   <a:schemeClr val="bg1"/>
                 </a:solidFill>
               </a14:hiddenFill>
             </a:ext>
             <a:ext uri="{91240B29-F687-4f45-9708-019B960494DF}">
-              <a14:hiddenLine xmlns="" xmlns:a14="http://schemas.microsoft.com/office/drawing/2010/main" w="12700">
+              <a14:hiddenLine xmlns:a14="http://schemas.microsoft.com/office/drawing/2010/main" xmlns="" w="12700">
                 <a:pattFill prst="narHorz">
                   <a:fgClr>
                     <a:schemeClr val="tx1"/>
@@ -34493,7 +34693,7 @@
               </a14:hiddenLine>
             </a:ext>
             <a:ext uri="{AF507438-7753-43e0-B8FC-AC1667EBCBE1}">
-              <a14:hiddenEffects xmlns="" xmlns:a14="http://schemas.microsoft.com/office/drawing/2010/main">
+              <a14:hiddenEffects xmlns:a14="http://schemas.microsoft.com/office/drawing/2010/main" xmlns="">
                 <a:effectLst>
                   <a:outerShdw blurRad="63500" dist="38099" dir="2700000" algn="ctr" rotWithShape="0">
                     <a:schemeClr val="bg2">
@@ -34819,17 +35019,17 @@
           <a:effectLst/>
           <a:extLst>
             <a:ext uri="{FAA26D3D-D897-4be2-8F04-BA451C77F1D7}">
-              <ma14:placeholderFlag xmlns="" xmlns:ma14="http://schemas.microsoft.com/office/mac/drawingml/2011/main" val="1"/>
+              <ma14:placeholderFlag xmlns:ma14="http://schemas.microsoft.com/office/mac/drawingml/2011/main" xmlns="" val="1"/>
             </a:ext>
             <a:ext uri="{909E8E84-426E-40dd-AFC4-6F175D3DCCD1}">
-              <a14:hiddenFill xmlns="" xmlns:a14="http://schemas.microsoft.com/office/drawing/2010/main">
+              <a14:hiddenFill xmlns:a14="http://schemas.microsoft.com/office/drawing/2010/main" xmlns="">
                 <a:solidFill>
                   <a:schemeClr val="bg1"/>
                 </a:solidFill>
               </a14:hiddenFill>
             </a:ext>
             <a:ext uri="{91240B29-F687-4f45-9708-019B960494DF}">
-              <a14:hiddenLine xmlns="" xmlns:a14="http://schemas.microsoft.com/office/drawing/2010/main" w="12700">
+              <a14:hiddenLine xmlns:a14="http://schemas.microsoft.com/office/drawing/2010/main" xmlns="" w="12700">
                 <a:pattFill prst="narHorz">
                   <a:fgClr>
                     <a:schemeClr val="tx1"/>
@@ -34844,7 +35044,7 @@
               </a14:hiddenLine>
             </a:ext>
             <a:ext uri="{AF507438-7753-43e0-B8FC-AC1667EBCBE1}">
-              <a14:hiddenEffects xmlns="" xmlns:a14="http://schemas.microsoft.com/office/drawing/2010/main">
+              <a14:hiddenEffects xmlns:a14="http://schemas.microsoft.com/office/drawing/2010/main" xmlns="">
                 <a:effectLst>
                   <a:outerShdw blurRad="63500" dist="38099" dir="2700000" algn="ctr" rotWithShape="0">
                     <a:schemeClr val="bg2">
@@ -35092,7 +35292,7 @@
 </p:sld>
 </file>
 
-<file path=ppt/slides/slide7.xml><?xml version="1.0" encoding="utf-8"?>
+<file path=ppt/slides/slide8.xml><?xml version="1.0" encoding="utf-8"?>
 <p:sld xmlns:a="http://schemas.openxmlformats.org/drawingml/2006/main" xmlns:r="http://schemas.openxmlformats.org/officeDocument/2006/relationships" xmlns:p="http://schemas.openxmlformats.org/presentationml/2006/main">
   <p:cSld>
     <p:spTree>
@@ -35132,7 +35332,7 @@
           <a:p>
             <a:r>
               <a:rPr lang="en-GB" dirty="0"/>
-              <a:t>Mutual Exclusion II Analysis</a:t>
+              <a:t>Mutual Exclusion II Answer</a:t>
             </a:r>
             <a:endParaRPr lang="en-SE" dirty="0"/>
           </a:p>
@@ -35200,7 +35400,7 @@
 </p:sld>
 </file>
 
-<file path=ppt/slides/slide8.xml><?xml version="1.0" encoding="utf-8"?>
+<file path=ppt/slides/slide9.xml><?xml version="1.0" encoding="utf-8"?>
 <p:sld xmlns:a="http://schemas.openxmlformats.org/drawingml/2006/main" xmlns:r="http://schemas.openxmlformats.org/officeDocument/2006/relationships" xmlns:p="http://schemas.openxmlformats.org/presentationml/2006/main">
   <p:cSld>
     <p:spTree>
@@ -35285,17 +35485,17 @@
           <a:effectLst/>
           <a:extLst>
             <a:ext uri="{FAA26D3D-D897-4be2-8F04-BA451C77F1D7}">
-              <ma14:placeholderFlag xmlns="" xmlns:ma14="http://schemas.microsoft.com/office/mac/drawingml/2011/main" val="1"/>
+              <ma14:placeholderFlag xmlns:ma14="http://schemas.microsoft.com/office/mac/drawingml/2011/main" xmlns="" val="1"/>
             </a:ext>
             <a:ext uri="{909E8E84-426E-40dd-AFC4-6F175D3DCCD1}">
-              <a14:hiddenFill xmlns="" xmlns:a14="http://schemas.microsoft.com/office/drawing/2010/main">
+              <a14:hiddenFill xmlns:a14="http://schemas.microsoft.com/office/drawing/2010/main" xmlns="">
                 <a:solidFill>
                   <a:schemeClr val="bg1"/>
                 </a:solidFill>
               </a14:hiddenFill>
             </a:ext>
             <a:ext uri="{91240B29-F687-4f45-9708-019B960494DF}">
-              <a14:hiddenLine xmlns="" xmlns:a14="http://schemas.microsoft.com/office/drawing/2010/main" w="12700">
+              <a14:hiddenLine xmlns:a14="http://schemas.microsoft.com/office/drawing/2010/main" xmlns="" w="12700">
                 <a:pattFill prst="narHorz">
                   <a:fgClr>
                     <a:schemeClr val="tx1"/>
@@ -35310,7 +35510,7 @@
               </a14:hiddenLine>
             </a:ext>
             <a:ext uri="{AF507438-7753-43e0-B8FC-AC1667EBCBE1}">
-              <a14:hiddenEffects xmlns="" xmlns:a14="http://schemas.microsoft.com/office/drawing/2010/main">
+              <a14:hiddenEffects xmlns:a14="http://schemas.microsoft.com/office/drawing/2010/main" xmlns="">
                 <a:effectLst>
                   <a:outerShdw blurRad="63500" dist="38099" dir="2700000" algn="ctr" rotWithShape="0">
                     <a:schemeClr val="bg2">
@@ -35649,17 +35849,17 @@
           <a:effectLst/>
           <a:extLst>
             <a:ext uri="{FAA26D3D-D897-4be2-8F04-BA451C77F1D7}">
-              <ma14:placeholderFlag xmlns="" xmlns:ma14="http://schemas.microsoft.com/office/mac/drawingml/2011/main" val="1"/>
+              <ma14:placeholderFlag xmlns:ma14="http://schemas.microsoft.com/office/mac/drawingml/2011/main" xmlns="" val="1"/>
             </a:ext>
             <a:ext uri="{909E8E84-426E-40dd-AFC4-6F175D3DCCD1}">
-              <a14:hiddenFill xmlns="" xmlns:a14="http://schemas.microsoft.com/office/drawing/2010/main">
+              <a14:hiddenFill xmlns:a14="http://schemas.microsoft.com/office/drawing/2010/main" xmlns="">
                 <a:solidFill>
                   <a:schemeClr val="bg1"/>
                 </a:solidFill>
               </a14:hiddenFill>
             </a:ext>
             <a:ext uri="{91240B29-F687-4f45-9708-019B960494DF}">
-              <a14:hiddenLine xmlns="" xmlns:a14="http://schemas.microsoft.com/office/drawing/2010/main" w="12700">
+              <a14:hiddenLine xmlns:a14="http://schemas.microsoft.com/office/drawing/2010/main" xmlns="" w="12700">
                 <a:pattFill prst="narHorz">
                   <a:fgClr>
                     <a:schemeClr val="tx1"/>
@@ -35674,7 +35874,7 @@
               </a14:hiddenLine>
             </a:ext>
             <a:ext uri="{AF507438-7753-43e0-B8FC-AC1667EBCBE1}">
-              <a14:hiddenEffects xmlns="" xmlns:a14="http://schemas.microsoft.com/office/drawing/2010/main">
+              <a14:hiddenEffects xmlns:a14="http://schemas.microsoft.com/office/drawing/2010/main" xmlns="">
                 <a:effectLst>
                   <a:outerShdw blurRad="63500" dist="38099" dir="2700000" algn="ctr" rotWithShape="0">
                     <a:schemeClr val="bg2">
@@ -35950,17 +36150,17 @@
           <a:effectLst/>
           <a:extLst>
             <a:ext uri="{FAA26D3D-D897-4be2-8F04-BA451C77F1D7}">
-              <ma14:placeholderFlag xmlns="" xmlns:ma14="http://schemas.microsoft.com/office/mac/drawingml/2011/main" val="1"/>
+              <ma14:placeholderFlag xmlns:ma14="http://schemas.microsoft.com/office/mac/drawingml/2011/main" xmlns="" val="1"/>
             </a:ext>
             <a:ext uri="{909E8E84-426E-40dd-AFC4-6F175D3DCCD1}">
-              <a14:hiddenFill xmlns="" xmlns:a14="http://schemas.microsoft.com/office/drawing/2010/main">
+              <a14:hiddenFill xmlns:a14="http://schemas.microsoft.com/office/drawing/2010/main" xmlns="">
                 <a:solidFill>
                   <a:schemeClr val="bg1"/>
                 </a:solidFill>
               </a14:hiddenFill>
             </a:ext>
             <a:ext uri="{91240B29-F687-4f45-9708-019B960494DF}">
-              <a14:hiddenLine xmlns="" xmlns:a14="http://schemas.microsoft.com/office/drawing/2010/main" w="12700">
+              <a14:hiddenLine xmlns:a14="http://schemas.microsoft.com/office/drawing/2010/main" xmlns="" w="12700">
                 <a:pattFill prst="narHorz">
                   <a:fgClr>
                     <a:schemeClr val="tx1"/>
@@ -35975,7 +36175,7 @@
               </a14:hiddenLine>
             </a:ext>
             <a:ext uri="{AF507438-7753-43e0-B8FC-AC1667EBCBE1}">
-              <a14:hiddenEffects xmlns="" xmlns:a14="http://schemas.microsoft.com/office/drawing/2010/main">
+              <a14:hiddenEffects xmlns:a14="http://schemas.microsoft.com/office/drawing/2010/main" xmlns="">
                 <a:effectLst>
                   <a:outerShdw blurRad="63500" dist="38099" dir="2700000" algn="ctr" rotWithShape="0">
                     <a:schemeClr val="bg2">
@@ -36350,114 +36550,6 @@
     <p:extLst>
       <p:ext uri="{BB962C8B-B14F-4D97-AF65-F5344CB8AC3E}">
         <p14:creationId xmlns:p14="http://schemas.microsoft.com/office/powerpoint/2010/main" val="250915767"/>
-      </p:ext>
-    </p:extLst>
-  </p:cSld>
-  <p:clrMapOvr>
-    <a:masterClrMapping/>
-  </p:clrMapOvr>
-  <p:transition/>
-</p:sld>
-</file>
-
-<file path=ppt/slides/slide9.xml><?xml version="1.0" encoding="utf-8"?>
-<p:sld xmlns:a="http://schemas.openxmlformats.org/drawingml/2006/main" xmlns:r="http://schemas.openxmlformats.org/officeDocument/2006/relationships" xmlns:p="http://schemas.openxmlformats.org/presentationml/2006/main">
-  <p:cSld>
-    <p:spTree>
-      <p:nvGrpSpPr>
-        <p:cNvPr id="1" name=""/>
-        <p:cNvGrpSpPr/>
-        <p:nvPr/>
-      </p:nvGrpSpPr>
-      <p:grpSpPr>
-        <a:xfrm>
-          <a:off x="0" y="0"/>
-          <a:ext cx="0" cy="0"/>
-          <a:chOff x="0" y="0"/>
-          <a:chExt cx="0" cy="0"/>
-        </a:xfrm>
-      </p:grpSpPr>
-      <p:sp>
-        <p:nvSpPr>
-          <p:cNvPr id="2" name="Title 1">
-            <a:extLst>
-              <a:ext uri="{FF2B5EF4-FFF2-40B4-BE49-F238E27FC236}">
-                <a16:creationId xmlns:a16="http://schemas.microsoft.com/office/drawing/2014/main" id="{CCDB4D07-14D3-2F7D-45E2-B1FD2B2DDD0A}"/>
-              </a:ext>
-            </a:extLst>
-          </p:cNvPr>
-          <p:cNvSpPr>
-            <a:spLocks noGrp="1"/>
-          </p:cNvSpPr>
-          <p:nvPr>
-            <p:ph type="title"/>
-          </p:nvPr>
-        </p:nvSpPr>
-        <p:spPr/>
-        <p:txBody>
-          <a:bodyPr/>
-          <a:lstStyle/>
-          <a:p>
-            <a:r>
-              <a:rPr lang="en-GB" dirty="0"/>
-              <a:t>Mutual Exclusion III (Peterson’s Solution) Analysis</a:t>
-            </a:r>
-            <a:endParaRPr lang="en-SE" dirty="0"/>
-          </a:p>
-        </p:txBody>
-      </p:sp>
-      <p:sp>
-        <p:nvSpPr>
-          <p:cNvPr id="3" name="Content Placeholder 2">
-            <a:extLst>
-              <a:ext uri="{FF2B5EF4-FFF2-40B4-BE49-F238E27FC236}">
-                <a16:creationId xmlns:a16="http://schemas.microsoft.com/office/drawing/2014/main" id="{28DED17B-03E7-3D44-E8B9-4D0632D6C4DA}"/>
-              </a:ext>
-            </a:extLst>
-          </p:cNvPr>
-          <p:cNvSpPr>
-            <a:spLocks noGrp="1"/>
-          </p:cNvSpPr>
-          <p:nvPr>
-            <p:ph idx="1"/>
-          </p:nvPr>
-        </p:nvSpPr>
-        <p:spPr/>
-        <p:txBody>
-          <a:bodyPr>
-            <a:normAutofit fontScale="92500" lnSpcReduction="10000"/>
-          </a:bodyPr>
-          <a:lstStyle/>
-          <a:p>
-            <a:r>
-              <a:rPr lang="en-GB" dirty="0"/>
-              <a:t>Mutual Exclusion: Achieved. The combination of flag and turn ensures that only one thread can enter its critical section at a time.</a:t>
-            </a:r>
-          </a:p>
-          <a:p>
-            <a:endParaRPr lang="en-GB" dirty="0"/>
-          </a:p>
-          <a:p>
-            <a:r>
-              <a:rPr lang="en-GB" dirty="0"/>
-              <a:t>Progress (Deadlock-Free): Guaranteed. The turn variable ensures that if both threads want to enter their critical sections, one will eventually proceed. It is not possible for each thread to be blocked forever waiting for each other.</a:t>
-            </a:r>
-          </a:p>
-          <a:p>
-            <a:endParaRPr lang="en-GB" dirty="0"/>
-          </a:p>
-          <a:p>
-            <a:r>
-              <a:rPr lang="en-GB" dirty="0"/>
-              <a:t>Bounded Waiting (Starvation-Free): Guaranteed. Each thread gets a fair chance to enter its critical section due to the alternation enforced by the turn variable.</a:t>
-            </a:r>
-          </a:p>
-        </p:txBody>
-      </p:sp>
-    </p:spTree>
-    <p:extLst>
-      <p:ext uri="{BB962C8B-B14F-4D97-AF65-F5344CB8AC3E}">
-        <p14:creationId xmlns:p14="http://schemas.microsoft.com/office/powerpoint/2010/main" val="1874218625"/>
       </p:ext>
     </p:extLst>
   </p:cSld>
@@ -36706,7 +36798,7 @@
         <a:effectLst/>
         <a:extLst>
           <a:ext uri="{AF507438-7753-43e0-B8FC-AC1667EBCBE1}">
-            <a14:hiddenEffects xmlns="" xmlns:a14="http://schemas.microsoft.com/office/drawing/2010/main">
+            <a14:hiddenEffects xmlns:a14="http://schemas.microsoft.com/office/drawing/2010/main" xmlns="">
               <a:effectLst>
                 <a:outerShdw dist="35921" dir="2700000" algn="ctr" rotWithShape="0">
                   <a:schemeClr val="bg2"/>
@@ -36779,7 +36871,7 @@
         <a:effectLst/>
         <a:extLst>
           <a:ext uri="{AF507438-7753-43e0-B8FC-AC1667EBCBE1}">
-            <a14:hiddenEffects xmlns="" xmlns:a14="http://schemas.microsoft.com/office/drawing/2010/main">
+            <a14:hiddenEffects xmlns:a14="http://schemas.microsoft.com/office/drawing/2010/main" xmlns="">
               <a:effectLst>
                 <a:outerShdw dist="35921" dir="2700000" algn="ctr" rotWithShape="0">
                   <a:schemeClr val="bg2"/>

--- a/PPTs/L3-Exercises ANS.pptx
+++ b/PPTs/L3-Exercises ANS.pptx
@@ -5,10 +5,10 @@
     <p:sldMasterId id="2147483648" r:id="rId1"/>
   </p:sldMasterIdLst>
   <p:notesMasterIdLst>
-    <p:notesMasterId r:id="rId26"/>
+    <p:notesMasterId r:id="rId28"/>
   </p:notesMasterIdLst>
   <p:handoutMasterIdLst>
-    <p:handoutMasterId r:id="rId27"/>
+    <p:handoutMasterId r:id="rId29"/>
   </p:handoutMasterIdLst>
   <p:sldIdLst>
     <p:sldId id="256" r:id="rId2"/>
@@ -26,15 +26,17 @@
     <p:sldId id="1392" r:id="rId14"/>
     <p:sldId id="1389" r:id="rId15"/>
     <p:sldId id="1393" r:id="rId16"/>
-    <p:sldId id="257" r:id="rId17"/>
-    <p:sldId id="258" r:id="rId18"/>
-    <p:sldId id="259" r:id="rId19"/>
-    <p:sldId id="260" r:id="rId20"/>
-    <p:sldId id="1379" r:id="rId21"/>
-    <p:sldId id="1380" r:id="rId22"/>
-    <p:sldId id="262" r:id="rId23"/>
-    <p:sldId id="264" r:id="rId24"/>
-    <p:sldId id="421" r:id="rId25"/>
+    <p:sldId id="1401" r:id="rId17"/>
+    <p:sldId id="1402" r:id="rId18"/>
+    <p:sldId id="257" r:id="rId19"/>
+    <p:sldId id="258" r:id="rId20"/>
+    <p:sldId id="259" r:id="rId21"/>
+    <p:sldId id="260" r:id="rId22"/>
+    <p:sldId id="1379" r:id="rId23"/>
+    <p:sldId id="1380" r:id="rId24"/>
+    <p:sldId id="262" r:id="rId25"/>
+    <p:sldId id="264" r:id="rId26"/>
+    <p:sldId id="421" r:id="rId27"/>
   </p:sldIdLst>
   <p:sldSz cx="12192000" cy="6858000"/>
   <p:notesSz cx="9601200" cy="7315200"/>
@@ -231,14 +233,14 @@
           <a:effectLst/>
           <a:extLst>
             <a:ext uri="{909E8E84-426E-40dd-AFC4-6F175D3DCCD1}">
-              <a14:hiddenFill xmlns:a14="http://schemas.microsoft.com/office/drawing/2010/main" xmlns="">
+              <a14:hiddenFill xmlns="" xmlns:a14="http://schemas.microsoft.com/office/drawing/2010/main">
                 <a:solidFill>
                   <a:schemeClr val="bg1"/>
                 </a:solidFill>
               </a14:hiddenFill>
             </a:ext>
             <a:ext uri="{91240B29-F687-4f45-9708-019B960494DF}">
-              <a14:hiddenLine xmlns:a14="http://schemas.microsoft.com/office/drawing/2010/main" xmlns="" w="12700">
+              <a14:hiddenLine xmlns="" xmlns:a14="http://schemas.microsoft.com/office/drawing/2010/main" w="12700">
                 <a:pattFill prst="narHorz">
                   <a:fgClr>
                     <a:schemeClr val="tx1"/>
@@ -253,7 +255,7 @@
               </a14:hiddenLine>
             </a:ext>
             <a:ext uri="{AF507438-7753-43e0-B8FC-AC1667EBCBE1}">
-              <a14:hiddenEffects xmlns:a14="http://schemas.microsoft.com/office/drawing/2010/main" xmlns="">
+              <a14:hiddenEffects xmlns="" xmlns:a14="http://schemas.microsoft.com/office/drawing/2010/main">
                 <a:effectLst>
                   <a:outerShdw dist="35921" dir="2700000" algn="ctr" rotWithShape="0">
                     <a:schemeClr val="bg2"/>
@@ -359,14 +361,14 @@
           <a:effectLst/>
           <a:extLst>
             <a:ext uri="{909E8E84-426E-40dd-AFC4-6F175D3DCCD1}">
-              <a14:hiddenFill xmlns:a14="http://schemas.microsoft.com/office/drawing/2010/main" xmlns="">
+              <a14:hiddenFill xmlns="" xmlns:a14="http://schemas.microsoft.com/office/drawing/2010/main">
                 <a:solidFill>
                   <a:schemeClr val="bg1"/>
                 </a:solidFill>
               </a14:hiddenFill>
             </a:ext>
             <a:ext uri="{91240B29-F687-4f45-9708-019B960494DF}">
-              <a14:hiddenLine xmlns:a14="http://schemas.microsoft.com/office/drawing/2010/main" xmlns="" w="12700">
+              <a14:hiddenLine xmlns="" xmlns:a14="http://schemas.microsoft.com/office/drawing/2010/main" w="12700">
                 <a:pattFill prst="narHorz">
                   <a:fgClr>
                     <a:schemeClr val="tx1"/>
@@ -381,7 +383,7 @@
               </a14:hiddenLine>
             </a:ext>
             <a:ext uri="{AF507438-7753-43e0-B8FC-AC1667EBCBE1}">
-              <a14:hiddenEffects xmlns:a14="http://schemas.microsoft.com/office/drawing/2010/main" xmlns="">
+              <a14:hiddenEffects xmlns="" xmlns:a14="http://schemas.microsoft.com/office/drawing/2010/main">
                 <a:effectLst>
                   <a:outerShdw dist="35921" dir="2700000" algn="ctr" rotWithShape="0">
                     <a:schemeClr val="bg2"/>
@@ -449,17 +451,17 @@
           <a:effectLst/>
           <a:extLst>
             <a:ext uri="{FAA26D3D-D897-4be2-8F04-BA451C77F1D7}">
-              <ma14:placeholderFlag xmlns:ma14="http://schemas.microsoft.com/office/mac/drawingml/2011/main" xmlns="" val="1"/>
+              <ma14:placeholderFlag xmlns="" xmlns:ma14="http://schemas.microsoft.com/office/mac/drawingml/2011/main" val="1"/>
             </a:ext>
             <a:ext uri="{909E8E84-426E-40dd-AFC4-6F175D3DCCD1}">
-              <a14:hiddenFill xmlns:a14="http://schemas.microsoft.com/office/drawing/2010/main" xmlns="">
+              <a14:hiddenFill xmlns="" xmlns:a14="http://schemas.microsoft.com/office/drawing/2010/main">
                 <a:solidFill>
                   <a:srgbClr val="FFFFFF"/>
                 </a:solidFill>
               </a14:hiddenFill>
             </a:ext>
             <a:ext uri="{AF507438-7753-43e0-B8FC-AC1667EBCBE1}">
-              <a14:hiddenEffects xmlns:a14="http://schemas.microsoft.com/office/drawing/2010/main" xmlns="">
+              <a14:hiddenEffects xmlns="" xmlns:a14="http://schemas.microsoft.com/office/drawing/2010/main">
                 <a:effectLst>
                   <a:outerShdw blurRad="63500" dist="38099" dir="2700000" algn="ctr" rotWithShape="0">
                     <a:srgbClr val="000000">
@@ -470,7 +472,7 @@
               </a14:hiddenEffects>
             </a:ext>
             <a:ext uri="{53640926-AAD7-44d8-BBD7-CCE9431645EC}">
-              <a14:shadowObscured xmlns:a14="http://schemas.microsoft.com/office/drawing/2010/main" xmlns="" val="1"/>
+              <a14:shadowObscured xmlns="" xmlns:a14="http://schemas.microsoft.com/office/drawing/2010/main" val="1"/>
             </a:ext>
           </a:extLst>
         </p:spPr>
@@ -500,14 +502,14 @@
           <a:effectLst/>
           <a:extLst>
             <a:ext uri="{909E8E84-426E-40dd-AFC4-6F175D3DCCD1}">
-              <a14:hiddenFill xmlns:a14="http://schemas.microsoft.com/office/drawing/2010/main" xmlns="">
+              <a14:hiddenFill xmlns="" xmlns:a14="http://schemas.microsoft.com/office/drawing/2010/main">
                 <a:solidFill>
                   <a:schemeClr val="bg1"/>
                 </a:solidFill>
               </a14:hiddenFill>
             </a:ext>
             <a:ext uri="{91240B29-F687-4f45-9708-019B960494DF}">
-              <a14:hiddenLine xmlns:a14="http://schemas.microsoft.com/office/drawing/2010/main" xmlns="" w="12700">
+              <a14:hiddenLine xmlns="" xmlns:a14="http://schemas.microsoft.com/office/drawing/2010/main" w="12700">
                 <a:pattFill prst="narHorz">
                   <a:fgClr>
                     <a:schemeClr val="tx1"/>
@@ -522,7 +524,7 @@
               </a14:hiddenLine>
             </a:ext>
             <a:ext uri="{AF507438-7753-43e0-B8FC-AC1667EBCBE1}">
-              <a14:hiddenEffects xmlns:a14="http://schemas.microsoft.com/office/drawing/2010/main" xmlns="">
+              <a14:hiddenEffects xmlns="" xmlns:a14="http://schemas.microsoft.com/office/drawing/2010/main">
                 <a:effectLst>
                   <a:outerShdw dist="35921" dir="2700000" algn="ctr" rotWithShape="0">
                     <a:schemeClr val="bg2"/>
@@ -772,10 +774,10 @@
         <p:spPr>
           <a:extLst>
             <a:ext uri="{FAA26D3D-D897-4be2-8F04-BA451C77F1D7}">
-              <ma14:placeholderFlag xmlns:ma14="http://schemas.microsoft.com/office/mac/drawingml/2011/main" xmlns="" val="1"/>
+              <ma14:placeholderFlag xmlns="" xmlns:ma14="http://schemas.microsoft.com/office/mac/drawingml/2011/main" val="1"/>
             </a:ext>
             <a:ext uri="{AF507438-7753-43e0-B8FC-AC1667EBCBE1}">
-              <a14:hiddenEffects xmlns:a14="http://schemas.microsoft.com/office/drawing/2010/main" xmlns="">
+              <a14:hiddenEffects xmlns="" xmlns:a14="http://schemas.microsoft.com/office/drawing/2010/main">
                 <a:effectLst>
                   <a:outerShdw blurRad="63500" dist="38099" dir="2700000" algn="ctr" rotWithShape="0">
                     <a:schemeClr val="bg2">
@@ -6405,17 +6407,17 @@
           <a:effectLst/>
           <a:extLst>
             <a:ext uri="{FAA26D3D-D897-4be2-8F04-BA451C77F1D7}">
-              <ma14:placeholderFlag xmlns:ma14="http://schemas.microsoft.com/office/mac/drawingml/2011/main" xmlns="" val="1"/>
+              <ma14:placeholderFlag xmlns="" xmlns:ma14="http://schemas.microsoft.com/office/mac/drawingml/2011/main" val="1"/>
             </a:ext>
             <a:ext uri="{909E8E84-426E-40dd-AFC4-6F175D3DCCD1}">
-              <a14:hiddenFill xmlns:a14="http://schemas.microsoft.com/office/drawing/2010/main" xmlns="">
+              <a14:hiddenFill xmlns="" xmlns:a14="http://schemas.microsoft.com/office/drawing/2010/main">
                 <a:solidFill>
                   <a:schemeClr val="bg1"/>
                 </a:solidFill>
               </a14:hiddenFill>
             </a:ext>
             <a:ext uri="{91240B29-F687-4f45-9708-019B960494DF}">
-              <a14:hiddenLine xmlns:a14="http://schemas.microsoft.com/office/drawing/2010/main" xmlns="" w="12700">
+              <a14:hiddenLine xmlns="" xmlns:a14="http://schemas.microsoft.com/office/drawing/2010/main" w="12700">
                 <a:pattFill prst="narHorz">
                   <a:fgClr>
                     <a:schemeClr val="tx1"/>
@@ -6430,7 +6432,7 @@
               </a14:hiddenLine>
             </a:ext>
             <a:ext uri="{AF507438-7753-43e0-B8FC-AC1667EBCBE1}">
-              <a14:hiddenEffects xmlns:a14="http://schemas.microsoft.com/office/drawing/2010/main" xmlns="">
+              <a14:hiddenEffects xmlns="" xmlns:a14="http://schemas.microsoft.com/office/drawing/2010/main">
                 <a:effectLst>
                   <a:outerShdw blurRad="63500" dist="38099" dir="2700000" algn="ctr" rotWithShape="0">
                     <a:schemeClr val="bg2">
@@ -6483,17 +6485,17 @@
           <a:effectLst/>
           <a:extLst>
             <a:ext uri="{FAA26D3D-D897-4be2-8F04-BA451C77F1D7}">
-              <ma14:placeholderFlag xmlns:ma14="http://schemas.microsoft.com/office/mac/drawingml/2011/main" xmlns="" val="1"/>
+              <ma14:placeholderFlag xmlns="" xmlns:ma14="http://schemas.microsoft.com/office/mac/drawingml/2011/main" val="1"/>
             </a:ext>
             <a:ext uri="{909E8E84-426E-40dd-AFC4-6F175D3DCCD1}">
-              <a14:hiddenFill xmlns:a14="http://schemas.microsoft.com/office/drawing/2010/main" xmlns="">
+              <a14:hiddenFill xmlns="" xmlns:a14="http://schemas.microsoft.com/office/drawing/2010/main">
                 <a:solidFill>
                   <a:schemeClr val="bg1"/>
                 </a:solidFill>
               </a14:hiddenFill>
             </a:ext>
             <a:ext uri="{91240B29-F687-4f45-9708-019B960494DF}">
-              <a14:hiddenLine xmlns:a14="http://schemas.microsoft.com/office/drawing/2010/main" xmlns="" w="12700">
+              <a14:hiddenLine xmlns="" xmlns:a14="http://schemas.microsoft.com/office/drawing/2010/main" w="12700">
                 <a:pattFill prst="narHorz">
                   <a:fgClr>
                     <a:schemeClr val="tx1"/>
@@ -6508,7 +6510,7 @@
               </a14:hiddenLine>
             </a:ext>
             <a:ext uri="{AF507438-7753-43e0-B8FC-AC1667EBCBE1}">
-              <a14:hiddenEffects xmlns:a14="http://schemas.microsoft.com/office/drawing/2010/main" xmlns="">
+              <a14:hiddenEffects xmlns="" xmlns:a14="http://schemas.microsoft.com/office/drawing/2010/main">
                 <a:effectLst>
                   <a:outerShdw blurRad="63500" dist="38099" dir="2700000" algn="ctr" rotWithShape="0">
                     <a:schemeClr val="bg2">
@@ -6592,12 +6594,12 @@
           <a:effectLst/>
           <a:extLst>
             <a:ext uri="{909E8E84-426E-40dd-AFC4-6F175D3DCCD1}">
-              <a14:hiddenFill xmlns:a14="http://schemas.microsoft.com/office/drawing/2010/main" xmlns="">
+              <a14:hiddenFill xmlns="" xmlns:a14="http://schemas.microsoft.com/office/drawing/2010/main">
                 <a:noFill/>
               </a14:hiddenFill>
             </a:ext>
             <a:ext uri="{AF507438-7753-43e0-B8FC-AC1667EBCBE1}">
-              <a14:hiddenEffects xmlns:a14="http://schemas.microsoft.com/office/drawing/2010/main" xmlns="">
+              <a14:hiddenEffects xmlns="" xmlns:a14="http://schemas.microsoft.com/office/drawing/2010/main">
                 <a:effectLst>
                   <a:outerShdw blurRad="63500" dist="38099" dir="2700000" algn="ctr" rotWithShape="0">
                     <a:schemeClr val="bg2">
@@ -7574,17 +7576,17 @@
           <a:effectLst/>
           <a:extLst>
             <a:ext uri="{FAA26D3D-D897-4be2-8F04-BA451C77F1D7}">
-              <ma14:placeholderFlag xmlns:ma14="http://schemas.microsoft.com/office/mac/drawingml/2011/main" xmlns="" val="1"/>
+              <ma14:placeholderFlag xmlns="" xmlns:ma14="http://schemas.microsoft.com/office/mac/drawingml/2011/main" val="1"/>
             </a:ext>
             <a:ext uri="{909E8E84-426E-40dd-AFC4-6F175D3DCCD1}">
-              <a14:hiddenFill xmlns:a14="http://schemas.microsoft.com/office/drawing/2010/main" xmlns="">
+              <a14:hiddenFill xmlns="" xmlns:a14="http://schemas.microsoft.com/office/drawing/2010/main">
                 <a:solidFill>
                   <a:schemeClr val="bg1"/>
                 </a:solidFill>
               </a14:hiddenFill>
             </a:ext>
             <a:ext uri="{91240B29-F687-4f45-9708-019B960494DF}">
-              <a14:hiddenLine xmlns:a14="http://schemas.microsoft.com/office/drawing/2010/main" xmlns="" w="12700">
+              <a14:hiddenLine xmlns="" xmlns:a14="http://schemas.microsoft.com/office/drawing/2010/main" w="12700">
                 <a:pattFill prst="narHorz">
                   <a:fgClr>
                     <a:schemeClr val="tx1"/>
@@ -7599,7 +7601,7 @@
               </a14:hiddenLine>
             </a:ext>
             <a:ext uri="{AF507438-7753-43e0-B8FC-AC1667EBCBE1}">
-              <a14:hiddenEffects xmlns:a14="http://schemas.microsoft.com/office/drawing/2010/main" xmlns="">
+              <a14:hiddenEffects xmlns="" xmlns:a14="http://schemas.microsoft.com/office/drawing/2010/main">
                 <a:effectLst>
                   <a:outerShdw blurRad="63500" dist="38099" dir="2700000" algn="ctr" rotWithShape="0">
                     <a:schemeClr val="bg2">
@@ -7927,17 +7929,17 @@
           <a:effectLst/>
           <a:extLst>
             <a:ext uri="{FAA26D3D-D897-4be2-8F04-BA451C77F1D7}">
-              <ma14:placeholderFlag xmlns:ma14="http://schemas.microsoft.com/office/mac/drawingml/2011/main" xmlns="" val="1"/>
+              <ma14:placeholderFlag xmlns="" xmlns:ma14="http://schemas.microsoft.com/office/mac/drawingml/2011/main" val="1"/>
             </a:ext>
             <a:ext uri="{909E8E84-426E-40dd-AFC4-6F175D3DCCD1}">
-              <a14:hiddenFill xmlns:a14="http://schemas.microsoft.com/office/drawing/2010/main" xmlns="">
+              <a14:hiddenFill xmlns="" xmlns:a14="http://schemas.microsoft.com/office/drawing/2010/main">
                 <a:solidFill>
                   <a:schemeClr val="bg1"/>
                 </a:solidFill>
               </a14:hiddenFill>
             </a:ext>
             <a:ext uri="{91240B29-F687-4f45-9708-019B960494DF}">
-              <a14:hiddenLine xmlns:a14="http://schemas.microsoft.com/office/drawing/2010/main" xmlns="" w="12700">
+              <a14:hiddenLine xmlns="" xmlns:a14="http://schemas.microsoft.com/office/drawing/2010/main" w="12700">
                 <a:pattFill prst="narHorz">
                   <a:fgClr>
                     <a:schemeClr val="tx1"/>
@@ -7952,7 +7954,7 @@
               </a14:hiddenLine>
             </a:ext>
             <a:ext uri="{AF507438-7753-43e0-B8FC-AC1667EBCBE1}">
-              <a14:hiddenEffects xmlns:a14="http://schemas.microsoft.com/office/drawing/2010/main" xmlns="">
+              <a14:hiddenEffects xmlns="" xmlns:a14="http://schemas.microsoft.com/office/drawing/2010/main">
                 <a:effectLst>
                   <a:outerShdw blurRad="63500" dist="38099" dir="2700000" algn="ctr" rotWithShape="0">
                     <a:schemeClr val="bg2">
@@ -8278,17 +8280,17 @@
           <a:effectLst/>
           <a:extLst>
             <a:ext uri="{FAA26D3D-D897-4be2-8F04-BA451C77F1D7}">
-              <ma14:placeholderFlag xmlns:ma14="http://schemas.microsoft.com/office/mac/drawingml/2011/main" xmlns="" val="1"/>
+              <ma14:placeholderFlag xmlns="" xmlns:ma14="http://schemas.microsoft.com/office/mac/drawingml/2011/main" val="1"/>
             </a:ext>
             <a:ext uri="{909E8E84-426E-40dd-AFC4-6F175D3DCCD1}">
-              <a14:hiddenFill xmlns:a14="http://schemas.microsoft.com/office/drawing/2010/main" xmlns="">
+              <a14:hiddenFill xmlns="" xmlns:a14="http://schemas.microsoft.com/office/drawing/2010/main">
                 <a:solidFill>
                   <a:schemeClr val="bg1"/>
                 </a:solidFill>
               </a14:hiddenFill>
             </a:ext>
             <a:ext uri="{91240B29-F687-4f45-9708-019B960494DF}">
-              <a14:hiddenLine xmlns:a14="http://schemas.microsoft.com/office/drawing/2010/main" xmlns="" w="12700">
+              <a14:hiddenLine xmlns="" xmlns:a14="http://schemas.microsoft.com/office/drawing/2010/main" w="12700">
                 <a:pattFill prst="narHorz">
                   <a:fgClr>
                     <a:schemeClr val="tx1"/>
@@ -8303,7 +8305,7 @@
               </a14:hiddenLine>
             </a:ext>
             <a:ext uri="{AF507438-7753-43e0-B8FC-AC1667EBCBE1}">
-              <a14:hiddenEffects xmlns:a14="http://schemas.microsoft.com/office/drawing/2010/main" xmlns="">
+              <a14:hiddenEffects xmlns="" xmlns:a14="http://schemas.microsoft.com/office/drawing/2010/main">
                 <a:effectLst>
                   <a:outerShdw blurRad="63500" dist="38099" dir="2700000" algn="ctr" rotWithShape="0">
                     <a:schemeClr val="bg2">
@@ -8636,17 +8638,17 @@
           <a:effectLst/>
           <a:extLst>
             <a:ext uri="{FAA26D3D-D897-4be2-8F04-BA451C77F1D7}">
-              <ma14:placeholderFlag xmlns:ma14="http://schemas.microsoft.com/office/mac/drawingml/2011/main" xmlns="" val="1"/>
+              <ma14:placeholderFlag xmlns="" xmlns:ma14="http://schemas.microsoft.com/office/mac/drawingml/2011/main" val="1"/>
             </a:ext>
             <a:ext uri="{909E8E84-426E-40dd-AFC4-6F175D3DCCD1}">
-              <a14:hiddenFill xmlns:a14="http://schemas.microsoft.com/office/drawing/2010/main" xmlns="">
+              <a14:hiddenFill xmlns="" xmlns:a14="http://schemas.microsoft.com/office/drawing/2010/main">
                 <a:solidFill>
                   <a:schemeClr val="bg1"/>
                 </a:solidFill>
               </a14:hiddenFill>
             </a:ext>
             <a:ext uri="{91240B29-F687-4f45-9708-019B960494DF}">
-              <a14:hiddenLine xmlns:a14="http://schemas.microsoft.com/office/drawing/2010/main" xmlns="" w="12700">
+              <a14:hiddenLine xmlns="" xmlns:a14="http://schemas.microsoft.com/office/drawing/2010/main" w="12700">
                 <a:pattFill prst="narHorz">
                   <a:fgClr>
                     <a:schemeClr val="tx1"/>
@@ -8661,7 +8663,7 @@
               </a14:hiddenLine>
             </a:ext>
             <a:ext uri="{AF507438-7753-43e0-B8FC-AC1667EBCBE1}">
-              <a14:hiddenEffects xmlns:a14="http://schemas.microsoft.com/office/drawing/2010/main" xmlns="">
+              <a14:hiddenEffects xmlns="" xmlns:a14="http://schemas.microsoft.com/office/drawing/2010/main">
                 <a:effectLst>
                   <a:outerShdw blurRad="63500" dist="38099" dir="2700000" algn="ctr" rotWithShape="0">
                     <a:schemeClr val="bg2">
@@ -8989,17 +8991,17 @@
           <a:effectLst/>
           <a:extLst>
             <a:ext uri="{FAA26D3D-D897-4be2-8F04-BA451C77F1D7}">
-              <ma14:placeholderFlag xmlns:ma14="http://schemas.microsoft.com/office/mac/drawingml/2011/main" xmlns="" val="1"/>
+              <ma14:placeholderFlag xmlns="" xmlns:ma14="http://schemas.microsoft.com/office/mac/drawingml/2011/main" val="1"/>
             </a:ext>
             <a:ext uri="{909E8E84-426E-40dd-AFC4-6F175D3DCCD1}">
-              <a14:hiddenFill xmlns:a14="http://schemas.microsoft.com/office/drawing/2010/main" xmlns="">
+              <a14:hiddenFill xmlns="" xmlns:a14="http://schemas.microsoft.com/office/drawing/2010/main">
                 <a:solidFill>
                   <a:schemeClr val="bg1"/>
                 </a:solidFill>
               </a14:hiddenFill>
             </a:ext>
             <a:ext uri="{91240B29-F687-4f45-9708-019B960494DF}">
-              <a14:hiddenLine xmlns:a14="http://schemas.microsoft.com/office/drawing/2010/main" xmlns="" w="12700">
+              <a14:hiddenLine xmlns="" xmlns:a14="http://schemas.microsoft.com/office/drawing/2010/main" w="12700">
                 <a:pattFill prst="narHorz">
                   <a:fgClr>
                     <a:schemeClr val="tx1"/>
@@ -9014,7 +9016,7 @@
               </a14:hiddenLine>
             </a:ext>
             <a:ext uri="{AF507438-7753-43e0-B8FC-AC1667EBCBE1}">
-              <a14:hiddenEffects xmlns:a14="http://schemas.microsoft.com/office/drawing/2010/main" xmlns="">
+              <a14:hiddenEffects xmlns="" xmlns:a14="http://schemas.microsoft.com/office/drawing/2010/main">
                 <a:effectLst>
                   <a:outerShdw blurRad="63500" dist="38099" dir="2700000" algn="ctr" rotWithShape="0">
                     <a:schemeClr val="bg2">
@@ -9340,17 +9342,17 @@
           <a:effectLst/>
           <a:extLst>
             <a:ext uri="{FAA26D3D-D897-4be2-8F04-BA451C77F1D7}">
-              <ma14:placeholderFlag xmlns:ma14="http://schemas.microsoft.com/office/mac/drawingml/2011/main" xmlns="" val="1"/>
+              <ma14:placeholderFlag xmlns="" xmlns:ma14="http://schemas.microsoft.com/office/mac/drawingml/2011/main" val="1"/>
             </a:ext>
             <a:ext uri="{909E8E84-426E-40dd-AFC4-6F175D3DCCD1}">
-              <a14:hiddenFill xmlns:a14="http://schemas.microsoft.com/office/drawing/2010/main" xmlns="">
+              <a14:hiddenFill xmlns="" xmlns:a14="http://schemas.microsoft.com/office/drawing/2010/main">
                 <a:solidFill>
                   <a:schemeClr val="bg1"/>
                 </a:solidFill>
               </a14:hiddenFill>
             </a:ext>
             <a:ext uri="{91240B29-F687-4f45-9708-019B960494DF}">
-              <a14:hiddenLine xmlns:a14="http://schemas.microsoft.com/office/drawing/2010/main" xmlns="" w="12700">
+              <a14:hiddenLine xmlns="" xmlns:a14="http://schemas.microsoft.com/office/drawing/2010/main" w="12700">
                 <a:pattFill prst="narHorz">
                   <a:fgClr>
                     <a:schemeClr val="tx1"/>
@@ -9365,7 +9367,7 @@
               </a14:hiddenLine>
             </a:ext>
             <a:ext uri="{AF507438-7753-43e0-B8FC-AC1667EBCBE1}">
-              <a14:hiddenEffects xmlns:a14="http://schemas.microsoft.com/office/drawing/2010/main" xmlns="">
+              <a14:hiddenEffects xmlns="" xmlns:a14="http://schemas.microsoft.com/office/drawing/2010/main">
                 <a:effectLst>
                   <a:outerShdw blurRad="63500" dist="38099" dir="2700000" algn="ctr" rotWithShape="0">
                     <a:schemeClr val="bg2">
@@ -10486,17 +10488,17 @@
           <a:effectLst/>
           <a:extLst>
             <a:ext uri="{FAA26D3D-D897-4be2-8F04-BA451C77F1D7}">
-              <ma14:placeholderFlag xmlns:ma14="http://schemas.microsoft.com/office/mac/drawingml/2011/main" xmlns="" val="1"/>
+              <ma14:placeholderFlag xmlns="" xmlns:ma14="http://schemas.microsoft.com/office/mac/drawingml/2011/main" val="1"/>
             </a:ext>
             <a:ext uri="{909E8E84-426E-40dd-AFC4-6F175D3DCCD1}">
-              <a14:hiddenFill xmlns:a14="http://schemas.microsoft.com/office/drawing/2010/main" xmlns="">
+              <a14:hiddenFill xmlns="" xmlns:a14="http://schemas.microsoft.com/office/drawing/2010/main">
                 <a:solidFill>
                   <a:schemeClr val="bg1"/>
                 </a:solidFill>
               </a14:hiddenFill>
             </a:ext>
             <a:ext uri="{91240B29-F687-4f45-9708-019B960494DF}">
-              <a14:hiddenLine xmlns:a14="http://schemas.microsoft.com/office/drawing/2010/main" xmlns="" w="12700">
+              <a14:hiddenLine xmlns="" xmlns:a14="http://schemas.microsoft.com/office/drawing/2010/main" w="12700">
                 <a:pattFill prst="narHorz">
                   <a:fgClr>
                     <a:schemeClr val="tx1"/>
@@ -10511,7 +10513,7 @@
               </a14:hiddenLine>
             </a:ext>
             <a:ext uri="{AF507438-7753-43e0-B8FC-AC1667EBCBE1}">
-              <a14:hiddenEffects xmlns:a14="http://schemas.microsoft.com/office/drawing/2010/main" xmlns="">
+              <a14:hiddenEffects xmlns="" xmlns:a14="http://schemas.microsoft.com/office/drawing/2010/main">
                 <a:effectLst>
                   <a:outerShdw blurRad="63500" dist="38099" dir="2700000" algn="ctr" rotWithShape="0">
                     <a:schemeClr val="bg2">
@@ -10838,17 +10840,17 @@
           <a:effectLst/>
           <a:extLst>
             <a:ext uri="{FAA26D3D-D897-4be2-8F04-BA451C77F1D7}">
-              <ma14:placeholderFlag xmlns:ma14="http://schemas.microsoft.com/office/mac/drawingml/2011/main" xmlns="" val="1"/>
+              <ma14:placeholderFlag xmlns="" xmlns:ma14="http://schemas.microsoft.com/office/mac/drawingml/2011/main" val="1"/>
             </a:ext>
             <a:ext uri="{909E8E84-426E-40dd-AFC4-6F175D3DCCD1}">
-              <a14:hiddenFill xmlns:a14="http://schemas.microsoft.com/office/drawing/2010/main" xmlns="">
+              <a14:hiddenFill xmlns="" xmlns:a14="http://schemas.microsoft.com/office/drawing/2010/main">
                 <a:solidFill>
                   <a:schemeClr val="bg1"/>
                 </a:solidFill>
               </a14:hiddenFill>
             </a:ext>
             <a:ext uri="{91240B29-F687-4f45-9708-019B960494DF}">
-              <a14:hiddenLine xmlns:a14="http://schemas.microsoft.com/office/drawing/2010/main" xmlns="" w="12700">
+              <a14:hiddenLine xmlns="" xmlns:a14="http://schemas.microsoft.com/office/drawing/2010/main" w="12700">
                 <a:pattFill prst="narHorz">
                   <a:fgClr>
                     <a:schemeClr val="tx1"/>
@@ -10863,7 +10865,7 @@
               </a14:hiddenLine>
             </a:ext>
             <a:ext uri="{AF507438-7753-43e0-B8FC-AC1667EBCBE1}">
-              <a14:hiddenEffects xmlns:a14="http://schemas.microsoft.com/office/drawing/2010/main" xmlns="">
+              <a14:hiddenEffects xmlns="" xmlns:a14="http://schemas.microsoft.com/office/drawing/2010/main">
                 <a:effectLst>
                   <a:outerShdw blurRad="63500" dist="38099" dir="2700000" algn="ctr" rotWithShape="0">
                     <a:schemeClr val="bg2">
@@ -11202,17 +11204,17 @@
           <a:effectLst/>
           <a:extLst>
             <a:ext uri="{FAA26D3D-D897-4be2-8F04-BA451C77F1D7}">
-              <ma14:placeholderFlag xmlns:ma14="http://schemas.microsoft.com/office/mac/drawingml/2011/main" xmlns="" val="1"/>
+              <ma14:placeholderFlag xmlns="" xmlns:ma14="http://schemas.microsoft.com/office/mac/drawingml/2011/main" val="1"/>
             </a:ext>
             <a:ext uri="{909E8E84-426E-40dd-AFC4-6F175D3DCCD1}">
-              <a14:hiddenFill xmlns:a14="http://schemas.microsoft.com/office/drawing/2010/main" xmlns="">
+              <a14:hiddenFill xmlns="" xmlns:a14="http://schemas.microsoft.com/office/drawing/2010/main">
                 <a:solidFill>
                   <a:schemeClr val="bg1"/>
                 </a:solidFill>
               </a14:hiddenFill>
             </a:ext>
             <a:ext uri="{91240B29-F687-4f45-9708-019B960494DF}">
-              <a14:hiddenLine xmlns:a14="http://schemas.microsoft.com/office/drawing/2010/main" xmlns="" w="12700">
+              <a14:hiddenLine xmlns="" xmlns:a14="http://schemas.microsoft.com/office/drawing/2010/main" w="12700">
                 <a:pattFill prst="narHorz">
                   <a:fgClr>
                     <a:schemeClr val="tx1"/>
@@ -11227,7 +11229,7 @@
               </a14:hiddenLine>
             </a:ext>
             <a:ext uri="{AF507438-7753-43e0-B8FC-AC1667EBCBE1}">
-              <a14:hiddenEffects xmlns:a14="http://schemas.microsoft.com/office/drawing/2010/main" xmlns="">
+              <a14:hiddenEffects xmlns="" xmlns:a14="http://schemas.microsoft.com/office/drawing/2010/main">
                 <a:effectLst>
                   <a:outerShdw blurRad="63500" dist="38099" dir="2700000" algn="ctr" rotWithShape="0">
                     <a:schemeClr val="bg2">
@@ -11503,17 +11505,17 @@
           <a:effectLst/>
           <a:extLst>
             <a:ext uri="{FAA26D3D-D897-4be2-8F04-BA451C77F1D7}">
-              <ma14:placeholderFlag xmlns:ma14="http://schemas.microsoft.com/office/mac/drawingml/2011/main" xmlns="" val="1"/>
+              <ma14:placeholderFlag xmlns="" xmlns:ma14="http://schemas.microsoft.com/office/mac/drawingml/2011/main" val="1"/>
             </a:ext>
             <a:ext uri="{909E8E84-426E-40dd-AFC4-6F175D3DCCD1}">
-              <a14:hiddenFill xmlns:a14="http://schemas.microsoft.com/office/drawing/2010/main" xmlns="">
+              <a14:hiddenFill xmlns="" xmlns:a14="http://schemas.microsoft.com/office/drawing/2010/main">
                 <a:solidFill>
                   <a:schemeClr val="bg1"/>
                 </a:solidFill>
               </a14:hiddenFill>
             </a:ext>
             <a:ext uri="{91240B29-F687-4f45-9708-019B960494DF}">
-              <a14:hiddenLine xmlns:a14="http://schemas.microsoft.com/office/drawing/2010/main" xmlns="" w="12700">
+              <a14:hiddenLine xmlns="" xmlns:a14="http://schemas.microsoft.com/office/drawing/2010/main" w="12700">
                 <a:pattFill prst="narHorz">
                   <a:fgClr>
                     <a:schemeClr val="tx1"/>
@@ -11528,7 +11530,7 @@
               </a14:hiddenLine>
             </a:ext>
             <a:ext uri="{AF507438-7753-43e0-B8FC-AC1667EBCBE1}">
-              <a14:hiddenEffects xmlns:a14="http://schemas.microsoft.com/office/drawing/2010/main" xmlns="">
+              <a14:hiddenEffects xmlns="" xmlns:a14="http://schemas.microsoft.com/office/drawing/2010/main">
                 <a:effectLst>
                   <a:outerShdw blurRad="63500" dist="38099" dir="2700000" algn="ctr" rotWithShape="0">
                     <a:schemeClr val="bg2">
@@ -13521,17 +13523,17 @@
           <a:effectLst/>
           <a:extLst>
             <a:ext uri="{FAA26D3D-D897-4be2-8F04-BA451C77F1D7}">
-              <ma14:placeholderFlag xmlns:ma14="http://schemas.microsoft.com/office/mac/drawingml/2011/main" xmlns="" val="1"/>
+              <ma14:placeholderFlag xmlns="" xmlns:ma14="http://schemas.microsoft.com/office/mac/drawingml/2011/main" val="1"/>
             </a:ext>
             <a:ext uri="{909E8E84-426E-40dd-AFC4-6F175D3DCCD1}">
-              <a14:hiddenFill xmlns:a14="http://schemas.microsoft.com/office/drawing/2010/main" xmlns="">
+              <a14:hiddenFill xmlns="" xmlns:a14="http://schemas.microsoft.com/office/drawing/2010/main">
                 <a:solidFill>
                   <a:schemeClr val="bg1"/>
                 </a:solidFill>
               </a14:hiddenFill>
             </a:ext>
             <a:ext uri="{91240B29-F687-4f45-9708-019B960494DF}">
-              <a14:hiddenLine xmlns:a14="http://schemas.microsoft.com/office/drawing/2010/main" xmlns="" w="12700">
+              <a14:hiddenLine xmlns="" xmlns:a14="http://schemas.microsoft.com/office/drawing/2010/main" w="12700">
                 <a:pattFill prst="narHorz">
                   <a:fgClr>
                     <a:schemeClr val="tx1"/>
@@ -13546,7 +13548,7 @@
               </a14:hiddenLine>
             </a:ext>
             <a:ext uri="{AF507438-7753-43e0-B8FC-AC1667EBCBE1}">
-              <a14:hiddenEffects xmlns:a14="http://schemas.microsoft.com/office/drawing/2010/main" xmlns="">
+              <a14:hiddenEffects xmlns="" xmlns:a14="http://schemas.microsoft.com/office/drawing/2010/main">
                 <a:effectLst>
                   <a:outerShdw blurRad="63500" dist="38099" dir="2700000" algn="ctr" rotWithShape="0">
                     <a:schemeClr val="bg2">
@@ -13885,17 +13887,17 @@
           <a:effectLst/>
           <a:extLst>
             <a:ext uri="{FAA26D3D-D897-4be2-8F04-BA451C77F1D7}">
-              <ma14:placeholderFlag xmlns:ma14="http://schemas.microsoft.com/office/mac/drawingml/2011/main" xmlns="" val="1"/>
+              <ma14:placeholderFlag xmlns="" xmlns:ma14="http://schemas.microsoft.com/office/mac/drawingml/2011/main" val="1"/>
             </a:ext>
             <a:ext uri="{909E8E84-426E-40dd-AFC4-6F175D3DCCD1}">
-              <a14:hiddenFill xmlns:a14="http://schemas.microsoft.com/office/drawing/2010/main" xmlns="">
+              <a14:hiddenFill xmlns="" xmlns:a14="http://schemas.microsoft.com/office/drawing/2010/main">
                 <a:solidFill>
                   <a:schemeClr val="bg1"/>
                 </a:solidFill>
               </a14:hiddenFill>
             </a:ext>
             <a:ext uri="{91240B29-F687-4f45-9708-019B960494DF}">
-              <a14:hiddenLine xmlns:a14="http://schemas.microsoft.com/office/drawing/2010/main" xmlns="" w="12700">
+              <a14:hiddenLine xmlns="" xmlns:a14="http://schemas.microsoft.com/office/drawing/2010/main" w="12700">
                 <a:pattFill prst="narHorz">
                   <a:fgClr>
                     <a:schemeClr val="tx1"/>
@@ -13910,7 +13912,7 @@
               </a14:hiddenLine>
             </a:ext>
             <a:ext uri="{AF507438-7753-43e0-B8FC-AC1667EBCBE1}">
-              <a14:hiddenEffects xmlns:a14="http://schemas.microsoft.com/office/drawing/2010/main" xmlns="">
+              <a14:hiddenEffects xmlns="" xmlns:a14="http://schemas.microsoft.com/office/drawing/2010/main">
                 <a:effectLst>
                   <a:outerShdw blurRad="63500" dist="38099" dir="2700000" algn="ctr" rotWithShape="0">
                     <a:schemeClr val="bg2">
@@ -14186,17 +14188,17 @@
           <a:effectLst/>
           <a:extLst>
             <a:ext uri="{FAA26D3D-D897-4be2-8F04-BA451C77F1D7}">
-              <ma14:placeholderFlag xmlns:ma14="http://schemas.microsoft.com/office/mac/drawingml/2011/main" xmlns="" val="1"/>
+              <ma14:placeholderFlag xmlns="" xmlns:ma14="http://schemas.microsoft.com/office/mac/drawingml/2011/main" val="1"/>
             </a:ext>
             <a:ext uri="{909E8E84-426E-40dd-AFC4-6F175D3DCCD1}">
-              <a14:hiddenFill xmlns:a14="http://schemas.microsoft.com/office/drawing/2010/main" xmlns="">
+              <a14:hiddenFill xmlns="" xmlns:a14="http://schemas.microsoft.com/office/drawing/2010/main">
                 <a:solidFill>
                   <a:schemeClr val="bg1"/>
                 </a:solidFill>
               </a14:hiddenFill>
             </a:ext>
             <a:ext uri="{91240B29-F687-4f45-9708-019B960494DF}">
-              <a14:hiddenLine xmlns:a14="http://schemas.microsoft.com/office/drawing/2010/main" xmlns="" w="12700">
+              <a14:hiddenLine xmlns="" xmlns:a14="http://schemas.microsoft.com/office/drawing/2010/main" w="12700">
                 <a:pattFill prst="narHorz">
                   <a:fgClr>
                     <a:schemeClr val="tx1"/>
@@ -14211,7 +14213,7 @@
               </a14:hiddenLine>
             </a:ext>
             <a:ext uri="{AF507438-7753-43e0-B8FC-AC1667EBCBE1}">
-              <a14:hiddenEffects xmlns:a14="http://schemas.microsoft.com/office/drawing/2010/main" xmlns="">
+              <a14:hiddenEffects xmlns="" xmlns:a14="http://schemas.microsoft.com/office/drawing/2010/main">
                 <a:effectLst>
                   <a:outerShdw blurRad="63500" dist="38099" dir="2700000" algn="ctr" rotWithShape="0">
                     <a:schemeClr val="bg2">
@@ -16242,6 +16244,3717 @@
       </p:grpSpPr>
       <p:sp>
         <p:nvSpPr>
+          <p:cNvPr id="5" name="object 8">
+            <a:extLst>
+              <a:ext uri="{FF2B5EF4-FFF2-40B4-BE49-F238E27FC236}">
+                <a16:creationId xmlns:a16="http://schemas.microsoft.com/office/drawing/2014/main" id="{CABD4052-E574-DF5B-571C-1AAA85411826}"/>
+              </a:ext>
+            </a:extLst>
+          </p:cNvPr>
+          <p:cNvSpPr txBox="1"/>
+          <p:nvPr/>
+        </p:nvSpPr>
+        <p:spPr>
+          <a:xfrm>
+            <a:off x="76200" y="1826446"/>
+            <a:ext cx="5989528" cy="4485843"/>
+          </a:xfrm>
+          <a:prstGeom prst="rect">
+            <a:avLst/>
+          </a:prstGeom>
+          <a:ln w="12700">
+            <a:solidFill>
+              <a:srgbClr val="000000"/>
+            </a:solidFill>
+          </a:ln>
+        </p:spPr>
+        <p:txBody>
+          <a:bodyPr vert="horz" wrap="square" lIns="0" tIns="53340" rIns="0" bIns="0" rtlCol="0">
+            <a:spAutoFit/>
+          </a:bodyPr>
+          <a:lstStyle/>
+          <a:p>
+            <a:pPr>
+              <a:buNone/>
+              <a:tabLst>
+                <a:tab pos="576263" algn="l"/>
+                <a:tab pos="914400" algn="l"/>
+                <a:tab pos="1252538" algn="l"/>
+                <a:tab pos="1603375" algn="l"/>
+                <a:tab pos="4233863" algn="l"/>
+              </a:tabLst>
+            </a:pPr>
+            <a:r>
+              <a:rPr lang="en-US" altLang="ko-KR" sz="1600" b="0" dirty="0">
+                <a:latin typeface="Courier New" charset="0"/>
+                <a:ea typeface="굴림" charset="0"/>
+                <a:cs typeface="굴림" charset="0"/>
+              </a:rPr>
+              <a:t> Reader() {</a:t>
+            </a:r>
+            <a:br>
+              <a:rPr lang="en-US" altLang="ko-KR" sz="1600" b="0" dirty="0">
+                <a:latin typeface="Courier New" charset="0"/>
+                <a:ea typeface="굴림" charset="0"/>
+                <a:cs typeface="굴림" charset="0"/>
+              </a:rPr>
+            </a:br>
+            <a:r>
+              <a:rPr lang="en-US" altLang="ko-KR" sz="1600" b="0" dirty="0">
+                <a:latin typeface="Courier New" charset="0"/>
+                <a:ea typeface="굴림" charset="0"/>
+                <a:cs typeface="굴림" charset="0"/>
+              </a:rPr>
+              <a:t>	</a:t>
+            </a:r>
+            <a:r>
+              <a:rPr lang="en-US" altLang="ko-KR" sz="1600" b="0" dirty="0" err="1">
+                <a:latin typeface="Courier New" charset="0"/>
+                <a:ea typeface="굴림" charset="0"/>
+                <a:cs typeface="굴림" charset="0"/>
+              </a:rPr>
+              <a:t>mutex_lock</a:t>
+            </a:r>
+            <a:r>
+              <a:rPr lang="en-US" altLang="ko-KR" sz="1600" b="0" dirty="0">
+                <a:latin typeface="Courier New" charset="0"/>
+                <a:ea typeface="굴림" charset="0"/>
+                <a:cs typeface="굴림" charset="0"/>
+              </a:rPr>
+              <a:t>(&amp;mutex);</a:t>
+            </a:r>
+          </a:p>
+          <a:p>
+            <a:pPr>
+              <a:buNone/>
+              <a:tabLst>
+                <a:tab pos="576263" algn="l"/>
+                <a:tab pos="914400" algn="l"/>
+                <a:tab pos="1252538" algn="l"/>
+                <a:tab pos="1603375" algn="l"/>
+                <a:tab pos="4233863" algn="l"/>
+              </a:tabLst>
+            </a:pPr>
+            <a:r>
+              <a:rPr lang="en-US" altLang="ko-KR" sz="1600" b="0" dirty="0">
+                <a:latin typeface="Courier New" charset="0"/>
+                <a:ea typeface="굴림" charset="0"/>
+                <a:cs typeface="굴림" charset="0"/>
+              </a:rPr>
+              <a:t>	while ((AW + WW) &gt; 0) {</a:t>
+            </a:r>
+            <a:r>
+              <a:rPr lang="en-US" altLang="ko-KR" sz="1600" b="0" dirty="0">
+                <a:solidFill>
+                  <a:schemeClr val="accent2"/>
+                </a:solidFill>
+                <a:latin typeface="Courier New" charset="0"/>
+                <a:ea typeface="굴림" charset="0"/>
+                <a:cs typeface="굴림" charset="0"/>
+              </a:rPr>
+              <a:t>//Is it safe to read?</a:t>
+            </a:r>
+            <a:br>
+              <a:rPr lang="en-US" altLang="ko-KR" sz="1600" b="0" dirty="0">
+                <a:latin typeface="Courier New" charset="0"/>
+                <a:ea typeface="굴림" charset="0"/>
+                <a:cs typeface="굴림" charset="0"/>
+              </a:rPr>
+            </a:br>
+            <a:r>
+              <a:rPr lang="en-US" altLang="ko-KR" sz="1600" b="0" dirty="0">
+                <a:latin typeface="Courier New" charset="0"/>
+                <a:ea typeface="굴림" charset="0"/>
+                <a:cs typeface="굴림" charset="0"/>
+              </a:rPr>
+              <a:t>		WR++;	</a:t>
+            </a:r>
+            <a:r>
+              <a:rPr lang="en-US" altLang="ko-KR" sz="1600" b="0" dirty="0">
+                <a:solidFill>
+                  <a:schemeClr val="accent2"/>
+                </a:solidFill>
+                <a:latin typeface="Courier New" charset="0"/>
+                <a:ea typeface="굴림" charset="0"/>
+                <a:cs typeface="굴림" charset="0"/>
+              </a:rPr>
+              <a:t>//No. Writers exist</a:t>
+            </a:r>
+            <a:br>
+              <a:rPr lang="en-US" altLang="ko-KR" sz="1600" b="0" dirty="0">
+                <a:latin typeface="Courier New" charset="0"/>
+                <a:ea typeface="굴림" charset="0"/>
+                <a:cs typeface="굴림" charset="0"/>
+              </a:rPr>
+            </a:br>
+            <a:r>
+              <a:rPr lang="en-US" altLang="ko-KR" sz="1600" b="0" dirty="0">
+                <a:latin typeface="Courier New" charset="0"/>
+                <a:ea typeface="굴림" charset="0"/>
+                <a:cs typeface="굴림" charset="0"/>
+              </a:rPr>
+              <a:t>		</a:t>
+            </a:r>
+            <a:r>
+              <a:rPr lang="en-US" altLang="ko-KR" sz="1600" b="0" dirty="0" err="1">
+                <a:latin typeface="Courier New" charset="0"/>
+                <a:ea typeface="굴림" charset="0"/>
+                <a:cs typeface="굴림" charset="0"/>
+              </a:rPr>
+              <a:t>cond_wait</a:t>
+            </a:r>
+            <a:r>
+              <a:rPr lang="en-US" altLang="ko-KR" sz="1600" b="0" dirty="0">
+                <a:latin typeface="Courier New" charset="0"/>
+                <a:ea typeface="굴림" charset="0"/>
+                <a:cs typeface="굴림" charset="0"/>
+              </a:rPr>
+              <a:t>(&amp;</a:t>
+            </a:r>
+            <a:r>
+              <a:rPr lang="en-US" altLang="ko-KR" sz="1600" b="0" dirty="0" err="1">
+                <a:latin typeface="Courier New" charset="0"/>
+                <a:ea typeface="굴림" charset="0"/>
+                <a:cs typeface="굴림" charset="0"/>
+              </a:rPr>
+              <a:t>okToRead</a:t>
+            </a:r>
+            <a:r>
+              <a:rPr lang="en-US" altLang="ko-KR" sz="1600" b="0" dirty="0">
+                <a:latin typeface="Courier New" charset="0"/>
+                <a:ea typeface="굴림" charset="0"/>
+                <a:cs typeface="굴림" charset="0"/>
+              </a:rPr>
+              <a:t>,&amp;mutex);</a:t>
+            </a:r>
+            <a:br>
+              <a:rPr lang="en-US" altLang="ko-KR" sz="1600" b="0" dirty="0">
+                <a:latin typeface="Courier New" charset="0"/>
+                <a:ea typeface="굴림" charset="0"/>
+                <a:cs typeface="굴림" charset="0"/>
+              </a:rPr>
+            </a:br>
+            <a:r>
+              <a:rPr lang="en-US" altLang="ko-KR" sz="1600" b="0" dirty="0">
+                <a:latin typeface="Courier New" charset="0"/>
+                <a:ea typeface="굴림" charset="0"/>
+                <a:cs typeface="굴림" charset="0"/>
+              </a:rPr>
+              <a:t>		WR--;	</a:t>
+            </a:r>
+            <a:r>
+              <a:rPr lang="en-US" altLang="ko-KR" sz="1600" b="0" dirty="0">
+                <a:solidFill>
+                  <a:schemeClr val="accent2"/>
+                </a:solidFill>
+                <a:latin typeface="Courier New" charset="0"/>
+                <a:ea typeface="굴림" charset="0"/>
+                <a:cs typeface="굴림" charset="0"/>
+              </a:rPr>
+              <a:t>//No longer waiting</a:t>
+            </a:r>
+            <a:br>
+              <a:rPr lang="en-US" altLang="ko-KR" sz="1600" b="0" dirty="0">
+                <a:latin typeface="Courier New" charset="0"/>
+                <a:ea typeface="굴림" charset="0"/>
+                <a:cs typeface="굴림" charset="0"/>
+              </a:rPr>
+            </a:br>
+            <a:r>
+              <a:rPr lang="en-US" altLang="ko-KR" sz="1600" b="0" dirty="0">
+                <a:latin typeface="Courier New" charset="0"/>
+                <a:ea typeface="굴림" charset="0"/>
+                <a:cs typeface="굴림" charset="0"/>
+              </a:rPr>
+              <a:t>	}</a:t>
+            </a:r>
+          </a:p>
+          <a:p>
+            <a:pPr>
+              <a:buNone/>
+              <a:tabLst>
+                <a:tab pos="576263" algn="l"/>
+                <a:tab pos="914400" algn="l"/>
+                <a:tab pos="1252538" algn="l"/>
+                <a:tab pos="1603375" algn="l"/>
+                <a:tab pos="4233863" algn="l"/>
+              </a:tabLst>
+            </a:pPr>
+            <a:r>
+              <a:rPr lang="en-US" altLang="ko-KR" sz="1600" b="0" dirty="0">
+                <a:latin typeface="Courier New" charset="0"/>
+                <a:ea typeface="굴림" charset="0"/>
+                <a:cs typeface="굴림" charset="0"/>
+              </a:rPr>
+              <a:t>	AR++;		</a:t>
+            </a:r>
+            <a:r>
+              <a:rPr lang="en-US" altLang="ko-KR" sz="1600" b="0" dirty="0">
+                <a:solidFill>
+                  <a:schemeClr val="accent2"/>
+                </a:solidFill>
+                <a:latin typeface="Courier New" charset="0"/>
+                <a:ea typeface="굴림" charset="0"/>
+                <a:cs typeface="굴림" charset="0"/>
+              </a:rPr>
+              <a:t>//Reader active!</a:t>
+            </a:r>
+            <a:br>
+              <a:rPr lang="en-US" altLang="ko-KR" sz="1600" b="0" dirty="0">
+                <a:latin typeface="Courier New" charset="0"/>
+                <a:ea typeface="굴림" charset="0"/>
+                <a:cs typeface="굴림" charset="0"/>
+              </a:rPr>
+            </a:br>
+            <a:r>
+              <a:rPr lang="en-US" altLang="ko-KR" sz="1600" b="0" dirty="0">
+                <a:latin typeface="Courier New" charset="0"/>
+                <a:ea typeface="굴림" charset="0"/>
+                <a:cs typeface="굴림" charset="0"/>
+              </a:rPr>
+              <a:t>	</a:t>
+            </a:r>
+            <a:r>
+              <a:rPr lang="en-US" altLang="ko-KR" sz="1600" b="0" dirty="0" err="1">
+                <a:latin typeface="Courier New" charset="0"/>
+                <a:ea typeface="굴림" charset="0"/>
+                <a:cs typeface="굴림" charset="0"/>
+              </a:rPr>
+              <a:t>mutex_unlock</a:t>
+            </a:r>
+            <a:r>
+              <a:rPr lang="en-US" altLang="ko-KR" sz="1600" b="0" dirty="0">
+                <a:latin typeface="Courier New" charset="0"/>
+                <a:ea typeface="굴림" charset="0"/>
+                <a:cs typeface="굴림" charset="0"/>
+              </a:rPr>
+              <a:t>(&amp;mutex);</a:t>
+            </a:r>
+          </a:p>
+          <a:p>
+            <a:pPr>
+              <a:buNone/>
+              <a:tabLst>
+                <a:tab pos="576263" algn="l"/>
+                <a:tab pos="914400" algn="l"/>
+                <a:tab pos="1252538" algn="l"/>
+                <a:tab pos="1603375" algn="l"/>
+                <a:tab pos="4233863" algn="l"/>
+              </a:tabLst>
+            </a:pPr>
+            <a:r>
+              <a:rPr lang="en-US" altLang="ko-KR" sz="1600" b="0" dirty="0">
+                <a:latin typeface="Courier New" charset="0"/>
+                <a:ea typeface="굴림" charset="0"/>
+                <a:cs typeface="굴림" charset="0"/>
+              </a:rPr>
+              <a:t>	</a:t>
+            </a:r>
+            <a:r>
+              <a:rPr lang="en-US" altLang="ko-KR" sz="1600" b="0" dirty="0" err="1">
+                <a:latin typeface="Courier New" charset="0"/>
+                <a:ea typeface="굴림" charset="0"/>
+                <a:cs typeface="굴림" charset="0"/>
+              </a:rPr>
+              <a:t>AccessDatabase</a:t>
+            </a:r>
+            <a:r>
+              <a:rPr lang="en-US" altLang="ko-KR" sz="1600" b="0" dirty="0">
+                <a:latin typeface="Courier New" charset="0"/>
+                <a:ea typeface="굴림" charset="0"/>
+                <a:cs typeface="굴림" charset="0"/>
+              </a:rPr>
+              <a:t>(</a:t>
+            </a:r>
+            <a:r>
+              <a:rPr lang="en-US" altLang="ko-KR" sz="1600" b="0" dirty="0" err="1">
+                <a:latin typeface="Courier New" charset="0"/>
+                <a:ea typeface="굴림" charset="0"/>
+                <a:cs typeface="굴림" charset="0"/>
+              </a:rPr>
+              <a:t>ReadOnly</a:t>
+            </a:r>
+            <a:r>
+              <a:rPr lang="en-US" altLang="ko-KR" sz="1600" b="0" dirty="0">
+                <a:latin typeface="Courier New" charset="0"/>
+                <a:ea typeface="굴림" charset="0"/>
+                <a:cs typeface="굴림" charset="0"/>
+              </a:rPr>
+              <a:t>);</a:t>
+            </a:r>
+          </a:p>
+          <a:p>
+            <a:pPr>
+              <a:buNone/>
+              <a:tabLst>
+                <a:tab pos="576263" algn="l"/>
+                <a:tab pos="914400" algn="l"/>
+                <a:tab pos="1252538" algn="l"/>
+                <a:tab pos="1603375" algn="l"/>
+                <a:tab pos="4233863" algn="l"/>
+              </a:tabLst>
+            </a:pPr>
+            <a:r>
+              <a:rPr lang="en-US" altLang="ko-KR" sz="1600" b="0" dirty="0">
+                <a:latin typeface="Courier New" charset="0"/>
+                <a:ea typeface="굴림" charset="0"/>
+                <a:cs typeface="굴림" charset="0"/>
+              </a:rPr>
+              <a:t>	</a:t>
+            </a:r>
+            <a:r>
+              <a:rPr lang="en-US" altLang="ko-KR" sz="1600" b="0" dirty="0" err="1">
+                <a:latin typeface="Courier New" charset="0"/>
+                <a:ea typeface="굴림" charset="0"/>
+                <a:cs typeface="굴림" charset="0"/>
+              </a:rPr>
+              <a:t>mutex_lock</a:t>
+            </a:r>
+            <a:r>
+              <a:rPr lang="en-US" altLang="ko-KR" sz="1600" b="0" dirty="0">
+                <a:latin typeface="Courier New" charset="0"/>
+                <a:ea typeface="굴림" charset="0"/>
+                <a:cs typeface="굴림" charset="0"/>
+              </a:rPr>
+              <a:t>(&amp;mutex);</a:t>
+            </a:r>
+            <a:br>
+              <a:rPr lang="en-US" altLang="ko-KR" sz="1600" b="0" dirty="0">
+                <a:latin typeface="Courier New" charset="0"/>
+                <a:ea typeface="굴림" charset="0"/>
+                <a:cs typeface="굴림" charset="0"/>
+              </a:rPr>
+            </a:br>
+            <a:r>
+              <a:rPr lang="en-US" altLang="ko-KR" sz="1600" b="0" dirty="0">
+                <a:latin typeface="Courier New" charset="0"/>
+                <a:ea typeface="굴림" charset="0"/>
+                <a:cs typeface="굴림" charset="0"/>
+              </a:rPr>
+              <a:t>	AR--;		</a:t>
+            </a:r>
+            <a:r>
+              <a:rPr lang="en-US" altLang="ko-KR" sz="1600" b="0" dirty="0">
+                <a:solidFill>
+                  <a:schemeClr val="accent2"/>
+                </a:solidFill>
+                <a:latin typeface="Courier New" charset="0"/>
+                <a:ea typeface="굴림" charset="0"/>
+                <a:cs typeface="굴림" charset="0"/>
+              </a:rPr>
+              <a:t>//No longer active</a:t>
+            </a:r>
+            <a:br>
+              <a:rPr lang="en-US" altLang="ko-KR" sz="1600" b="0" dirty="0">
+                <a:latin typeface="Courier New" charset="0"/>
+                <a:ea typeface="굴림" charset="0"/>
+                <a:cs typeface="굴림" charset="0"/>
+              </a:rPr>
+            </a:br>
+            <a:r>
+              <a:rPr lang="en-US" altLang="ko-KR" sz="1600" b="0" dirty="0">
+                <a:latin typeface="Courier New" charset="0"/>
+                <a:ea typeface="굴림" charset="0"/>
+                <a:cs typeface="굴림" charset="0"/>
+              </a:rPr>
+              <a:t>	if (AR == 0 &amp;&amp; WW &gt; 0)</a:t>
+            </a:r>
+            <a:r>
+              <a:rPr lang="en-US" altLang="ko-KR" sz="1600" b="0" dirty="0">
+                <a:solidFill>
+                  <a:schemeClr val="accent2"/>
+                </a:solidFill>
+                <a:latin typeface="Courier New" charset="0"/>
+                <a:ea typeface="굴림" charset="0"/>
+                <a:cs typeface="굴림" charset="0"/>
+              </a:rPr>
+              <a:t>//No other active readers</a:t>
+            </a:r>
+            <a:br>
+              <a:rPr lang="en-US" altLang="ko-KR" sz="1600" b="0" dirty="0">
+                <a:latin typeface="Courier New" charset="0"/>
+                <a:ea typeface="굴림" charset="0"/>
+                <a:cs typeface="굴림" charset="0"/>
+              </a:rPr>
+            </a:br>
+            <a:r>
+              <a:rPr lang="en-US" altLang="ko-KR" sz="1600" b="0" dirty="0">
+                <a:latin typeface="Courier New" charset="0"/>
+                <a:ea typeface="굴림" charset="0"/>
+                <a:cs typeface="굴림" charset="0"/>
+              </a:rPr>
+              <a:t>		</a:t>
+            </a:r>
+            <a:r>
+              <a:rPr lang="en-US" altLang="ko-KR" sz="1600" b="0" dirty="0" err="1">
+                <a:latin typeface="Courier New" charset="0"/>
+                <a:ea typeface="굴림" charset="0"/>
+                <a:cs typeface="굴림" charset="0"/>
+              </a:rPr>
+              <a:t>cond_signal</a:t>
+            </a:r>
+            <a:r>
+              <a:rPr lang="en-US" altLang="ko-KR" sz="1600" b="0" dirty="0">
+                <a:latin typeface="Courier New" charset="0"/>
+                <a:ea typeface="굴림" charset="0"/>
+                <a:cs typeface="굴림" charset="0"/>
+              </a:rPr>
+              <a:t>(&amp;</a:t>
+            </a:r>
+            <a:r>
+              <a:rPr lang="en-US" altLang="ko-KR" sz="1600" b="0" dirty="0" err="1">
+                <a:latin typeface="Courier New" charset="0"/>
+                <a:ea typeface="굴림" charset="0"/>
+                <a:cs typeface="굴림" charset="0"/>
+              </a:rPr>
+              <a:t>okToWrite</a:t>
+            </a:r>
+            <a:r>
+              <a:rPr lang="en-US" altLang="ko-KR" sz="1600" b="0" dirty="0">
+                <a:latin typeface="Courier New" charset="0"/>
+                <a:ea typeface="굴림" charset="0"/>
+                <a:cs typeface="굴림" charset="0"/>
+              </a:rPr>
+              <a:t>);</a:t>
+            </a:r>
+            <a:r>
+              <a:rPr lang="en-US" altLang="ko-KR" sz="1600" b="0" dirty="0">
+                <a:solidFill>
+                  <a:schemeClr val="accent2"/>
+                </a:solidFill>
+                <a:latin typeface="Courier New" charset="0"/>
+                <a:ea typeface="굴림" charset="0"/>
+                <a:cs typeface="굴림" charset="0"/>
+              </a:rPr>
+              <a:t>//Wake up one writer</a:t>
+            </a:r>
+            <a:br>
+              <a:rPr lang="en-US" altLang="ko-KR" sz="1600" b="0" dirty="0">
+                <a:latin typeface="Courier New" charset="0"/>
+                <a:ea typeface="굴림" charset="0"/>
+                <a:cs typeface="굴림" charset="0"/>
+              </a:rPr>
+            </a:br>
+            <a:r>
+              <a:rPr lang="en-US" altLang="ko-KR" sz="1600" b="0" dirty="0">
+                <a:latin typeface="Courier New" charset="0"/>
+                <a:ea typeface="굴림" charset="0"/>
+                <a:cs typeface="굴림" charset="0"/>
+              </a:rPr>
+              <a:t>	</a:t>
+            </a:r>
+            <a:r>
+              <a:rPr lang="en-US" altLang="ko-KR" sz="1600" b="0" dirty="0" err="1">
+                <a:latin typeface="Courier New" charset="0"/>
+                <a:ea typeface="굴림" charset="0"/>
+                <a:cs typeface="굴림" charset="0"/>
+              </a:rPr>
+              <a:t>mutex_unlock</a:t>
+            </a:r>
+            <a:r>
+              <a:rPr lang="en-US" altLang="ko-KR" sz="1600" b="0" dirty="0">
+                <a:latin typeface="Courier New" charset="0"/>
+                <a:ea typeface="굴림" charset="0"/>
+                <a:cs typeface="굴림" charset="0"/>
+              </a:rPr>
+              <a:t>(&amp;mutex);</a:t>
+            </a:r>
+            <a:br>
+              <a:rPr lang="en-US" altLang="ko-KR" sz="1600" b="0" dirty="0">
+                <a:latin typeface="Courier New" charset="0"/>
+                <a:ea typeface="굴림" charset="0"/>
+                <a:cs typeface="굴림" charset="0"/>
+              </a:rPr>
+            </a:br>
+            <a:r>
+              <a:rPr lang="en-US" altLang="ko-KR" sz="1600" b="0" dirty="0">
+                <a:latin typeface="Courier New" charset="0"/>
+                <a:ea typeface="굴림" charset="0"/>
+                <a:cs typeface="굴림" charset="0"/>
+              </a:rPr>
+              <a:t>}</a:t>
+            </a:r>
+            <a:endParaRPr sz="1600" b="0" dirty="0">
+              <a:latin typeface="Courier New" panose="02070309020205020404" pitchFamily="49" charset="0"/>
+              <a:cs typeface="Courier New" panose="02070309020205020404" pitchFamily="49" charset="0"/>
+            </a:endParaRPr>
+          </a:p>
+        </p:txBody>
+      </p:sp>
+      <p:sp>
+        <p:nvSpPr>
+          <p:cNvPr id="12" name="object 8">
+            <a:extLst>
+              <a:ext uri="{FF2B5EF4-FFF2-40B4-BE49-F238E27FC236}">
+                <a16:creationId xmlns:a16="http://schemas.microsoft.com/office/drawing/2014/main" id="{567075F4-9A86-0AC6-389F-629528934883}"/>
+              </a:ext>
+            </a:extLst>
+          </p:cNvPr>
+          <p:cNvSpPr txBox="1"/>
+          <p:nvPr/>
+        </p:nvSpPr>
+        <p:spPr>
+          <a:xfrm>
+            <a:off x="6096000" y="1826446"/>
+            <a:ext cx="6019800" cy="4498154"/>
+          </a:xfrm>
+          <a:prstGeom prst="rect">
+            <a:avLst/>
+          </a:prstGeom>
+          <a:solidFill>
+            <a:schemeClr val="bg1"/>
+          </a:solidFill>
+          <a:ln w="12700">
+            <a:solidFill>
+              <a:srgbClr val="000000"/>
+            </a:solidFill>
+          </a:ln>
+        </p:spPr>
+        <p:txBody>
+          <a:bodyPr vert="horz" wrap="square" lIns="0" tIns="53340" rIns="0" bIns="0" rtlCol="0">
+            <a:spAutoFit/>
+          </a:bodyPr>
+          <a:lstStyle/>
+          <a:p>
+            <a:pPr>
+              <a:buNone/>
+              <a:tabLst>
+                <a:tab pos="576263" algn="l"/>
+                <a:tab pos="914400" algn="l"/>
+                <a:tab pos="1252538" algn="l"/>
+                <a:tab pos="1603375" algn="l"/>
+                <a:tab pos="4233863" algn="l"/>
+              </a:tabLst>
+            </a:pPr>
+            <a:r>
+              <a:rPr lang="en-US" altLang="ko-KR" sz="1600" b="0" dirty="0">
+                <a:latin typeface="Courier New" charset="0"/>
+                <a:ea typeface="굴림" charset="0"/>
+                <a:cs typeface="굴림" charset="0"/>
+              </a:rPr>
+              <a:t> Writer() {</a:t>
+            </a:r>
+            <a:br>
+              <a:rPr lang="en-US" altLang="ko-KR" sz="1600" b="0" dirty="0">
+                <a:latin typeface="Courier New" charset="0"/>
+                <a:ea typeface="굴림" charset="0"/>
+                <a:cs typeface="굴림" charset="0"/>
+              </a:rPr>
+            </a:br>
+            <a:r>
+              <a:rPr lang="en-US" altLang="ko-KR" sz="1600" b="0" dirty="0">
+                <a:latin typeface="Courier New" charset="0"/>
+                <a:ea typeface="굴림" charset="0"/>
+                <a:cs typeface="굴림" charset="0"/>
+              </a:rPr>
+              <a:t>	</a:t>
+            </a:r>
+            <a:r>
+              <a:rPr lang="en-US" altLang="ko-KR" sz="1600" b="0" dirty="0" err="1">
+                <a:latin typeface="Courier New" charset="0"/>
+                <a:ea typeface="굴림" charset="0"/>
+                <a:cs typeface="굴림" charset="0"/>
+              </a:rPr>
+              <a:t>mutex_lock</a:t>
+            </a:r>
+            <a:r>
+              <a:rPr lang="en-US" altLang="ko-KR" sz="1600" b="0" dirty="0">
+                <a:latin typeface="Courier New" charset="0"/>
+                <a:ea typeface="굴림" charset="0"/>
+                <a:cs typeface="굴림" charset="0"/>
+              </a:rPr>
+              <a:t>(&amp;mutex);</a:t>
+            </a:r>
+          </a:p>
+          <a:p>
+            <a:pPr>
+              <a:lnSpc>
+                <a:spcPct val="80000"/>
+              </a:lnSpc>
+              <a:buNone/>
+              <a:tabLst>
+                <a:tab pos="576263" algn="l"/>
+                <a:tab pos="914400" algn="l"/>
+                <a:tab pos="1252538" algn="l"/>
+                <a:tab pos="1603375" algn="l"/>
+                <a:tab pos="4171950" algn="l"/>
+              </a:tabLst>
+            </a:pPr>
+            <a:r>
+              <a:rPr lang="en-US" altLang="ko-KR" sz="1600" b="0" dirty="0">
+                <a:latin typeface="Courier New" charset="0"/>
+                <a:ea typeface="굴림" charset="0"/>
+                <a:cs typeface="굴림" charset="0"/>
+              </a:rPr>
+              <a:t>	while ((AW + AR) &gt; 0) {</a:t>
+            </a:r>
+            <a:r>
+              <a:rPr lang="en-US" altLang="ko-KR" sz="1600" b="0" dirty="0">
+                <a:solidFill>
+                  <a:schemeClr val="accent2"/>
+                </a:solidFill>
+                <a:latin typeface="Courier New" charset="0"/>
+                <a:ea typeface="굴림" charset="0"/>
+                <a:cs typeface="굴림" charset="0"/>
+              </a:rPr>
+              <a:t>//Is it safe to write?</a:t>
+            </a:r>
+            <a:br>
+              <a:rPr lang="en-US" altLang="ko-KR" sz="1600" b="0" dirty="0">
+                <a:latin typeface="Courier New" charset="0"/>
+                <a:ea typeface="굴림" charset="0"/>
+                <a:cs typeface="굴림" charset="0"/>
+              </a:rPr>
+            </a:br>
+            <a:r>
+              <a:rPr lang="en-US" altLang="ko-KR" sz="1600" b="0" dirty="0">
+                <a:latin typeface="Courier New" charset="0"/>
+                <a:ea typeface="굴림" charset="0"/>
+                <a:cs typeface="굴림" charset="0"/>
+              </a:rPr>
+              <a:t>		WW++;	</a:t>
+            </a:r>
+            <a:r>
+              <a:rPr lang="en-US" altLang="ko-KR" sz="1600" b="0" dirty="0">
+                <a:solidFill>
+                  <a:schemeClr val="accent2"/>
+                </a:solidFill>
+                <a:latin typeface="Courier New" charset="0"/>
+                <a:ea typeface="굴림" charset="0"/>
+                <a:cs typeface="굴림" charset="0"/>
+              </a:rPr>
+              <a:t>//No. Active users exist</a:t>
+            </a:r>
+            <a:br>
+              <a:rPr lang="en-US" altLang="ko-KR" sz="1600" b="0" dirty="0">
+                <a:latin typeface="Courier New" charset="0"/>
+                <a:ea typeface="굴림" charset="0"/>
+                <a:cs typeface="굴림" charset="0"/>
+              </a:rPr>
+            </a:br>
+            <a:r>
+              <a:rPr lang="en-US" altLang="ko-KR" sz="1600" b="0" dirty="0">
+                <a:latin typeface="Courier New" charset="0"/>
+                <a:ea typeface="굴림" charset="0"/>
+                <a:cs typeface="굴림" charset="0"/>
+              </a:rPr>
+              <a:t>		</a:t>
+            </a:r>
+            <a:r>
+              <a:rPr lang="en-US" altLang="ko-KR" sz="1600" b="0" dirty="0" err="1">
+                <a:latin typeface="Courier New" charset="0"/>
+                <a:ea typeface="굴림" charset="0"/>
+                <a:cs typeface="굴림" charset="0"/>
+              </a:rPr>
+              <a:t>cond_wait</a:t>
+            </a:r>
+            <a:r>
+              <a:rPr lang="en-US" altLang="ko-KR" sz="1600" b="0" dirty="0">
+                <a:latin typeface="Courier New" charset="0"/>
+                <a:ea typeface="굴림" charset="0"/>
+                <a:cs typeface="굴림" charset="0"/>
+              </a:rPr>
+              <a:t>(&amp;</a:t>
+            </a:r>
+            <a:r>
+              <a:rPr lang="en-US" altLang="ko-KR" sz="1600" b="0" dirty="0" err="1">
+                <a:latin typeface="Courier New" charset="0"/>
+                <a:ea typeface="굴림" charset="0"/>
+                <a:cs typeface="굴림" charset="0"/>
+              </a:rPr>
+              <a:t>okToWrite</a:t>
+            </a:r>
+            <a:r>
+              <a:rPr lang="en-US" altLang="ko-KR" sz="1600" b="0" dirty="0">
+                <a:latin typeface="Courier New" charset="0"/>
+                <a:ea typeface="굴림" charset="0"/>
+                <a:cs typeface="굴림" charset="0"/>
+              </a:rPr>
+              <a:t>,&amp;mutex);</a:t>
+            </a:r>
+            <a:br>
+              <a:rPr lang="en-US" altLang="ko-KR" sz="1600" b="0" dirty="0">
+                <a:latin typeface="Courier New" charset="0"/>
+                <a:ea typeface="굴림" charset="0"/>
+                <a:cs typeface="굴림" charset="0"/>
+              </a:rPr>
+            </a:br>
+            <a:r>
+              <a:rPr lang="en-US" altLang="ko-KR" sz="1600" b="0" dirty="0">
+                <a:latin typeface="Courier New" charset="0"/>
+                <a:ea typeface="굴림" charset="0"/>
+                <a:cs typeface="굴림" charset="0"/>
+              </a:rPr>
+              <a:t>		WW--;	</a:t>
+            </a:r>
+            <a:r>
+              <a:rPr lang="en-US" altLang="ko-KR" sz="1600" b="0" dirty="0">
+                <a:solidFill>
+                  <a:schemeClr val="accent2"/>
+                </a:solidFill>
+                <a:latin typeface="Courier New" charset="0"/>
+                <a:ea typeface="굴림" charset="0"/>
+                <a:cs typeface="굴림" charset="0"/>
+              </a:rPr>
+              <a:t>//No longer waiting</a:t>
+            </a:r>
+            <a:br>
+              <a:rPr lang="en-US" altLang="ko-KR" sz="1600" b="0" dirty="0">
+                <a:latin typeface="Courier New" charset="0"/>
+                <a:ea typeface="굴림" charset="0"/>
+                <a:cs typeface="굴림" charset="0"/>
+              </a:rPr>
+            </a:br>
+            <a:r>
+              <a:rPr lang="en-US" altLang="ko-KR" sz="1600" b="0" dirty="0">
+                <a:latin typeface="Courier New" charset="0"/>
+                <a:ea typeface="굴림" charset="0"/>
+                <a:cs typeface="굴림" charset="0"/>
+              </a:rPr>
+              <a:t>	}</a:t>
+            </a:r>
+          </a:p>
+          <a:p>
+            <a:pPr>
+              <a:lnSpc>
+                <a:spcPct val="80000"/>
+              </a:lnSpc>
+              <a:buNone/>
+              <a:tabLst>
+                <a:tab pos="576263" algn="l"/>
+                <a:tab pos="914400" algn="l"/>
+                <a:tab pos="1252538" algn="l"/>
+                <a:tab pos="1603375" algn="l"/>
+                <a:tab pos="4171950" algn="l"/>
+              </a:tabLst>
+            </a:pPr>
+            <a:r>
+              <a:rPr lang="en-US" altLang="ko-KR" sz="1600" b="0" dirty="0">
+                <a:latin typeface="Courier New" charset="0"/>
+                <a:ea typeface="굴림" charset="0"/>
+                <a:cs typeface="굴림" charset="0"/>
+              </a:rPr>
+              <a:t>	AW++;	</a:t>
+            </a:r>
+            <a:r>
+              <a:rPr lang="en-US" altLang="ko-KR" sz="1600" b="0" dirty="0">
+                <a:solidFill>
+                  <a:schemeClr val="accent2"/>
+                </a:solidFill>
+                <a:latin typeface="Courier New" charset="0"/>
+                <a:ea typeface="굴림" charset="0"/>
+                <a:cs typeface="굴림" charset="0"/>
+              </a:rPr>
+              <a:t>//</a:t>
+            </a:r>
+            <a:r>
+              <a:rPr lang="en-US" altLang="zh-CN" sz="1600" b="0" dirty="0">
+                <a:solidFill>
+                  <a:schemeClr val="accent2"/>
+                </a:solidFill>
+                <a:latin typeface="Courier New" charset="0"/>
+                <a:ea typeface="굴림" charset="0"/>
+                <a:cs typeface="굴림" charset="0"/>
+              </a:rPr>
+              <a:t>Writer</a:t>
+            </a:r>
+            <a:r>
+              <a:rPr lang="en-US" altLang="ko-KR" sz="1600" b="0" dirty="0">
+                <a:solidFill>
+                  <a:schemeClr val="accent2"/>
+                </a:solidFill>
+                <a:latin typeface="Courier New" charset="0"/>
+                <a:ea typeface="굴림" charset="0"/>
+                <a:cs typeface="굴림" charset="0"/>
+              </a:rPr>
+              <a:t> active!</a:t>
+            </a:r>
+            <a:br>
+              <a:rPr lang="en-US" altLang="ko-KR" sz="1600" b="0" dirty="0">
+                <a:latin typeface="Courier New" charset="0"/>
+                <a:ea typeface="굴림" charset="0"/>
+                <a:cs typeface="굴림" charset="0"/>
+              </a:rPr>
+            </a:br>
+            <a:r>
+              <a:rPr lang="en-US" altLang="ko-KR" sz="1600" b="0" dirty="0">
+                <a:latin typeface="Courier New" charset="0"/>
+                <a:ea typeface="굴림" charset="0"/>
+                <a:cs typeface="굴림" charset="0"/>
+              </a:rPr>
+              <a:t>	</a:t>
+            </a:r>
+            <a:r>
+              <a:rPr lang="en-US" altLang="ko-KR" sz="1600" b="0" dirty="0" err="1">
+                <a:latin typeface="Courier New" charset="0"/>
+                <a:ea typeface="굴림" charset="0"/>
+                <a:cs typeface="굴림" charset="0"/>
+              </a:rPr>
+              <a:t>mutex_unlock</a:t>
+            </a:r>
+            <a:r>
+              <a:rPr lang="en-US" altLang="ko-KR" sz="1600" b="0" dirty="0">
+                <a:latin typeface="Courier New" charset="0"/>
+                <a:ea typeface="굴림" charset="0"/>
+                <a:cs typeface="굴림" charset="0"/>
+              </a:rPr>
+              <a:t>(&amp;mutex);	</a:t>
+            </a:r>
+            <a:r>
+              <a:rPr lang="en-US" altLang="ko-KR" sz="1600" b="0" dirty="0" err="1">
+                <a:latin typeface="Courier New" charset="0"/>
+                <a:ea typeface="굴림" charset="0"/>
+                <a:cs typeface="굴림" charset="0"/>
+              </a:rPr>
+              <a:t>AccessDatabase</a:t>
+            </a:r>
+            <a:r>
+              <a:rPr lang="en-US" altLang="ko-KR" sz="1600" b="0" dirty="0">
+                <a:latin typeface="Courier New" charset="0"/>
+                <a:ea typeface="굴림" charset="0"/>
+                <a:cs typeface="굴림" charset="0"/>
+              </a:rPr>
+              <a:t>(</a:t>
+            </a:r>
+            <a:r>
+              <a:rPr lang="en-US" altLang="ko-KR" sz="1600" b="0" dirty="0" err="1">
+                <a:latin typeface="Courier New" charset="0"/>
+                <a:ea typeface="굴림" charset="0"/>
+                <a:cs typeface="굴림" charset="0"/>
+              </a:rPr>
+              <a:t>ReadWrite</a:t>
+            </a:r>
+            <a:r>
+              <a:rPr lang="en-US" altLang="ko-KR" sz="1600" b="0" dirty="0">
+                <a:latin typeface="Courier New" charset="0"/>
+                <a:ea typeface="굴림" charset="0"/>
+                <a:cs typeface="굴림" charset="0"/>
+              </a:rPr>
+              <a:t>);</a:t>
+            </a:r>
+          </a:p>
+          <a:p>
+            <a:pPr>
+              <a:lnSpc>
+                <a:spcPct val="80000"/>
+              </a:lnSpc>
+              <a:tabLst>
+                <a:tab pos="576263" algn="l"/>
+                <a:tab pos="914400" algn="l"/>
+                <a:tab pos="1252538" algn="l"/>
+                <a:tab pos="1603375" algn="l"/>
+                <a:tab pos="4171950" algn="l"/>
+              </a:tabLst>
+            </a:pPr>
+            <a:r>
+              <a:rPr lang="en-US" altLang="ko-KR" sz="1600" b="0" dirty="0">
+                <a:latin typeface="Courier New" charset="0"/>
+                <a:ea typeface="굴림" charset="0"/>
+                <a:cs typeface="굴림" charset="0"/>
+              </a:rPr>
+              <a:t>	</a:t>
+            </a:r>
+            <a:r>
+              <a:rPr lang="en-US" altLang="ko-KR" sz="1600" b="0" dirty="0" err="1">
+                <a:latin typeface="Courier New" charset="0"/>
+                <a:ea typeface="굴림" charset="0"/>
+                <a:cs typeface="굴림" charset="0"/>
+              </a:rPr>
+              <a:t>mutex_lock</a:t>
+            </a:r>
+            <a:r>
+              <a:rPr lang="en-US" altLang="ko-KR" sz="1600" b="0" dirty="0">
+                <a:latin typeface="Courier New" charset="0"/>
+                <a:ea typeface="굴림" charset="0"/>
+                <a:cs typeface="굴림" charset="0"/>
+              </a:rPr>
+              <a:t>(&amp;mutex);</a:t>
+            </a:r>
+            <a:br>
+              <a:rPr lang="en-US" altLang="ko-KR" sz="1600" b="0" dirty="0">
+                <a:latin typeface="Courier New" charset="0"/>
+                <a:ea typeface="굴림" charset="0"/>
+                <a:cs typeface="굴림" charset="0"/>
+              </a:rPr>
+            </a:br>
+            <a:r>
+              <a:rPr lang="en-US" altLang="ko-KR" sz="1600" b="0" dirty="0">
+                <a:latin typeface="Courier New" charset="0"/>
+                <a:ea typeface="굴림" charset="0"/>
+                <a:cs typeface="굴림" charset="0"/>
+              </a:rPr>
+              <a:t>	AW--;		</a:t>
+            </a:r>
+            <a:r>
+              <a:rPr lang="en-US" altLang="ko-KR" sz="1600" b="0" dirty="0">
+                <a:solidFill>
+                  <a:schemeClr val="accent2"/>
+                </a:solidFill>
+                <a:latin typeface="Courier New" charset="0"/>
+                <a:ea typeface="굴림" charset="0"/>
+                <a:cs typeface="굴림" charset="0"/>
+              </a:rPr>
+              <a:t>//No longer active</a:t>
+            </a:r>
+            <a:br>
+              <a:rPr lang="en-US" altLang="ko-KR" sz="1600" b="0" dirty="0">
+                <a:latin typeface="Courier New" charset="0"/>
+                <a:ea typeface="굴림" charset="0"/>
+                <a:cs typeface="굴림" charset="0"/>
+              </a:rPr>
+            </a:br>
+            <a:r>
+              <a:rPr lang="en-US" altLang="ko-KR" sz="1600" b="0" dirty="0">
+                <a:latin typeface="Courier New" charset="0"/>
+                <a:ea typeface="굴림" charset="0"/>
+                <a:cs typeface="굴림" charset="0"/>
+              </a:rPr>
+              <a:t>	if (WW &gt; 0){</a:t>
+            </a:r>
+            <a:r>
+              <a:rPr lang="en-US" altLang="ko-KR" sz="1600" b="0" dirty="0">
+                <a:solidFill>
+                  <a:schemeClr val="accent2"/>
+                </a:solidFill>
+                <a:latin typeface="Courier New" charset="0"/>
+                <a:ea typeface="굴림" charset="0"/>
+                <a:cs typeface="굴림" charset="0"/>
+              </a:rPr>
+              <a:t>//Give priority to writers</a:t>
+            </a:r>
+            <a:br>
+              <a:rPr lang="en-US" altLang="ko-KR" sz="1600" b="0" dirty="0">
+                <a:latin typeface="Courier New" charset="0"/>
+                <a:ea typeface="굴림" charset="0"/>
+                <a:cs typeface="굴림" charset="0"/>
+              </a:rPr>
+            </a:br>
+            <a:r>
+              <a:rPr lang="en-US" altLang="ko-KR" sz="1600" b="0" dirty="0">
+                <a:latin typeface="Courier New" charset="0"/>
+                <a:ea typeface="굴림" charset="0"/>
+                <a:cs typeface="굴림" charset="0"/>
+              </a:rPr>
+              <a:t>		</a:t>
+            </a:r>
+            <a:r>
+              <a:rPr lang="en-US" altLang="ko-KR" sz="1600" b="0" dirty="0" err="1">
+                <a:latin typeface="Courier New" charset="0"/>
+                <a:ea typeface="굴림" charset="0"/>
+                <a:cs typeface="굴림" charset="0"/>
+              </a:rPr>
+              <a:t>cond_signal</a:t>
+            </a:r>
+            <a:r>
+              <a:rPr lang="en-US" altLang="ko-KR" sz="1600" b="0" dirty="0">
+                <a:latin typeface="Courier New" charset="0"/>
+                <a:ea typeface="굴림" charset="0"/>
+                <a:cs typeface="굴림" charset="0"/>
+              </a:rPr>
+              <a:t>(&amp;</a:t>
+            </a:r>
+            <a:r>
+              <a:rPr lang="en-US" altLang="ko-KR" sz="1600" b="0" dirty="0" err="1">
+                <a:latin typeface="Courier New" charset="0"/>
+                <a:ea typeface="굴림" charset="0"/>
+                <a:cs typeface="굴림" charset="0"/>
+              </a:rPr>
+              <a:t>okToWrite</a:t>
+            </a:r>
+            <a:r>
+              <a:rPr lang="en-US" altLang="ko-KR" sz="1600" b="0" dirty="0">
+                <a:latin typeface="Courier New" charset="0"/>
+                <a:ea typeface="굴림" charset="0"/>
+                <a:cs typeface="굴림" charset="0"/>
+              </a:rPr>
+              <a:t>);</a:t>
+            </a:r>
+            <a:r>
+              <a:rPr lang="en-US" altLang="ko-KR" sz="1600" b="0" dirty="0">
+                <a:solidFill>
+                  <a:schemeClr val="accent2"/>
+                </a:solidFill>
+                <a:latin typeface="Courier New" charset="0"/>
+                <a:ea typeface="굴림" charset="0"/>
+                <a:cs typeface="굴림" charset="0"/>
+              </a:rPr>
+              <a:t>//Wake up one writer</a:t>
+            </a:r>
+            <a:br>
+              <a:rPr lang="en-US" altLang="ko-KR" sz="1600" b="0" dirty="0">
+                <a:latin typeface="Courier New" charset="0"/>
+                <a:ea typeface="굴림" charset="0"/>
+                <a:cs typeface="굴림" charset="0"/>
+              </a:rPr>
+            </a:br>
+            <a:r>
+              <a:rPr lang="en-US" altLang="ko-KR" sz="1600" b="0" dirty="0">
+                <a:latin typeface="Courier New" charset="0"/>
+                <a:ea typeface="굴림" charset="0"/>
+                <a:cs typeface="굴림" charset="0"/>
+              </a:rPr>
+              <a:t>	} else if (WR &gt; 0) {</a:t>
+            </a:r>
+            <a:r>
+              <a:rPr lang="en-US" altLang="ko-KR" sz="1600" b="0" dirty="0">
+                <a:solidFill>
+                  <a:schemeClr val="accent2"/>
+                </a:solidFill>
+                <a:latin typeface="Courier New" charset="0"/>
+                <a:ea typeface="굴림" charset="0"/>
+                <a:cs typeface="굴림" charset="0"/>
+              </a:rPr>
+              <a:t>//Otherwise, wake reader</a:t>
+            </a:r>
+            <a:br>
+              <a:rPr lang="en-US" altLang="ko-KR" sz="1600" b="0" dirty="0">
+                <a:latin typeface="Courier New" charset="0"/>
+                <a:ea typeface="굴림" charset="0"/>
+                <a:cs typeface="굴림" charset="0"/>
+              </a:rPr>
+            </a:br>
+            <a:r>
+              <a:rPr lang="en-US" altLang="ko-KR" sz="1600" b="0" dirty="0">
+                <a:latin typeface="Courier New" charset="0"/>
+                <a:ea typeface="굴림" charset="0"/>
+                <a:cs typeface="굴림" charset="0"/>
+              </a:rPr>
+              <a:t>		</a:t>
+            </a:r>
+            <a:r>
+              <a:rPr lang="en-US" altLang="ko-KR" sz="1600" b="0" dirty="0" err="1">
+                <a:latin typeface="Courier New" charset="0"/>
+                <a:ea typeface="굴림" charset="0"/>
+                <a:cs typeface="굴림" charset="0"/>
+              </a:rPr>
+              <a:t>cond_broadcast</a:t>
+            </a:r>
+            <a:r>
+              <a:rPr lang="en-US" altLang="ko-KR" sz="1600" b="0" dirty="0">
+                <a:latin typeface="Courier New" charset="0"/>
+                <a:ea typeface="굴림" charset="0"/>
+                <a:cs typeface="굴림" charset="0"/>
+              </a:rPr>
+              <a:t>(&amp;</a:t>
+            </a:r>
+            <a:r>
+              <a:rPr lang="en-US" altLang="ko-KR" sz="1600" b="0" dirty="0" err="1">
+                <a:latin typeface="Courier New" charset="0"/>
+                <a:ea typeface="굴림" charset="0"/>
+                <a:cs typeface="굴림" charset="0"/>
+              </a:rPr>
+              <a:t>okToRead</a:t>
+            </a:r>
+            <a:r>
+              <a:rPr lang="en-US" altLang="ko-KR" sz="1600" b="0" dirty="0">
+                <a:latin typeface="Courier New" charset="0"/>
+                <a:ea typeface="굴림" charset="0"/>
+                <a:cs typeface="굴림" charset="0"/>
+              </a:rPr>
+              <a:t>);</a:t>
+            </a:r>
+            <a:r>
+              <a:rPr lang="en-US" altLang="ko-KR" sz="1600" b="0" dirty="0">
+                <a:solidFill>
+                  <a:schemeClr val="accent2"/>
+                </a:solidFill>
+                <a:latin typeface="Courier New" charset="0"/>
+                <a:ea typeface="굴림" charset="0"/>
+                <a:cs typeface="굴림" charset="0"/>
+              </a:rPr>
+              <a:t>//Wake all readers</a:t>
+            </a:r>
+            <a:br>
+              <a:rPr lang="en-US" altLang="ko-KR" sz="1600" b="0" dirty="0">
+                <a:latin typeface="Courier New" charset="0"/>
+                <a:ea typeface="굴림" charset="0"/>
+                <a:cs typeface="굴림" charset="0"/>
+              </a:rPr>
+            </a:br>
+            <a:r>
+              <a:rPr lang="en-US" altLang="ko-KR" sz="1600" b="0" dirty="0">
+                <a:latin typeface="Courier New" charset="0"/>
+                <a:ea typeface="굴림" charset="0"/>
+                <a:cs typeface="굴림" charset="0"/>
+              </a:rPr>
+              <a:t>	}	</a:t>
+            </a:r>
+            <a:br>
+              <a:rPr lang="en-US" altLang="ko-KR" sz="1600" b="0" dirty="0">
+                <a:latin typeface="Courier New" charset="0"/>
+                <a:ea typeface="굴림" charset="0"/>
+                <a:cs typeface="굴림" charset="0"/>
+              </a:rPr>
+            </a:br>
+            <a:r>
+              <a:rPr lang="en-US" altLang="ko-KR" sz="1600" b="0" dirty="0">
+                <a:latin typeface="Courier New" charset="0"/>
+                <a:ea typeface="굴림" charset="0"/>
+                <a:cs typeface="굴림" charset="0"/>
+              </a:rPr>
+              <a:t>	</a:t>
+            </a:r>
+            <a:r>
+              <a:rPr lang="en-US" altLang="ko-KR" sz="1600" b="0" dirty="0" err="1">
+                <a:latin typeface="Courier New" charset="0"/>
+                <a:ea typeface="굴림" charset="0"/>
+                <a:cs typeface="굴림" charset="0"/>
+              </a:rPr>
+              <a:t>mutex_unlock</a:t>
+            </a:r>
+            <a:r>
+              <a:rPr lang="en-US" altLang="ko-KR" sz="1600" b="0" dirty="0">
+                <a:latin typeface="Courier New" charset="0"/>
+                <a:ea typeface="굴림" charset="0"/>
+                <a:cs typeface="굴림" charset="0"/>
+              </a:rPr>
+              <a:t>(&amp;mutex);</a:t>
+            </a:r>
+            <a:br>
+              <a:rPr lang="en-US" altLang="ko-KR" sz="1600" b="0" dirty="0">
+                <a:latin typeface="Courier New" charset="0"/>
+                <a:ea typeface="굴림" charset="0"/>
+                <a:cs typeface="굴림" charset="0"/>
+              </a:rPr>
+            </a:br>
+            <a:r>
+              <a:rPr lang="en-US" altLang="ko-KR" sz="1600" b="0" dirty="0">
+                <a:latin typeface="Courier New" charset="0"/>
+                <a:ea typeface="굴림" charset="0"/>
+                <a:cs typeface="굴림" charset="0"/>
+              </a:rPr>
+              <a:t>}</a:t>
+            </a:r>
+            <a:endParaRPr sz="1600" b="0" dirty="0">
+              <a:latin typeface="Courier New" panose="02070309020205020404" pitchFamily="49" charset="0"/>
+              <a:cs typeface="Courier New" panose="02070309020205020404" pitchFamily="49" charset="0"/>
+            </a:endParaRPr>
+          </a:p>
+        </p:txBody>
+      </p:sp>
+      <p:sp>
+        <p:nvSpPr>
+          <p:cNvPr id="13" name="object 8">
+            <a:extLst>
+              <a:ext uri="{FF2B5EF4-FFF2-40B4-BE49-F238E27FC236}">
+                <a16:creationId xmlns:a16="http://schemas.microsoft.com/office/drawing/2014/main" id="{5E82051B-5A5C-6984-9677-483F0EEA7C87}"/>
+              </a:ext>
+            </a:extLst>
+          </p:cNvPr>
+          <p:cNvSpPr txBox="1"/>
+          <p:nvPr/>
+        </p:nvSpPr>
+        <p:spPr>
+          <a:xfrm>
+            <a:off x="3779728" y="221412"/>
+            <a:ext cx="4572000" cy="1531188"/>
+          </a:xfrm>
+          <a:prstGeom prst="rect">
+            <a:avLst/>
+          </a:prstGeom>
+          <a:solidFill>
+            <a:schemeClr val="bg1"/>
+          </a:solidFill>
+          <a:ln w="12700">
+            <a:solidFill>
+              <a:srgbClr val="000000"/>
+            </a:solidFill>
+          </a:ln>
+        </p:spPr>
+        <p:txBody>
+          <a:bodyPr vert="horz" wrap="square" lIns="0" tIns="53340" rIns="0" bIns="0" rtlCol="0">
+            <a:spAutoFit/>
+          </a:bodyPr>
+          <a:lstStyle/>
+          <a:p>
+            <a:pPr>
+              <a:buNone/>
+              <a:tabLst>
+                <a:tab pos="576263" algn="l"/>
+                <a:tab pos="914400" algn="l"/>
+                <a:tab pos="1252538" algn="l"/>
+                <a:tab pos="1603375" algn="l"/>
+                <a:tab pos="4233863" algn="l"/>
+              </a:tabLst>
+            </a:pPr>
+            <a:r>
+              <a:rPr lang="en-GB" sz="1600" b="0" dirty="0">
+                <a:latin typeface="Courier New" panose="02070309020205020404" pitchFamily="49" charset="0"/>
+                <a:cs typeface="Courier New" panose="02070309020205020404" pitchFamily="49" charset="0"/>
+              </a:rPr>
+              <a:t>int AR=0: Number of active readers; </a:t>
+            </a:r>
+          </a:p>
+          <a:p>
+            <a:pPr>
+              <a:buNone/>
+              <a:tabLst>
+                <a:tab pos="576263" algn="l"/>
+                <a:tab pos="914400" algn="l"/>
+                <a:tab pos="1252538" algn="l"/>
+                <a:tab pos="1603375" algn="l"/>
+                <a:tab pos="4233863" algn="l"/>
+              </a:tabLst>
+            </a:pPr>
+            <a:r>
+              <a:rPr lang="en-GB" sz="1600" b="0" dirty="0">
+                <a:latin typeface="Courier New" panose="02070309020205020404" pitchFamily="49" charset="0"/>
+                <a:cs typeface="Courier New" panose="02070309020205020404" pitchFamily="49" charset="0"/>
+              </a:rPr>
+              <a:t>int WR=0: Number of waiting readers; </a:t>
+            </a:r>
+          </a:p>
+          <a:p>
+            <a:pPr>
+              <a:buNone/>
+              <a:tabLst>
+                <a:tab pos="576263" algn="l"/>
+                <a:tab pos="914400" algn="l"/>
+                <a:tab pos="1252538" algn="l"/>
+                <a:tab pos="1603375" algn="l"/>
+                <a:tab pos="4233863" algn="l"/>
+              </a:tabLst>
+            </a:pPr>
+            <a:r>
+              <a:rPr lang="en-GB" sz="1600" b="0" dirty="0">
+                <a:latin typeface="Courier New" panose="02070309020205020404" pitchFamily="49" charset="0"/>
+                <a:cs typeface="Courier New" panose="02070309020205020404" pitchFamily="49" charset="0"/>
+              </a:rPr>
+              <a:t>int AW=0: Number of active writers;</a:t>
+            </a:r>
+          </a:p>
+          <a:p>
+            <a:pPr>
+              <a:buNone/>
+              <a:tabLst>
+                <a:tab pos="576263" algn="l"/>
+                <a:tab pos="914400" algn="l"/>
+                <a:tab pos="1252538" algn="l"/>
+                <a:tab pos="1603375" algn="l"/>
+                <a:tab pos="4233863" algn="l"/>
+              </a:tabLst>
+            </a:pPr>
+            <a:r>
+              <a:rPr lang="en-GB" sz="1600" b="0" dirty="0">
+                <a:latin typeface="Courier New" panose="02070309020205020404" pitchFamily="49" charset="0"/>
+                <a:cs typeface="Courier New" panose="02070309020205020404" pitchFamily="49" charset="0"/>
+              </a:rPr>
+              <a:t>int WW=0: Number of waiting writers; </a:t>
+            </a:r>
+          </a:p>
+          <a:p>
+            <a:pPr>
+              <a:buNone/>
+              <a:tabLst>
+                <a:tab pos="576263" algn="l"/>
+                <a:tab pos="914400" algn="l"/>
+                <a:tab pos="1252538" algn="l"/>
+                <a:tab pos="1603375" algn="l"/>
+                <a:tab pos="4233863" algn="l"/>
+              </a:tabLst>
+            </a:pPr>
+            <a:r>
+              <a:rPr lang="en-GB" sz="1600" b="0" dirty="0">
+                <a:latin typeface="Courier New" panose="02070309020205020404" pitchFamily="49" charset="0"/>
+                <a:cs typeface="Courier New" panose="02070309020205020404" pitchFamily="49" charset="0"/>
+              </a:rPr>
+              <a:t>Condition </a:t>
+            </a:r>
+            <a:r>
+              <a:rPr lang="en-GB" sz="1600" b="0" dirty="0" err="1">
+                <a:latin typeface="Courier New" panose="02070309020205020404" pitchFamily="49" charset="0"/>
+                <a:cs typeface="Courier New" panose="02070309020205020404" pitchFamily="49" charset="0"/>
+              </a:rPr>
+              <a:t>okToRead</a:t>
+            </a:r>
+            <a:r>
+              <a:rPr lang="en-GB" sz="1600" b="0" dirty="0">
+                <a:latin typeface="Courier New" panose="02070309020205020404" pitchFamily="49" charset="0"/>
+                <a:cs typeface="Courier New" panose="02070309020205020404" pitchFamily="49" charset="0"/>
+              </a:rPr>
+              <a:t>, </a:t>
+            </a:r>
+            <a:r>
+              <a:rPr lang="en-GB" sz="1600" b="0" dirty="0" err="1">
+                <a:latin typeface="Courier New" panose="02070309020205020404" pitchFamily="49" charset="0"/>
+                <a:cs typeface="Courier New" panose="02070309020205020404" pitchFamily="49" charset="0"/>
+              </a:rPr>
+              <a:t>okToWrite</a:t>
+            </a:r>
+            <a:r>
+              <a:rPr lang="en-GB" sz="1600" b="0" dirty="0">
+                <a:latin typeface="Courier New" panose="02070309020205020404" pitchFamily="49" charset="0"/>
+                <a:cs typeface="Courier New" panose="02070309020205020404" pitchFamily="49" charset="0"/>
+              </a:rPr>
+              <a:t>;</a:t>
+            </a:r>
+          </a:p>
+          <a:p>
+            <a:pPr>
+              <a:buNone/>
+              <a:tabLst>
+                <a:tab pos="576263" algn="l"/>
+                <a:tab pos="914400" algn="l"/>
+                <a:tab pos="1252538" algn="l"/>
+                <a:tab pos="1603375" algn="l"/>
+                <a:tab pos="4233863" algn="l"/>
+              </a:tabLst>
+            </a:pPr>
+            <a:r>
+              <a:rPr lang="en-US" altLang="zh-CN" sz="1600" b="0" kern="0" dirty="0" err="1">
+                <a:latin typeface="Courier New" panose="02070309020205020404" pitchFamily="49" charset="0"/>
+                <a:cs typeface="Courier New" panose="02070309020205020404" pitchFamily="49" charset="0"/>
+              </a:rPr>
+              <a:t>mutex_t</a:t>
+            </a:r>
+            <a:r>
+              <a:rPr lang="en-US" altLang="zh-CN" sz="1600" b="0" kern="0" dirty="0">
+                <a:latin typeface="Courier New" panose="02070309020205020404" pitchFamily="49" charset="0"/>
+                <a:cs typeface="Courier New" panose="02070309020205020404" pitchFamily="49" charset="0"/>
+              </a:rPr>
+              <a:t> mutex = 1;</a:t>
+            </a:r>
+            <a:endParaRPr lang="en-GB" sz="1600" b="0" dirty="0">
+              <a:latin typeface="Courier New" panose="02070309020205020404" pitchFamily="49" charset="0"/>
+              <a:cs typeface="Courier New" panose="02070309020205020404" pitchFamily="49" charset="0"/>
+            </a:endParaRPr>
+          </a:p>
+        </p:txBody>
+      </p:sp>
+      <p:sp>
+        <p:nvSpPr>
+          <p:cNvPr id="6" name="Title 1">
+            <a:extLst>
+              <a:ext uri="{FF2B5EF4-FFF2-40B4-BE49-F238E27FC236}">
+                <a16:creationId xmlns:a16="http://schemas.microsoft.com/office/drawing/2014/main" id="{1A31AC08-C217-90AD-4A6F-9B75580ED788}"/>
+              </a:ext>
+            </a:extLst>
+          </p:cNvPr>
+          <p:cNvSpPr>
+            <a:spLocks noGrp="1"/>
+          </p:cNvSpPr>
+          <p:nvPr>
+            <p:ph type="title"/>
+          </p:nvPr>
+        </p:nvSpPr>
+        <p:spPr>
+          <a:xfrm>
+            <a:off x="-152400" y="115467"/>
+            <a:ext cx="3962400" cy="533400"/>
+          </a:xfrm>
+        </p:spPr>
+        <p:txBody>
+          <a:bodyPr/>
+          <a:lstStyle/>
+          <a:p>
+            <a:r>
+              <a:rPr lang="en-GB" sz="2000" dirty="0"/>
+              <a:t>Readers/Writers Solution</a:t>
+            </a:r>
+            <a:br>
+              <a:rPr lang="en-GB" sz="2000" dirty="0"/>
+            </a:br>
+            <a:r>
+              <a:rPr lang="en-GB" sz="2000" dirty="0"/>
+              <a:t>using Monitors, Prefers Writers</a:t>
+            </a:r>
+            <a:endParaRPr lang="en-SE" sz="2000" dirty="0"/>
+          </a:p>
+        </p:txBody>
+      </p:sp>
+      <p:sp>
+        <p:nvSpPr>
+          <p:cNvPr id="8" name="Plassholder for lysbildenummer 5">
+            <a:extLst>
+              <a:ext uri="{FF2B5EF4-FFF2-40B4-BE49-F238E27FC236}">
+                <a16:creationId xmlns:a16="http://schemas.microsoft.com/office/drawing/2014/main" id="{E14857AD-0B6F-B8BF-1665-69A773A353CC}"/>
+              </a:ext>
+            </a:extLst>
+          </p:cNvPr>
+          <p:cNvSpPr txBox="1">
+            <a:spLocks/>
+          </p:cNvSpPr>
+          <p:nvPr/>
+        </p:nvSpPr>
+        <p:spPr>
+          <a:xfrm>
+            <a:off x="11734800" y="6492875"/>
+            <a:ext cx="456108" cy="365125"/>
+          </a:xfrm>
+          <a:prstGeom prst="rect">
+            <a:avLst/>
+          </a:prstGeom>
+        </p:spPr>
+        <p:txBody>
+          <a:bodyPr/>
+          <a:lstStyle>
+            <a:defPPr>
+              <a:defRPr lang="nb-NO"/>
+            </a:defPPr>
+            <a:lvl1pPr marL="0" algn="l" defTabSz="457200" rtl="0" eaLnBrk="1" latinLnBrk="0" hangingPunct="1">
+              <a:defRPr sz="1000" kern="1200">
+                <a:solidFill>
+                  <a:schemeClr val="bg1"/>
+                </a:solidFill>
+                <a:latin typeface="+mn-lt"/>
+                <a:ea typeface="+mn-ea"/>
+                <a:cs typeface="+mn-cs"/>
+              </a:defRPr>
+            </a:lvl1pPr>
+            <a:lvl2pPr marL="457200" algn="l" defTabSz="457200" rtl="0" eaLnBrk="1" latinLnBrk="0" hangingPunct="1">
+              <a:defRPr sz="1800" kern="1200">
+                <a:solidFill>
+                  <a:schemeClr val="tx1"/>
+                </a:solidFill>
+                <a:latin typeface="+mn-lt"/>
+                <a:ea typeface="+mn-ea"/>
+                <a:cs typeface="+mn-cs"/>
+              </a:defRPr>
+            </a:lvl2pPr>
+            <a:lvl3pPr marL="914400" algn="l" defTabSz="457200" rtl="0" eaLnBrk="1" latinLnBrk="0" hangingPunct="1">
+              <a:defRPr sz="1800" kern="1200">
+                <a:solidFill>
+                  <a:schemeClr val="tx1"/>
+                </a:solidFill>
+                <a:latin typeface="+mn-lt"/>
+                <a:ea typeface="+mn-ea"/>
+                <a:cs typeface="+mn-cs"/>
+              </a:defRPr>
+            </a:lvl3pPr>
+            <a:lvl4pPr marL="1371600" algn="l" defTabSz="457200" rtl="0" eaLnBrk="1" latinLnBrk="0" hangingPunct="1">
+              <a:defRPr sz="1800" kern="1200">
+                <a:solidFill>
+                  <a:schemeClr val="tx1"/>
+                </a:solidFill>
+                <a:latin typeface="+mn-lt"/>
+                <a:ea typeface="+mn-ea"/>
+                <a:cs typeface="+mn-cs"/>
+              </a:defRPr>
+            </a:lvl4pPr>
+            <a:lvl5pPr marL="1828800" algn="l" defTabSz="457200" rtl="0" eaLnBrk="1" latinLnBrk="0" hangingPunct="1">
+              <a:defRPr sz="1800" kern="1200">
+                <a:solidFill>
+                  <a:schemeClr val="tx1"/>
+                </a:solidFill>
+                <a:latin typeface="+mn-lt"/>
+                <a:ea typeface="+mn-ea"/>
+                <a:cs typeface="+mn-cs"/>
+              </a:defRPr>
+            </a:lvl5pPr>
+            <a:lvl6pPr marL="2286000" algn="l" defTabSz="457200" rtl="0" eaLnBrk="1" latinLnBrk="0" hangingPunct="1">
+              <a:defRPr sz="1800" kern="1200">
+                <a:solidFill>
+                  <a:schemeClr val="tx1"/>
+                </a:solidFill>
+                <a:latin typeface="+mn-lt"/>
+                <a:ea typeface="+mn-ea"/>
+                <a:cs typeface="+mn-cs"/>
+              </a:defRPr>
+            </a:lvl6pPr>
+            <a:lvl7pPr marL="2743200" algn="l" defTabSz="457200" rtl="0" eaLnBrk="1" latinLnBrk="0" hangingPunct="1">
+              <a:defRPr sz="1800" kern="1200">
+                <a:solidFill>
+                  <a:schemeClr val="tx1"/>
+                </a:solidFill>
+                <a:latin typeface="+mn-lt"/>
+                <a:ea typeface="+mn-ea"/>
+                <a:cs typeface="+mn-cs"/>
+              </a:defRPr>
+            </a:lvl7pPr>
+            <a:lvl8pPr marL="3200400" algn="l" defTabSz="457200" rtl="0" eaLnBrk="1" latinLnBrk="0" hangingPunct="1">
+              <a:defRPr sz="1800" kern="1200">
+                <a:solidFill>
+                  <a:schemeClr val="tx1"/>
+                </a:solidFill>
+                <a:latin typeface="+mn-lt"/>
+                <a:ea typeface="+mn-ea"/>
+                <a:cs typeface="+mn-cs"/>
+              </a:defRPr>
+            </a:lvl8pPr>
+            <a:lvl9pPr marL="3657600" algn="l" defTabSz="457200" rtl="0" eaLnBrk="1" latinLnBrk="0" hangingPunct="1">
+              <a:defRPr sz="1800" kern="1200">
+                <a:solidFill>
+                  <a:schemeClr val="tx1"/>
+                </a:solidFill>
+                <a:latin typeface="+mn-lt"/>
+                <a:ea typeface="+mn-ea"/>
+                <a:cs typeface="+mn-cs"/>
+              </a:defRPr>
+            </a:lvl9pPr>
+          </a:lstStyle>
+          <a:p>
+            <a:pPr algn="ctr"/>
+            <a:fld id="{91853A39-49B3-554A-AE82-85611CEBD8E3}" type="slidenum">
+              <a:rPr lang="nb-NO" sz="1400" b="0" i="0" smtClean="0">
+                <a:solidFill>
+                  <a:schemeClr val="tx1"/>
+                </a:solidFill>
+                <a:latin typeface="Arial"/>
+                <a:cs typeface="Arial"/>
+              </a:rPr>
+              <a:pPr algn="ctr"/>
+              <a:t>16</a:t>
+            </a:fld>
+            <a:endParaRPr lang="nb-NO" sz="1400" b="0" i="0" dirty="0">
+              <a:solidFill>
+                <a:schemeClr val="tx1"/>
+              </a:solidFill>
+              <a:latin typeface="Arial"/>
+              <a:cs typeface="Arial"/>
+            </a:endParaRPr>
+          </a:p>
+        </p:txBody>
+      </p:sp>
+      <p:sp>
+        <p:nvSpPr>
+          <p:cNvPr id="2" name="Title 1">
+            <a:extLst>
+              <a:ext uri="{FF2B5EF4-FFF2-40B4-BE49-F238E27FC236}">
+                <a16:creationId xmlns:a16="http://schemas.microsoft.com/office/drawing/2014/main" id="{7D0406C5-8EDE-7DC9-AC9F-4DEACE93A16E}"/>
+              </a:ext>
+            </a:extLst>
+          </p:cNvPr>
+          <p:cNvSpPr txBox="1">
+            <a:spLocks/>
+          </p:cNvSpPr>
+          <p:nvPr/>
+        </p:nvSpPr>
+        <p:spPr bwMode="auto">
+          <a:xfrm>
+            <a:off x="-152400" y="1066800"/>
+            <a:ext cx="3962400" cy="533400"/>
+          </a:xfrm>
+          <a:prstGeom prst="rect">
+            <a:avLst/>
+          </a:prstGeom>
+          <a:noFill/>
+          <a:ln>
+            <a:noFill/>
+          </a:ln>
+          <a:effectLst/>
+          <a:extLst>
+            <a:ext uri="{FAA26D3D-D897-4be2-8F04-BA451C77F1D7}">
+              <ma14:placeholderFlag xmlns="" xmlns:ma14="http://schemas.microsoft.com/office/mac/drawingml/2011/main" val="1"/>
+            </a:ext>
+            <a:ext uri="{909E8E84-426E-40dd-AFC4-6F175D3DCCD1}">
+              <a14:hiddenFill xmlns="" xmlns:a14="http://schemas.microsoft.com/office/drawing/2010/main">
+                <a:solidFill>
+                  <a:schemeClr val="bg1"/>
+                </a:solidFill>
+              </a14:hiddenFill>
+            </a:ext>
+            <a:ext uri="{91240B29-F687-4f45-9708-019B960494DF}">
+              <a14:hiddenLine xmlns="" xmlns:a14="http://schemas.microsoft.com/office/drawing/2010/main" w="12700">
+                <a:pattFill prst="narHorz">
+                  <a:fgClr>
+                    <a:schemeClr val="tx1"/>
+                  </a:fgClr>
+                  <a:bgClr>
+                    <a:schemeClr val="bg1"/>
+                  </a:bgClr>
+                </a:pattFill>
+                <a:miter lim="800000"/>
+                <a:headEnd/>
+                <a:tailEnd/>
+              </a14:hiddenLine>
+            </a:ext>
+            <a:ext uri="{AF507438-7753-43e0-B8FC-AC1667EBCBE1}">
+              <a14:hiddenEffects xmlns="" xmlns:a14="http://schemas.microsoft.com/office/drawing/2010/main">
+                <a:effectLst>
+                  <a:outerShdw blurRad="63500" dist="38099" dir="2700000" algn="ctr" rotWithShape="0">
+                    <a:schemeClr val="bg2">
+                      <a:alpha val="74998"/>
+                    </a:schemeClr>
+                  </a:outerShdw>
+                </a:effectLst>
+              </a14:hiddenEffects>
+            </a:ext>
+          </a:extLst>
+        </p:spPr>
+        <p:txBody>
+          <a:bodyPr vert="horz" wrap="square" lIns="90478" tIns="44445" rIns="90478" bIns="44445" numCol="1" anchor="ctr" anchorCtr="0" compatLnSpc="1">
+            <a:prstTxWarp prst="textNoShape">
+              <a:avLst/>
+            </a:prstTxWarp>
+          </a:bodyPr>
+          <a:lstStyle>
+            <a:lvl1pPr algn="ctr" rtl="0" eaLnBrk="0" fontAlgn="base" hangingPunct="0">
+              <a:lnSpc>
+                <a:spcPct val="90000"/>
+              </a:lnSpc>
+              <a:spcBef>
+                <a:spcPct val="0"/>
+              </a:spcBef>
+              <a:spcAft>
+                <a:spcPct val="0"/>
+              </a:spcAft>
+              <a:defRPr sz="3200" b="0" i="0">
+                <a:solidFill>
+                  <a:srgbClr val="2A40E2"/>
+                </a:solidFill>
+                <a:latin typeface="Gill Sans" charset="0"/>
+                <a:ea typeface="Gill Sans" charset="0"/>
+                <a:cs typeface="Gill Sans" charset="0"/>
+              </a:defRPr>
+            </a:lvl1pPr>
+            <a:lvl2pPr algn="ctr" rtl="0" eaLnBrk="0" fontAlgn="base" hangingPunct="0">
+              <a:lnSpc>
+                <a:spcPct val="90000"/>
+              </a:lnSpc>
+              <a:spcBef>
+                <a:spcPct val="0"/>
+              </a:spcBef>
+              <a:spcAft>
+                <a:spcPct val="0"/>
+              </a:spcAft>
+              <a:defRPr sz="3200">
+                <a:solidFill>
+                  <a:srgbClr val="2A40E2"/>
+                </a:solidFill>
+                <a:latin typeface="Gill Sans" charset="0"/>
+                <a:ea typeface="ＭＳ Ｐゴシック" charset="0"/>
+                <a:cs typeface="Gill Sans" charset="0"/>
+              </a:defRPr>
+            </a:lvl2pPr>
+            <a:lvl3pPr algn="ctr" rtl="0" eaLnBrk="0" fontAlgn="base" hangingPunct="0">
+              <a:lnSpc>
+                <a:spcPct val="90000"/>
+              </a:lnSpc>
+              <a:spcBef>
+                <a:spcPct val="0"/>
+              </a:spcBef>
+              <a:spcAft>
+                <a:spcPct val="0"/>
+              </a:spcAft>
+              <a:defRPr sz="3200">
+                <a:solidFill>
+                  <a:srgbClr val="2A40E2"/>
+                </a:solidFill>
+                <a:latin typeface="Gill Sans" charset="0"/>
+                <a:ea typeface="ＭＳ Ｐゴシック" charset="0"/>
+                <a:cs typeface="Gill Sans" charset="0"/>
+              </a:defRPr>
+            </a:lvl3pPr>
+            <a:lvl4pPr algn="ctr" rtl="0" eaLnBrk="0" fontAlgn="base" hangingPunct="0">
+              <a:lnSpc>
+                <a:spcPct val="90000"/>
+              </a:lnSpc>
+              <a:spcBef>
+                <a:spcPct val="0"/>
+              </a:spcBef>
+              <a:spcAft>
+                <a:spcPct val="0"/>
+              </a:spcAft>
+              <a:defRPr sz="3200">
+                <a:solidFill>
+                  <a:srgbClr val="2A40E2"/>
+                </a:solidFill>
+                <a:latin typeface="Gill Sans" charset="0"/>
+                <a:ea typeface="ＭＳ Ｐゴシック" charset="0"/>
+                <a:cs typeface="Gill Sans" charset="0"/>
+              </a:defRPr>
+            </a:lvl4pPr>
+            <a:lvl5pPr algn="ctr" rtl="0" eaLnBrk="0" fontAlgn="base" hangingPunct="0">
+              <a:lnSpc>
+                <a:spcPct val="90000"/>
+              </a:lnSpc>
+              <a:spcBef>
+                <a:spcPct val="0"/>
+              </a:spcBef>
+              <a:spcAft>
+                <a:spcPct val="0"/>
+              </a:spcAft>
+              <a:defRPr sz="3200">
+                <a:solidFill>
+                  <a:srgbClr val="2A40E2"/>
+                </a:solidFill>
+                <a:latin typeface="Gill Sans" charset="0"/>
+                <a:ea typeface="ＭＳ Ｐゴシック" charset="0"/>
+                <a:cs typeface="Gill Sans" charset="0"/>
+              </a:defRPr>
+            </a:lvl5pPr>
+            <a:lvl6pPr marL="457200" algn="ctr" rtl="0" eaLnBrk="0" fontAlgn="base" hangingPunct="0">
+              <a:lnSpc>
+                <a:spcPct val="90000"/>
+              </a:lnSpc>
+              <a:spcBef>
+                <a:spcPct val="0"/>
+              </a:spcBef>
+              <a:spcAft>
+                <a:spcPct val="0"/>
+              </a:spcAft>
+              <a:defRPr sz="2400" b="1">
+                <a:solidFill>
+                  <a:srgbClr val="2A40E2"/>
+                </a:solidFill>
+                <a:latin typeface="Comic Sans MS" pitchFamily="66" charset="0"/>
+              </a:defRPr>
+            </a:lvl6pPr>
+            <a:lvl7pPr marL="914400" algn="ctr" rtl="0" eaLnBrk="0" fontAlgn="base" hangingPunct="0">
+              <a:lnSpc>
+                <a:spcPct val="90000"/>
+              </a:lnSpc>
+              <a:spcBef>
+                <a:spcPct val="0"/>
+              </a:spcBef>
+              <a:spcAft>
+                <a:spcPct val="0"/>
+              </a:spcAft>
+              <a:defRPr sz="2400" b="1">
+                <a:solidFill>
+                  <a:srgbClr val="2A40E2"/>
+                </a:solidFill>
+                <a:latin typeface="Comic Sans MS" pitchFamily="66" charset="0"/>
+              </a:defRPr>
+            </a:lvl7pPr>
+            <a:lvl8pPr marL="1371600" algn="ctr" rtl="0" eaLnBrk="0" fontAlgn="base" hangingPunct="0">
+              <a:lnSpc>
+                <a:spcPct val="90000"/>
+              </a:lnSpc>
+              <a:spcBef>
+                <a:spcPct val="0"/>
+              </a:spcBef>
+              <a:spcAft>
+                <a:spcPct val="0"/>
+              </a:spcAft>
+              <a:defRPr sz="2400" b="1">
+                <a:solidFill>
+                  <a:srgbClr val="2A40E2"/>
+                </a:solidFill>
+                <a:latin typeface="Comic Sans MS" pitchFamily="66" charset="0"/>
+              </a:defRPr>
+            </a:lvl8pPr>
+            <a:lvl9pPr marL="1828800" algn="ctr" rtl="0" eaLnBrk="0" fontAlgn="base" hangingPunct="0">
+              <a:lnSpc>
+                <a:spcPct val="90000"/>
+              </a:lnSpc>
+              <a:spcBef>
+                <a:spcPct val="0"/>
+              </a:spcBef>
+              <a:spcAft>
+                <a:spcPct val="0"/>
+              </a:spcAft>
+              <a:defRPr sz="2400" b="1">
+                <a:solidFill>
+                  <a:srgbClr val="2A40E2"/>
+                </a:solidFill>
+                <a:latin typeface="Comic Sans MS" pitchFamily="66" charset="0"/>
+              </a:defRPr>
+            </a:lvl9pPr>
+          </a:lstStyle>
+          <a:p>
+            <a:r>
+              <a:rPr lang="en-GB" sz="2000" kern="0" dirty="0"/>
+              <a:t>Q: Rewrite it to prefer readers</a:t>
+            </a:r>
+            <a:endParaRPr lang="en-SE" sz="2000" kern="0" dirty="0"/>
+          </a:p>
+        </p:txBody>
+      </p:sp>
+    </p:spTree>
+    <p:extLst>
+      <p:ext uri="{BB962C8B-B14F-4D97-AF65-F5344CB8AC3E}">
+        <p14:creationId xmlns:p14="http://schemas.microsoft.com/office/powerpoint/2010/main" val="4099170120"/>
+      </p:ext>
+    </p:extLst>
+  </p:cSld>
+  <p:clrMapOvr>
+    <a:masterClrMapping/>
+  </p:clrMapOvr>
+  <p:transition/>
+</p:sld>
+</file>
+
+<file path=ppt/slides/slide17.xml><?xml version="1.0" encoding="utf-8"?>
+<p:sld xmlns:a="http://schemas.openxmlformats.org/drawingml/2006/main" xmlns:r="http://schemas.openxmlformats.org/officeDocument/2006/relationships" xmlns:p="http://schemas.openxmlformats.org/presentationml/2006/main">
+  <p:cSld>
+    <p:spTree>
+      <p:nvGrpSpPr>
+        <p:cNvPr id="1" name="">
+          <a:extLst>
+            <a:ext uri="{FF2B5EF4-FFF2-40B4-BE49-F238E27FC236}">
+              <a16:creationId xmlns:a16="http://schemas.microsoft.com/office/drawing/2014/main" id="{51D7C2B1-C64C-22CC-2130-C2095D2B557C}"/>
+            </a:ext>
+          </a:extLst>
+        </p:cNvPr>
+        <p:cNvGrpSpPr/>
+        <p:nvPr/>
+      </p:nvGrpSpPr>
+      <p:grpSpPr>
+        <a:xfrm>
+          <a:off x="0" y="0"/>
+          <a:ext cx="0" cy="0"/>
+          <a:chOff x="0" y="0"/>
+          <a:chExt cx="0" cy="0"/>
+        </a:xfrm>
+      </p:grpSpPr>
+      <p:sp>
+        <p:nvSpPr>
+          <p:cNvPr id="5" name="object 8">
+            <a:extLst>
+              <a:ext uri="{FF2B5EF4-FFF2-40B4-BE49-F238E27FC236}">
+                <a16:creationId xmlns:a16="http://schemas.microsoft.com/office/drawing/2014/main" id="{CD4EDE96-AD27-74F6-D10A-26CA7147F121}"/>
+              </a:ext>
+            </a:extLst>
+          </p:cNvPr>
+          <p:cNvSpPr txBox="1"/>
+          <p:nvPr/>
+        </p:nvSpPr>
+        <p:spPr>
+          <a:xfrm>
+            <a:off x="76200" y="1826446"/>
+            <a:ext cx="5989528" cy="4485843"/>
+          </a:xfrm>
+          <a:prstGeom prst="rect">
+            <a:avLst/>
+          </a:prstGeom>
+          <a:ln w="12700">
+            <a:solidFill>
+              <a:srgbClr val="000000"/>
+            </a:solidFill>
+          </a:ln>
+        </p:spPr>
+        <p:txBody>
+          <a:bodyPr vert="horz" wrap="square" lIns="0" tIns="53340" rIns="0" bIns="0" rtlCol="0">
+            <a:spAutoFit/>
+          </a:bodyPr>
+          <a:lstStyle/>
+          <a:p>
+            <a:pPr>
+              <a:buNone/>
+              <a:tabLst>
+                <a:tab pos="576263" algn="l"/>
+                <a:tab pos="914400" algn="l"/>
+                <a:tab pos="1252538" algn="l"/>
+                <a:tab pos="1603375" algn="l"/>
+                <a:tab pos="4233863" algn="l"/>
+              </a:tabLst>
+            </a:pPr>
+            <a:r>
+              <a:rPr lang="en-US" altLang="ko-KR" sz="1600" b="0" dirty="0">
+                <a:latin typeface="Courier New" charset="0"/>
+                <a:ea typeface="굴림" charset="0"/>
+                <a:cs typeface="굴림" charset="0"/>
+              </a:rPr>
+              <a:t> Reader() {</a:t>
+            </a:r>
+            <a:br>
+              <a:rPr lang="en-US" altLang="ko-KR" sz="1600" b="0" dirty="0">
+                <a:latin typeface="Courier New" charset="0"/>
+                <a:ea typeface="굴림" charset="0"/>
+                <a:cs typeface="굴림" charset="0"/>
+              </a:rPr>
+            </a:br>
+            <a:r>
+              <a:rPr lang="en-US" altLang="ko-KR" sz="1600" b="0" dirty="0">
+                <a:latin typeface="Courier New" charset="0"/>
+                <a:ea typeface="굴림" charset="0"/>
+                <a:cs typeface="굴림" charset="0"/>
+              </a:rPr>
+              <a:t>	</a:t>
+            </a:r>
+            <a:r>
+              <a:rPr lang="en-US" altLang="ko-KR" sz="1600" b="0" dirty="0" err="1">
+                <a:latin typeface="Courier New" charset="0"/>
+                <a:ea typeface="굴림" charset="0"/>
+                <a:cs typeface="굴림" charset="0"/>
+              </a:rPr>
+              <a:t>mutex_lock</a:t>
+            </a:r>
+            <a:r>
+              <a:rPr lang="en-US" altLang="ko-KR" sz="1600" b="0" dirty="0">
+                <a:latin typeface="Courier New" charset="0"/>
+                <a:ea typeface="굴림" charset="0"/>
+                <a:cs typeface="굴림" charset="0"/>
+              </a:rPr>
+              <a:t>(&amp;mutex);</a:t>
+            </a:r>
+          </a:p>
+          <a:p>
+            <a:pPr>
+              <a:buNone/>
+              <a:tabLst>
+                <a:tab pos="576263" algn="l"/>
+                <a:tab pos="914400" algn="l"/>
+                <a:tab pos="1252538" algn="l"/>
+                <a:tab pos="1603375" algn="l"/>
+                <a:tab pos="4233863" algn="l"/>
+              </a:tabLst>
+            </a:pPr>
+            <a:r>
+              <a:rPr lang="en-US" altLang="ko-KR" sz="1600" b="0" dirty="0">
+                <a:solidFill>
+                  <a:srgbClr val="FF0000"/>
+                </a:solidFill>
+                <a:latin typeface="Courier New" charset="0"/>
+                <a:ea typeface="굴림" charset="0"/>
+                <a:cs typeface="굴림" charset="0"/>
+              </a:rPr>
+              <a:t>	while (AW &gt; 0) </a:t>
+            </a:r>
+            <a:r>
+              <a:rPr lang="en-US" altLang="ko-KR" sz="1600" b="0" dirty="0">
+                <a:latin typeface="Courier New" charset="0"/>
+                <a:ea typeface="굴림" charset="0"/>
+                <a:cs typeface="굴림" charset="0"/>
+              </a:rPr>
+              <a:t>{</a:t>
+            </a:r>
+            <a:r>
+              <a:rPr lang="en-US" altLang="ko-KR" sz="1600" b="0" dirty="0">
+                <a:solidFill>
+                  <a:schemeClr val="accent2"/>
+                </a:solidFill>
+                <a:latin typeface="Courier New" charset="0"/>
+                <a:ea typeface="굴림" charset="0"/>
+                <a:cs typeface="굴림" charset="0"/>
+              </a:rPr>
+              <a:t>//Is it safe to read?</a:t>
+            </a:r>
+            <a:br>
+              <a:rPr lang="en-US" altLang="ko-KR" sz="1600" b="0" dirty="0">
+                <a:latin typeface="Courier New" charset="0"/>
+                <a:ea typeface="굴림" charset="0"/>
+                <a:cs typeface="굴림" charset="0"/>
+              </a:rPr>
+            </a:br>
+            <a:r>
+              <a:rPr lang="en-US" altLang="ko-KR" sz="1600" b="0" dirty="0">
+                <a:latin typeface="Courier New" charset="0"/>
+                <a:ea typeface="굴림" charset="0"/>
+                <a:cs typeface="굴림" charset="0"/>
+              </a:rPr>
+              <a:t>		WR++;	</a:t>
+            </a:r>
+            <a:r>
+              <a:rPr lang="en-US" altLang="ko-KR" sz="1600" b="0" dirty="0">
+                <a:solidFill>
+                  <a:schemeClr val="accent2"/>
+                </a:solidFill>
+                <a:latin typeface="Courier New" charset="0"/>
+                <a:ea typeface="굴림" charset="0"/>
+                <a:cs typeface="굴림" charset="0"/>
+              </a:rPr>
+              <a:t>//No. Writers exist</a:t>
+            </a:r>
+            <a:br>
+              <a:rPr lang="en-US" altLang="ko-KR" sz="1600" b="0" dirty="0">
+                <a:latin typeface="Courier New" charset="0"/>
+                <a:ea typeface="굴림" charset="0"/>
+                <a:cs typeface="굴림" charset="0"/>
+              </a:rPr>
+            </a:br>
+            <a:r>
+              <a:rPr lang="en-US" altLang="ko-KR" sz="1600" b="0" dirty="0">
+                <a:latin typeface="Courier New" charset="0"/>
+                <a:ea typeface="굴림" charset="0"/>
+                <a:cs typeface="굴림" charset="0"/>
+              </a:rPr>
+              <a:t>		</a:t>
+            </a:r>
+            <a:r>
+              <a:rPr lang="en-US" altLang="ko-KR" sz="1600" b="0" dirty="0" err="1">
+                <a:latin typeface="Courier New" charset="0"/>
+                <a:ea typeface="굴림" charset="0"/>
+                <a:cs typeface="굴림" charset="0"/>
+              </a:rPr>
+              <a:t>cond_wait</a:t>
+            </a:r>
+            <a:r>
+              <a:rPr lang="en-US" altLang="ko-KR" sz="1600" b="0" dirty="0">
+                <a:latin typeface="Courier New" charset="0"/>
+                <a:ea typeface="굴림" charset="0"/>
+                <a:cs typeface="굴림" charset="0"/>
+              </a:rPr>
+              <a:t>(&amp;</a:t>
+            </a:r>
+            <a:r>
+              <a:rPr lang="en-US" altLang="ko-KR" sz="1600" b="0" dirty="0" err="1">
+                <a:latin typeface="Courier New" charset="0"/>
+                <a:ea typeface="굴림" charset="0"/>
+                <a:cs typeface="굴림" charset="0"/>
+              </a:rPr>
+              <a:t>okToRead</a:t>
+            </a:r>
+            <a:r>
+              <a:rPr lang="en-US" altLang="ko-KR" sz="1600" b="0" dirty="0">
+                <a:latin typeface="Courier New" charset="0"/>
+                <a:ea typeface="굴림" charset="0"/>
+                <a:cs typeface="굴림" charset="0"/>
+              </a:rPr>
+              <a:t>,&amp;mutex);</a:t>
+            </a:r>
+            <a:br>
+              <a:rPr lang="en-US" altLang="ko-KR" sz="1600" b="0" dirty="0">
+                <a:latin typeface="Courier New" charset="0"/>
+                <a:ea typeface="굴림" charset="0"/>
+                <a:cs typeface="굴림" charset="0"/>
+              </a:rPr>
+            </a:br>
+            <a:r>
+              <a:rPr lang="en-US" altLang="ko-KR" sz="1600" b="0" dirty="0">
+                <a:latin typeface="Courier New" charset="0"/>
+                <a:ea typeface="굴림" charset="0"/>
+                <a:cs typeface="굴림" charset="0"/>
+              </a:rPr>
+              <a:t>		WR--;	</a:t>
+            </a:r>
+            <a:r>
+              <a:rPr lang="en-US" altLang="ko-KR" sz="1600" b="0" dirty="0">
+                <a:solidFill>
+                  <a:schemeClr val="accent2"/>
+                </a:solidFill>
+                <a:latin typeface="Courier New" charset="0"/>
+                <a:ea typeface="굴림" charset="0"/>
+                <a:cs typeface="굴림" charset="0"/>
+              </a:rPr>
+              <a:t>//No longer waiting</a:t>
+            </a:r>
+            <a:br>
+              <a:rPr lang="en-US" altLang="ko-KR" sz="1600" b="0" dirty="0">
+                <a:latin typeface="Courier New" charset="0"/>
+                <a:ea typeface="굴림" charset="0"/>
+                <a:cs typeface="굴림" charset="0"/>
+              </a:rPr>
+            </a:br>
+            <a:r>
+              <a:rPr lang="en-US" altLang="ko-KR" sz="1600" b="0" dirty="0">
+                <a:latin typeface="Courier New" charset="0"/>
+                <a:ea typeface="굴림" charset="0"/>
+                <a:cs typeface="굴림" charset="0"/>
+              </a:rPr>
+              <a:t>	}</a:t>
+            </a:r>
+          </a:p>
+          <a:p>
+            <a:pPr>
+              <a:buNone/>
+              <a:tabLst>
+                <a:tab pos="576263" algn="l"/>
+                <a:tab pos="914400" algn="l"/>
+                <a:tab pos="1252538" algn="l"/>
+                <a:tab pos="1603375" algn="l"/>
+                <a:tab pos="4233863" algn="l"/>
+              </a:tabLst>
+            </a:pPr>
+            <a:r>
+              <a:rPr lang="en-US" altLang="ko-KR" sz="1600" b="0" dirty="0">
+                <a:latin typeface="Courier New" charset="0"/>
+                <a:ea typeface="굴림" charset="0"/>
+                <a:cs typeface="굴림" charset="0"/>
+              </a:rPr>
+              <a:t>	AR++;		</a:t>
+            </a:r>
+            <a:r>
+              <a:rPr lang="en-US" altLang="ko-KR" sz="1600" b="0" dirty="0">
+                <a:solidFill>
+                  <a:schemeClr val="accent2"/>
+                </a:solidFill>
+                <a:latin typeface="Courier New" charset="0"/>
+                <a:ea typeface="굴림" charset="0"/>
+                <a:cs typeface="굴림" charset="0"/>
+              </a:rPr>
+              <a:t>//Reader active!</a:t>
+            </a:r>
+            <a:br>
+              <a:rPr lang="en-US" altLang="ko-KR" sz="1600" b="0" dirty="0">
+                <a:latin typeface="Courier New" charset="0"/>
+                <a:ea typeface="굴림" charset="0"/>
+                <a:cs typeface="굴림" charset="0"/>
+              </a:rPr>
+            </a:br>
+            <a:r>
+              <a:rPr lang="en-US" altLang="ko-KR" sz="1600" b="0" dirty="0">
+                <a:latin typeface="Courier New" charset="0"/>
+                <a:ea typeface="굴림" charset="0"/>
+                <a:cs typeface="굴림" charset="0"/>
+              </a:rPr>
+              <a:t>	</a:t>
+            </a:r>
+            <a:r>
+              <a:rPr lang="en-US" altLang="ko-KR" sz="1600" b="0" dirty="0" err="1">
+                <a:latin typeface="Courier New" charset="0"/>
+                <a:ea typeface="굴림" charset="0"/>
+                <a:cs typeface="굴림" charset="0"/>
+              </a:rPr>
+              <a:t>mutex_unlock</a:t>
+            </a:r>
+            <a:r>
+              <a:rPr lang="en-US" altLang="ko-KR" sz="1600" b="0" dirty="0">
+                <a:latin typeface="Courier New" charset="0"/>
+                <a:ea typeface="굴림" charset="0"/>
+                <a:cs typeface="굴림" charset="0"/>
+              </a:rPr>
+              <a:t>(&amp;mutex);</a:t>
+            </a:r>
+          </a:p>
+          <a:p>
+            <a:pPr>
+              <a:buNone/>
+              <a:tabLst>
+                <a:tab pos="576263" algn="l"/>
+                <a:tab pos="914400" algn="l"/>
+                <a:tab pos="1252538" algn="l"/>
+                <a:tab pos="1603375" algn="l"/>
+                <a:tab pos="4233863" algn="l"/>
+              </a:tabLst>
+            </a:pPr>
+            <a:r>
+              <a:rPr lang="en-US" altLang="ko-KR" sz="1600" b="0" dirty="0">
+                <a:latin typeface="Courier New" charset="0"/>
+                <a:ea typeface="굴림" charset="0"/>
+                <a:cs typeface="굴림" charset="0"/>
+              </a:rPr>
+              <a:t>	</a:t>
+            </a:r>
+            <a:r>
+              <a:rPr lang="en-US" altLang="ko-KR" sz="1600" b="0" dirty="0" err="1">
+                <a:latin typeface="Courier New" charset="0"/>
+                <a:ea typeface="굴림" charset="0"/>
+                <a:cs typeface="굴림" charset="0"/>
+              </a:rPr>
+              <a:t>AccessDatabase</a:t>
+            </a:r>
+            <a:r>
+              <a:rPr lang="en-US" altLang="ko-KR" sz="1600" b="0" dirty="0">
+                <a:latin typeface="Courier New" charset="0"/>
+                <a:ea typeface="굴림" charset="0"/>
+                <a:cs typeface="굴림" charset="0"/>
+              </a:rPr>
+              <a:t>(</a:t>
+            </a:r>
+            <a:r>
+              <a:rPr lang="en-US" altLang="ko-KR" sz="1600" b="0" dirty="0" err="1">
+                <a:latin typeface="Courier New" charset="0"/>
+                <a:ea typeface="굴림" charset="0"/>
+                <a:cs typeface="굴림" charset="0"/>
+              </a:rPr>
+              <a:t>ReadOnly</a:t>
+            </a:r>
+            <a:r>
+              <a:rPr lang="en-US" altLang="ko-KR" sz="1600" b="0" dirty="0">
+                <a:latin typeface="Courier New" charset="0"/>
+                <a:ea typeface="굴림" charset="0"/>
+                <a:cs typeface="굴림" charset="0"/>
+              </a:rPr>
+              <a:t>);</a:t>
+            </a:r>
+          </a:p>
+          <a:p>
+            <a:pPr>
+              <a:buNone/>
+              <a:tabLst>
+                <a:tab pos="576263" algn="l"/>
+                <a:tab pos="914400" algn="l"/>
+                <a:tab pos="1252538" algn="l"/>
+                <a:tab pos="1603375" algn="l"/>
+                <a:tab pos="4233863" algn="l"/>
+              </a:tabLst>
+            </a:pPr>
+            <a:r>
+              <a:rPr lang="en-US" altLang="ko-KR" sz="1600" b="0" dirty="0">
+                <a:latin typeface="Courier New" charset="0"/>
+                <a:ea typeface="굴림" charset="0"/>
+                <a:cs typeface="굴림" charset="0"/>
+              </a:rPr>
+              <a:t>	</a:t>
+            </a:r>
+            <a:r>
+              <a:rPr lang="en-US" altLang="ko-KR" sz="1600" b="0" dirty="0" err="1">
+                <a:latin typeface="Courier New" charset="0"/>
+                <a:ea typeface="굴림" charset="0"/>
+                <a:cs typeface="굴림" charset="0"/>
+              </a:rPr>
+              <a:t>mutex_lock</a:t>
+            </a:r>
+            <a:r>
+              <a:rPr lang="en-US" altLang="ko-KR" sz="1600" b="0" dirty="0">
+                <a:latin typeface="Courier New" charset="0"/>
+                <a:ea typeface="굴림" charset="0"/>
+                <a:cs typeface="굴림" charset="0"/>
+              </a:rPr>
+              <a:t>(&amp;mutex);</a:t>
+            </a:r>
+            <a:br>
+              <a:rPr lang="en-US" altLang="ko-KR" sz="1600" b="0" dirty="0">
+                <a:latin typeface="Courier New" charset="0"/>
+                <a:ea typeface="굴림" charset="0"/>
+                <a:cs typeface="굴림" charset="0"/>
+              </a:rPr>
+            </a:br>
+            <a:r>
+              <a:rPr lang="en-US" altLang="ko-KR" sz="1600" b="0" dirty="0">
+                <a:latin typeface="Courier New" charset="0"/>
+                <a:ea typeface="굴림" charset="0"/>
+                <a:cs typeface="굴림" charset="0"/>
+              </a:rPr>
+              <a:t>	AR--;		</a:t>
+            </a:r>
+            <a:r>
+              <a:rPr lang="en-US" altLang="ko-KR" sz="1600" b="0" dirty="0">
+                <a:solidFill>
+                  <a:schemeClr val="accent2"/>
+                </a:solidFill>
+                <a:latin typeface="Courier New" charset="0"/>
+                <a:ea typeface="굴림" charset="0"/>
+                <a:cs typeface="굴림" charset="0"/>
+              </a:rPr>
+              <a:t>//No longer active</a:t>
+            </a:r>
+            <a:br>
+              <a:rPr lang="en-US" altLang="ko-KR" sz="1600" b="0" dirty="0">
+                <a:latin typeface="Courier New" charset="0"/>
+                <a:ea typeface="굴림" charset="0"/>
+                <a:cs typeface="굴림" charset="0"/>
+              </a:rPr>
+            </a:br>
+            <a:r>
+              <a:rPr lang="en-US" altLang="ko-KR" sz="1600" b="0" dirty="0">
+                <a:latin typeface="Courier New" charset="0"/>
+                <a:ea typeface="굴림" charset="0"/>
+                <a:cs typeface="굴림" charset="0"/>
+              </a:rPr>
+              <a:t>	if (AR == 0 &amp;&amp; WW &gt; 0)</a:t>
+            </a:r>
+            <a:r>
+              <a:rPr lang="en-US" altLang="ko-KR" sz="1600" b="0" dirty="0">
+                <a:solidFill>
+                  <a:schemeClr val="accent2"/>
+                </a:solidFill>
+                <a:latin typeface="Courier New" charset="0"/>
+                <a:ea typeface="굴림" charset="0"/>
+                <a:cs typeface="굴림" charset="0"/>
+              </a:rPr>
+              <a:t>//No other active readers</a:t>
+            </a:r>
+            <a:br>
+              <a:rPr lang="en-US" altLang="ko-KR" sz="1600" b="0" dirty="0">
+                <a:latin typeface="Courier New" charset="0"/>
+                <a:ea typeface="굴림" charset="0"/>
+                <a:cs typeface="굴림" charset="0"/>
+              </a:rPr>
+            </a:br>
+            <a:r>
+              <a:rPr lang="en-US" altLang="ko-KR" sz="1600" b="0" dirty="0">
+                <a:latin typeface="Courier New" charset="0"/>
+                <a:ea typeface="굴림" charset="0"/>
+                <a:cs typeface="굴림" charset="0"/>
+              </a:rPr>
+              <a:t>		</a:t>
+            </a:r>
+            <a:r>
+              <a:rPr lang="en-US" altLang="ko-KR" sz="1600" b="0" dirty="0" err="1">
+                <a:latin typeface="Courier New" charset="0"/>
+                <a:ea typeface="굴림" charset="0"/>
+                <a:cs typeface="굴림" charset="0"/>
+              </a:rPr>
+              <a:t>cond_signal</a:t>
+            </a:r>
+            <a:r>
+              <a:rPr lang="en-US" altLang="ko-KR" sz="1600" b="0" dirty="0">
+                <a:latin typeface="Courier New" charset="0"/>
+                <a:ea typeface="굴림" charset="0"/>
+                <a:cs typeface="굴림" charset="0"/>
+              </a:rPr>
+              <a:t>(&amp;</a:t>
+            </a:r>
+            <a:r>
+              <a:rPr lang="en-US" altLang="ko-KR" sz="1600" b="0" dirty="0" err="1">
+                <a:latin typeface="Courier New" charset="0"/>
+                <a:ea typeface="굴림" charset="0"/>
+                <a:cs typeface="굴림" charset="0"/>
+              </a:rPr>
+              <a:t>okToWrite</a:t>
+            </a:r>
+            <a:r>
+              <a:rPr lang="en-US" altLang="ko-KR" sz="1600" b="0" dirty="0">
+                <a:latin typeface="Courier New" charset="0"/>
+                <a:ea typeface="굴림" charset="0"/>
+                <a:cs typeface="굴림" charset="0"/>
+              </a:rPr>
+              <a:t>);</a:t>
+            </a:r>
+            <a:r>
+              <a:rPr lang="en-US" altLang="ko-KR" sz="1600" b="0" dirty="0">
+                <a:solidFill>
+                  <a:schemeClr val="accent2"/>
+                </a:solidFill>
+                <a:latin typeface="Courier New" charset="0"/>
+                <a:ea typeface="굴림" charset="0"/>
+                <a:cs typeface="굴림" charset="0"/>
+              </a:rPr>
+              <a:t>//Wake up one writer</a:t>
+            </a:r>
+            <a:br>
+              <a:rPr lang="en-US" altLang="ko-KR" sz="1600" b="0" dirty="0">
+                <a:latin typeface="Courier New" charset="0"/>
+                <a:ea typeface="굴림" charset="0"/>
+                <a:cs typeface="굴림" charset="0"/>
+              </a:rPr>
+            </a:br>
+            <a:r>
+              <a:rPr lang="en-US" altLang="ko-KR" sz="1600" b="0" dirty="0">
+                <a:latin typeface="Courier New" charset="0"/>
+                <a:ea typeface="굴림" charset="0"/>
+                <a:cs typeface="굴림" charset="0"/>
+              </a:rPr>
+              <a:t>	</a:t>
+            </a:r>
+            <a:r>
+              <a:rPr lang="en-US" altLang="ko-KR" sz="1600" b="0" dirty="0" err="1">
+                <a:latin typeface="Courier New" charset="0"/>
+                <a:ea typeface="굴림" charset="0"/>
+                <a:cs typeface="굴림" charset="0"/>
+              </a:rPr>
+              <a:t>mutex_unlock</a:t>
+            </a:r>
+            <a:r>
+              <a:rPr lang="en-US" altLang="ko-KR" sz="1600" b="0" dirty="0">
+                <a:latin typeface="Courier New" charset="0"/>
+                <a:ea typeface="굴림" charset="0"/>
+                <a:cs typeface="굴림" charset="0"/>
+              </a:rPr>
+              <a:t>(&amp;mutex);</a:t>
+            </a:r>
+            <a:br>
+              <a:rPr lang="en-US" altLang="ko-KR" sz="1600" b="0" dirty="0">
+                <a:latin typeface="Courier New" charset="0"/>
+                <a:ea typeface="굴림" charset="0"/>
+                <a:cs typeface="굴림" charset="0"/>
+              </a:rPr>
+            </a:br>
+            <a:r>
+              <a:rPr lang="en-US" altLang="ko-KR" sz="1600" b="0" dirty="0">
+                <a:latin typeface="Courier New" charset="0"/>
+                <a:ea typeface="굴림" charset="0"/>
+                <a:cs typeface="굴림" charset="0"/>
+              </a:rPr>
+              <a:t>}</a:t>
+            </a:r>
+            <a:endParaRPr sz="1600" b="0" dirty="0">
+              <a:latin typeface="Courier New" panose="02070309020205020404" pitchFamily="49" charset="0"/>
+              <a:cs typeface="Courier New" panose="02070309020205020404" pitchFamily="49" charset="0"/>
+            </a:endParaRPr>
+          </a:p>
+        </p:txBody>
+      </p:sp>
+      <p:sp>
+        <p:nvSpPr>
+          <p:cNvPr id="12" name="object 8">
+            <a:extLst>
+              <a:ext uri="{FF2B5EF4-FFF2-40B4-BE49-F238E27FC236}">
+                <a16:creationId xmlns:a16="http://schemas.microsoft.com/office/drawing/2014/main" id="{05885A82-E6F8-8F99-35D9-50E5AD76672B}"/>
+              </a:ext>
+            </a:extLst>
+          </p:cNvPr>
+          <p:cNvSpPr txBox="1"/>
+          <p:nvPr/>
+        </p:nvSpPr>
+        <p:spPr>
+          <a:xfrm>
+            <a:off x="6096000" y="1826446"/>
+            <a:ext cx="6019800" cy="4695131"/>
+          </a:xfrm>
+          <a:prstGeom prst="rect">
+            <a:avLst/>
+          </a:prstGeom>
+          <a:solidFill>
+            <a:schemeClr val="bg1"/>
+          </a:solidFill>
+          <a:ln w="12700">
+            <a:solidFill>
+              <a:srgbClr val="000000"/>
+            </a:solidFill>
+          </a:ln>
+        </p:spPr>
+        <p:txBody>
+          <a:bodyPr vert="horz" wrap="square" lIns="0" tIns="53340" rIns="0" bIns="0" rtlCol="0">
+            <a:spAutoFit/>
+          </a:bodyPr>
+          <a:lstStyle/>
+          <a:p>
+            <a:pPr>
+              <a:buNone/>
+              <a:tabLst>
+                <a:tab pos="576263" algn="l"/>
+                <a:tab pos="914400" algn="l"/>
+                <a:tab pos="1252538" algn="l"/>
+                <a:tab pos="1603375" algn="l"/>
+                <a:tab pos="4233863" algn="l"/>
+              </a:tabLst>
+            </a:pPr>
+            <a:r>
+              <a:rPr lang="en-US" altLang="ko-KR" sz="1600" b="0" dirty="0">
+                <a:latin typeface="Courier New" charset="0"/>
+                <a:ea typeface="굴림" charset="0"/>
+                <a:cs typeface="굴림" charset="0"/>
+              </a:rPr>
+              <a:t> Writer() {</a:t>
+            </a:r>
+            <a:br>
+              <a:rPr lang="en-US" altLang="ko-KR" sz="1600" b="0" dirty="0">
+                <a:latin typeface="Courier New" charset="0"/>
+                <a:ea typeface="굴림" charset="0"/>
+                <a:cs typeface="굴림" charset="0"/>
+              </a:rPr>
+            </a:br>
+            <a:r>
+              <a:rPr lang="en-US" altLang="ko-KR" sz="1600" b="0" dirty="0">
+                <a:latin typeface="Courier New" charset="0"/>
+                <a:ea typeface="굴림" charset="0"/>
+                <a:cs typeface="굴림" charset="0"/>
+              </a:rPr>
+              <a:t>	</a:t>
+            </a:r>
+            <a:r>
+              <a:rPr lang="en-US" altLang="ko-KR" sz="1600" b="0" dirty="0" err="1">
+                <a:latin typeface="Courier New" charset="0"/>
+                <a:ea typeface="굴림" charset="0"/>
+                <a:cs typeface="굴림" charset="0"/>
+              </a:rPr>
+              <a:t>mutex_lock</a:t>
+            </a:r>
+            <a:r>
+              <a:rPr lang="en-US" altLang="ko-KR" sz="1600" b="0" dirty="0">
+                <a:latin typeface="Courier New" charset="0"/>
+                <a:ea typeface="굴림" charset="0"/>
+                <a:cs typeface="굴림" charset="0"/>
+              </a:rPr>
+              <a:t>(&amp;mutex);</a:t>
+            </a:r>
+          </a:p>
+          <a:p>
+            <a:pPr>
+              <a:lnSpc>
+                <a:spcPct val="80000"/>
+              </a:lnSpc>
+              <a:buNone/>
+              <a:tabLst>
+                <a:tab pos="576263" algn="l"/>
+                <a:tab pos="914400" algn="l"/>
+                <a:tab pos="1252538" algn="l"/>
+                <a:tab pos="1603375" algn="l"/>
+                <a:tab pos="4171950" algn="l"/>
+              </a:tabLst>
+            </a:pPr>
+            <a:r>
+              <a:rPr lang="en-US" altLang="ko-KR" sz="1600" b="0" dirty="0">
+                <a:latin typeface="Courier New" charset="0"/>
+                <a:ea typeface="굴림" charset="0"/>
+                <a:cs typeface="굴림" charset="0"/>
+              </a:rPr>
+              <a:t>	while ((AW + AR) &gt; 0) {</a:t>
+            </a:r>
+            <a:r>
+              <a:rPr lang="en-US" altLang="ko-KR" sz="1600" b="0" dirty="0">
+                <a:solidFill>
+                  <a:schemeClr val="accent2"/>
+                </a:solidFill>
+                <a:latin typeface="Courier New" charset="0"/>
+                <a:ea typeface="굴림" charset="0"/>
+                <a:cs typeface="굴림" charset="0"/>
+              </a:rPr>
+              <a:t>//Is it safe to write?</a:t>
+            </a:r>
+            <a:br>
+              <a:rPr lang="en-US" altLang="ko-KR" sz="1600" b="0" dirty="0">
+                <a:latin typeface="Courier New" charset="0"/>
+                <a:ea typeface="굴림" charset="0"/>
+                <a:cs typeface="굴림" charset="0"/>
+              </a:rPr>
+            </a:br>
+            <a:r>
+              <a:rPr lang="en-US" altLang="ko-KR" sz="1600" b="0" dirty="0">
+                <a:latin typeface="Courier New" charset="0"/>
+                <a:ea typeface="굴림" charset="0"/>
+                <a:cs typeface="굴림" charset="0"/>
+              </a:rPr>
+              <a:t>		WW++;	</a:t>
+            </a:r>
+            <a:r>
+              <a:rPr lang="en-US" altLang="ko-KR" sz="1600" b="0" dirty="0">
+                <a:solidFill>
+                  <a:schemeClr val="accent2"/>
+                </a:solidFill>
+                <a:latin typeface="Courier New" charset="0"/>
+                <a:ea typeface="굴림" charset="0"/>
+                <a:cs typeface="굴림" charset="0"/>
+              </a:rPr>
+              <a:t>//No. Active users exist</a:t>
+            </a:r>
+            <a:br>
+              <a:rPr lang="en-US" altLang="ko-KR" sz="1600" b="0" dirty="0">
+                <a:latin typeface="Courier New" charset="0"/>
+                <a:ea typeface="굴림" charset="0"/>
+                <a:cs typeface="굴림" charset="0"/>
+              </a:rPr>
+            </a:br>
+            <a:r>
+              <a:rPr lang="en-US" altLang="ko-KR" sz="1600" b="0" dirty="0">
+                <a:latin typeface="Courier New" charset="0"/>
+                <a:ea typeface="굴림" charset="0"/>
+                <a:cs typeface="굴림" charset="0"/>
+              </a:rPr>
+              <a:t>		</a:t>
+            </a:r>
+            <a:r>
+              <a:rPr lang="en-US" altLang="ko-KR" sz="1600" b="0" dirty="0" err="1">
+                <a:latin typeface="Courier New" charset="0"/>
+                <a:ea typeface="굴림" charset="0"/>
+                <a:cs typeface="굴림" charset="0"/>
+              </a:rPr>
+              <a:t>cond_wait</a:t>
+            </a:r>
+            <a:r>
+              <a:rPr lang="en-US" altLang="ko-KR" sz="1600" b="0" dirty="0">
+                <a:latin typeface="Courier New" charset="0"/>
+                <a:ea typeface="굴림" charset="0"/>
+                <a:cs typeface="굴림" charset="0"/>
+              </a:rPr>
+              <a:t>(&amp;</a:t>
+            </a:r>
+            <a:r>
+              <a:rPr lang="en-US" altLang="ko-KR" sz="1600" b="0" dirty="0" err="1">
+                <a:latin typeface="Courier New" charset="0"/>
+                <a:ea typeface="굴림" charset="0"/>
+                <a:cs typeface="굴림" charset="0"/>
+              </a:rPr>
+              <a:t>okToWrite</a:t>
+            </a:r>
+            <a:r>
+              <a:rPr lang="en-US" altLang="ko-KR" sz="1600" b="0" dirty="0">
+                <a:latin typeface="Courier New" charset="0"/>
+                <a:ea typeface="굴림" charset="0"/>
+                <a:cs typeface="굴림" charset="0"/>
+              </a:rPr>
+              <a:t>,&amp;mutex);</a:t>
+            </a:r>
+            <a:br>
+              <a:rPr lang="en-US" altLang="ko-KR" sz="1600" b="0" dirty="0">
+                <a:latin typeface="Courier New" charset="0"/>
+                <a:ea typeface="굴림" charset="0"/>
+                <a:cs typeface="굴림" charset="0"/>
+              </a:rPr>
+            </a:br>
+            <a:r>
+              <a:rPr lang="en-US" altLang="ko-KR" sz="1600" b="0" dirty="0">
+                <a:latin typeface="Courier New" charset="0"/>
+                <a:ea typeface="굴림" charset="0"/>
+                <a:cs typeface="굴림" charset="0"/>
+              </a:rPr>
+              <a:t>		WW--;	</a:t>
+            </a:r>
+            <a:r>
+              <a:rPr lang="en-US" altLang="ko-KR" sz="1600" b="0" dirty="0">
+                <a:solidFill>
+                  <a:schemeClr val="accent2"/>
+                </a:solidFill>
+                <a:latin typeface="Courier New" charset="0"/>
+                <a:ea typeface="굴림" charset="0"/>
+                <a:cs typeface="굴림" charset="0"/>
+              </a:rPr>
+              <a:t>//No longer waiting</a:t>
+            </a:r>
+            <a:br>
+              <a:rPr lang="en-US" altLang="ko-KR" sz="1600" b="0" dirty="0">
+                <a:latin typeface="Courier New" charset="0"/>
+                <a:ea typeface="굴림" charset="0"/>
+                <a:cs typeface="굴림" charset="0"/>
+              </a:rPr>
+            </a:br>
+            <a:r>
+              <a:rPr lang="en-US" altLang="ko-KR" sz="1600" b="0" dirty="0">
+                <a:latin typeface="Courier New" charset="0"/>
+                <a:ea typeface="굴림" charset="0"/>
+                <a:cs typeface="굴림" charset="0"/>
+              </a:rPr>
+              <a:t>	}</a:t>
+            </a:r>
+          </a:p>
+          <a:p>
+            <a:pPr>
+              <a:lnSpc>
+                <a:spcPct val="80000"/>
+              </a:lnSpc>
+              <a:buNone/>
+              <a:tabLst>
+                <a:tab pos="576263" algn="l"/>
+                <a:tab pos="914400" algn="l"/>
+                <a:tab pos="1252538" algn="l"/>
+                <a:tab pos="1603375" algn="l"/>
+                <a:tab pos="4171950" algn="l"/>
+              </a:tabLst>
+            </a:pPr>
+            <a:r>
+              <a:rPr lang="en-US" altLang="ko-KR" sz="1600" b="0" dirty="0">
+                <a:latin typeface="Courier New" charset="0"/>
+                <a:ea typeface="굴림" charset="0"/>
+                <a:cs typeface="굴림" charset="0"/>
+              </a:rPr>
+              <a:t>	AW++;	</a:t>
+            </a:r>
+            <a:r>
+              <a:rPr lang="en-US" altLang="ko-KR" sz="1600" b="0" dirty="0">
+                <a:solidFill>
+                  <a:schemeClr val="accent2"/>
+                </a:solidFill>
+                <a:latin typeface="Courier New" charset="0"/>
+                <a:ea typeface="굴림" charset="0"/>
+                <a:cs typeface="굴림" charset="0"/>
+              </a:rPr>
+              <a:t>//</a:t>
+            </a:r>
+            <a:r>
+              <a:rPr lang="en-US" altLang="zh-CN" sz="1600" b="0" dirty="0">
+                <a:solidFill>
+                  <a:schemeClr val="accent2"/>
+                </a:solidFill>
+                <a:latin typeface="Courier New" charset="0"/>
+                <a:ea typeface="굴림" charset="0"/>
+                <a:cs typeface="굴림" charset="0"/>
+              </a:rPr>
+              <a:t>Writer</a:t>
+            </a:r>
+            <a:r>
+              <a:rPr lang="en-US" altLang="ko-KR" sz="1600" b="0" dirty="0">
+                <a:solidFill>
+                  <a:schemeClr val="accent2"/>
+                </a:solidFill>
+                <a:latin typeface="Courier New" charset="0"/>
+                <a:ea typeface="굴림" charset="0"/>
+                <a:cs typeface="굴림" charset="0"/>
+              </a:rPr>
+              <a:t> active!</a:t>
+            </a:r>
+            <a:br>
+              <a:rPr lang="en-US" altLang="ko-KR" sz="1600" b="0" dirty="0">
+                <a:latin typeface="Courier New" charset="0"/>
+                <a:ea typeface="굴림" charset="0"/>
+                <a:cs typeface="굴림" charset="0"/>
+              </a:rPr>
+            </a:br>
+            <a:r>
+              <a:rPr lang="en-US" altLang="ko-KR" sz="1600" b="0" dirty="0">
+                <a:latin typeface="Courier New" charset="0"/>
+                <a:ea typeface="굴림" charset="0"/>
+                <a:cs typeface="굴림" charset="0"/>
+              </a:rPr>
+              <a:t>	</a:t>
+            </a:r>
+            <a:r>
+              <a:rPr lang="en-US" altLang="ko-KR" sz="1600" b="0" dirty="0" err="1">
+                <a:latin typeface="Courier New" charset="0"/>
+                <a:ea typeface="굴림" charset="0"/>
+                <a:cs typeface="굴림" charset="0"/>
+              </a:rPr>
+              <a:t>mutex_unlock</a:t>
+            </a:r>
+            <a:r>
+              <a:rPr lang="en-US" altLang="ko-KR" sz="1600" b="0" dirty="0">
+                <a:latin typeface="Courier New" charset="0"/>
+                <a:ea typeface="굴림" charset="0"/>
+                <a:cs typeface="굴림" charset="0"/>
+              </a:rPr>
+              <a:t>(&amp;mutex);	</a:t>
+            </a:r>
+            <a:r>
+              <a:rPr lang="en-US" altLang="ko-KR" sz="1600" b="0" dirty="0" err="1">
+                <a:latin typeface="Courier New" charset="0"/>
+                <a:ea typeface="굴림" charset="0"/>
+                <a:cs typeface="굴림" charset="0"/>
+              </a:rPr>
+              <a:t>AccessDatabase</a:t>
+            </a:r>
+            <a:r>
+              <a:rPr lang="en-US" altLang="ko-KR" sz="1600" b="0" dirty="0">
+                <a:latin typeface="Courier New" charset="0"/>
+                <a:ea typeface="굴림" charset="0"/>
+                <a:cs typeface="굴림" charset="0"/>
+              </a:rPr>
+              <a:t>(</a:t>
+            </a:r>
+            <a:r>
+              <a:rPr lang="en-US" altLang="ko-KR" sz="1600" b="0" dirty="0" err="1">
+                <a:latin typeface="Courier New" charset="0"/>
+                <a:ea typeface="굴림" charset="0"/>
+                <a:cs typeface="굴림" charset="0"/>
+              </a:rPr>
+              <a:t>ReadWrite</a:t>
+            </a:r>
+            <a:r>
+              <a:rPr lang="en-US" altLang="ko-KR" sz="1600" b="0" dirty="0">
+                <a:latin typeface="Courier New" charset="0"/>
+                <a:ea typeface="굴림" charset="0"/>
+                <a:cs typeface="굴림" charset="0"/>
+              </a:rPr>
+              <a:t>);</a:t>
+            </a:r>
+          </a:p>
+          <a:p>
+            <a:pPr>
+              <a:lnSpc>
+                <a:spcPct val="80000"/>
+              </a:lnSpc>
+              <a:tabLst>
+                <a:tab pos="576263" algn="l"/>
+                <a:tab pos="914400" algn="l"/>
+                <a:tab pos="1252538" algn="l"/>
+                <a:tab pos="1603375" algn="l"/>
+                <a:tab pos="4171950" algn="l"/>
+              </a:tabLst>
+            </a:pPr>
+            <a:r>
+              <a:rPr lang="en-US" altLang="ko-KR" sz="1600" b="0" dirty="0">
+                <a:latin typeface="Courier New" charset="0"/>
+                <a:ea typeface="굴림" charset="0"/>
+                <a:cs typeface="굴림" charset="0"/>
+              </a:rPr>
+              <a:t>	</a:t>
+            </a:r>
+            <a:r>
+              <a:rPr lang="en-US" altLang="ko-KR" sz="1600" b="0" dirty="0" err="1">
+                <a:latin typeface="Courier New" charset="0"/>
+                <a:ea typeface="굴림" charset="0"/>
+                <a:cs typeface="굴림" charset="0"/>
+              </a:rPr>
+              <a:t>mutex_lock</a:t>
+            </a:r>
+            <a:r>
+              <a:rPr lang="en-US" altLang="ko-KR" sz="1600" b="0" dirty="0">
+                <a:latin typeface="Courier New" charset="0"/>
+                <a:ea typeface="굴림" charset="0"/>
+                <a:cs typeface="굴림" charset="0"/>
+              </a:rPr>
+              <a:t>(&amp;mutex);</a:t>
+            </a:r>
+            <a:br>
+              <a:rPr lang="en-US" altLang="ko-KR" sz="1600" b="0" dirty="0">
+                <a:latin typeface="Courier New" charset="0"/>
+                <a:ea typeface="굴림" charset="0"/>
+                <a:cs typeface="굴림" charset="0"/>
+              </a:rPr>
+            </a:br>
+            <a:r>
+              <a:rPr lang="en-US" altLang="ko-KR" sz="1600" b="0" dirty="0">
+                <a:latin typeface="Courier New" charset="0"/>
+                <a:ea typeface="굴림" charset="0"/>
+                <a:cs typeface="굴림" charset="0"/>
+              </a:rPr>
+              <a:t>	AW--;		</a:t>
+            </a:r>
+            <a:r>
+              <a:rPr lang="en-US" altLang="ko-KR" sz="1600" b="0" dirty="0">
+                <a:solidFill>
+                  <a:schemeClr val="accent2"/>
+                </a:solidFill>
+                <a:latin typeface="Courier New" charset="0"/>
+                <a:ea typeface="굴림" charset="0"/>
+                <a:cs typeface="굴림" charset="0"/>
+              </a:rPr>
+              <a:t>//No longer active</a:t>
+            </a:r>
+            <a:br>
+              <a:rPr lang="en-US" altLang="ko-KR" sz="1600" b="0" dirty="0">
+                <a:latin typeface="Courier New" charset="0"/>
+                <a:ea typeface="굴림" charset="0"/>
+                <a:cs typeface="굴림" charset="0"/>
+              </a:rPr>
+            </a:br>
+            <a:r>
+              <a:rPr lang="en-US" altLang="ko-KR" sz="1600" b="0" dirty="0">
+                <a:solidFill>
+                  <a:srgbClr val="FF0000"/>
+                </a:solidFill>
+                <a:latin typeface="Courier New" charset="0"/>
+                <a:ea typeface="굴림" charset="0"/>
+                <a:cs typeface="굴림" charset="0"/>
+              </a:rPr>
+              <a:t>     if (WR &gt; 0) </a:t>
+            </a:r>
+            <a:r>
+              <a:rPr lang="en-US" altLang="ko-KR" sz="1600" b="0" dirty="0">
+                <a:latin typeface="Courier New" charset="0"/>
+                <a:ea typeface="굴림" charset="0"/>
+                <a:cs typeface="굴림" charset="0"/>
+              </a:rPr>
+              <a:t>{</a:t>
+            </a:r>
+            <a:r>
+              <a:rPr lang="en-US" altLang="ko-KR" sz="1600" b="0" dirty="0">
+                <a:solidFill>
+                  <a:schemeClr val="accent2"/>
+                </a:solidFill>
+                <a:latin typeface="Courier New" charset="0"/>
+                <a:ea typeface="굴림" charset="0"/>
+                <a:cs typeface="굴림" charset="0"/>
+              </a:rPr>
+              <a:t>//Wake all readers</a:t>
+            </a:r>
+            <a:br>
+              <a:rPr lang="en-US" altLang="ko-KR" sz="1600" b="0" dirty="0">
+                <a:latin typeface="Courier New" charset="0"/>
+                <a:ea typeface="굴림" charset="0"/>
+                <a:cs typeface="굴림" charset="0"/>
+              </a:rPr>
+            </a:br>
+            <a:r>
+              <a:rPr lang="en-US" altLang="ko-KR" sz="1600" b="0" dirty="0">
+                <a:latin typeface="Courier New" charset="0"/>
+                <a:ea typeface="굴림" charset="0"/>
+                <a:cs typeface="굴림" charset="0"/>
+              </a:rPr>
+              <a:t>		</a:t>
+            </a:r>
+            <a:r>
+              <a:rPr lang="en-US" altLang="ko-KR" sz="1600" b="0" dirty="0" err="1">
+                <a:latin typeface="Courier New" charset="0"/>
+                <a:ea typeface="굴림" charset="0"/>
+                <a:cs typeface="굴림" charset="0"/>
+              </a:rPr>
+              <a:t>cond_broadcast</a:t>
+            </a:r>
+            <a:r>
+              <a:rPr lang="en-US" altLang="ko-KR" sz="1600" b="0" dirty="0">
+                <a:latin typeface="Courier New" charset="0"/>
+                <a:ea typeface="굴림" charset="0"/>
+                <a:cs typeface="굴림" charset="0"/>
+              </a:rPr>
+              <a:t>(&amp;</a:t>
+            </a:r>
+            <a:r>
+              <a:rPr lang="en-US" altLang="ko-KR" sz="1600" b="0" dirty="0" err="1">
+                <a:latin typeface="Courier New" charset="0"/>
+                <a:ea typeface="굴림" charset="0"/>
+                <a:cs typeface="굴림" charset="0"/>
+              </a:rPr>
+              <a:t>okToRead</a:t>
+            </a:r>
+            <a:r>
+              <a:rPr lang="en-US" altLang="ko-KR" sz="1600" b="0" dirty="0">
+                <a:latin typeface="Courier New" charset="0"/>
+                <a:ea typeface="굴림" charset="0"/>
+                <a:cs typeface="굴림" charset="0"/>
+              </a:rPr>
+              <a:t>);</a:t>
+            </a:r>
+            <a:r>
+              <a:rPr lang="en-US" altLang="ko-KR" sz="1600" b="0" dirty="0">
+                <a:solidFill>
+                  <a:schemeClr val="accent2"/>
+                </a:solidFill>
+                <a:latin typeface="Courier New" charset="0"/>
+                <a:ea typeface="굴림" charset="0"/>
+                <a:cs typeface="굴림" charset="0"/>
+              </a:rPr>
+              <a:t>//Wake all readers</a:t>
+            </a:r>
+            <a:br>
+              <a:rPr lang="en-US" altLang="ko-KR" sz="1600" b="0" dirty="0">
+                <a:latin typeface="Courier New" charset="0"/>
+                <a:ea typeface="굴림" charset="0"/>
+                <a:cs typeface="굴림" charset="0"/>
+              </a:rPr>
+            </a:br>
+            <a:r>
+              <a:rPr lang="en-US" altLang="ko-KR" sz="1600" b="0" dirty="0">
+                <a:solidFill>
+                  <a:srgbClr val="FF0000"/>
+                </a:solidFill>
+                <a:latin typeface="Courier New" charset="0"/>
+                <a:ea typeface="굴림" charset="0"/>
+                <a:cs typeface="굴림" charset="0"/>
+              </a:rPr>
+              <a:t>	} else if (WW &gt; 0){</a:t>
+            </a:r>
+            <a:r>
+              <a:rPr lang="en-US" altLang="ko-KR" sz="1600" b="0" dirty="0">
+                <a:solidFill>
+                  <a:schemeClr val="accent2"/>
+                </a:solidFill>
+                <a:latin typeface="Courier New" charset="0"/>
+                <a:ea typeface="굴림" charset="0"/>
+                <a:cs typeface="굴림" charset="0"/>
+              </a:rPr>
+              <a:t>Otherwise, wake one writer</a:t>
+            </a:r>
+            <a:br>
+              <a:rPr lang="en-US" altLang="ko-KR" sz="1600" b="0" dirty="0">
+                <a:latin typeface="Courier New" charset="0"/>
+                <a:ea typeface="굴림" charset="0"/>
+                <a:cs typeface="굴림" charset="0"/>
+              </a:rPr>
+            </a:br>
+            <a:r>
+              <a:rPr lang="en-US" altLang="ko-KR" sz="1600" b="0" dirty="0">
+                <a:latin typeface="Courier New" charset="0"/>
+                <a:ea typeface="굴림" charset="0"/>
+                <a:cs typeface="굴림" charset="0"/>
+              </a:rPr>
+              <a:t>		</a:t>
+            </a:r>
+            <a:r>
+              <a:rPr lang="en-US" altLang="ko-KR" sz="1600" b="0" dirty="0" err="1">
+                <a:latin typeface="Courier New" charset="0"/>
+                <a:ea typeface="굴림" charset="0"/>
+                <a:cs typeface="굴림" charset="0"/>
+              </a:rPr>
+              <a:t>cond_signal</a:t>
+            </a:r>
+            <a:r>
+              <a:rPr lang="en-US" altLang="ko-KR" sz="1600" b="0" dirty="0">
+                <a:latin typeface="Courier New" charset="0"/>
+                <a:ea typeface="굴림" charset="0"/>
+                <a:cs typeface="굴림" charset="0"/>
+              </a:rPr>
+              <a:t>(&amp;</a:t>
+            </a:r>
+            <a:r>
+              <a:rPr lang="en-US" altLang="ko-KR" sz="1600" b="0" dirty="0" err="1">
+                <a:latin typeface="Courier New" charset="0"/>
+                <a:ea typeface="굴림" charset="0"/>
+                <a:cs typeface="굴림" charset="0"/>
+              </a:rPr>
+              <a:t>okToWrite</a:t>
+            </a:r>
+            <a:r>
+              <a:rPr lang="en-US" altLang="ko-KR" sz="1600" b="0" dirty="0">
+                <a:latin typeface="Courier New" charset="0"/>
+                <a:ea typeface="굴림" charset="0"/>
+                <a:cs typeface="굴림" charset="0"/>
+              </a:rPr>
+              <a:t>);</a:t>
+            </a:r>
+            <a:r>
+              <a:rPr lang="en-US" altLang="ko-KR" sz="1600" b="0" dirty="0">
+                <a:solidFill>
+                  <a:schemeClr val="accent2"/>
+                </a:solidFill>
+                <a:latin typeface="Courier New" charset="0"/>
+                <a:ea typeface="굴림" charset="0"/>
+                <a:cs typeface="굴림" charset="0"/>
+              </a:rPr>
+              <a:t>//Wake up one writer</a:t>
+            </a:r>
+            <a:br>
+              <a:rPr lang="en-US" altLang="ko-KR" sz="1600" b="0" dirty="0">
+                <a:latin typeface="Courier New" charset="0"/>
+                <a:ea typeface="굴림" charset="0"/>
+                <a:cs typeface="굴림" charset="0"/>
+              </a:rPr>
+            </a:br>
+            <a:r>
+              <a:rPr lang="en-US" altLang="ko-KR" sz="1600" b="0" dirty="0">
+                <a:latin typeface="Courier New" charset="0"/>
+                <a:ea typeface="굴림" charset="0"/>
+                <a:cs typeface="굴림" charset="0"/>
+              </a:rPr>
+              <a:t>	} </a:t>
+            </a:r>
+            <a:br>
+              <a:rPr lang="en-US" altLang="ko-KR" sz="1600" b="0" dirty="0">
+                <a:latin typeface="Courier New" charset="0"/>
+                <a:ea typeface="굴림" charset="0"/>
+                <a:cs typeface="굴림" charset="0"/>
+              </a:rPr>
+            </a:br>
+            <a:r>
+              <a:rPr lang="en-US" altLang="ko-KR" sz="1600" b="0" dirty="0">
+                <a:latin typeface="Courier New" charset="0"/>
+                <a:ea typeface="굴림" charset="0"/>
+                <a:cs typeface="굴림" charset="0"/>
+              </a:rPr>
+              <a:t>	</a:t>
+            </a:r>
+            <a:r>
+              <a:rPr lang="en-US" altLang="ko-KR" sz="1600" b="0" dirty="0" err="1">
+                <a:latin typeface="Courier New" charset="0"/>
+                <a:ea typeface="굴림" charset="0"/>
+                <a:cs typeface="굴림" charset="0"/>
+              </a:rPr>
+              <a:t>mutex_unlock</a:t>
+            </a:r>
+            <a:r>
+              <a:rPr lang="en-US" altLang="ko-KR" sz="1600" b="0" dirty="0">
+                <a:latin typeface="Courier New" charset="0"/>
+                <a:ea typeface="굴림" charset="0"/>
+                <a:cs typeface="굴림" charset="0"/>
+              </a:rPr>
+              <a:t>(&amp;mutex);</a:t>
+            </a:r>
+            <a:br>
+              <a:rPr lang="en-US" altLang="ko-KR" sz="1600" b="0" dirty="0">
+                <a:latin typeface="Courier New" charset="0"/>
+                <a:ea typeface="굴림" charset="0"/>
+                <a:cs typeface="굴림" charset="0"/>
+              </a:rPr>
+            </a:br>
+            <a:r>
+              <a:rPr lang="en-US" altLang="ko-KR" sz="1600" b="0" dirty="0">
+                <a:latin typeface="Courier New" charset="0"/>
+                <a:ea typeface="굴림" charset="0"/>
+                <a:cs typeface="굴림" charset="0"/>
+              </a:rPr>
+              <a:t>}</a:t>
+            </a:r>
+            <a:endParaRPr sz="1600" b="0" dirty="0">
+              <a:latin typeface="Courier New" panose="02070309020205020404" pitchFamily="49" charset="0"/>
+              <a:cs typeface="Courier New" panose="02070309020205020404" pitchFamily="49" charset="0"/>
+            </a:endParaRPr>
+          </a:p>
+        </p:txBody>
+      </p:sp>
+      <p:sp>
+        <p:nvSpPr>
+          <p:cNvPr id="13" name="object 8">
+            <a:extLst>
+              <a:ext uri="{FF2B5EF4-FFF2-40B4-BE49-F238E27FC236}">
+                <a16:creationId xmlns:a16="http://schemas.microsoft.com/office/drawing/2014/main" id="{8EAFBFF4-1105-84AF-8C55-F69DC330CBAF}"/>
+              </a:ext>
+            </a:extLst>
+          </p:cNvPr>
+          <p:cNvSpPr txBox="1"/>
+          <p:nvPr/>
+        </p:nvSpPr>
+        <p:spPr>
+          <a:xfrm>
+            <a:off x="3779728" y="221412"/>
+            <a:ext cx="4572000" cy="1531188"/>
+          </a:xfrm>
+          <a:prstGeom prst="rect">
+            <a:avLst/>
+          </a:prstGeom>
+          <a:solidFill>
+            <a:schemeClr val="bg1"/>
+          </a:solidFill>
+          <a:ln w="12700">
+            <a:solidFill>
+              <a:srgbClr val="000000"/>
+            </a:solidFill>
+          </a:ln>
+        </p:spPr>
+        <p:txBody>
+          <a:bodyPr vert="horz" wrap="square" lIns="0" tIns="53340" rIns="0" bIns="0" rtlCol="0">
+            <a:spAutoFit/>
+          </a:bodyPr>
+          <a:lstStyle/>
+          <a:p>
+            <a:pPr>
+              <a:buNone/>
+              <a:tabLst>
+                <a:tab pos="576263" algn="l"/>
+                <a:tab pos="914400" algn="l"/>
+                <a:tab pos="1252538" algn="l"/>
+                <a:tab pos="1603375" algn="l"/>
+                <a:tab pos="4233863" algn="l"/>
+              </a:tabLst>
+            </a:pPr>
+            <a:r>
+              <a:rPr lang="en-GB" sz="1600" b="0" dirty="0">
+                <a:latin typeface="Courier New" panose="02070309020205020404" pitchFamily="49" charset="0"/>
+                <a:cs typeface="Courier New" panose="02070309020205020404" pitchFamily="49" charset="0"/>
+              </a:rPr>
+              <a:t>int AR=0: Number of active readers; </a:t>
+            </a:r>
+          </a:p>
+          <a:p>
+            <a:pPr>
+              <a:buNone/>
+              <a:tabLst>
+                <a:tab pos="576263" algn="l"/>
+                <a:tab pos="914400" algn="l"/>
+                <a:tab pos="1252538" algn="l"/>
+                <a:tab pos="1603375" algn="l"/>
+                <a:tab pos="4233863" algn="l"/>
+              </a:tabLst>
+            </a:pPr>
+            <a:r>
+              <a:rPr lang="en-GB" sz="1600" b="0" dirty="0">
+                <a:latin typeface="Courier New" panose="02070309020205020404" pitchFamily="49" charset="0"/>
+                <a:cs typeface="Courier New" panose="02070309020205020404" pitchFamily="49" charset="0"/>
+              </a:rPr>
+              <a:t>int WR=0: Number of waiting readers; </a:t>
+            </a:r>
+          </a:p>
+          <a:p>
+            <a:pPr>
+              <a:buNone/>
+              <a:tabLst>
+                <a:tab pos="576263" algn="l"/>
+                <a:tab pos="914400" algn="l"/>
+                <a:tab pos="1252538" algn="l"/>
+                <a:tab pos="1603375" algn="l"/>
+                <a:tab pos="4233863" algn="l"/>
+              </a:tabLst>
+            </a:pPr>
+            <a:r>
+              <a:rPr lang="en-GB" sz="1600" b="0" dirty="0">
+                <a:latin typeface="Courier New" panose="02070309020205020404" pitchFamily="49" charset="0"/>
+                <a:cs typeface="Courier New" panose="02070309020205020404" pitchFamily="49" charset="0"/>
+              </a:rPr>
+              <a:t>int AW=0: Number of active writers;</a:t>
+            </a:r>
+          </a:p>
+          <a:p>
+            <a:pPr>
+              <a:buNone/>
+              <a:tabLst>
+                <a:tab pos="576263" algn="l"/>
+                <a:tab pos="914400" algn="l"/>
+                <a:tab pos="1252538" algn="l"/>
+                <a:tab pos="1603375" algn="l"/>
+                <a:tab pos="4233863" algn="l"/>
+              </a:tabLst>
+            </a:pPr>
+            <a:r>
+              <a:rPr lang="en-GB" sz="1600" b="0" dirty="0">
+                <a:latin typeface="Courier New" panose="02070309020205020404" pitchFamily="49" charset="0"/>
+                <a:cs typeface="Courier New" panose="02070309020205020404" pitchFamily="49" charset="0"/>
+              </a:rPr>
+              <a:t>int WW=0: Number of waiting writers; </a:t>
+            </a:r>
+          </a:p>
+          <a:p>
+            <a:pPr>
+              <a:buNone/>
+              <a:tabLst>
+                <a:tab pos="576263" algn="l"/>
+                <a:tab pos="914400" algn="l"/>
+                <a:tab pos="1252538" algn="l"/>
+                <a:tab pos="1603375" algn="l"/>
+                <a:tab pos="4233863" algn="l"/>
+              </a:tabLst>
+            </a:pPr>
+            <a:r>
+              <a:rPr lang="en-GB" sz="1600" b="0" dirty="0">
+                <a:latin typeface="Courier New" panose="02070309020205020404" pitchFamily="49" charset="0"/>
+                <a:cs typeface="Courier New" panose="02070309020205020404" pitchFamily="49" charset="0"/>
+              </a:rPr>
+              <a:t>Condition </a:t>
+            </a:r>
+            <a:r>
+              <a:rPr lang="en-GB" sz="1600" b="0" dirty="0" err="1">
+                <a:latin typeface="Courier New" panose="02070309020205020404" pitchFamily="49" charset="0"/>
+                <a:cs typeface="Courier New" panose="02070309020205020404" pitchFamily="49" charset="0"/>
+              </a:rPr>
+              <a:t>okToRead</a:t>
+            </a:r>
+            <a:r>
+              <a:rPr lang="en-GB" sz="1600" b="0" dirty="0">
+                <a:latin typeface="Courier New" panose="02070309020205020404" pitchFamily="49" charset="0"/>
+                <a:cs typeface="Courier New" panose="02070309020205020404" pitchFamily="49" charset="0"/>
+              </a:rPr>
+              <a:t>, </a:t>
+            </a:r>
+            <a:r>
+              <a:rPr lang="en-GB" sz="1600" b="0" dirty="0" err="1">
+                <a:latin typeface="Courier New" panose="02070309020205020404" pitchFamily="49" charset="0"/>
+                <a:cs typeface="Courier New" panose="02070309020205020404" pitchFamily="49" charset="0"/>
+              </a:rPr>
+              <a:t>okToWrite</a:t>
+            </a:r>
+            <a:r>
+              <a:rPr lang="en-GB" sz="1600" b="0" dirty="0">
+                <a:latin typeface="Courier New" panose="02070309020205020404" pitchFamily="49" charset="0"/>
+                <a:cs typeface="Courier New" panose="02070309020205020404" pitchFamily="49" charset="0"/>
+              </a:rPr>
+              <a:t>;</a:t>
+            </a:r>
+          </a:p>
+          <a:p>
+            <a:pPr>
+              <a:buNone/>
+              <a:tabLst>
+                <a:tab pos="576263" algn="l"/>
+                <a:tab pos="914400" algn="l"/>
+                <a:tab pos="1252538" algn="l"/>
+                <a:tab pos="1603375" algn="l"/>
+                <a:tab pos="4233863" algn="l"/>
+              </a:tabLst>
+            </a:pPr>
+            <a:r>
+              <a:rPr lang="en-US" altLang="zh-CN" sz="1600" b="0" kern="0" dirty="0" err="1">
+                <a:latin typeface="Courier New" panose="02070309020205020404" pitchFamily="49" charset="0"/>
+                <a:cs typeface="Courier New" panose="02070309020205020404" pitchFamily="49" charset="0"/>
+              </a:rPr>
+              <a:t>mutex_t</a:t>
+            </a:r>
+            <a:r>
+              <a:rPr lang="en-US" altLang="zh-CN" sz="1600" b="0" kern="0" dirty="0">
+                <a:latin typeface="Courier New" panose="02070309020205020404" pitchFamily="49" charset="0"/>
+                <a:cs typeface="Courier New" panose="02070309020205020404" pitchFamily="49" charset="0"/>
+              </a:rPr>
+              <a:t> mutex = 1;</a:t>
+            </a:r>
+            <a:endParaRPr lang="en-GB" sz="1600" b="0" dirty="0">
+              <a:latin typeface="Courier New" panose="02070309020205020404" pitchFamily="49" charset="0"/>
+              <a:cs typeface="Courier New" panose="02070309020205020404" pitchFamily="49" charset="0"/>
+            </a:endParaRPr>
+          </a:p>
+        </p:txBody>
+      </p:sp>
+      <p:sp>
+        <p:nvSpPr>
+          <p:cNvPr id="6" name="Title 1">
+            <a:extLst>
+              <a:ext uri="{FF2B5EF4-FFF2-40B4-BE49-F238E27FC236}">
+                <a16:creationId xmlns:a16="http://schemas.microsoft.com/office/drawing/2014/main" id="{BCFDE9A8-846A-8E62-C1D4-2F7CC17D8562}"/>
+              </a:ext>
+            </a:extLst>
+          </p:cNvPr>
+          <p:cNvSpPr>
+            <a:spLocks noGrp="1"/>
+          </p:cNvSpPr>
+          <p:nvPr>
+            <p:ph type="title"/>
+          </p:nvPr>
+        </p:nvSpPr>
+        <p:spPr>
+          <a:xfrm>
+            <a:off x="-152400" y="115467"/>
+            <a:ext cx="3962400" cy="533400"/>
+          </a:xfrm>
+        </p:spPr>
+        <p:txBody>
+          <a:bodyPr/>
+          <a:lstStyle/>
+          <a:p>
+            <a:r>
+              <a:rPr lang="en-GB" sz="2000" dirty="0"/>
+              <a:t>Readers/Writers Solution</a:t>
+            </a:r>
+            <a:br>
+              <a:rPr lang="en-GB" sz="2000" dirty="0"/>
+            </a:br>
+            <a:r>
+              <a:rPr lang="en-GB" sz="2000" dirty="0"/>
+              <a:t>using Monitors, Prefers Writers</a:t>
+            </a:r>
+            <a:endParaRPr lang="en-SE" sz="2000" dirty="0"/>
+          </a:p>
+        </p:txBody>
+      </p:sp>
+      <p:sp>
+        <p:nvSpPr>
+          <p:cNvPr id="8" name="Plassholder for lysbildenummer 5">
+            <a:extLst>
+              <a:ext uri="{FF2B5EF4-FFF2-40B4-BE49-F238E27FC236}">
+                <a16:creationId xmlns:a16="http://schemas.microsoft.com/office/drawing/2014/main" id="{5EE25995-45E4-E26F-7509-B47B46E6C8B2}"/>
+              </a:ext>
+            </a:extLst>
+          </p:cNvPr>
+          <p:cNvSpPr txBox="1">
+            <a:spLocks/>
+          </p:cNvSpPr>
+          <p:nvPr/>
+        </p:nvSpPr>
+        <p:spPr>
+          <a:xfrm>
+            <a:off x="11734800" y="6492875"/>
+            <a:ext cx="456108" cy="365125"/>
+          </a:xfrm>
+          <a:prstGeom prst="rect">
+            <a:avLst/>
+          </a:prstGeom>
+        </p:spPr>
+        <p:txBody>
+          <a:bodyPr/>
+          <a:lstStyle>
+            <a:defPPr>
+              <a:defRPr lang="nb-NO"/>
+            </a:defPPr>
+            <a:lvl1pPr marL="0" algn="l" defTabSz="457200" rtl="0" eaLnBrk="1" latinLnBrk="0" hangingPunct="1">
+              <a:defRPr sz="1000" kern="1200">
+                <a:solidFill>
+                  <a:schemeClr val="bg1"/>
+                </a:solidFill>
+                <a:latin typeface="+mn-lt"/>
+                <a:ea typeface="+mn-ea"/>
+                <a:cs typeface="+mn-cs"/>
+              </a:defRPr>
+            </a:lvl1pPr>
+            <a:lvl2pPr marL="457200" algn="l" defTabSz="457200" rtl="0" eaLnBrk="1" latinLnBrk="0" hangingPunct="1">
+              <a:defRPr sz="1800" kern="1200">
+                <a:solidFill>
+                  <a:schemeClr val="tx1"/>
+                </a:solidFill>
+                <a:latin typeface="+mn-lt"/>
+                <a:ea typeface="+mn-ea"/>
+                <a:cs typeface="+mn-cs"/>
+              </a:defRPr>
+            </a:lvl2pPr>
+            <a:lvl3pPr marL="914400" algn="l" defTabSz="457200" rtl="0" eaLnBrk="1" latinLnBrk="0" hangingPunct="1">
+              <a:defRPr sz="1800" kern="1200">
+                <a:solidFill>
+                  <a:schemeClr val="tx1"/>
+                </a:solidFill>
+                <a:latin typeface="+mn-lt"/>
+                <a:ea typeface="+mn-ea"/>
+                <a:cs typeface="+mn-cs"/>
+              </a:defRPr>
+            </a:lvl3pPr>
+            <a:lvl4pPr marL="1371600" algn="l" defTabSz="457200" rtl="0" eaLnBrk="1" latinLnBrk="0" hangingPunct="1">
+              <a:defRPr sz="1800" kern="1200">
+                <a:solidFill>
+                  <a:schemeClr val="tx1"/>
+                </a:solidFill>
+                <a:latin typeface="+mn-lt"/>
+                <a:ea typeface="+mn-ea"/>
+                <a:cs typeface="+mn-cs"/>
+              </a:defRPr>
+            </a:lvl4pPr>
+            <a:lvl5pPr marL="1828800" algn="l" defTabSz="457200" rtl="0" eaLnBrk="1" latinLnBrk="0" hangingPunct="1">
+              <a:defRPr sz="1800" kern="1200">
+                <a:solidFill>
+                  <a:schemeClr val="tx1"/>
+                </a:solidFill>
+                <a:latin typeface="+mn-lt"/>
+                <a:ea typeface="+mn-ea"/>
+                <a:cs typeface="+mn-cs"/>
+              </a:defRPr>
+            </a:lvl5pPr>
+            <a:lvl6pPr marL="2286000" algn="l" defTabSz="457200" rtl="0" eaLnBrk="1" latinLnBrk="0" hangingPunct="1">
+              <a:defRPr sz="1800" kern="1200">
+                <a:solidFill>
+                  <a:schemeClr val="tx1"/>
+                </a:solidFill>
+                <a:latin typeface="+mn-lt"/>
+                <a:ea typeface="+mn-ea"/>
+                <a:cs typeface="+mn-cs"/>
+              </a:defRPr>
+            </a:lvl6pPr>
+            <a:lvl7pPr marL="2743200" algn="l" defTabSz="457200" rtl="0" eaLnBrk="1" latinLnBrk="0" hangingPunct="1">
+              <a:defRPr sz="1800" kern="1200">
+                <a:solidFill>
+                  <a:schemeClr val="tx1"/>
+                </a:solidFill>
+                <a:latin typeface="+mn-lt"/>
+                <a:ea typeface="+mn-ea"/>
+                <a:cs typeface="+mn-cs"/>
+              </a:defRPr>
+            </a:lvl7pPr>
+            <a:lvl8pPr marL="3200400" algn="l" defTabSz="457200" rtl="0" eaLnBrk="1" latinLnBrk="0" hangingPunct="1">
+              <a:defRPr sz="1800" kern="1200">
+                <a:solidFill>
+                  <a:schemeClr val="tx1"/>
+                </a:solidFill>
+                <a:latin typeface="+mn-lt"/>
+                <a:ea typeface="+mn-ea"/>
+                <a:cs typeface="+mn-cs"/>
+              </a:defRPr>
+            </a:lvl8pPr>
+            <a:lvl9pPr marL="3657600" algn="l" defTabSz="457200" rtl="0" eaLnBrk="1" latinLnBrk="0" hangingPunct="1">
+              <a:defRPr sz="1800" kern="1200">
+                <a:solidFill>
+                  <a:schemeClr val="tx1"/>
+                </a:solidFill>
+                <a:latin typeface="+mn-lt"/>
+                <a:ea typeface="+mn-ea"/>
+                <a:cs typeface="+mn-cs"/>
+              </a:defRPr>
+            </a:lvl9pPr>
+          </a:lstStyle>
+          <a:p>
+            <a:pPr algn="ctr"/>
+            <a:fld id="{91853A39-49B3-554A-AE82-85611CEBD8E3}" type="slidenum">
+              <a:rPr lang="nb-NO" sz="1400" b="0" i="0" smtClean="0">
+                <a:solidFill>
+                  <a:schemeClr val="tx1"/>
+                </a:solidFill>
+                <a:latin typeface="Arial"/>
+                <a:cs typeface="Arial"/>
+              </a:rPr>
+              <a:pPr algn="ctr"/>
+              <a:t>17</a:t>
+            </a:fld>
+            <a:endParaRPr lang="nb-NO" sz="1400" b="0" i="0" dirty="0">
+              <a:solidFill>
+                <a:schemeClr val="tx1"/>
+              </a:solidFill>
+              <a:latin typeface="Arial"/>
+              <a:cs typeface="Arial"/>
+            </a:endParaRPr>
+          </a:p>
+        </p:txBody>
+      </p:sp>
+      <p:sp>
+        <p:nvSpPr>
+          <p:cNvPr id="2" name="Title 1">
+            <a:extLst>
+              <a:ext uri="{FF2B5EF4-FFF2-40B4-BE49-F238E27FC236}">
+                <a16:creationId xmlns:a16="http://schemas.microsoft.com/office/drawing/2014/main" id="{415C4515-4B2A-96C1-A9F8-2209CE342A2A}"/>
+              </a:ext>
+            </a:extLst>
+          </p:cNvPr>
+          <p:cNvSpPr txBox="1">
+            <a:spLocks/>
+          </p:cNvSpPr>
+          <p:nvPr/>
+        </p:nvSpPr>
+        <p:spPr bwMode="auto">
+          <a:xfrm>
+            <a:off x="-152400" y="1066800"/>
+            <a:ext cx="3962400" cy="533400"/>
+          </a:xfrm>
+          <a:prstGeom prst="rect">
+            <a:avLst/>
+          </a:prstGeom>
+          <a:noFill/>
+          <a:ln>
+            <a:noFill/>
+          </a:ln>
+          <a:effectLst/>
+          <a:extLst>
+            <a:ext uri="{FAA26D3D-D897-4be2-8F04-BA451C77F1D7}">
+              <ma14:placeholderFlag xmlns="" xmlns:ma14="http://schemas.microsoft.com/office/mac/drawingml/2011/main" val="1"/>
+            </a:ext>
+            <a:ext uri="{909E8E84-426E-40dd-AFC4-6F175D3DCCD1}">
+              <a14:hiddenFill xmlns="" xmlns:a14="http://schemas.microsoft.com/office/drawing/2010/main">
+                <a:solidFill>
+                  <a:schemeClr val="bg1"/>
+                </a:solidFill>
+              </a14:hiddenFill>
+            </a:ext>
+            <a:ext uri="{91240B29-F687-4f45-9708-019B960494DF}">
+              <a14:hiddenLine xmlns="" xmlns:a14="http://schemas.microsoft.com/office/drawing/2010/main" w="12700">
+                <a:pattFill prst="narHorz">
+                  <a:fgClr>
+                    <a:schemeClr val="tx1"/>
+                  </a:fgClr>
+                  <a:bgClr>
+                    <a:schemeClr val="bg1"/>
+                  </a:bgClr>
+                </a:pattFill>
+                <a:miter lim="800000"/>
+                <a:headEnd/>
+                <a:tailEnd/>
+              </a14:hiddenLine>
+            </a:ext>
+            <a:ext uri="{AF507438-7753-43e0-B8FC-AC1667EBCBE1}">
+              <a14:hiddenEffects xmlns="" xmlns:a14="http://schemas.microsoft.com/office/drawing/2010/main">
+                <a:effectLst>
+                  <a:outerShdw blurRad="63500" dist="38099" dir="2700000" algn="ctr" rotWithShape="0">
+                    <a:schemeClr val="bg2">
+                      <a:alpha val="74998"/>
+                    </a:schemeClr>
+                  </a:outerShdw>
+                </a:effectLst>
+              </a14:hiddenEffects>
+            </a:ext>
+          </a:extLst>
+        </p:spPr>
+        <p:txBody>
+          <a:bodyPr vert="horz" wrap="square" lIns="90478" tIns="44445" rIns="90478" bIns="44445" numCol="1" anchor="ctr" anchorCtr="0" compatLnSpc="1">
+            <a:prstTxWarp prst="textNoShape">
+              <a:avLst/>
+            </a:prstTxWarp>
+          </a:bodyPr>
+          <a:lstStyle>
+            <a:lvl1pPr algn="ctr" rtl="0" eaLnBrk="0" fontAlgn="base" hangingPunct="0">
+              <a:lnSpc>
+                <a:spcPct val="90000"/>
+              </a:lnSpc>
+              <a:spcBef>
+                <a:spcPct val="0"/>
+              </a:spcBef>
+              <a:spcAft>
+                <a:spcPct val="0"/>
+              </a:spcAft>
+              <a:defRPr sz="3200" b="0" i="0">
+                <a:solidFill>
+                  <a:srgbClr val="2A40E2"/>
+                </a:solidFill>
+                <a:latin typeface="Gill Sans" charset="0"/>
+                <a:ea typeface="Gill Sans" charset="0"/>
+                <a:cs typeface="Gill Sans" charset="0"/>
+              </a:defRPr>
+            </a:lvl1pPr>
+            <a:lvl2pPr algn="ctr" rtl="0" eaLnBrk="0" fontAlgn="base" hangingPunct="0">
+              <a:lnSpc>
+                <a:spcPct val="90000"/>
+              </a:lnSpc>
+              <a:spcBef>
+                <a:spcPct val="0"/>
+              </a:spcBef>
+              <a:spcAft>
+                <a:spcPct val="0"/>
+              </a:spcAft>
+              <a:defRPr sz="3200">
+                <a:solidFill>
+                  <a:srgbClr val="2A40E2"/>
+                </a:solidFill>
+                <a:latin typeface="Gill Sans" charset="0"/>
+                <a:ea typeface="ＭＳ Ｐゴシック" charset="0"/>
+                <a:cs typeface="Gill Sans" charset="0"/>
+              </a:defRPr>
+            </a:lvl2pPr>
+            <a:lvl3pPr algn="ctr" rtl="0" eaLnBrk="0" fontAlgn="base" hangingPunct="0">
+              <a:lnSpc>
+                <a:spcPct val="90000"/>
+              </a:lnSpc>
+              <a:spcBef>
+                <a:spcPct val="0"/>
+              </a:spcBef>
+              <a:spcAft>
+                <a:spcPct val="0"/>
+              </a:spcAft>
+              <a:defRPr sz="3200">
+                <a:solidFill>
+                  <a:srgbClr val="2A40E2"/>
+                </a:solidFill>
+                <a:latin typeface="Gill Sans" charset="0"/>
+                <a:ea typeface="ＭＳ Ｐゴシック" charset="0"/>
+                <a:cs typeface="Gill Sans" charset="0"/>
+              </a:defRPr>
+            </a:lvl3pPr>
+            <a:lvl4pPr algn="ctr" rtl="0" eaLnBrk="0" fontAlgn="base" hangingPunct="0">
+              <a:lnSpc>
+                <a:spcPct val="90000"/>
+              </a:lnSpc>
+              <a:spcBef>
+                <a:spcPct val="0"/>
+              </a:spcBef>
+              <a:spcAft>
+                <a:spcPct val="0"/>
+              </a:spcAft>
+              <a:defRPr sz="3200">
+                <a:solidFill>
+                  <a:srgbClr val="2A40E2"/>
+                </a:solidFill>
+                <a:latin typeface="Gill Sans" charset="0"/>
+                <a:ea typeface="ＭＳ Ｐゴシック" charset="0"/>
+                <a:cs typeface="Gill Sans" charset="0"/>
+              </a:defRPr>
+            </a:lvl4pPr>
+            <a:lvl5pPr algn="ctr" rtl="0" eaLnBrk="0" fontAlgn="base" hangingPunct="0">
+              <a:lnSpc>
+                <a:spcPct val="90000"/>
+              </a:lnSpc>
+              <a:spcBef>
+                <a:spcPct val="0"/>
+              </a:spcBef>
+              <a:spcAft>
+                <a:spcPct val="0"/>
+              </a:spcAft>
+              <a:defRPr sz="3200">
+                <a:solidFill>
+                  <a:srgbClr val="2A40E2"/>
+                </a:solidFill>
+                <a:latin typeface="Gill Sans" charset="0"/>
+                <a:ea typeface="ＭＳ Ｐゴシック" charset="0"/>
+                <a:cs typeface="Gill Sans" charset="0"/>
+              </a:defRPr>
+            </a:lvl5pPr>
+            <a:lvl6pPr marL="457200" algn="ctr" rtl="0" eaLnBrk="0" fontAlgn="base" hangingPunct="0">
+              <a:lnSpc>
+                <a:spcPct val="90000"/>
+              </a:lnSpc>
+              <a:spcBef>
+                <a:spcPct val="0"/>
+              </a:spcBef>
+              <a:spcAft>
+                <a:spcPct val="0"/>
+              </a:spcAft>
+              <a:defRPr sz="2400" b="1">
+                <a:solidFill>
+                  <a:srgbClr val="2A40E2"/>
+                </a:solidFill>
+                <a:latin typeface="Comic Sans MS" pitchFamily="66" charset="0"/>
+              </a:defRPr>
+            </a:lvl6pPr>
+            <a:lvl7pPr marL="914400" algn="ctr" rtl="0" eaLnBrk="0" fontAlgn="base" hangingPunct="0">
+              <a:lnSpc>
+                <a:spcPct val="90000"/>
+              </a:lnSpc>
+              <a:spcBef>
+                <a:spcPct val="0"/>
+              </a:spcBef>
+              <a:spcAft>
+                <a:spcPct val="0"/>
+              </a:spcAft>
+              <a:defRPr sz="2400" b="1">
+                <a:solidFill>
+                  <a:srgbClr val="2A40E2"/>
+                </a:solidFill>
+                <a:latin typeface="Comic Sans MS" pitchFamily="66" charset="0"/>
+              </a:defRPr>
+            </a:lvl7pPr>
+            <a:lvl8pPr marL="1371600" algn="ctr" rtl="0" eaLnBrk="0" fontAlgn="base" hangingPunct="0">
+              <a:lnSpc>
+                <a:spcPct val="90000"/>
+              </a:lnSpc>
+              <a:spcBef>
+                <a:spcPct val="0"/>
+              </a:spcBef>
+              <a:spcAft>
+                <a:spcPct val="0"/>
+              </a:spcAft>
+              <a:defRPr sz="2400" b="1">
+                <a:solidFill>
+                  <a:srgbClr val="2A40E2"/>
+                </a:solidFill>
+                <a:latin typeface="Comic Sans MS" pitchFamily="66" charset="0"/>
+              </a:defRPr>
+            </a:lvl8pPr>
+            <a:lvl9pPr marL="1828800" algn="ctr" rtl="0" eaLnBrk="0" fontAlgn="base" hangingPunct="0">
+              <a:lnSpc>
+                <a:spcPct val="90000"/>
+              </a:lnSpc>
+              <a:spcBef>
+                <a:spcPct val="0"/>
+              </a:spcBef>
+              <a:spcAft>
+                <a:spcPct val="0"/>
+              </a:spcAft>
+              <a:defRPr sz="2400" b="1">
+                <a:solidFill>
+                  <a:srgbClr val="2A40E2"/>
+                </a:solidFill>
+                <a:latin typeface="Comic Sans MS" pitchFamily="66" charset="0"/>
+              </a:defRPr>
+            </a:lvl9pPr>
+          </a:lstStyle>
+          <a:p>
+            <a:r>
+              <a:rPr lang="en-GB" sz="2000" kern="0" dirty="0"/>
+              <a:t>ANS: Rewrite it to prefer readers</a:t>
+            </a:r>
+            <a:endParaRPr lang="en-SE" sz="2000" kern="0" dirty="0"/>
+          </a:p>
+        </p:txBody>
+      </p:sp>
+    </p:spTree>
+    <p:extLst>
+      <p:ext uri="{BB962C8B-B14F-4D97-AF65-F5344CB8AC3E}">
+        <p14:creationId xmlns:p14="http://schemas.microsoft.com/office/powerpoint/2010/main" val="3368096441"/>
+      </p:ext>
+    </p:extLst>
+  </p:cSld>
+  <p:clrMapOvr>
+    <a:masterClrMapping/>
+  </p:clrMapOvr>
+  <p:transition/>
+</p:sld>
+</file>
+
+<file path=ppt/slides/slide18.xml><?xml version="1.0" encoding="utf-8"?>
+<p:sld xmlns:a="http://schemas.openxmlformats.org/drawingml/2006/main" xmlns:r="http://schemas.openxmlformats.org/officeDocument/2006/relationships" xmlns:p="http://schemas.openxmlformats.org/presentationml/2006/main">
+  <p:cSld>
+    <p:spTree>
+      <p:nvGrpSpPr>
+        <p:cNvPr id="1" name=""/>
+        <p:cNvGrpSpPr/>
+        <p:nvPr/>
+      </p:nvGrpSpPr>
+      <p:grpSpPr>
+        <a:xfrm>
+          <a:off x="0" y="0"/>
+          <a:ext cx="0" cy="0"/>
+          <a:chOff x="0" y="0"/>
+          <a:chExt cx="0" cy="0"/>
+        </a:xfrm>
+      </p:grpSpPr>
+      <p:sp>
+        <p:nvSpPr>
           <p:cNvPr id="2" name="object 2"/>
           <p:cNvSpPr txBox="1">
             <a:spLocks noGrp="1"/>
@@ -18730,17 +22443,17 @@
           <a:effectLst/>
           <a:extLst>
             <a:ext uri="{FAA26D3D-D897-4be2-8F04-BA451C77F1D7}">
-              <ma14:placeholderFlag xmlns:ma14="http://schemas.microsoft.com/office/mac/drawingml/2011/main" xmlns="" val="1"/>
+              <ma14:placeholderFlag xmlns="" xmlns:ma14="http://schemas.microsoft.com/office/mac/drawingml/2011/main" val="1"/>
             </a:ext>
             <a:ext uri="{909E8E84-426E-40dd-AFC4-6F175D3DCCD1}">
-              <a14:hiddenFill xmlns:a14="http://schemas.microsoft.com/office/drawing/2010/main" xmlns="">
+              <a14:hiddenFill xmlns="" xmlns:a14="http://schemas.microsoft.com/office/drawing/2010/main">
                 <a:solidFill>
                   <a:schemeClr val="bg1"/>
                 </a:solidFill>
               </a14:hiddenFill>
             </a:ext>
             <a:ext uri="{91240B29-F687-4f45-9708-019B960494DF}">
-              <a14:hiddenLine xmlns:a14="http://schemas.microsoft.com/office/drawing/2010/main" xmlns="" w="12700">
+              <a14:hiddenLine xmlns="" xmlns:a14="http://schemas.microsoft.com/office/drawing/2010/main" w="12700">
                 <a:pattFill prst="narHorz">
                   <a:fgClr>
                     <a:schemeClr val="tx1"/>
@@ -18755,7 +22468,7 @@
               </a14:hiddenLine>
             </a:ext>
             <a:ext uri="{AF507438-7753-43e0-B8FC-AC1667EBCBE1}">
-              <a14:hiddenEffects xmlns:a14="http://schemas.microsoft.com/office/drawing/2010/main" xmlns="">
+              <a14:hiddenEffects xmlns="" xmlns:a14="http://schemas.microsoft.com/office/drawing/2010/main">
                 <a:effectLst>
                   <a:outerShdw blurRad="63500" dist="38099" dir="2700000" algn="ctr" rotWithShape="0">
                     <a:schemeClr val="bg2">
@@ -19107,7 +22820,7 @@
                 <a:cs typeface="Arial"/>
               </a:rPr>
               <a:pPr algn="ctr"/>
-              <a:t>16</a:t>
+              <a:t>18</a:t>
             </a:fld>
             <a:endParaRPr lang="nb-NO" sz="1400" b="0" i="0" dirty="0">
               <a:solidFill>
@@ -19128,7 +22841,7 @@
 </p:sld>
 </file>
 
-<file path=ppt/slides/slide17.xml><?xml version="1.0" encoding="utf-8"?>
+<file path=ppt/slides/slide19.xml><?xml version="1.0" encoding="utf-8"?>
 <p:sld xmlns:a="http://schemas.openxmlformats.org/drawingml/2006/main" xmlns:r="http://schemas.openxmlformats.org/officeDocument/2006/relationships" xmlns:p="http://schemas.openxmlformats.org/presentationml/2006/main">
   <p:cSld>
     <p:spTree>
@@ -21692,17 +25405,17 @@
           <a:effectLst/>
           <a:extLst>
             <a:ext uri="{FAA26D3D-D897-4be2-8F04-BA451C77F1D7}">
-              <ma14:placeholderFlag xmlns:ma14="http://schemas.microsoft.com/office/mac/drawingml/2011/main" xmlns="" val="1"/>
+              <ma14:placeholderFlag xmlns="" xmlns:ma14="http://schemas.microsoft.com/office/mac/drawingml/2011/main" val="1"/>
             </a:ext>
             <a:ext uri="{909E8E84-426E-40dd-AFC4-6F175D3DCCD1}">
-              <a14:hiddenFill xmlns:a14="http://schemas.microsoft.com/office/drawing/2010/main" xmlns="">
+              <a14:hiddenFill xmlns="" xmlns:a14="http://schemas.microsoft.com/office/drawing/2010/main">
                 <a:solidFill>
                   <a:schemeClr val="bg1"/>
                 </a:solidFill>
               </a14:hiddenFill>
             </a:ext>
             <a:ext uri="{91240B29-F687-4f45-9708-019B960494DF}">
-              <a14:hiddenLine xmlns:a14="http://schemas.microsoft.com/office/drawing/2010/main" xmlns="" w="12700">
+              <a14:hiddenLine xmlns="" xmlns:a14="http://schemas.microsoft.com/office/drawing/2010/main" w="12700">
                 <a:pattFill prst="narHorz">
                   <a:fgClr>
                     <a:schemeClr val="tx1"/>
@@ -21717,7 +25430,7 @@
               </a14:hiddenLine>
             </a:ext>
             <a:ext uri="{AF507438-7753-43e0-B8FC-AC1667EBCBE1}">
-              <a14:hiddenEffects xmlns:a14="http://schemas.microsoft.com/office/drawing/2010/main" xmlns="">
+              <a14:hiddenEffects xmlns="" xmlns:a14="http://schemas.microsoft.com/office/drawing/2010/main">
                 <a:effectLst>
                   <a:outerShdw blurRad="63500" dist="38099" dir="2700000" algn="ctr" rotWithShape="0">
                     <a:schemeClr val="bg2">
@@ -22069,7 +25782,7 @@
                 <a:cs typeface="Arial"/>
               </a:rPr>
               <a:pPr algn="ctr"/>
-              <a:t>17</a:t>
+              <a:t>19</a:t>
             </a:fld>
             <a:endParaRPr lang="nb-NO" sz="1400" b="0" i="0" dirty="0">
               <a:solidFill>
@@ -22090,7 +25803,1034 @@
 </p:sld>
 </file>
 
-<file path=ppt/slides/slide18.xml><?xml version="1.0" encoding="utf-8"?>
+<file path=ppt/slides/slide2.xml><?xml version="1.0" encoding="utf-8"?>
+<p:sld xmlns:a="http://schemas.openxmlformats.org/drawingml/2006/main" xmlns:r="http://schemas.openxmlformats.org/officeDocument/2006/relationships" xmlns:p="http://schemas.openxmlformats.org/presentationml/2006/main">
+  <p:cSld>
+    <p:spTree>
+      <p:nvGrpSpPr>
+        <p:cNvPr id="1" name=""/>
+        <p:cNvGrpSpPr/>
+        <p:nvPr/>
+      </p:nvGrpSpPr>
+      <p:grpSpPr>
+        <a:xfrm>
+          <a:off x="0" y="0"/>
+          <a:ext cx="0" cy="0"/>
+          <a:chOff x="0" y="0"/>
+          <a:chExt cx="0" cy="0"/>
+        </a:xfrm>
+      </p:grpSpPr>
+      <p:sp>
+        <p:nvSpPr>
+          <p:cNvPr id="2" name="Title 1">
+            <a:extLst>
+              <a:ext uri="{FF2B5EF4-FFF2-40B4-BE49-F238E27FC236}">
+                <a16:creationId xmlns:a16="http://schemas.microsoft.com/office/drawing/2014/main" id="{8F70288D-85B6-6CC3-1FB2-3B04FD5CDA2E}"/>
+              </a:ext>
+            </a:extLst>
+          </p:cNvPr>
+          <p:cNvSpPr>
+            <a:spLocks noGrp="1"/>
+          </p:cNvSpPr>
+          <p:nvPr>
+            <p:ph type="title"/>
+          </p:nvPr>
+        </p:nvSpPr>
+        <p:spPr/>
+        <p:txBody>
+          <a:bodyPr/>
+          <a:lstStyle/>
+          <a:p>
+            <a:r>
+              <a:rPr lang="en-GB" dirty="0"/>
+              <a:t>Concurrency I</a:t>
+            </a:r>
+            <a:endParaRPr lang="en-SE" dirty="0"/>
+          </a:p>
+        </p:txBody>
+      </p:sp>
+      <p:sp>
+        <p:nvSpPr>
+          <p:cNvPr id="3" name="Content Placeholder 2">
+            <a:extLst>
+              <a:ext uri="{FF2B5EF4-FFF2-40B4-BE49-F238E27FC236}">
+                <a16:creationId xmlns:a16="http://schemas.microsoft.com/office/drawing/2014/main" id="{F457968C-088E-2EEC-6B87-D73D14EA4986}"/>
+              </a:ext>
+            </a:extLst>
+          </p:cNvPr>
+          <p:cNvSpPr>
+            <a:spLocks noGrp="1"/>
+          </p:cNvSpPr>
+          <p:nvPr>
+            <p:ph idx="1"/>
+          </p:nvPr>
+        </p:nvSpPr>
+        <p:spPr>
+          <a:xfrm>
+            <a:off x="812800" y="2695986"/>
+            <a:ext cx="10566400" cy="3323814"/>
+          </a:xfrm>
+        </p:spPr>
+        <p:txBody>
+          <a:bodyPr>
+            <a:normAutofit fontScale="92500" lnSpcReduction="10000"/>
+          </a:bodyPr>
+          <a:lstStyle/>
+          <a:p>
+            <a:r>
+              <a:rPr lang="en-GB" dirty="0"/>
+              <a:t>Consider two concurrent threads T0, T1, which access a shared variable x that has been initialized to 0. There is no mutex protection. </a:t>
+            </a:r>
+          </a:p>
+          <a:p>
+            <a:r>
+              <a:rPr lang="en-GB" dirty="0"/>
+              <a:t>Q1: What are the minimum, maximum, and all possible values of x after the two threads have completed execution?</a:t>
+            </a:r>
+          </a:p>
+          <a:p>
+            <a:r>
+              <a:rPr lang="en-GB" dirty="0"/>
+              <a:t>Q2: Suppose we protect statement ‘x = x+2’ in Thread B within a critical section using a mutex lock. What are all the minimum, maximum, and all possible final values of x? </a:t>
+            </a:r>
+            <a:endParaRPr lang="en-SE" dirty="0"/>
+          </a:p>
+        </p:txBody>
+      </p:sp>
+      <p:sp>
+        <p:nvSpPr>
+          <p:cNvPr id="4" name="Plassholder for innhold 2">
+            <a:extLst>
+              <a:ext uri="{FF2B5EF4-FFF2-40B4-BE49-F238E27FC236}">
+                <a16:creationId xmlns:a16="http://schemas.microsoft.com/office/drawing/2014/main" id="{758290D7-B791-5228-8CF4-A4FA620CB43A}"/>
+              </a:ext>
+            </a:extLst>
+          </p:cNvPr>
+          <p:cNvSpPr txBox="1">
+            <a:spLocks/>
+          </p:cNvSpPr>
+          <p:nvPr/>
+        </p:nvSpPr>
+        <p:spPr bwMode="auto">
+          <a:xfrm>
+            <a:off x="2514600" y="1419860"/>
+            <a:ext cx="3699076" cy="1276127"/>
+          </a:xfrm>
+          <a:prstGeom prst="rect">
+            <a:avLst/>
+          </a:prstGeom>
+          <a:noFill/>
+          <a:ln>
+            <a:solidFill>
+              <a:schemeClr val="accent1">
+                <a:lumMod val="50000"/>
+              </a:schemeClr>
+            </a:solidFill>
+          </a:ln>
+          <a:effectLst/>
+          <a:extLst>
+            <a:ext uri="{FAA26D3D-D897-4be2-8F04-BA451C77F1D7}">
+              <ma14:placeholderFlag xmlns="" xmlns:ma14="http://schemas.microsoft.com/office/mac/drawingml/2011/main" val="1"/>
+            </a:ext>
+            <a:ext uri="{909E8E84-426E-40dd-AFC4-6F175D3DCCD1}">
+              <a14:hiddenFill xmlns="" xmlns:a14="http://schemas.microsoft.com/office/drawing/2010/main">
+                <a:solidFill>
+                  <a:schemeClr val="bg1"/>
+                </a:solidFill>
+              </a14:hiddenFill>
+            </a:ext>
+            <a:ext uri="{91240B29-F687-4f45-9708-019B960494DF}">
+              <a14:hiddenLine xmlns="" xmlns:a14="http://schemas.microsoft.com/office/drawing/2010/main" w="12700">
+                <a:pattFill prst="narHorz">
+                  <a:fgClr>
+                    <a:schemeClr val="tx1"/>
+                  </a:fgClr>
+                  <a:bgClr>
+                    <a:schemeClr val="bg1"/>
+                  </a:bgClr>
+                </a:pattFill>
+                <a:miter lim="800000"/>
+                <a:headEnd/>
+                <a:tailEnd/>
+              </a14:hiddenLine>
+            </a:ext>
+            <a:ext uri="{AF507438-7753-43e0-B8FC-AC1667EBCBE1}">
+              <a14:hiddenEffects xmlns="" xmlns:a14="http://schemas.microsoft.com/office/drawing/2010/main">
+                <a:effectLst>
+                  <a:outerShdw blurRad="63500" dist="38099" dir="2700000" algn="ctr" rotWithShape="0">
+                    <a:schemeClr val="bg2">
+                      <a:alpha val="74998"/>
+                    </a:schemeClr>
+                  </a:outerShdw>
+                </a:effectLst>
+              </a14:hiddenEffects>
+            </a:ext>
+          </a:extLst>
+        </p:spPr>
+        <p:txBody>
+          <a:bodyPr vert="horz" wrap="square" lIns="90478" tIns="44445" rIns="90478" bIns="44445" numCol="1" anchor="t" anchorCtr="0" compatLnSpc="1">
+            <a:prstTxWarp prst="textNoShape">
+              <a:avLst/>
+            </a:prstTxWarp>
+            <a:noAutofit/>
+          </a:bodyPr>
+          <a:lstStyle>
+            <a:lvl1pPr marL="285750" indent="-285750" algn="l" rtl="0" eaLnBrk="0" fontAlgn="base" hangingPunct="0">
+              <a:lnSpc>
+                <a:spcPct val="90000"/>
+              </a:lnSpc>
+              <a:spcBef>
+                <a:spcPct val="30000"/>
+              </a:spcBef>
+              <a:spcAft>
+                <a:spcPct val="0"/>
+              </a:spcAft>
+              <a:buSzPct val="100000"/>
+              <a:buChar char="•"/>
+              <a:defRPr sz="2400">
+                <a:solidFill>
+                  <a:schemeClr val="tx1"/>
+                </a:solidFill>
+                <a:latin typeface="Gill Sans" charset="0"/>
+                <a:ea typeface="ＭＳ Ｐゴシック" charset="0"/>
+                <a:cs typeface="Gill Sans" charset="0"/>
+              </a:defRPr>
+            </a:lvl1pPr>
+            <a:lvl2pPr marL="685800" indent="-228600" algn="l" rtl="0" eaLnBrk="0" fontAlgn="base" hangingPunct="0">
+              <a:lnSpc>
+                <a:spcPct val="90000"/>
+              </a:lnSpc>
+              <a:spcBef>
+                <a:spcPct val="30000"/>
+              </a:spcBef>
+              <a:spcAft>
+                <a:spcPct val="0"/>
+              </a:spcAft>
+              <a:buSzPct val="100000"/>
+              <a:buChar char="–"/>
+              <a:defRPr sz="2200">
+                <a:solidFill>
+                  <a:schemeClr val="tx1"/>
+                </a:solidFill>
+                <a:latin typeface="Gill Sans" charset="0"/>
+                <a:ea typeface="Gill Sans" charset="0"/>
+                <a:cs typeface="Gill Sans" charset="0"/>
+              </a:defRPr>
+            </a:lvl2pPr>
+            <a:lvl3pPr marL="1143000" indent="-228600" algn="l" rtl="0" eaLnBrk="0" fontAlgn="base" hangingPunct="0">
+              <a:lnSpc>
+                <a:spcPct val="90000"/>
+              </a:lnSpc>
+              <a:spcBef>
+                <a:spcPct val="30000"/>
+              </a:spcBef>
+              <a:spcAft>
+                <a:spcPct val="0"/>
+              </a:spcAft>
+              <a:buSzPct val="100000"/>
+              <a:buChar char="»"/>
+              <a:defRPr sz="2000">
+                <a:solidFill>
+                  <a:schemeClr val="tx1"/>
+                </a:solidFill>
+                <a:latin typeface="Gill Sans" charset="0"/>
+                <a:ea typeface="Gill Sans" charset="0"/>
+                <a:cs typeface="Gill Sans" charset="0"/>
+              </a:defRPr>
+            </a:lvl3pPr>
+            <a:lvl4pPr marL="1543050" indent="-171450" algn="l" rtl="0" eaLnBrk="0" fontAlgn="base" hangingPunct="0">
+              <a:lnSpc>
+                <a:spcPct val="90000"/>
+              </a:lnSpc>
+              <a:spcBef>
+                <a:spcPct val="30000"/>
+              </a:spcBef>
+              <a:spcAft>
+                <a:spcPct val="0"/>
+              </a:spcAft>
+              <a:buSzPct val="100000"/>
+              <a:buChar char="•"/>
+              <a:defRPr sz="2000">
+                <a:solidFill>
+                  <a:schemeClr val="tx1"/>
+                </a:solidFill>
+                <a:latin typeface="Gill Sans" charset="0"/>
+                <a:ea typeface="Gill Sans" charset="0"/>
+                <a:cs typeface="Gill Sans" charset="0"/>
+              </a:defRPr>
+            </a:lvl4pPr>
+            <a:lvl5pPr marL="2000250" indent="-171450" algn="l" rtl="0" eaLnBrk="0" fontAlgn="base" hangingPunct="0">
+              <a:lnSpc>
+                <a:spcPct val="90000"/>
+              </a:lnSpc>
+              <a:spcBef>
+                <a:spcPct val="30000"/>
+              </a:spcBef>
+              <a:spcAft>
+                <a:spcPct val="0"/>
+              </a:spcAft>
+              <a:buSzPct val="100000"/>
+              <a:buChar char="–"/>
+              <a:defRPr sz="2000">
+                <a:solidFill>
+                  <a:schemeClr val="tx1"/>
+                </a:solidFill>
+                <a:latin typeface="Gill Sans" charset="0"/>
+                <a:ea typeface="Gill Sans" charset="0"/>
+                <a:cs typeface="Gill Sans" charset="0"/>
+              </a:defRPr>
+            </a:lvl5pPr>
+            <a:lvl6pPr marL="2457450" indent="-171450" algn="l" rtl="0" eaLnBrk="0" fontAlgn="base" hangingPunct="0">
+              <a:lnSpc>
+                <a:spcPct val="90000"/>
+              </a:lnSpc>
+              <a:spcBef>
+                <a:spcPct val="30000"/>
+              </a:spcBef>
+              <a:spcAft>
+                <a:spcPct val="0"/>
+              </a:spcAft>
+              <a:buSzPct val="100000"/>
+              <a:buChar char="–"/>
+              <a:defRPr sz="2000" b="1">
+                <a:solidFill>
+                  <a:schemeClr val="tx1"/>
+                </a:solidFill>
+                <a:latin typeface="+mn-lt"/>
+              </a:defRPr>
+            </a:lvl6pPr>
+            <a:lvl7pPr marL="2914650" indent="-171450" algn="l" rtl="0" eaLnBrk="0" fontAlgn="base" hangingPunct="0">
+              <a:lnSpc>
+                <a:spcPct val="90000"/>
+              </a:lnSpc>
+              <a:spcBef>
+                <a:spcPct val="30000"/>
+              </a:spcBef>
+              <a:spcAft>
+                <a:spcPct val="0"/>
+              </a:spcAft>
+              <a:buSzPct val="100000"/>
+              <a:buChar char="–"/>
+              <a:defRPr sz="2000" b="1">
+                <a:solidFill>
+                  <a:schemeClr val="tx1"/>
+                </a:solidFill>
+                <a:latin typeface="+mn-lt"/>
+              </a:defRPr>
+            </a:lvl7pPr>
+            <a:lvl8pPr marL="3371850" indent="-171450" algn="l" rtl="0" eaLnBrk="0" fontAlgn="base" hangingPunct="0">
+              <a:lnSpc>
+                <a:spcPct val="90000"/>
+              </a:lnSpc>
+              <a:spcBef>
+                <a:spcPct val="30000"/>
+              </a:spcBef>
+              <a:spcAft>
+                <a:spcPct val="0"/>
+              </a:spcAft>
+              <a:buSzPct val="100000"/>
+              <a:buChar char="–"/>
+              <a:defRPr sz="2000" b="1">
+                <a:solidFill>
+                  <a:schemeClr val="tx1"/>
+                </a:solidFill>
+                <a:latin typeface="+mn-lt"/>
+              </a:defRPr>
+            </a:lvl8pPr>
+            <a:lvl9pPr marL="3829050" indent="-171450" algn="l" rtl="0" eaLnBrk="0" fontAlgn="base" hangingPunct="0">
+              <a:lnSpc>
+                <a:spcPct val="90000"/>
+              </a:lnSpc>
+              <a:spcBef>
+                <a:spcPct val="30000"/>
+              </a:spcBef>
+              <a:spcAft>
+                <a:spcPct val="0"/>
+              </a:spcAft>
+              <a:buSzPct val="100000"/>
+              <a:buChar char="–"/>
+              <a:defRPr sz="2000" b="1">
+                <a:solidFill>
+                  <a:schemeClr val="tx1"/>
+                </a:solidFill>
+                <a:latin typeface="+mn-lt"/>
+              </a:defRPr>
+            </a:lvl9pPr>
+          </a:lstStyle>
+          <a:p>
+            <a:pPr marL="0" indent="0">
+              <a:buFontTx/>
+              <a:buNone/>
+            </a:pPr>
+            <a:r>
+              <a:rPr lang="en-GB" altLang="zh-CN" sz="1700" b="0" kern="0" dirty="0">
+                <a:latin typeface="Courier New" panose="02070309020205020404" pitchFamily="49" charset="0"/>
+                <a:cs typeface="Courier New" panose="02070309020205020404" pitchFamily="49" charset="0"/>
+              </a:rPr>
+              <a:t>//Thread T0</a:t>
+            </a:r>
+          </a:p>
+          <a:p>
+            <a:pPr marL="0" indent="0">
+              <a:buFontTx/>
+              <a:buNone/>
+            </a:pPr>
+            <a:r>
+              <a:rPr lang="en-GB" altLang="zh-CN" sz="1700" b="0" kern="0" dirty="0">
+                <a:latin typeface="Courier New" panose="02070309020205020404" pitchFamily="49" charset="0"/>
+                <a:cs typeface="Courier New" panose="02070309020205020404" pitchFamily="49" charset="0"/>
+              </a:rPr>
+              <a:t>for (int i=0; i&lt;5; i++) {  </a:t>
+            </a:r>
+          </a:p>
+          <a:p>
+            <a:pPr marL="0" indent="0">
+              <a:buFontTx/>
+              <a:buNone/>
+            </a:pPr>
+            <a:r>
+              <a:rPr lang="en-GB" altLang="zh-CN" sz="1700" b="0" kern="0" dirty="0">
+                <a:latin typeface="Courier New" panose="02070309020205020404" pitchFamily="49" charset="0"/>
+                <a:cs typeface="Courier New" panose="02070309020205020404" pitchFamily="49" charset="0"/>
+              </a:rPr>
+              <a:t>   x = x + 1;</a:t>
+            </a:r>
+          </a:p>
+          <a:p>
+            <a:pPr marL="0" indent="0">
+              <a:buFontTx/>
+              <a:buNone/>
+            </a:pPr>
+            <a:r>
+              <a:rPr lang="en-GB" altLang="zh-CN" sz="1700" b="0" kern="0" dirty="0">
+                <a:latin typeface="Courier New" panose="02070309020205020404" pitchFamily="49" charset="0"/>
+                <a:cs typeface="Courier New" panose="02070309020205020404" pitchFamily="49" charset="0"/>
+              </a:rPr>
+              <a:t>}</a:t>
+            </a:r>
+          </a:p>
+        </p:txBody>
+      </p:sp>
+      <p:sp>
+        <p:nvSpPr>
+          <p:cNvPr id="5" name="Plassholder for innhold 2">
+            <a:extLst>
+              <a:ext uri="{FF2B5EF4-FFF2-40B4-BE49-F238E27FC236}">
+                <a16:creationId xmlns:a16="http://schemas.microsoft.com/office/drawing/2014/main" id="{9D5B75F7-DF91-87EF-42D7-37808B097603}"/>
+              </a:ext>
+            </a:extLst>
+          </p:cNvPr>
+          <p:cNvSpPr txBox="1">
+            <a:spLocks/>
+          </p:cNvSpPr>
+          <p:nvPr/>
+        </p:nvSpPr>
+        <p:spPr bwMode="auto">
+          <a:xfrm>
+            <a:off x="6324600" y="1419859"/>
+            <a:ext cx="3699076" cy="1276127"/>
+          </a:xfrm>
+          <a:prstGeom prst="rect">
+            <a:avLst/>
+          </a:prstGeom>
+          <a:noFill/>
+          <a:ln>
+            <a:solidFill>
+              <a:schemeClr val="accent1">
+                <a:lumMod val="50000"/>
+              </a:schemeClr>
+            </a:solidFill>
+          </a:ln>
+          <a:effectLst/>
+          <a:extLst>
+            <a:ext uri="{FAA26D3D-D897-4be2-8F04-BA451C77F1D7}">
+              <ma14:placeholderFlag xmlns="" xmlns:ma14="http://schemas.microsoft.com/office/mac/drawingml/2011/main" val="1"/>
+            </a:ext>
+            <a:ext uri="{909E8E84-426E-40dd-AFC4-6F175D3DCCD1}">
+              <a14:hiddenFill xmlns="" xmlns:a14="http://schemas.microsoft.com/office/drawing/2010/main">
+                <a:solidFill>
+                  <a:schemeClr val="bg1"/>
+                </a:solidFill>
+              </a14:hiddenFill>
+            </a:ext>
+            <a:ext uri="{91240B29-F687-4f45-9708-019B960494DF}">
+              <a14:hiddenLine xmlns="" xmlns:a14="http://schemas.microsoft.com/office/drawing/2010/main" w="12700">
+                <a:pattFill prst="narHorz">
+                  <a:fgClr>
+                    <a:schemeClr val="tx1"/>
+                  </a:fgClr>
+                  <a:bgClr>
+                    <a:schemeClr val="bg1"/>
+                  </a:bgClr>
+                </a:pattFill>
+                <a:miter lim="800000"/>
+                <a:headEnd/>
+                <a:tailEnd/>
+              </a14:hiddenLine>
+            </a:ext>
+            <a:ext uri="{AF507438-7753-43e0-B8FC-AC1667EBCBE1}">
+              <a14:hiddenEffects xmlns="" xmlns:a14="http://schemas.microsoft.com/office/drawing/2010/main">
+                <a:effectLst>
+                  <a:outerShdw blurRad="63500" dist="38099" dir="2700000" algn="ctr" rotWithShape="0">
+                    <a:schemeClr val="bg2">
+                      <a:alpha val="74998"/>
+                    </a:schemeClr>
+                  </a:outerShdw>
+                </a:effectLst>
+              </a14:hiddenEffects>
+            </a:ext>
+          </a:extLst>
+        </p:spPr>
+        <p:txBody>
+          <a:bodyPr vert="horz" wrap="square" lIns="90478" tIns="44445" rIns="90478" bIns="44445" numCol="1" anchor="t" anchorCtr="0" compatLnSpc="1">
+            <a:prstTxWarp prst="textNoShape">
+              <a:avLst/>
+            </a:prstTxWarp>
+            <a:noAutofit/>
+          </a:bodyPr>
+          <a:lstStyle>
+            <a:lvl1pPr marL="285750" indent="-285750" algn="l" rtl="0" eaLnBrk="0" fontAlgn="base" hangingPunct="0">
+              <a:lnSpc>
+                <a:spcPct val="90000"/>
+              </a:lnSpc>
+              <a:spcBef>
+                <a:spcPct val="30000"/>
+              </a:spcBef>
+              <a:spcAft>
+                <a:spcPct val="0"/>
+              </a:spcAft>
+              <a:buSzPct val="100000"/>
+              <a:buChar char="•"/>
+              <a:defRPr sz="2400">
+                <a:solidFill>
+                  <a:schemeClr val="tx1"/>
+                </a:solidFill>
+                <a:latin typeface="Gill Sans" charset="0"/>
+                <a:ea typeface="ＭＳ Ｐゴシック" charset="0"/>
+                <a:cs typeface="Gill Sans" charset="0"/>
+              </a:defRPr>
+            </a:lvl1pPr>
+            <a:lvl2pPr marL="685800" indent="-228600" algn="l" rtl="0" eaLnBrk="0" fontAlgn="base" hangingPunct="0">
+              <a:lnSpc>
+                <a:spcPct val="90000"/>
+              </a:lnSpc>
+              <a:spcBef>
+                <a:spcPct val="30000"/>
+              </a:spcBef>
+              <a:spcAft>
+                <a:spcPct val="0"/>
+              </a:spcAft>
+              <a:buSzPct val="100000"/>
+              <a:buChar char="–"/>
+              <a:defRPr sz="2200">
+                <a:solidFill>
+                  <a:schemeClr val="tx1"/>
+                </a:solidFill>
+                <a:latin typeface="Gill Sans" charset="0"/>
+                <a:ea typeface="Gill Sans" charset="0"/>
+                <a:cs typeface="Gill Sans" charset="0"/>
+              </a:defRPr>
+            </a:lvl2pPr>
+            <a:lvl3pPr marL="1143000" indent="-228600" algn="l" rtl="0" eaLnBrk="0" fontAlgn="base" hangingPunct="0">
+              <a:lnSpc>
+                <a:spcPct val="90000"/>
+              </a:lnSpc>
+              <a:spcBef>
+                <a:spcPct val="30000"/>
+              </a:spcBef>
+              <a:spcAft>
+                <a:spcPct val="0"/>
+              </a:spcAft>
+              <a:buSzPct val="100000"/>
+              <a:buChar char="»"/>
+              <a:defRPr sz="2000">
+                <a:solidFill>
+                  <a:schemeClr val="tx1"/>
+                </a:solidFill>
+                <a:latin typeface="Gill Sans" charset="0"/>
+                <a:ea typeface="Gill Sans" charset="0"/>
+                <a:cs typeface="Gill Sans" charset="0"/>
+              </a:defRPr>
+            </a:lvl3pPr>
+            <a:lvl4pPr marL="1543050" indent="-171450" algn="l" rtl="0" eaLnBrk="0" fontAlgn="base" hangingPunct="0">
+              <a:lnSpc>
+                <a:spcPct val="90000"/>
+              </a:lnSpc>
+              <a:spcBef>
+                <a:spcPct val="30000"/>
+              </a:spcBef>
+              <a:spcAft>
+                <a:spcPct val="0"/>
+              </a:spcAft>
+              <a:buSzPct val="100000"/>
+              <a:buChar char="•"/>
+              <a:defRPr sz="2000">
+                <a:solidFill>
+                  <a:schemeClr val="tx1"/>
+                </a:solidFill>
+                <a:latin typeface="Gill Sans" charset="0"/>
+                <a:ea typeface="Gill Sans" charset="0"/>
+                <a:cs typeface="Gill Sans" charset="0"/>
+              </a:defRPr>
+            </a:lvl4pPr>
+            <a:lvl5pPr marL="2000250" indent="-171450" algn="l" rtl="0" eaLnBrk="0" fontAlgn="base" hangingPunct="0">
+              <a:lnSpc>
+                <a:spcPct val="90000"/>
+              </a:lnSpc>
+              <a:spcBef>
+                <a:spcPct val="30000"/>
+              </a:spcBef>
+              <a:spcAft>
+                <a:spcPct val="0"/>
+              </a:spcAft>
+              <a:buSzPct val="100000"/>
+              <a:buChar char="–"/>
+              <a:defRPr sz="2000">
+                <a:solidFill>
+                  <a:schemeClr val="tx1"/>
+                </a:solidFill>
+                <a:latin typeface="Gill Sans" charset="0"/>
+                <a:ea typeface="Gill Sans" charset="0"/>
+                <a:cs typeface="Gill Sans" charset="0"/>
+              </a:defRPr>
+            </a:lvl5pPr>
+            <a:lvl6pPr marL="2457450" indent="-171450" algn="l" rtl="0" eaLnBrk="0" fontAlgn="base" hangingPunct="0">
+              <a:lnSpc>
+                <a:spcPct val="90000"/>
+              </a:lnSpc>
+              <a:spcBef>
+                <a:spcPct val="30000"/>
+              </a:spcBef>
+              <a:spcAft>
+                <a:spcPct val="0"/>
+              </a:spcAft>
+              <a:buSzPct val="100000"/>
+              <a:buChar char="–"/>
+              <a:defRPr sz="2000" b="1">
+                <a:solidFill>
+                  <a:schemeClr val="tx1"/>
+                </a:solidFill>
+                <a:latin typeface="+mn-lt"/>
+              </a:defRPr>
+            </a:lvl6pPr>
+            <a:lvl7pPr marL="2914650" indent="-171450" algn="l" rtl="0" eaLnBrk="0" fontAlgn="base" hangingPunct="0">
+              <a:lnSpc>
+                <a:spcPct val="90000"/>
+              </a:lnSpc>
+              <a:spcBef>
+                <a:spcPct val="30000"/>
+              </a:spcBef>
+              <a:spcAft>
+                <a:spcPct val="0"/>
+              </a:spcAft>
+              <a:buSzPct val="100000"/>
+              <a:buChar char="–"/>
+              <a:defRPr sz="2000" b="1">
+                <a:solidFill>
+                  <a:schemeClr val="tx1"/>
+                </a:solidFill>
+                <a:latin typeface="+mn-lt"/>
+              </a:defRPr>
+            </a:lvl7pPr>
+            <a:lvl8pPr marL="3371850" indent="-171450" algn="l" rtl="0" eaLnBrk="0" fontAlgn="base" hangingPunct="0">
+              <a:lnSpc>
+                <a:spcPct val="90000"/>
+              </a:lnSpc>
+              <a:spcBef>
+                <a:spcPct val="30000"/>
+              </a:spcBef>
+              <a:spcAft>
+                <a:spcPct val="0"/>
+              </a:spcAft>
+              <a:buSzPct val="100000"/>
+              <a:buChar char="–"/>
+              <a:defRPr sz="2000" b="1">
+                <a:solidFill>
+                  <a:schemeClr val="tx1"/>
+                </a:solidFill>
+                <a:latin typeface="+mn-lt"/>
+              </a:defRPr>
+            </a:lvl8pPr>
+            <a:lvl9pPr marL="3829050" indent="-171450" algn="l" rtl="0" eaLnBrk="0" fontAlgn="base" hangingPunct="0">
+              <a:lnSpc>
+                <a:spcPct val="90000"/>
+              </a:lnSpc>
+              <a:spcBef>
+                <a:spcPct val="30000"/>
+              </a:spcBef>
+              <a:spcAft>
+                <a:spcPct val="0"/>
+              </a:spcAft>
+              <a:buSzPct val="100000"/>
+              <a:buChar char="–"/>
+              <a:defRPr sz="2000" b="1">
+                <a:solidFill>
+                  <a:schemeClr val="tx1"/>
+                </a:solidFill>
+                <a:latin typeface="+mn-lt"/>
+              </a:defRPr>
+            </a:lvl9pPr>
+          </a:lstStyle>
+          <a:p>
+            <a:pPr marL="0" indent="0">
+              <a:buFontTx/>
+              <a:buNone/>
+            </a:pPr>
+            <a:r>
+              <a:rPr lang="en-GB" altLang="zh-CN" sz="1700" b="0" kern="0" dirty="0">
+                <a:latin typeface="Courier New" panose="02070309020205020404" pitchFamily="49" charset="0"/>
+                <a:cs typeface="Courier New" panose="02070309020205020404" pitchFamily="49" charset="0"/>
+              </a:rPr>
+              <a:t>//Thread T0</a:t>
+            </a:r>
+          </a:p>
+          <a:p>
+            <a:pPr marL="0" indent="0">
+              <a:buFontTx/>
+              <a:buNone/>
+            </a:pPr>
+            <a:r>
+              <a:rPr lang="en-GB" altLang="zh-CN" sz="1700" b="0" kern="0" dirty="0">
+                <a:latin typeface="Courier New" panose="02070309020205020404" pitchFamily="49" charset="0"/>
+                <a:cs typeface="Courier New" panose="02070309020205020404" pitchFamily="49" charset="0"/>
+              </a:rPr>
+              <a:t>for (int j=0; j&lt;5; </a:t>
+            </a:r>
+            <a:r>
+              <a:rPr lang="en-GB" altLang="zh-CN" sz="1700" b="0" kern="0" dirty="0" err="1">
+                <a:latin typeface="Courier New" panose="02070309020205020404" pitchFamily="49" charset="0"/>
+                <a:cs typeface="Courier New" panose="02070309020205020404" pitchFamily="49" charset="0"/>
+              </a:rPr>
+              <a:t>j++</a:t>
+            </a:r>
+            <a:r>
+              <a:rPr lang="en-GB" altLang="zh-CN" sz="1700" b="0" kern="0" dirty="0">
+                <a:latin typeface="Courier New" panose="02070309020205020404" pitchFamily="49" charset="0"/>
+                <a:cs typeface="Courier New" panose="02070309020205020404" pitchFamily="49" charset="0"/>
+              </a:rPr>
+              <a:t>) {  </a:t>
+            </a:r>
+          </a:p>
+          <a:p>
+            <a:pPr marL="0" indent="0">
+              <a:buFontTx/>
+              <a:buNone/>
+            </a:pPr>
+            <a:r>
+              <a:rPr lang="en-GB" altLang="zh-CN" sz="1700" b="0" kern="0" dirty="0">
+                <a:latin typeface="Courier New" panose="02070309020205020404" pitchFamily="49" charset="0"/>
+                <a:cs typeface="Courier New" panose="02070309020205020404" pitchFamily="49" charset="0"/>
+              </a:rPr>
+              <a:t>   x = x + 2;</a:t>
+            </a:r>
+          </a:p>
+          <a:p>
+            <a:pPr marL="0" indent="0">
+              <a:buFontTx/>
+              <a:buNone/>
+            </a:pPr>
+            <a:r>
+              <a:rPr lang="en-GB" altLang="zh-CN" sz="1700" b="0" kern="0" dirty="0">
+                <a:latin typeface="Courier New" panose="02070309020205020404" pitchFamily="49" charset="0"/>
+                <a:cs typeface="Courier New" panose="02070309020205020404" pitchFamily="49" charset="0"/>
+              </a:rPr>
+              <a:t>}</a:t>
+            </a:r>
+          </a:p>
+        </p:txBody>
+      </p:sp>
+      <p:sp>
+        <p:nvSpPr>
+          <p:cNvPr id="6" name="Plassholder for innhold 2">
+            <a:extLst>
+              <a:ext uri="{FF2B5EF4-FFF2-40B4-BE49-F238E27FC236}">
+                <a16:creationId xmlns:a16="http://schemas.microsoft.com/office/drawing/2014/main" id="{2D37079E-C01B-98FE-3AB3-789AD906045B}"/>
+              </a:ext>
+            </a:extLst>
+          </p:cNvPr>
+          <p:cNvSpPr txBox="1">
+            <a:spLocks/>
+          </p:cNvSpPr>
+          <p:nvPr/>
+        </p:nvSpPr>
+        <p:spPr bwMode="auto">
+          <a:xfrm>
+            <a:off x="5213551" y="836112"/>
+            <a:ext cx="2000250" cy="446762"/>
+          </a:xfrm>
+          <a:prstGeom prst="rect">
+            <a:avLst/>
+          </a:prstGeom>
+          <a:noFill/>
+          <a:ln>
+            <a:solidFill>
+              <a:schemeClr val="tx1"/>
+            </a:solidFill>
+          </a:ln>
+          <a:effectLst/>
+          <a:extLst>
+            <a:ext uri="{FAA26D3D-D897-4be2-8F04-BA451C77F1D7}">
+              <ma14:placeholderFlag xmlns="" xmlns:ma14="http://schemas.microsoft.com/office/mac/drawingml/2011/main" val="1"/>
+            </a:ext>
+            <a:ext uri="{909E8E84-426E-40dd-AFC4-6F175D3DCCD1}">
+              <a14:hiddenFill xmlns="" xmlns:a14="http://schemas.microsoft.com/office/drawing/2010/main">
+                <a:solidFill>
+                  <a:schemeClr val="bg1"/>
+                </a:solidFill>
+              </a14:hiddenFill>
+            </a:ext>
+            <a:ext uri="{91240B29-F687-4f45-9708-019B960494DF}">
+              <a14:hiddenLine xmlns="" xmlns:a14="http://schemas.microsoft.com/office/drawing/2010/main" w="12700">
+                <a:pattFill prst="narHorz">
+                  <a:fgClr>
+                    <a:schemeClr val="tx1"/>
+                  </a:fgClr>
+                  <a:bgClr>
+                    <a:schemeClr val="bg1"/>
+                  </a:bgClr>
+                </a:pattFill>
+                <a:miter lim="800000"/>
+                <a:headEnd/>
+                <a:tailEnd/>
+              </a14:hiddenLine>
+            </a:ext>
+            <a:ext uri="{AF507438-7753-43e0-B8FC-AC1667EBCBE1}">
+              <a14:hiddenEffects xmlns="" xmlns:a14="http://schemas.microsoft.com/office/drawing/2010/main">
+                <a:effectLst>
+                  <a:outerShdw blurRad="63500" dist="38099" dir="2700000" algn="ctr" rotWithShape="0">
+                    <a:schemeClr val="bg2">
+                      <a:alpha val="74998"/>
+                    </a:schemeClr>
+                  </a:outerShdw>
+                </a:effectLst>
+              </a14:hiddenEffects>
+            </a:ext>
+          </a:extLst>
+        </p:spPr>
+        <p:txBody>
+          <a:bodyPr vert="horz" wrap="square" lIns="90478" tIns="44445" rIns="90478" bIns="44445" numCol="1" anchor="t" anchorCtr="0" compatLnSpc="1">
+            <a:prstTxWarp prst="textNoShape">
+              <a:avLst/>
+            </a:prstTxWarp>
+            <a:normAutofit/>
+          </a:bodyPr>
+          <a:lstStyle>
+            <a:lvl1pPr marL="285750" indent="-285750" algn="l" rtl="0" eaLnBrk="0" fontAlgn="base" hangingPunct="0">
+              <a:lnSpc>
+                <a:spcPct val="90000"/>
+              </a:lnSpc>
+              <a:spcBef>
+                <a:spcPct val="30000"/>
+              </a:spcBef>
+              <a:spcAft>
+                <a:spcPct val="0"/>
+              </a:spcAft>
+              <a:buSzPct val="100000"/>
+              <a:buChar char="•"/>
+              <a:defRPr sz="2400">
+                <a:solidFill>
+                  <a:schemeClr val="tx1"/>
+                </a:solidFill>
+                <a:latin typeface="Gill Sans" charset="0"/>
+                <a:ea typeface="ＭＳ Ｐゴシック" charset="0"/>
+                <a:cs typeface="Gill Sans" charset="0"/>
+              </a:defRPr>
+            </a:lvl1pPr>
+            <a:lvl2pPr marL="685800" indent="-228600" algn="l" rtl="0" eaLnBrk="0" fontAlgn="base" hangingPunct="0">
+              <a:lnSpc>
+                <a:spcPct val="90000"/>
+              </a:lnSpc>
+              <a:spcBef>
+                <a:spcPct val="30000"/>
+              </a:spcBef>
+              <a:spcAft>
+                <a:spcPct val="0"/>
+              </a:spcAft>
+              <a:buSzPct val="100000"/>
+              <a:buChar char="–"/>
+              <a:defRPr sz="2200">
+                <a:solidFill>
+                  <a:schemeClr val="tx1"/>
+                </a:solidFill>
+                <a:latin typeface="Gill Sans" charset="0"/>
+                <a:ea typeface="Gill Sans" charset="0"/>
+                <a:cs typeface="Gill Sans" charset="0"/>
+              </a:defRPr>
+            </a:lvl2pPr>
+            <a:lvl3pPr marL="1143000" indent="-228600" algn="l" rtl="0" eaLnBrk="0" fontAlgn="base" hangingPunct="0">
+              <a:lnSpc>
+                <a:spcPct val="90000"/>
+              </a:lnSpc>
+              <a:spcBef>
+                <a:spcPct val="30000"/>
+              </a:spcBef>
+              <a:spcAft>
+                <a:spcPct val="0"/>
+              </a:spcAft>
+              <a:buSzPct val="100000"/>
+              <a:buChar char="»"/>
+              <a:defRPr sz="2000">
+                <a:solidFill>
+                  <a:schemeClr val="tx1"/>
+                </a:solidFill>
+                <a:latin typeface="Gill Sans" charset="0"/>
+                <a:ea typeface="Gill Sans" charset="0"/>
+                <a:cs typeface="Gill Sans" charset="0"/>
+              </a:defRPr>
+            </a:lvl3pPr>
+            <a:lvl4pPr marL="1543050" indent="-171450" algn="l" rtl="0" eaLnBrk="0" fontAlgn="base" hangingPunct="0">
+              <a:lnSpc>
+                <a:spcPct val="90000"/>
+              </a:lnSpc>
+              <a:spcBef>
+                <a:spcPct val="30000"/>
+              </a:spcBef>
+              <a:spcAft>
+                <a:spcPct val="0"/>
+              </a:spcAft>
+              <a:buSzPct val="100000"/>
+              <a:buChar char="•"/>
+              <a:defRPr sz="2000">
+                <a:solidFill>
+                  <a:schemeClr val="tx1"/>
+                </a:solidFill>
+                <a:latin typeface="Gill Sans" charset="0"/>
+                <a:ea typeface="Gill Sans" charset="0"/>
+                <a:cs typeface="Gill Sans" charset="0"/>
+              </a:defRPr>
+            </a:lvl4pPr>
+            <a:lvl5pPr marL="2000250" indent="-171450" algn="l" rtl="0" eaLnBrk="0" fontAlgn="base" hangingPunct="0">
+              <a:lnSpc>
+                <a:spcPct val="90000"/>
+              </a:lnSpc>
+              <a:spcBef>
+                <a:spcPct val="30000"/>
+              </a:spcBef>
+              <a:spcAft>
+                <a:spcPct val="0"/>
+              </a:spcAft>
+              <a:buSzPct val="100000"/>
+              <a:buChar char="–"/>
+              <a:defRPr sz="2000">
+                <a:solidFill>
+                  <a:schemeClr val="tx1"/>
+                </a:solidFill>
+                <a:latin typeface="Gill Sans" charset="0"/>
+                <a:ea typeface="Gill Sans" charset="0"/>
+                <a:cs typeface="Gill Sans" charset="0"/>
+              </a:defRPr>
+            </a:lvl5pPr>
+            <a:lvl6pPr marL="2457450" indent="-171450" algn="l" rtl="0" eaLnBrk="0" fontAlgn="base" hangingPunct="0">
+              <a:lnSpc>
+                <a:spcPct val="90000"/>
+              </a:lnSpc>
+              <a:spcBef>
+                <a:spcPct val="30000"/>
+              </a:spcBef>
+              <a:spcAft>
+                <a:spcPct val="0"/>
+              </a:spcAft>
+              <a:buSzPct val="100000"/>
+              <a:buChar char="–"/>
+              <a:defRPr sz="2000" b="1">
+                <a:solidFill>
+                  <a:schemeClr val="tx1"/>
+                </a:solidFill>
+                <a:latin typeface="+mn-lt"/>
+              </a:defRPr>
+            </a:lvl6pPr>
+            <a:lvl7pPr marL="2914650" indent="-171450" algn="l" rtl="0" eaLnBrk="0" fontAlgn="base" hangingPunct="0">
+              <a:lnSpc>
+                <a:spcPct val="90000"/>
+              </a:lnSpc>
+              <a:spcBef>
+                <a:spcPct val="30000"/>
+              </a:spcBef>
+              <a:spcAft>
+                <a:spcPct val="0"/>
+              </a:spcAft>
+              <a:buSzPct val="100000"/>
+              <a:buChar char="–"/>
+              <a:defRPr sz="2000" b="1">
+                <a:solidFill>
+                  <a:schemeClr val="tx1"/>
+                </a:solidFill>
+                <a:latin typeface="+mn-lt"/>
+              </a:defRPr>
+            </a:lvl7pPr>
+            <a:lvl8pPr marL="3371850" indent="-171450" algn="l" rtl="0" eaLnBrk="0" fontAlgn="base" hangingPunct="0">
+              <a:lnSpc>
+                <a:spcPct val="90000"/>
+              </a:lnSpc>
+              <a:spcBef>
+                <a:spcPct val="30000"/>
+              </a:spcBef>
+              <a:spcAft>
+                <a:spcPct val="0"/>
+              </a:spcAft>
+              <a:buSzPct val="100000"/>
+              <a:buChar char="–"/>
+              <a:defRPr sz="2000" b="1">
+                <a:solidFill>
+                  <a:schemeClr val="tx1"/>
+                </a:solidFill>
+                <a:latin typeface="+mn-lt"/>
+              </a:defRPr>
+            </a:lvl8pPr>
+            <a:lvl9pPr marL="3829050" indent="-171450" algn="l" rtl="0" eaLnBrk="0" fontAlgn="base" hangingPunct="0">
+              <a:lnSpc>
+                <a:spcPct val="90000"/>
+              </a:lnSpc>
+              <a:spcBef>
+                <a:spcPct val="30000"/>
+              </a:spcBef>
+              <a:spcAft>
+                <a:spcPct val="0"/>
+              </a:spcAft>
+              <a:buSzPct val="100000"/>
+              <a:buChar char="–"/>
+              <a:defRPr sz="2000" b="1">
+                <a:solidFill>
+                  <a:schemeClr val="tx1"/>
+                </a:solidFill>
+                <a:latin typeface="+mn-lt"/>
+              </a:defRPr>
+            </a:lvl9pPr>
+          </a:lstStyle>
+          <a:p>
+            <a:pPr marL="0" indent="0">
+              <a:buFontTx/>
+              <a:buNone/>
+            </a:pPr>
+            <a:r>
+              <a:rPr lang="en-GB" altLang="zh-CN" sz="1700" b="0" kern="0" dirty="0">
+                <a:latin typeface="Courier New" panose="02070309020205020404" pitchFamily="49" charset="0"/>
+                <a:cs typeface="Courier New" panose="02070309020205020404" pitchFamily="49" charset="0"/>
+              </a:rPr>
+              <a:t>int x = 0;</a:t>
+            </a:r>
+            <a:endParaRPr lang="en-US" altLang="zh-CN" sz="1700" b="0" kern="0" dirty="0">
+              <a:latin typeface="Courier New" panose="02070309020205020404" pitchFamily="49" charset="0"/>
+              <a:cs typeface="Courier New" panose="02070309020205020404" pitchFamily="49" charset="0"/>
+            </a:endParaRPr>
+          </a:p>
+        </p:txBody>
+      </p:sp>
+    </p:spTree>
+    <p:extLst>
+      <p:ext uri="{BB962C8B-B14F-4D97-AF65-F5344CB8AC3E}">
+        <p14:creationId xmlns:p14="http://schemas.microsoft.com/office/powerpoint/2010/main" val="2751476572"/>
+      </p:ext>
+    </p:extLst>
+  </p:cSld>
+  <p:clrMapOvr>
+    <a:masterClrMapping/>
+  </p:clrMapOvr>
+  <p:transition/>
+</p:sld>
+</file>
+
+<file path=ppt/slides/slide20.xml><?xml version="1.0" encoding="utf-8"?>
 <p:sld xmlns:a="http://schemas.openxmlformats.org/drawingml/2006/main" xmlns:r="http://schemas.openxmlformats.org/officeDocument/2006/relationships" xmlns:p="http://schemas.openxmlformats.org/presentationml/2006/main">
   <p:cSld>
     <p:spTree>
@@ -23907,7 +28647,7 @@
                 <a:cs typeface="Arial"/>
               </a:rPr>
               <a:pPr algn="ctr"/>
-              <a:t>18</a:t>
+              <a:t>20</a:t>
             </a:fld>
             <a:endParaRPr lang="nb-NO" sz="1400" b="0" i="0" dirty="0">
               <a:solidFill>
@@ -23950,17 +28690,17 @@
           <a:effectLst/>
           <a:extLst>
             <a:ext uri="{FAA26D3D-D897-4be2-8F04-BA451C77F1D7}">
-              <ma14:placeholderFlag xmlns:ma14="http://schemas.microsoft.com/office/mac/drawingml/2011/main" xmlns="" val="1"/>
+              <ma14:placeholderFlag xmlns="" xmlns:ma14="http://schemas.microsoft.com/office/mac/drawingml/2011/main" val="1"/>
             </a:ext>
             <a:ext uri="{909E8E84-426E-40dd-AFC4-6F175D3DCCD1}">
-              <a14:hiddenFill xmlns:a14="http://schemas.microsoft.com/office/drawing/2010/main" xmlns="">
+              <a14:hiddenFill xmlns="" xmlns:a14="http://schemas.microsoft.com/office/drawing/2010/main">
                 <a:solidFill>
                   <a:schemeClr val="bg1"/>
                 </a:solidFill>
               </a14:hiddenFill>
             </a:ext>
             <a:ext uri="{91240B29-F687-4f45-9708-019B960494DF}">
-              <a14:hiddenLine xmlns:a14="http://schemas.microsoft.com/office/drawing/2010/main" xmlns="" w="12700">
+              <a14:hiddenLine xmlns="" xmlns:a14="http://schemas.microsoft.com/office/drawing/2010/main" w="12700">
                 <a:pattFill prst="narHorz">
                   <a:fgClr>
                     <a:schemeClr val="tx1"/>
@@ -23975,7 +28715,7 @@
               </a14:hiddenLine>
             </a:ext>
             <a:ext uri="{AF507438-7753-43e0-B8FC-AC1667EBCBE1}">
-              <a14:hiddenEffects xmlns:a14="http://schemas.microsoft.com/office/drawing/2010/main" xmlns="">
+              <a14:hiddenEffects xmlns="" xmlns:a14="http://schemas.microsoft.com/office/drawing/2010/main">
                 <a:effectLst>
                   <a:outerShdw blurRad="63500" dist="38099" dir="2700000" algn="ctr" rotWithShape="0">
                     <a:schemeClr val="bg2">
@@ -24220,17 +28960,17 @@
           <a:effectLst/>
           <a:extLst>
             <a:ext uri="{FAA26D3D-D897-4be2-8F04-BA451C77F1D7}">
-              <ma14:placeholderFlag xmlns:ma14="http://schemas.microsoft.com/office/mac/drawingml/2011/main" xmlns="" val="1"/>
+              <ma14:placeholderFlag xmlns="" xmlns:ma14="http://schemas.microsoft.com/office/mac/drawingml/2011/main" val="1"/>
             </a:ext>
             <a:ext uri="{909E8E84-426E-40dd-AFC4-6F175D3DCCD1}">
-              <a14:hiddenFill xmlns:a14="http://schemas.microsoft.com/office/drawing/2010/main" xmlns="">
+              <a14:hiddenFill xmlns="" xmlns:a14="http://schemas.microsoft.com/office/drawing/2010/main">
                 <a:solidFill>
                   <a:schemeClr val="bg1"/>
                 </a:solidFill>
               </a14:hiddenFill>
             </a:ext>
             <a:ext uri="{91240B29-F687-4f45-9708-019B960494DF}">
-              <a14:hiddenLine xmlns:a14="http://schemas.microsoft.com/office/drawing/2010/main" xmlns="" w="12700">
+              <a14:hiddenLine xmlns="" xmlns:a14="http://schemas.microsoft.com/office/drawing/2010/main" w="12700">
                 <a:pattFill prst="narHorz">
                   <a:fgClr>
                     <a:schemeClr val="tx1"/>
@@ -24245,7 +28985,7 @@
               </a14:hiddenLine>
             </a:ext>
             <a:ext uri="{AF507438-7753-43e0-B8FC-AC1667EBCBE1}">
-              <a14:hiddenEffects xmlns:a14="http://schemas.microsoft.com/office/drawing/2010/main" xmlns="">
+              <a14:hiddenEffects xmlns="" xmlns:a14="http://schemas.microsoft.com/office/drawing/2010/main">
                 <a:effectLst>
                   <a:outerShdw blurRad="63500" dist="38099" dir="2700000" algn="ctr" rotWithShape="0">
                     <a:schemeClr val="bg2">
@@ -24490,17 +29230,17 @@
           <a:effectLst/>
           <a:extLst>
             <a:ext uri="{FAA26D3D-D897-4be2-8F04-BA451C77F1D7}">
-              <ma14:placeholderFlag xmlns:ma14="http://schemas.microsoft.com/office/mac/drawingml/2011/main" xmlns="" val="1"/>
+              <ma14:placeholderFlag xmlns="" xmlns:ma14="http://schemas.microsoft.com/office/mac/drawingml/2011/main" val="1"/>
             </a:ext>
             <a:ext uri="{909E8E84-426E-40dd-AFC4-6F175D3DCCD1}">
-              <a14:hiddenFill xmlns:a14="http://schemas.microsoft.com/office/drawing/2010/main" xmlns="">
+              <a14:hiddenFill xmlns="" xmlns:a14="http://schemas.microsoft.com/office/drawing/2010/main">
                 <a:solidFill>
                   <a:schemeClr val="bg1"/>
                 </a:solidFill>
               </a14:hiddenFill>
             </a:ext>
             <a:ext uri="{91240B29-F687-4f45-9708-019B960494DF}">
-              <a14:hiddenLine xmlns:a14="http://schemas.microsoft.com/office/drawing/2010/main" xmlns="" w="12700">
+              <a14:hiddenLine xmlns="" xmlns:a14="http://schemas.microsoft.com/office/drawing/2010/main" w="12700">
                 <a:pattFill prst="narHorz">
                   <a:fgClr>
                     <a:schemeClr val="tx1"/>
@@ -24515,7 +29255,7 @@
               </a14:hiddenLine>
             </a:ext>
             <a:ext uri="{AF507438-7753-43e0-B8FC-AC1667EBCBE1}">
-              <a14:hiddenEffects xmlns:a14="http://schemas.microsoft.com/office/drawing/2010/main" xmlns="">
+              <a14:hiddenEffects xmlns="" xmlns:a14="http://schemas.microsoft.com/office/drawing/2010/main">
                 <a:effectLst>
                   <a:outerShdw blurRad="63500" dist="38099" dir="2700000" algn="ctr" rotWithShape="0">
                     <a:schemeClr val="bg2">
@@ -24754,7 +29494,7 @@
 </p:sld>
 </file>
 
-<file path=ppt/slides/slide19.xml><?xml version="1.0" encoding="utf-8"?>
+<file path=ppt/slides/slide21.xml><?xml version="1.0" encoding="utf-8"?>
 <p:sld xmlns:a="http://schemas.openxmlformats.org/drawingml/2006/main" xmlns:r="http://schemas.openxmlformats.org/officeDocument/2006/relationships" xmlns:p="http://schemas.openxmlformats.org/presentationml/2006/main">
   <p:cSld>
     <p:spTree>
@@ -28376,7 +33116,7 @@
                 <a:cs typeface="Arial"/>
               </a:rPr>
               <a:pPr algn="ctr"/>
-              <a:t>19</a:t>
+              <a:t>21</a:t>
             </a:fld>
             <a:endParaRPr lang="nb-NO" sz="1400" b="0" i="0" dirty="0">
               <a:solidFill>
@@ -28474,1034 +33214,7 @@
 </p:sld>
 </file>
 
-<file path=ppt/slides/slide2.xml><?xml version="1.0" encoding="utf-8"?>
-<p:sld xmlns:a="http://schemas.openxmlformats.org/drawingml/2006/main" xmlns:r="http://schemas.openxmlformats.org/officeDocument/2006/relationships" xmlns:p="http://schemas.openxmlformats.org/presentationml/2006/main">
-  <p:cSld>
-    <p:spTree>
-      <p:nvGrpSpPr>
-        <p:cNvPr id="1" name=""/>
-        <p:cNvGrpSpPr/>
-        <p:nvPr/>
-      </p:nvGrpSpPr>
-      <p:grpSpPr>
-        <a:xfrm>
-          <a:off x="0" y="0"/>
-          <a:ext cx="0" cy="0"/>
-          <a:chOff x="0" y="0"/>
-          <a:chExt cx="0" cy="0"/>
-        </a:xfrm>
-      </p:grpSpPr>
-      <p:sp>
-        <p:nvSpPr>
-          <p:cNvPr id="2" name="Title 1">
-            <a:extLst>
-              <a:ext uri="{FF2B5EF4-FFF2-40B4-BE49-F238E27FC236}">
-                <a16:creationId xmlns:a16="http://schemas.microsoft.com/office/drawing/2014/main" id="{8F70288D-85B6-6CC3-1FB2-3B04FD5CDA2E}"/>
-              </a:ext>
-            </a:extLst>
-          </p:cNvPr>
-          <p:cNvSpPr>
-            <a:spLocks noGrp="1"/>
-          </p:cNvSpPr>
-          <p:nvPr>
-            <p:ph type="title"/>
-          </p:nvPr>
-        </p:nvSpPr>
-        <p:spPr/>
-        <p:txBody>
-          <a:bodyPr/>
-          <a:lstStyle/>
-          <a:p>
-            <a:r>
-              <a:rPr lang="en-GB" dirty="0"/>
-              <a:t>Concurrency I</a:t>
-            </a:r>
-            <a:endParaRPr lang="en-SE" dirty="0"/>
-          </a:p>
-        </p:txBody>
-      </p:sp>
-      <p:sp>
-        <p:nvSpPr>
-          <p:cNvPr id="3" name="Content Placeholder 2">
-            <a:extLst>
-              <a:ext uri="{FF2B5EF4-FFF2-40B4-BE49-F238E27FC236}">
-                <a16:creationId xmlns:a16="http://schemas.microsoft.com/office/drawing/2014/main" id="{F457968C-088E-2EEC-6B87-D73D14EA4986}"/>
-              </a:ext>
-            </a:extLst>
-          </p:cNvPr>
-          <p:cNvSpPr>
-            <a:spLocks noGrp="1"/>
-          </p:cNvSpPr>
-          <p:nvPr>
-            <p:ph idx="1"/>
-          </p:nvPr>
-        </p:nvSpPr>
-        <p:spPr>
-          <a:xfrm>
-            <a:off x="812800" y="2695986"/>
-            <a:ext cx="10566400" cy="3323814"/>
-          </a:xfrm>
-        </p:spPr>
-        <p:txBody>
-          <a:bodyPr>
-            <a:normAutofit fontScale="92500" lnSpcReduction="10000"/>
-          </a:bodyPr>
-          <a:lstStyle/>
-          <a:p>
-            <a:r>
-              <a:rPr lang="en-GB" dirty="0"/>
-              <a:t>Consider two concurrent threads T0, T1, which access a shared variable x that has been initialized to 0. There is no mutex protection. </a:t>
-            </a:r>
-          </a:p>
-          <a:p>
-            <a:r>
-              <a:rPr lang="en-GB" dirty="0"/>
-              <a:t>Q1: What are the minimum, maximum, and all possible values of x after the two threads have completed execution?</a:t>
-            </a:r>
-          </a:p>
-          <a:p>
-            <a:r>
-              <a:rPr lang="en-GB" dirty="0"/>
-              <a:t>Q2: Suppose we protect statement ‘x = x+2’ in Thread B within a critical section using a mutex lock. What are all the minimum, maximum, and all possible final values of x? </a:t>
-            </a:r>
-            <a:endParaRPr lang="en-SE" dirty="0"/>
-          </a:p>
-        </p:txBody>
-      </p:sp>
-      <p:sp>
-        <p:nvSpPr>
-          <p:cNvPr id="4" name="Plassholder for innhold 2">
-            <a:extLst>
-              <a:ext uri="{FF2B5EF4-FFF2-40B4-BE49-F238E27FC236}">
-                <a16:creationId xmlns:a16="http://schemas.microsoft.com/office/drawing/2014/main" id="{758290D7-B791-5228-8CF4-A4FA620CB43A}"/>
-              </a:ext>
-            </a:extLst>
-          </p:cNvPr>
-          <p:cNvSpPr txBox="1">
-            <a:spLocks/>
-          </p:cNvSpPr>
-          <p:nvPr/>
-        </p:nvSpPr>
-        <p:spPr bwMode="auto">
-          <a:xfrm>
-            <a:off x="2514600" y="1419860"/>
-            <a:ext cx="3699076" cy="1276127"/>
-          </a:xfrm>
-          <a:prstGeom prst="rect">
-            <a:avLst/>
-          </a:prstGeom>
-          <a:noFill/>
-          <a:ln>
-            <a:solidFill>
-              <a:schemeClr val="accent1">
-                <a:lumMod val="50000"/>
-              </a:schemeClr>
-            </a:solidFill>
-          </a:ln>
-          <a:effectLst/>
-          <a:extLst>
-            <a:ext uri="{FAA26D3D-D897-4be2-8F04-BA451C77F1D7}">
-              <ma14:placeholderFlag xmlns:ma14="http://schemas.microsoft.com/office/mac/drawingml/2011/main" xmlns="" val="1"/>
-            </a:ext>
-            <a:ext uri="{909E8E84-426E-40dd-AFC4-6F175D3DCCD1}">
-              <a14:hiddenFill xmlns:a14="http://schemas.microsoft.com/office/drawing/2010/main" xmlns="">
-                <a:solidFill>
-                  <a:schemeClr val="bg1"/>
-                </a:solidFill>
-              </a14:hiddenFill>
-            </a:ext>
-            <a:ext uri="{91240B29-F687-4f45-9708-019B960494DF}">
-              <a14:hiddenLine xmlns:a14="http://schemas.microsoft.com/office/drawing/2010/main" xmlns="" w="12700">
-                <a:pattFill prst="narHorz">
-                  <a:fgClr>
-                    <a:schemeClr val="tx1"/>
-                  </a:fgClr>
-                  <a:bgClr>
-                    <a:schemeClr val="bg1"/>
-                  </a:bgClr>
-                </a:pattFill>
-                <a:miter lim="800000"/>
-                <a:headEnd/>
-                <a:tailEnd/>
-              </a14:hiddenLine>
-            </a:ext>
-            <a:ext uri="{AF507438-7753-43e0-B8FC-AC1667EBCBE1}">
-              <a14:hiddenEffects xmlns:a14="http://schemas.microsoft.com/office/drawing/2010/main" xmlns="">
-                <a:effectLst>
-                  <a:outerShdw blurRad="63500" dist="38099" dir="2700000" algn="ctr" rotWithShape="0">
-                    <a:schemeClr val="bg2">
-                      <a:alpha val="74998"/>
-                    </a:schemeClr>
-                  </a:outerShdw>
-                </a:effectLst>
-              </a14:hiddenEffects>
-            </a:ext>
-          </a:extLst>
-        </p:spPr>
-        <p:txBody>
-          <a:bodyPr vert="horz" wrap="square" lIns="90478" tIns="44445" rIns="90478" bIns="44445" numCol="1" anchor="t" anchorCtr="0" compatLnSpc="1">
-            <a:prstTxWarp prst="textNoShape">
-              <a:avLst/>
-            </a:prstTxWarp>
-            <a:noAutofit/>
-          </a:bodyPr>
-          <a:lstStyle>
-            <a:lvl1pPr marL="285750" indent="-285750" algn="l" rtl="0" eaLnBrk="0" fontAlgn="base" hangingPunct="0">
-              <a:lnSpc>
-                <a:spcPct val="90000"/>
-              </a:lnSpc>
-              <a:spcBef>
-                <a:spcPct val="30000"/>
-              </a:spcBef>
-              <a:spcAft>
-                <a:spcPct val="0"/>
-              </a:spcAft>
-              <a:buSzPct val="100000"/>
-              <a:buChar char="•"/>
-              <a:defRPr sz="2400">
-                <a:solidFill>
-                  <a:schemeClr val="tx1"/>
-                </a:solidFill>
-                <a:latin typeface="Gill Sans" charset="0"/>
-                <a:ea typeface="ＭＳ Ｐゴシック" charset="0"/>
-                <a:cs typeface="Gill Sans" charset="0"/>
-              </a:defRPr>
-            </a:lvl1pPr>
-            <a:lvl2pPr marL="685800" indent="-228600" algn="l" rtl="0" eaLnBrk="0" fontAlgn="base" hangingPunct="0">
-              <a:lnSpc>
-                <a:spcPct val="90000"/>
-              </a:lnSpc>
-              <a:spcBef>
-                <a:spcPct val="30000"/>
-              </a:spcBef>
-              <a:spcAft>
-                <a:spcPct val="0"/>
-              </a:spcAft>
-              <a:buSzPct val="100000"/>
-              <a:buChar char="–"/>
-              <a:defRPr sz="2200">
-                <a:solidFill>
-                  <a:schemeClr val="tx1"/>
-                </a:solidFill>
-                <a:latin typeface="Gill Sans" charset="0"/>
-                <a:ea typeface="Gill Sans" charset="0"/>
-                <a:cs typeface="Gill Sans" charset="0"/>
-              </a:defRPr>
-            </a:lvl2pPr>
-            <a:lvl3pPr marL="1143000" indent="-228600" algn="l" rtl="0" eaLnBrk="0" fontAlgn="base" hangingPunct="0">
-              <a:lnSpc>
-                <a:spcPct val="90000"/>
-              </a:lnSpc>
-              <a:spcBef>
-                <a:spcPct val="30000"/>
-              </a:spcBef>
-              <a:spcAft>
-                <a:spcPct val="0"/>
-              </a:spcAft>
-              <a:buSzPct val="100000"/>
-              <a:buChar char="»"/>
-              <a:defRPr sz="2000">
-                <a:solidFill>
-                  <a:schemeClr val="tx1"/>
-                </a:solidFill>
-                <a:latin typeface="Gill Sans" charset="0"/>
-                <a:ea typeface="Gill Sans" charset="0"/>
-                <a:cs typeface="Gill Sans" charset="0"/>
-              </a:defRPr>
-            </a:lvl3pPr>
-            <a:lvl4pPr marL="1543050" indent="-171450" algn="l" rtl="0" eaLnBrk="0" fontAlgn="base" hangingPunct="0">
-              <a:lnSpc>
-                <a:spcPct val="90000"/>
-              </a:lnSpc>
-              <a:spcBef>
-                <a:spcPct val="30000"/>
-              </a:spcBef>
-              <a:spcAft>
-                <a:spcPct val="0"/>
-              </a:spcAft>
-              <a:buSzPct val="100000"/>
-              <a:buChar char="•"/>
-              <a:defRPr sz="2000">
-                <a:solidFill>
-                  <a:schemeClr val="tx1"/>
-                </a:solidFill>
-                <a:latin typeface="Gill Sans" charset="0"/>
-                <a:ea typeface="Gill Sans" charset="0"/>
-                <a:cs typeface="Gill Sans" charset="0"/>
-              </a:defRPr>
-            </a:lvl4pPr>
-            <a:lvl5pPr marL="2000250" indent="-171450" algn="l" rtl="0" eaLnBrk="0" fontAlgn="base" hangingPunct="0">
-              <a:lnSpc>
-                <a:spcPct val="90000"/>
-              </a:lnSpc>
-              <a:spcBef>
-                <a:spcPct val="30000"/>
-              </a:spcBef>
-              <a:spcAft>
-                <a:spcPct val="0"/>
-              </a:spcAft>
-              <a:buSzPct val="100000"/>
-              <a:buChar char="–"/>
-              <a:defRPr sz="2000">
-                <a:solidFill>
-                  <a:schemeClr val="tx1"/>
-                </a:solidFill>
-                <a:latin typeface="Gill Sans" charset="0"/>
-                <a:ea typeface="Gill Sans" charset="0"/>
-                <a:cs typeface="Gill Sans" charset="0"/>
-              </a:defRPr>
-            </a:lvl5pPr>
-            <a:lvl6pPr marL="2457450" indent="-171450" algn="l" rtl="0" eaLnBrk="0" fontAlgn="base" hangingPunct="0">
-              <a:lnSpc>
-                <a:spcPct val="90000"/>
-              </a:lnSpc>
-              <a:spcBef>
-                <a:spcPct val="30000"/>
-              </a:spcBef>
-              <a:spcAft>
-                <a:spcPct val="0"/>
-              </a:spcAft>
-              <a:buSzPct val="100000"/>
-              <a:buChar char="–"/>
-              <a:defRPr sz="2000" b="1">
-                <a:solidFill>
-                  <a:schemeClr val="tx1"/>
-                </a:solidFill>
-                <a:latin typeface="+mn-lt"/>
-              </a:defRPr>
-            </a:lvl6pPr>
-            <a:lvl7pPr marL="2914650" indent="-171450" algn="l" rtl="0" eaLnBrk="0" fontAlgn="base" hangingPunct="0">
-              <a:lnSpc>
-                <a:spcPct val="90000"/>
-              </a:lnSpc>
-              <a:spcBef>
-                <a:spcPct val="30000"/>
-              </a:spcBef>
-              <a:spcAft>
-                <a:spcPct val="0"/>
-              </a:spcAft>
-              <a:buSzPct val="100000"/>
-              <a:buChar char="–"/>
-              <a:defRPr sz="2000" b="1">
-                <a:solidFill>
-                  <a:schemeClr val="tx1"/>
-                </a:solidFill>
-                <a:latin typeface="+mn-lt"/>
-              </a:defRPr>
-            </a:lvl7pPr>
-            <a:lvl8pPr marL="3371850" indent="-171450" algn="l" rtl="0" eaLnBrk="0" fontAlgn="base" hangingPunct="0">
-              <a:lnSpc>
-                <a:spcPct val="90000"/>
-              </a:lnSpc>
-              <a:spcBef>
-                <a:spcPct val="30000"/>
-              </a:spcBef>
-              <a:spcAft>
-                <a:spcPct val="0"/>
-              </a:spcAft>
-              <a:buSzPct val="100000"/>
-              <a:buChar char="–"/>
-              <a:defRPr sz="2000" b="1">
-                <a:solidFill>
-                  <a:schemeClr val="tx1"/>
-                </a:solidFill>
-                <a:latin typeface="+mn-lt"/>
-              </a:defRPr>
-            </a:lvl8pPr>
-            <a:lvl9pPr marL="3829050" indent="-171450" algn="l" rtl="0" eaLnBrk="0" fontAlgn="base" hangingPunct="0">
-              <a:lnSpc>
-                <a:spcPct val="90000"/>
-              </a:lnSpc>
-              <a:spcBef>
-                <a:spcPct val="30000"/>
-              </a:spcBef>
-              <a:spcAft>
-                <a:spcPct val="0"/>
-              </a:spcAft>
-              <a:buSzPct val="100000"/>
-              <a:buChar char="–"/>
-              <a:defRPr sz="2000" b="1">
-                <a:solidFill>
-                  <a:schemeClr val="tx1"/>
-                </a:solidFill>
-                <a:latin typeface="+mn-lt"/>
-              </a:defRPr>
-            </a:lvl9pPr>
-          </a:lstStyle>
-          <a:p>
-            <a:pPr marL="0" indent="0">
-              <a:buFontTx/>
-              <a:buNone/>
-            </a:pPr>
-            <a:r>
-              <a:rPr lang="en-GB" altLang="zh-CN" sz="1700" b="0" kern="0" dirty="0">
-                <a:latin typeface="Courier New" panose="02070309020205020404" pitchFamily="49" charset="0"/>
-                <a:cs typeface="Courier New" panose="02070309020205020404" pitchFamily="49" charset="0"/>
-              </a:rPr>
-              <a:t>//Thread T0</a:t>
-            </a:r>
-          </a:p>
-          <a:p>
-            <a:pPr marL="0" indent="0">
-              <a:buFontTx/>
-              <a:buNone/>
-            </a:pPr>
-            <a:r>
-              <a:rPr lang="en-GB" altLang="zh-CN" sz="1700" b="0" kern="0" dirty="0">
-                <a:latin typeface="Courier New" panose="02070309020205020404" pitchFamily="49" charset="0"/>
-                <a:cs typeface="Courier New" panose="02070309020205020404" pitchFamily="49" charset="0"/>
-              </a:rPr>
-              <a:t>for (int i=0; i&lt;5; i++) {  </a:t>
-            </a:r>
-          </a:p>
-          <a:p>
-            <a:pPr marL="0" indent="0">
-              <a:buFontTx/>
-              <a:buNone/>
-            </a:pPr>
-            <a:r>
-              <a:rPr lang="en-GB" altLang="zh-CN" sz="1700" b="0" kern="0" dirty="0">
-                <a:latin typeface="Courier New" panose="02070309020205020404" pitchFamily="49" charset="0"/>
-                <a:cs typeface="Courier New" panose="02070309020205020404" pitchFamily="49" charset="0"/>
-              </a:rPr>
-              <a:t>   x = x + 1;</a:t>
-            </a:r>
-          </a:p>
-          <a:p>
-            <a:pPr marL="0" indent="0">
-              <a:buFontTx/>
-              <a:buNone/>
-            </a:pPr>
-            <a:r>
-              <a:rPr lang="en-GB" altLang="zh-CN" sz="1700" b="0" kern="0" dirty="0">
-                <a:latin typeface="Courier New" panose="02070309020205020404" pitchFamily="49" charset="0"/>
-                <a:cs typeface="Courier New" panose="02070309020205020404" pitchFamily="49" charset="0"/>
-              </a:rPr>
-              <a:t>}</a:t>
-            </a:r>
-          </a:p>
-        </p:txBody>
-      </p:sp>
-      <p:sp>
-        <p:nvSpPr>
-          <p:cNvPr id="5" name="Plassholder for innhold 2">
-            <a:extLst>
-              <a:ext uri="{FF2B5EF4-FFF2-40B4-BE49-F238E27FC236}">
-                <a16:creationId xmlns:a16="http://schemas.microsoft.com/office/drawing/2014/main" id="{9D5B75F7-DF91-87EF-42D7-37808B097603}"/>
-              </a:ext>
-            </a:extLst>
-          </p:cNvPr>
-          <p:cNvSpPr txBox="1">
-            <a:spLocks/>
-          </p:cNvSpPr>
-          <p:nvPr/>
-        </p:nvSpPr>
-        <p:spPr bwMode="auto">
-          <a:xfrm>
-            <a:off x="6324600" y="1419859"/>
-            <a:ext cx="3699076" cy="1276127"/>
-          </a:xfrm>
-          <a:prstGeom prst="rect">
-            <a:avLst/>
-          </a:prstGeom>
-          <a:noFill/>
-          <a:ln>
-            <a:solidFill>
-              <a:schemeClr val="accent1">
-                <a:lumMod val="50000"/>
-              </a:schemeClr>
-            </a:solidFill>
-          </a:ln>
-          <a:effectLst/>
-          <a:extLst>
-            <a:ext uri="{FAA26D3D-D897-4be2-8F04-BA451C77F1D7}">
-              <ma14:placeholderFlag xmlns:ma14="http://schemas.microsoft.com/office/mac/drawingml/2011/main" xmlns="" val="1"/>
-            </a:ext>
-            <a:ext uri="{909E8E84-426E-40dd-AFC4-6F175D3DCCD1}">
-              <a14:hiddenFill xmlns:a14="http://schemas.microsoft.com/office/drawing/2010/main" xmlns="">
-                <a:solidFill>
-                  <a:schemeClr val="bg1"/>
-                </a:solidFill>
-              </a14:hiddenFill>
-            </a:ext>
-            <a:ext uri="{91240B29-F687-4f45-9708-019B960494DF}">
-              <a14:hiddenLine xmlns:a14="http://schemas.microsoft.com/office/drawing/2010/main" xmlns="" w="12700">
-                <a:pattFill prst="narHorz">
-                  <a:fgClr>
-                    <a:schemeClr val="tx1"/>
-                  </a:fgClr>
-                  <a:bgClr>
-                    <a:schemeClr val="bg1"/>
-                  </a:bgClr>
-                </a:pattFill>
-                <a:miter lim="800000"/>
-                <a:headEnd/>
-                <a:tailEnd/>
-              </a14:hiddenLine>
-            </a:ext>
-            <a:ext uri="{AF507438-7753-43e0-B8FC-AC1667EBCBE1}">
-              <a14:hiddenEffects xmlns:a14="http://schemas.microsoft.com/office/drawing/2010/main" xmlns="">
-                <a:effectLst>
-                  <a:outerShdw blurRad="63500" dist="38099" dir="2700000" algn="ctr" rotWithShape="0">
-                    <a:schemeClr val="bg2">
-                      <a:alpha val="74998"/>
-                    </a:schemeClr>
-                  </a:outerShdw>
-                </a:effectLst>
-              </a14:hiddenEffects>
-            </a:ext>
-          </a:extLst>
-        </p:spPr>
-        <p:txBody>
-          <a:bodyPr vert="horz" wrap="square" lIns="90478" tIns="44445" rIns="90478" bIns="44445" numCol="1" anchor="t" anchorCtr="0" compatLnSpc="1">
-            <a:prstTxWarp prst="textNoShape">
-              <a:avLst/>
-            </a:prstTxWarp>
-            <a:noAutofit/>
-          </a:bodyPr>
-          <a:lstStyle>
-            <a:lvl1pPr marL="285750" indent="-285750" algn="l" rtl="0" eaLnBrk="0" fontAlgn="base" hangingPunct="0">
-              <a:lnSpc>
-                <a:spcPct val="90000"/>
-              </a:lnSpc>
-              <a:spcBef>
-                <a:spcPct val="30000"/>
-              </a:spcBef>
-              <a:spcAft>
-                <a:spcPct val="0"/>
-              </a:spcAft>
-              <a:buSzPct val="100000"/>
-              <a:buChar char="•"/>
-              <a:defRPr sz="2400">
-                <a:solidFill>
-                  <a:schemeClr val="tx1"/>
-                </a:solidFill>
-                <a:latin typeface="Gill Sans" charset="0"/>
-                <a:ea typeface="ＭＳ Ｐゴシック" charset="0"/>
-                <a:cs typeface="Gill Sans" charset="0"/>
-              </a:defRPr>
-            </a:lvl1pPr>
-            <a:lvl2pPr marL="685800" indent="-228600" algn="l" rtl="0" eaLnBrk="0" fontAlgn="base" hangingPunct="0">
-              <a:lnSpc>
-                <a:spcPct val="90000"/>
-              </a:lnSpc>
-              <a:spcBef>
-                <a:spcPct val="30000"/>
-              </a:spcBef>
-              <a:spcAft>
-                <a:spcPct val="0"/>
-              </a:spcAft>
-              <a:buSzPct val="100000"/>
-              <a:buChar char="–"/>
-              <a:defRPr sz="2200">
-                <a:solidFill>
-                  <a:schemeClr val="tx1"/>
-                </a:solidFill>
-                <a:latin typeface="Gill Sans" charset="0"/>
-                <a:ea typeface="Gill Sans" charset="0"/>
-                <a:cs typeface="Gill Sans" charset="0"/>
-              </a:defRPr>
-            </a:lvl2pPr>
-            <a:lvl3pPr marL="1143000" indent="-228600" algn="l" rtl="0" eaLnBrk="0" fontAlgn="base" hangingPunct="0">
-              <a:lnSpc>
-                <a:spcPct val="90000"/>
-              </a:lnSpc>
-              <a:spcBef>
-                <a:spcPct val="30000"/>
-              </a:spcBef>
-              <a:spcAft>
-                <a:spcPct val="0"/>
-              </a:spcAft>
-              <a:buSzPct val="100000"/>
-              <a:buChar char="»"/>
-              <a:defRPr sz="2000">
-                <a:solidFill>
-                  <a:schemeClr val="tx1"/>
-                </a:solidFill>
-                <a:latin typeface="Gill Sans" charset="0"/>
-                <a:ea typeface="Gill Sans" charset="0"/>
-                <a:cs typeface="Gill Sans" charset="0"/>
-              </a:defRPr>
-            </a:lvl3pPr>
-            <a:lvl4pPr marL="1543050" indent="-171450" algn="l" rtl="0" eaLnBrk="0" fontAlgn="base" hangingPunct="0">
-              <a:lnSpc>
-                <a:spcPct val="90000"/>
-              </a:lnSpc>
-              <a:spcBef>
-                <a:spcPct val="30000"/>
-              </a:spcBef>
-              <a:spcAft>
-                <a:spcPct val="0"/>
-              </a:spcAft>
-              <a:buSzPct val="100000"/>
-              <a:buChar char="•"/>
-              <a:defRPr sz="2000">
-                <a:solidFill>
-                  <a:schemeClr val="tx1"/>
-                </a:solidFill>
-                <a:latin typeface="Gill Sans" charset="0"/>
-                <a:ea typeface="Gill Sans" charset="0"/>
-                <a:cs typeface="Gill Sans" charset="0"/>
-              </a:defRPr>
-            </a:lvl4pPr>
-            <a:lvl5pPr marL="2000250" indent="-171450" algn="l" rtl="0" eaLnBrk="0" fontAlgn="base" hangingPunct="0">
-              <a:lnSpc>
-                <a:spcPct val="90000"/>
-              </a:lnSpc>
-              <a:spcBef>
-                <a:spcPct val="30000"/>
-              </a:spcBef>
-              <a:spcAft>
-                <a:spcPct val="0"/>
-              </a:spcAft>
-              <a:buSzPct val="100000"/>
-              <a:buChar char="–"/>
-              <a:defRPr sz="2000">
-                <a:solidFill>
-                  <a:schemeClr val="tx1"/>
-                </a:solidFill>
-                <a:latin typeface="Gill Sans" charset="0"/>
-                <a:ea typeface="Gill Sans" charset="0"/>
-                <a:cs typeface="Gill Sans" charset="0"/>
-              </a:defRPr>
-            </a:lvl5pPr>
-            <a:lvl6pPr marL="2457450" indent="-171450" algn="l" rtl="0" eaLnBrk="0" fontAlgn="base" hangingPunct="0">
-              <a:lnSpc>
-                <a:spcPct val="90000"/>
-              </a:lnSpc>
-              <a:spcBef>
-                <a:spcPct val="30000"/>
-              </a:spcBef>
-              <a:spcAft>
-                <a:spcPct val="0"/>
-              </a:spcAft>
-              <a:buSzPct val="100000"/>
-              <a:buChar char="–"/>
-              <a:defRPr sz="2000" b="1">
-                <a:solidFill>
-                  <a:schemeClr val="tx1"/>
-                </a:solidFill>
-                <a:latin typeface="+mn-lt"/>
-              </a:defRPr>
-            </a:lvl6pPr>
-            <a:lvl7pPr marL="2914650" indent="-171450" algn="l" rtl="0" eaLnBrk="0" fontAlgn="base" hangingPunct="0">
-              <a:lnSpc>
-                <a:spcPct val="90000"/>
-              </a:lnSpc>
-              <a:spcBef>
-                <a:spcPct val="30000"/>
-              </a:spcBef>
-              <a:spcAft>
-                <a:spcPct val="0"/>
-              </a:spcAft>
-              <a:buSzPct val="100000"/>
-              <a:buChar char="–"/>
-              <a:defRPr sz="2000" b="1">
-                <a:solidFill>
-                  <a:schemeClr val="tx1"/>
-                </a:solidFill>
-                <a:latin typeface="+mn-lt"/>
-              </a:defRPr>
-            </a:lvl7pPr>
-            <a:lvl8pPr marL="3371850" indent="-171450" algn="l" rtl="0" eaLnBrk="0" fontAlgn="base" hangingPunct="0">
-              <a:lnSpc>
-                <a:spcPct val="90000"/>
-              </a:lnSpc>
-              <a:spcBef>
-                <a:spcPct val="30000"/>
-              </a:spcBef>
-              <a:spcAft>
-                <a:spcPct val="0"/>
-              </a:spcAft>
-              <a:buSzPct val="100000"/>
-              <a:buChar char="–"/>
-              <a:defRPr sz="2000" b="1">
-                <a:solidFill>
-                  <a:schemeClr val="tx1"/>
-                </a:solidFill>
-                <a:latin typeface="+mn-lt"/>
-              </a:defRPr>
-            </a:lvl8pPr>
-            <a:lvl9pPr marL="3829050" indent="-171450" algn="l" rtl="0" eaLnBrk="0" fontAlgn="base" hangingPunct="0">
-              <a:lnSpc>
-                <a:spcPct val="90000"/>
-              </a:lnSpc>
-              <a:spcBef>
-                <a:spcPct val="30000"/>
-              </a:spcBef>
-              <a:spcAft>
-                <a:spcPct val="0"/>
-              </a:spcAft>
-              <a:buSzPct val="100000"/>
-              <a:buChar char="–"/>
-              <a:defRPr sz="2000" b="1">
-                <a:solidFill>
-                  <a:schemeClr val="tx1"/>
-                </a:solidFill>
-                <a:latin typeface="+mn-lt"/>
-              </a:defRPr>
-            </a:lvl9pPr>
-          </a:lstStyle>
-          <a:p>
-            <a:pPr marL="0" indent="0">
-              <a:buFontTx/>
-              <a:buNone/>
-            </a:pPr>
-            <a:r>
-              <a:rPr lang="en-GB" altLang="zh-CN" sz="1700" b="0" kern="0" dirty="0">
-                <a:latin typeface="Courier New" panose="02070309020205020404" pitchFamily="49" charset="0"/>
-                <a:cs typeface="Courier New" panose="02070309020205020404" pitchFamily="49" charset="0"/>
-              </a:rPr>
-              <a:t>//Thread T0</a:t>
-            </a:r>
-          </a:p>
-          <a:p>
-            <a:pPr marL="0" indent="0">
-              <a:buFontTx/>
-              <a:buNone/>
-            </a:pPr>
-            <a:r>
-              <a:rPr lang="en-GB" altLang="zh-CN" sz="1700" b="0" kern="0" dirty="0">
-                <a:latin typeface="Courier New" panose="02070309020205020404" pitchFamily="49" charset="0"/>
-                <a:cs typeface="Courier New" panose="02070309020205020404" pitchFamily="49" charset="0"/>
-              </a:rPr>
-              <a:t>for (int j=0; j&lt;5; </a:t>
-            </a:r>
-            <a:r>
-              <a:rPr lang="en-GB" altLang="zh-CN" sz="1700" b="0" kern="0" dirty="0" err="1">
-                <a:latin typeface="Courier New" panose="02070309020205020404" pitchFamily="49" charset="0"/>
-                <a:cs typeface="Courier New" panose="02070309020205020404" pitchFamily="49" charset="0"/>
-              </a:rPr>
-              <a:t>j++</a:t>
-            </a:r>
-            <a:r>
-              <a:rPr lang="en-GB" altLang="zh-CN" sz="1700" b="0" kern="0" dirty="0">
-                <a:latin typeface="Courier New" panose="02070309020205020404" pitchFamily="49" charset="0"/>
-                <a:cs typeface="Courier New" panose="02070309020205020404" pitchFamily="49" charset="0"/>
-              </a:rPr>
-              <a:t>) {  </a:t>
-            </a:r>
-          </a:p>
-          <a:p>
-            <a:pPr marL="0" indent="0">
-              <a:buFontTx/>
-              <a:buNone/>
-            </a:pPr>
-            <a:r>
-              <a:rPr lang="en-GB" altLang="zh-CN" sz="1700" b="0" kern="0" dirty="0">
-                <a:latin typeface="Courier New" panose="02070309020205020404" pitchFamily="49" charset="0"/>
-                <a:cs typeface="Courier New" panose="02070309020205020404" pitchFamily="49" charset="0"/>
-              </a:rPr>
-              <a:t>   x = x + 2;</a:t>
-            </a:r>
-          </a:p>
-          <a:p>
-            <a:pPr marL="0" indent="0">
-              <a:buFontTx/>
-              <a:buNone/>
-            </a:pPr>
-            <a:r>
-              <a:rPr lang="en-GB" altLang="zh-CN" sz="1700" b="0" kern="0" dirty="0">
-                <a:latin typeface="Courier New" panose="02070309020205020404" pitchFamily="49" charset="0"/>
-                <a:cs typeface="Courier New" panose="02070309020205020404" pitchFamily="49" charset="0"/>
-              </a:rPr>
-              <a:t>}</a:t>
-            </a:r>
-          </a:p>
-        </p:txBody>
-      </p:sp>
-      <p:sp>
-        <p:nvSpPr>
-          <p:cNvPr id="6" name="Plassholder for innhold 2">
-            <a:extLst>
-              <a:ext uri="{FF2B5EF4-FFF2-40B4-BE49-F238E27FC236}">
-                <a16:creationId xmlns:a16="http://schemas.microsoft.com/office/drawing/2014/main" id="{2D37079E-C01B-98FE-3AB3-789AD906045B}"/>
-              </a:ext>
-            </a:extLst>
-          </p:cNvPr>
-          <p:cNvSpPr txBox="1">
-            <a:spLocks/>
-          </p:cNvSpPr>
-          <p:nvPr/>
-        </p:nvSpPr>
-        <p:spPr bwMode="auto">
-          <a:xfrm>
-            <a:off x="5213551" y="836112"/>
-            <a:ext cx="2000250" cy="446762"/>
-          </a:xfrm>
-          <a:prstGeom prst="rect">
-            <a:avLst/>
-          </a:prstGeom>
-          <a:noFill/>
-          <a:ln>
-            <a:solidFill>
-              <a:schemeClr val="tx1"/>
-            </a:solidFill>
-          </a:ln>
-          <a:effectLst/>
-          <a:extLst>
-            <a:ext uri="{FAA26D3D-D897-4be2-8F04-BA451C77F1D7}">
-              <ma14:placeholderFlag xmlns:ma14="http://schemas.microsoft.com/office/mac/drawingml/2011/main" xmlns="" val="1"/>
-            </a:ext>
-            <a:ext uri="{909E8E84-426E-40dd-AFC4-6F175D3DCCD1}">
-              <a14:hiddenFill xmlns:a14="http://schemas.microsoft.com/office/drawing/2010/main" xmlns="">
-                <a:solidFill>
-                  <a:schemeClr val="bg1"/>
-                </a:solidFill>
-              </a14:hiddenFill>
-            </a:ext>
-            <a:ext uri="{91240B29-F687-4f45-9708-019B960494DF}">
-              <a14:hiddenLine xmlns:a14="http://schemas.microsoft.com/office/drawing/2010/main" xmlns="" w="12700">
-                <a:pattFill prst="narHorz">
-                  <a:fgClr>
-                    <a:schemeClr val="tx1"/>
-                  </a:fgClr>
-                  <a:bgClr>
-                    <a:schemeClr val="bg1"/>
-                  </a:bgClr>
-                </a:pattFill>
-                <a:miter lim="800000"/>
-                <a:headEnd/>
-                <a:tailEnd/>
-              </a14:hiddenLine>
-            </a:ext>
-            <a:ext uri="{AF507438-7753-43e0-B8FC-AC1667EBCBE1}">
-              <a14:hiddenEffects xmlns:a14="http://schemas.microsoft.com/office/drawing/2010/main" xmlns="">
-                <a:effectLst>
-                  <a:outerShdw blurRad="63500" dist="38099" dir="2700000" algn="ctr" rotWithShape="0">
-                    <a:schemeClr val="bg2">
-                      <a:alpha val="74998"/>
-                    </a:schemeClr>
-                  </a:outerShdw>
-                </a:effectLst>
-              </a14:hiddenEffects>
-            </a:ext>
-          </a:extLst>
-        </p:spPr>
-        <p:txBody>
-          <a:bodyPr vert="horz" wrap="square" lIns="90478" tIns="44445" rIns="90478" bIns="44445" numCol="1" anchor="t" anchorCtr="0" compatLnSpc="1">
-            <a:prstTxWarp prst="textNoShape">
-              <a:avLst/>
-            </a:prstTxWarp>
-            <a:normAutofit/>
-          </a:bodyPr>
-          <a:lstStyle>
-            <a:lvl1pPr marL="285750" indent="-285750" algn="l" rtl="0" eaLnBrk="0" fontAlgn="base" hangingPunct="0">
-              <a:lnSpc>
-                <a:spcPct val="90000"/>
-              </a:lnSpc>
-              <a:spcBef>
-                <a:spcPct val="30000"/>
-              </a:spcBef>
-              <a:spcAft>
-                <a:spcPct val="0"/>
-              </a:spcAft>
-              <a:buSzPct val="100000"/>
-              <a:buChar char="•"/>
-              <a:defRPr sz="2400">
-                <a:solidFill>
-                  <a:schemeClr val="tx1"/>
-                </a:solidFill>
-                <a:latin typeface="Gill Sans" charset="0"/>
-                <a:ea typeface="ＭＳ Ｐゴシック" charset="0"/>
-                <a:cs typeface="Gill Sans" charset="0"/>
-              </a:defRPr>
-            </a:lvl1pPr>
-            <a:lvl2pPr marL="685800" indent="-228600" algn="l" rtl="0" eaLnBrk="0" fontAlgn="base" hangingPunct="0">
-              <a:lnSpc>
-                <a:spcPct val="90000"/>
-              </a:lnSpc>
-              <a:spcBef>
-                <a:spcPct val="30000"/>
-              </a:spcBef>
-              <a:spcAft>
-                <a:spcPct val="0"/>
-              </a:spcAft>
-              <a:buSzPct val="100000"/>
-              <a:buChar char="–"/>
-              <a:defRPr sz="2200">
-                <a:solidFill>
-                  <a:schemeClr val="tx1"/>
-                </a:solidFill>
-                <a:latin typeface="Gill Sans" charset="0"/>
-                <a:ea typeface="Gill Sans" charset="0"/>
-                <a:cs typeface="Gill Sans" charset="0"/>
-              </a:defRPr>
-            </a:lvl2pPr>
-            <a:lvl3pPr marL="1143000" indent="-228600" algn="l" rtl="0" eaLnBrk="0" fontAlgn="base" hangingPunct="0">
-              <a:lnSpc>
-                <a:spcPct val="90000"/>
-              </a:lnSpc>
-              <a:spcBef>
-                <a:spcPct val="30000"/>
-              </a:spcBef>
-              <a:spcAft>
-                <a:spcPct val="0"/>
-              </a:spcAft>
-              <a:buSzPct val="100000"/>
-              <a:buChar char="»"/>
-              <a:defRPr sz="2000">
-                <a:solidFill>
-                  <a:schemeClr val="tx1"/>
-                </a:solidFill>
-                <a:latin typeface="Gill Sans" charset="0"/>
-                <a:ea typeface="Gill Sans" charset="0"/>
-                <a:cs typeface="Gill Sans" charset="0"/>
-              </a:defRPr>
-            </a:lvl3pPr>
-            <a:lvl4pPr marL="1543050" indent="-171450" algn="l" rtl="0" eaLnBrk="0" fontAlgn="base" hangingPunct="0">
-              <a:lnSpc>
-                <a:spcPct val="90000"/>
-              </a:lnSpc>
-              <a:spcBef>
-                <a:spcPct val="30000"/>
-              </a:spcBef>
-              <a:spcAft>
-                <a:spcPct val="0"/>
-              </a:spcAft>
-              <a:buSzPct val="100000"/>
-              <a:buChar char="•"/>
-              <a:defRPr sz="2000">
-                <a:solidFill>
-                  <a:schemeClr val="tx1"/>
-                </a:solidFill>
-                <a:latin typeface="Gill Sans" charset="0"/>
-                <a:ea typeface="Gill Sans" charset="0"/>
-                <a:cs typeface="Gill Sans" charset="0"/>
-              </a:defRPr>
-            </a:lvl4pPr>
-            <a:lvl5pPr marL="2000250" indent="-171450" algn="l" rtl="0" eaLnBrk="0" fontAlgn="base" hangingPunct="0">
-              <a:lnSpc>
-                <a:spcPct val="90000"/>
-              </a:lnSpc>
-              <a:spcBef>
-                <a:spcPct val="30000"/>
-              </a:spcBef>
-              <a:spcAft>
-                <a:spcPct val="0"/>
-              </a:spcAft>
-              <a:buSzPct val="100000"/>
-              <a:buChar char="–"/>
-              <a:defRPr sz="2000">
-                <a:solidFill>
-                  <a:schemeClr val="tx1"/>
-                </a:solidFill>
-                <a:latin typeface="Gill Sans" charset="0"/>
-                <a:ea typeface="Gill Sans" charset="0"/>
-                <a:cs typeface="Gill Sans" charset="0"/>
-              </a:defRPr>
-            </a:lvl5pPr>
-            <a:lvl6pPr marL="2457450" indent="-171450" algn="l" rtl="0" eaLnBrk="0" fontAlgn="base" hangingPunct="0">
-              <a:lnSpc>
-                <a:spcPct val="90000"/>
-              </a:lnSpc>
-              <a:spcBef>
-                <a:spcPct val="30000"/>
-              </a:spcBef>
-              <a:spcAft>
-                <a:spcPct val="0"/>
-              </a:spcAft>
-              <a:buSzPct val="100000"/>
-              <a:buChar char="–"/>
-              <a:defRPr sz="2000" b="1">
-                <a:solidFill>
-                  <a:schemeClr val="tx1"/>
-                </a:solidFill>
-                <a:latin typeface="+mn-lt"/>
-              </a:defRPr>
-            </a:lvl6pPr>
-            <a:lvl7pPr marL="2914650" indent="-171450" algn="l" rtl="0" eaLnBrk="0" fontAlgn="base" hangingPunct="0">
-              <a:lnSpc>
-                <a:spcPct val="90000"/>
-              </a:lnSpc>
-              <a:spcBef>
-                <a:spcPct val="30000"/>
-              </a:spcBef>
-              <a:spcAft>
-                <a:spcPct val="0"/>
-              </a:spcAft>
-              <a:buSzPct val="100000"/>
-              <a:buChar char="–"/>
-              <a:defRPr sz="2000" b="1">
-                <a:solidFill>
-                  <a:schemeClr val="tx1"/>
-                </a:solidFill>
-                <a:latin typeface="+mn-lt"/>
-              </a:defRPr>
-            </a:lvl7pPr>
-            <a:lvl8pPr marL="3371850" indent="-171450" algn="l" rtl="0" eaLnBrk="0" fontAlgn="base" hangingPunct="0">
-              <a:lnSpc>
-                <a:spcPct val="90000"/>
-              </a:lnSpc>
-              <a:spcBef>
-                <a:spcPct val="30000"/>
-              </a:spcBef>
-              <a:spcAft>
-                <a:spcPct val="0"/>
-              </a:spcAft>
-              <a:buSzPct val="100000"/>
-              <a:buChar char="–"/>
-              <a:defRPr sz="2000" b="1">
-                <a:solidFill>
-                  <a:schemeClr val="tx1"/>
-                </a:solidFill>
-                <a:latin typeface="+mn-lt"/>
-              </a:defRPr>
-            </a:lvl8pPr>
-            <a:lvl9pPr marL="3829050" indent="-171450" algn="l" rtl="0" eaLnBrk="0" fontAlgn="base" hangingPunct="0">
-              <a:lnSpc>
-                <a:spcPct val="90000"/>
-              </a:lnSpc>
-              <a:spcBef>
-                <a:spcPct val="30000"/>
-              </a:spcBef>
-              <a:spcAft>
-                <a:spcPct val="0"/>
-              </a:spcAft>
-              <a:buSzPct val="100000"/>
-              <a:buChar char="–"/>
-              <a:defRPr sz="2000" b="1">
-                <a:solidFill>
-                  <a:schemeClr val="tx1"/>
-                </a:solidFill>
-                <a:latin typeface="+mn-lt"/>
-              </a:defRPr>
-            </a:lvl9pPr>
-          </a:lstStyle>
-          <a:p>
-            <a:pPr marL="0" indent="0">
-              <a:buFontTx/>
-              <a:buNone/>
-            </a:pPr>
-            <a:r>
-              <a:rPr lang="en-GB" altLang="zh-CN" sz="1700" b="0" kern="0" dirty="0">
-                <a:latin typeface="Courier New" panose="02070309020205020404" pitchFamily="49" charset="0"/>
-                <a:cs typeface="Courier New" panose="02070309020205020404" pitchFamily="49" charset="0"/>
-              </a:rPr>
-              <a:t>int x = 0;</a:t>
-            </a:r>
-            <a:endParaRPr lang="en-US" altLang="zh-CN" sz="1700" b="0" kern="0" dirty="0">
-              <a:latin typeface="Courier New" panose="02070309020205020404" pitchFamily="49" charset="0"/>
-              <a:cs typeface="Courier New" panose="02070309020205020404" pitchFamily="49" charset="0"/>
-            </a:endParaRPr>
-          </a:p>
-        </p:txBody>
-      </p:sp>
-    </p:spTree>
-    <p:extLst>
-      <p:ext uri="{BB962C8B-B14F-4D97-AF65-F5344CB8AC3E}">
-        <p14:creationId xmlns:p14="http://schemas.microsoft.com/office/powerpoint/2010/main" val="2751476572"/>
-      </p:ext>
-    </p:extLst>
-  </p:cSld>
-  <p:clrMapOvr>
-    <a:masterClrMapping/>
-  </p:clrMapOvr>
-  <p:transition/>
-</p:sld>
-</file>
-
-<file path=ppt/slides/slide20.xml><?xml version="1.0" encoding="utf-8"?>
+<file path=ppt/slides/slide22.xml><?xml version="1.0" encoding="utf-8"?>
 <p:sld xmlns:a="http://schemas.openxmlformats.org/drawingml/2006/main" xmlns:r="http://schemas.openxmlformats.org/officeDocument/2006/relationships" xmlns:p="http://schemas.openxmlformats.org/presentationml/2006/main">
   <p:cSld>
     <p:spTree>
@@ -30024,7 +33737,7 @@
 </p:sld>
 </file>
 
-<file path=ppt/slides/slide21.xml><?xml version="1.0" encoding="utf-8"?>
+<file path=ppt/slides/slide23.xml><?xml version="1.0" encoding="utf-8"?>
 <p:sld xmlns:a="http://schemas.openxmlformats.org/drawingml/2006/main" xmlns:r="http://schemas.openxmlformats.org/officeDocument/2006/relationships" xmlns:p="http://schemas.openxmlformats.org/presentationml/2006/main">
   <p:cSld>
     <p:spTree>
@@ -31474,7 +35187,7 @@
 </p:sld>
 </file>
 
-<file path=ppt/slides/slide22.xml><?xml version="1.0" encoding="utf-8"?>
+<file path=ppt/slides/slide24.xml><?xml version="1.0" encoding="utf-8"?>
 <p:sld xmlns:a="http://schemas.openxmlformats.org/drawingml/2006/main" xmlns:r="http://schemas.openxmlformats.org/officeDocument/2006/relationships" xmlns:p="http://schemas.openxmlformats.org/presentationml/2006/main">
   <p:cSld>
     <p:spTree>
@@ -33819,7 +37532,7 @@
                 <a:cs typeface="Arial"/>
               </a:rPr>
               <a:pPr algn="ctr"/>
-              <a:t>22</a:t>
+              <a:t>24</a:t>
             </a:fld>
             <a:endParaRPr lang="nb-NO" sz="1400" b="0" i="0" dirty="0">
               <a:solidFill>
@@ -33840,7 +37553,7 @@
 </p:sld>
 </file>
 
-<file path=ppt/slides/slide23.xml><?xml version="1.0" encoding="utf-8"?>
+<file path=ppt/slides/slide25.xml><?xml version="1.0" encoding="utf-8"?>
 <p:sld xmlns:a="http://schemas.openxmlformats.org/drawingml/2006/main" xmlns:r="http://schemas.openxmlformats.org/officeDocument/2006/relationships" xmlns:p="http://schemas.openxmlformats.org/presentationml/2006/main">
   <p:cSld>
     <p:spTree>
@@ -36446,7 +40159,7 @@
                 <a:cs typeface="Arial"/>
               </a:rPr>
               <a:pPr algn="ctr"/>
-              <a:t>23</a:t>
+              <a:t>25</a:t>
             </a:fld>
             <a:endParaRPr lang="nb-NO" sz="1400" b="0" i="0" dirty="0">
               <a:solidFill>
@@ -38638,7 +42351,7 @@
 </p:sld>
 </file>
 
-<file path=ppt/slides/slide24.xml><?xml version="1.0" encoding="utf-8"?>
+<file path=ppt/slides/slide26.xml><?xml version="1.0" encoding="utf-8"?>
 <p:sld xmlns:a="http://schemas.openxmlformats.org/drawingml/2006/main" xmlns:r="http://schemas.openxmlformats.org/officeDocument/2006/relationships" xmlns:p="http://schemas.openxmlformats.org/presentationml/2006/main">
   <p:cSld>
     <p:spTree>
@@ -40975,7 +44688,7 @@
                 <a:cs typeface="Arial"/>
               </a:rPr>
               <a:pPr algn="ctr"/>
-              <a:t>24</a:t>
+              <a:t>26</a:t>
             </a:fld>
             <a:endParaRPr lang="nb-NO" sz="1400" b="0" i="0" dirty="0">
               <a:solidFill>
@@ -41150,17 +44863,17 @@
           <a:effectLst/>
           <a:extLst>
             <a:ext uri="{FAA26D3D-D897-4be2-8F04-BA451C77F1D7}">
-              <ma14:placeholderFlag xmlns:ma14="http://schemas.microsoft.com/office/mac/drawingml/2011/main" xmlns="" val="1"/>
+              <ma14:placeholderFlag xmlns="" xmlns:ma14="http://schemas.microsoft.com/office/mac/drawingml/2011/main" val="1"/>
             </a:ext>
             <a:ext uri="{909E8E84-426E-40dd-AFC4-6F175D3DCCD1}">
-              <a14:hiddenFill xmlns:a14="http://schemas.microsoft.com/office/drawing/2010/main" xmlns="">
+              <a14:hiddenFill xmlns="" xmlns:a14="http://schemas.microsoft.com/office/drawing/2010/main">
                 <a:solidFill>
                   <a:schemeClr val="bg1"/>
                 </a:solidFill>
               </a14:hiddenFill>
             </a:ext>
             <a:ext uri="{91240B29-F687-4f45-9708-019B960494DF}">
-              <a14:hiddenLine xmlns:a14="http://schemas.microsoft.com/office/drawing/2010/main" xmlns="" w="12700">
+              <a14:hiddenLine xmlns="" xmlns:a14="http://schemas.microsoft.com/office/drawing/2010/main" w="12700">
                 <a:pattFill prst="narHorz">
                   <a:fgClr>
                     <a:schemeClr val="tx1"/>
@@ -41175,7 +44888,7 @@
               </a14:hiddenLine>
             </a:ext>
             <a:ext uri="{AF507438-7753-43e0-B8FC-AC1667EBCBE1}">
-              <a14:hiddenEffects xmlns:a14="http://schemas.microsoft.com/office/drawing/2010/main" xmlns="">
+              <a14:hiddenEffects xmlns="" xmlns:a14="http://schemas.microsoft.com/office/drawing/2010/main">
                 <a:effectLst>
                   <a:outerShdw blurRad="63500" dist="38099" dir="2700000" algn="ctr" rotWithShape="0">
                     <a:schemeClr val="bg2">
@@ -41464,17 +45177,17 @@
           <a:effectLst/>
           <a:extLst>
             <a:ext uri="{FAA26D3D-D897-4be2-8F04-BA451C77F1D7}">
-              <ma14:placeholderFlag xmlns:ma14="http://schemas.microsoft.com/office/mac/drawingml/2011/main" xmlns="" val="1"/>
+              <ma14:placeholderFlag xmlns="" xmlns:ma14="http://schemas.microsoft.com/office/mac/drawingml/2011/main" val="1"/>
             </a:ext>
             <a:ext uri="{909E8E84-426E-40dd-AFC4-6F175D3DCCD1}">
-              <a14:hiddenFill xmlns:a14="http://schemas.microsoft.com/office/drawing/2010/main" xmlns="">
+              <a14:hiddenFill xmlns="" xmlns:a14="http://schemas.microsoft.com/office/drawing/2010/main">
                 <a:solidFill>
                   <a:schemeClr val="bg1"/>
                 </a:solidFill>
               </a14:hiddenFill>
             </a:ext>
             <a:ext uri="{91240B29-F687-4f45-9708-019B960494DF}">
-              <a14:hiddenLine xmlns:a14="http://schemas.microsoft.com/office/drawing/2010/main" xmlns="" w="12700">
+              <a14:hiddenLine xmlns="" xmlns:a14="http://schemas.microsoft.com/office/drawing/2010/main" w="12700">
                 <a:pattFill prst="narHorz">
                   <a:fgClr>
                     <a:schemeClr val="tx1"/>
@@ -41489,7 +45202,7 @@
               </a14:hiddenLine>
             </a:ext>
             <a:ext uri="{AF507438-7753-43e0-B8FC-AC1667EBCBE1}">
-              <a14:hiddenEffects xmlns:a14="http://schemas.microsoft.com/office/drawing/2010/main" xmlns="">
+              <a14:hiddenEffects xmlns="" xmlns:a14="http://schemas.microsoft.com/office/drawing/2010/main">
                 <a:effectLst>
                   <a:outerShdw blurRad="63500" dist="38099" dir="2700000" algn="ctr" rotWithShape="0">
                     <a:schemeClr val="bg2">
@@ -41790,17 +45503,17 @@
           <a:effectLst/>
           <a:extLst>
             <a:ext uri="{FAA26D3D-D897-4be2-8F04-BA451C77F1D7}">
-              <ma14:placeholderFlag xmlns:ma14="http://schemas.microsoft.com/office/mac/drawingml/2011/main" xmlns="" val="1"/>
+              <ma14:placeholderFlag xmlns="" xmlns:ma14="http://schemas.microsoft.com/office/mac/drawingml/2011/main" val="1"/>
             </a:ext>
             <a:ext uri="{909E8E84-426E-40dd-AFC4-6F175D3DCCD1}">
-              <a14:hiddenFill xmlns:a14="http://schemas.microsoft.com/office/drawing/2010/main" xmlns="">
+              <a14:hiddenFill xmlns="" xmlns:a14="http://schemas.microsoft.com/office/drawing/2010/main">
                 <a:solidFill>
                   <a:schemeClr val="bg1"/>
                 </a:solidFill>
               </a14:hiddenFill>
             </a:ext>
             <a:ext uri="{91240B29-F687-4f45-9708-019B960494DF}">
-              <a14:hiddenLine xmlns:a14="http://schemas.microsoft.com/office/drawing/2010/main" xmlns="" w="12700">
+              <a14:hiddenLine xmlns="" xmlns:a14="http://schemas.microsoft.com/office/drawing/2010/main" w="12700">
                 <a:pattFill prst="narHorz">
                   <a:fgClr>
                     <a:schemeClr val="tx1"/>
@@ -41815,7 +45528,7 @@
               </a14:hiddenLine>
             </a:ext>
             <a:ext uri="{AF507438-7753-43e0-B8FC-AC1667EBCBE1}">
-              <a14:hiddenEffects xmlns:a14="http://schemas.microsoft.com/office/drawing/2010/main" xmlns="">
+              <a14:hiddenEffects xmlns="" xmlns:a14="http://schemas.microsoft.com/office/drawing/2010/main">
                 <a:effectLst>
                   <a:outerShdw blurRad="63500" dist="38099" dir="2700000" algn="ctr" rotWithShape="0">
                     <a:schemeClr val="bg2">
@@ -42171,17 +45884,17 @@
           <a:effectLst/>
           <a:extLst>
             <a:ext uri="{FAA26D3D-D897-4be2-8F04-BA451C77F1D7}">
-              <ma14:placeholderFlag xmlns:ma14="http://schemas.microsoft.com/office/mac/drawingml/2011/main" xmlns="" val="1"/>
+              <ma14:placeholderFlag xmlns="" xmlns:ma14="http://schemas.microsoft.com/office/mac/drawingml/2011/main" val="1"/>
             </a:ext>
             <a:ext uri="{909E8E84-426E-40dd-AFC4-6F175D3DCCD1}">
-              <a14:hiddenFill xmlns:a14="http://schemas.microsoft.com/office/drawing/2010/main" xmlns="">
+              <a14:hiddenFill xmlns="" xmlns:a14="http://schemas.microsoft.com/office/drawing/2010/main">
                 <a:solidFill>
                   <a:schemeClr val="bg1"/>
                 </a:solidFill>
               </a14:hiddenFill>
             </a:ext>
             <a:ext uri="{91240B29-F687-4f45-9708-019B960494DF}">
-              <a14:hiddenLine xmlns:a14="http://schemas.microsoft.com/office/drawing/2010/main" xmlns="" w="12700">
+              <a14:hiddenLine xmlns="" xmlns:a14="http://schemas.microsoft.com/office/drawing/2010/main" w="12700">
                 <a:pattFill prst="narHorz">
                   <a:fgClr>
                     <a:schemeClr val="tx1"/>
@@ -42196,7 +45909,7 @@
               </a14:hiddenLine>
             </a:ext>
             <a:ext uri="{AF507438-7753-43e0-B8FC-AC1667EBCBE1}">
-              <a14:hiddenEffects xmlns:a14="http://schemas.microsoft.com/office/drawing/2010/main" xmlns="">
+              <a14:hiddenEffects xmlns="" xmlns:a14="http://schemas.microsoft.com/office/drawing/2010/main">
                 <a:effectLst>
                   <a:outerShdw blurRad="63500" dist="38099" dir="2700000" algn="ctr" rotWithShape="0">
                     <a:schemeClr val="bg2">
@@ -43194,17 +46907,17 @@
           <a:effectLst/>
           <a:extLst>
             <a:ext uri="{FAA26D3D-D897-4be2-8F04-BA451C77F1D7}">
-              <ma14:placeholderFlag xmlns:ma14="http://schemas.microsoft.com/office/mac/drawingml/2011/main" xmlns="" val="1"/>
+              <ma14:placeholderFlag xmlns="" xmlns:ma14="http://schemas.microsoft.com/office/mac/drawingml/2011/main" val="1"/>
             </a:ext>
             <a:ext uri="{909E8E84-426E-40dd-AFC4-6F175D3DCCD1}">
-              <a14:hiddenFill xmlns:a14="http://schemas.microsoft.com/office/drawing/2010/main" xmlns="">
+              <a14:hiddenFill xmlns="" xmlns:a14="http://schemas.microsoft.com/office/drawing/2010/main">
                 <a:solidFill>
                   <a:schemeClr val="bg1"/>
                 </a:solidFill>
               </a14:hiddenFill>
             </a:ext>
             <a:ext uri="{91240B29-F687-4f45-9708-019B960494DF}">
-              <a14:hiddenLine xmlns:a14="http://schemas.microsoft.com/office/drawing/2010/main" xmlns="" w="12700">
+              <a14:hiddenLine xmlns="" xmlns:a14="http://schemas.microsoft.com/office/drawing/2010/main" w="12700">
                 <a:pattFill prst="narHorz">
                   <a:fgClr>
                     <a:schemeClr val="tx1"/>
@@ -43219,7 +46932,7 @@
               </a14:hiddenLine>
             </a:ext>
             <a:ext uri="{AF507438-7753-43e0-B8FC-AC1667EBCBE1}">
-              <a14:hiddenEffects xmlns:a14="http://schemas.microsoft.com/office/drawing/2010/main" xmlns="">
+              <a14:hiddenEffects xmlns="" xmlns:a14="http://schemas.microsoft.com/office/drawing/2010/main">
                 <a:effectLst>
                   <a:outerShdw blurRad="63500" dist="38099" dir="2700000" algn="ctr" rotWithShape="0">
                     <a:schemeClr val="bg2">
@@ -43534,17 +47247,17 @@
           <a:effectLst/>
           <a:extLst>
             <a:ext uri="{FAA26D3D-D897-4be2-8F04-BA451C77F1D7}">
-              <ma14:placeholderFlag xmlns:ma14="http://schemas.microsoft.com/office/mac/drawingml/2011/main" xmlns="" val="1"/>
+              <ma14:placeholderFlag xmlns="" xmlns:ma14="http://schemas.microsoft.com/office/mac/drawingml/2011/main" val="1"/>
             </a:ext>
             <a:ext uri="{909E8E84-426E-40dd-AFC4-6F175D3DCCD1}">
-              <a14:hiddenFill xmlns:a14="http://schemas.microsoft.com/office/drawing/2010/main" xmlns="">
+              <a14:hiddenFill xmlns="" xmlns:a14="http://schemas.microsoft.com/office/drawing/2010/main">
                 <a:solidFill>
                   <a:schemeClr val="bg1"/>
                 </a:solidFill>
               </a14:hiddenFill>
             </a:ext>
             <a:ext uri="{91240B29-F687-4f45-9708-019B960494DF}">
-              <a14:hiddenLine xmlns:a14="http://schemas.microsoft.com/office/drawing/2010/main" xmlns="" w="12700">
+              <a14:hiddenLine xmlns="" xmlns:a14="http://schemas.microsoft.com/office/drawing/2010/main" w="12700">
                 <a:pattFill prst="narHorz">
                   <a:fgClr>
                     <a:schemeClr val="tx1"/>
@@ -43559,7 +47272,7 @@
               </a14:hiddenLine>
             </a:ext>
             <a:ext uri="{AF507438-7753-43e0-B8FC-AC1667EBCBE1}">
-              <a14:hiddenEffects xmlns:a14="http://schemas.microsoft.com/office/drawing/2010/main" xmlns="">
+              <a14:hiddenEffects xmlns="" xmlns:a14="http://schemas.microsoft.com/office/drawing/2010/main">
                 <a:effectLst>
                   <a:outerShdw blurRad="63500" dist="38099" dir="2700000" algn="ctr" rotWithShape="0">
                     <a:schemeClr val="bg2">
@@ -43883,17 +47596,17 @@
           <a:effectLst/>
           <a:extLst>
             <a:ext uri="{FAA26D3D-D897-4be2-8F04-BA451C77F1D7}">
-              <ma14:placeholderFlag xmlns:ma14="http://schemas.microsoft.com/office/mac/drawingml/2011/main" xmlns="" val="1"/>
+              <ma14:placeholderFlag xmlns="" xmlns:ma14="http://schemas.microsoft.com/office/mac/drawingml/2011/main" val="1"/>
             </a:ext>
             <a:ext uri="{909E8E84-426E-40dd-AFC4-6F175D3DCCD1}">
-              <a14:hiddenFill xmlns:a14="http://schemas.microsoft.com/office/drawing/2010/main" xmlns="">
+              <a14:hiddenFill xmlns="" xmlns:a14="http://schemas.microsoft.com/office/drawing/2010/main">
                 <a:solidFill>
                   <a:schemeClr val="bg1"/>
                 </a:solidFill>
               </a14:hiddenFill>
             </a:ext>
             <a:ext uri="{91240B29-F687-4f45-9708-019B960494DF}">
-              <a14:hiddenLine xmlns:a14="http://schemas.microsoft.com/office/drawing/2010/main" xmlns="" w="12700">
+              <a14:hiddenLine xmlns="" xmlns:a14="http://schemas.microsoft.com/office/drawing/2010/main" w="12700">
                 <a:pattFill prst="narHorz">
                   <a:fgClr>
                     <a:schemeClr val="tx1"/>
@@ -43908,7 +47621,7 @@
               </a14:hiddenLine>
             </a:ext>
             <a:ext uri="{AF507438-7753-43e0-B8FC-AC1667EBCBE1}">
-              <a14:hiddenEffects xmlns:a14="http://schemas.microsoft.com/office/drawing/2010/main" xmlns="">
+              <a14:hiddenEffects xmlns="" xmlns:a14="http://schemas.microsoft.com/office/drawing/2010/main">
                 <a:effectLst>
                   <a:outerShdw blurRad="63500" dist="38099" dir="2700000" algn="ctr" rotWithShape="0">
                     <a:schemeClr val="bg2">
@@ -44271,17 +47984,17 @@
           <a:effectLst/>
           <a:extLst>
             <a:ext uri="{FAA26D3D-D897-4be2-8F04-BA451C77F1D7}">
-              <ma14:placeholderFlag xmlns:ma14="http://schemas.microsoft.com/office/mac/drawingml/2011/main" xmlns="" val="1"/>
+              <ma14:placeholderFlag xmlns="" xmlns:ma14="http://schemas.microsoft.com/office/mac/drawingml/2011/main" val="1"/>
             </a:ext>
             <a:ext uri="{909E8E84-426E-40dd-AFC4-6F175D3DCCD1}">
-              <a14:hiddenFill xmlns:a14="http://schemas.microsoft.com/office/drawing/2010/main" xmlns="">
+              <a14:hiddenFill xmlns="" xmlns:a14="http://schemas.microsoft.com/office/drawing/2010/main">
                 <a:solidFill>
                   <a:schemeClr val="bg1"/>
                 </a:solidFill>
               </a14:hiddenFill>
             </a:ext>
             <a:ext uri="{91240B29-F687-4f45-9708-019B960494DF}">
-              <a14:hiddenLine xmlns:a14="http://schemas.microsoft.com/office/drawing/2010/main" xmlns="" w="12700">
+              <a14:hiddenLine xmlns="" xmlns:a14="http://schemas.microsoft.com/office/drawing/2010/main" w="12700">
                 <a:pattFill prst="narHorz">
                   <a:fgClr>
                     <a:schemeClr val="tx1"/>
@@ -44296,7 +48009,7 @@
               </a14:hiddenLine>
             </a:ext>
             <a:ext uri="{AF507438-7753-43e0-B8FC-AC1667EBCBE1}">
-              <a14:hiddenEffects xmlns:a14="http://schemas.microsoft.com/office/drawing/2010/main" xmlns="">
+              <a14:hiddenEffects xmlns="" xmlns:a14="http://schemas.microsoft.com/office/drawing/2010/main">
                 <a:effectLst>
                   <a:outerShdw blurRad="63500" dist="38099" dir="2700000" algn="ctr" rotWithShape="0">
                     <a:schemeClr val="bg2">
@@ -44611,17 +48324,17 @@
           <a:effectLst/>
           <a:extLst>
             <a:ext uri="{FAA26D3D-D897-4be2-8F04-BA451C77F1D7}">
-              <ma14:placeholderFlag xmlns:ma14="http://schemas.microsoft.com/office/mac/drawingml/2011/main" xmlns="" val="1"/>
+              <ma14:placeholderFlag xmlns="" xmlns:ma14="http://schemas.microsoft.com/office/mac/drawingml/2011/main" val="1"/>
             </a:ext>
             <a:ext uri="{909E8E84-426E-40dd-AFC4-6F175D3DCCD1}">
-              <a14:hiddenFill xmlns:a14="http://schemas.microsoft.com/office/drawing/2010/main" xmlns="">
+              <a14:hiddenFill xmlns="" xmlns:a14="http://schemas.microsoft.com/office/drawing/2010/main">
                 <a:solidFill>
                   <a:schemeClr val="bg1"/>
                 </a:solidFill>
               </a14:hiddenFill>
             </a:ext>
             <a:ext uri="{91240B29-F687-4f45-9708-019B960494DF}">
-              <a14:hiddenLine xmlns:a14="http://schemas.microsoft.com/office/drawing/2010/main" xmlns="" w="12700">
+              <a14:hiddenLine xmlns="" xmlns:a14="http://schemas.microsoft.com/office/drawing/2010/main" w="12700">
                 <a:pattFill prst="narHorz">
                   <a:fgClr>
                     <a:schemeClr val="tx1"/>
@@ -44636,7 +48349,7 @@
               </a14:hiddenLine>
             </a:ext>
             <a:ext uri="{AF507438-7753-43e0-B8FC-AC1667EBCBE1}">
-              <a14:hiddenEffects xmlns:a14="http://schemas.microsoft.com/office/drawing/2010/main" xmlns="">
+              <a14:hiddenEffects xmlns="" xmlns:a14="http://schemas.microsoft.com/office/drawing/2010/main">
                 <a:effectLst>
                   <a:outerShdw blurRad="63500" dist="38099" dir="2700000" algn="ctr" rotWithShape="0">
                     <a:schemeClr val="bg2">
@@ -44960,17 +48673,17 @@
           <a:effectLst/>
           <a:extLst>
             <a:ext uri="{FAA26D3D-D897-4be2-8F04-BA451C77F1D7}">
-              <ma14:placeholderFlag xmlns:ma14="http://schemas.microsoft.com/office/mac/drawingml/2011/main" xmlns="" val="1"/>
+              <ma14:placeholderFlag xmlns="" xmlns:ma14="http://schemas.microsoft.com/office/mac/drawingml/2011/main" val="1"/>
             </a:ext>
             <a:ext uri="{909E8E84-426E-40dd-AFC4-6F175D3DCCD1}">
-              <a14:hiddenFill xmlns:a14="http://schemas.microsoft.com/office/drawing/2010/main" xmlns="">
+              <a14:hiddenFill xmlns="" xmlns:a14="http://schemas.microsoft.com/office/drawing/2010/main">
                 <a:solidFill>
                   <a:schemeClr val="bg1"/>
                 </a:solidFill>
               </a14:hiddenFill>
             </a:ext>
             <a:ext uri="{91240B29-F687-4f45-9708-019B960494DF}">
-              <a14:hiddenLine xmlns:a14="http://schemas.microsoft.com/office/drawing/2010/main" xmlns="" w="12700">
+              <a14:hiddenLine xmlns="" xmlns:a14="http://schemas.microsoft.com/office/drawing/2010/main" w="12700">
                 <a:pattFill prst="narHorz">
                   <a:fgClr>
                     <a:schemeClr val="tx1"/>
@@ -44985,7 +48698,7 @@
               </a14:hiddenLine>
             </a:ext>
             <a:ext uri="{AF507438-7753-43e0-B8FC-AC1667EBCBE1}">
-              <a14:hiddenEffects xmlns:a14="http://schemas.microsoft.com/office/drawing/2010/main" xmlns="">
+              <a14:hiddenEffects xmlns="" xmlns:a14="http://schemas.microsoft.com/office/drawing/2010/main">
                 <a:effectLst>
                   <a:outerShdw blurRad="63500" dist="38099" dir="2700000" algn="ctr" rotWithShape="0">
                     <a:schemeClr val="bg2">
@@ -46361,7 +50074,7 @@
         <a:effectLst/>
         <a:extLst>
           <a:ext uri="{AF507438-7753-43e0-B8FC-AC1667EBCBE1}">
-            <a14:hiddenEffects xmlns:a14="http://schemas.microsoft.com/office/drawing/2010/main" xmlns="">
+            <a14:hiddenEffects xmlns="" xmlns:a14="http://schemas.microsoft.com/office/drawing/2010/main">
               <a:effectLst>
                 <a:outerShdw dist="35921" dir="2700000" algn="ctr" rotWithShape="0">
                   <a:schemeClr val="bg2"/>
@@ -46434,7 +50147,7 @@
         <a:effectLst/>
         <a:extLst>
           <a:ext uri="{AF507438-7753-43e0-B8FC-AC1667EBCBE1}">
-            <a14:hiddenEffects xmlns:a14="http://schemas.microsoft.com/office/drawing/2010/main" xmlns="">
+            <a14:hiddenEffects xmlns="" xmlns:a14="http://schemas.microsoft.com/office/drawing/2010/main">
               <a:effectLst>
                 <a:outerShdw dist="35921" dir="2700000" algn="ctr" rotWithShape="0">
                   <a:schemeClr val="bg2"/>

--- a/PPTs/L3-Exercises ANS.pptx
+++ b/PPTs/L3-Exercises ANS.pptx
@@ -3794,6 +3794,52 @@
         <p:txBody>
           <a:bodyPr/>
           <a:lstStyle/>
+          <a:p>
+            <a:pPr algn="l"/>
+            <a:r>
+              <a:rPr lang="en-GB" b="0" i="0" dirty="0">
+                <a:effectLst/>
+                <a:latin typeface="fkGroteskNeue"/>
+              </a:rPr>
+              <a:t>Once a thread exits its critical section, it resets its flag to false, allowing the other thread to proceed.</a:t>
+            </a:r>
+          </a:p>
+          <a:p>
+            <a:pPr algn="l">
+              <a:buFont typeface="Arial" panose="020B0604020202020204" pitchFamily="34" charset="0"/>
+              <a:buChar char="•"/>
+            </a:pPr>
+            <a:r>
+              <a:rPr lang="en-GB" b="0" i="0">
+                <a:effectLst/>
+                <a:latin typeface="fkGroteskNeue"/>
+              </a:rPr>
+              <a:t>This ensures that no thread can repeatedly enter the CS and starve the other, provided both threads are actively trying to access the CS.</a:t>
+            </a:r>
+          </a:p>
+          <a:p>
+            <a:pPr marL="0" marR="0" lvl="0" indent="0" algn="l" defTabSz="914400" rtl="0" eaLnBrk="0" fontAlgn="base" latinLnBrk="0" hangingPunct="0">
+              <a:lnSpc>
+                <a:spcPct val="90000"/>
+              </a:lnSpc>
+              <a:spcBef>
+                <a:spcPct val="40000"/>
+              </a:spcBef>
+              <a:spcAft>
+                <a:spcPct val="0"/>
+              </a:spcAft>
+              <a:buClrTx/>
+              <a:buSzTx/>
+              <a:buFontTx/>
+              <a:buNone/>
+              <a:tabLst/>
+              <a:defRPr/>
+            </a:pPr>
+            <a:endParaRPr lang="en-GB" altLang="zh-CN" sz="1200" b="0" kern="0">
+              <a:latin typeface="Courier New" panose="02070309020205020404" pitchFamily="49" charset="0"/>
+              <a:cs typeface="Courier New" panose="02070309020205020404" pitchFamily="49" charset="0"/>
+            </a:endParaRPr>
+          </a:p>
           <a:p>
             <a:pPr marL="0" marR="0" lvl="0" indent="0" algn="l" defTabSz="914400" rtl="0" eaLnBrk="0" fontAlgn="base" latinLnBrk="0" hangingPunct="0">
               <a:lnSpc>
@@ -10727,7 +10773,7 @@
           <a:p>
             <a:r>
               <a:rPr lang="en-GB" kern="0" dirty="0"/>
-              <a:t>Progress (Deadlock-Free): Not guaranteed. If both threads set their flags simultaneously, they will block each other indefinitely, resulting in deadlock.</a:t>
+              <a:t>Progress (Deadlock-Free): Not satisfied. If both threads set their flags simultaneously, they will block each other indefinitely, resulting in deadlock.</a:t>
             </a:r>
           </a:p>
           <a:p>
@@ -10736,7 +10782,7 @@
           <a:p>
             <a:r>
               <a:rPr lang="en-GB" kern="0" dirty="0"/>
-              <a:t>Bounded Waiting (Starvation-Free): Not satisfied. There is no mechanism to ensure fairness or bounded waiting, as one thread can repeatedly enter the CS and starve the other thread.</a:t>
+              <a:t>Bounded Waiting (Starvation-Free): Achieved. One thread cannot repeatedly enter the CS and starve the other thread, if the other thread is waiting.</a:t>
             </a:r>
           </a:p>
         </p:txBody>
@@ -11990,7 +12036,7 @@
         </p:spPr>
         <p:txBody>
           <a:bodyPr>
-            <a:normAutofit fontScale="85000" lnSpcReduction="20000"/>
+            <a:normAutofit fontScale="85000" lnSpcReduction="10000"/>
           </a:bodyPr>
           <a:lstStyle/>
           <a:p>
@@ -12005,7 +12051,7 @@
           <a:p>
             <a:r>
               <a:rPr lang="en-GB" dirty="0"/>
-              <a:t>Progress (Deadlock-Free): Guaranteed. The turn variable ensures that if both threads want to enter their critical sections, one will eventually proceed. It is not possible for each thread to be blocked forever waiting for each other.</a:t>
+              <a:t>Progress (Deadlock-Free): Achieved. The turn variable ensures that if both threads want to enter their critical sections, one will eventually proceed. It is not possible for each thread to be blocked forever waiting for each other.</a:t>
             </a:r>
           </a:p>
           <a:p>
@@ -12014,7 +12060,7 @@
           <a:p>
             <a:r>
               <a:rPr lang="en-GB" dirty="0"/>
-              <a:t>Bounded Waiting (Starvation-Free): Guaranteed. Each thread gets a fair chance to enter its critical section due to the alternation enforced by the turn variable.</a:t>
+              <a:t>Bounded Waiting (Starvation-Free): Achieved. Each thread gets a fair chance to enter its critical section due to the alternation enforced by the turn variable.</a:t>
             </a:r>
           </a:p>
         </p:txBody>
@@ -33830,7 +33876,7 @@
           <a:p>
             <a:r>
               <a:rPr lang="en-GB" dirty="0"/>
-              <a:t>Solution 2(right): s2 has initial value 1, so f2 calls S2.wait() and runs first. The rest of the same as Solution 1. You can see that initializing s2=0 has the same effect as initializing s2=1 and let f2 call S2.wait() first. So Solution 1 is better with one less call to wait().</a:t>
+              <a:t>Solution 2 (right): s2 has initial value 1, so f2 calls S2.wait() and runs first. The rest of the same as Solution 1. You can see that initializing s2=0 has the same effect as initializing s2=1 and let f2 call S2.wait() first. So Solution 1 is better with one less call to wait().</a:t>
             </a:r>
           </a:p>
         </p:txBody>
@@ -44784,8 +44830,8 @@
         </p:nvSpPr>
         <p:spPr>
           <a:xfrm>
-            <a:off x="812800" y="2695986"/>
-            <a:ext cx="10566400" cy="4009614"/>
+            <a:off x="533400" y="2695986"/>
+            <a:ext cx="10972800" cy="4009614"/>
           </a:xfrm>
         </p:spPr>
         <p:txBody>
@@ -44809,15 +44855,7 @@
           <a:p>
             <a:r>
               <a:rPr lang="en-GB" dirty="0"/>
-              <a:t>ANS2: Possible </a:t>
-            </a:r>
-            <a:r>
-              <a:rPr lang="en-GB"/>
-              <a:t>final values of x </a:t>
-            </a:r>
-            <a:r>
-              <a:rPr lang="en-GB" dirty="0"/>
-              <a:t>are 5, 7, 9, 11, 13, or 15. Min: 5. Max: 15. </a:t>
+              <a:t>ANS2: Possible final values of x are 5, 7, 9, 11, 13, or 15. Min: 5. Max: 15. </a:t>
             </a:r>
           </a:p>
           <a:p>
@@ -46809,8 +46847,8 @@
         </p:nvSpPr>
         <p:spPr>
           <a:xfrm>
-            <a:off x="333122" y="3902416"/>
-            <a:ext cx="11831738" cy="2519820"/>
+            <a:off x="433261" y="4166991"/>
+            <a:ext cx="11325478" cy="2519820"/>
           </a:xfrm>
         </p:spPr>
         <p:txBody>
@@ -46890,8 +46928,8 @@
         </p:nvSpPr>
         <p:spPr bwMode="auto">
           <a:xfrm>
-            <a:off x="2514600" y="1695674"/>
-            <a:ext cx="3699076" cy="1811539"/>
+            <a:off x="2327476" y="1695674"/>
+            <a:ext cx="3886200" cy="2206742"/>
           </a:xfrm>
           <a:prstGeom prst="rect">
             <a:avLst/>
@@ -47162,6 +47200,18 @@
           </a:p>
           <a:p>
             <a:pPr marL="0" indent="0">
+              <a:buNone/>
+            </a:pPr>
+            <a:r>
+              <a:rPr lang="en-GB" altLang="zh-CN" sz="1700" b="0" kern="0" dirty="0">
+                <a:latin typeface="Courier New" panose="02070309020205020404" pitchFamily="49" charset="0"/>
+                <a:cs typeface="Courier New" panose="02070309020205020404" pitchFamily="49" charset="0"/>
+              </a:rPr>
+              <a:t>    //Spin-waits if S0 == S1</a:t>
+            </a:r>
+          </a:p>
+          <a:p>
+            <a:pPr marL="0" indent="0">
               <a:buFontTx/>
               <a:buNone/>
             </a:pPr>
@@ -47170,7 +47220,7 @@
                 <a:latin typeface="Courier New" panose="02070309020205020404" pitchFamily="49" charset="0"/>
                 <a:cs typeface="Courier New" panose="02070309020205020404" pitchFamily="49" charset="0"/>
               </a:rPr>
-              <a:t>    while (S0 == S1);</a:t>
+              <a:t>    while (S0 == S1);     </a:t>
             </a:r>
           </a:p>
           <a:p>
@@ -47231,7 +47281,7 @@
         <p:spPr bwMode="auto">
           <a:xfrm>
             <a:off x="6324600" y="1695673"/>
-            <a:ext cx="3699076" cy="1811539"/>
+            <a:ext cx="3886200" cy="2206743"/>
           </a:xfrm>
           <a:prstGeom prst="rect">
             <a:avLst/>
@@ -47497,7 +47547,19 @@
                 <a:latin typeface="Courier New" panose="02070309020205020404" pitchFamily="49" charset="0"/>
                 <a:cs typeface="Courier New" panose="02070309020205020404" pitchFamily="49" charset="0"/>
               </a:rPr>
-              <a:t>while (true) {  </a:t>
+              <a:t>while (true) {</a:t>
+            </a:r>
+          </a:p>
+          <a:p>
+            <a:pPr marL="0" indent="0">
+              <a:buNone/>
+            </a:pPr>
+            <a:r>
+              <a:rPr lang="en-GB" altLang="zh-CN" sz="1700" b="0" kern="0" dirty="0">
+                <a:latin typeface="Courier New" panose="02070309020205020404" pitchFamily="49" charset="0"/>
+                <a:cs typeface="Courier New" panose="02070309020205020404" pitchFamily="49" charset="0"/>
+              </a:rPr>
+              <a:t>    //Spin-waits if S0 != S1</a:t>
             </a:r>
           </a:p>
           <a:p>
@@ -47536,19 +47598,8 @@
                 <a:latin typeface="Courier New" panose="02070309020205020404" pitchFamily="49" charset="0"/>
                 <a:cs typeface="Courier New" panose="02070309020205020404" pitchFamily="49" charset="0"/>
               </a:rPr>
-              <a:t>    S1 = </a:t>
-            </a:r>
-            <a:r>
-              <a:rPr lang="en-GB" altLang="zh-CN" sz="1700" b="0" kern="0">
-                <a:latin typeface="Courier New" panose="02070309020205020404" pitchFamily="49" charset="0"/>
-                <a:cs typeface="Courier New" panose="02070309020205020404" pitchFamily="49" charset="0"/>
-              </a:rPr>
-              <a:t>!S0;</a:t>
-            </a:r>
-            <a:endParaRPr lang="en-GB" altLang="zh-CN" sz="1700" b="0" kern="0" dirty="0">
-              <a:latin typeface="Courier New" panose="02070309020205020404" pitchFamily="49" charset="0"/>
-              <a:cs typeface="Courier New" panose="02070309020205020404" pitchFamily="49" charset="0"/>
-            </a:endParaRPr>
+              <a:t>    S1 = !S0;</a:t>
+            </a:r>
           </a:p>
           <a:p>
             <a:pPr marL="0" indent="0">
@@ -47934,7 +47985,7 @@
         <p:spPr>
           <a:xfrm>
             <a:off x="333122" y="3902416"/>
-            <a:ext cx="11831738" cy="2519820"/>
+            <a:ext cx="8887078" cy="2519820"/>
           </a:xfrm>
         </p:spPr>
         <p:txBody>
@@ -47945,7 +47996,7 @@
           <a:p>
             <a:r>
               <a:rPr lang="en-GB" dirty="0"/>
-              <a:t>T0 and T1 take turns to enter the critical se</a:t>
+              <a:t>T0 and T1 take turns to enter the critical section in strict alternation order .</a:t>
             </a:r>
             <a:endParaRPr lang="en-SE" dirty="0"/>
           </a:p>
@@ -49746,8 +49797,8 @@
         </p:nvSpPr>
         <p:spPr>
           <a:xfrm>
-            <a:off x="457200" y="787052"/>
-            <a:ext cx="11125199" cy="5943600"/>
+            <a:off x="457200" y="710852"/>
+            <a:ext cx="11125199" cy="6147148"/>
           </a:xfrm>
         </p:spPr>
         <p:txBody>
@@ -49776,7 +49827,7 @@
           <a:p>
             <a:r>
               <a:rPr lang="en-GB" dirty="0"/>
-              <a:t>Bounded Waiting (Starvation-Free): Achieved. Both threads actively participating in strict alternation order, i.e., T0, T1, T0, T1.</a:t>
+              <a:t>Bounded Waiting (Starvation-Free): Achieved. Both threads enter each one’s critical section in strict alternation order, i.e., T0, T1, T0, T1…</a:t>
             </a:r>
           </a:p>
           <a:p>
@@ -49805,7 +49856,7 @@
             </a:r>
             <a:r>
               <a:rPr lang="en-GB" dirty="0"/>
-              <a:t>). But in this solution, each thread reads both S0 and S1, but T0 only updates S0 and T1 only updates S1, so no mutual exclusion is needed.</a:t>
+              <a:t>) of the shared flag variable. But in this solution, each thread reads both S0 and S1, but T0 only updates S0 and T1 only updates S1, so no mutual exclusion is needed.</a:t>
             </a:r>
           </a:p>
           <a:p>

--- a/PPTs/L3-Exercises ANS.pptx
+++ b/PPTs/L3-Exercises ANS.pptx
@@ -233,14 +233,14 @@
           <a:effectLst/>
           <a:extLst>
             <a:ext uri="{909E8E84-426E-40dd-AFC4-6F175D3DCCD1}">
-              <a14:hiddenFill xmlns="" xmlns:a14="http://schemas.microsoft.com/office/drawing/2010/main">
+              <a14:hiddenFill xmlns:a14="http://schemas.microsoft.com/office/drawing/2010/main" xmlns="">
                 <a:solidFill>
                   <a:schemeClr val="bg1"/>
                 </a:solidFill>
               </a14:hiddenFill>
             </a:ext>
             <a:ext uri="{91240B29-F687-4f45-9708-019B960494DF}">
-              <a14:hiddenLine xmlns="" xmlns:a14="http://schemas.microsoft.com/office/drawing/2010/main" w="12700">
+              <a14:hiddenLine xmlns:a14="http://schemas.microsoft.com/office/drawing/2010/main" xmlns="" w="12700">
                 <a:pattFill prst="narHorz">
                   <a:fgClr>
                     <a:schemeClr val="tx1"/>
@@ -255,7 +255,7 @@
               </a14:hiddenLine>
             </a:ext>
             <a:ext uri="{AF507438-7753-43e0-B8FC-AC1667EBCBE1}">
-              <a14:hiddenEffects xmlns="" xmlns:a14="http://schemas.microsoft.com/office/drawing/2010/main">
+              <a14:hiddenEffects xmlns:a14="http://schemas.microsoft.com/office/drawing/2010/main" xmlns="">
                 <a:effectLst>
                   <a:outerShdw dist="35921" dir="2700000" algn="ctr" rotWithShape="0">
                     <a:schemeClr val="bg2"/>
@@ -361,14 +361,14 @@
           <a:effectLst/>
           <a:extLst>
             <a:ext uri="{909E8E84-426E-40dd-AFC4-6F175D3DCCD1}">
-              <a14:hiddenFill xmlns="" xmlns:a14="http://schemas.microsoft.com/office/drawing/2010/main">
+              <a14:hiddenFill xmlns:a14="http://schemas.microsoft.com/office/drawing/2010/main" xmlns="">
                 <a:solidFill>
                   <a:schemeClr val="bg1"/>
                 </a:solidFill>
               </a14:hiddenFill>
             </a:ext>
             <a:ext uri="{91240B29-F687-4f45-9708-019B960494DF}">
-              <a14:hiddenLine xmlns="" xmlns:a14="http://schemas.microsoft.com/office/drawing/2010/main" w="12700">
+              <a14:hiddenLine xmlns:a14="http://schemas.microsoft.com/office/drawing/2010/main" xmlns="" w="12700">
                 <a:pattFill prst="narHorz">
                   <a:fgClr>
                     <a:schemeClr val="tx1"/>
@@ -383,7 +383,7 @@
               </a14:hiddenLine>
             </a:ext>
             <a:ext uri="{AF507438-7753-43e0-B8FC-AC1667EBCBE1}">
-              <a14:hiddenEffects xmlns="" xmlns:a14="http://schemas.microsoft.com/office/drawing/2010/main">
+              <a14:hiddenEffects xmlns:a14="http://schemas.microsoft.com/office/drawing/2010/main" xmlns="">
                 <a:effectLst>
                   <a:outerShdw dist="35921" dir="2700000" algn="ctr" rotWithShape="0">
                     <a:schemeClr val="bg2"/>
@@ -451,17 +451,17 @@
           <a:effectLst/>
           <a:extLst>
             <a:ext uri="{FAA26D3D-D897-4be2-8F04-BA451C77F1D7}">
-              <ma14:placeholderFlag xmlns="" xmlns:ma14="http://schemas.microsoft.com/office/mac/drawingml/2011/main" val="1"/>
+              <ma14:placeholderFlag xmlns:ma14="http://schemas.microsoft.com/office/mac/drawingml/2011/main" xmlns="" val="1"/>
             </a:ext>
             <a:ext uri="{909E8E84-426E-40dd-AFC4-6F175D3DCCD1}">
-              <a14:hiddenFill xmlns="" xmlns:a14="http://schemas.microsoft.com/office/drawing/2010/main">
+              <a14:hiddenFill xmlns:a14="http://schemas.microsoft.com/office/drawing/2010/main" xmlns="">
                 <a:solidFill>
                   <a:srgbClr val="FFFFFF"/>
                 </a:solidFill>
               </a14:hiddenFill>
             </a:ext>
             <a:ext uri="{AF507438-7753-43e0-B8FC-AC1667EBCBE1}">
-              <a14:hiddenEffects xmlns="" xmlns:a14="http://schemas.microsoft.com/office/drawing/2010/main">
+              <a14:hiddenEffects xmlns:a14="http://schemas.microsoft.com/office/drawing/2010/main" xmlns="">
                 <a:effectLst>
                   <a:outerShdw blurRad="63500" dist="38099" dir="2700000" algn="ctr" rotWithShape="0">
                     <a:srgbClr val="000000">
@@ -472,7 +472,7 @@
               </a14:hiddenEffects>
             </a:ext>
             <a:ext uri="{53640926-AAD7-44d8-BBD7-CCE9431645EC}">
-              <a14:shadowObscured xmlns="" xmlns:a14="http://schemas.microsoft.com/office/drawing/2010/main" val="1"/>
+              <a14:shadowObscured xmlns:a14="http://schemas.microsoft.com/office/drawing/2010/main" xmlns="" val="1"/>
             </a:ext>
           </a:extLst>
         </p:spPr>
@@ -502,14 +502,14 @@
           <a:effectLst/>
           <a:extLst>
             <a:ext uri="{909E8E84-426E-40dd-AFC4-6F175D3DCCD1}">
-              <a14:hiddenFill xmlns="" xmlns:a14="http://schemas.microsoft.com/office/drawing/2010/main">
+              <a14:hiddenFill xmlns:a14="http://schemas.microsoft.com/office/drawing/2010/main" xmlns="">
                 <a:solidFill>
                   <a:schemeClr val="bg1"/>
                 </a:solidFill>
               </a14:hiddenFill>
             </a:ext>
             <a:ext uri="{91240B29-F687-4f45-9708-019B960494DF}">
-              <a14:hiddenLine xmlns="" xmlns:a14="http://schemas.microsoft.com/office/drawing/2010/main" w="12700">
+              <a14:hiddenLine xmlns:a14="http://schemas.microsoft.com/office/drawing/2010/main" xmlns="" w="12700">
                 <a:pattFill prst="narHorz">
                   <a:fgClr>
                     <a:schemeClr val="tx1"/>
@@ -524,7 +524,7 @@
               </a14:hiddenLine>
             </a:ext>
             <a:ext uri="{AF507438-7753-43e0-B8FC-AC1667EBCBE1}">
-              <a14:hiddenEffects xmlns="" xmlns:a14="http://schemas.microsoft.com/office/drawing/2010/main">
+              <a14:hiddenEffects xmlns:a14="http://schemas.microsoft.com/office/drawing/2010/main" xmlns="">
                 <a:effectLst>
                   <a:outerShdw dist="35921" dir="2700000" algn="ctr" rotWithShape="0">
                     <a:schemeClr val="bg2"/>
@@ -774,10 +774,10 @@
         <p:spPr>
           <a:extLst>
             <a:ext uri="{FAA26D3D-D897-4be2-8F04-BA451C77F1D7}">
-              <ma14:placeholderFlag xmlns="" xmlns:ma14="http://schemas.microsoft.com/office/mac/drawingml/2011/main" val="1"/>
+              <ma14:placeholderFlag xmlns:ma14="http://schemas.microsoft.com/office/mac/drawingml/2011/main" xmlns="" val="1"/>
             </a:ext>
             <a:ext uri="{AF507438-7753-43e0-B8FC-AC1667EBCBE1}">
-              <a14:hiddenEffects xmlns="" xmlns:a14="http://schemas.microsoft.com/office/drawing/2010/main">
+              <a14:hiddenEffects xmlns:a14="http://schemas.microsoft.com/office/drawing/2010/main" xmlns="">
                 <a:effectLst>
                   <a:outerShdw blurRad="63500" dist="38099" dir="2700000" algn="ctr" rotWithShape="0">
                     <a:schemeClr val="bg2">
@@ -6453,17 +6453,17 @@
           <a:effectLst/>
           <a:extLst>
             <a:ext uri="{FAA26D3D-D897-4be2-8F04-BA451C77F1D7}">
-              <ma14:placeholderFlag xmlns="" xmlns:ma14="http://schemas.microsoft.com/office/mac/drawingml/2011/main" val="1"/>
+              <ma14:placeholderFlag xmlns:ma14="http://schemas.microsoft.com/office/mac/drawingml/2011/main" xmlns="" val="1"/>
             </a:ext>
             <a:ext uri="{909E8E84-426E-40dd-AFC4-6F175D3DCCD1}">
-              <a14:hiddenFill xmlns="" xmlns:a14="http://schemas.microsoft.com/office/drawing/2010/main">
+              <a14:hiddenFill xmlns:a14="http://schemas.microsoft.com/office/drawing/2010/main" xmlns="">
                 <a:solidFill>
                   <a:schemeClr val="bg1"/>
                 </a:solidFill>
               </a14:hiddenFill>
             </a:ext>
             <a:ext uri="{91240B29-F687-4f45-9708-019B960494DF}">
-              <a14:hiddenLine xmlns="" xmlns:a14="http://schemas.microsoft.com/office/drawing/2010/main" w="12700">
+              <a14:hiddenLine xmlns:a14="http://schemas.microsoft.com/office/drawing/2010/main" xmlns="" w="12700">
                 <a:pattFill prst="narHorz">
                   <a:fgClr>
                     <a:schemeClr val="tx1"/>
@@ -6478,7 +6478,7 @@
               </a14:hiddenLine>
             </a:ext>
             <a:ext uri="{AF507438-7753-43e0-B8FC-AC1667EBCBE1}">
-              <a14:hiddenEffects xmlns="" xmlns:a14="http://schemas.microsoft.com/office/drawing/2010/main">
+              <a14:hiddenEffects xmlns:a14="http://schemas.microsoft.com/office/drawing/2010/main" xmlns="">
                 <a:effectLst>
                   <a:outerShdw blurRad="63500" dist="38099" dir="2700000" algn="ctr" rotWithShape="0">
                     <a:schemeClr val="bg2">
@@ -6531,17 +6531,17 @@
           <a:effectLst/>
           <a:extLst>
             <a:ext uri="{FAA26D3D-D897-4be2-8F04-BA451C77F1D7}">
-              <ma14:placeholderFlag xmlns="" xmlns:ma14="http://schemas.microsoft.com/office/mac/drawingml/2011/main" val="1"/>
+              <ma14:placeholderFlag xmlns:ma14="http://schemas.microsoft.com/office/mac/drawingml/2011/main" xmlns="" val="1"/>
             </a:ext>
             <a:ext uri="{909E8E84-426E-40dd-AFC4-6F175D3DCCD1}">
-              <a14:hiddenFill xmlns="" xmlns:a14="http://schemas.microsoft.com/office/drawing/2010/main">
+              <a14:hiddenFill xmlns:a14="http://schemas.microsoft.com/office/drawing/2010/main" xmlns="">
                 <a:solidFill>
                   <a:schemeClr val="bg1"/>
                 </a:solidFill>
               </a14:hiddenFill>
             </a:ext>
             <a:ext uri="{91240B29-F687-4f45-9708-019B960494DF}">
-              <a14:hiddenLine xmlns="" xmlns:a14="http://schemas.microsoft.com/office/drawing/2010/main" w="12700">
+              <a14:hiddenLine xmlns:a14="http://schemas.microsoft.com/office/drawing/2010/main" xmlns="" w="12700">
                 <a:pattFill prst="narHorz">
                   <a:fgClr>
                     <a:schemeClr val="tx1"/>
@@ -6556,7 +6556,7 @@
               </a14:hiddenLine>
             </a:ext>
             <a:ext uri="{AF507438-7753-43e0-B8FC-AC1667EBCBE1}">
-              <a14:hiddenEffects xmlns="" xmlns:a14="http://schemas.microsoft.com/office/drawing/2010/main">
+              <a14:hiddenEffects xmlns:a14="http://schemas.microsoft.com/office/drawing/2010/main" xmlns="">
                 <a:effectLst>
                   <a:outerShdw blurRad="63500" dist="38099" dir="2700000" algn="ctr" rotWithShape="0">
                     <a:schemeClr val="bg2">
@@ -6640,12 +6640,12 @@
           <a:effectLst/>
           <a:extLst>
             <a:ext uri="{909E8E84-426E-40dd-AFC4-6F175D3DCCD1}">
-              <a14:hiddenFill xmlns="" xmlns:a14="http://schemas.microsoft.com/office/drawing/2010/main">
+              <a14:hiddenFill xmlns:a14="http://schemas.microsoft.com/office/drawing/2010/main" xmlns="">
                 <a:noFill/>
               </a14:hiddenFill>
             </a:ext>
             <a:ext uri="{AF507438-7753-43e0-B8FC-AC1667EBCBE1}">
-              <a14:hiddenEffects xmlns="" xmlns:a14="http://schemas.microsoft.com/office/drawing/2010/main">
+              <a14:hiddenEffects xmlns:a14="http://schemas.microsoft.com/office/drawing/2010/main" xmlns="">
                 <a:effectLst>
                   <a:outerShdw blurRad="63500" dist="38099" dir="2700000" algn="ctr" rotWithShape="0">
                     <a:schemeClr val="bg2">
@@ -7622,17 +7622,17 @@
           <a:effectLst/>
           <a:extLst>
             <a:ext uri="{FAA26D3D-D897-4be2-8F04-BA451C77F1D7}">
-              <ma14:placeholderFlag xmlns="" xmlns:ma14="http://schemas.microsoft.com/office/mac/drawingml/2011/main" val="1"/>
+              <ma14:placeholderFlag xmlns:ma14="http://schemas.microsoft.com/office/mac/drawingml/2011/main" xmlns="" val="1"/>
             </a:ext>
             <a:ext uri="{909E8E84-426E-40dd-AFC4-6F175D3DCCD1}">
-              <a14:hiddenFill xmlns="" xmlns:a14="http://schemas.microsoft.com/office/drawing/2010/main">
+              <a14:hiddenFill xmlns:a14="http://schemas.microsoft.com/office/drawing/2010/main" xmlns="">
                 <a:solidFill>
                   <a:schemeClr val="bg1"/>
                 </a:solidFill>
               </a14:hiddenFill>
             </a:ext>
             <a:ext uri="{91240B29-F687-4f45-9708-019B960494DF}">
-              <a14:hiddenLine xmlns="" xmlns:a14="http://schemas.microsoft.com/office/drawing/2010/main" w="12700">
+              <a14:hiddenLine xmlns:a14="http://schemas.microsoft.com/office/drawing/2010/main" xmlns="" w="12700">
                 <a:pattFill prst="narHorz">
                   <a:fgClr>
                     <a:schemeClr val="tx1"/>
@@ -7647,7 +7647,7 @@
               </a14:hiddenLine>
             </a:ext>
             <a:ext uri="{AF507438-7753-43e0-B8FC-AC1667EBCBE1}">
-              <a14:hiddenEffects xmlns="" xmlns:a14="http://schemas.microsoft.com/office/drawing/2010/main">
+              <a14:hiddenEffects xmlns:a14="http://schemas.microsoft.com/office/drawing/2010/main" xmlns="">
                 <a:effectLst>
                   <a:outerShdw blurRad="63500" dist="38099" dir="2700000" algn="ctr" rotWithShape="0">
                     <a:schemeClr val="bg2">
@@ -7975,17 +7975,17 @@
           <a:effectLst/>
           <a:extLst>
             <a:ext uri="{FAA26D3D-D897-4be2-8F04-BA451C77F1D7}">
-              <ma14:placeholderFlag xmlns="" xmlns:ma14="http://schemas.microsoft.com/office/mac/drawingml/2011/main" val="1"/>
+              <ma14:placeholderFlag xmlns:ma14="http://schemas.microsoft.com/office/mac/drawingml/2011/main" xmlns="" val="1"/>
             </a:ext>
             <a:ext uri="{909E8E84-426E-40dd-AFC4-6F175D3DCCD1}">
-              <a14:hiddenFill xmlns="" xmlns:a14="http://schemas.microsoft.com/office/drawing/2010/main">
+              <a14:hiddenFill xmlns:a14="http://schemas.microsoft.com/office/drawing/2010/main" xmlns="">
                 <a:solidFill>
                   <a:schemeClr val="bg1"/>
                 </a:solidFill>
               </a14:hiddenFill>
             </a:ext>
             <a:ext uri="{91240B29-F687-4f45-9708-019B960494DF}">
-              <a14:hiddenLine xmlns="" xmlns:a14="http://schemas.microsoft.com/office/drawing/2010/main" w="12700">
+              <a14:hiddenLine xmlns:a14="http://schemas.microsoft.com/office/drawing/2010/main" xmlns="" w="12700">
                 <a:pattFill prst="narHorz">
                   <a:fgClr>
                     <a:schemeClr val="tx1"/>
@@ -8000,7 +8000,7 @@
               </a14:hiddenLine>
             </a:ext>
             <a:ext uri="{AF507438-7753-43e0-B8FC-AC1667EBCBE1}">
-              <a14:hiddenEffects xmlns="" xmlns:a14="http://schemas.microsoft.com/office/drawing/2010/main">
+              <a14:hiddenEffects xmlns:a14="http://schemas.microsoft.com/office/drawing/2010/main" xmlns="">
                 <a:effectLst>
                   <a:outerShdw blurRad="63500" dist="38099" dir="2700000" algn="ctr" rotWithShape="0">
                     <a:schemeClr val="bg2">
@@ -8326,17 +8326,17 @@
           <a:effectLst/>
           <a:extLst>
             <a:ext uri="{FAA26D3D-D897-4be2-8F04-BA451C77F1D7}">
-              <ma14:placeholderFlag xmlns="" xmlns:ma14="http://schemas.microsoft.com/office/mac/drawingml/2011/main" val="1"/>
+              <ma14:placeholderFlag xmlns:ma14="http://schemas.microsoft.com/office/mac/drawingml/2011/main" xmlns="" val="1"/>
             </a:ext>
             <a:ext uri="{909E8E84-426E-40dd-AFC4-6F175D3DCCD1}">
-              <a14:hiddenFill xmlns="" xmlns:a14="http://schemas.microsoft.com/office/drawing/2010/main">
+              <a14:hiddenFill xmlns:a14="http://schemas.microsoft.com/office/drawing/2010/main" xmlns="">
                 <a:solidFill>
                   <a:schemeClr val="bg1"/>
                 </a:solidFill>
               </a14:hiddenFill>
             </a:ext>
             <a:ext uri="{91240B29-F687-4f45-9708-019B960494DF}">
-              <a14:hiddenLine xmlns="" xmlns:a14="http://schemas.microsoft.com/office/drawing/2010/main" w="12700">
+              <a14:hiddenLine xmlns:a14="http://schemas.microsoft.com/office/drawing/2010/main" xmlns="" w="12700">
                 <a:pattFill prst="narHorz">
                   <a:fgClr>
                     <a:schemeClr val="tx1"/>
@@ -8351,7 +8351,7 @@
               </a14:hiddenLine>
             </a:ext>
             <a:ext uri="{AF507438-7753-43e0-B8FC-AC1667EBCBE1}">
-              <a14:hiddenEffects xmlns="" xmlns:a14="http://schemas.microsoft.com/office/drawing/2010/main">
+              <a14:hiddenEffects xmlns:a14="http://schemas.microsoft.com/office/drawing/2010/main" xmlns="">
                 <a:effectLst>
                   <a:outerShdw blurRad="63500" dist="38099" dir="2700000" algn="ctr" rotWithShape="0">
                     <a:schemeClr val="bg2">
@@ -8684,17 +8684,17 @@
           <a:effectLst/>
           <a:extLst>
             <a:ext uri="{FAA26D3D-D897-4be2-8F04-BA451C77F1D7}">
-              <ma14:placeholderFlag xmlns="" xmlns:ma14="http://schemas.microsoft.com/office/mac/drawingml/2011/main" val="1"/>
+              <ma14:placeholderFlag xmlns:ma14="http://schemas.microsoft.com/office/mac/drawingml/2011/main" xmlns="" val="1"/>
             </a:ext>
             <a:ext uri="{909E8E84-426E-40dd-AFC4-6F175D3DCCD1}">
-              <a14:hiddenFill xmlns="" xmlns:a14="http://schemas.microsoft.com/office/drawing/2010/main">
+              <a14:hiddenFill xmlns:a14="http://schemas.microsoft.com/office/drawing/2010/main" xmlns="">
                 <a:solidFill>
                   <a:schemeClr val="bg1"/>
                 </a:solidFill>
               </a14:hiddenFill>
             </a:ext>
             <a:ext uri="{91240B29-F687-4f45-9708-019B960494DF}">
-              <a14:hiddenLine xmlns="" xmlns:a14="http://schemas.microsoft.com/office/drawing/2010/main" w="12700">
+              <a14:hiddenLine xmlns:a14="http://schemas.microsoft.com/office/drawing/2010/main" xmlns="" w="12700">
                 <a:pattFill prst="narHorz">
                   <a:fgClr>
                     <a:schemeClr val="tx1"/>
@@ -8709,7 +8709,7 @@
               </a14:hiddenLine>
             </a:ext>
             <a:ext uri="{AF507438-7753-43e0-B8FC-AC1667EBCBE1}">
-              <a14:hiddenEffects xmlns="" xmlns:a14="http://schemas.microsoft.com/office/drawing/2010/main">
+              <a14:hiddenEffects xmlns:a14="http://schemas.microsoft.com/office/drawing/2010/main" xmlns="">
                 <a:effectLst>
                   <a:outerShdw blurRad="63500" dist="38099" dir="2700000" algn="ctr" rotWithShape="0">
                     <a:schemeClr val="bg2">
@@ -9037,17 +9037,17 @@
           <a:effectLst/>
           <a:extLst>
             <a:ext uri="{FAA26D3D-D897-4be2-8F04-BA451C77F1D7}">
-              <ma14:placeholderFlag xmlns="" xmlns:ma14="http://schemas.microsoft.com/office/mac/drawingml/2011/main" val="1"/>
+              <ma14:placeholderFlag xmlns:ma14="http://schemas.microsoft.com/office/mac/drawingml/2011/main" xmlns="" val="1"/>
             </a:ext>
             <a:ext uri="{909E8E84-426E-40dd-AFC4-6F175D3DCCD1}">
-              <a14:hiddenFill xmlns="" xmlns:a14="http://schemas.microsoft.com/office/drawing/2010/main">
+              <a14:hiddenFill xmlns:a14="http://schemas.microsoft.com/office/drawing/2010/main" xmlns="">
                 <a:solidFill>
                   <a:schemeClr val="bg1"/>
                 </a:solidFill>
               </a14:hiddenFill>
             </a:ext>
             <a:ext uri="{91240B29-F687-4f45-9708-019B960494DF}">
-              <a14:hiddenLine xmlns="" xmlns:a14="http://schemas.microsoft.com/office/drawing/2010/main" w="12700">
+              <a14:hiddenLine xmlns:a14="http://schemas.microsoft.com/office/drawing/2010/main" xmlns="" w="12700">
                 <a:pattFill prst="narHorz">
                   <a:fgClr>
                     <a:schemeClr val="tx1"/>
@@ -9062,7 +9062,7 @@
               </a14:hiddenLine>
             </a:ext>
             <a:ext uri="{AF507438-7753-43e0-B8FC-AC1667EBCBE1}">
-              <a14:hiddenEffects xmlns="" xmlns:a14="http://schemas.microsoft.com/office/drawing/2010/main">
+              <a14:hiddenEffects xmlns:a14="http://schemas.microsoft.com/office/drawing/2010/main" xmlns="">
                 <a:effectLst>
                   <a:outerShdw blurRad="63500" dist="38099" dir="2700000" algn="ctr" rotWithShape="0">
                     <a:schemeClr val="bg2">
@@ -9388,17 +9388,17 @@
           <a:effectLst/>
           <a:extLst>
             <a:ext uri="{FAA26D3D-D897-4be2-8F04-BA451C77F1D7}">
-              <ma14:placeholderFlag xmlns="" xmlns:ma14="http://schemas.microsoft.com/office/mac/drawingml/2011/main" val="1"/>
+              <ma14:placeholderFlag xmlns:ma14="http://schemas.microsoft.com/office/mac/drawingml/2011/main" xmlns="" val="1"/>
             </a:ext>
             <a:ext uri="{909E8E84-426E-40dd-AFC4-6F175D3DCCD1}">
-              <a14:hiddenFill xmlns="" xmlns:a14="http://schemas.microsoft.com/office/drawing/2010/main">
+              <a14:hiddenFill xmlns:a14="http://schemas.microsoft.com/office/drawing/2010/main" xmlns="">
                 <a:solidFill>
                   <a:schemeClr val="bg1"/>
                 </a:solidFill>
               </a14:hiddenFill>
             </a:ext>
             <a:ext uri="{91240B29-F687-4f45-9708-019B960494DF}">
-              <a14:hiddenLine xmlns="" xmlns:a14="http://schemas.microsoft.com/office/drawing/2010/main" w="12700">
+              <a14:hiddenLine xmlns:a14="http://schemas.microsoft.com/office/drawing/2010/main" xmlns="" w="12700">
                 <a:pattFill prst="narHorz">
                   <a:fgClr>
                     <a:schemeClr val="tx1"/>
@@ -9413,7 +9413,7 @@
               </a14:hiddenLine>
             </a:ext>
             <a:ext uri="{AF507438-7753-43e0-B8FC-AC1667EBCBE1}">
-              <a14:hiddenEffects xmlns="" xmlns:a14="http://schemas.microsoft.com/office/drawing/2010/main">
+              <a14:hiddenEffects xmlns:a14="http://schemas.microsoft.com/office/drawing/2010/main" xmlns="">
                 <a:effectLst>
                   <a:outerShdw blurRad="63500" dist="38099" dir="2700000" algn="ctr" rotWithShape="0">
                     <a:schemeClr val="bg2">
@@ -10534,17 +10534,17 @@
           <a:effectLst/>
           <a:extLst>
             <a:ext uri="{FAA26D3D-D897-4be2-8F04-BA451C77F1D7}">
-              <ma14:placeholderFlag xmlns="" xmlns:ma14="http://schemas.microsoft.com/office/mac/drawingml/2011/main" val="1"/>
+              <ma14:placeholderFlag xmlns:ma14="http://schemas.microsoft.com/office/mac/drawingml/2011/main" xmlns="" val="1"/>
             </a:ext>
             <a:ext uri="{909E8E84-426E-40dd-AFC4-6F175D3DCCD1}">
-              <a14:hiddenFill xmlns="" xmlns:a14="http://schemas.microsoft.com/office/drawing/2010/main">
+              <a14:hiddenFill xmlns:a14="http://schemas.microsoft.com/office/drawing/2010/main" xmlns="">
                 <a:solidFill>
                   <a:schemeClr val="bg1"/>
                 </a:solidFill>
               </a14:hiddenFill>
             </a:ext>
             <a:ext uri="{91240B29-F687-4f45-9708-019B960494DF}">
-              <a14:hiddenLine xmlns="" xmlns:a14="http://schemas.microsoft.com/office/drawing/2010/main" w="12700">
+              <a14:hiddenLine xmlns:a14="http://schemas.microsoft.com/office/drawing/2010/main" xmlns="" w="12700">
                 <a:pattFill prst="narHorz">
                   <a:fgClr>
                     <a:schemeClr val="tx1"/>
@@ -10559,7 +10559,7 @@
               </a14:hiddenLine>
             </a:ext>
             <a:ext uri="{AF507438-7753-43e0-B8FC-AC1667EBCBE1}">
-              <a14:hiddenEffects xmlns="" xmlns:a14="http://schemas.microsoft.com/office/drawing/2010/main">
+              <a14:hiddenEffects xmlns:a14="http://schemas.microsoft.com/office/drawing/2010/main" xmlns="">
                 <a:effectLst>
                   <a:outerShdw blurRad="63500" dist="38099" dir="2700000" algn="ctr" rotWithShape="0">
                     <a:schemeClr val="bg2">
@@ -10886,17 +10886,17 @@
           <a:effectLst/>
           <a:extLst>
             <a:ext uri="{FAA26D3D-D897-4be2-8F04-BA451C77F1D7}">
-              <ma14:placeholderFlag xmlns="" xmlns:ma14="http://schemas.microsoft.com/office/mac/drawingml/2011/main" val="1"/>
+              <ma14:placeholderFlag xmlns:ma14="http://schemas.microsoft.com/office/mac/drawingml/2011/main" xmlns="" val="1"/>
             </a:ext>
             <a:ext uri="{909E8E84-426E-40dd-AFC4-6F175D3DCCD1}">
-              <a14:hiddenFill xmlns="" xmlns:a14="http://schemas.microsoft.com/office/drawing/2010/main">
+              <a14:hiddenFill xmlns:a14="http://schemas.microsoft.com/office/drawing/2010/main" xmlns="">
                 <a:solidFill>
                   <a:schemeClr val="bg1"/>
                 </a:solidFill>
               </a14:hiddenFill>
             </a:ext>
             <a:ext uri="{91240B29-F687-4f45-9708-019B960494DF}">
-              <a14:hiddenLine xmlns="" xmlns:a14="http://schemas.microsoft.com/office/drawing/2010/main" w="12700">
+              <a14:hiddenLine xmlns:a14="http://schemas.microsoft.com/office/drawing/2010/main" xmlns="" w="12700">
                 <a:pattFill prst="narHorz">
                   <a:fgClr>
                     <a:schemeClr val="tx1"/>
@@ -10911,7 +10911,7 @@
               </a14:hiddenLine>
             </a:ext>
             <a:ext uri="{AF507438-7753-43e0-B8FC-AC1667EBCBE1}">
-              <a14:hiddenEffects xmlns="" xmlns:a14="http://schemas.microsoft.com/office/drawing/2010/main">
+              <a14:hiddenEffects xmlns:a14="http://schemas.microsoft.com/office/drawing/2010/main" xmlns="">
                 <a:effectLst>
                   <a:outerShdw blurRad="63500" dist="38099" dir="2700000" algn="ctr" rotWithShape="0">
                     <a:schemeClr val="bg2">
@@ -11250,17 +11250,17 @@
           <a:effectLst/>
           <a:extLst>
             <a:ext uri="{FAA26D3D-D897-4be2-8F04-BA451C77F1D7}">
-              <ma14:placeholderFlag xmlns="" xmlns:ma14="http://schemas.microsoft.com/office/mac/drawingml/2011/main" val="1"/>
+              <ma14:placeholderFlag xmlns:ma14="http://schemas.microsoft.com/office/mac/drawingml/2011/main" xmlns="" val="1"/>
             </a:ext>
             <a:ext uri="{909E8E84-426E-40dd-AFC4-6F175D3DCCD1}">
-              <a14:hiddenFill xmlns="" xmlns:a14="http://schemas.microsoft.com/office/drawing/2010/main">
+              <a14:hiddenFill xmlns:a14="http://schemas.microsoft.com/office/drawing/2010/main" xmlns="">
                 <a:solidFill>
                   <a:schemeClr val="bg1"/>
                 </a:solidFill>
               </a14:hiddenFill>
             </a:ext>
             <a:ext uri="{91240B29-F687-4f45-9708-019B960494DF}">
-              <a14:hiddenLine xmlns="" xmlns:a14="http://schemas.microsoft.com/office/drawing/2010/main" w="12700">
+              <a14:hiddenLine xmlns:a14="http://schemas.microsoft.com/office/drawing/2010/main" xmlns="" w="12700">
                 <a:pattFill prst="narHorz">
                   <a:fgClr>
                     <a:schemeClr val="tx1"/>
@@ -11275,7 +11275,7 @@
               </a14:hiddenLine>
             </a:ext>
             <a:ext uri="{AF507438-7753-43e0-B8FC-AC1667EBCBE1}">
-              <a14:hiddenEffects xmlns="" xmlns:a14="http://schemas.microsoft.com/office/drawing/2010/main">
+              <a14:hiddenEffects xmlns:a14="http://schemas.microsoft.com/office/drawing/2010/main" xmlns="">
                 <a:effectLst>
                   <a:outerShdw blurRad="63500" dist="38099" dir="2700000" algn="ctr" rotWithShape="0">
                     <a:schemeClr val="bg2">
@@ -11551,17 +11551,17 @@
           <a:effectLst/>
           <a:extLst>
             <a:ext uri="{FAA26D3D-D897-4be2-8F04-BA451C77F1D7}">
-              <ma14:placeholderFlag xmlns="" xmlns:ma14="http://schemas.microsoft.com/office/mac/drawingml/2011/main" val="1"/>
+              <ma14:placeholderFlag xmlns:ma14="http://schemas.microsoft.com/office/mac/drawingml/2011/main" xmlns="" val="1"/>
             </a:ext>
             <a:ext uri="{909E8E84-426E-40dd-AFC4-6F175D3DCCD1}">
-              <a14:hiddenFill xmlns="" xmlns:a14="http://schemas.microsoft.com/office/drawing/2010/main">
+              <a14:hiddenFill xmlns:a14="http://schemas.microsoft.com/office/drawing/2010/main" xmlns="">
                 <a:solidFill>
                   <a:schemeClr val="bg1"/>
                 </a:solidFill>
               </a14:hiddenFill>
             </a:ext>
             <a:ext uri="{91240B29-F687-4f45-9708-019B960494DF}">
-              <a14:hiddenLine xmlns="" xmlns:a14="http://schemas.microsoft.com/office/drawing/2010/main" w="12700">
+              <a14:hiddenLine xmlns:a14="http://schemas.microsoft.com/office/drawing/2010/main" xmlns="" w="12700">
                 <a:pattFill prst="narHorz">
                   <a:fgClr>
                     <a:schemeClr val="tx1"/>
@@ -11576,7 +11576,7 @@
               </a14:hiddenLine>
             </a:ext>
             <a:ext uri="{AF507438-7753-43e0-B8FC-AC1667EBCBE1}">
-              <a14:hiddenEffects xmlns="" xmlns:a14="http://schemas.microsoft.com/office/drawing/2010/main">
+              <a14:hiddenEffects xmlns:a14="http://schemas.microsoft.com/office/drawing/2010/main" xmlns="">
                 <a:effectLst>
                   <a:outerShdw blurRad="63500" dist="38099" dir="2700000" algn="ctr" rotWithShape="0">
                     <a:schemeClr val="bg2">
@@ -13569,17 +13569,17 @@
           <a:effectLst/>
           <a:extLst>
             <a:ext uri="{FAA26D3D-D897-4be2-8F04-BA451C77F1D7}">
-              <ma14:placeholderFlag xmlns="" xmlns:ma14="http://schemas.microsoft.com/office/mac/drawingml/2011/main" val="1"/>
+              <ma14:placeholderFlag xmlns:ma14="http://schemas.microsoft.com/office/mac/drawingml/2011/main" xmlns="" val="1"/>
             </a:ext>
             <a:ext uri="{909E8E84-426E-40dd-AFC4-6F175D3DCCD1}">
-              <a14:hiddenFill xmlns="" xmlns:a14="http://schemas.microsoft.com/office/drawing/2010/main">
+              <a14:hiddenFill xmlns:a14="http://schemas.microsoft.com/office/drawing/2010/main" xmlns="">
                 <a:solidFill>
                   <a:schemeClr val="bg1"/>
                 </a:solidFill>
               </a14:hiddenFill>
             </a:ext>
             <a:ext uri="{91240B29-F687-4f45-9708-019B960494DF}">
-              <a14:hiddenLine xmlns="" xmlns:a14="http://schemas.microsoft.com/office/drawing/2010/main" w="12700">
+              <a14:hiddenLine xmlns:a14="http://schemas.microsoft.com/office/drawing/2010/main" xmlns="" w="12700">
                 <a:pattFill prst="narHorz">
                   <a:fgClr>
                     <a:schemeClr val="tx1"/>
@@ -13594,7 +13594,7 @@
               </a14:hiddenLine>
             </a:ext>
             <a:ext uri="{AF507438-7753-43e0-B8FC-AC1667EBCBE1}">
-              <a14:hiddenEffects xmlns="" xmlns:a14="http://schemas.microsoft.com/office/drawing/2010/main">
+              <a14:hiddenEffects xmlns:a14="http://schemas.microsoft.com/office/drawing/2010/main" xmlns="">
                 <a:effectLst>
                   <a:outerShdw blurRad="63500" dist="38099" dir="2700000" algn="ctr" rotWithShape="0">
                     <a:schemeClr val="bg2">
@@ -13933,17 +13933,17 @@
           <a:effectLst/>
           <a:extLst>
             <a:ext uri="{FAA26D3D-D897-4be2-8F04-BA451C77F1D7}">
-              <ma14:placeholderFlag xmlns="" xmlns:ma14="http://schemas.microsoft.com/office/mac/drawingml/2011/main" val="1"/>
+              <ma14:placeholderFlag xmlns:ma14="http://schemas.microsoft.com/office/mac/drawingml/2011/main" xmlns="" val="1"/>
             </a:ext>
             <a:ext uri="{909E8E84-426E-40dd-AFC4-6F175D3DCCD1}">
-              <a14:hiddenFill xmlns="" xmlns:a14="http://schemas.microsoft.com/office/drawing/2010/main">
+              <a14:hiddenFill xmlns:a14="http://schemas.microsoft.com/office/drawing/2010/main" xmlns="">
                 <a:solidFill>
                   <a:schemeClr val="bg1"/>
                 </a:solidFill>
               </a14:hiddenFill>
             </a:ext>
             <a:ext uri="{91240B29-F687-4f45-9708-019B960494DF}">
-              <a14:hiddenLine xmlns="" xmlns:a14="http://schemas.microsoft.com/office/drawing/2010/main" w="12700">
+              <a14:hiddenLine xmlns:a14="http://schemas.microsoft.com/office/drawing/2010/main" xmlns="" w="12700">
                 <a:pattFill prst="narHorz">
                   <a:fgClr>
                     <a:schemeClr val="tx1"/>
@@ -13958,7 +13958,7 @@
               </a14:hiddenLine>
             </a:ext>
             <a:ext uri="{AF507438-7753-43e0-B8FC-AC1667EBCBE1}">
-              <a14:hiddenEffects xmlns="" xmlns:a14="http://schemas.microsoft.com/office/drawing/2010/main">
+              <a14:hiddenEffects xmlns:a14="http://schemas.microsoft.com/office/drawing/2010/main" xmlns="">
                 <a:effectLst>
                   <a:outerShdw blurRad="63500" dist="38099" dir="2700000" algn="ctr" rotWithShape="0">
                     <a:schemeClr val="bg2">
@@ -14234,17 +14234,17 @@
           <a:effectLst/>
           <a:extLst>
             <a:ext uri="{FAA26D3D-D897-4be2-8F04-BA451C77F1D7}">
-              <ma14:placeholderFlag xmlns="" xmlns:ma14="http://schemas.microsoft.com/office/mac/drawingml/2011/main" val="1"/>
+              <ma14:placeholderFlag xmlns:ma14="http://schemas.microsoft.com/office/mac/drawingml/2011/main" xmlns="" val="1"/>
             </a:ext>
             <a:ext uri="{909E8E84-426E-40dd-AFC4-6F175D3DCCD1}">
-              <a14:hiddenFill xmlns="" xmlns:a14="http://schemas.microsoft.com/office/drawing/2010/main">
+              <a14:hiddenFill xmlns:a14="http://schemas.microsoft.com/office/drawing/2010/main" xmlns="">
                 <a:solidFill>
                   <a:schemeClr val="bg1"/>
                 </a:solidFill>
               </a14:hiddenFill>
             </a:ext>
             <a:ext uri="{91240B29-F687-4f45-9708-019B960494DF}">
-              <a14:hiddenLine xmlns="" xmlns:a14="http://schemas.microsoft.com/office/drawing/2010/main" w="12700">
+              <a14:hiddenLine xmlns:a14="http://schemas.microsoft.com/office/drawing/2010/main" xmlns="" w="12700">
                 <a:pattFill prst="narHorz">
                   <a:fgClr>
                     <a:schemeClr val="tx1"/>
@@ -14259,7 +14259,7 @@
               </a14:hiddenLine>
             </a:ext>
             <a:ext uri="{AF507438-7753-43e0-B8FC-AC1667EBCBE1}">
-              <a14:hiddenEffects xmlns="" xmlns:a14="http://schemas.microsoft.com/office/drawing/2010/main">
+              <a14:hiddenEffects xmlns:a14="http://schemas.microsoft.com/office/drawing/2010/main" xmlns="">
                 <a:effectLst>
                   <a:outerShdw blurRad="63500" dist="38099" dir="2700000" algn="ctr" rotWithShape="0">
                     <a:schemeClr val="bg2">
@@ -17880,17 +17880,17 @@
           <a:effectLst/>
           <a:extLst>
             <a:ext uri="{FAA26D3D-D897-4be2-8F04-BA451C77F1D7}">
-              <ma14:placeholderFlag xmlns="" xmlns:ma14="http://schemas.microsoft.com/office/mac/drawingml/2011/main" val="1"/>
+              <ma14:placeholderFlag xmlns:ma14="http://schemas.microsoft.com/office/mac/drawingml/2011/main" xmlns="" val="1"/>
             </a:ext>
             <a:ext uri="{909E8E84-426E-40dd-AFC4-6F175D3DCCD1}">
-              <a14:hiddenFill xmlns="" xmlns:a14="http://schemas.microsoft.com/office/drawing/2010/main">
+              <a14:hiddenFill xmlns:a14="http://schemas.microsoft.com/office/drawing/2010/main" xmlns="">
                 <a:solidFill>
                   <a:schemeClr val="bg1"/>
                 </a:solidFill>
               </a14:hiddenFill>
             </a:ext>
             <a:ext uri="{91240B29-F687-4f45-9708-019B960494DF}">
-              <a14:hiddenLine xmlns="" xmlns:a14="http://schemas.microsoft.com/office/drawing/2010/main" w="12700">
+              <a14:hiddenLine xmlns:a14="http://schemas.microsoft.com/office/drawing/2010/main" xmlns="" w="12700">
                 <a:pattFill prst="narHorz">
                   <a:fgClr>
                     <a:schemeClr val="tx1"/>
@@ -17905,7 +17905,7 @@
               </a14:hiddenLine>
             </a:ext>
             <a:ext uri="{AF507438-7753-43e0-B8FC-AC1667EBCBE1}">
-              <a14:hiddenEffects xmlns="" xmlns:a14="http://schemas.microsoft.com/office/drawing/2010/main">
+              <a14:hiddenEffects xmlns:a14="http://schemas.microsoft.com/office/drawing/2010/main" xmlns="">
                 <a:effectLst>
                   <a:outerShdw blurRad="63500" dist="38099" dir="2700000" algn="ctr" rotWithShape="0">
                     <a:schemeClr val="bg2">
@@ -19751,17 +19751,17 @@
           <a:effectLst/>
           <a:extLst>
             <a:ext uri="{FAA26D3D-D897-4be2-8F04-BA451C77F1D7}">
-              <ma14:placeholderFlag xmlns="" xmlns:ma14="http://schemas.microsoft.com/office/mac/drawingml/2011/main" val="1"/>
+              <ma14:placeholderFlag xmlns:ma14="http://schemas.microsoft.com/office/mac/drawingml/2011/main" xmlns="" val="1"/>
             </a:ext>
             <a:ext uri="{909E8E84-426E-40dd-AFC4-6F175D3DCCD1}">
-              <a14:hiddenFill xmlns="" xmlns:a14="http://schemas.microsoft.com/office/drawing/2010/main">
+              <a14:hiddenFill xmlns:a14="http://schemas.microsoft.com/office/drawing/2010/main" xmlns="">
                 <a:solidFill>
                   <a:schemeClr val="bg1"/>
                 </a:solidFill>
               </a14:hiddenFill>
             </a:ext>
             <a:ext uri="{91240B29-F687-4f45-9708-019B960494DF}">
-              <a14:hiddenLine xmlns="" xmlns:a14="http://schemas.microsoft.com/office/drawing/2010/main" w="12700">
+              <a14:hiddenLine xmlns:a14="http://schemas.microsoft.com/office/drawing/2010/main" xmlns="" w="12700">
                 <a:pattFill prst="narHorz">
                   <a:fgClr>
                     <a:schemeClr val="tx1"/>
@@ -19776,7 +19776,7 @@
               </a14:hiddenLine>
             </a:ext>
             <a:ext uri="{AF507438-7753-43e0-B8FC-AC1667EBCBE1}">
-              <a14:hiddenEffects xmlns="" xmlns:a14="http://schemas.microsoft.com/office/drawing/2010/main">
+              <a14:hiddenEffects xmlns:a14="http://schemas.microsoft.com/office/drawing/2010/main" xmlns="">
                 <a:effectLst>
                   <a:outerShdw blurRad="63500" dist="38099" dir="2700000" algn="ctr" rotWithShape="0">
                     <a:schemeClr val="bg2">
@@ -22489,17 +22489,17 @@
           <a:effectLst/>
           <a:extLst>
             <a:ext uri="{FAA26D3D-D897-4be2-8F04-BA451C77F1D7}">
-              <ma14:placeholderFlag xmlns="" xmlns:ma14="http://schemas.microsoft.com/office/mac/drawingml/2011/main" val="1"/>
+              <ma14:placeholderFlag xmlns:ma14="http://schemas.microsoft.com/office/mac/drawingml/2011/main" xmlns="" val="1"/>
             </a:ext>
             <a:ext uri="{909E8E84-426E-40dd-AFC4-6F175D3DCCD1}">
-              <a14:hiddenFill xmlns="" xmlns:a14="http://schemas.microsoft.com/office/drawing/2010/main">
+              <a14:hiddenFill xmlns:a14="http://schemas.microsoft.com/office/drawing/2010/main" xmlns="">
                 <a:solidFill>
                   <a:schemeClr val="bg1"/>
                 </a:solidFill>
               </a14:hiddenFill>
             </a:ext>
             <a:ext uri="{91240B29-F687-4f45-9708-019B960494DF}">
-              <a14:hiddenLine xmlns="" xmlns:a14="http://schemas.microsoft.com/office/drawing/2010/main" w="12700">
+              <a14:hiddenLine xmlns:a14="http://schemas.microsoft.com/office/drawing/2010/main" xmlns="" w="12700">
                 <a:pattFill prst="narHorz">
                   <a:fgClr>
                     <a:schemeClr val="tx1"/>
@@ -22514,7 +22514,7 @@
               </a14:hiddenLine>
             </a:ext>
             <a:ext uri="{AF507438-7753-43e0-B8FC-AC1667EBCBE1}">
-              <a14:hiddenEffects xmlns="" xmlns:a14="http://schemas.microsoft.com/office/drawing/2010/main">
+              <a14:hiddenEffects xmlns:a14="http://schemas.microsoft.com/office/drawing/2010/main" xmlns="">
                 <a:effectLst>
                   <a:outerShdw blurRad="63500" dist="38099" dir="2700000" algn="ctr" rotWithShape="0">
                     <a:schemeClr val="bg2">
@@ -25451,17 +25451,17 @@
           <a:effectLst/>
           <a:extLst>
             <a:ext uri="{FAA26D3D-D897-4be2-8F04-BA451C77F1D7}">
-              <ma14:placeholderFlag xmlns="" xmlns:ma14="http://schemas.microsoft.com/office/mac/drawingml/2011/main" val="1"/>
+              <ma14:placeholderFlag xmlns:ma14="http://schemas.microsoft.com/office/mac/drawingml/2011/main" xmlns="" val="1"/>
             </a:ext>
             <a:ext uri="{909E8E84-426E-40dd-AFC4-6F175D3DCCD1}">
-              <a14:hiddenFill xmlns="" xmlns:a14="http://schemas.microsoft.com/office/drawing/2010/main">
+              <a14:hiddenFill xmlns:a14="http://schemas.microsoft.com/office/drawing/2010/main" xmlns="">
                 <a:solidFill>
                   <a:schemeClr val="bg1"/>
                 </a:solidFill>
               </a14:hiddenFill>
             </a:ext>
             <a:ext uri="{91240B29-F687-4f45-9708-019B960494DF}">
-              <a14:hiddenLine xmlns="" xmlns:a14="http://schemas.microsoft.com/office/drawing/2010/main" w="12700">
+              <a14:hiddenLine xmlns:a14="http://schemas.microsoft.com/office/drawing/2010/main" xmlns="" w="12700">
                 <a:pattFill prst="narHorz">
                   <a:fgClr>
                     <a:schemeClr val="tx1"/>
@@ -25476,7 +25476,7 @@
               </a14:hiddenLine>
             </a:ext>
             <a:ext uri="{AF507438-7753-43e0-B8FC-AC1667EBCBE1}">
-              <a14:hiddenEffects xmlns="" xmlns:a14="http://schemas.microsoft.com/office/drawing/2010/main">
+              <a14:hiddenEffects xmlns:a14="http://schemas.microsoft.com/office/drawing/2010/main" xmlns="">
                 <a:effectLst>
                   <a:outerShdw blurRad="63500" dist="38099" dir="2700000" algn="ctr" rotWithShape="0">
                     <a:schemeClr val="bg2">
@@ -25976,17 +25976,17 @@
           <a:effectLst/>
           <a:extLst>
             <a:ext uri="{FAA26D3D-D897-4be2-8F04-BA451C77F1D7}">
-              <ma14:placeholderFlag xmlns="" xmlns:ma14="http://schemas.microsoft.com/office/mac/drawingml/2011/main" val="1"/>
+              <ma14:placeholderFlag xmlns:ma14="http://schemas.microsoft.com/office/mac/drawingml/2011/main" xmlns="" val="1"/>
             </a:ext>
             <a:ext uri="{909E8E84-426E-40dd-AFC4-6F175D3DCCD1}">
-              <a14:hiddenFill xmlns="" xmlns:a14="http://schemas.microsoft.com/office/drawing/2010/main">
+              <a14:hiddenFill xmlns:a14="http://schemas.microsoft.com/office/drawing/2010/main" xmlns="">
                 <a:solidFill>
                   <a:schemeClr val="bg1"/>
                 </a:solidFill>
               </a14:hiddenFill>
             </a:ext>
             <a:ext uri="{91240B29-F687-4f45-9708-019B960494DF}">
-              <a14:hiddenLine xmlns="" xmlns:a14="http://schemas.microsoft.com/office/drawing/2010/main" w="12700">
+              <a14:hiddenLine xmlns:a14="http://schemas.microsoft.com/office/drawing/2010/main" xmlns="" w="12700">
                 <a:pattFill prst="narHorz">
                   <a:fgClr>
                     <a:schemeClr val="tx1"/>
@@ -26001,7 +26001,7 @@
               </a14:hiddenLine>
             </a:ext>
             <a:ext uri="{AF507438-7753-43e0-B8FC-AC1667EBCBE1}">
-              <a14:hiddenEffects xmlns="" xmlns:a14="http://schemas.microsoft.com/office/drawing/2010/main">
+              <a14:hiddenEffects xmlns:a14="http://schemas.microsoft.com/office/drawing/2010/main" xmlns="">
                 <a:effectLst>
                   <a:outerShdw blurRad="63500" dist="38099" dir="2700000" algn="ctr" rotWithShape="0">
                     <a:schemeClr val="bg2">
@@ -26290,17 +26290,17 @@
           <a:effectLst/>
           <a:extLst>
             <a:ext uri="{FAA26D3D-D897-4be2-8F04-BA451C77F1D7}">
-              <ma14:placeholderFlag xmlns="" xmlns:ma14="http://schemas.microsoft.com/office/mac/drawingml/2011/main" val="1"/>
+              <ma14:placeholderFlag xmlns:ma14="http://schemas.microsoft.com/office/mac/drawingml/2011/main" xmlns="" val="1"/>
             </a:ext>
             <a:ext uri="{909E8E84-426E-40dd-AFC4-6F175D3DCCD1}">
-              <a14:hiddenFill xmlns="" xmlns:a14="http://schemas.microsoft.com/office/drawing/2010/main">
+              <a14:hiddenFill xmlns:a14="http://schemas.microsoft.com/office/drawing/2010/main" xmlns="">
                 <a:solidFill>
                   <a:schemeClr val="bg1"/>
                 </a:solidFill>
               </a14:hiddenFill>
             </a:ext>
             <a:ext uri="{91240B29-F687-4f45-9708-019B960494DF}">
-              <a14:hiddenLine xmlns="" xmlns:a14="http://schemas.microsoft.com/office/drawing/2010/main" w="12700">
+              <a14:hiddenLine xmlns:a14="http://schemas.microsoft.com/office/drawing/2010/main" xmlns="" w="12700">
                 <a:pattFill prst="narHorz">
                   <a:fgClr>
                     <a:schemeClr val="tx1"/>
@@ -26315,7 +26315,7 @@
               </a14:hiddenLine>
             </a:ext>
             <a:ext uri="{AF507438-7753-43e0-B8FC-AC1667EBCBE1}">
-              <a14:hiddenEffects xmlns="" xmlns:a14="http://schemas.microsoft.com/office/drawing/2010/main">
+              <a14:hiddenEffects xmlns:a14="http://schemas.microsoft.com/office/drawing/2010/main" xmlns="">
                 <a:effectLst>
                   <a:outerShdw blurRad="63500" dist="38099" dir="2700000" algn="ctr" rotWithShape="0">
                     <a:schemeClr val="bg2">
@@ -26616,17 +26616,17 @@
           <a:effectLst/>
           <a:extLst>
             <a:ext uri="{FAA26D3D-D897-4be2-8F04-BA451C77F1D7}">
-              <ma14:placeholderFlag xmlns="" xmlns:ma14="http://schemas.microsoft.com/office/mac/drawingml/2011/main" val="1"/>
+              <ma14:placeholderFlag xmlns:ma14="http://schemas.microsoft.com/office/mac/drawingml/2011/main" xmlns="" val="1"/>
             </a:ext>
             <a:ext uri="{909E8E84-426E-40dd-AFC4-6F175D3DCCD1}">
-              <a14:hiddenFill xmlns="" xmlns:a14="http://schemas.microsoft.com/office/drawing/2010/main">
+              <a14:hiddenFill xmlns:a14="http://schemas.microsoft.com/office/drawing/2010/main" xmlns="">
                 <a:solidFill>
                   <a:schemeClr val="bg1"/>
                 </a:solidFill>
               </a14:hiddenFill>
             </a:ext>
             <a:ext uri="{91240B29-F687-4f45-9708-019B960494DF}">
-              <a14:hiddenLine xmlns="" xmlns:a14="http://schemas.microsoft.com/office/drawing/2010/main" w="12700">
+              <a14:hiddenLine xmlns:a14="http://schemas.microsoft.com/office/drawing/2010/main" xmlns="" w="12700">
                 <a:pattFill prst="narHorz">
                   <a:fgClr>
                     <a:schemeClr val="tx1"/>
@@ -26641,7 +26641,7 @@
               </a14:hiddenLine>
             </a:ext>
             <a:ext uri="{AF507438-7753-43e0-B8FC-AC1667EBCBE1}">
-              <a14:hiddenEffects xmlns="" xmlns:a14="http://schemas.microsoft.com/office/drawing/2010/main">
+              <a14:hiddenEffects xmlns:a14="http://schemas.microsoft.com/office/drawing/2010/main" xmlns="">
                 <a:effectLst>
                   <a:outerShdw blurRad="63500" dist="38099" dir="2700000" algn="ctr" rotWithShape="0">
                     <a:schemeClr val="bg2">
@@ -28736,17 +28736,17 @@
           <a:effectLst/>
           <a:extLst>
             <a:ext uri="{FAA26D3D-D897-4be2-8F04-BA451C77F1D7}">
-              <ma14:placeholderFlag xmlns="" xmlns:ma14="http://schemas.microsoft.com/office/mac/drawingml/2011/main" val="1"/>
+              <ma14:placeholderFlag xmlns:ma14="http://schemas.microsoft.com/office/mac/drawingml/2011/main" xmlns="" val="1"/>
             </a:ext>
             <a:ext uri="{909E8E84-426E-40dd-AFC4-6F175D3DCCD1}">
-              <a14:hiddenFill xmlns="" xmlns:a14="http://schemas.microsoft.com/office/drawing/2010/main">
+              <a14:hiddenFill xmlns:a14="http://schemas.microsoft.com/office/drawing/2010/main" xmlns="">
                 <a:solidFill>
                   <a:schemeClr val="bg1"/>
                 </a:solidFill>
               </a14:hiddenFill>
             </a:ext>
             <a:ext uri="{91240B29-F687-4f45-9708-019B960494DF}">
-              <a14:hiddenLine xmlns="" xmlns:a14="http://schemas.microsoft.com/office/drawing/2010/main" w="12700">
+              <a14:hiddenLine xmlns:a14="http://schemas.microsoft.com/office/drawing/2010/main" xmlns="" w="12700">
                 <a:pattFill prst="narHorz">
                   <a:fgClr>
                     <a:schemeClr val="tx1"/>
@@ -28761,7 +28761,7 @@
               </a14:hiddenLine>
             </a:ext>
             <a:ext uri="{AF507438-7753-43e0-B8FC-AC1667EBCBE1}">
-              <a14:hiddenEffects xmlns="" xmlns:a14="http://schemas.microsoft.com/office/drawing/2010/main">
+              <a14:hiddenEffects xmlns:a14="http://schemas.microsoft.com/office/drawing/2010/main" xmlns="">
                 <a:effectLst>
                   <a:outerShdw blurRad="63500" dist="38099" dir="2700000" algn="ctr" rotWithShape="0">
                     <a:schemeClr val="bg2">
@@ -29006,17 +29006,17 @@
           <a:effectLst/>
           <a:extLst>
             <a:ext uri="{FAA26D3D-D897-4be2-8F04-BA451C77F1D7}">
-              <ma14:placeholderFlag xmlns="" xmlns:ma14="http://schemas.microsoft.com/office/mac/drawingml/2011/main" val="1"/>
+              <ma14:placeholderFlag xmlns:ma14="http://schemas.microsoft.com/office/mac/drawingml/2011/main" xmlns="" val="1"/>
             </a:ext>
             <a:ext uri="{909E8E84-426E-40dd-AFC4-6F175D3DCCD1}">
-              <a14:hiddenFill xmlns="" xmlns:a14="http://schemas.microsoft.com/office/drawing/2010/main">
+              <a14:hiddenFill xmlns:a14="http://schemas.microsoft.com/office/drawing/2010/main" xmlns="">
                 <a:solidFill>
                   <a:schemeClr val="bg1"/>
                 </a:solidFill>
               </a14:hiddenFill>
             </a:ext>
             <a:ext uri="{91240B29-F687-4f45-9708-019B960494DF}">
-              <a14:hiddenLine xmlns="" xmlns:a14="http://schemas.microsoft.com/office/drawing/2010/main" w="12700">
+              <a14:hiddenLine xmlns:a14="http://schemas.microsoft.com/office/drawing/2010/main" xmlns="" w="12700">
                 <a:pattFill prst="narHorz">
                   <a:fgClr>
                     <a:schemeClr val="tx1"/>
@@ -29031,7 +29031,7 @@
               </a14:hiddenLine>
             </a:ext>
             <a:ext uri="{AF507438-7753-43e0-B8FC-AC1667EBCBE1}">
-              <a14:hiddenEffects xmlns="" xmlns:a14="http://schemas.microsoft.com/office/drawing/2010/main">
+              <a14:hiddenEffects xmlns:a14="http://schemas.microsoft.com/office/drawing/2010/main" xmlns="">
                 <a:effectLst>
                   <a:outerShdw blurRad="63500" dist="38099" dir="2700000" algn="ctr" rotWithShape="0">
                     <a:schemeClr val="bg2">
@@ -29276,17 +29276,17 @@
           <a:effectLst/>
           <a:extLst>
             <a:ext uri="{FAA26D3D-D897-4be2-8F04-BA451C77F1D7}">
-              <ma14:placeholderFlag xmlns="" xmlns:ma14="http://schemas.microsoft.com/office/mac/drawingml/2011/main" val="1"/>
+              <ma14:placeholderFlag xmlns:ma14="http://schemas.microsoft.com/office/mac/drawingml/2011/main" xmlns="" val="1"/>
             </a:ext>
             <a:ext uri="{909E8E84-426E-40dd-AFC4-6F175D3DCCD1}">
-              <a14:hiddenFill xmlns="" xmlns:a14="http://schemas.microsoft.com/office/drawing/2010/main">
+              <a14:hiddenFill xmlns:a14="http://schemas.microsoft.com/office/drawing/2010/main" xmlns="">
                 <a:solidFill>
                   <a:schemeClr val="bg1"/>
                 </a:solidFill>
               </a14:hiddenFill>
             </a:ext>
             <a:ext uri="{91240B29-F687-4f45-9708-019B960494DF}">
-              <a14:hiddenLine xmlns="" xmlns:a14="http://schemas.microsoft.com/office/drawing/2010/main" w="12700">
+              <a14:hiddenLine xmlns:a14="http://schemas.microsoft.com/office/drawing/2010/main" xmlns="" w="12700">
                 <a:pattFill prst="narHorz">
                   <a:fgClr>
                     <a:schemeClr val="tx1"/>
@@ -29301,7 +29301,7 @@
               </a14:hiddenLine>
             </a:ext>
             <a:ext uri="{AF507438-7753-43e0-B8FC-AC1667EBCBE1}">
-              <a14:hiddenEffects xmlns="" xmlns:a14="http://schemas.microsoft.com/office/drawing/2010/main">
+              <a14:hiddenEffects xmlns:a14="http://schemas.microsoft.com/office/drawing/2010/main" xmlns="">
                 <a:effectLst>
                   <a:outerShdw blurRad="63500" dist="38099" dir="2700000" algn="ctr" rotWithShape="0">
                     <a:schemeClr val="bg2">
@@ -44836,7 +44836,7 @@
         </p:spPr>
         <p:txBody>
           <a:bodyPr>
-            <a:normAutofit fontScale="70000" lnSpcReduction="20000"/>
+            <a:normAutofit fontScale="77500" lnSpcReduction="20000"/>
           </a:bodyPr>
           <a:lstStyle/>
           <a:p>
@@ -44849,7 +44849,15 @@
             <a:pPr lvl="1"/>
             <a:r>
               <a:rPr lang="en-GB" dirty="0"/>
-              <a:t>The x=x+2 statements can be “erased” by being between the load and store of an x=x+1 statement, and vice versa. Each x=x+1 statement can either do nothing (if erased by Thread T1) or increase x by 1. Each x=x+2 statement can either do nothing (if erased by Thread T0) or increase x by 2. Since there are at least four stores from Thread T0 prior to the load for the last statement, the last load reads x value of at least 4. Since there are 5 of each type, and since x starts at 0, x has min 5 and max (5*1)+(5*2)=15. Possible values are 5, 6, 7,…15, e.g., If three increments from Thread T0 and two increments from Thread T1 are applied, then x=(3×1)+(2×2)=7.</a:t>
+              <a:t>The x=x+2 statements can be “erased” by being between the load and store of an x=x+1 statement, and vice versa. Each x=x+1 statement can either do nothing (if erased by Thread T1) or increase x by 1. Each x=x+2 statement can either do nothing (if erased by Thread T0) or increase x by 2</a:t>
+            </a:r>
+            <a:r>
+              <a:rPr lang="en-GB"/>
+              <a:t>. Since </a:t>
+            </a:r>
+            <a:r>
+              <a:rPr lang="en-GB" dirty="0"/>
+              <a:t>there are 5 of each type, and since x starts at 0, x has min 5 and max (5*1)+(5*2)=15. Possible values are 5, 6, 7,…15, e.g., If three increments from Thread T0 and two increments from Thread T1 are applied, then x=(3×1)+(2×2)=7.</a:t>
             </a:r>
           </a:p>
           <a:p>
@@ -44901,17 +44909,17 @@
           <a:effectLst/>
           <a:extLst>
             <a:ext uri="{FAA26D3D-D897-4be2-8F04-BA451C77F1D7}">
-              <ma14:placeholderFlag xmlns="" xmlns:ma14="http://schemas.microsoft.com/office/mac/drawingml/2011/main" val="1"/>
+              <ma14:placeholderFlag xmlns:ma14="http://schemas.microsoft.com/office/mac/drawingml/2011/main" xmlns="" val="1"/>
             </a:ext>
             <a:ext uri="{909E8E84-426E-40dd-AFC4-6F175D3DCCD1}">
-              <a14:hiddenFill xmlns="" xmlns:a14="http://schemas.microsoft.com/office/drawing/2010/main">
+              <a14:hiddenFill xmlns:a14="http://schemas.microsoft.com/office/drawing/2010/main" xmlns="">
                 <a:solidFill>
                   <a:schemeClr val="bg1"/>
                 </a:solidFill>
               </a14:hiddenFill>
             </a:ext>
             <a:ext uri="{91240B29-F687-4f45-9708-019B960494DF}">
-              <a14:hiddenLine xmlns="" xmlns:a14="http://schemas.microsoft.com/office/drawing/2010/main" w="12700">
+              <a14:hiddenLine xmlns:a14="http://schemas.microsoft.com/office/drawing/2010/main" xmlns="" w="12700">
                 <a:pattFill prst="narHorz">
                   <a:fgClr>
                     <a:schemeClr val="tx1"/>
@@ -44926,7 +44934,7 @@
               </a14:hiddenLine>
             </a:ext>
             <a:ext uri="{AF507438-7753-43e0-B8FC-AC1667EBCBE1}">
-              <a14:hiddenEffects xmlns="" xmlns:a14="http://schemas.microsoft.com/office/drawing/2010/main">
+              <a14:hiddenEffects xmlns:a14="http://schemas.microsoft.com/office/drawing/2010/main" xmlns="">
                 <a:effectLst>
                   <a:outerShdw blurRad="63500" dist="38099" dir="2700000" algn="ctr" rotWithShape="0">
                     <a:schemeClr val="bg2">
@@ -45215,17 +45223,17 @@
           <a:effectLst/>
           <a:extLst>
             <a:ext uri="{FAA26D3D-D897-4be2-8F04-BA451C77F1D7}">
-              <ma14:placeholderFlag xmlns="" xmlns:ma14="http://schemas.microsoft.com/office/mac/drawingml/2011/main" val="1"/>
+              <ma14:placeholderFlag xmlns:ma14="http://schemas.microsoft.com/office/mac/drawingml/2011/main" xmlns="" val="1"/>
             </a:ext>
             <a:ext uri="{909E8E84-426E-40dd-AFC4-6F175D3DCCD1}">
-              <a14:hiddenFill xmlns="" xmlns:a14="http://schemas.microsoft.com/office/drawing/2010/main">
+              <a14:hiddenFill xmlns:a14="http://schemas.microsoft.com/office/drawing/2010/main" xmlns="">
                 <a:solidFill>
                   <a:schemeClr val="bg1"/>
                 </a:solidFill>
               </a14:hiddenFill>
             </a:ext>
             <a:ext uri="{91240B29-F687-4f45-9708-019B960494DF}">
-              <a14:hiddenLine xmlns="" xmlns:a14="http://schemas.microsoft.com/office/drawing/2010/main" w="12700">
+              <a14:hiddenLine xmlns:a14="http://schemas.microsoft.com/office/drawing/2010/main" xmlns="" w="12700">
                 <a:pattFill prst="narHorz">
                   <a:fgClr>
                     <a:schemeClr val="tx1"/>
@@ -45240,7 +45248,7 @@
               </a14:hiddenLine>
             </a:ext>
             <a:ext uri="{AF507438-7753-43e0-B8FC-AC1667EBCBE1}">
-              <a14:hiddenEffects xmlns="" xmlns:a14="http://schemas.microsoft.com/office/drawing/2010/main">
+              <a14:hiddenEffects xmlns:a14="http://schemas.microsoft.com/office/drawing/2010/main" xmlns="">
                 <a:effectLst>
                   <a:outerShdw blurRad="63500" dist="38099" dir="2700000" algn="ctr" rotWithShape="0">
                     <a:schemeClr val="bg2">
@@ -45541,17 +45549,17 @@
           <a:effectLst/>
           <a:extLst>
             <a:ext uri="{FAA26D3D-D897-4be2-8F04-BA451C77F1D7}">
-              <ma14:placeholderFlag xmlns="" xmlns:ma14="http://schemas.microsoft.com/office/mac/drawingml/2011/main" val="1"/>
+              <ma14:placeholderFlag xmlns:ma14="http://schemas.microsoft.com/office/mac/drawingml/2011/main" xmlns="" val="1"/>
             </a:ext>
             <a:ext uri="{909E8E84-426E-40dd-AFC4-6F175D3DCCD1}">
-              <a14:hiddenFill xmlns="" xmlns:a14="http://schemas.microsoft.com/office/drawing/2010/main">
+              <a14:hiddenFill xmlns:a14="http://schemas.microsoft.com/office/drawing/2010/main" xmlns="">
                 <a:solidFill>
                   <a:schemeClr val="bg1"/>
                 </a:solidFill>
               </a14:hiddenFill>
             </a:ext>
             <a:ext uri="{91240B29-F687-4f45-9708-019B960494DF}">
-              <a14:hiddenLine xmlns="" xmlns:a14="http://schemas.microsoft.com/office/drawing/2010/main" w="12700">
+              <a14:hiddenLine xmlns:a14="http://schemas.microsoft.com/office/drawing/2010/main" xmlns="" w="12700">
                 <a:pattFill prst="narHorz">
                   <a:fgClr>
                     <a:schemeClr val="tx1"/>
@@ -45566,7 +45574,7 @@
               </a14:hiddenLine>
             </a:ext>
             <a:ext uri="{AF507438-7753-43e0-B8FC-AC1667EBCBE1}">
-              <a14:hiddenEffects xmlns="" xmlns:a14="http://schemas.microsoft.com/office/drawing/2010/main">
+              <a14:hiddenEffects xmlns:a14="http://schemas.microsoft.com/office/drawing/2010/main" xmlns="">
                 <a:effectLst>
                   <a:outerShdw blurRad="63500" dist="38099" dir="2700000" algn="ctr" rotWithShape="0">
                     <a:schemeClr val="bg2">
@@ -45922,17 +45930,17 @@
           <a:effectLst/>
           <a:extLst>
             <a:ext uri="{FAA26D3D-D897-4be2-8F04-BA451C77F1D7}">
-              <ma14:placeholderFlag xmlns="" xmlns:ma14="http://schemas.microsoft.com/office/mac/drawingml/2011/main" val="1"/>
+              <ma14:placeholderFlag xmlns:ma14="http://schemas.microsoft.com/office/mac/drawingml/2011/main" xmlns="" val="1"/>
             </a:ext>
             <a:ext uri="{909E8E84-426E-40dd-AFC4-6F175D3DCCD1}">
-              <a14:hiddenFill xmlns="" xmlns:a14="http://schemas.microsoft.com/office/drawing/2010/main">
+              <a14:hiddenFill xmlns:a14="http://schemas.microsoft.com/office/drawing/2010/main" xmlns="">
                 <a:solidFill>
                   <a:schemeClr val="bg1"/>
                 </a:solidFill>
               </a14:hiddenFill>
             </a:ext>
             <a:ext uri="{91240B29-F687-4f45-9708-019B960494DF}">
-              <a14:hiddenLine xmlns="" xmlns:a14="http://schemas.microsoft.com/office/drawing/2010/main" w="12700">
+              <a14:hiddenLine xmlns:a14="http://schemas.microsoft.com/office/drawing/2010/main" xmlns="" w="12700">
                 <a:pattFill prst="narHorz">
                   <a:fgClr>
                     <a:schemeClr val="tx1"/>
@@ -45947,7 +45955,7 @@
               </a14:hiddenLine>
             </a:ext>
             <a:ext uri="{AF507438-7753-43e0-B8FC-AC1667EBCBE1}">
-              <a14:hiddenEffects xmlns="" xmlns:a14="http://schemas.microsoft.com/office/drawing/2010/main">
+              <a14:hiddenEffects xmlns:a14="http://schemas.microsoft.com/office/drawing/2010/main" xmlns="">
                 <a:effectLst>
                   <a:outerShdw blurRad="63500" dist="38099" dir="2700000" algn="ctr" rotWithShape="0">
                     <a:schemeClr val="bg2">
@@ -46945,17 +46953,17 @@
           <a:effectLst/>
           <a:extLst>
             <a:ext uri="{FAA26D3D-D897-4be2-8F04-BA451C77F1D7}">
-              <ma14:placeholderFlag xmlns="" xmlns:ma14="http://schemas.microsoft.com/office/mac/drawingml/2011/main" val="1"/>
+              <ma14:placeholderFlag xmlns:ma14="http://schemas.microsoft.com/office/mac/drawingml/2011/main" xmlns="" val="1"/>
             </a:ext>
             <a:ext uri="{909E8E84-426E-40dd-AFC4-6F175D3DCCD1}">
-              <a14:hiddenFill xmlns="" xmlns:a14="http://schemas.microsoft.com/office/drawing/2010/main">
+              <a14:hiddenFill xmlns:a14="http://schemas.microsoft.com/office/drawing/2010/main" xmlns="">
                 <a:solidFill>
                   <a:schemeClr val="bg1"/>
                 </a:solidFill>
               </a14:hiddenFill>
             </a:ext>
             <a:ext uri="{91240B29-F687-4f45-9708-019B960494DF}">
-              <a14:hiddenLine xmlns="" xmlns:a14="http://schemas.microsoft.com/office/drawing/2010/main" w="12700">
+              <a14:hiddenLine xmlns:a14="http://schemas.microsoft.com/office/drawing/2010/main" xmlns="" w="12700">
                 <a:pattFill prst="narHorz">
                   <a:fgClr>
                     <a:schemeClr val="tx1"/>
@@ -46970,7 +46978,7 @@
               </a14:hiddenLine>
             </a:ext>
             <a:ext uri="{AF507438-7753-43e0-B8FC-AC1667EBCBE1}">
-              <a14:hiddenEffects xmlns="" xmlns:a14="http://schemas.microsoft.com/office/drawing/2010/main">
+              <a14:hiddenEffects xmlns:a14="http://schemas.microsoft.com/office/drawing/2010/main" xmlns="">
                 <a:effectLst>
                   <a:outerShdw blurRad="63500" dist="38099" dir="2700000" algn="ctr" rotWithShape="0">
                     <a:schemeClr val="bg2">
@@ -47297,17 +47305,17 @@
           <a:effectLst/>
           <a:extLst>
             <a:ext uri="{FAA26D3D-D897-4be2-8F04-BA451C77F1D7}">
-              <ma14:placeholderFlag xmlns="" xmlns:ma14="http://schemas.microsoft.com/office/mac/drawingml/2011/main" val="1"/>
+              <ma14:placeholderFlag xmlns:ma14="http://schemas.microsoft.com/office/mac/drawingml/2011/main" xmlns="" val="1"/>
             </a:ext>
             <a:ext uri="{909E8E84-426E-40dd-AFC4-6F175D3DCCD1}">
-              <a14:hiddenFill xmlns="" xmlns:a14="http://schemas.microsoft.com/office/drawing/2010/main">
+              <a14:hiddenFill xmlns:a14="http://schemas.microsoft.com/office/drawing/2010/main" xmlns="">
                 <a:solidFill>
                   <a:schemeClr val="bg1"/>
                 </a:solidFill>
               </a14:hiddenFill>
             </a:ext>
             <a:ext uri="{91240B29-F687-4f45-9708-019B960494DF}">
-              <a14:hiddenLine xmlns="" xmlns:a14="http://schemas.microsoft.com/office/drawing/2010/main" w="12700">
+              <a14:hiddenLine xmlns:a14="http://schemas.microsoft.com/office/drawing/2010/main" xmlns="" w="12700">
                 <a:pattFill prst="narHorz">
                   <a:fgClr>
                     <a:schemeClr val="tx1"/>
@@ -47322,7 +47330,7 @@
               </a14:hiddenLine>
             </a:ext>
             <a:ext uri="{AF507438-7753-43e0-B8FC-AC1667EBCBE1}">
-              <a14:hiddenEffects xmlns="" xmlns:a14="http://schemas.microsoft.com/office/drawing/2010/main">
+              <a14:hiddenEffects xmlns:a14="http://schemas.microsoft.com/office/drawing/2010/main" xmlns="">
                 <a:effectLst>
                   <a:outerShdw blurRad="63500" dist="38099" dir="2700000" algn="ctr" rotWithShape="0">
                     <a:schemeClr val="bg2">
@@ -47647,17 +47655,17 @@
           <a:effectLst/>
           <a:extLst>
             <a:ext uri="{FAA26D3D-D897-4be2-8F04-BA451C77F1D7}">
-              <ma14:placeholderFlag xmlns="" xmlns:ma14="http://schemas.microsoft.com/office/mac/drawingml/2011/main" val="1"/>
+              <ma14:placeholderFlag xmlns:ma14="http://schemas.microsoft.com/office/mac/drawingml/2011/main" xmlns="" val="1"/>
             </a:ext>
             <a:ext uri="{909E8E84-426E-40dd-AFC4-6F175D3DCCD1}">
-              <a14:hiddenFill xmlns="" xmlns:a14="http://schemas.microsoft.com/office/drawing/2010/main">
+              <a14:hiddenFill xmlns:a14="http://schemas.microsoft.com/office/drawing/2010/main" xmlns="">
                 <a:solidFill>
                   <a:schemeClr val="bg1"/>
                 </a:solidFill>
               </a14:hiddenFill>
             </a:ext>
             <a:ext uri="{91240B29-F687-4f45-9708-019B960494DF}">
-              <a14:hiddenLine xmlns="" xmlns:a14="http://schemas.microsoft.com/office/drawing/2010/main" w="12700">
+              <a14:hiddenLine xmlns:a14="http://schemas.microsoft.com/office/drawing/2010/main" xmlns="" w="12700">
                 <a:pattFill prst="narHorz">
                   <a:fgClr>
                     <a:schemeClr val="tx1"/>
@@ -47672,7 +47680,7 @@
               </a14:hiddenLine>
             </a:ext>
             <a:ext uri="{AF507438-7753-43e0-B8FC-AC1667EBCBE1}">
-              <a14:hiddenEffects xmlns="" xmlns:a14="http://schemas.microsoft.com/office/drawing/2010/main">
+              <a14:hiddenEffects xmlns:a14="http://schemas.microsoft.com/office/drawing/2010/main" xmlns="">
                 <a:effectLst>
                   <a:outerShdw blurRad="63500" dist="38099" dir="2700000" algn="ctr" rotWithShape="0">
                     <a:schemeClr val="bg2">
@@ -48035,17 +48043,17 @@
           <a:effectLst/>
           <a:extLst>
             <a:ext uri="{FAA26D3D-D897-4be2-8F04-BA451C77F1D7}">
-              <ma14:placeholderFlag xmlns="" xmlns:ma14="http://schemas.microsoft.com/office/mac/drawingml/2011/main" val="1"/>
+              <ma14:placeholderFlag xmlns:ma14="http://schemas.microsoft.com/office/mac/drawingml/2011/main" xmlns="" val="1"/>
             </a:ext>
             <a:ext uri="{909E8E84-426E-40dd-AFC4-6F175D3DCCD1}">
-              <a14:hiddenFill xmlns="" xmlns:a14="http://schemas.microsoft.com/office/drawing/2010/main">
+              <a14:hiddenFill xmlns:a14="http://schemas.microsoft.com/office/drawing/2010/main" xmlns="">
                 <a:solidFill>
                   <a:schemeClr val="bg1"/>
                 </a:solidFill>
               </a14:hiddenFill>
             </a:ext>
             <a:ext uri="{91240B29-F687-4f45-9708-019B960494DF}">
-              <a14:hiddenLine xmlns="" xmlns:a14="http://schemas.microsoft.com/office/drawing/2010/main" w="12700">
+              <a14:hiddenLine xmlns:a14="http://schemas.microsoft.com/office/drawing/2010/main" xmlns="" w="12700">
                 <a:pattFill prst="narHorz">
                   <a:fgClr>
                     <a:schemeClr val="tx1"/>
@@ -48060,7 +48068,7 @@
               </a14:hiddenLine>
             </a:ext>
             <a:ext uri="{AF507438-7753-43e0-B8FC-AC1667EBCBE1}">
-              <a14:hiddenEffects xmlns="" xmlns:a14="http://schemas.microsoft.com/office/drawing/2010/main">
+              <a14:hiddenEffects xmlns:a14="http://schemas.microsoft.com/office/drawing/2010/main" xmlns="">
                 <a:effectLst>
                   <a:outerShdw blurRad="63500" dist="38099" dir="2700000" algn="ctr" rotWithShape="0">
                     <a:schemeClr val="bg2">
@@ -48375,17 +48383,17 @@
           <a:effectLst/>
           <a:extLst>
             <a:ext uri="{FAA26D3D-D897-4be2-8F04-BA451C77F1D7}">
-              <ma14:placeholderFlag xmlns="" xmlns:ma14="http://schemas.microsoft.com/office/mac/drawingml/2011/main" val="1"/>
+              <ma14:placeholderFlag xmlns:ma14="http://schemas.microsoft.com/office/mac/drawingml/2011/main" xmlns="" val="1"/>
             </a:ext>
             <a:ext uri="{909E8E84-426E-40dd-AFC4-6F175D3DCCD1}">
-              <a14:hiddenFill xmlns="" xmlns:a14="http://schemas.microsoft.com/office/drawing/2010/main">
+              <a14:hiddenFill xmlns:a14="http://schemas.microsoft.com/office/drawing/2010/main" xmlns="">
                 <a:solidFill>
                   <a:schemeClr val="bg1"/>
                 </a:solidFill>
               </a14:hiddenFill>
             </a:ext>
             <a:ext uri="{91240B29-F687-4f45-9708-019B960494DF}">
-              <a14:hiddenLine xmlns="" xmlns:a14="http://schemas.microsoft.com/office/drawing/2010/main" w="12700">
+              <a14:hiddenLine xmlns:a14="http://schemas.microsoft.com/office/drawing/2010/main" xmlns="" w="12700">
                 <a:pattFill prst="narHorz">
                   <a:fgClr>
                     <a:schemeClr val="tx1"/>
@@ -48400,7 +48408,7 @@
               </a14:hiddenLine>
             </a:ext>
             <a:ext uri="{AF507438-7753-43e0-B8FC-AC1667EBCBE1}">
-              <a14:hiddenEffects xmlns="" xmlns:a14="http://schemas.microsoft.com/office/drawing/2010/main">
+              <a14:hiddenEffects xmlns:a14="http://schemas.microsoft.com/office/drawing/2010/main" xmlns="">
                 <a:effectLst>
                   <a:outerShdw blurRad="63500" dist="38099" dir="2700000" algn="ctr" rotWithShape="0">
                     <a:schemeClr val="bg2">
@@ -48724,17 +48732,17 @@
           <a:effectLst/>
           <a:extLst>
             <a:ext uri="{FAA26D3D-D897-4be2-8F04-BA451C77F1D7}">
-              <ma14:placeholderFlag xmlns="" xmlns:ma14="http://schemas.microsoft.com/office/mac/drawingml/2011/main" val="1"/>
+              <ma14:placeholderFlag xmlns:ma14="http://schemas.microsoft.com/office/mac/drawingml/2011/main" xmlns="" val="1"/>
             </a:ext>
             <a:ext uri="{909E8E84-426E-40dd-AFC4-6F175D3DCCD1}">
-              <a14:hiddenFill xmlns="" xmlns:a14="http://schemas.microsoft.com/office/drawing/2010/main">
+              <a14:hiddenFill xmlns:a14="http://schemas.microsoft.com/office/drawing/2010/main" xmlns="">
                 <a:solidFill>
                   <a:schemeClr val="bg1"/>
                 </a:solidFill>
               </a14:hiddenFill>
             </a:ext>
             <a:ext uri="{91240B29-F687-4f45-9708-019B960494DF}">
-              <a14:hiddenLine xmlns="" xmlns:a14="http://schemas.microsoft.com/office/drawing/2010/main" w="12700">
+              <a14:hiddenLine xmlns:a14="http://schemas.microsoft.com/office/drawing/2010/main" xmlns="" w="12700">
                 <a:pattFill prst="narHorz">
                   <a:fgClr>
                     <a:schemeClr val="tx1"/>
@@ -48749,7 +48757,7 @@
               </a14:hiddenLine>
             </a:ext>
             <a:ext uri="{AF507438-7753-43e0-B8FC-AC1667EBCBE1}">
-              <a14:hiddenEffects xmlns="" xmlns:a14="http://schemas.microsoft.com/office/drawing/2010/main">
+              <a14:hiddenEffects xmlns:a14="http://schemas.microsoft.com/office/drawing/2010/main" xmlns="">
                 <a:effectLst>
                   <a:outerShdw blurRad="63500" dist="38099" dir="2700000" algn="ctr" rotWithShape="0">
                     <a:schemeClr val="bg2">
@@ -50125,7 +50133,7 @@
         <a:effectLst/>
         <a:extLst>
           <a:ext uri="{AF507438-7753-43e0-B8FC-AC1667EBCBE1}">
-            <a14:hiddenEffects xmlns="" xmlns:a14="http://schemas.microsoft.com/office/drawing/2010/main">
+            <a14:hiddenEffects xmlns:a14="http://schemas.microsoft.com/office/drawing/2010/main" xmlns="">
               <a:effectLst>
                 <a:outerShdw dist="35921" dir="2700000" algn="ctr" rotWithShape="0">
                   <a:schemeClr val="bg2"/>
@@ -50198,7 +50206,7 @@
         <a:effectLst/>
         <a:extLst>
           <a:ext uri="{AF507438-7753-43e0-B8FC-AC1667EBCBE1}">
-            <a14:hiddenEffects xmlns="" xmlns:a14="http://schemas.microsoft.com/office/drawing/2010/main">
+            <a14:hiddenEffects xmlns:a14="http://schemas.microsoft.com/office/drawing/2010/main" xmlns="">
               <a:effectLst>
                 <a:outerShdw dist="35921" dir="2700000" algn="ctr" rotWithShape="0">
                   <a:schemeClr val="bg2"/>

--- a/PPTs/L3-Exercises ANS.pptx
+++ b/PPTs/L3-Exercises ANS.pptx
@@ -5,10 +5,10 @@
     <p:sldMasterId id="2147483648" r:id="rId1"/>
   </p:sldMasterIdLst>
   <p:notesMasterIdLst>
-    <p:notesMasterId r:id="rId28"/>
+    <p:notesMasterId r:id="rId26"/>
   </p:notesMasterIdLst>
   <p:handoutMasterIdLst>
-    <p:handoutMasterId r:id="rId29"/>
+    <p:handoutMasterId r:id="rId27"/>
   </p:handoutMasterIdLst>
   <p:sldIdLst>
     <p:sldId id="256" r:id="rId2"/>
@@ -26,17 +26,15 @@
     <p:sldId id="1392" r:id="rId14"/>
     <p:sldId id="1389" r:id="rId15"/>
     <p:sldId id="1393" r:id="rId16"/>
-    <p:sldId id="1401" r:id="rId17"/>
-    <p:sldId id="1402" r:id="rId18"/>
-    <p:sldId id="257" r:id="rId19"/>
-    <p:sldId id="258" r:id="rId20"/>
-    <p:sldId id="259" r:id="rId21"/>
-    <p:sldId id="260" r:id="rId22"/>
-    <p:sldId id="1379" r:id="rId23"/>
-    <p:sldId id="1380" r:id="rId24"/>
-    <p:sldId id="262" r:id="rId25"/>
-    <p:sldId id="264" r:id="rId26"/>
-    <p:sldId id="421" r:id="rId27"/>
+    <p:sldId id="257" r:id="rId17"/>
+    <p:sldId id="258" r:id="rId18"/>
+    <p:sldId id="259" r:id="rId19"/>
+    <p:sldId id="260" r:id="rId20"/>
+    <p:sldId id="1379" r:id="rId21"/>
+    <p:sldId id="1380" r:id="rId22"/>
+    <p:sldId id="262" r:id="rId23"/>
+    <p:sldId id="264" r:id="rId24"/>
+    <p:sldId id="421" r:id="rId25"/>
   </p:sldIdLst>
   <p:sldSz cx="12192000" cy="6858000"/>
   <p:notesSz cx="9601200" cy="7315200"/>
@@ -233,14 +231,14 @@
           <a:effectLst/>
           <a:extLst>
             <a:ext uri="{909E8E84-426E-40dd-AFC4-6F175D3DCCD1}">
-              <a14:hiddenFill xmlns:a14="http://schemas.microsoft.com/office/drawing/2010/main" xmlns="">
+              <a14:hiddenFill xmlns="" xmlns:a14="http://schemas.microsoft.com/office/drawing/2010/main">
                 <a:solidFill>
                   <a:schemeClr val="bg1"/>
                 </a:solidFill>
               </a14:hiddenFill>
             </a:ext>
             <a:ext uri="{91240B29-F687-4f45-9708-019B960494DF}">
-              <a14:hiddenLine xmlns:a14="http://schemas.microsoft.com/office/drawing/2010/main" xmlns="" w="12700">
+              <a14:hiddenLine xmlns="" xmlns:a14="http://schemas.microsoft.com/office/drawing/2010/main" w="12700">
                 <a:pattFill prst="narHorz">
                   <a:fgClr>
                     <a:schemeClr val="tx1"/>
@@ -255,7 +253,7 @@
               </a14:hiddenLine>
             </a:ext>
             <a:ext uri="{AF507438-7753-43e0-B8FC-AC1667EBCBE1}">
-              <a14:hiddenEffects xmlns:a14="http://schemas.microsoft.com/office/drawing/2010/main" xmlns="">
+              <a14:hiddenEffects xmlns="" xmlns:a14="http://schemas.microsoft.com/office/drawing/2010/main">
                 <a:effectLst>
                   <a:outerShdw dist="35921" dir="2700000" algn="ctr" rotWithShape="0">
                     <a:schemeClr val="bg2"/>
@@ -361,14 +359,14 @@
           <a:effectLst/>
           <a:extLst>
             <a:ext uri="{909E8E84-426E-40dd-AFC4-6F175D3DCCD1}">
-              <a14:hiddenFill xmlns:a14="http://schemas.microsoft.com/office/drawing/2010/main" xmlns="">
+              <a14:hiddenFill xmlns="" xmlns:a14="http://schemas.microsoft.com/office/drawing/2010/main">
                 <a:solidFill>
                   <a:schemeClr val="bg1"/>
                 </a:solidFill>
               </a14:hiddenFill>
             </a:ext>
             <a:ext uri="{91240B29-F687-4f45-9708-019B960494DF}">
-              <a14:hiddenLine xmlns:a14="http://schemas.microsoft.com/office/drawing/2010/main" xmlns="" w="12700">
+              <a14:hiddenLine xmlns="" xmlns:a14="http://schemas.microsoft.com/office/drawing/2010/main" w="12700">
                 <a:pattFill prst="narHorz">
                   <a:fgClr>
                     <a:schemeClr val="tx1"/>
@@ -383,7 +381,7 @@
               </a14:hiddenLine>
             </a:ext>
             <a:ext uri="{AF507438-7753-43e0-B8FC-AC1667EBCBE1}">
-              <a14:hiddenEffects xmlns:a14="http://schemas.microsoft.com/office/drawing/2010/main" xmlns="">
+              <a14:hiddenEffects xmlns="" xmlns:a14="http://schemas.microsoft.com/office/drawing/2010/main">
                 <a:effectLst>
                   <a:outerShdw dist="35921" dir="2700000" algn="ctr" rotWithShape="0">
                     <a:schemeClr val="bg2"/>
@@ -451,17 +449,17 @@
           <a:effectLst/>
           <a:extLst>
             <a:ext uri="{FAA26D3D-D897-4be2-8F04-BA451C77F1D7}">
-              <ma14:placeholderFlag xmlns:ma14="http://schemas.microsoft.com/office/mac/drawingml/2011/main" xmlns="" val="1"/>
+              <ma14:placeholderFlag xmlns="" xmlns:ma14="http://schemas.microsoft.com/office/mac/drawingml/2011/main" val="1"/>
             </a:ext>
             <a:ext uri="{909E8E84-426E-40dd-AFC4-6F175D3DCCD1}">
-              <a14:hiddenFill xmlns:a14="http://schemas.microsoft.com/office/drawing/2010/main" xmlns="">
+              <a14:hiddenFill xmlns="" xmlns:a14="http://schemas.microsoft.com/office/drawing/2010/main">
                 <a:solidFill>
                   <a:srgbClr val="FFFFFF"/>
                 </a:solidFill>
               </a14:hiddenFill>
             </a:ext>
             <a:ext uri="{AF507438-7753-43e0-B8FC-AC1667EBCBE1}">
-              <a14:hiddenEffects xmlns:a14="http://schemas.microsoft.com/office/drawing/2010/main" xmlns="">
+              <a14:hiddenEffects xmlns="" xmlns:a14="http://schemas.microsoft.com/office/drawing/2010/main">
                 <a:effectLst>
                   <a:outerShdw blurRad="63500" dist="38099" dir="2700000" algn="ctr" rotWithShape="0">
                     <a:srgbClr val="000000">
@@ -472,7 +470,7 @@
               </a14:hiddenEffects>
             </a:ext>
             <a:ext uri="{53640926-AAD7-44d8-BBD7-CCE9431645EC}">
-              <a14:shadowObscured xmlns:a14="http://schemas.microsoft.com/office/drawing/2010/main" xmlns="" val="1"/>
+              <a14:shadowObscured xmlns="" xmlns:a14="http://schemas.microsoft.com/office/drawing/2010/main" val="1"/>
             </a:ext>
           </a:extLst>
         </p:spPr>
@@ -502,14 +500,14 @@
           <a:effectLst/>
           <a:extLst>
             <a:ext uri="{909E8E84-426E-40dd-AFC4-6F175D3DCCD1}">
-              <a14:hiddenFill xmlns:a14="http://schemas.microsoft.com/office/drawing/2010/main" xmlns="">
+              <a14:hiddenFill xmlns="" xmlns:a14="http://schemas.microsoft.com/office/drawing/2010/main">
                 <a:solidFill>
                   <a:schemeClr val="bg1"/>
                 </a:solidFill>
               </a14:hiddenFill>
             </a:ext>
             <a:ext uri="{91240B29-F687-4f45-9708-019B960494DF}">
-              <a14:hiddenLine xmlns:a14="http://schemas.microsoft.com/office/drawing/2010/main" xmlns="" w="12700">
+              <a14:hiddenLine xmlns="" xmlns:a14="http://schemas.microsoft.com/office/drawing/2010/main" w="12700">
                 <a:pattFill prst="narHorz">
                   <a:fgClr>
                     <a:schemeClr val="tx1"/>
@@ -524,7 +522,7 @@
               </a14:hiddenLine>
             </a:ext>
             <a:ext uri="{AF507438-7753-43e0-B8FC-AC1667EBCBE1}">
-              <a14:hiddenEffects xmlns:a14="http://schemas.microsoft.com/office/drawing/2010/main" xmlns="">
+              <a14:hiddenEffects xmlns="" xmlns:a14="http://schemas.microsoft.com/office/drawing/2010/main">
                 <a:effectLst>
                   <a:outerShdw dist="35921" dir="2700000" algn="ctr" rotWithShape="0">
                     <a:schemeClr val="bg2"/>
@@ -774,10 +772,10 @@
         <p:spPr>
           <a:extLst>
             <a:ext uri="{FAA26D3D-D897-4be2-8F04-BA451C77F1D7}">
-              <ma14:placeholderFlag xmlns:ma14="http://schemas.microsoft.com/office/mac/drawingml/2011/main" xmlns="" val="1"/>
+              <ma14:placeholderFlag xmlns="" xmlns:ma14="http://schemas.microsoft.com/office/mac/drawingml/2011/main" val="1"/>
             </a:ext>
             <a:ext uri="{AF507438-7753-43e0-B8FC-AC1667EBCBE1}">
-              <a14:hiddenEffects xmlns:a14="http://schemas.microsoft.com/office/drawing/2010/main" xmlns="">
+              <a14:hiddenEffects xmlns="" xmlns:a14="http://schemas.microsoft.com/office/drawing/2010/main">
                 <a:effectLst>
                   <a:outerShdw blurRad="63500" dist="38099" dir="2700000" algn="ctr" rotWithShape="0">
                     <a:schemeClr val="bg2">
@@ -6453,17 +6451,17 @@
           <a:effectLst/>
           <a:extLst>
             <a:ext uri="{FAA26D3D-D897-4be2-8F04-BA451C77F1D7}">
-              <ma14:placeholderFlag xmlns:ma14="http://schemas.microsoft.com/office/mac/drawingml/2011/main" xmlns="" val="1"/>
+              <ma14:placeholderFlag xmlns="" xmlns:ma14="http://schemas.microsoft.com/office/mac/drawingml/2011/main" val="1"/>
             </a:ext>
             <a:ext uri="{909E8E84-426E-40dd-AFC4-6F175D3DCCD1}">
-              <a14:hiddenFill xmlns:a14="http://schemas.microsoft.com/office/drawing/2010/main" xmlns="">
+              <a14:hiddenFill xmlns="" xmlns:a14="http://schemas.microsoft.com/office/drawing/2010/main">
                 <a:solidFill>
                   <a:schemeClr val="bg1"/>
                 </a:solidFill>
               </a14:hiddenFill>
             </a:ext>
             <a:ext uri="{91240B29-F687-4f45-9708-019B960494DF}">
-              <a14:hiddenLine xmlns:a14="http://schemas.microsoft.com/office/drawing/2010/main" xmlns="" w="12700">
+              <a14:hiddenLine xmlns="" xmlns:a14="http://schemas.microsoft.com/office/drawing/2010/main" w="12700">
                 <a:pattFill prst="narHorz">
                   <a:fgClr>
                     <a:schemeClr val="tx1"/>
@@ -6478,7 +6476,7 @@
               </a14:hiddenLine>
             </a:ext>
             <a:ext uri="{AF507438-7753-43e0-B8FC-AC1667EBCBE1}">
-              <a14:hiddenEffects xmlns:a14="http://schemas.microsoft.com/office/drawing/2010/main" xmlns="">
+              <a14:hiddenEffects xmlns="" xmlns:a14="http://schemas.microsoft.com/office/drawing/2010/main">
                 <a:effectLst>
                   <a:outerShdw blurRad="63500" dist="38099" dir="2700000" algn="ctr" rotWithShape="0">
                     <a:schemeClr val="bg2">
@@ -6531,17 +6529,17 @@
           <a:effectLst/>
           <a:extLst>
             <a:ext uri="{FAA26D3D-D897-4be2-8F04-BA451C77F1D7}">
-              <ma14:placeholderFlag xmlns:ma14="http://schemas.microsoft.com/office/mac/drawingml/2011/main" xmlns="" val="1"/>
+              <ma14:placeholderFlag xmlns="" xmlns:ma14="http://schemas.microsoft.com/office/mac/drawingml/2011/main" val="1"/>
             </a:ext>
             <a:ext uri="{909E8E84-426E-40dd-AFC4-6F175D3DCCD1}">
-              <a14:hiddenFill xmlns:a14="http://schemas.microsoft.com/office/drawing/2010/main" xmlns="">
+              <a14:hiddenFill xmlns="" xmlns:a14="http://schemas.microsoft.com/office/drawing/2010/main">
                 <a:solidFill>
                   <a:schemeClr val="bg1"/>
                 </a:solidFill>
               </a14:hiddenFill>
             </a:ext>
             <a:ext uri="{91240B29-F687-4f45-9708-019B960494DF}">
-              <a14:hiddenLine xmlns:a14="http://schemas.microsoft.com/office/drawing/2010/main" xmlns="" w="12700">
+              <a14:hiddenLine xmlns="" xmlns:a14="http://schemas.microsoft.com/office/drawing/2010/main" w="12700">
                 <a:pattFill prst="narHorz">
                   <a:fgClr>
                     <a:schemeClr val="tx1"/>
@@ -6556,7 +6554,7 @@
               </a14:hiddenLine>
             </a:ext>
             <a:ext uri="{AF507438-7753-43e0-B8FC-AC1667EBCBE1}">
-              <a14:hiddenEffects xmlns:a14="http://schemas.microsoft.com/office/drawing/2010/main" xmlns="">
+              <a14:hiddenEffects xmlns="" xmlns:a14="http://schemas.microsoft.com/office/drawing/2010/main">
                 <a:effectLst>
                   <a:outerShdw blurRad="63500" dist="38099" dir="2700000" algn="ctr" rotWithShape="0">
                     <a:schemeClr val="bg2">
@@ -6640,12 +6638,12 @@
           <a:effectLst/>
           <a:extLst>
             <a:ext uri="{909E8E84-426E-40dd-AFC4-6F175D3DCCD1}">
-              <a14:hiddenFill xmlns:a14="http://schemas.microsoft.com/office/drawing/2010/main" xmlns="">
+              <a14:hiddenFill xmlns="" xmlns:a14="http://schemas.microsoft.com/office/drawing/2010/main">
                 <a:noFill/>
               </a14:hiddenFill>
             </a:ext>
             <a:ext uri="{AF507438-7753-43e0-B8FC-AC1667EBCBE1}">
-              <a14:hiddenEffects xmlns:a14="http://schemas.microsoft.com/office/drawing/2010/main" xmlns="">
+              <a14:hiddenEffects xmlns="" xmlns:a14="http://schemas.microsoft.com/office/drawing/2010/main">
                 <a:effectLst>
                   <a:outerShdw blurRad="63500" dist="38099" dir="2700000" algn="ctr" rotWithShape="0">
                     <a:schemeClr val="bg2">
@@ -7622,17 +7620,17 @@
           <a:effectLst/>
           <a:extLst>
             <a:ext uri="{FAA26D3D-D897-4be2-8F04-BA451C77F1D7}">
-              <ma14:placeholderFlag xmlns:ma14="http://schemas.microsoft.com/office/mac/drawingml/2011/main" xmlns="" val="1"/>
+              <ma14:placeholderFlag xmlns="" xmlns:ma14="http://schemas.microsoft.com/office/mac/drawingml/2011/main" val="1"/>
             </a:ext>
             <a:ext uri="{909E8E84-426E-40dd-AFC4-6F175D3DCCD1}">
-              <a14:hiddenFill xmlns:a14="http://schemas.microsoft.com/office/drawing/2010/main" xmlns="">
+              <a14:hiddenFill xmlns="" xmlns:a14="http://schemas.microsoft.com/office/drawing/2010/main">
                 <a:solidFill>
                   <a:schemeClr val="bg1"/>
                 </a:solidFill>
               </a14:hiddenFill>
             </a:ext>
             <a:ext uri="{91240B29-F687-4f45-9708-019B960494DF}">
-              <a14:hiddenLine xmlns:a14="http://schemas.microsoft.com/office/drawing/2010/main" xmlns="" w="12700">
+              <a14:hiddenLine xmlns="" xmlns:a14="http://schemas.microsoft.com/office/drawing/2010/main" w="12700">
                 <a:pattFill prst="narHorz">
                   <a:fgClr>
                     <a:schemeClr val="tx1"/>
@@ -7647,7 +7645,7 @@
               </a14:hiddenLine>
             </a:ext>
             <a:ext uri="{AF507438-7753-43e0-B8FC-AC1667EBCBE1}">
-              <a14:hiddenEffects xmlns:a14="http://schemas.microsoft.com/office/drawing/2010/main" xmlns="">
+              <a14:hiddenEffects xmlns="" xmlns:a14="http://schemas.microsoft.com/office/drawing/2010/main">
                 <a:effectLst>
                   <a:outerShdw blurRad="63500" dist="38099" dir="2700000" algn="ctr" rotWithShape="0">
                     <a:schemeClr val="bg2">
@@ -7975,17 +7973,17 @@
           <a:effectLst/>
           <a:extLst>
             <a:ext uri="{FAA26D3D-D897-4be2-8F04-BA451C77F1D7}">
-              <ma14:placeholderFlag xmlns:ma14="http://schemas.microsoft.com/office/mac/drawingml/2011/main" xmlns="" val="1"/>
+              <ma14:placeholderFlag xmlns="" xmlns:ma14="http://schemas.microsoft.com/office/mac/drawingml/2011/main" val="1"/>
             </a:ext>
             <a:ext uri="{909E8E84-426E-40dd-AFC4-6F175D3DCCD1}">
-              <a14:hiddenFill xmlns:a14="http://schemas.microsoft.com/office/drawing/2010/main" xmlns="">
+              <a14:hiddenFill xmlns="" xmlns:a14="http://schemas.microsoft.com/office/drawing/2010/main">
                 <a:solidFill>
                   <a:schemeClr val="bg1"/>
                 </a:solidFill>
               </a14:hiddenFill>
             </a:ext>
             <a:ext uri="{91240B29-F687-4f45-9708-019B960494DF}">
-              <a14:hiddenLine xmlns:a14="http://schemas.microsoft.com/office/drawing/2010/main" xmlns="" w="12700">
+              <a14:hiddenLine xmlns="" xmlns:a14="http://schemas.microsoft.com/office/drawing/2010/main" w="12700">
                 <a:pattFill prst="narHorz">
                   <a:fgClr>
                     <a:schemeClr val="tx1"/>
@@ -8000,7 +7998,7 @@
               </a14:hiddenLine>
             </a:ext>
             <a:ext uri="{AF507438-7753-43e0-B8FC-AC1667EBCBE1}">
-              <a14:hiddenEffects xmlns:a14="http://schemas.microsoft.com/office/drawing/2010/main" xmlns="">
+              <a14:hiddenEffects xmlns="" xmlns:a14="http://schemas.microsoft.com/office/drawing/2010/main">
                 <a:effectLst>
                   <a:outerShdw blurRad="63500" dist="38099" dir="2700000" algn="ctr" rotWithShape="0">
                     <a:schemeClr val="bg2">
@@ -8326,17 +8324,17 @@
           <a:effectLst/>
           <a:extLst>
             <a:ext uri="{FAA26D3D-D897-4be2-8F04-BA451C77F1D7}">
-              <ma14:placeholderFlag xmlns:ma14="http://schemas.microsoft.com/office/mac/drawingml/2011/main" xmlns="" val="1"/>
+              <ma14:placeholderFlag xmlns="" xmlns:ma14="http://schemas.microsoft.com/office/mac/drawingml/2011/main" val="1"/>
             </a:ext>
             <a:ext uri="{909E8E84-426E-40dd-AFC4-6F175D3DCCD1}">
-              <a14:hiddenFill xmlns:a14="http://schemas.microsoft.com/office/drawing/2010/main" xmlns="">
+              <a14:hiddenFill xmlns="" xmlns:a14="http://schemas.microsoft.com/office/drawing/2010/main">
                 <a:solidFill>
                   <a:schemeClr val="bg1"/>
                 </a:solidFill>
               </a14:hiddenFill>
             </a:ext>
             <a:ext uri="{91240B29-F687-4f45-9708-019B960494DF}">
-              <a14:hiddenLine xmlns:a14="http://schemas.microsoft.com/office/drawing/2010/main" xmlns="" w="12700">
+              <a14:hiddenLine xmlns="" xmlns:a14="http://schemas.microsoft.com/office/drawing/2010/main" w="12700">
                 <a:pattFill prst="narHorz">
                   <a:fgClr>
                     <a:schemeClr val="tx1"/>
@@ -8351,7 +8349,7 @@
               </a14:hiddenLine>
             </a:ext>
             <a:ext uri="{AF507438-7753-43e0-B8FC-AC1667EBCBE1}">
-              <a14:hiddenEffects xmlns:a14="http://schemas.microsoft.com/office/drawing/2010/main" xmlns="">
+              <a14:hiddenEffects xmlns="" xmlns:a14="http://schemas.microsoft.com/office/drawing/2010/main">
                 <a:effectLst>
                   <a:outerShdw blurRad="63500" dist="38099" dir="2700000" algn="ctr" rotWithShape="0">
                     <a:schemeClr val="bg2">
@@ -8684,17 +8682,17 @@
           <a:effectLst/>
           <a:extLst>
             <a:ext uri="{FAA26D3D-D897-4be2-8F04-BA451C77F1D7}">
-              <ma14:placeholderFlag xmlns:ma14="http://schemas.microsoft.com/office/mac/drawingml/2011/main" xmlns="" val="1"/>
+              <ma14:placeholderFlag xmlns="" xmlns:ma14="http://schemas.microsoft.com/office/mac/drawingml/2011/main" val="1"/>
             </a:ext>
             <a:ext uri="{909E8E84-426E-40dd-AFC4-6F175D3DCCD1}">
-              <a14:hiddenFill xmlns:a14="http://schemas.microsoft.com/office/drawing/2010/main" xmlns="">
+              <a14:hiddenFill xmlns="" xmlns:a14="http://schemas.microsoft.com/office/drawing/2010/main">
                 <a:solidFill>
                   <a:schemeClr val="bg1"/>
                 </a:solidFill>
               </a14:hiddenFill>
             </a:ext>
             <a:ext uri="{91240B29-F687-4f45-9708-019B960494DF}">
-              <a14:hiddenLine xmlns:a14="http://schemas.microsoft.com/office/drawing/2010/main" xmlns="" w="12700">
+              <a14:hiddenLine xmlns="" xmlns:a14="http://schemas.microsoft.com/office/drawing/2010/main" w="12700">
                 <a:pattFill prst="narHorz">
                   <a:fgClr>
                     <a:schemeClr val="tx1"/>
@@ -8709,7 +8707,7 @@
               </a14:hiddenLine>
             </a:ext>
             <a:ext uri="{AF507438-7753-43e0-B8FC-AC1667EBCBE1}">
-              <a14:hiddenEffects xmlns:a14="http://schemas.microsoft.com/office/drawing/2010/main" xmlns="">
+              <a14:hiddenEffects xmlns="" xmlns:a14="http://schemas.microsoft.com/office/drawing/2010/main">
                 <a:effectLst>
                   <a:outerShdw blurRad="63500" dist="38099" dir="2700000" algn="ctr" rotWithShape="0">
                     <a:schemeClr val="bg2">
@@ -9037,17 +9035,17 @@
           <a:effectLst/>
           <a:extLst>
             <a:ext uri="{FAA26D3D-D897-4be2-8F04-BA451C77F1D7}">
-              <ma14:placeholderFlag xmlns:ma14="http://schemas.microsoft.com/office/mac/drawingml/2011/main" xmlns="" val="1"/>
+              <ma14:placeholderFlag xmlns="" xmlns:ma14="http://schemas.microsoft.com/office/mac/drawingml/2011/main" val="1"/>
             </a:ext>
             <a:ext uri="{909E8E84-426E-40dd-AFC4-6F175D3DCCD1}">
-              <a14:hiddenFill xmlns:a14="http://schemas.microsoft.com/office/drawing/2010/main" xmlns="">
+              <a14:hiddenFill xmlns="" xmlns:a14="http://schemas.microsoft.com/office/drawing/2010/main">
                 <a:solidFill>
                   <a:schemeClr val="bg1"/>
                 </a:solidFill>
               </a14:hiddenFill>
             </a:ext>
             <a:ext uri="{91240B29-F687-4f45-9708-019B960494DF}">
-              <a14:hiddenLine xmlns:a14="http://schemas.microsoft.com/office/drawing/2010/main" xmlns="" w="12700">
+              <a14:hiddenLine xmlns="" xmlns:a14="http://schemas.microsoft.com/office/drawing/2010/main" w="12700">
                 <a:pattFill prst="narHorz">
                   <a:fgClr>
                     <a:schemeClr val="tx1"/>
@@ -9062,7 +9060,7 @@
               </a14:hiddenLine>
             </a:ext>
             <a:ext uri="{AF507438-7753-43e0-B8FC-AC1667EBCBE1}">
-              <a14:hiddenEffects xmlns:a14="http://schemas.microsoft.com/office/drawing/2010/main" xmlns="">
+              <a14:hiddenEffects xmlns="" xmlns:a14="http://schemas.microsoft.com/office/drawing/2010/main">
                 <a:effectLst>
                   <a:outerShdw blurRad="63500" dist="38099" dir="2700000" algn="ctr" rotWithShape="0">
                     <a:schemeClr val="bg2">
@@ -9388,17 +9386,17 @@
           <a:effectLst/>
           <a:extLst>
             <a:ext uri="{FAA26D3D-D897-4be2-8F04-BA451C77F1D7}">
-              <ma14:placeholderFlag xmlns:ma14="http://schemas.microsoft.com/office/mac/drawingml/2011/main" xmlns="" val="1"/>
+              <ma14:placeholderFlag xmlns="" xmlns:ma14="http://schemas.microsoft.com/office/mac/drawingml/2011/main" val="1"/>
             </a:ext>
             <a:ext uri="{909E8E84-426E-40dd-AFC4-6F175D3DCCD1}">
-              <a14:hiddenFill xmlns:a14="http://schemas.microsoft.com/office/drawing/2010/main" xmlns="">
+              <a14:hiddenFill xmlns="" xmlns:a14="http://schemas.microsoft.com/office/drawing/2010/main">
                 <a:solidFill>
                   <a:schemeClr val="bg1"/>
                 </a:solidFill>
               </a14:hiddenFill>
             </a:ext>
             <a:ext uri="{91240B29-F687-4f45-9708-019B960494DF}">
-              <a14:hiddenLine xmlns:a14="http://schemas.microsoft.com/office/drawing/2010/main" xmlns="" w="12700">
+              <a14:hiddenLine xmlns="" xmlns:a14="http://schemas.microsoft.com/office/drawing/2010/main" w="12700">
                 <a:pattFill prst="narHorz">
                   <a:fgClr>
                     <a:schemeClr val="tx1"/>
@@ -9413,7 +9411,7 @@
               </a14:hiddenLine>
             </a:ext>
             <a:ext uri="{AF507438-7753-43e0-B8FC-AC1667EBCBE1}">
-              <a14:hiddenEffects xmlns:a14="http://schemas.microsoft.com/office/drawing/2010/main" xmlns="">
+              <a14:hiddenEffects xmlns="" xmlns:a14="http://schemas.microsoft.com/office/drawing/2010/main">
                 <a:effectLst>
                   <a:outerShdw blurRad="63500" dist="38099" dir="2700000" algn="ctr" rotWithShape="0">
                     <a:schemeClr val="bg2">
@@ -10534,17 +10532,17 @@
           <a:effectLst/>
           <a:extLst>
             <a:ext uri="{FAA26D3D-D897-4be2-8F04-BA451C77F1D7}">
-              <ma14:placeholderFlag xmlns:ma14="http://schemas.microsoft.com/office/mac/drawingml/2011/main" xmlns="" val="1"/>
+              <ma14:placeholderFlag xmlns="" xmlns:ma14="http://schemas.microsoft.com/office/mac/drawingml/2011/main" val="1"/>
             </a:ext>
             <a:ext uri="{909E8E84-426E-40dd-AFC4-6F175D3DCCD1}">
-              <a14:hiddenFill xmlns:a14="http://schemas.microsoft.com/office/drawing/2010/main" xmlns="">
+              <a14:hiddenFill xmlns="" xmlns:a14="http://schemas.microsoft.com/office/drawing/2010/main">
                 <a:solidFill>
                   <a:schemeClr val="bg1"/>
                 </a:solidFill>
               </a14:hiddenFill>
             </a:ext>
             <a:ext uri="{91240B29-F687-4f45-9708-019B960494DF}">
-              <a14:hiddenLine xmlns:a14="http://schemas.microsoft.com/office/drawing/2010/main" xmlns="" w="12700">
+              <a14:hiddenLine xmlns="" xmlns:a14="http://schemas.microsoft.com/office/drawing/2010/main" w="12700">
                 <a:pattFill prst="narHorz">
                   <a:fgClr>
                     <a:schemeClr val="tx1"/>
@@ -10559,7 +10557,7 @@
               </a14:hiddenLine>
             </a:ext>
             <a:ext uri="{AF507438-7753-43e0-B8FC-AC1667EBCBE1}">
-              <a14:hiddenEffects xmlns:a14="http://schemas.microsoft.com/office/drawing/2010/main" xmlns="">
+              <a14:hiddenEffects xmlns="" xmlns:a14="http://schemas.microsoft.com/office/drawing/2010/main">
                 <a:effectLst>
                   <a:outerShdw blurRad="63500" dist="38099" dir="2700000" algn="ctr" rotWithShape="0">
                     <a:schemeClr val="bg2">
@@ -10886,17 +10884,17 @@
           <a:effectLst/>
           <a:extLst>
             <a:ext uri="{FAA26D3D-D897-4be2-8F04-BA451C77F1D7}">
-              <ma14:placeholderFlag xmlns:ma14="http://schemas.microsoft.com/office/mac/drawingml/2011/main" xmlns="" val="1"/>
+              <ma14:placeholderFlag xmlns="" xmlns:ma14="http://schemas.microsoft.com/office/mac/drawingml/2011/main" val="1"/>
             </a:ext>
             <a:ext uri="{909E8E84-426E-40dd-AFC4-6F175D3DCCD1}">
-              <a14:hiddenFill xmlns:a14="http://schemas.microsoft.com/office/drawing/2010/main" xmlns="">
+              <a14:hiddenFill xmlns="" xmlns:a14="http://schemas.microsoft.com/office/drawing/2010/main">
                 <a:solidFill>
                   <a:schemeClr val="bg1"/>
                 </a:solidFill>
               </a14:hiddenFill>
             </a:ext>
             <a:ext uri="{91240B29-F687-4f45-9708-019B960494DF}">
-              <a14:hiddenLine xmlns:a14="http://schemas.microsoft.com/office/drawing/2010/main" xmlns="" w="12700">
+              <a14:hiddenLine xmlns="" xmlns:a14="http://schemas.microsoft.com/office/drawing/2010/main" w="12700">
                 <a:pattFill prst="narHorz">
                   <a:fgClr>
                     <a:schemeClr val="tx1"/>
@@ -10911,7 +10909,7 @@
               </a14:hiddenLine>
             </a:ext>
             <a:ext uri="{AF507438-7753-43e0-B8FC-AC1667EBCBE1}">
-              <a14:hiddenEffects xmlns:a14="http://schemas.microsoft.com/office/drawing/2010/main" xmlns="">
+              <a14:hiddenEffects xmlns="" xmlns:a14="http://schemas.microsoft.com/office/drawing/2010/main">
                 <a:effectLst>
                   <a:outerShdw blurRad="63500" dist="38099" dir="2700000" algn="ctr" rotWithShape="0">
                     <a:schemeClr val="bg2">
@@ -11250,17 +11248,17 @@
           <a:effectLst/>
           <a:extLst>
             <a:ext uri="{FAA26D3D-D897-4be2-8F04-BA451C77F1D7}">
-              <ma14:placeholderFlag xmlns:ma14="http://schemas.microsoft.com/office/mac/drawingml/2011/main" xmlns="" val="1"/>
+              <ma14:placeholderFlag xmlns="" xmlns:ma14="http://schemas.microsoft.com/office/mac/drawingml/2011/main" val="1"/>
             </a:ext>
             <a:ext uri="{909E8E84-426E-40dd-AFC4-6F175D3DCCD1}">
-              <a14:hiddenFill xmlns:a14="http://schemas.microsoft.com/office/drawing/2010/main" xmlns="">
+              <a14:hiddenFill xmlns="" xmlns:a14="http://schemas.microsoft.com/office/drawing/2010/main">
                 <a:solidFill>
                   <a:schemeClr val="bg1"/>
                 </a:solidFill>
               </a14:hiddenFill>
             </a:ext>
             <a:ext uri="{91240B29-F687-4f45-9708-019B960494DF}">
-              <a14:hiddenLine xmlns:a14="http://schemas.microsoft.com/office/drawing/2010/main" xmlns="" w="12700">
+              <a14:hiddenLine xmlns="" xmlns:a14="http://schemas.microsoft.com/office/drawing/2010/main" w="12700">
                 <a:pattFill prst="narHorz">
                   <a:fgClr>
                     <a:schemeClr val="tx1"/>
@@ -11275,7 +11273,7 @@
               </a14:hiddenLine>
             </a:ext>
             <a:ext uri="{AF507438-7753-43e0-B8FC-AC1667EBCBE1}">
-              <a14:hiddenEffects xmlns:a14="http://schemas.microsoft.com/office/drawing/2010/main" xmlns="">
+              <a14:hiddenEffects xmlns="" xmlns:a14="http://schemas.microsoft.com/office/drawing/2010/main">
                 <a:effectLst>
                   <a:outerShdw blurRad="63500" dist="38099" dir="2700000" algn="ctr" rotWithShape="0">
                     <a:schemeClr val="bg2">
@@ -11551,17 +11549,17 @@
           <a:effectLst/>
           <a:extLst>
             <a:ext uri="{FAA26D3D-D897-4be2-8F04-BA451C77F1D7}">
-              <ma14:placeholderFlag xmlns:ma14="http://schemas.microsoft.com/office/mac/drawingml/2011/main" xmlns="" val="1"/>
+              <ma14:placeholderFlag xmlns="" xmlns:ma14="http://schemas.microsoft.com/office/mac/drawingml/2011/main" val="1"/>
             </a:ext>
             <a:ext uri="{909E8E84-426E-40dd-AFC4-6F175D3DCCD1}">
-              <a14:hiddenFill xmlns:a14="http://schemas.microsoft.com/office/drawing/2010/main" xmlns="">
+              <a14:hiddenFill xmlns="" xmlns:a14="http://schemas.microsoft.com/office/drawing/2010/main">
                 <a:solidFill>
                   <a:schemeClr val="bg1"/>
                 </a:solidFill>
               </a14:hiddenFill>
             </a:ext>
             <a:ext uri="{91240B29-F687-4f45-9708-019B960494DF}">
-              <a14:hiddenLine xmlns:a14="http://schemas.microsoft.com/office/drawing/2010/main" xmlns="" w="12700">
+              <a14:hiddenLine xmlns="" xmlns:a14="http://schemas.microsoft.com/office/drawing/2010/main" w="12700">
                 <a:pattFill prst="narHorz">
                   <a:fgClr>
                     <a:schemeClr val="tx1"/>
@@ -11576,7 +11574,7 @@
               </a14:hiddenLine>
             </a:ext>
             <a:ext uri="{AF507438-7753-43e0-B8FC-AC1667EBCBE1}">
-              <a14:hiddenEffects xmlns:a14="http://schemas.microsoft.com/office/drawing/2010/main" xmlns="">
+              <a14:hiddenEffects xmlns="" xmlns:a14="http://schemas.microsoft.com/office/drawing/2010/main">
                 <a:effectLst>
                   <a:outerShdw blurRad="63500" dist="38099" dir="2700000" algn="ctr" rotWithShape="0">
                     <a:schemeClr val="bg2">
@@ -13569,17 +13567,17 @@
           <a:effectLst/>
           <a:extLst>
             <a:ext uri="{FAA26D3D-D897-4be2-8F04-BA451C77F1D7}">
-              <ma14:placeholderFlag xmlns:ma14="http://schemas.microsoft.com/office/mac/drawingml/2011/main" xmlns="" val="1"/>
+              <ma14:placeholderFlag xmlns="" xmlns:ma14="http://schemas.microsoft.com/office/mac/drawingml/2011/main" val="1"/>
             </a:ext>
             <a:ext uri="{909E8E84-426E-40dd-AFC4-6F175D3DCCD1}">
-              <a14:hiddenFill xmlns:a14="http://schemas.microsoft.com/office/drawing/2010/main" xmlns="">
+              <a14:hiddenFill xmlns="" xmlns:a14="http://schemas.microsoft.com/office/drawing/2010/main">
                 <a:solidFill>
                   <a:schemeClr val="bg1"/>
                 </a:solidFill>
               </a14:hiddenFill>
             </a:ext>
             <a:ext uri="{91240B29-F687-4f45-9708-019B960494DF}">
-              <a14:hiddenLine xmlns:a14="http://schemas.microsoft.com/office/drawing/2010/main" xmlns="" w="12700">
+              <a14:hiddenLine xmlns="" xmlns:a14="http://schemas.microsoft.com/office/drawing/2010/main" w="12700">
                 <a:pattFill prst="narHorz">
                   <a:fgClr>
                     <a:schemeClr val="tx1"/>
@@ -13594,7 +13592,7 @@
               </a14:hiddenLine>
             </a:ext>
             <a:ext uri="{AF507438-7753-43e0-B8FC-AC1667EBCBE1}">
-              <a14:hiddenEffects xmlns:a14="http://schemas.microsoft.com/office/drawing/2010/main" xmlns="">
+              <a14:hiddenEffects xmlns="" xmlns:a14="http://schemas.microsoft.com/office/drawing/2010/main">
                 <a:effectLst>
                   <a:outerShdw blurRad="63500" dist="38099" dir="2700000" algn="ctr" rotWithShape="0">
                     <a:schemeClr val="bg2">
@@ -13933,17 +13931,17 @@
           <a:effectLst/>
           <a:extLst>
             <a:ext uri="{FAA26D3D-D897-4be2-8F04-BA451C77F1D7}">
-              <ma14:placeholderFlag xmlns:ma14="http://schemas.microsoft.com/office/mac/drawingml/2011/main" xmlns="" val="1"/>
+              <ma14:placeholderFlag xmlns="" xmlns:ma14="http://schemas.microsoft.com/office/mac/drawingml/2011/main" val="1"/>
             </a:ext>
             <a:ext uri="{909E8E84-426E-40dd-AFC4-6F175D3DCCD1}">
-              <a14:hiddenFill xmlns:a14="http://schemas.microsoft.com/office/drawing/2010/main" xmlns="">
+              <a14:hiddenFill xmlns="" xmlns:a14="http://schemas.microsoft.com/office/drawing/2010/main">
                 <a:solidFill>
                   <a:schemeClr val="bg1"/>
                 </a:solidFill>
               </a14:hiddenFill>
             </a:ext>
             <a:ext uri="{91240B29-F687-4f45-9708-019B960494DF}">
-              <a14:hiddenLine xmlns:a14="http://schemas.microsoft.com/office/drawing/2010/main" xmlns="" w="12700">
+              <a14:hiddenLine xmlns="" xmlns:a14="http://schemas.microsoft.com/office/drawing/2010/main" w="12700">
                 <a:pattFill prst="narHorz">
                   <a:fgClr>
                     <a:schemeClr val="tx1"/>
@@ -13958,7 +13956,7 @@
               </a14:hiddenLine>
             </a:ext>
             <a:ext uri="{AF507438-7753-43e0-B8FC-AC1667EBCBE1}">
-              <a14:hiddenEffects xmlns:a14="http://schemas.microsoft.com/office/drawing/2010/main" xmlns="">
+              <a14:hiddenEffects xmlns="" xmlns:a14="http://schemas.microsoft.com/office/drawing/2010/main">
                 <a:effectLst>
                   <a:outerShdw blurRad="63500" dist="38099" dir="2700000" algn="ctr" rotWithShape="0">
                     <a:schemeClr val="bg2">
@@ -14234,17 +14232,17 @@
           <a:effectLst/>
           <a:extLst>
             <a:ext uri="{FAA26D3D-D897-4be2-8F04-BA451C77F1D7}">
-              <ma14:placeholderFlag xmlns:ma14="http://schemas.microsoft.com/office/mac/drawingml/2011/main" xmlns="" val="1"/>
+              <ma14:placeholderFlag xmlns="" xmlns:ma14="http://schemas.microsoft.com/office/mac/drawingml/2011/main" val="1"/>
             </a:ext>
             <a:ext uri="{909E8E84-426E-40dd-AFC4-6F175D3DCCD1}">
-              <a14:hiddenFill xmlns:a14="http://schemas.microsoft.com/office/drawing/2010/main" xmlns="">
+              <a14:hiddenFill xmlns="" xmlns:a14="http://schemas.microsoft.com/office/drawing/2010/main">
                 <a:solidFill>
                   <a:schemeClr val="bg1"/>
                 </a:solidFill>
               </a14:hiddenFill>
             </a:ext>
             <a:ext uri="{91240B29-F687-4f45-9708-019B960494DF}">
-              <a14:hiddenLine xmlns:a14="http://schemas.microsoft.com/office/drawing/2010/main" xmlns="" w="12700">
+              <a14:hiddenLine xmlns="" xmlns:a14="http://schemas.microsoft.com/office/drawing/2010/main" w="12700">
                 <a:pattFill prst="narHorz">
                   <a:fgClr>
                     <a:schemeClr val="tx1"/>
@@ -14259,7 +14257,7 @@
               </a14:hiddenLine>
             </a:ext>
             <a:ext uri="{AF507438-7753-43e0-B8FC-AC1667EBCBE1}">
-              <a14:hiddenEffects xmlns:a14="http://schemas.microsoft.com/office/drawing/2010/main" xmlns="">
+              <a14:hiddenEffects xmlns="" xmlns:a14="http://schemas.microsoft.com/office/drawing/2010/main">
                 <a:effectLst>
                   <a:outerShdw blurRad="63500" dist="38099" dir="2700000" algn="ctr" rotWithShape="0">
                     <a:schemeClr val="bg2">
@@ -16290,3717 +16288,6 @@
       </p:grpSpPr>
       <p:sp>
         <p:nvSpPr>
-          <p:cNvPr id="5" name="object 8">
-            <a:extLst>
-              <a:ext uri="{FF2B5EF4-FFF2-40B4-BE49-F238E27FC236}">
-                <a16:creationId xmlns:a16="http://schemas.microsoft.com/office/drawing/2014/main" id="{CABD4052-E574-DF5B-571C-1AAA85411826}"/>
-              </a:ext>
-            </a:extLst>
-          </p:cNvPr>
-          <p:cNvSpPr txBox="1"/>
-          <p:nvPr/>
-        </p:nvSpPr>
-        <p:spPr>
-          <a:xfrm>
-            <a:off x="76200" y="1826446"/>
-            <a:ext cx="5989528" cy="4485843"/>
-          </a:xfrm>
-          <a:prstGeom prst="rect">
-            <a:avLst/>
-          </a:prstGeom>
-          <a:ln w="12700">
-            <a:solidFill>
-              <a:srgbClr val="000000"/>
-            </a:solidFill>
-          </a:ln>
-        </p:spPr>
-        <p:txBody>
-          <a:bodyPr vert="horz" wrap="square" lIns="0" tIns="53340" rIns="0" bIns="0" rtlCol="0">
-            <a:spAutoFit/>
-          </a:bodyPr>
-          <a:lstStyle/>
-          <a:p>
-            <a:pPr>
-              <a:buNone/>
-              <a:tabLst>
-                <a:tab pos="576263" algn="l"/>
-                <a:tab pos="914400" algn="l"/>
-                <a:tab pos="1252538" algn="l"/>
-                <a:tab pos="1603375" algn="l"/>
-                <a:tab pos="4233863" algn="l"/>
-              </a:tabLst>
-            </a:pPr>
-            <a:r>
-              <a:rPr lang="en-US" altLang="ko-KR" sz="1600" b="0" dirty="0">
-                <a:latin typeface="Courier New" charset="0"/>
-                <a:ea typeface="굴림" charset="0"/>
-                <a:cs typeface="굴림" charset="0"/>
-              </a:rPr>
-              <a:t> Reader() {</a:t>
-            </a:r>
-            <a:br>
-              <a:rPr lang="en-US" altLang="ko-KR" sz="1600" b="0" dirty="0">
-                <a:latin typeface="Courier New" charset="0"/>
-                <a:ea typeface="굴림" charset="0"/>
-                <a:cs typeface="굴림" charset="0"/>
-              </a:rPr>
-            </a:br>
-            <a:r>
-              <a:rPr lang="en-US" altLang="ko-KR" sz="1600" b="0" dirty="0">
-                <a:latin typeface="Courier New" charset="0"/>
-                <a:ea typeface="굴림" charset="0"/>
-                <a:cs typeface="굴림" charset="0"/>
-              </a:rPr>
-              <a:t>	</a:t>
-            </a:r>
-            <a:r>
-              <a:rPr lang="en-US" altLang="ko-KR" sz="1600" b="0" dirty="0" err="1">
-                <a:latin typeface="Courier New" charset="0"/>
-                <a:ea typeface="굴림" charset="0"/>
-                <a:cs typeface="굴림" charset="0"/>
-              </a:rPr>
-              <a:t>mutex_lock</a:t>
-            </a:r>
-            <a:r>
-              <a:rPr lang="en-US" altLang="ko-KR" sz="1600" b="0" dirty="0">
-                <a:latin typeface="Courier New" charset="0"/>
-                <a:ea typeface="굴림" charset="0"/>
-                <a:cs typeface="굴림" charset="0"/>
-              </a:rPr>
-              <a:t>(&amp;mutex);</a:t>
-            </a:r>
-          </a:p>
-          <a:p>
-            <a:pPr>
-              <a:buNone/>
-              <a:tabLst>
-                <a:tab pos="576263" algn="l"/>
-                <a:tab pos="914400" algn="l"/>
-                <a:tab pos="1252538" algn="l"/>
-                <a:tab pos="1603375" algn="l"/>
-                <a:tab pos="4233863" algn="l"/>
-              </a:tabLst>
-            </a:pPr>
-            <a:r>
-              <a:rPr lang="en-US" altLang="ko-KR" sz="1600" b="0" dirty="0">
-                <a:latin typeface="Courier New" charset="0"/>
-                <a:ea typeface="굴림" charset="0"/>
-                <a:cs typeface="굴림" charset="0"/>
-              </a:rPr>
-              <a:t>	while ((AW + WW) &gt; 0) {</a:t>
-            </a:r>
-            <a:r>
-              <a:rPr lang="en-US" altLang="ko-KR" sz="1600" b="0" dirty="0">
-                <a:solidFill>
-                  <a:schemeClr val="accent2"/>
-                </a:solidFill>
-                <a:latin typeface="Courier New" charset="0"/>
-                <a:ea typeface="굴림" charset="0"/>
-                <a:cs typeface="굴림" charset="0"/>
-              </a:rPr>
-              <a:t>//Is it safe to read?</a:t>
-            </a:r>
-            <a:br>
-              <a:rPr lang="en-US" altLang="ko-KR" sz="1600" b="0" dirty="0">
-                <a:latin typeface="Courier New" charset="0"/>
-                <a:ea typeface="굴림" charset="0"/>
-                <a:cs typeface="굴림" charset="0"/>
-              </a:rPr>
-            </a:br>
-            <a:r>
-              <a:rPr lang="en-US" altLang="ko-KR" sz="1600" b="0" dirty="0">
-                <a:latin typeface="Courier New" charset="0"/>
-                <a:ea typeface="굴림" charset="0"/>
-                <a:cs typeface="굴림" charset="0"/>
-              </a:rPr>
-              <a:t>		WR++;	</a:t>
-            </a:r>
-            <a:r>
-              <a:rPr lang="en-US" altLang="ko-KR" sz="1600" b="0" dirty="0">
-                <a:solidFill>
-                  <a:schemeClr val="accent2"/>
-                </a:solidFill>
-                <a:latin typeface="Courier New" charset="0"/>
-                <a:ea typeface="굴림" charset="0"/>
-                <a:cs typeface="굴림" charset="0"/>
-              </a:rPr>
-              <a:t>//No. Writers exist</a:t>
-            </a:r>
-            <a:br>
-              <a:rPr lang="en-US" altLang="ko-KR" sz="1600" b="0" dirty="0">
-                <a:latin typeface="Courier New" charset="0"/>
-                <a:ea typeface="굴림" charset="0"/>
-                <a:cs typeface="굴림" charset="0"/>
-              </a:rPr>
-            </a:br>
-            <a:r>
-              <a:rPr lang="en-US" altLang="ko-KR" sz="1600" b="0" dirty="0">
-                <a:latin typeface="Courier New" charset="0"/>
-                <a:ea typeface="굴림" charset="0"/>
-                <a:cs typeface="굴림" charset="0"/>
-              </a:rPr>
-              <a:t>		</a:t>
-            </a:r>
-            <a:r>
-              <a:rPr lang="en-US" altLang="ko-KR" sz="1600" b="0" dirty="0" err="1">
-                <a:latin typeface="Courier New" charset="0"/>
-                <a:ea typeface="굴림" charset="0"/>
-                <a:cs typeface="굴림" charset="0"/>
-              </a:rPr>
-              <a:t>cond_wait</a:t>
-            </a:r>
-            <a:r>
-              <a:rPr lang="en-US" altLang="ko-KR" sz="1600" b="0" dirty="0">
-                <a:latin typeface="Courier New" charset="0"/>
-                <a:ea typeface="굴림" charset="0"/>
-                <a:cs typeface="굴림" charset="0"/>
-              </a:rPr>
-              <a:t>(&amp;</a:t>
-            </a:r>
-            <a:r>
-              <a:rPr lang="en-US" altLang="ko-KR" sz="1600" b="0" dirty="0" err="1">
-                <a:latin typeface="Courier New" charset="0"/>
-                <a:ea typeface="굴림" charset="0"/>
-                <a:cs typeface="굴림" charset="0"/>
-              </a:rPr>
-              <a:t>okToRead</a:t>
-            </a:r>
-            <a:r>
-              <a:rPr lang="en-US" altLang="ko-KR" sz="1600" b="0" dirty="0">
-                <a:latin typeface="Courier New" charset="0"/>
-                <a:ea typeface="굴림" charset="0"/>
-                <a:cs typeface="굴림" charset="0"/>
-              </a:rPr>
-              <a:t>,&amp;mutex);</a:t>
-            </a:r>
-            <a:br>
-              <a:rPr lang="en-US" altLang="ko-KR" sz="1600" b="0" dirty="0">
-                <a:latin typeface="Courier New" charset="0"/>
-                <a:ea typeface="굴림" charset="0"/>
-                <a:cs typeface="굴림" charset="0"/>
-              </a:rPr>
-            </a:br>
-            <a:r>
-              <a:rPr lang="en-US" altLang="ko-KR" sz="1600" b="0" dirty="0">
-                <a:latin typeface="Courier New" charset="0"/>
-                <a:ea typeface="굴림" charset="0"/>
-                <a:cs typeface="굴림" charset="0"/>
-              </a:rPr>
-              <a:t>		WR--;	</a:t>
-            </a:r>
-            <a:r>
-              <a:rPr lang="en-US" altLang="ko-KR" sz="1600" b="0" dirty="0">
-                <a:solidFill>
-                  <a:schemeClr val="accent2"/>
-                </a:solidFill>
-                <a:latin typeface="Courier New" charset="0"/>
-                <a:ea typeface="굴림" charset="0"/>
-                <a:cs typeface="굴림" charset="0"/>
-              </a:rPr>
-              <a:t>//No longer waiting</a:t>
-            </a:r>
-            <a:br>
-              <a:rPr lang="en-US" altLang="ko-KR" sz="1600" b="0" dirty="0">
-                <a:latin typeface="Courier New" charset="0"/>
-                <a:ea typeface="굴림" charset="0"/>
-                <a:cs typeface="굴림" charset="0"/>
-              </a:rPr>
-            </a:br>
-            <a:r>
-              <a:rPr lang="en-US" altLang="ko-KR" sz="1600" b="0" dirty="0">
-                <a:latin typeface="Courier New" charset="0"/>
-                <a:ea typeface="굴림" charset="0"/>
-                <a:cs typeface="굴림" charset="0"/>
-              </a:rPr>
-              <a:t>	}</a:t>
-            </a:r>
-          </a:p>
-          <a:p>
-            <a:pPr>
-              <a:buNone/>
-              <a:tabLst>
-                <a:tab pos="576263" algn="l"/>
-                <a:tab pos="914400" algn="l"/>
-                <a:tab pos="1252538" algn="l"/>
-                <a:tab pos="1603375" algn="l"/>
-                <a:tab pos="4233863" algn="l"/>
-              </a:tabLst>
-            </a:pPr>
-            <a:r>
-              <a:rPr lang="en-US" altLang="ko-KR" sz="1600" b="0" dirty="0">
-                <a:latin typeface="Courier New" charset="0"/>
-                <a:ea typeface="굴림" charset="0"/>
-                <a:cs typeface="굴림" charset="0"/>
-              </a:rPr>
-              <a:t>	AR++;		</a:t>
-            </a:r>
-            <a:r>
-              <a:rPr lang="en-US" altLang="ko-KR" sz="1600" b="0" dirty="0">
-                <a:solidFill>
-                  <a:schemeClr val="accent2"/>
-                </a:solidFill>
-                <a:latin typeface="Courier New" charset="0"/>
-                <a:ea typeface="굴림" charset="0"/>
-                <a:cs typeface="굴림" charset="0"/>
-              </a:rPr>
-              <a:t>//Reader active!</a:t>
-            </a:r>
-            <a:br>
-              <a:rPr lang="en-US" altLang="ko-KR" sz="1600" b="0" dirty="0">
-                <a:latin typeface="Courier New" charset="0"/>
-                <a:ea typeface="굴림" charset="0"/>
-                <a:cs typeface="굴림" charset="0"/>
-              </a:rPr>
-            </a:br>
-            <a:r>
-              <a:rPr lang="en-US" altLang="ko-KR" sz="1600" b="0" dirty="0">
-                <a:latin typeface="Courier New" charset="0"/>
-                <a:ea typeface="굴림" charset="0"/>
-                <a:cs typeface="굴림" charset="0"/>
-              </a:rPr>
-              <a:t>	</a:t>
-            </a:r>
-            <a:r>
-              <a:rPr lang="en-US" altLang="ko-KR" sz="1600" b="0" dirty="0" err="1">
-                <a:latin typeface="Courier New" charset="0"/>
-                <a:ea typeface="굴림" charset="0"/>
-                <a:cs typeface="굴림" charset="0"/>
-              </a:rPr>
-              <a:t>mutex_unlock</a:t>
-            </a:r>
-            <a:r>
-              <a:rPr lang="en-US" altLang="ko-KR" sz="1600" b="0" dirty="0">
-                <a:latin typeface="Courier New" charset="0"/>
-                <a:ea typeface="굴림" charset="0"/>
-                <a:cs typeface="굴림" charset="0"/>
-              </a:rPr>
-              <a:t>(&amp;mutex);</a:t>
-            </a:r>
-          </a:p>
-          <a:p>
-            <a:pPr>
-              <a:buNone/>
-              <a:tabLst>
-                <a:tab pos="576263" algn="l"/>
-                <a:tab pos="914400" algn="l"/>
-                <a:tab pos="1252538" algn="l"/>
-                <a:tab pos="1603375" algn="l"/>
-                <a:tab pos="4233863" algn="l"/>
-              </a:tabLst>
-            </a:pPr>
-            <a:r>
-              <a:rPr lang="en-US" altLang="ko-KR" sz="1600" b="0" dirty="0">
-                <a:latin typeface="Courier New" charset="0"/>
-                <a:ea typeface="굴림" charset="0"/>
-                <a:cs typeface="굴림" charset="0"/>
-              </a:rPr>
-              <a:t>	</a:t>
-            </a:r>
-            <a:r>
-              <a:rPr lang="en-US" altLang="ko-KR" sz="1600" b="0" dirty="0" err="1">
-                <a:latin typeface="Courier New" charset="0"/>
-                <a:ea typeface="굴림" charset="0"/>
-                <a:cs typeface="굴림" charset="0"/>
-              </a:rPr>
-              <a:t>AccessDatabase</a:t>
-            </a:r>
-            <a:r>
-              <a:rPr lang="en-US" altLang="ko-KR" sz="1600" b="0" dirty="0">
-                <a:latin typeface="Courier New" charset="0"/>
-                <a:ea typeface="굴림" charset="0"/>
-                <a:cs typeface="굴림" charset="0"/>
-              </a:rPr>
-              <a:t>(</a:t>
-            </a:r>
-            <a:r>
-              <a:rPr lang="en-US" altLang="ko-KR" sz="1600" b="0" dirty="0" err="1">
-                <a:latin typeface="Courier New" charset="0"/>
-                <a:ea typeface="굴림" charset="0"/>
-                <a:cs typeface="굴림" charset="0"/>
-              </a:rPr>
-              <a:t>ReadOnly</a:t>
-            </a:r>
-            <a:r>
-              <a:rPr lang="en-US" altLang="ko-KR" sz="1600" b="0" dirty="0">
-                <a:latin typeface="Courier New" charset="0"/>
-                <a:ea typeface="굴림" charset="0"/>
-                <a:cs typeface="굴림" charset="0"/>
-              </a:rPr>
-              <a:t>);</a:t>
-            </a:r>
-          </a:p>
-          <a:p>
-            <a:pPr>
-              <a:buNone/>
-              <a:tabLst>
-                <a:tab pos="576263" algn="l"/>
-                <a:tab pos="914400" algn="l"/>
-                <a:tab pos="1252538" algn="l"/>
-                <a:tab pos="1603375" algn="l"/>
-                <a:tab pos="4233863" algn="l"/>
-              </a:tabLst>
-            </a:pPr>
-            <a:r>
-              <a:rPr lang="en-US" altLang="ko-KR" sz="1600" b="0" dirty="0">
-                <a:latin typeface="Courier New" charset="0"/>
-                <a:ea typeface="굴림" charset="0"/>
-                <a:cs typeface="굴림" charset="0"/>
-              </a:rPr>
-              <a:t>	</a:t>
-            </a:r>
-            <a:r>
-              <a:rPr lang="en-US" altLang="ko-KR" sz="1600" b="0" dirty="0" err="1">
-                <a:latin typeface="Courier New" charset="0"/>
-                <a:ea typeface="굴림" charset="0"/>
-                <a:cs typeface="굴림" charset="0"/>
-              </a:rPr>
-              <a:t>mutex_lock</a:t>
-            </a:r>
-            <a:r>
-              <a:rPr lang="en-US" altLang="ko-KR" sz="1600" b="0" dirty="0">
-                <a:latin typeface="Courier New" charset="0"/>
-                <a:ea typeface="굴림" charset="0"/>
-                <a:cs typeface="굴림" charset="0"/>
-              </a:rPr>
-              <a:t>(&amp;mutex);</a:t>
-            </a:r>
-            <a:br>
-              <a:rPr lang="en-US" altLang="ko-KR" sz="1600" b="0" dirty="0">
-                <a:latin typeface="Courier New" charset="0"/>
-                <a:ea typeface="굴림" charset="0"/>
-                <a:cs typeface="굴림" charset="0"/>
-              </a:rPr>
-            </a:br>
-            <a:r>
-              <a:rPr lang="en-US" altLang="ko-KR" sz="1600" b="0" dirty="0">
-                <a:latin typeface="Courier New" charset="0"/>
-                <a:ea typeface="굴림" charset="0"/>
-                <a:cs typeface="굴림" charset="0"/>
-              </a:rPr>
-              <a:t>	AR--;		</a:t>
-            </a:r>
-            <a:r>
-              <a:rPr lang="en-US" altLang="ko-KR" sz="1600" b="0" dirty="0">
-                <a:solidFill>
-                  <a:schemeClr val="accent2"/>
-                </a:solidFill>
-                <a:latin typeface="Courier New" charset="0"/>
-                <a:ea typeface="굴림" charset="0"/>
-                <a:cs typeface="굴림" charset="0"/>
-              </a:rPr>
-              <a:t>//No longer active</a:t>
-            </a:r>
-            <a:br>
-              <a:rPr lang="en-US" altLang="ko-KR" sz="1600" b="0" dirty="0">
-                <a:latin typeface="Courier New" charset="0"/>
-                <a:ea typeface="굴림" charset="0"/>
-                <a:cs typeface="굴림" charset="0"/>
-              </a:rPr>
-            </a:br>
-            <a:r>
-              <a:rPr lang="en-US" altLang="ko-KR" sz="1600" b="0" dirty="0">
-                <a:latin typeface="Courier New" charset="0"/>
-                <a:ea typeface="굴림" charset="0"/>
-                <a:cs typeface="굴림" charset="0"/>
-              </a:rPr>
-              <a:t>	if (AR == 0 &amp;&amp; WW &gt; 0)</a:t>
-            </a:r>
-            <a:r>
-              <a:rPr lang="en-US" altLang="ko-KR" sz="1600" b="0" dirty="0">
-                <a:solidFill>
-                  <a:schemeClr val="accent2"/>
-                </a:solidFill>
-                <a:latin typeface="Courier New" charset="0"/>
-                <a:ea typeface="굴림" charset="0"/>
-                <a:cs typeface="굴림" charset="0"/>
-              </a:rPr>
-              <a:t>//No other active readers</a:t>
-            </a:r>
-            <a:br>
-              <a:rPr lang="en-US" altLang="ko-KR" sz="1600" b="0" dirty="0">
-                <a:latin typeface="Courier New" charset="0"/>
-                <a:ea typeface="굴림" charset="0"/>
-                <a:cs typeface="굴림" charset="0"/>
-              </a:rPr>
-            </a:br>
-            <a:r>
-              <a:rPr lang="en-US" altLang="ko-KR" sz="1600" b="0" dirty="0">
-                <a:latin typeface="Courier New" charset="0"/>
-                <a:ea typeface="굴림" charset="0"/>
-                <a:cs typeface="굴림" charset="0"/>
-              </a:rPr>
-              <a:t>		</a:t>
-            </a:r>
-            <a:r>
-              <a:rPr lang="en-US" altLang="ko-KR" sz="1600" b="0" dirty="0" err="1">
-                <a:latin typeface="Courier New" charset="0"/>
-                <a:ea typeface="굴림" charset="0"/>
-                <a:cs typeface="굴림" charset="0"/>
-              </a:rPr>
-              <a:t>cond_signal</a:t>
-            </a:r>
-            <a:r>
-              <a:rPr lang="en-US" altLang="ko-KR" sz="1600" b="0" dirty="0">
-                <a:latin typeface="Courier New" charset="0"/>
-                <a:ea typeface="굴림" charset="0"/>
-                <a:cs typeface="굴림" charset="0"/>
-              </a:rPr>
-              <a:t>(&amp;</a:t>
-            </a:r>
-            <a:r>
-              <a:rPr lang="en-US" altLang="ko-KR" sz="1600" b="0" dirty="0" err="1">
-                <a:latin typeface="Courier New" charset="0"/>
-                <a:ea typeface="굴림" charset="0"/>
-                <a:cs typeface="굴림" charset="0"/>
-              </a:rPr>
-              <a:t>okToWrite</a:t>
-            </a:r>
-            <a:r>
-              <a:rPr lang="en-US" altLang="ko-KR" sz="1600" b="0" dirty="0">
-                <a:latin typeface="Courier New" charset="0"/>
-                <a:ea typeface="굴림" charset="0"/>
-                <a:cs typeface="굴림" charset="0"/>
-              </a:rPr>
-              <a:t>);</a:t>
-            </a:r>
-            <a:r>
-              <a:rPr lang="en-US" altLang="ko-KR" sz="1600" b="0" dirty="0">
-                <a:solidFill>
-                  <a:schemeClr val="accent2"/>
-                </a:solidFill>
-                <a:latin typeface="Courier New" charset="0"/>
-                <a:ea typeface="굴림" charset="0"/>
-                <a:cs typeface="굴림" charset="0"/>
-              </a:rPr>
-              <a:t>//Wake up one writer</a:t>
-            </a:r>
-            <a:br>
-              <a:rPr lang="en-US" altLang="ko-KR" sz="1600" b="0" dirty="0">
-                <a:latin typeface="Courier New" charset="0"/>
-                <a:ea typeface="굴림" charset="0"/>
-                <a:cs typeface="굴림" charset="0"/>
-              </a:rPr>
-            </a:br>
-            <a:r>
-              <a:rPr lang="en-US" altLang="ko-KR" sz="1600" b="0" dirty="0">
-                <a:latin typeface="Courier New" charset="0"/>
-                <a:ea typeface="굴림" charset="0"/>
-                <a:cs typeface="굴림" charset="0"/>
-              </a:rPr>
-              <a:t>	</a:t>
-            </a:r>
-            <a:r>
-              <a:rPr lang="en-US" altLang="ko-KR" sz="1600" b="0" dirty="0" err="1">
-                <a:latin typeface="Courier New" charset="0"/>
-                <a:ea typeface="굴림" charset="0"/>
-                <a:cs typeface="굴림" charset="0"/>
-              </a:rPr>
-              <a:t>mutex_unlock</a:t>
-            </a:r>
-            <a:r>
-              <a:rPr lang="en-US" altLang="ko-KR" sz="1600" b="0" dirty="0">
-                <a:latin typeface="Courier New" charset="0"/>
-                <a:ea typeface="굴림" charset="0"/>
-                <a:cs typeface="굴림" charset="0"/>
-              </a:rPr>
-              <a:t>(&amp;mutex);</a:t>
-            </a:r>
-            <a:br>
-              <a:rPr lang="en-US" altLang="ko-KR" sz="1600" b="0" dirty="0">
-                <a:latin typeface="Courier New" charset="0"/>
-                <a:ea typeface="굴림" charset="0"/>
-                <a:cs typeface="굴림" charset="0"/>
-              </a:rPr>
-            </a:br>
-            <a:r>
-              <a:rPr lang="en-US" altLang="ko-KR" sz="1600" b="0" dirty="0">
-                <a:latin typeface="Courier New" charset="0"/>
-                <a:ea typeface="굴림" charset="0"/>
-                <a:cs typeface="굴림" charset="0"/>
-              </a:rPr>
-              <a:t>}</a:t>
-            </a:r>
-            <a:endParaRPr sz="1600" b="0" dirty="0">
-              <a:latin typeface="Courier New" panose="02070309020205020404" pitchFamily="49" charset="0"/>
-              <a:cs typeface="Courier New" panose="02070309020205020404" pitchFamily="49" charset="0"/>
-            </a:endParaRPr>
-          </a:p>
-        </p:txBody>
-      </p:sp>
-      <p:sp>
-        <p:nvSpPr>
-          <p:cNvPr id="12" name="object 8">
-            <a:extLst>
-              <a:ext uri="{FF2B5EF4-FFF2-40B4-BE49-F238E27FC236}">
-                <a16:creationId xmlns:a16="http://schemas.microsoft.com/office/drawing/2014/main" id="{567075F4-9A86-0AC6-389F-629528934883}"/>
-              </a:ext>
-            </a:extLst>
-          </p:cNvPr>
-          <p:cNvSpPr txBox="1"/>
-          <p:nvPr/>
-        </p:nvSpPr>
-        <p:spPr>
-          <a:xfrm>
-            <a:off x="6096000" y="1826446"/>
-            <a:ext cx="6019800" cy="4498154"/>
-          </a:xfrm>
-          <a:prstGeom prst="rect">
-            <a:avLst/>
-          </a:prstGeom>
-          <a:solidFill>
-            <a:schemeClr val="bg1"/>
-          </a:solidFill>
-          <a:ln w="12700">
-            <a:solidFill>
-              <a:srgbClr val="000000"/>
-            </a:solidFill>
-          </a:ln>
-        </p:spPr>
-        <p:txBody>
-          <a:bodyPr vert="horz" wrap="square" lIns="0" tIns="53340" rIns="0" bIns="0" rtlCol="0">
-            <a:spAutoFit/>
-          </a:bodyPr>
-          <a:lstStyle/>
-          <a:p>
-            <a:pPr>
-              <a:buNone/>
-              <a:tabLst>
-                <a:tab pos="576263" algn="l"/>
-                <a:tab pos="914400" algn="l"/>
-                <a:tab pos="1252538" algn="l"/>
-                <a:tab pos="1603375" algn="l"/>
-                <a:tab pos="4233863" algn="l"/>
-              </a:tabLst>
-            </a:pPr>
-            <a:r>
-              <a:rPr lang="en-US" altLang="ko-KR" sz="1600" b="0" dirty="0">
-                <a:latin typeface="Courier New" charset="0"/>
-                <a:ea typeface="굴림" charset="0"/>
-                <a:cs typeface="굴림" charset="0"/>
-              </a:rPr>
-              <a:t> Writer() {</a:t>
-            </a:r>
-            <a:br>
-              <a:rPr lang="en-US" altLang="ko-KR" sz="1600" b="0" dirty="0">
-                <a:latin typeface="Courier New" charset="0"/>
-                <a:ea typeface="굴림" charset="0"/>
-                <a:cs typeface="굴림" charset="0"/>
-              </a:rPr>
-            </a:br>
-            <a:r>
-              <a:rPr lang="en-US" altLang="ko-KR" sz="1600" b="0" dirty="0">
-                <a:latin typeface="Courier New" charset="0"/>
-                <a:ea typeface="굴림" charset="0"/>
-                <a:cs typeface="굴림" charset="0"/>
-              </a:rPr>
-              <a:t>	</a:t>
-            </a:r>
-            <a:r>
-              <a:rPr lang="en-US" altLang="ko-KR" sz="1600" b="0" dirty="0" err="1">
-                <a:latin typeface="Courier New" charset="0"/>
-                <a:ea typeface="굴림" charset="0"/>
-                <a:cs typeface="굴림" charset="0"/>
-              </a:rPr>
-              <a:t>mutex_lock</a:t>
-            </a:r>
-            <a:r>
-              <a:rPr lang="en-US" altLang="ko-KR" sz="1600" b="0" dirty="0">
-                <a:latin typeface="Courier New" charset="0"/>
-                <a:ea typeface="굴림" charset="0"/>
-                <a:cs typeface="굴림" charset="0"/>
-              </a:rPr>
-              <a:t>(&amp;mutex);</a:t>
-            </a:r>
-          </a:p>
-          <a:p>
-            <a:pPr>
-              <a:lnSpc>
-                <a:spcPct val="80000"/>
-              </a:lnSpc>
-              <a:buNone/>
-              <a:tabLst>
-                <a:tab pos="576263" algn="l"/>
-                <a:tab pos="914400" algn="l"/>
-                <a:tab pos="1252538" algn="l"/>
-                <a:tab pos="1603375" algn="l"/>
-                <a:tab pos="4171950" algn="l"/>
-              </a:tabLst>
-            </a:pPr>
-            <a:r>
-              <a:rPr lang="en-US" altLang="ko-KR" sz="1600" b="0" dirty="0">
-                <a:latin typeface="Courier New" charset="0"/>
-                <a:ea typeface="굴림" charset="0"/>
-                <a:cs typeface="굴림" charset="0"/>
-              </a:rPr>
-              <a:t>	while ((AW + AR) &gt; 0) {</a:t>
-            </a:r>
-            <a:r>
-              <a:rPr lang="en-US" altLang="ko-KR" sz="1600" b="0" dirty="0">
-                <a:solidFill>
-                  <a:schemeClr val="accent2"/>
-                </a:solidFill>
-                <a:latin typeface="Courier New" charset="0"/>
-                <a:ea typeface="굴림" charset="0"/>
-                <a:cs typeface="굴림" charset="0"/>
-              </a:rPr>
-              <a:t>//Is it safe to write?</a:t>
-            </a:r>
-            <a:br>
-              <a:rPr lang="en-US" altLang="ko-KR" sz="1600" b="0" dirty="0">
-                <a:latin typeface="Courier New" charset="0"/>
-                <a:ea typeface="굴림" charset="0"/>
-                <a:cs typeface="굴림" charset="0"/>
-              </a:rPr>
-            </a:br>
-            <a:r>
-              <a:rPr lang="en-US" altLang="ko-KR" sz="1600" b="0" dirty="0">
-                <a:latin typeface="Courier New" charset="0"/>
-                <a:ea typeface="굴림" charset="0"/>
-                <a:cs typeface="굴림" charset="0"/>
-              </a:rPr>
-              <a:t>		WW++;	</a:t>
-            </a:r>
-            <a:r>
-              <a:rPr lang="en-US" altLang="ko-KR" sz="1600" b="0" dirty="0">
-                <a:solidFill>
-                  <a:schemeClr val="accent2"/>
-                </a:solidFill>
-                <a:latin typeface="Courier New" charset="0"/>
-                <a:ea typeface="굴림" charset="0"/>
-                <a:cs typeface="굴림" charset="0"/>
-              </a:rPr>
-              <a:t>//No. Active users exist</a:t>
-            </a:r>
-            <a:br>
-              <a:rPr lang="en-US" altLang="ko-KR" sz="1600" b="0" dirty="0">
-                <a:latin typeface="Courier New" charset="0"/>
-                <a:ea typeface="굴림" charset="0"/>
-                <a:cs typeface="굴림" charset="0"/>
-              </a:rPr>
-            </a:br>
-            <a:r>
-              <a:rPr lang="en-US" altLang="ko-KR" sz="1600" b="0" dirty="0">
-                <a:latin typeface="Courier New" charset="0"/>
-                <a:ea typeface="굴림" charset="0"/>
-                <a:cs typeface="굴림" charset="0"/>
-              </a:rPr>
-              <a:t>		</a:t>
-            </a:r>
-            <a:r>
-              <a:rPr lang="en-US" altLang="ko-KR" sz="1600" b="0" dirty="0" err="1">
-                <a:latin typeface="Courier New" charset="0"/>
-                <a:ea typeface="굴림" charset="0"/>
-                <a:cs typeface="굴림" charset="0"/>
-              </a:rPr>
-              <a:t>cond_wait</a:t>
-            </a:r>
-            <a:r>
-              <a:rPr lang="en-US" altLang="ko-KR" sz="1600" b="0" dirty="0">
-                <a:latin typeface="Courier New" charset="0"/>
-                <a:ea typeface="굴림" charset="0"/>
-                <a:cs typeface="굴림" charset="0"/>
-              </a:rPr>
-              <a:t>(&amp;</a:t>
-            </a:r>
-            <a:r>
-              <a:rPr lang="en-US" altLang="ko-KR" sz="1600" b="0" dirty="0" err="1">
-                <a:latin typeface="Courier New" charset="0"/>
-                <a:ea typeface="굴림" charset="0"/>
-                <a:cs typeface="굴림" charset="0"/>
-              </a:rPr>
-              <a:t>okToWrite</a:t>
-            </a:r>
-            <a:r>
-              <a:rPr lang="en-US" altLang="ko-KR" sz="1600" b="0" dirty="0">
-                <a:latin typeface="Courier New" charset="0"/>
-                <a:ea typeface="굴림" charset="0"/>
-                <a:cs typeface="굴림" charset="0"/>
-              </a:rPr>
-              <a:t>,&amp;mutex);</a:t>
-            </a:r>
-            <a:br>
-              <a:rPr lang="en-US" altLang="ko-KR" sz="1600" b="0" dirty="0">
-                <a:latin typeface="Courier New" charset="0"/>
-                <a:ea typeface="굴림" charset="0"/>
-                <a:cs typeface="굴림" charset="0"/>
-              </a:rPr>
-            </a:br>
-            <a:r>
-              <a:rPr lang="en-US" altLang="ko-KR" sz="1600" b="0" dirty="0">
-                <a:latin typeface="Courier New" charset="0"/>
-                <a:ea typeface="굴림" charset="0"/>
-                <a:cs typeface="굴림" charset="0"/>
-              </a:rPr>
-              <a:t>		WW--;	</a:t>
-            </a:r>
-            <a:r>
-              <a:rPr lang="en-US" altLang="ko-KR" sz="1600" b="0" dirty="0">
-                <a:solidFill>
-                  <a:schemeClr val="accent2"/>
-                </a:solidFill>
-                <a:latin typeface="Courier New" charset="0"/>
-                <a:ea typeface="굴림" charset="0"/>
-                <a:cs typeface="굴림" charset="0"/>
-              </a:rPr>
-              <a:t>//No longer waiting</a:t>
-            </a:r>
-            <a:br>
-              <a:rPr lang="en-US" altLang="ko-KR" sz="1600" b="0" dirty="0">
-                <a:latin typeface="Courier New" charset="0"/>
-                <a:ea typeface="굴림" charset="0"/>
-                <a:cs typeface="굴림" charset="0"/>
-              </a:rPr>
-            </a:br>
-            <a:r>
-              <a:rPr lang="en-US" altLang="ko-KR" sz="1600" b="0" dirty="0">
-                <a:latin typeface="Courier New" charset="0"/>
-                <a:ea typeface="굴림" charset="0"/>
-                <a:cs typeface="굴림" charset="0"/>
-              </a:rPr>
-              <a:t>	}</a:t>
-            </a:r>
-          </a:p>
-          <a:p>
-            <a:pPr>
-              <a:lnSpc>
-                <a:spcPct val="80000"/>
-              </a:lnSpc>
-              <a:buNone/>
-              <a:tabLst>
-                <a:tab pos="576263" algn="l"/>
-                <a:tab pos="914400" algn="l"/>
-                <a:tab pos="1252538" algn="l"/>
-                <a:tab pos="1603375" algn="l"/>
-                <a:tab pos="4171950" algn="l"/>
-              </a:tabLst>
-            </a:pPr>
-            <a:r>
-              <a:rPr lang="en-US" altLang="ko-KR" sz="1600" b="0" dirty="0">
-                <a:latin typeface="Courier New" charset="0"/>
-                <a:ea typeface="굴림" charset="0"/>
-                <a:cs typeface="굴림" charset="0"/>
-              </a:rPr>
-              <a:t>	AW++;	</a:t>
-            </a:r>
-            <a:r>
-              <a:rPr lang="en-US" altLang="ko-KR" sz="1600" b="0" dirty="0">
-                <a:solidFill>
-                  <a:schemeClr val="accent2"/>
-                </a:solidFill>
-                <a:latin typeface="Courier New" charset="0"/>
-                <a:ea typeface="굴림" charset="0"/>
-                <a:cs typeface="굴림" charset="0"/>
-              </a:rPr>
-              <a:t>//</a:t>
-            </a:r>
-            <a:r>
-              <a:rPr lang="en-US" altLang="zh-CN" sz="1600" b="0" dirty="0">
-                <a:solidFill>
-                  <a:schemeClr val="accent2"/>
-                </a:solidFill>
-                <a:latin typeface="Courier New" charset="0"/>
-                <a:ea typeface="굴림" charset="0"/>
-                <a:cs typeface="굴림" charset="0"/>
-              </a:rPr>
-              <a:t>Writer</a:t>
-            </a:r>
-            <a:r>
-              <a:rPr lang="en-US" altLang="ko-KR" sz="1600" b="0" dirty="0">
-                <a:solidFill>
-                  <a:schemeClr val="accent2"/>
-                </a:solidFill>
-                <a:latin typeface="Courier New" charset="0"/>
-                <a:ea typeface="굴림" charset="0"/>
-                <a:cs typeface="굴림" charset="0"/>
-              </a:rPr>
-              <a:t> active!</a:t>
-            </a:r>
-            <a:br>
-              <a:rPr lang="en-US" altLang="ko-KR" sz="1600" b="0" dirty="0">
-                <a:latin typeface="Courier New" charset="0"/>
-                <a:ea typeface="굴림" charset="0"/>
-                <a:cs typeface="굴림" charset="0"/>
-              </a:rPr>
-            </a:br>
-            <a:r>
-              <a:rPr lang="en-US" altLang="ko-KR" sz="1600" b="0" dirty="0">
-                <a:latin typeface="Courier New" charset="0"/>
-                <a:ea typeface="굴림" charset="0"/>
-                <a:cs typeface="굴림" charset="0"/>
-              </a:rPr>
-              <a:t>	</a:t>
-            </a:r>
-            <a:r>
-              <a:rPr lang="en-US" altLang="ko-KR" sz="1600" b="0" dirty="0" err="1">
-                <a:latin typeface="Courier New" charset="0"/>
-                <a:ea typeface="굴림" charset="0"/>
-                <a:cs typeface="굴림" charset="0"/>
-              </a:rPr>
-              <a:t>mutex_unlock</a:t>
-            </a:r>
-            <a:r>
-              <a:rPr lang="en-US" altLang="ko-KR" sz="1600" b="0" dirty="0">
-                <a:latin typeface="Courier New" charset="0"/>
-                <a:ea typeface="굴림" charset="0"/>
-                <a:cs typeface="굴림" charset="0"/>
-              </a:rPr>
-              <a:t>(&amp;mutex);	</a:t>
-            </a:r>
-            <a:r>
-              <a:rPr lang="en-US" altLang="ko-KR" sz="1600" b="0" dirty="0" err="1">
-                <a:latin typeface="Courier New" charset="0"/>
-                <a:ea typeface="굴림" charset="0"/>
-                <a:cs typeface="굴림" charset="0"/>
-              </a:rPr>
-              <a:t>AccessDatabase</a:t>
-            </a:r>
-            <a:r>
-              <a:rPr lang="en-US" altLang="ko-KR" sz="1600" b="0" dirty="0">
-                <a:latin typeface="Courier New" charset="0"/>
-                <a:ea typeface="굴림" charset="0"/>
-                <a:cs typeface="굴림" charset="0"/>
-              </a:rPr>
-              <a:t>(</a:t>
-            </a:r>
-            <a:r>
-              <a:rPr lang="en-US" altLang="ko-KR" sz="1600" b="0" dirty="0" err="1">
-                <a:latin typeface="Courier New" charset="0"/>
-                <a:ea typeface="굴림" charset="0"/>
-                <a:cs typeface="굴림" charset="0"/>
-              </a:rPr>
-              <a:t>ReadWrite</a:t>
-            </a:r>
-            <a:r>
-              <a:rPr lang="en-US" altLang="ko-KR" sz="1600" b="0" dirty="0">
-                <a:latin typeface="Courier New" charset="0"/>
-                <a:ea typeface="굴림" charset="0"/>
-                <a:cs typeface="굴림" charset="0"/>
-              </a:rPr>
-              <a:t>);</a:t>
-            </a:r>
-          </a:p>
-          <a:p>
-            <a:pPr>
-              <a:lnSpc>
-                <a:spcPct val="80000"/>
-              </a:lnSpc>
-              <a:tabLst>
-                <a:tab pos="576263" algn="l"/>
-                <a:tab pos="914400" algn="l"/>
-                <a:tab pos="1252538" algn="l"/>
-                <a:tab pos="1603375" algn="l"/>
-                <a:tab pos="4171950" algn="l"/>
-              </a:tabLst>
-            </a:pPr>
-            <a:r>
-              <a:rPr lang="en-US" altLang="ko-KR" sz="1600" b="0" dirty="0">
-                <a:latin typeface="Courier New" charset="0"/>
-                <a:ea typeface="굴림" charset="0"/>
-                <a:cs typeface="굴림" charset="0"/>
-              </a:rPr>
-              <a:t>	</a:t>
-            </a:r>
-            <a:r>
-              <a:rPr lang="en-US" altLang="ko-KR" sz="1600" b="0" dirty="0" err="1">
-                <a:latin typeface="Courier New" charset="0"/>
-                <a:ea typeface="굴림" charset="0"/>
-                <a:cs typeface="굴림" charset="0"/>
-              </a:rPr>
-              <a:t>mutex_lock</a:t>
-            </a:r>
-            <a:r>
-              <a:rPr lang="en-US" altLang="ko-KR" sz="1600" b="0" dirty="0">
-                <a:latin typeface="Courier New" charset="0"/>
-                <a:ea typeface="굴림" charset="0"/>
-                <a:cs typeface="굴림" charset="0"/>
-              </a:rPr>
-              <a:t>(&amp;mutex);</a:t>
-            </a:r>
-            <a:br>
-              <a:rPr lang="en-US" altLang="ko-KR" sz="1600" b="0" dirty="0">
-                <a:latin typeface="Courier New" charset="0"/>
-                <a:ea typeface="굴림" charset="0"/>
-                <a:cs typeface="굴림" charset="0"/>
-              </a:rPr>
-            </a:br>
-            <a:r>
-              <a:rPr lang="en-US" altLang="ko-KR" sz="1600" b="0" dirty="0">
-                <a:latin typeface="Courier New" charset="0"/>
-                <a:ea typeface="굴림" charset="0"/>
-                <a:cs typeface="굴림" charset="0"/>
-              </a:rPr>
-              <a:t>	AW--;		</a:t>
-            </a:r>
-            <a:r>
-              <a:rPr lang="en-US" altLang="ko-KR" sz="1600" b="0" dirty="0">
-                <a:solidFill>
-                  <a:schemeClr val="accent2"/>
-                </a:solidFill>
-                <a:latin typeface="Courier New" charset="0"/>
-                <a:ea typeface="굴림" charset="0"/>
-                <a:cs typeface="굴림" charset="0"/>
-              </a:rPr>
-              <a:t>//No longer active</a:t>
-            </a:r>
-            <a:br>
-              <a:rPr lang="en-US" altLang="ko-KR" sz="1600" b="0" dirty="0">
-                <a:latin typeface="Courier New" charset="0"/>
-                <a:ea typeface="굴림" charset="0"/>
-                <a:cs typeface="굴림" charset="0"/>
-              </a:rPr>
-            </a:br>
-            <a:r>
-              <a:rPr lang="en-US" altLang="ko-KR" sz="1600" b="0" dirty="0">
-                <a:latin typeface="Courier New" charset="0"/>
-                <a:ea typeface="굴림" charset="0"/>
-                <a:cs typeface="굴림" charset="0"/>
-              </a:rPr>
-              <a:t>	if (WW &gt; 0){</a:t>
-            </a:r>
-            <a:r>
-              <a:rPr lang="en-US" altLang="ko-KR" sz="1600" b="0" dirty="0">
-                <a:solidFill>
-                  <a:schemeClr val="accent2"/>
-                </a:solidFill>
-                <a:latin typeface="Courier New" charset="0"/>
-                <a:ea typeface="굴림" charset="0"/>
-                <a:cs typeface="굴림" charset="0"/>
-              </a:rPr>
-              <a:t>//Give priority to writers</a:t>
-            </a:r>
-            <a:br>
-              <a:rPr lang="en-US" altLang="ko-KR" sz="1600" b="0" dirty="0">
-                <a:latin typeface="Courier New" charset="0"/>
-                <a:ea typeface="굴림" charset="0"/>
-                <a:cs typeface="굴림" charset="0"/>
-              </a:rPr>
-            </a:br>
-            <a:r>
-              <a:rPr lang="en-US" altLang="ko-KR" sz="1600" b="0" dirty="0">
-                <a:latin typeface="Courier New" charset="0"/>
-                <a:ea typeface="굴림" charset="0"/>
-                <a:cs typeface="굴림" charset="0"/>
-              </a:rPr>
-              <a:t>		</a:t>
-            </a:r>
-            <a:r>
-              <a:rPr lang="en-US" altLang="ko-KR" sz="1600" b="0" dirty="0" err="1">
-                <a:latin typeface="Courier New" charset="0"/>
-                <a:ea typeface="굴림" charset="0"/>
-                <a:cs typeface="굴림" charset="0"/>
-              </a:rPr>
-              <a:t>cond_signal</a:t>
-            </a:r>
-            <a:r>
-              <a:rPr lang="en-US" altLang="ko-KR" sz="1600" b="0" dirty="0">
-                <a:latin typeface="Courier New" charset="0"/>
-                <a:ea typeface="굴림" charset="0"/>
-                <a:cs typeface="굴림" charset="0"/>
-              </a:rPr>
-              <a:t>(&amp;</a:t>
-            </a:r>
-            <a:r>
-              <a:rPr lang="en-US" altLang="ko-KR" sz="1600" b="0" dirty="0" err="1">
-                <a:latin typeface="Courier New" charset="0"/>
-                <a:ea typeface="굴림" charset="0"/>
-                <a:cs typeface="굴림" charset="0"/>
-              </a:rPr>
-              <a:t>okToWrite</a:t>
-            </a:r>
-            <a:r>
-              <a:rPr lang="en-US" altLang="ko-KR" sz="1600" b="0" dirty="0">
-                <a:latin typeface="Courier New" charset="0"/>
-                <a:ea typeface="굴림" charset="0"/>
-                <a:cs typeface="굴림" charset="0"/>
-              </a:rPr>
-              <a:t>);</a:t>
-            </a:r>
-            <a:r>
-              <a:rPr lang="en-US" altLang="ko-KR" sz="1600" b="0" dirty="0">
-                <a:solidFill>
-                  <a:schemeClr val="accent2"/>
-                </a:solidFill>
-                <a:latin typeface="Courier New" charset="0"/>
-                <a:ea typeface="굴림" charset="0"/>
-                <a:cs typeface="굴림" charset="0"/>
-              </a:rPr>
-              <a:t>//Wake up one writer</a:t>
-            </a:r>
-            <a:br>
-              <a:rPr lang="en-US" altLang="ko-KR" sz="1600" b="0" dirty="0">
-                <a:latin typeface="Courier New" charset="0"/>
-                <a:ea typeface="굴림" charset="0"/>
-                <a:cs typeface="굴림" charset="0"/>
-              </a:rPr>
-            </a:br>
-            <a:r>
-              <a:rPr lang="en-US" altLang="ko-KR" sz="1600" b="0" dirty="0">
-                <a:latin typeface="Courier New" charset="0"/>
-                <a:ea typeface="굴림" charset="0"/>
-                <a:cs typeface="굴림" charset="0"/>
-              </a:rPr>
-              <a:t>	} else if (WR &gt; 0) {</a:t>
-            </a:r>
-            <a:r>
-              <a:rPr lang="en-US" altLang="ko-KR" sz="1600" b="0" dirty="0">
-                <a:solidFill>
-                  <a:schemeClr val="accent2"/>
-                </a:solidFill>
-                <a:latin typeface="Courier New" charset="0"/>
-                <a:ea typeface="굴림" charset="0"/>
-                <a:cs typeface="굴림" charset="0"/>
-              </a:rPr>
-              <a:t>//Otherwise, wake reader</a:t>
-            </a:r>
-            <a:br>
-              <a:rPr lang="en-US" altLang="ko-KR" sz="1600" b="0" dirty="0">
-                <a:latin typeface="Courier New" charset="0"/>
-                <a:ea typeface="굴림" charset="0"/>
-                <a:cs typeface="굴림" charset="0"/>
-              </a:rPr>
-            </a:br>
-            <a:r>
-              <a:rPr lang="en-US" altLang="ko-KR" sz="1600" b="0" dirty="0">
-                <a:latin typeface="Courier New" charset="0"/>
-                <a:ea typeface="굴림" charset="0"/>
-                <a:cs typeface="굴림" charset="0"/>
-              </a:rPr>
-              <a:t>		</a:t>
-            </a:r>
-            <a:r>
-              <a:rPr lang="en-US" altLang="ko-KR" sz="1600" b="0" dirty="0" err="1">
-                <a:latin typeface="Courier New" charset="0"/>
-                <a:ea typeface="굴림" charset="0"/>
-                <a:cs typeface="굴림" charset="0"/>
-              </a:rPr>
-              <a:t>cond_broadcast</a:t>
-            </a:r>
-            <a:r>
-              <a:rPr lang="en-US" altLang="ko-KR" sz="1600" b="0" dirty="0">
-                <a:latin typeface="Courier New" charset="0"/>
-                <a:ea typeface="굴림" charset="0"/>
-                <a:cs typeface="굴림" charset="0"/>
-              </a:rPr>
-              <a:t>(&amp;</a:t>
-            </a:r>
-            <a:r>
-              <a:rPr lang="en-US" altLang="ko-KR" sz="1600" b="0" dirty="0" err="1">
-                <a:latin typeface="Courier New" charset="0"/>
-                <a:ea typeface="굴림" charset="0"/>
-                <a:cs typeface="굴림" charset="0"/>
-              </a:rPr>
-              <a:t>okToRead</a:t>
-            </a:r>
-            <a:r>
-              <a:rPr lang="en-US" altLang="ko-KR" sz="1600" b="0" dirty="0">
-                <a:latin typeface="Courier New" charset="0"/>
-                <a:ea typeface="굴림" charset="0"/>
-                <a:cs typeface="굴림" charset="0"/>
-              </a:rPr>
-              <a:t>);</a:t>
-            </a:r>
-            <a:r>
-              <a:rPr lang="en-US" altLang="ko-KR" sz="1600" b="0" dirty="0">
-                <a:solidFill>
-                  <a:schemeClr val="accent2"/>
-                </a:solidFill>
-                <a:latin typeface="Courier New" charset="0"/>
-                <a:ea typeface="굴림" charset="0"/>
-                <a:cs typeface="굴림" charset="0"/>
-              </a:rPr>
-              <a:t>//Wake all readers</a:t>
-            </a:r>
-            <a:br>
-              <a:rPr lang="en-US" altLang="ko-KR" sz="1600" b="0" dirty="0">
-                <a:latin typeface="Courier New" charset="0"/>
-                <a:ea typeface="굴림" charset="0"/>
-                <a:cs typeface="굴림" charset="0"/>
-              </a:rPr>
-            </a:br>
-            <a:r>
-              <a:rPr lang="en-US" altLang="ko-KR" sz="1600" b="0" dirty="0">
-                <a:latin typeface="Courier New" charset="0"/>
-                <a:ea typeface="굴림" charset="0"/>
-                <a:cs typeface="굴림" charset="0"/>
-              </a:rPr>
-              <a:t>	}	</a:t>
-            </a:r>
-            <a:br>
-              <a:rPr lang="en-US" altLang="ko-KR" sz="1600" b="0" dirty="0">
-                <a:latin typeface="Courier New" charset="0"/>
-                <a:ea typeface="굴림" charset="0"/>
-                <a:cs typeface="굴림" charset="0"/>
-              </a:rPr>
-            </a:br>
-            <a:r>
-              <a:rPr lang="en-US" altLang="ko-KR" sz="1600" b="0" dirty="0">
-                <a:latin typeface="Courier New" charset="0"/>
-                <a:ea typeface="굴림" charset="0"/>
-                <a:cs typeface="굴림" charset="0"/>
-              </a:rPr>
-              <a:t>	</a:t>
-            </a:r>
-            <a:r>
-              <a:rPr lang="en-US" altLang="ko-KR" sz="1600" b="0" dirty="0" err="1">
-                <a:latin typeface="Courier New" charset="0"/>
-                <a:ea typeface="굴림" charset="0"/>
-                <a:cs typeface="굴림" charset="0"/>
-              </a:rPr>
-              <a:t>mutex_unlock</a:t>
-            </a:r>
-            <a:r>
-              <a:rPr lang="en-US" altLang="ko-KR" sz="1600" b="0" dirty="0">
-                <a:latin typeface="Courier New" charset="0"/>
-                <a:ea typeface="굴림" charset="0"/>
-                <a:cs typeface="굴림" charset="0"/>
-              </a:rPr>
-              <a:t>(&amp;mutex);</a:t>
-            </a:r>
-            <a:br>
-              <a:rPr lang="en-US" altLang="ko-KR" sz="1600" b="0" dirty="0">
-                <a:latin typeface="Courier New" charset="0"/>
-                <a:ea typeface="굴림" charset="0"/>
-                <a:cs typeface="굴림" charset="0"/>
-              </a:rPr>
-            </a:br>
-            <a:r>
-              <a:rPr lang="en-US" altLang="ko-KR" sz="1600" b="0" dirty="0">
-                <a:latin typeface="Courier New" charset="0"/>
-                <a:ea typeface="굴림" charset="0"/>
-                <a:cs typeface="굴림" charset="0"/>
-              </a:rPr>
-              <a:t>}</a:t>
-            </a:r>
-            <a:endParaRPr sz="1600" b="0" dirty="0">
-              <a:latin typeface="Courier New" panose="02070309020205020404" pitchFamily="49" charset="0"/>
-              <a:cs typeface="Courier New" panose="02070309020205020404" pitchFamily="49" charset="0"/>
-            </a:endParaRPr>
-          </a:p>
-        </p:txBody>
-      </p:sp>
-      <p:sp>
-        <p:nvSpPr>
-          <p:cNvPr id="13" name="object 8">
-            <a:extLst>
-              <a:ext uri="{FF2B5EF4-FFF2-40B4-BE49-F238E27FC236}">
-                <a16:creationId xmlns:a16="http://schemas.microsoft.com/office/drawing/2014/main" id="{5E82051B-5A5C-6984-9677-483F0EEA7C87}"/>
-              </a:ext>
-            </a:extLst>
-          </p:cNvPr>
-          <p:cNvSpPr txBox="1"/>
-          <p:nvPr/>
-        </p:nvSpPr>
-        <p:spPr>
-          <a:xfrm>
-            <a:off x="3779728" y="221412"/>
-            <a:ext cx="4572000" cy="1531188"/>
-          </a:xfrm>
-          <a:prstGeom prst="rect">
-            <a:avLst/>
-          </a:prstGeom>
-          <a:solidFill>
-            <a:schemeClr val="bg1"/>
-          </a:solidFill>
-          <a:ln w="12700">
-            <a:solidFill>
-              <a:srgbClr val="000000"/>
-            </a:solidFill>
-          </a:ln>
-        </p:spPr>
-        <p:txBody>
-          <a:bodyPr vert="horz" wrap="square" lIns="0" tIns="53340" rIns="0" bIns="0" rtlCol="0">
-            <a:spAutoFit/>
-          </a:bodyPr>
-          <a:lstStyle/>
-          <a:p>
-            <a:pPr>
-              <a:buNone/>
-              <a:tabLst>
-                <a:tab pos="576263" algn="l"/>
-                <a:tab pos="914400" algn="l"/>
-                <a:tab pos="1252538" algn="l"/>
-                <a:tab pos="1603375" algn="l"/>
-                <a:tab pos="4233863" algn="l"/>
-              </a:tabLst>
-            </a:pPr>
-            <a:r>
-              <a:rPr lang="en-GB" sz="1600" b="0" dirty="0">
-                <a:latin typeface="Courier New" panose="02070309020205020404" pitchFamily="49" charset="0"/>
-                <a:cs typeface="Courier New" panose="02070309020205020404" pitchFamily="49" charset="0"/>
-              </a:rPr>
-              <a:t>int AR=0: Number of active readers; </a:t>
-            </a:r>
-          </a:p>
-          <a:p>
-            <a:pPr>
-              <a:buNone/>
-              <a:tabLst>
-                <a:tab pos="576263" algn="l"/>
-                <a:tab pos="914400" algn="l"/>
-                <a:tab pos="1252538" algn="l"/>
-                <a:tab pos="1603375" algn="l"/>
-                <a:tab pos="4233863" algn="l"/>
-              </a:tabLst>
-            </a:pPr>
-            <a:r>
-              <a:rPr lang="en-GB" sz="1600" b="0" dirty="0">
-                <a:latin typeface="Courier New" panose="02070309020205020404" pitchFamily="49" charset="0"/>
-                <a:cs typeface="Courier New" panose="02070309020205020404" pitchFamily="49" charset="0"/>
-              </a:rPr>
-              <a:t>int WR=0: Number of waiting readers; </a:t>
-            </a:r>
-          </a:p>
-          <a:p>
-            <a:pPr>
-              <a:buNone/>
-              <a:tabLst>
-                <a:tab pos="576263" algn="l"/>
-                <a:tab pos="914400" algn="l"/>
-                <a:tab pos="1252538" algn="l"/>
-                <a:tab pos="1603375" algn="l"/>
-                <a:tab pos="4233863" algn="l"/>
-              </a:tabLst>
-            </a:pPr>
-            <a:r>
-              <a:rPr lang="en-GB" sz="1600" b="0" dirty="0">
-                <a:latin typeface="Courier New" panose="02070309020205020404" pitchFamily="49" charset="0"/>
-                <a:cs typeface="Courier New" panose="02070309020205020404" pitchFamily="49" charset="0"/>
-              </a:rPr>
-              <a:t>int AW=0: Number of active writers;</a:t>
-            </a:r>
-          </a:p>
-          <a:p>
-            <a:pPr>
-              <a:buNone/>
-              <a:tabLst>
-                <a:tab pos="576263" algn="l"/>
-                <a:tab pos="914400" algn="l"/>
-                <a:tab pos="1252538" algn="l"/>
-                <a:tab pos="1603375" algn="l"/>
-                <a:tab pos="4233863" algn="l"/>
-              </a:tabLst>
-            </a:pPr>
-            <a:r>
-              <a:rPr lang="en-GB" sz="1600" b="0" dirty="0">
-                <a:latin typeface="Courier New" panose="02070309020205020404" pitchFamily="49" charset="0"/>
-                <a:cs typeface="Courier New" panose="02070309020205020404" pitchFamily="49" charset="0"/>
-              </a:rPr>
-              <a:t>int WW=0: Number of waiting writers; </a:t>
-            </a:r>
-          </a:p>
-          <a:p>
-            <a:pPr>
-              <a:buNone/>
-              <a:tabLst>
-                <a:tab pos="576263" algn="l"/>
-                <a:tab pos="914400" algn="l"/>
-                <a:tab pos="1252538" algn="l"/>
-                <a:tab pos="1603375" algn="l"/>
-                <a:tab pos="4233863" algn="l"/>
-              </a:tabLst>
-            </a:pPr>
-            <a:r>
-              <a:rPr lang="en-GB" sz="1600" b="0" dirty="0">
-                <a:latin typeface="Courier New" panose="02070309020205020404" pitchFamily="49" charset="0"/>
-                <a:cs typeface="Courier New" panose="02070309020205020404" pitchFamily="49" charset="0"/>
-              </a:rPr>
-              <a:t>Condition </a:t>
-            </a:r>
-            <a:r>
-              <a:rPr lang="en-GB" sz="1600" b="0" dirty="0" err="1">
-                <a:latin typeface="Courier New" panose="02070309020205020404" pitchFamily="49" charset="0"/>
-                <a:cs typeface="Courier New" panose="02070309020205020404" pitchFamily="49" charset="0"/>
-              </a:rPr>
-              <a:t>okToRead</a:t>
-            </a:r>
-            <a:r>
-              <a:rPr lang="en-GB" sz="1600" b="0" dirty="0">
-                <a:latin typeface="Courier New" panose="02070309020205020404" pitchFamily="49" charset="0"/>
-                <a:cs typeface="Courier New" panose="02070309020205020404" pitchFamily="49" charset="0"/>
-              </a:rPr>
-              <a:t>, </a:t>
-            </a:r>
-            <a:r>
-              <a:rPr lang="en-GB" sz="1600" b="0" dirty="0" err="1">
-                <a:latin typeface="Courier New" panose="02070309020205020404" pitchFamily="49" charset="0"/>
-                <a:cs typeface="Courier New" panose="02070309020205020404" pitchFamily="49" charset="0"/>
-              </a:rPr>
-              <a:t>okToWrite</a:t>
-            </a:r>
-            <a:r>
-              <a:rPr lang="en-GB" sz="1600" b="0" dirty="0">
-                <a:latin typeface="Courier New" panose="02070309020205020404" pitchFamily="49" charset="0"/>
-                <a:cs typeface="Courier New" panose="02070309020205020404" pitchFamily="49" charset="0"/>
-              </a:rPr>
-              <a:t>;</a:t>
-            </a:r>
-          </a:p>
-          <a:p>
-            <a:pPr>
-              <a:buNone/>
-              <a:tabLst>
-                <a:tab pos="576263" algn="l"/>
-                <a:tab pos="914400" algn="l"/>
-                <a:tab pos="1252538" algn="l"/>
-                <a:tab pos="1603375" algn="l"/>
-                <a:tab pos="4233863" algn="l"/>
-              </a:tabLst>
-            </a:pPr>
-            <a:r>
-              <a:rPr lang="en-US" altLang="zh-CN" sz="1600" b="0" kern="0" dirty="0" err="1">
-                <a:latin typeface="Courier New" panose="02070309020205020404" pitchFamily="49" charset="0"/>
-                <a:cs typeface="Courier New" panose="02070309020205020404" pitchFamily="49" charset="0"/>
-              </a:rPr>
-              <a:t>mutex_t</a:t>
-            </a:r>
-            <a:r>
-              <a:rPr lang="en-US" altLang="zh-CN" sz="1600" b="0" kern="0" dirty="0">
-                <a:latin typeface="Courier New" panose="02070309020205020404" pitchFamily="49" charset="0"/>
-                <a:cs typeface="Courier New" panose="02070309020205020404" pitchFamily="49" charset="0"/>
-              </a:rPr>
-              <a:t> mutex = 1;</a:t>
-            </a:r>
-            <a:endParaRPr lang="en-GB" sz="1600" b="0" dirty="0">
-              <a:latin typeface="Courier New" panose="02070309020205020404" pitchFamily="49" charset="0"/>
-              <a:cs typeface="Courier New" panose="02070309020205020404" pitchFamily="49" charset="0"/>
-            </a:endParaRPr>
-          </a:p>
-        </p:txBody>
-      </p:sp>
-      <p:sp>
-        <p:nvSpPr>
-          <p:cNvPr id="6" name="Title 1">
-            <a:extLst>
-              <a:ext uri="{FF2B5EF4-FFF2-40B4-BE49-F238E27FC236}">
-                <a16:creationId xmlns:a16="http://schemas.microsoft.com/office/drawing/2014/main" id="{1A31AC08-C217-90AD-4A6F-9B75580ED788}"/>
-              </a:ext>
-            </a:extLst>
-          </p:cNvPr>
-          <p:cNvSpPr>
-            <a:spLocks noGrp="1"/>
-          </p:cNvSpPr>
-          <p:nvPr>
-            <p:ph type="title"/>
-          </p:nvPr>
-        </p:nvSpPr>
-        <p:spPr>
-          <a:xfrm>
-            <a:off x="-152400" y="115467"/>
-            <a:ext cx="3962400" cy="533400"/>
-          </a:xfrm>
-        </p:spPr>
-        <p:txBody>
-          <a:bodyPr/>
-          <a:lstStyle/>
-          <a:p>
-            <a:r>
-              <a:rPr lang="en-GB" sz="2000" dirty="0"/>
-              <a:t>Readers/Writers Solution</a:t>
-            </a:r>
-            <a:br>
-              <a:rPr lang="en-GB" sz="2000" dirty="0"/>
-            </a:br>
-            <a:r>
-              <a:rPr lang="en-GB" sz="2000" dirty="0"/>
-              <a:t>using Monitors, Prefers Writers</a:t>
-            </a:r>
-            <a:endParaRPr lang="en-SE" sz="2000" dirty="0"/>
-          </a:p>
-        </p:txBody>
-      </p:sp>
-      <p:sp>
-        <p:nvSpPr>
-          <p:cNvPr id="8" name="Plassholder for lysbildenummer 5">
-            <a:extLst>
-              <a:ext uri="{FF2B5EF4-FFF2-40B4-BE49-F238E27FC236}">
-                <a16:creationId xmlns:a16="http://schemas.microsoft.com/office/drawing/2014/main" id="{E14857AD-0B6F-B8BF-1665-69A773A353CC}"/>
-              </a:ext>
-            </a:extLst>
-          </p:cNvPr>
-          <p:cNvSpPr txBox="1">
-            <a:spLocks/>
-          </p:cNvSpPr>
-          <p:nvPr/>
-        </p:nvSpPr>
-        <p:spPr>
-          <a:xfrm>
-            <a:off x="11734800" y="6492875"/>
-            <a:ext cx="456108" cy="365125"/>
-          </a:xfrm>
-          <a:prstGeom prst="rect">
-            <a:avLst/>
-          </a:prstGeom>
-        </p:spPr>
-        <p:txBody>
-          <a:bodyPr/>
-          <a:lstStyle>
-            <a:defPPr>
-              <a:defRPr lang="nb-NO"/>
-            </a:defPPr>
-            <a:lvl1pPr marL="0" algn="l" defTabSz="457200" rtl="0" eaLnBrk="1" latinLnBrk="0" hangingPunct="1">
-              <a:defRPr sz="1000" kern="1200">
-                <a:solidFill>
-                  <a:schemeClr val="bg1"/>
-                </a:solidFill>
-                <a:latin typeface="+mn-lt"/>
-                <a:ea typeface="+mn-ea"/>
-                <a:cs typeface="+mn-cs"/>
-              </a:defRPr>
-            </a:lvl1pPr>
-            <a:lvl2pPr marL="457200" algn="l" defTabSz="457200" rtl="0" eaLnBrk="1" latinLnBrk="0" hangingPunct="1">
-              <a:defRPr sz="1800" kern="1200">
-                <a:solidFill>
-                  <a:schemeClr val="tx1"/>
-                </a:solidFill>
-                <a:latin typeface="+mn-lt"/>
-                <a:ea typeface="+mn-ea"/>
-                <a:cs typeface="+mn-cs"/>
-              </a:defRPr>
-            </a:lvl2pPr>
-            <a:lvl3pPr marL="914400" algn="l" defTabSz="457200" rtl="0" eaLnBrk="1" latinLnBrk="0" hangingPunct="1">
-              <a:defRPr sz="1800" kern="1200">
-                <a:solidFill>
-                  <a:schemeClr val="tx1"/>
-                </a:solidFill>
-                <a:latin typeface="+mn-lt"/>
-                <a:ea typeface="+mn-ea"/>
-                <a:cs typeface="+mn-cs"/>
-              </a:defRPr>
-            </a:lvl3pPr>
-            <a:lvl4pPr marL="1371600" algn="l" defTabSz="457200" rtl="0" eaLnBrk="1" latinLnBrk="0" hangingPunct="1">
-              <a:defRPr sz="1800" kern="1200">
-                <a:solidFill>
-                  <a:schemeClr val="tx1"/>
-                </a:solidFill>
-                <a:latin typeface="+mn-lt"/>
-                <a:ea typeface="+mn-ea"/>
-                <a:cs typeface="+mn-cs"/>
-              </a:defRPr>
-            </a:lvl4pPr>
-            <a:lvl5pPr marL="1828800" algn="l" defTabSz="457200" rtl="0" eaLnBrk="1" latinLnBrk="0" hangingPunct="1">
-              <a:defRPr sz="1800" kern="1200">
-                <a:solidFill>
-                  <a:schemeClr val="tx1"/>
-                </a:solidFill>
-                <a:latin typeface="+mn-lt"/>
-                <a:ea typeface="+mn-ea"/>
-                <a:cs typeface="+mn-cs"/>
-              </a:defRPr>
-            </a:lvl5pPr>
-            <a:lvl6pPr marL="2286000" algn="l" defTabSz="457200" rtl="0" eaLnBrk="1" latinLnBrk="0" hangingPunct="1">
-              <a:defRPr sz="1800" kern="1200">
-                <a:solidFill>
-                  <a:schemeClr val="tx1"/>
-                </a:solidFill>
-                <a:latin typeface="+mn-lt"/>
-                <a:ea typeface="+mn-ea"/>
-                <a:cs typeface="+mn-cs"/>
-              </a:defRPr>
-            </a:lvl6pPr>
-            <a:lvl7pPr marL="2743200" algn="l" defTabSz="457200" rtl="0" eaLnBrk="1" latinLnBrk="0" hangingPunct="1">
-              <a:defRPr sz="1800" kern="1200">
-                <a:solidFill>
-                  <a:schemeClr val="tx1"/>
-                </a:solidFill>
-                <a:latin typeface="+mn-lt"/>
-                <a:ea typeface="+mn-ea"/>
-                <a:cs typeface="+mn-cs"/>
-              </a:defRPr>
-            </a:lvl7pPr>
-            <a:lvl8pPr marL="3200400" algn="l" defTabSz="457200" rtl="0" eaLnBrk="1" latinLnBrk="0" hangingPunct="1">
-              <a:defRPr sz="1800" kern="1200">
-                <a:solidFill>
-                  <a:schemeClr val="tx1"/>
-                </a:solidFill>
-                <a:latin typeface="+mn-lt"/>
-                <a:ea typeface="+mn-ea"/>
-                <a:cs typeface="+mn-cs"/>
-              </a:defRPr>
-            </a:lvl8pPr>
-            <a:lvl9pPr marL="3657600" algn="l" defTabSz="457200" rtl="0" eaLnBrk="1" latinLnBrk="0" hangingPunct="1">
-              <a:defRPr sz="1800" kern="1200">
-                <a:solidFill>
-                  <a:schemeClr val="tx1"/>
-                </a:solidFill>
-                <a:latin typeface="+mn-lt"/>
-                <a:ea typeface="+mn-ea"/>
-                <a:cs typeface="+mn-cs"/>
-              </a:defRPr>
-            </a:lvl9pPr>
-          </a:lstStyle>
-          <a:p>
-            <a:pPr algn="ctr"/>
-            <a:fld id="{91853A39-49B3-554A-AE82-85611CEBD8E3}" type="slidenum">
-              <a:rPr lang="nb-NO" sz="1400" b="0" i="0" smtClean="0">
-                <a:solidFill>
-                  <a:schemeClr val="tx1"/>
-                </a:solidFill>
-                <a:latin typeface="Arial"/>
-                <a:cs typeface="Arial"/>
-              </a:rPr>
-              <a:pPr algn="ctr"/>
-              <a:t>16</a:t>
-            </a:fld>
-            <a:endParaRPr lang="nb-NO" sz="1400" b="0" i="0" dirty="0">
-              <a:solidFill>
-                <a:schemeClr val="tx1"/>
-              </a:solidFill>
-              <a:latin typeface="Arial"/>
-              <a:cs typeface="Arial"/>
-            </a:endParaRPr>
-          </a:p>
-        </p:txBody>
-      </p:sp>
-      <p:sp>
-        <p:nvSpPr>
-          <p:cNvPr id="2" name="Title 1">
-            <a:extLst>
-              <a:ext uri="{FF2B5EF4-FFF2-40B4-BE49-F238E27FC236}">
-                <a16:creationId xmlns:a16="http://schemas.microsoft.com/office/drawing/2014/main" id="{7D0406C5-8EDE-7DC9-AC9F-4DEACE93A16E}"/>
-              </a:ext>
-            </a:extLst>
-          </p:cNvPr>
-          <p:cNvSpPr txBox="1">
-            <a:spLocks/>
-          </p:cNvSpPr>
-          <p:nvPr/>
-        </p:nvSpPr>
-        <p:spPr bwMode="auto">
-          <a:xfrm>
-            <a:off x="-152400" y="1066800"/>
-            <a:ext cx="3962400" cy="533400"/>
-          </a:xfrm>
-          <a:prstGeom prst="rect">
-            <a:avLst/>
-          </a:prstGeom>
-          <a:noFill/>
-          <a:ln>
-            <a:noFill/>
-          </a:ln>
-          <a:effectLst/>
-          <a:extLst>
-            <a:ext uri="{FAA26D3D-D897-4be2-8F04-BA451C77F1D7}">
-              <ma14:placeholderFlag xmlns:ma14="http://schemas.microsoft.com/office/mac/drawingml/2011/main" xmlns="" val="1"/>
-            </a:ext>
-            <a:ext uri="{909E8E84-426E-40dd-AFC4-6F175D3DCCD1}">
-              <a14:hiddenFill xmlns:a14="http://schemas.microsoft.com/office/drawing/2010/main" xmlns="">
-                <a:solidFill>
-                  <a:schemeClr val="bg1"/>
-                </a:solidFill>
-              </a14:hiddenFill>
-            </a:ext>
-            <a:ext uri="{91240B29-F687-4f45-9708-019B960494DF}">
-              <a14:hiddenLine xmlns:a14="http://schemas.microsoft.com/office/drawing/2010/main" xmlns="" w="12700">
-                <a:pattFill prst="narHorz">
-                  <a:fgClr>
-                    <a:schemeClr val="tx1"/>
-                  </a:fgClr>
-                  <a:bgClr>
-                    <a:schemeClr val="bg1"/>
-                  </a:bgClr>
-                </a:pattFill>
-                <a:miter lim="800000"/>
-                <a:headEnd/>
-                <a:tailEnd/>
-              </a14:hiddenLine>
-            </a:ext>
-            <a:ext uri="{AF507438-7753-43e0-B8FC-AC1667EBCBE1}">
-              <a14:hiddenEffects xmlns:a14="http://schemas.microsoft.com/office/drawing/2010/main" xmlns="">
-                <a:effectLst>
-                  <a:outerShdw blurRad="63500" dist="38099" dir="2700000" algn="ctr" rotWithShape="0">
-                    <a:schemeClr val="bg2">
-                      <a:alpha val="74998"/>
-                    </a:schemeClr>
-                  </a:outerShdw>
-                </a:effectLst>
-              </a14:hiddenEffects>
-            </a:ext>
-          </a:extLst>
-        </p:spPr>
-        <p:txBody>
-          <a:bodyPr vert="horz" wrap="square" lIns="90478" tIns="44445" rIns="90478" bIns="44445" numCol="1" anchor="ctr" anchorCtr="0" compatLnSpc="1">
-            <a:prstTxWarp prst="textNoShape">
-              <a:avLst/>
-            </a:prstTxWarp>
-          </a:bodyPr>
-          <a:lstStyle>
-            <a:lvl1pPr algn="ctr" rtl="0" eaLnBrk="0" fontAlgn="base" hangingPunct="0">
-              <a:lnSpc>
-                <a:spcPct val="90000"/>
-              </a:lnSpc>
-              <a:spcBef>
-                <a:spcPct val="0"/>
-              </a:spcBef>
-              <a:spcAft>
-                <a:spcPct val="0"/>
-              </a:spcAft>
-              <a:defRPr sz="3200" b="0" i="0">
-                <a:solidFill>
-                  <a:srgbClr val="2A40E2"/>
-                </a:solidFill>
-                <a:latin typeface="Gill Sans" charset="0"/>
-                <a:ea typeface="Gill Sans" charset="0"/>
-                <a:cs typeface="Gill Sans" charset="0"/>
-              </a:defRPr>
-            </a:lvl1pPr>
-            <a:lvl2pPr algn="ctr" rtl="0" eaLnBrk="0" fontAlgn="base" hangingPunct="0">
-              <a:lnSpc>
-                <a:spcPct val="90000"/>
-              </a:lnSpc>
-              <a:spcBef>
-                <a:spcPct val="0"/>
-              </a:spcBef>
-              <a:spcAft>
-                <a:spcPct val="0"/>
-              </a:spcAft>
-              <a:defRPr sz="3200">
-                <a:solidFill>
-                  <a:srgbClr val="2A40E2"/>
-                </a:solidFill>
-                <a:latin typeface="Gill Sans" charset="0"/>
-                <a:ea typeface="ＭＳ Ｐゴシック" charset="0"/>
-                <a:cs typeface="Gill Sans" charset="0"/>
-              </a:defRPr>
-            </a:lvl2pPr>
-            <a:lvl3pPr algn="ctr" rtl="0" eaLnBrk="0" fontAlgn="base" hangingPunct="0">
-              <a:lnSpc>
-                <a:spcPct val="90000"/>
-              </a:lnSpc>
-              <a:spcBef>
-                <a:spcPct val="0"/>
-              </a:spcBef>
-              <a:spcAft>
-                <a:spcPct val="0"/>
-              </a:spcAft>
-              <a:defRPr sz="3200">
-                <a:solidFill>
-                  <a:srgbClr val="2A40E2"/>
-                </a:solidFill>
-                <a:latin typeface="Gill Sans" charset="0"/>
-                <a:ea typeface="ＭＳ Ｐゴシック" charset="0"/>
-                <a:cs typeface="Gill Sans" charset="0"/>
-              </a:defRPr>
-            </a:lvl3pPr>
-            <a:lvl4pPr algn="ctr" rtl="0" eaLnBrk="0" fontAlgn="base" hangingPunct="0">
-              <a:lnSpc>
-                <a:spcPct val="90000"/>
-              </a:lnSpc>
-              <a:spcBef>
-                <a:spcPct val="0"/>
-              </a:spcBef>
-              <a:spcAft>
-                <a:spcPct val="0"/>
-              </a:spcAft>
-              <a:defRPr sz="3200">
-                <a:solidFill>
-                  <a:srgbClr val="2A40E2"/>
-                </a:solidFill>
-                <a:latin typeface="Gill Sans" charset="0"/>
-                <a:ea typeface="ＭＳ Ｐゴシック" charset="0"/>
-                <a:cs typeface="Gill Sans" charset="0"/>
-              </a:defRPr>
-            </a:lvl4pPr>
-            <a:lvl5pPr algn="ctr" rtl="0" eaLnBrk="0" fontAlgn="base" hangingPunct="0">
-              <a:lnSpc>
-                <a:spcPct val="90000"/>
-              </a:lnSpc>
-              <a:spcBef>
-                <a:spcPct val="0"/>
-              </a:spcBef>
-              <a:spcAft>
-                <a:spcPct val="0"/>
-              </a:spcAft>
-              <a:defRPr sz="3200">
-                <a:solidFill>
-                  <a:srgbClr val="2A40E2"/>
-                </a:solidFill>
-                <a:latin typeface="Gill Sans" charset="0"/>
-                <a:ea typeface="ＭＳ Ｐゴシック" charset="0"/>
-                <a:cs typeface="Gill Sans" charset="0"/>
-              </a:defRPr>
-            </a:lvl5pPr>
-            <a:lvl6pPr marL="457200" algn="ctr" rtl="0" eaLnBrk="0" fontAlgn="base" hangingPunct="0">
-              <a:lnSpc>
-                <a:spcPct val="90000"/>
-              </a:lnSpc>
-              <a:spcBef>
-                <a:spcPct val="0"/>
-              </a:spcBef>
-              <a:spcAft>
-                <a:spcPct val="0"/>
-              </a:spcAft>
-              <a:defRPr sz="2400" b="1">
-                <a:solidFill>
-                  <a:srgbClr val="2A40E2"/>
-                </a:solidFill>
-                <a:latin typeface="Comic Sans MS" pitchFamily="66" charset="0"/>
-              </a:defRPr>
-            </a:lvl6pPr>
-            <a:lvl7pPr marL="914400" algn="ctr" rtl="0" eaLnBrk="0" fontAlgn="base" hangingPunct="0">
-              <a:lnSpc>
-                <a:spcPct val="90000"/>
-              </a:lnSpc>
-              <a:spcBef>
-                <a:spcPct val="0"/>
-              </a:spcBef>
-              <a:spcAft>
-                <a:spcPct val="0"/>
-              </a:spcAft>
-              <a:defRPr sz="2400" b="1">
-                <a:solidFill>
-                  <a:srgbClr val="2A40E2"/>
-                </a:solidFill>
-                <a:latin typeface="Comic Sans MS" pitchFamily="66" charset="0"/>
-              </a:defRPr>
-            </a:lvl7pPr>
-            <a:lvl8pPr marL="1371600" algn="ctr" rtl="0" eaLnBrk="0" fontAlgn="base" hangingPunct="0">
-              <a:lnSpc>
-                <a:spcPct val="90000"/>
-              </a:lnSpc>
-              <a:spcBef>
-                <a:spcPct val="0"/>
-              </a:spcBef>
-              <a:spcAft>
-                <a:spcPct val="0"/>
-              </a:spcAft>
-              <a:defRPr sz="2400" b="1">
-                <a:solidFill>
-                  <a:srgbClr val="2A40E2"/>
-                </a:solidFill>
-                <a:latin typeface="Comic Sans MS" pitchFamily="66" charset="0"/>
-              </a:defRPr>
-            </a:lvl8pPr>
-            <a:lvl9pPr marL="1828800" algn="ctr" rtl="0" eaLnBrk="0" fontAlgn="base" hangingPunct="0">
-              <a:lnSpc>
-                <a:spcPct val="90000"/>
-              </a:lnSpc>
-              <a:spcBef>
-                <a:spcPct val="0"/>
-              </a:spcBef>
-              <a:spcAft>
-                <a:spcPct val="0"/>
-              </a:spcAft>
-              <a:defRPr sz="2400" b="1">
-                <a:solidFill>
-                  <a:srgbClr val="2A40E2"/>
-                </a:solidFill>
-                <a:latin typeface="Comic Sans MS" pitchFamily="66" charset="0"/>
-              </a:defRPr>
-            </a:lvl9pPr>
-          </a:lstStyle>
-          <a:p>
-            <a:r>
-              <a:rPr lang="en-GB" sz="2000" kern="0" dirty="0"/>
-              <a:t>Q: Rewrite it to prefer readers</a:t>
-            </a:r>
-            <a:endParaRPr lang="en-SE" sz="2000" kern="0" dirty="0"/>
-          </a:p>
-        </p:txBody>
-      </p:sp>
-    </p:spTree>
-    <p:extLst>
-      <p:ext uri="{BB962C8B-B14F-4D97-AF65-F5344CB8AC3E}">
-        <p14:creationId xmlns:p14="http://schemas.microsoft.com/office/powerpoint/2010/main" val="4099170120"/>
-      </p:ext>
-    </p:extLst>
-  </p:cSld>
-  <p:clrMapOvr>
-    <a:masterClrMapping/>
-  </p:clrMapOvr>
-  <p:transition/>
-</p:sld>
-</file>
-
-<file path=ppt/slides/slide17.xml><?xml version="1.0" encoding="utf-8"?>
-<p:sld xmlns:a="http://schemas.openxmlformats.org/drawingml/2006/main" xmlns:r="http://schemas.openxmlformats.org/officeDocument/2006/relationships" xmlns:p="http://schemas.openxmlformats.org/presentationml/2006/main">
-  <p:cSld>
-    <p:spTree>
-      <p:nvGrpSpPr>
-        <p:cNvPr id="1" name="">
-          <a:extLst>
-            <a:ext uri="{FF2B5EF4-FFF2-40B4-BE49-F238E27FC236}">
-              <a16:creationId xmlns:a16="http://schemas.microsoft.com/office/drawing/2014/main" id="{51D7C2B1-C64C-22CC-2130-C2095D2B557C}"/>
-            </a:ext>
-          </a:extLst>
-        </p:cNvPr>
-        <p:cNvGrpSpPr/>
-        <p:nvPr/>
-      </p:nvGrpSpPr>
-      <p:grpSpPr>
-        <a:xfrm>
-          <a:off x="0" y="0"/>
-          <a:ext cx="0" cy="0"/>
-          <a:chOff x="0" y="0"/>
-          <a:chExt cx="0" cy="0"/>
-        </a:xfrm>
-      </p:grpSpPr>
-      <p:sp>
-        <p:nvSpPr>
-          <p:cNvPr id="5" name="object 8">
-            <a:extLst>
-              <a:ext uri="{FF2B5EF4-FFF2-40B4-BE49-F238E27FC236}">
-                <a16:creationId xmlns:a16="http://schemas.microsoft.com/office/drawing/2014/main" id="{CD4EDE96-AD27-74F6-D10A-26CA7147F121}"/>
-              </a:ext>
-            </a:extLst>
-          </p:cNvPr>
-          <p:cNvSpPr txBox="1"/>
-          <p:nvPr/>
-        </p:nvSpPr>
-        <p:spPr>
-          <a:xfrm>
-            <a:off x="76200" y="1826446"/>
-            <a:ext cx="5989528" cy="4485843"/>
-          </a:xfrm>
-          <a:prstGeom prst="rect">
-            <a:avLst/>
-          </a:prstGeom>
-          <a:ln w="12700">
-            <a:solidFill>
-              <a:srgbClr val="000000"/>
-            </a:solidFill>
-          </a:ln>
-        </p:spPr>
-        <p:txBody>
-          <a:bodyPr vert="horz" wrap="square" lIns="0" tIns="53340" rIns="0" bIns="0" rtlCol="0">
-            <a:spAutoFit/>
-          </a:bodyPr>
-          <a:lstStyle/>
-          <a:p>
-            <a:pPr>
-              <a:buNone/>
-              <a:tabLst>
-                <a:tab pos="576263" algn="l"/>
-                <a:tab pos="914400" algn="l"/>
-                <a:tab pos="1252538" algn="l"/>
-                <a:tab pos="1603375" algn="l"/>
-                <a:tab pos="4233863" algn="l"/>
-              </a:tabLst>
-            </a:pPr>
-            <a:r>
-              <a:rPr lang="en-US" altLang="ko-KR" sz="1600" b="0" dirty="0">
-                <a:latin typeface="Courier New" charset="0"/>
-                <a:ea typeface="굴림" charset="0"/>
-                <a:cs typeface="굴림" charset="0"/>
-              </a:rPr>
-              <a:t> Reader() {</a:t>
-            </a:r>
-            <a:br>
-              <a:rPr lang="en-US" altLang="ko-KR" sz="1600" b="0" dirty="0">
-                <a:latin typeface="Courier New" charset="0"/>
-                <a:ea typeface="굴림" charset="0"/>
-                <a:cs typeface="굴림" charset="0"/>
-              </a:rPr>
-            </a:br>
-            <a:r>
-              <a:rPr lang="en-US" altLang="ko-KR" sz="1600" b="0" dirty="0">
-                <a:latin typeface="Courier New" charset="0"/>
-                <a:ea typeface="굴림" charset="0"/>
-                <a:cs typeface="굴림" charset="0"/>
-              </a:rPr>
-              <a:t>	</a:t>
-            </a:r>
-            <a:r>
-              <a:rPr lang="en-US" altLang="ko-KR" sz="1600" b="0" dirty="0" err="1">
-                <a:latin typeface="Courier New" charset="0"/>
-                <a:ea typeface="굴림" charset="0"/>
-                <a:cs typeface="굴림" charset="0"/>
-              </a:rPr>
-              <a:t>mutex_lock</a:t>
-            </a:r>
-            <a:r>
-              <a:rPr lang="en-US" altLang="ko-KR" sz="1600" b="0" dirty="0">
-                <a:latin typeface="Courier New" charset="0"/>
-                <a:ea typeface="굴림" charset="0"/>
-                <a:cs typeface="굴림" charset="0"/>
-              </a:rPr>
-              <a:t>(&amp;mutex);</a:t>
-            </a:r>
-          </a:p>
-          <a:p>
-            <a:pPr>
-              <a:buNone/>
-              <a:tabLst>
-                <a:tab pos="576263" algn="l"/>
-                <a:tab pos="914400" algn="l"/>
-                <a:tab pos="1252538" algn="l"/>
-                <a:tab pos="1603375" algn="l"/>
-                <a:tab pos="4233863" algn="l"/>
-              </a:tabLst>
-            </a:pPr>
-            <a:r>
-              <a:rPr lang="en-US" altLang="ko-KR" sz="1600" b="0" dirty="0">
-                <a:solidFill>
-                  <a:srgbClr val="FF0000"/>
-                </a:solidFill>
-                <a:latin typeface="Courier New" charset="0"/>
-                <a:ea typeface="굴림" charset="0"/>
-                <a:cs typeface="굴림" charset="0"/>
-              </a:rPr>
-              <a:t>	while (AW &gt; 0) </a:t>
-            </a:r>
-            <a:r>
-              <a:rPr lang="en-US" altLang="ko-KR" sz="1600" b="0" dirty="0">
-                <a:latin typeface="Courier New" charset="0"/>
-                <a:ea typeface="굴림" charset="0"/>
-                <a:cs typeface="굴림" charset="0"/>
-              </a:rPr>
-              <a:t>{</a:t>
-            </a:r>
-            <a:r>
-              <a:rPr lang="en-US" altLang="ko-KR" sz="1600" b="0" dirty="0">
-                <a:solidFill>
-                  <a:schemeClr val="accent2"/>
-                </a:solidFill>
-                <a:latin typeface="Courier New" charset="0"/>
-                <a:ea typeface="굴림" charset="0"/>
-                <a:cs typeface="굴림" charset="0"/>
-              </a:rPr>
-              <a:t>//Is it safe to read?</a:t>
-            </a:r>
-            <a:br>
-              <a:rPr lang="en-US" altLang="ko-KR" sz="1600" b="0" dirty="0">
-                <a:latin typeface="Courier New" charset="0"/>
-                <a:ea typeface="굴림" charset="0"/>
-                <a:cs typeface="굴림" charset="0"/>
-              </a:rPr>
-            </a:br>
-            <a:r>
-              <a:rPr lang="en-US" altLang="ko-KR" sz="1600" b="0" dirty="0">
-                <a:latin typeface="Courier New" charset="0"/>
-                <a:ea typeface="굴림" charset="0"/>
-                <a:cs typeface="굴림" charset="0"/>
-              </a:rPr>
-              <a:t>		WR++;	</a:t>
-            </a:r>
-            <a:r>
-              <a:rPr lang="en-US" altLang="ko-KR" sz="1600" b="0" dirty="0">
-                <a:solidFill>
-                  <a:schemeClr val="accent2"/>
-                </a:solidFill>
-                <a:latin typeface="Courier New" charset="0"/>
-                <a:ea typeface="굴림" charset="0"/>
-                <a:cs typeface="굴림" charset="0"/>
-              </a:rPr>
-              <a:t>//No. Writers exist</a:t>
-            </a:r>
-            <a:br>
-              <a:rPr lang="en-US" altLang="ko-KR" sz="1600" b="0" dirty="0">
-                <a:latin typeface="Courier New" charset="0"/>
-                <a:ea typeface="굴림" charset="0"/>
-                <a:cs typeface="굴림" charset="0"/>
-              </a:rPr>
-            </a:br>
-            <a:r>
-              <a:rPr lang="en-US" altLang="ko-KR" sz="1600" b="0" dirty="0">
-                <a:latin typeface="Courier New" charset="0"/>
-                <a:ea typeface="굴림" charset="0"/>
-                <a:cs typeface="굴림" charset="0"/>
-              </a:rPr>
-              <a:t>		</a:t>
-            </a:r>
-            <a:r>
-              <a:rPr lang="en-US" altLang="ko-KR" sz="1600" b="0" dirty="0" err="1">
-                <a:latin typeface="Courier New" charset="0"/>
-                <a:ea typeface="굴림" charset="0"/>
-                <a:cs typeface="굴림" charset="0"/>
-              </a:rPr>
-              <a:t>cond_wait</a:t>
-            </a:r>
-            <a:r>
-              <a:rPr lang="en-US" altLang="ko-KR" sz="1600" b="0" dirty="0">
-                <a:latin typeface="Courier New" charset="0"/>
-                <a:ea typeface="굴림" charset="0"/>
-                <a:cs typeface="굴림" charset="0"/>
-              </a:rPr>
-              <a:t>(&amp;</a:t>
-            </a:r>
-            <a:r>
-              <a:rPr lang="en-US" altLang="ko-KR" sz="1600" b="0" dirty="0" err="1">
-                <a:latin typeface="Courier New" charset="0"/>
-                <a:ea typeface="굴림" charset="0"/>
-                <a:cs typeface="굴림" charset="0"/>
-              </a:rPr>
-              <a:t>okToRead</a:t>
-            </a:r>
-            <a:r>
-              <a:rPr lang="en-US" altLang="ko-KR" sz="1600" b="0" dirty="0">
-                <a:latin typeface="Courier New" charset="0"/>
-                <a:ea typeface="굴림" charset="0"/>
-                <a:cs typeface="굴림" charset="0"/>
-              </a:rPr>
-              <a:t>,&amp;mutex);</a:t>
-            </a:r>
-            <a:br>
-              <a:rPr lang="en-US" altLang="ko-KR" sz="1600" b="0" dirty="0">
-                <a:latin typeface="Courier New" charset="0"/>
-                <a:ea typeface="굴림" charset="0"/>
-                <a:cs typeface="굴림" charset="0"/>
-              </a:rPr>
-            </a:br>
-            <a:r>
-              <a:rPr lang="en-US" altLang="ko-KR" sz="1600" b="0" dirty="0">
-                <a:latin typeface="Courier New" charset="0"/>
-                <a:ea typeface="굴림" charset="0"/>
-                <a:cs typeface="굴림" charset="0"/>
-              </a:rPr>
-              <a:t>		WR--;	</a:t>
-            </a:r>
-            <a:r>
-              <a:rPr lang="en-US" altLang="ko-KR" sz="1600" b="0" dirty="0">
-                <a:solidFill>
-                  <a:schemeClr val="accent2"/>
-                </a:solidFill>
-                <a:latin typeface="Courier New" charset="0"/>
-                <a:ea typeface="굴림" charset="0"/>
-                <a:cs typeface="굴림" charset="0"/>
-              </a:rPr>
-              <a:t>//No longer waiting</a:t>
-            </a:r>
-            <a:br>
-              <a:rPr lang="en-US" altLang="ko-KR" sz="1600" b="0" dirty="0">
-                <a:latin typeface="Courier New" charset="0"/>
-                <a:ea typeface="굴림" charset="0"/>
-                <a:cs typeface="굴림" charset="0"/>
-              </a:rPr>
-            </a:br>
-            <a:r>
-              <a:rPr lang="en-US" altLang="ko-KR" sz="1600" b="0" dirty="0">
-                <a:latin typeface="Courier New" charset="0"/>
-                <a:ea typeface="굴림" charset="0"/>
-                <a:cs typeface="굴림" charset="0"/>
-              </a:rPr>
-              <a:t>	}</a:t>
-            </a:r>
-          </a:p>
-          <a:p>
-            <a:pPr>
-              <a:buNone/>
-              <a:tabLst>
-                <a:tab pos="576263" algn="l"/>
-                <a:tab pos="914400" algn="l"/>
-                <a:tab pos="1252538" algn="l"/>
-                <a:tab pos="1603375" algn="l"/>
-                <a:tab pos="4233863" algn="l"/>
-              </a:tabLst>
-            </a:pPr>
-            <a:r>
-              <a:rPr lang="en-US" altLang="ko-KR" sz="1600" b="0" dirty="0">
-                <a:latin typeface="Courier New" charset="0"/>
-                <a:ea typeface="굴림" charset="0"/>
-                <a:cs typeface="굴림" charset="0"/>
-              </a:rPr>
-              <a:t>	AR++;		</a:t>
-            </a:r>
-            <a:r>
-              <a:rPr lang="en-US" altLang="ko-KR" sz="1600" b="0" dirty="0">
-                <a:solidFill>
-                  <a:schemeClr val="accent2"/>
-                </a:solidFill>
-                <a:latin typeface="Courier New" charset="0"/>
-                <a:ea typeface="굴림" charset="0"/>
-                <a:cs typeface="굴림" charset="0"/>
-              </a:rPr>
-              <a:t>//Reader active!</a:t>
-            </a:r>
-            <a:br>
-              <a:rPr lang="en-US" altLang="ko-KR" sz="1600" b="0" dirty="0">
-                <a:latin typeface="Courier New" charset="0"/>
-                <a:ea typeface="굴림" charset="0"/>
-                <a:cs typeface="굴림" charset="0"/>
-              </a:rPr>
-            </a:br>
-            <a:r>
-              <a:rPr lang="en-US" altLang="ko-KR" sz="1600" b="0" dirty="0">
-                <a:latin typeface="Courier New" charset="0"/>
-                <a:ea typeface="굴림" charset="0"/>
-                <a:cs typeface="굴림" charset="0"/>
-              </a:rPr>
-              <a:t>	</a:t>
-            </a:r>
-            <a:r>
-              <a:rPr lang="en-US" altLang="ko-KR" sz="1600" b="0" dirty="0" err="1">
-                <a:latin typeface="Courier New" charset="0"/>
-                <a:ea typeface="굴림" charset="0"/>
-                <a:cs typeface="굴림" charset="0"/>
-              </a:rPr>
-              <a:t>mutex_unlock</a:t>
-            </a:r>
-            <a:r>
-              <a:rPr lang="en-US" altLang="ko-KR" sz="1600" b="0" dirty="0">
-                <a:latin typeface="Courier New" charset="0"/>
-                <a:ea typeface="굴림" charset="0"/>
-                <a:cs typeface="굴림" charset="0"/>
-              </a:rPr>
-              <a:t>(&amp;mutex);</a:t>
-            </a:r>
-          </a:p>
-          <a:p>
-            <a:pPr>
-              <a:buNone/>
-              <a:tabLst>
-                <a:tab pos="576263" algn="l"/>
-                <a:tab pos="914400" algn="l"/>
-                <a:tab pos="1252538" algn="l"/>
-                <a:tab pos="1603375" algn="l"/>
-                <a:tab pos="4233863" algn="l"/>
-              </a:tabLst>
-            </a:pPr>
-            <a:r>
-              <a:rPr lang="en-US" altLang="ko-KR" sz="1600" b="0" dirty="0">
-                <a:latin typeface="Courier New" charset="0"/>
-                <a:ea typeface="굴림" charset="0"/>
-                <a:cs typeface="굴림" charset="0"/>
-              </a:rPr>
-              <a:t>	</a:t>
-            </a:r>
-            <a:r>
-              <a:rPr lang="en-US" altLang="ko-KR" sz="1600" b="0" dirty="0" err="1">
-                <a:latin typeface="Courier New" charset="0"/>
-                <a:ea typeface="굴림" charset="0"/>
-                <a:cs typeface="굴림" charset="0"/>
-              </a:rPr>
-              <a:t>AccessDatabase</a:t>
-            </a:r>
-            <a:r>
-              <a:rPr lang="en-US" altLang="ko-KR" sz="1600" b="0" dirty="0">
-                <a:latin typeface="Courier New" charset="0"/>
-                <a:ea typeface="굴림" charset="0"/>
-                <a:cs typeface="굴림" charset="0"/>
-              </a:rPr>
-              <a:t>(</a:t>
-            </a:r>
-            <a:r>
-              <a:rPr lang="en-US" altLang="ko-KR" sz="1600" b="0" dirty="0" err="1">
-                <a:latin typeface="Courier New" charset="0"/>
-                <a:ea typeface="굴림" charset="0"/>
-                <a:cs typeface="굴림" charset="0"/>
-              </a:rPr>
-              <a:t>ReadOnly</a:t>
-            </a:r>
-            <a:r>
-              <a:rPr lang="en-US" altLang="ko-KR" sz="1600" b="0" dirty="0">
-                <a:latin typeface="Courier New" charset="0"/>
-                <a:ea typeface="굴림" charset="0"/>
-                <a:cs typeface="굴림" charset="0"/>
-              </a:rPr>
-              <a:t>);</a:t>
-            </a:r>
-          </a:p>
-          <a:p>
-            <a:pPr>
-              <a:buNone/>
-              <a:tabLst>
-                <a:tab pos="576263" algn="l"/>
-                <a:tab pos="914400" algn="l"/>
-                <a:tab pos="1252538" algn="l"/>
-                <a:tab pos="1603375" algn="l"/>
-                <a:tab pos="4233863" algn="l"/>
-              </a:tabLst>
-            </a:pPr>
-            <a:r>
-              <a:rPr lang="en-US" altLang="ko-KR" sz="1600" b="0" dirty="0">
-                <a:latin typeface="Courier New" charset="0"/>
-                <a:ea typeface="굴림" charset="0"/>
-                <a:cs typeface="굴림" charset="0"/>
-              </a:rPr>
-              <a:t>	</a:t>
-            </a:r>
-            <a:r>
-              <a:rPr lang="en-US" altLang="ko-KR" sz="1600" b="0" dirty="0" err="1">
-                <a:latin typeface="Courier New" charset="0"/>
-                <a:ea typeface="굴림" charset="0"/>
-                <a:cs typeface="굴림" charset="0"/>
-              </a:rPr>
-              <a:t>mutex_lock</a:t>
-            </a:r>
-            <a:r>
-              <a:rPr lang="en-US" altLang="ko-KR" sz="1600" b="0" dirty="0">
-                <a:latin typeface="Courier New" charset="0"/>
-                <a:ea typeface="굴림" charset="0"/>
-                <a:cs typeface="굴림" charset="0"/>
-              </a:rPr>
-              <a:t>(&amp;mutex);</a:t>
-            </a:r>
-            <a:br>
-              <a:rPr lang="en-US" altLang="ko-KR" sz="1600" b="0" dirty="0">
-                <a:latin typeface="Courier New" charset="0"/>
-                <a:ea typeface="굴림" charset="0"/>
-                <a:cs typeface="굴림" charset="0"/>
-              </a:rPr>
-            </a:br>
-            <a:r>
-              <a:rPr lang="en-US" altLang="ko-KR" sz="1600" b="0" dirty="0">
-                <a:latin typeface="Courier New" charset="0"/>
-                <a:ea typeface="굴림" charset="0"/>
-                <a:cs typeface="굴림" charset="0"/>
-              </a:rPr>
-              <a:t>	AR--;		</a:t>
-            </a:r>
-            <a:r>
-              <a:rPr lang="en-US" altLang="ko-KR" sz="1600" b="0" dirty="0">
-                <a:solidFill>
-                  <a:schemeClr val="accent2"/>
-                </a:solidFill>
-                <a:latin typeface="Courier New" charset="0"/>
-                <a:ea typeface="굴림" charset="0"/>
-                <a:cs typeface="굴림" charset="0"/>
-              </a:rPr>
-              <a:t>//No longer active</a:t>
-            </a:r>
-            <a:br>
-              <a:rPr lang="en-US" altLang="ko-KR" sz="1600" b="0" dirty="0">
-                <a:latin typeface="Courier New" charset="0"/>
-                <a:ea typeface="굴림" charset="0"/>
-                <a:cs typeface="굴림" charset="0"/>
-              </a:rPr>
-            </a:br>
-            <a:r>
-              <a:rPr lang="en-US" altLang="ko-KR" sz="1600" b="0" dirty="0">
-                <a:latin typeface="Courier New" charset="0"/>
-                <a:ea typeface="굴림" charset="0"/>
-                <a:cs typeface="굴림" charset="0"/>
-              </a:rPr>
-              <a:t>	if (AR == 0 &amp;&amp; WW &gt; 0)</a:t>
-            </a:r>
-            <a:r>
-              <a:rPr lang="en-US" altLang="ko-KR" sz="1600" b="0" dirty="0">
-                <a:solidFill>
-                  <a:schemeClr val="accent2"/>
-                </a:solidFill>
-                <a:latin typeface="Courier New" charset="0"/>
-                <a:ea typeface="굴림" charset="0"/>
-                <a:cs typeface="굴림" charset="0"/>
-              </a:rPr>
-              <a:t>//No other active readers</a:t>
-            </a:r>
-            <a:br>
-              <a:rPr lang="en-US" altLang="ko-KR" sz="1600" b="0" dirty="0">
-                <a:latin typeface="Courier New" charset="0"/>
-                <a:ea typeface="굴림" charset="0"/>
-                <a:cs typeface="굴림" charset="0"/>
-              </a:rPr>
-            </a:br>
-            <a:r>
-              <a:rPr lang="en-US" altLang="ko-KR" sz="1600" b="0" dirty="0">
-                <a:latin typeface="Courier New" charset="0"/>
-                <a:ea typeface="굴림" charset="0"/>
-                <a:cs typeface="굴림" charset="0"/>
-              </a:rPr>
-              <a:t>		</a:t>
-            </a:r>
-            <a:r>
-              <a:rPr lang="en-US" altLang="ko-KR" sz="1600" b="0" dirty="0" err="1">
-                <a:latin typeface="Courier New" charset="0"/>
-                <a:ea typeface="굴림" charset="0"/>
-                <a:cs typeface="굴림" charset="0"/>
-              </a:rPr>
-              <a:t>cond_signal</a:t>
-            </a:r>
-            <a:r>
-              <a:rPr lang="en-US" altLang="ko-KR" sz="1600" b="0" dirty="0">
-                <a:latin typeface="Courier New" charset="0"/>
-                <a:ea typeface="굴림" charset="0"/>
-                <a:cs typeface="굴림" charset="0"/>
-              </a:rPr>
-              <a:t>(&amp;</a:t>
-            </a:r>
-            <a:r>
-              <a:rPr lang="en-US" altLang="ko-KR" sz="1600" b="0" dirty="0" err="1">
-                <a:latin typeface="Courier New" charset="0"/>
-                <a:ea typeface="굴림" charset="0"/>
-                <a:cs typeface="굴림" charset="0"/>
-              </a:rPr>
-              <a:t>okToWrite</a:t>
-            </a:r>
-            <a:r>
-              <a:rPr lang="en-US" altLang="ko-KR" sz="1600" b="0" dirty="0">
-                <a:latin typeface="Courier New" charset="0"/>
-                <a:ea typeface="굴림" charset="0"/>
-                <a:cs typeface="굴림" charset="0"/>
-              </a:rPr>
-              <a:t>);</a:t>
-            </a:r>
-            <a:r>
-              <a:rPr lang="en-US" altLang="ko-KR" sz="1600" b="0" dirty="0">
-                <a:solidFill>
-                  <a:schemeClr val="accent2"/>
-                </a:solidFill>
-                <a:latin typeface="Courier New" charset="0"/>
-                <a:ea typeface="굴림" charset="0"/>
-                <a:cs typeface="굴림" charset="0"/>
-              </a:rPr>
-              <a:t>//Wake up one writer</a:t>
-            </a:r>
-            <a:br>
-              <a:rPr lang="en-US" altLang="ko-KR" sz="1600" b="0" dirty="0">
-                <a:latin typeface="Courier New" charset="0"/>
-                <a:ea typeface="굴림" charset="0"/>
-                <a:cs typeface="굴림" charset="0"/>
-              </a:rPr>
-            </a:br>
-            <a:r>
-              <a:rPr lang="en-US" altLang="ko-KR" sz="1600" b="0" dirty="0">
-                <a:latin typeface="Courier New" charset="0"/>
-                <a:ea typeface="굴림" charset="0"/>
-                <a:cs typeface="굴림" charset="0"/>
-              </a:rPr>
-              <a:t>	</a:t>
-            </a:r>
-            <a:r>
-              <a:rPr lang="en-US" altLang="ko-KR" sz="1600" b="0" dirty="0" err="1">
-                <a:latin typeface="Courier New" charset="0"/>
-                <a:ea typeface="굴림" charset="0"/>
-                <a:cs typeface="굴림" charset="0"/>
-              </a:rPr>
-              <a:t>mutex_unlock</a:t>
-            </a:r>
-            <a:r>
-              <a:rPr lang="en-US" altLang="ko-KR" sz="1600" b="0" dirty="0">
-                <a:latin typeface="Courier New" charset="0"/>
-                <a:ea typeface="굴림" charset="0"/>
-                <a:cs typeface="굴림" charset="0"/>
-              </a:rPr>
-              <a:t>(&amp;mutex);</a:t>
-            </a:r>
-            <a:br>
-              <a:rPr lang="en-US" altLang="ko-KR" sz="1600" b="0" dirty="0">
-                <a:latin typeface="Courier New" charset="0"/>
-                <a:ea typeface="굴림" charset="0"/>
-                <a:cs typeface="굴림" charset="0"/>
-              </a:rPr>
-            </a:br>
-            <a:r>
-              <a:rPr lang="en-US" altLang="ko-KR" sz="1600" b="0" dirty="0">
-                <a:latin typeface="Courier New" charset="0"/>
-                <a:ea typeface="굴림" charset="0"/>
-                <a:cs typeface="굴림" charset="0"/>
-              </a:rPr>
-              <a:t>}</a:t>
-            </a:r>
-            <a:endParaRPr sz="1600" b="0" dirty="0">
-              <a:latin typeface="Courier New" panose="02070309020205020404" pitchFamily="49" charset="0"/>
-              <a:cs typeface="Courier New" panose="02070309020205020404" pitchFamily="49" charset="0"/>
-            </a:endParaRPr>
-          </a:p>
-        </p:txBody>
-      </p:sp>
-      <p:sp>
-        <p:nvSpPr>
-          <p:cNvPr id="12" name="object 8">
-            <a:extLst>
-              <a:ext uri="{FF2B5EF4-FFF2-40B4-BE49-F238E27FC236}">
-                <a16:creationId xmlns:a16="http://schemas.microsoft.com/office/drawing/2014/main" id="{05885A82-E6F8-8F99-35D9-50E5AD76672B}"/>
-              </a:ext>
-            </a:extLst>
-          </p:cNvPr>
-          <p:cNvSpPr txBox="1"/>
-          <p:nvPr/>
-        </p:nvSpPr>
-        <p:spPr>
-          <a:xfrm>
-            <a:off x="6096000" y="1826446"/>
-            <a:ext cx="6019800" cy="4695131"/>
-          </a:xfrm>
-          <a:prstGeom prst="rect">
-            <a:avLst/>
-          </a:prstGeom>
-          <a:solidFill>
-            <a:schemeClr val="bg1"/>
-          </a:solidFill>
-          <a:ln w="12700">
-            <a:solidFill>
-              <a:srgbClr val="000000"/>
-            </a:solidFill>
-          </a:ln>
-        </p:spPr>
-        <p:txBody>
-          <a:bodyPr vert="horz" wrap="square" lIns="0" tIns="53340" rIns="0" bIns="0" rtlCol="0">
-            <a:spAutoFit/>
-          </a:bodyPr>
-          <a:lstStyle/>
-          <a:p>
-            <a:pPr>
-              <a:buNone/>
-              <a:tabLst>
-                <a:tab pos="576263" algn="l"/>
-                <a:tab pos="914400" algn="l"/>
-                <a:tab pos="1252538" algn="l"/>
-                <a:tab pos="1603375" algn="l"/>
-                <a:tab pos="4233863" algn="l"/>
-              </a:tabLst>
-            </a:pPr>
-            <a:r>
-              <a:rPr lang="en-US" altLang="ko-KR" sz="1600" b="0" dirty="0">
-                <a:latin typeface="Courier New" charset="0"/>
-                <a:ea typeface="굴림" charset="0"/>
-                <a:cs typeface="굴림" charset="0"/>
-              </a:rPr>
-              <a:t> Writer() {</a:t>
-            </a:r>
-            <a:br>
-              <a:rPr lang="en-US" altLang="ko-KR" sz="1600" b="0" dirty="0">
-                <a:latin typeface="Courier New" charset="0"/>
-                <a:ea typeface="굴림" charset="0"/>
-                <a:cs typeface="굴림" charset="0"/>
-              </a:rPr>
-            </a:br>
-            <a:r>
-              <a:rPr lang="en-US" altLang="ko-KR" sz="1600" b="0" dirty="0">
-                <a:latin typeface="Courier New" charset="0"/>
-                <a:ea typeface="굴림" charset="0"/>
-                <a:cs typeface="굴림" charset="0"/>
-              </a:rPr>
-              <a:t>	</a:t>
-            </a:r>
-            <a:r>
-              <a:rPr lang="en-US" altLang="ko-KR" sz="1600" b="0" dirty="0" err="1">
-                <a:latin typeface="Courier New" charset="0"/>
-                <a:ea typeface="굴림" charset="0"/>
-                <a:cs typeface="굴림" charset="0"/>
-              </a:rPr>
-              <a:t>mutex_lock</a:t>
-            </a:r>
-            <a:r>
-              <a:rPr lang="en-US" altLang="ko-KR" sz="1600" b="0" dirty="0">
-                <a:latin typeface="Courier New" charset="0"/>
-                <a:ea typeface="굴림" charset="0"/>
-                <a:cs typeface="굴림" charset="0"/>
-              </a:rPr>
-              <a:t>(&amp;mutex);</a:t>
-            </a:r>
-          </a:p>
-          <a:p>
-            <a:pPr>
-              <a:lnSpc>
-                <a:spcPct val="80000"/>
-              </a:lnSpc>
-              <a:buNone/>
-              <a:tabLst>
-                <a:tab pos="576263" algn="l"/>
-                <a:tab pos="914400" algn="l"/>
-                <a:tab pos="1252538" algn="l"/>
-                <a:tab pos="1603375" algn="l"/>
-                <a:tab pos="4171950" algn="l"/>
-              </a:tabLst>
-            </a:pPr>
-            <a:r>
-              <a:rPr lang="en-US" altLang="ko-KR" sz="1600" b="0" dirty="0">
-                <a:latin typeface="Courier New" charset="0"/>
-                <a:ea typeface="굴림" charset="0"/>
-                <a:cs typeface="굴림" charset="0"/>
-              </a:rPr>
-              <a:t>	while ((AW + AR) &gt; 0) {</a:t>
-            </a:r>
-            <a:r>
-              <a:rPr lang="en-US" altLang="ko-KR" sz="1600" b="0" dirty="0">
-                <a:solidFill>
-                  <a:schemeClr val="accent2"/>
-                </a:solidFill>
-                <a:latin typeface="Courier New" charset="0"/>
-                <a:ea typeface="굴림" charset="0"/>
-                <a:cs typeface="굴림" charset="0"/>
-              </a:rPr>
-              <a:t>//Is it safe to write?</a:t>
-            </a:r>
-            <a:br>
-              <a:rPr lang="en-US" altLang="ko-KR" sz="1600" b="0" dirty="0">
-                <a:latin typeface="Courier New" charset="0"/>
-                <a:ea typeface="굴림" charset="0"/>
-                <a:cs typeface="굴림" charset="0"/>
-              </a:rPr>
-            </a:br>
-            <a:r>
-              <a:rPr lang="en-US" altLang="ko-KR" sz="1600" b="0" dirty="0">
-                <a:latin typeface="Courier New" charset="0"/>
-                <a:ea typeface="굴림" charset="0"/>
-                <a:cs typeface="굴림" charset="0"/>
-              </a:rPr>
-              <a:t>		WW++;	</a:t>
-            </a:r>
-            <a:r>
-              <a:rPr lang="en-US" altLang="ko-KR" sz="1600" b="0" dirty="0">
-                <a:solidFill>
-                  <a:schemeClr val="accent2"/>
-                </a:solidFill>
-                <a:latin typeface="Courier New" charset="0"/>
-                <a:ea typeface="굴림" charset="0"/>
-                <a:cs typeface="굴림" charset="0"/>
-              </a:rPr>
-              <a:t>//No. Active users exist</a:t>
-            </a:r>
-            <a:br>
-              <a:rPr lang="en-US" altLang="ko-KR" sz="1600" b="0" dirty="0">
-                <a:latin typeface="Courier New" charset="0"/>
-                <a:ea typeface="굴림" charset="0"/>
-                <a:cs typeface="굴림" charset="0"/>
-              </a:rPr>
-            </a:br>
-            <a:r>
-              <a:rPr lang="en-US" altLang="ko-KR" sz="1600" b="0" dirty="0">
-                <a:latin typeface="Courier New" charset="0"/>
-                <a:ea typeface="굴림" charset="0"/>
-                <a:cs typeface="굴림" charset="0"/>
-              </a:rPr>
-              <a:t>		</a:t>
-            </a:r>
-            <a:r>
-              <a:rPr lang="en-US" altLang="ko-KR" sz="1600" b="0" dirty="0" err="1">
-                <a:latin typeface="Courier New" charset="0"/>
-                <a:ea typeface="굴림" charset="0"/>
-                <a:cs typeface="굴림" charset="0"/>
-              </a:rPr>
-              <a:t>cond_wait</a:t>
-            </a:r>
-            <a:r>
-              <a:rPr lang="en-US" altLang="ko-KR" sz="1600" b="0" dirty="0">
-                <a:latin typeface="Courier New" charset="0"/>
-                <a:ea typeface="굴림" charset="0"/>
-                <a:cs typeface="굴림" charset="0"/>
-              </a:rPr>
-              <a:t>(&amp;</a:t>
-            </a:r>
-            <a:r>
-              <a:rPr lang="en-US" altLang="ko-KR" sz="1600" b="0" dirty="0" err="1">
-                <a:latin typeface="Courier New" charset="0"/>
-                <a:ea typeface="굴림" charset="0"/>
-                <a:cs typeface="굴림" charset="0"/>
-              </a:rPr>
-              <a:t>okToWrite</a:t>
-            </a:r>
-            <a:r>
-              <a:rPr lang="en-US" altLang="ko-KR" sz="1600" b="0" dirty="0">
-                <a:latin typeface="Courier New" charset="0"/>
-                <a:ea typeface="굴림" charset="0"/>
-                <a:cs typeface="굴림" charset="0"/>
-              </a:rPr>
-              <a:t>,&amp;mutex);</a:t>
-            </a:r>
-            <a:br>
-              <a:rPr lang="en-US" altLang="ko-KR" sz="1600" b="0" dirty="0">
-                <a:latin typeface="Courier New" charset="0"/>
-                <a:ea typeface="굴림" charset="0"/>
-                <a:cs typeface="굴림" charset="0"/>
-              </a:rPr>
-            </a:br>
-            <a:r>
-              <a:rPr lang="en-US" altLang="ko-KR" sz="1600" b="0" dirty="0">
-                <a:latin typeface="Courier New" charset="0"/>
-                <a:ea typeface="굴림" charset="0"/>
-                <a:cs typeface="굴림" charset="0"/>
-              </a:rPr>
-              <a:t>		WW--;	</a:t>
-            </a:r>
-            <a:r>
-              <a:rPr lang="en-US" altLang="ko-KR" sz="1600" b="0" dirty="0">
-                <a:solidFill>
-                  <a:schemeClr val="accent2"/>
-                </a:solidFill>
-                <a:latin typeface="Courier New" charset="0"/>
-                <a:ea typeface="굴림" charset="0"/>
-                <a:cs typeface="굴림" charset="0"/>
-              </a:rPr>
-              <a:t>//No longer waiting</a:t>
-            </a:r>
-            <a:br>
-              <a:rPr lang="en-US" altLang="ko-KR" sz="1600" b="0" dirty="0">
-                <a:latin typeface="Courier New" charset="0"/>
-                <a:ea typeface="굴림" charset="0"/>
-                <a:cs typeface="굴림" charset="0"/>
-              </a:rPr>
-            </a:br>
-            <a:r>
-              <a:rPr lang="en-US" altLang="ko-KR" sz="1600" b="0" dirty="0">
-                <a:latin typeface="Courier New" charset="0"/>
-                <a:ea typeface="굴림" charset="0"/>
-                <a:cs typeface="굴림" charset="0"/>
-              </a:rPr>
-              <a:t>	}</a:t>
-            </a:r>
-          </a:p>
-          <a:p>
-            <a:pPr>
-              <a:lnSpc>
-                <a:spcPct val="80000"/>
-              </a:lnSpc>
-              <a:buNone/>
-              <a:tabLst>
-                <a:tab pos="576263" algn="l"/>
-                <a:tab pos="914400" algn="l"/>
-                <a:tab pos="1252538" algn="l"/>
-                <a:tab pos="1603375" algn="l"/>
-                <a:tab pos="4171950" algn="l"/>
-              </a:tabLst>
-            </a:pPr>
-            <a:r>
-              <a:rPr lang="en-US" altLang="ko-KR" sz="1600" b="0" dirty="0">
-                <a:latin typeface="Courier New" charset="0"/>
-                <a:ea typeface="굴림" charset="0"/>
-                <a:cs typeface="굴림" charset="0"/>
-              </a:rPr>
-              <a:t>	AW++;	</a:t>
-            </a:r>
-            <a:r>
-              <a:rPr lang="en-US" altLang="ko-KR" sz="1600" b="0" dirty="0">
-                <a:solidFill>
-                  <a:schemeClr val="accent2"/>
-                </a:solidFill>
-                <a:latin typeface="Courier New" charset="0"/>
-                <a:ea typeface="굴림" charset="0"/>
-                <a:cs typeface="굴림" charset="0"/>
-              </a:rPr>
-              <a:t>//</a:t>
-            </a:r>
-            <a:r>
-              <a:rPr lang="en-US" altLang="zh-CN" sz="1600" b="0" dirty="0">
-                <a:solidFill>
-                  <a:schemeClr val="accent2"/>
-                </a:solidFill>
-                <a:latin typeface="Courier New" charset="0"/>
-                <a:ea typeface="굴림" charset="0"/>
-                <a:cs typeface="굴림" charset="0"/>
-              </a:rPr>
-              <a:t>Writer</a:t>
-            </a:r>
-            <a:r>
-              <a:rPr lang="en-US" altLang="ko-KR" sz="1600" b="0" dirty="0">
-                <a:solidFill>
-                  <a:schemeClr val="accent2"/>
-                </a:solidFill>
-                <a:latin typeface="Courier New" charset="0"/>
-                <a:ea typeface="굴림" charset="0"/>
-                <a:cs typeface="굴림" charset="0"/>
-              </a:rPr>
-              <a:t> active!</a:t>
-            </a:r>
-            <a:br>
-              <a:rPr lang="en-US" altLang="ko-KR" sz="1600" b="0" dirty="0">
-                <a:latin typeface="Courier New" charset="0"/>
-                <a:ea typeface="굴림" charset="0"/>
-                <a:cs typeface="굴림" charset="0"/>
-              </a:rPr>
-            </a:br>
-            <a:r>
-              <a:rPr lang="en-US" altLang="ko-KR" sz="1600" b="0" dirty="0">
-                <a:latin typeface="Courier New" charset="0"/>
-                <a:ea typeface="굴림" charset="0"/>
-                <a:cs typeface="굴림" charset="0"/>
-              </a:rPr>
-              <a:t>	</a:t>
-            </a:r>
-            <a:r>
-              <a:rPr lang="en-US" altLang="ko-KR" sz="1600" b="0" dirty="0" err="1">
-                <a:latin typeface="Courier New" charset="0"/>
-                <a:ea typeface="굴림" charset="0"/>
-                <a:cs typeface="굴림" charset="0"/>
-              </a:rPr>
-              <a:t>mutex_unlock</a:t>
-            </a:r>
-            <a:r>
-              <a:rPr lang="en-US" altLang="ko-KR" sz="1600" b="0" dirty="0">
-                <a:latin typeface="Courier New" charset="0"/>
-                <a:ea typeface="굴림" charset="0"/>
-                <a:cs typeface="굴림" charset="0"/>
-              </a:rPr>
-              <a:t>(&amp;mutex);	</a:t>
-            </a:r>
-            <a:r>
-              <a:rPr lang="en-US" altLang="ko-KR" sz="1600" b="0" dirty="0" err="1">
-                <a:latin typeface="Courier New" charset="0"/>
-                <a:ea typeface="굴림" charset="0"/>
-                <a:cs typeface="굴림" charset="0"/>
-              </a:rPr>
-              <a:t>AccessDatabase</a:t>
-            </a:r>
-            <a:r>
-              <a:rPr lang="en-US" altLang="ko-KR" sz="1600" b="0" dirty="0">
-                <a:latin typeface="Courier New" charset="0"/>
-                <a:ea typeface="굴림" charset="0"/>
-                <a:cs typeface="굴림" charset="0"/>
-              </a:rPr>
-              <a:t>(</a:t>
-            </a:r>
-            <a:r>
-              <a:rPr lang="en-US" altLang="ko-KR" sz="1600" b="0" dirty="0" err="1">
-                <a:latin typeface="Courier New" charset="0"/>
-                <a:ea typeface="굴림" charset="0"/>
-                <a:cs typeface="굴림" charset="0"/>
-              </a:rPr>
-              <a:t>ReadWrite</a:t>
-            </a:r>
-            <a:r>
-              <a:rPr lang="en-US" altLang="ko-KR" sz="1600" b="0" dirty="0">
-                <a:latin typeface="Courier New" charset="0"/>
-                <a:ea typeface="굴림" charset="0"/>
-                <a:cs typeface="굴림" charset="0"/>
-              </a:rPr>
-              <a:t>);</a:t>
-            </a:r>
-          </a:p>
-          <a:p>
-            <a:pPr>
-              <a:lnSpc>
-                <a:spcPct val="80000"/>
-              </a:lnSpc>
-              <a:tabLst>
-                <a:tab pos="576263" algn="l"/>
-                <a:tab pos="914400" algn="l"/>
-                <a:tab pos="1252538" algn="l"/>
-                <a:tab pos="1603375" algn="l"/>
-                <a:tab pos="4171950" algn="l"/>
-              </a:tabLst>
-            </a:pPr>
-            <a:r>
-              <a:rPr lang="en-US" altLang="ko-KR" sz="1600" b="0" dirty="0">
-                <a:latin typeface="Courier New" charset="0"/>
-                <a:ea typeface="굴림" charset="0"/>
-                <a:cs typeface="굴림" charset="0"/>
-              </a:rPr>
-              <a:t>	</a:t>
-            </a:r>
-            <a:r>
-              <a:rPr lang="en-US" altLang="ko-KR" sz="1600" b="0" dirty="0" err="1">
-                <a:latin typeface="Courier New" charset="0"/>
-                <a:ea typeface="굴림" charset="0"/>
-                <a:cs typeface="굴림" charset="0"/>
-              </a:rPr>
-              <a:t>mutex_lock</a:t>
-            </a:r>
-            <a:r>
-              <a:rPr lang="en-US" altLang="ko-KR" sz="1600" b="0" dirty="0">
-                <a:latin typeface="Courier New" charset="0"/>
-                <a:ea typeface="굴림" charset="0"/>
-                <a:cs typeface="굴림" charset="0"/>
-              </a:rPr>
-              <a:t>(&amp;mutex);</a:t>
-            </a:r>
-            <a:br>
-              <a:rPr lang="en-US" altLang="ko-KR" sz="1600" b="0" dirty="0">
-                <a:latin typeface="Courier New" charset="0"/>
-                <a:ea typeface="굴림" charset="0"/>
-                <a:cs typeface="굴림" charset="0"/>
-              </a:rPr>
-            </a:br>
-            <a:r>
-              <a:rPr lang="en-US" altLang="ko-KR" sz="1600" b="0" dirty="0">
-                <a:latin typeface="Courier New" charset="0"/>
-                <a:ea typeface="굴림" charset="0"/>
-                <a:cs typeface="굴림" charset="0"/>
-              </a:rPr>
-              <a:t>	AW--;		</a:t>
-            </a:r>
-            <a:r>
-              <a:rPr lang="en-US" altLang="ko-KR" sz="1600" b="0" dirty="0">
-                <a:solidFill>
-                  <a:schemeClr val="accent2"/>
-                </a:solidFill>
-                <a:latin typeface="Courier New" charset="0"/>
-                <a:ea typeface="굴림" charset="0"/>
-                <a:cs typeface="굴림" charset="0"/>
-              </a:rPr>
-              <a:t>//No longer active</a:t>
-            </a:r>
-            <a:br>
-              <a:rPr lang="en-US" altLang="ko-KR" sz="1600" b="0" dirty="0">
-                <a:latin typeface="Courier New" charset="0"/>
-                <a:ea typeface="굴림" charset="0"/>
-                <a:cs typeface="굴림" charset="0"/>
-              </a:rPr>
-            </a:br>
-            <a:r>
-              <a:rPr lang="en-US" altLang="ko-KR" sz="1600" b="0" dirty="0">
-                <a:solidFill>
-                  <a:srgbClr val="FF0000"/>
-                </a:solidFill>
-                <a:latin typeface="Courier New" charset="0"/>
-                <a:ea typeface="굴림" charset="0"/>
-                <a:cs typeface="굴림" charset="0"/>
-              </a:rPr>
-              <a:t>     if (WR &gt; 0) </a:t>
-            </a:r>
-            <a:r>
-              <a:rPr lang="en-US" altLang="ko-KR" sz="1600" b="0" dirty="0">
-                <a:latin typeface="Courier New" charset="0"/>
-                <a:ea typeface="굴림" charset="0"/>
-                <a:cs typeface="굴림" charset="0"/>
-              </a:rPr>
-              <a:t>{</a:t>
-            </a:r>
-            <a:r>
-              <a:rPr lang="en-US" altLang="ko-KR" sz="1600" b="0" dirty="0">
-                <a:solidFill>
-                  <a:schemeClr val="accent2"/>
-                </a:solidFill>
-                <a:latin typeface="Courier New" charset="0"/>
-                <a:ea typeface="굴림" charset="0"/>
-                <a:cs typeface="굴림" charset="0"/>
-              </a:rPr>
-              <a:t>//Wake all readers</a:t>
-            </a:r>
-            <a:br>
-              <a:rPr lang="en-US" altLang="ko-KR" sz="1600" b="0" dirty="0">
-                <a:latin typeface="Courier New" charset="0"/>
-                <a:ea typeface="굴림" charset="0"/>
-                <a:cs typeface="굴림" charset="0"/>
-              </a:rPr>
-            </a:br>
-            <a:r>
-              <a:rPr lang="en-US" altLang="ko-KR" sz="1600" b="0" dirty="0">
-                <a:latin typeface="Courier New" charset="0"/>
-                <a:ea typeface="굴림" charset="0"/>
-                <a:cs typeface="굴림" charset="0"/>
-              </a:rPr>
-              <a:t>		</a:t>
-            </a:r>
-            <a:r>
-              <a:rPr lang="en-US" altLang="ko-KR" sz="1600" b="0" dirty="0" err="1">
-                <a:latin typeface="Courier New" charset="0"/>
-                <a:ea typeface="굴림" charset="0"/>
-                <a:cs typeface="굴림" charset="0"/>
-              </a:rPr>
-              <a:t>cond_broadcast</a:t>
-            </a:r>
-            <a:r>
-              <a:rPr lang="en-US" altLang="ko-KR" sz="1600" b="0" dirty="0">
-                <a:latin typeface="Courier New" charset="0"/>
-                <a:ea typeface="굴림" charset="0"/>
-                <a:cs typeface="굴림" charset="0"/>
-              </a:rPr>
-              <a:t>(&amp;</a:t>
-            </a:r>
-            <a:r>
-              <a:rPr lang="en-US" altLang="ko-KR" sz="1600" b="0" dirty="0" err="1">
-                <a:latin typeface="Courier New" charset="0"/>
-                <a:ea typeface="굴림" charset="0"/>
-                <a:cs typeface="굴림" charset="0"/>
-              </a:rPr>
-              <a:t>okToRead</a:t>
-            </a:r>
-            <a:r>
-              <a:rPr lang="en-US" altLang="ko-KR" sz="1600" b="0" dirty="0">
-                <a:latin typeface="Courier New" charset="0"/>
-                <a:ea typeface="굴림" charset="0"/>
-                <a:cs typeface="굴림" charset="0"/>
-              </a:rPr>
-              <a:t>);</a:t>
-            </a:r>
-            <a:r>
-              <a:rPr lang="en-US" altLang="ko-KR" sz="1600" b="0" dirty="0">
-                <a:solidFill>
-                  <a:schemeClr val="accent2"/>
-                </a:solidFill>
-                <a:latin typeface="Courier New" charset="0"/>
-                <a:ea typeface="굴림" charset="0"/>
-                <a:cs typeface="굴림" charset="0"/>
-              </a:rPr>
-              <a:t>//Wake all readers</a:t>
-            </a:r>
-            <a:br>
-              <a:rPr lang="en-US" altLang="ko-KR" sz="1600" b="0" dirty="0">
-                <a:latin typeface="Courier New" charset="0"/>
-                <a:ea typeface="굴림" charset="0"/>
-                <a:cs typeface="굴림" charset="0"/>
-              </a:rPr>
-            </a:br>
-            <a:r>
-              <a:rPr lang="en-US" altLang="ko-KR" sz="1600" b="0" dirty="0">
-                <a:solidFill>
-                  <a:srgbClr val="FF0000"/>
-                </a:solidFill>
-                <a:latin typeface="Courier New" charset="0"/>
-                <a:ea typeface="굴림" charset="0"/>
-                <a:cs typeface="굴림" charset="0"/>
-              </a:rPr>
-              <a:t>	} else if (WW &gt; 0){</a:t>
-            </a:r>
-            <a:r>
-              <a:rPr lang="en-US" altLang="ko-KR" sz="1600" b="0" dirty="0">
-                <a:solidFill>
-                  <a:schemeClr val="accent2"/>
-                </a:solidFill>
-                <a:latin typeface="Courier New" charset="0"/>
-                <a:ea typeface="굴림" charset="0"/>
-                <a:cs typeface="굴림" charset="0"/>
-              </a:rPr>
-              <a:t>Otherwise, wake one writer</a:t>
-            </a:r>
-            <a:br>
-              <a:rPr lang="en-US" altLang="ko-KR" sz="1600" b="0" dirty="0">
-                <a:latin typeface="Courier New" charset="0"/>
-                <a:ea typeface="굴림" charset="0"/>
-                <a:cs typeface="굴림" charset="0"/>
-              </a:rPr>
-            </a:br>
-            <a:r>
-              <a:rPr lang="en-US" altLang="ko-KR" sz="1600" b="0" dirty="0">
-                <a:latin typeface="Courier New" charset="0"/>
-                <a:ea typeface="굴림" charset="0"/>
-                <a:cs typeface="굴림" charset="0"/>
-              </a:rPr>
-              <a:t>		</a:t>
-            </a:r>
-            <a:r>
-              <a:rPr lang="en-US" altLang="ko-KR" sz="1600" b="0" dirty="0" err="1">
-                <a:latin typeface="Courier New" charset="0"/>
-                <a:ea typeface="굴림" charset="0"/>
-                <a:cs typeface="굴림" charset="0"/>
-              </a:rPr>
-              <a:t>cond_signal</a:t>
-            </a:r>
-            <a:r>
-              <a:rPr lang="en-US" altLang="ko-KR" sz="1600" b="0" dirty="0">
-                <a:latin typeface="Courier New" charset="0"/>
-                <a:ea typeface="굴림" charset="0"/>
-                <a:cs typeface="굴림" charset="0"/>
-              </a:rPr>
-              <a:t>(&amp;</a:t>
-            </a:r>
-            <a:r>
-              <a:rPr lang="en-US" altLang="ko-KR" sz="1600" b="0" dirty="0" err="1">
-                <a:latin typeface="Courier New" charset="0"/>
-                <a:ea typeface="굴림" charset="0"/>
-                <a:cs typeface="굴림" charset="0"/>
-              </a:rPr>
-              <a:t>okToWrite</a:t>
-            </a:r>
-            <a:r>
-              <a:rPr lang="en-US" altLang="ko-KR" sz="1600" b="0" dirty="0">
-                <a:latin typeface="Courier New" charset="0"/>
-                <a:ea typeface="굴림" charset="0"/>
-                <a:cs typeface="굴림" charset="0"/>
-              </a:rPr>
-              <a:t>);</a:t>
-            </a:r>
-            <a:r>
-              <a:rPr lang="en-US" altLang="ko-KR" sz="1600" b="0" dirty="0">
-                <a:solidFill>
-                  <a:schemeClr val="accent2"/>
-                </a:solidFill>
-                <a:latin typeface="Courier New" charset="0"/>
-                <a:ea typeface="굴림" charset="0"/>
-                <a:cs typeface="굴림" charset="0"/>
-              </a:rPr>
-              <a:t>//Wake up one writer</a:t>
-            </a:r>
-            <a:br>
-              <a:rPr lang="en-US" altLang="ko-KR" sz="1600" b="0" dirty="0">
-                <a:latin typeface="Courier New" charset="0"/>
-                <a:ea typeface="굴림" charset="0"/>
-                <a:cs typeface="굴림" charset="0"/>
-              </a:rPr>
-            </a:br>
-            <a:r>
-              <a:rPr lang="en-US" altLang="ko-KR" sz="1600" b="0" dirty="0">
-                <a:latin typeface="Courier New" charset="0"/>
-                <a:ea typeface="굴림" charset="0"/>
-                <a:cs typeface="굴림" charset="0"/>
-              </a:rPr>
-              <a:t>	} </a:t>
-            </a:r>
-            <a:br>
-              <a:rPr lang="en-US" altLang="ko-KR" sz="1600" b="0" dirty="0">
-                <a:latin typeface="Courier New" charset="0"/>
-                <a:ea typeface="굴림" charset="0"/>
-                <a:cs typeface="굴림" charset="0"/>
-              </a:rPr>
-            </a:br>
-            <a:r>
-              <a:rPr lang="en-US" altLang="ko-KR" sz="1600" b="0" dirty="0">
-                <a:latin typeface="Courier New" charset="0"/>
-                <a:ea typeface="굴림" charset="0"/>
-                <a:cs typeface="굴림" charset="0"/>
-              </a:rPr>
-              <a:t>	</a:t>
-            </a:r>
-            <a:r>
-              <a:rPr lang="en-US" altLang="ko-KR" sz="1600" b="0" dirty="0" err="1">
-                <a:latin typeface="Courier New" charset="0"/>
-                <a:ea typeface="굴림" charset="0"/>
-                <a:cs typeface="굴림" charset="0"/>
-              </a:rPr>
-              <a:t>mutex_unlock</a:t>
-            </a:r>
-            <a:r>
-              <a:rPr lang="en-US" altLang="ko-KR" sz="1600" b="0" dirty="0">
-                <a:latin typeface="Courier New" charset="0"/>
-                <a:ea typeface="굴림" charset="0"/>
-                <a:cs typeface="굴림" charset="0"/>
-              </a:rPr>
-              <a:t>(&amp;mutex);</a:t>
-            </a:r>
-            <a:br>
-              <a:rPr lang="en-US" altLang="ko-KR" sz="1600" b="0" dirty="0">
-                <a:latin typeface="Courier New" charset="0"/>
-                <a:ea typeface="굴림" charset="0"/>
-                <a:cs typeface="굴림" charset="0"/>
-              </a:rPr>
-            </a:br>
-            <a:r>
-              <a:rPr lang="en-US" altLang="ko-KR" sz="1600" b="0" dirty="0">
-                <a:latin typeface="Courier New" charset="0"/>
-                <a:ea typeface="굴림" charset="0"/>
-                <a:cs typeface="굴림" charset="0"/>
-              </a:rPr>
-              <a:t>}</a:t>
-            </a:r>
-            <a:endParaRPr sz="1600" b="0" dirty="0">
-              <a:latin typeface="Courier New" panose="02070309020205020404" pitchFamily="49" charset="0"/>
-              <a:cs typeface="Courier New" panose="02070309020205020404" pitchFamily="49" charset="0"/>
-            </a:endParaRPr>
-          </a:p>
-        </p:txBody>
-      </p:sp>
-      <p:sp>
-        <p:nvSpPr>
-          <p:cNvPr id="13" name="object 8">
-            <a:extLst>
-              <a:ext uri="{FF2B5EF4-FFF2-40B4-BE49-F238E27FC236}">
-                <a16:creationId xmlns:a16="http://schemas.microsoft.com/office/drawing/2014/main" id="{8EAFBFF4-1105-84AF-8C55-F69DC330CBAF}"/>
-              </a:ext>
-            </a:extLst>
-          </p:cNvPr>
-          <p:cNvSpPr txBox="1"/>
-          <p:nvPr/>
-        </p:nvSpPr>
-        <p:spPr>
-          <a:xfrm>
-            <a:off x="3779728" y="221412"/>
-            <a:ext cx="4572000" cy="1531188"/>
-          </a:xfrm>
-          <a:prstGeom prst="rect">
-            <a:avLst/>
-          </a:prstGeom>
-          <a:solidFill>
-            <a:schemeClr val="bg1"/>
-          </a:solidFill>
-          <a:ln w="12700">
-            <a:solidFill>
-              <a:srgbClr val="000000"/>
-            </a:solidFill>
-          </a:ln>
-        </p:spPr>
-        <p:txBody>
-          <a:bodyPr vert="horz" wrap="square" lIns="0" tIns="53340" rIns="0" bIns="0" rtlCol="0">
-            <a:spAutoFit/>
-          </a:bodyPr>
-          <a:lstStyle/>
-          <a:p>
-            <a:pPr>
-              <a:buNone/>
-              <a:tabLst>
-                <a:tab pos="576263" algn="l"/>
-                <a:tab pos="914400" algn="l"/>
-                <a:tab pos="1252538" algn="l"/>
-                <a:tab pos="1603375" algn="l"/>
-                <a:tab pos="4233863" algn="l"/>
-              </a:tabLst>
-            </a:pPr>
-            <a:r>
-              <a:rPr lang="en-GB" sz="1600" b="0" dirty="0">
-                <a:latin typeface="Courier New" panose="02070309020205020404" pitchFamily="49" charset="0"/>
-                <a:cs typeface="Courier New" panose="02070309020205020404" pitchFamily="49" charset="0"/>
-              </a:rPr>
-              <a:t>int AR=0: Number of active readers; </a:t>
-            </a:r>
-          </a:p>
-          <a:p>
-            <a:pPr>
-              <a:buNone/>
-              <a:tabLst>
-                <a:tab pos="576263" algn="l"/>
-                <a:tab pos="914400" algn="l"/>
-                <a:tab pos="1252538" algn="l"/>
-                <a:tab pos="1603375" algn="l"/>
-                <a:tab pos="4233863" algn="l"/>
-              </a:tabLst>
-            </a:pPr>
-            <a:r>
-              <a:rPr lang="en-GB" sz="1600" b="0" dirty="0">
-                <a:latin typeface="Courier New" panose="02070309020205020404" pitchFamily="49" charset="0"/>
-                <a:cs typeface="Courier New" panose="02070309020205020404" pitchFamily="49" charset="0"/>
-              </a:rPr>
-              <a:t>int WR=0: Number of waiting readers; </a:t>
-            </a:r>
-          </a:p>
-          <a:p>
-            <a:pPr>
-              <a:buNone/>
-              <a:tabLst>
-                <a:tab pos="576263" algn="l"/>
-                <a:tab pos="914400" algn="l"/>
-                <a:tab pos="1252538" algn="l"/>
-                <a:tab pos="1603375" algn="l"/>
-                <a:tab pos="4233863" algn="l"/>
-              </a:tabLst>
-            </a:pPr>
-            <a:r>
-              <a:rPr lang="en-GB" sz="1600" b="0" dirty="0">
-                <a:latin typeface="Courier New" panose="02070309020205020404" pitchFamily="49" charset="0"/>
-                <a:cs typeface="Courier New" panose="02070309020205020404" pitchFamily="49" charset="0"/>
-              </a:rPr>
-              <a:t>int AW=0: Number of active writers;</a:t>
-            </a:r>
-          </a:p>
-          <a:p>
-            <a:pPr>
-              <a:buNone/>
-              <a:tabLst>
-                <a:tab pos="576263" algn="l"/>
-                <a:tab pos="914400" algn="l"/>
-                <a:tab pos="1252538" algn="l"/>
-                <a:tab pos="1603375" algn="l"/>
-                <a:tab pos="4233863" algn="l"/>
-              </a:tabLst>
-            </a:pPr>
-            <a:r>
-              <a:rPr lang="en-GB" sz="1600" b="0" dirty="0">
-                <a:latin typeface="Courier New" panose="02070309020205020404" pitchFamily="49" charset="0"/>
-                <a:cs typeface="Courier New" panose="02070309020205020404" pitchFamily="49" charset="0"/>
-              </a:rPr>
-              <a:t>int WW=0: Number of waiting writers; </a:t>
-            </a:r>
-          </a:p>
-          <a:p>
-            <a:pPr>
-              <a:buNone/>
-              <a:tabLst>
-                <a:tab pos="576263" algn="l"/>
-                <a:tab pos="914400" algn="l"/>
-                <a:tab pos="1252538" algn="l"/>
-                <a:tab pos="1603375" algn="l"/>
-                <a:tab pos="4233863" algn="l"/>
-              </a:tabLst>
-            </a:pPr>
-            <a:r>
-              <a:rPr lang="en-GB" sz="1600" b="0" dirty="0">
-                <a:latin typeface="Courier New" panose="02070309020205020404" pitchFamily="49" charset="0"/>
-                <a:cs typeface="Courier New" panose="02070309020205020404" pitchFamily="49" charset="0"/>
-              </a:rPr>
-              <a:t>Condition </a:t>
-            </a:r>
-            <a:r>
-              <a:rPr lang="en-GB" sz="1600" b="0" dirty="0" err="1">
-                <a:latin typeface="Courier New" panose="02070309020205020404" pitchFamily="49" charset="0"/>
-                <a:cs typeface="Courier New" panose="02070309020205020404" pitchFamily="49" charset="0"/>
-              </a:rPr>
-              <a:t>okToRead</a:t>
-            </a:r>
-            <a:r>
-              <a:rPr lang="en-GB" sz="1600" b="0" dirty="0">
-                <a:latin typeface="Courier New" panose="02070309020205020404" pitchFamily="49" charset="0"/>
-                <a:cs typeface="Courier New" panose="02070309020205020404" pitchFamily="49" charset="0"/>
-              </a:rPr>
-              <a:t>, </a:t>
-            </a:r>
-            <a:r>
-              <a:rPr lang="en-GB" sz="1600" b="0" dirty="0" err="1">
-                <a:latin typeface="Courier New" panose="02070309020205020404" pitchFamily="49" charset="0"/>
-                <a:cs typeface="Courier New" panose="02070309020205020404" pitchFamily="49" charset="0"/>
-              </a:rPr>
-              <a:t>okToWrite</a:t>
-            </a:r>
-            <a:r>
-              <a:rPr lang="en-GB" sz="1600" b="0" dirty="0">
-                <a:latin typeface="Courier New" panose="02070309020205020404" pitchFamily="49" charset="0"/>
-                <a:cs typeface="Courier New" panose="02070309020205020404" pitchFamily="49" charset="0"/>
-              </a:rPr>
-              <a:t>;</a:t>
-            </a:r>
-          </a:p>
-          <a:p>
-            <a:pPr>
-              <a:buNone/>
-              <a:tabLst>
-                <a:tab pos="576263" algn="l"/>
-                <a:tab pos="914400" algn="l"/>
-                <a:tab pos="1252538" algn="l"/>
-                <a:tab pos="1603375" algn="l"/>
-                <a:tab pos="4233863" algn="l"/>
-              </a:tabLst>
-            </a:pPr>
-            <a:r>
-              <a:rPr lang="en-US" altLang="zh-CN" sz="1600" b="0" kern="0" dirty="0" err="1">
-                <a:latin typeface="Courier New" panose="02070309020205020404" pitchFamily="49" charset="0"/>
-                <a:cs typeface="Courier New" panose="02070309020205020404" pitchFamily="49" charset="0"/>
-              </a:rPr>
-              <a:t>mutex_t</a:t>
-            </a:r>
-            <a:r>
-              <a:rPr lang="en-US" altLang="zh-CN" sz="1600" b="0" kern="0" dirty="0">
-                <a:latin typeface="Courier New" panose="02070309020205020404" pitchFamily="49" charset="0"/>
-                <a:cs typeface="Courier New" panose="02070309020205020404" pitchFamily="49" charset="0"/>
-              </a:rPr>
-              <a:t> mutex = 1;</a:t>
-            </a:r>
-            <a:endParaRPr lang="en-GB" sz="1600" b="0" dirty="0">
-              <a:latin typeface="Courier New" panose="02070309020205020404" pitchFamily="49" charset="0"/>
-              <a:cs typeface="Courier New" panose="02070309020205020404" pitchFamily="49" charset="0"/>
-            </a:endParaRPr>
-          </a:p>
-        </p:txBody>
-      </p:sp>
-      <p:sp>
-        <p:nvSpPr>
-          <p:cNvPr id="6" name="Title 1">
-            <a:extLst>
-              <a:ext uri="{FF2B5EF4-FFF2-40B4-BE49-F238E27FC236}">
-                <a16:creationId xmlns:a16="http://schemas.microsoft.com/office/drawing/2014/main" id="{BCFDE9A8-846A-8E62-C1D4-2F7CC17D8562}"/>
-              </a:ext>
-            </a:extLst>
-          </p:cNvPr>
-          <p:cNvSpPr>
-            <a:spLocks noGrp="1"/>
-          </p:cNvSpPr>
-          <p:nvPr>
-            <p:ph type="title"/>
-          </p:nvPr>
-        </p:nvSpPr>
-        <p:spPr>
-          <a:xfrm>
-            <a:off x="-152400" y="115467"/>
-            <a:ext cx="3962400" cy="533400"/>
-          </a:xfrm>
-        </p:spPr>
-        <p:txBody>
-          <a:bodyPr/>
-          <a:lstStyle/>
-          <a:p>
-            <a:r>
-              <a:rPr lang="en-GB" sz="2000" dirty="0"/>
-              <a:t>Readers/Writers Solution</a:t>
-            </a:r>
-            <a:br>
-              <a:rPr lang="en-GB" sz="2000" dirty="0"/>
-            </a:br>
-            <a:r>
-              <a:rPr lang="en-GB" sz="2000" dirty="0"/>
-              <a:t>using Monitors, Prefers Writers</a:t>
-            </a:r>
-            <a:endParaRPr lang="en-SE" sz="2000" dirty="0"/>
-          </a:p>
-        </p:txBody>
-      </p:sp>
-      <p:sp>
-        <p:nvSpPr>
-          <p:cNvPr id="8" name="Plassholder for lysbildenummer 5">
-            <a:extLst>
-              <a:ext uri="{FF2B5EF4-FFF2-40B4-BE49-F238E27FC236}">
-                <a16:creationId xmlns:a16="http://schemas.microsoft.com/office/drawing/2014/main" id="{5EE25995-45E4-E26F-7509-B47B46E6C8B2}"/>
-              </a:ext>
-            </a:extLst>
-          </p:cNvPr>
-          <p:cNvSpPr txBox="1">
-            <a:spLocks/>
-          </p:cNvSpPr>
-          <p:nvPr/>
-        </p:nvSpPr>
-        <p:spPr>
-          <a:xfrm>
-            <a:off x="11734800" y="6492875"/>
-            <a:ext cx="456108" cy="365125"/>
-          </a:xfrm>
-          <a:prstGeom prst="rect">
-            <a:avLst/>
-          </a:prstGeom>
-        </p:spPr>
-        <p:txBody>
-          <a:bodyPr/>
-          <a:lstStyle>
-            <a:defPPr>
-              <a:defRPr lang="nb-NO"/>
-            </a:defPPr>
-            <a:lvl1pPr marL="0" algn="l" defTabSz="457200" rtl="0" eaLnBrk="1" latinLnBrk="0" hangingPunct="1">
-              <a:defRPr sz="1000" kern="1200">
-                <a:solidFill>
-                  <a:schemeClr val="bg1"/>
-                </a:solidFill>
-                <a:latin typeface="+mn-lt"/>
-                <a:ea typeface="+mn-ea"/>
-                <a:cs typeface="+mn-cs"/>
-              </a:defRPr>
-            </a:lvl1pPr>
-            <a:lvl2pPr marL="457200" algn="l" defTabSz="457200" rtl="0" eaLnBrk="1" latinLnBrk="0" hangingPunct="1">
-              <a:defRPr sz="1800" kern="1200">
-                <a:solidFill>
-                  <a:schemeClr val="tx1"/>
-                </a:solidFill>
-                <a:latin typeface="+mn-lt"/>
-                <a:ea typeface="+mn-ea"/>
-                <a:cs typeface="+mn-cs"/>
-              </a:defRPr>
-            </a:lvl2pPr>
-            <a:lvl3pPr marL="914400" algn="l" defTabSz="457200" rtl="0" eaLnBrk="1" latinLnBrk="0" hangingPunct="1">
-              <a:defRPr sz="1800" kern="1200">
-                <a:solidFill>
-                  <a:schemeClr val="tx1"/>
-                </a:solidFill>
-                <a:latin typeface="+mn-lt"/>
-                <a:ea typeface="+mn-ea"/>
-                <a:cs typeface="+mn-cs"/>
-              </a:defRPr>
-            </a:lvl3pPr>
-            <a:lvl4pPr marL="1371600" algn="l" defTabSz="457200" rtl="0" eaLnBrk="1" latinLnBrk="0" hangingPunct="1">
-              <a:defRPr sz="1800" kern="1200">
-                <a:solidFill>
-                  <a:schemeClr val="tx1"/>
-                </a:solidFill>
-                <a:latin typeface="+mn-lt"/>
-                <a:ea typeface="+mn-ea"/>
-                <a:cs typeface="+mn-cs"/>
-              </a:defRPr>
-            </a:lvl4pPr>
-            <a:lvl5pPr marL="1828800" algn="l" defTabSz="457200" rtl="0" eaLnBrk="1" latinLnBrk="0" hangingPunct="1">
-              <a:defRPr sz="1800" kern="1200">
-                <a:solidFill>
-                  <a:schemeClr val="tx1"/>
-                </a:solidFill>
-                <a:latin typeface="+mn-lt"/>
-                <a:ea typeface="+mn-ea"/>
-                <a:cs typeface="+mn-cs"/>
-              </a:defRPr>
-            </a:lvl5pPr>
-            <a:lvl6pPr marL="2286000" algn="l" defTabSz="457200" rtl="0" eaLnBrk="1" latinLnBrk="0" hangingPunct="1">
-              <a:defRPr sz="1800" kern="1200">
-                <a:solidFill>
-                  <a:schemeClr val="tx1"/>
-                </a:solidFill>
-                <a:latin typeface="+mn-lt"/>
-                <a:ea typeface="+mn-ea"/>
-                <a:cs typeface="+mn-cs"/>
-              </a:defRPr>
-            </a:lvl6pPr>
-            <a:lvl7pPr marL="2743200" algn="l" defTabSz="457200" rtl="0" eaLnBrk="1" latinLnBrk="0" hangingPunct="1">
-              <a:defRPr sz="1800" kern="1200">
-                <a:solidFill>
-                  <a:schemeClr val="tx1"/>
-                </a:solidFill>
-                <a:latin typeface="+mn-lt"/>
-                <a:ea typeface="+mn-ea"/>
-                <a:cs typeface="+mn-cs"/>
-              </a:defRPr>
-            </a:lvl7pPr>
-            <a:lvl8pPr marL="3200400" algn="l" defTabSz="457200" rtl="0" eaLnBrk="1" latinLnBrk="0" hangingPunct="1">
-              <a:defRPr sz="1800" kern="1200">
-                <a:solidFill>
-                  <a:schemeClr val="tx1"/>
-                </a:solidFill>
-                <a:latin typeface="+mn-lt"/>
-                <a:ea typeface="+mn-ea"/>
-                <a:cs typeface="+mn-cs"/>
-              </a:defRPr>
-            </a:lvl8pPr>
-            <a:lvl9pPr marL="3657600" algn="l" defTabSz="457200" rtl="0" eaLnBrk="1" latinLnBrk="0" hangingPunct="1">
-              <a:defRPr sz="1800" kern="1200">
-                <a:solidFill>
-                  <a:schemeClr val="tx1"/>
-                </a:solidFill>
-                <a:latin typeface="+mn-lt"/>
-                <a:ea typeface="+mn-ea"/>
-                <a:cs typeface="+mn-cs"/>
-              </a:defRPr>
-            </a:lvl9pPr>
-          </a:lstStyle>
-          <a:p>
-            <a:pPr algn="ctr"/>
-            <a:fld id="{91853A39-49B3-554A-AE82-85611CEBD8E3}" type="slidenum">
-              <a:rPr lang="nb-NO" sz="1400" b="0" i="0" smtClean="0">
-                <a:solidFill>
-                  <a:schemeClr val="tx1"/>
-                </a:solidFill>
-                <a:latin typeface="Arial"/>
-                <a:cs typeface="Arial"/>
-              </a:rPr>
-              <a:pPr algn="ctr"/>
-              <a:t>17</a:t>
-            </a:fld>
-            <a:endParaRPr lang="nb-NO" sz="1400" b="0" i="0" dirty="0">
-              <a:solidFill>
-                <a:schemeClr val="tx1"/>
-              </a:solidFill>
-              <a:latin typeface="Arial"/>
-              <a:cs typeface="Arial"/>
-            </a:endParaRPr>
-          </a:p>
-        </p:txBody>
-      </p:sp>
-      <p:sp>
-        <p:nvSpPr>
-          <p:cNvPr id="2" name="Title 1">
-            <a:extLst>
-              <a:ext uri="{FF2B5EF4-FFF2-40B4-BE49-F238E27FC236}">
-                <a16:creationId xmlns:a16="http://schemas.microsoft.com/office/drawing/2014/main" id="{415C4515-4B2A-96C1-A9F8-2209CE342A2A}"/>
-              </a:ext>
-            </a:extLst>
-          </p:cNvPr>
-          <p:cNvSpPr txBox="1">
-            <a:spLocks/>
-          </p:cNvSpPr>
-          <p:nvPr/>
-        </p:nvSpPr>
-        <p:spPr bwMode="auto">
-          <a:xfrm>
-            <a:off x="-152400" y="1066800"/>
-            <a:ext cx="3962400" cy="533400"/>
-          </a:xfrm>
-          <a:prstGeom prst="rect">
-            <a:avLst/>
-          </a:prstGeom>
-          <a:noFill/>
-          <a:ln>
-            <a:noFill/>
-          </a:ln>
-          <a:effectLst/>
-          <a:extLst>
-            <a:ext uri="{FAA26D3D-D897-4be2-8F04-BA451C77F1D7}">
-              <ma14:placeholderFlag xmlns:ma14="http://schemas.microsoft.com/office/mac/drawingml/2011/main" xmlns="" val="1"/>
-            </a:ext>
-            <a:ext uri="{909E8E84-426E-40dd-AFC4-6F175D3DCCD1}">
-              <a14:hiddenFill xmlns:a14="http://schemas.microsoft.com/office/drawing/2010/main" xmlns="">
-                <a:solidFill>
-                  <a:schemeClr val="bg1"/>
-                </a:solidFill>
-              </a14:hiddenFill>
-            </a:ext>
-            <a:ext uri="{91240B29-F687-4f45-9708-019B960494DF}">
-              <a14:hiddenLine xmlns:a14="http://schemas.microsoft.com/office/drawing/2010/main" xmlns="" w="12700">
-                <a:pattFill prst="narHorz">
-                  <a:fgClr>
-                    <a:schemeClr val="tx1"/>
-                  </a:fgClr>
-                  <a:bgClr>
-                    <a:schemeClr val="bg1"/>
-                  </a:bgClr>
-                </a:pattFill>
-                <a:miter lim="800000"/>
-                <a:headEnd/>
-                <a:tailEnd/>
-              </a14:hiddenLine>
-            </a:ext>
-            <a:ext uri="{AF507438-7753-43e0-B8FC-AC1667EBCBE1}">
-              <a14:hiddenEffects xmlns:a14="http://schemas.microsoft.com/office/drawing/2010/main" xmlns="">
-                <a:effectLst>
-                  <a:outerShdw blurRad="63500" dist="38099" dir="2700000" algn="ctr" rotWithShape="0">
-                    <a:schemeClr val="bg2">
-                      <a:alpha val="74998"/>
-                    </a:schemeClr>
-                  </a:outerShdw>
-                </a:effectLst>
-              </a14:hiddenEffects>
-            </a:ext>
-          </a:extLst>
-        </p:spPr>
-        <p:txBody>
-          <a:bodyPr vert="horz" wrap="square" lIns="90478" tIns="44445" rIns="90478" bIns="44445" numCol="1" anchor="ctr" anchorCtr="0" compatLnSpc="1">
-            <a:prstTxWarp prst="textNoShape">
-              <a:avLst/>
-            </a:prstTxWarp>
-          </a:bodyPr>
-          <a:lstStyle>
-            <a:lvl1pPr algn="ctr" rtl="0" eaLnBrk="0" fontAlgn="base" hangingPunct="0">
-              <a:lnSpc>
-                <a:spcPct val="90000"/>
-              </a:lnSpc>
-              <a:spcBef>
-                <a:spcPct val="0"/>
-              </a:spcBef>
-              <a:spcAft>
-                <a:spcPct val="0"/>
-              </a:spcAft>
-              <a:defRPr sz="3200" b="0" i="0">
-                <a:solidFill>
-                  <a:srgbClr val="2A40E2"/>
-                </a:solidFill>
-                <a:latin typeface="Gill Sans" charset="0"/>
-                <a:ea typeface="Gill Sans" charset="0"/>
-                <a:cs typeface="Gill Sans" charset="0"/>
-              </a:defRPr>
-            </a:lvl1pPr>
-            <a:lvl2pPr algn="ctr" rtl="0" eaLnBrk="0" fontAlgn="base" hangingPunct="0">
-              <a:lnSpc>
-                <a:spcPct val="90000"/>
-              </a:lnSpc>
-              <a:spcBef>
-                <a:spcPct val="0"/>
-              </a:spcBef>
-              <a:spcAft>
-                <a:spcPct val="0"/>
-              </a:spcAft>
-              <a:defRPr sz="3200">
-                <a:solidFill>
-                  <a:srgbClr val="2A40E2"/>
-                </a:solidFill>
-                <a:latin typeface="Gill Sans" charset="0"/>
-                <a:ea typeface="ＭＳ Ｐゴシック" charset="0"/>
-                <a:cs typeface="Gill Sans" charset="0"/>
-              </a:defRPr>
-            </a:lvl2pPr>
-            <a:lvl3pPr algn="ctr" rtl="0" eaLnBrk="0" fontAlgn="base" hangingPunct="0">
-              <a:lnSpc>
-                <a:spcPct val="90000"/>
-              </a:lnSpc>
-              <a:spcBef>
-                <a:spcPct val="0"/>
-              </a:spcBef>
-              <a:spcAft>
-                <a:spcPct val="0"/>
-              </a:spcAft>
-              <a:defRPr sz="3200">
-                <a:solidFill>
-                  <a:srgbClr val="2A40E2"/>
-                </a:solidFill>
-                <a:latin typeface="Gill Sans" charset="0"/>
-                <a:ea typeface="ＭＳ Ｐゴシック" charset="0"/>
-                <a:cs typeface="Gill Sans" charset="0"/>
-              </a:defRPr>
-            </a:lvl3pPr>
-            <a:lvl4pPr algn="ctr" rtl="0" eaLnBrk="0" fontAlgn="base" hangingPunct="0">
-              <a:lnSpc>
-                <a:spcPct val="90000"/>
-              </a:lnSpc>
-              <a:spcBef>
-                <a:spcPct val="0"/>
-              </a:spcBef>
-              <a:spcAft>
-                <a:spcPct val="0"/>
-              </a:spcAft>
-              <a:defRPr sz="3200">
-                <a:solidFill>
-                  <a:srgbClr val="2A40E2"/>
-                </a:solidFill>
-                <a:latin typeface="Gill Sans" charset="0"/>
-                <a:ea typeface="ＭＳ Ｐゴシック" charset="0"/>
-                <a:cs typeface="Gill Sans" charset="0"/>
-              </a:defRPr>
-            </a:lvl4pPr>
-            <a:lvl5pPr algn="ctr" rtl="0" eaLnBrk="0" fontAlgn="base" hangingPunct="0">
-              <a:lnSpc>
-                <a:spcPct val="90000"/>
-              </a:lnSpc>
-              <a:spcBef>
-                <a:spcPct val="0"/>
-              </a:spcBef>
-              <a:spcAft>
-                <a:spcPct val="0"/>
-              </a:spcAft>
-              <a:defRPr sz="3200">
-                <a:solidFill>
-                  <a:srgbClr val="2A40E2"/>
-                </a:solidFill>
-                <a:latin typeface="Gill Sans" charset="0"/>
-                <a:ea typeface="ＭＳ Ｐゴシック" charset="0"/>
-                <a:cs typeface="Gill Sans" charset="0"/>
-              </a:defRPr>
-            </a:lvl5pPr>
-            <a:lvl6pPr marL="457200" algn="ctr" rtl="0" eaLnBrk="0" fontAlgn="base" hangingPunct="0">
-              <a:lnSpc>
-                <a:spcPct val="90000"/>
-              </a:lnSpc>
-              <a:spcBef>
-                <a:spcPct val="0"/>
-              </a:spcBef>
-              <a:spcAft>
-                <a:spcPct val="0"/>
-              </a:spcAft>
-              <a:defRPr sz="2400" b="1">
-                <a:solidFill>
-                  <a:srgbClr val="2A40E2"/>
-                </a:solidFill>
-                <a:latin typeface="Comic Sans MS" pitchFamily="66" charset="0"/>
-              </a:defRPr>
-            </a:lvl6pPr>
-            <a:lvl7pPr marL="914400" algn="ctr" rtl="0" eaLnBrk="0" fontAlgn="base" hangingPunct="0">
-              <a:lnSpc>
-                <a:spcPct val="90000"/>
-              </a:lnSpc>
-              <a:spcBef>
-                <a:spcPct val="0"/>
-              </a:spcBef>
-              <a:spcAft>
-                <a:spcPct val="0"/>
-              </a:spcAft>
-              <a:defRPr sz="2400" b="1">
-                <a:solidFill>
-                  <a:srgbClr val="2A40E2"/>
-                </a:solidFill>
-                <a:latin typeface="Comic Sans MS" pitchFamily="66" charset="0"/>
-              </a:defRPr>
-            </a:lvl7pPr>
-            <a:lvl8pPr marL="1371600" algn="ctr" rtl="0" eaLnBrk="0" fontAlgn="base" hangingPunct="0">
-              <a:lnSpc>
-                <a:spcPct val="90000"/>
-              </a:lnSpc>
-              <a:spcBef>
-                <a:spcPct val="0"/>
-              </a:spcBef>
-              <a:spcAft>
-                <a:spcPct val="0"/>
-              </a:spcAft>
-              <a:defRPr sz="2400" b="1">
-                <a:solidFill>
-                  <a:srgbClr val="2A40E2"/>
-                </a:solidFill>
-                <a:latin typeface="Comic Sans MS" pitchFamily="66" charset="0"/>
-              </a:defRPr>
-            </a:lvl8pPr>
-            <a:lvl9pPr marL="1828800" algn="ctr" rtl="0" eaLnBrk="0" fontAlgn="base" hangingPunct="0">
-              <a:lnSpc>
-                <a:spcPct val="90000"/>
-              </a:lnSpc>
-              <a:spcBef>
-                <a:spcPct val="0"/>
-              </a:spcBef>
-              <a:spcAft>
-                <a:spcPct val="0"/>
-              </a:spcAft>
-              <a:defRPr sz="2400" b="1">
-                <a:solidFill>
-                  <a:srgbClr val="2A40E2"/>
-                </a:solidFill>
-                <a:latin typeface="Comic Sans MS" pitchFamily="66" charset="0"/>
-              </a:defRPr>
-            </a:lvl9pPr>
-          </a:lstStyle>
-          <a:p>
-            <a:r>
-              <a:rPr lang="en-GB" sz="2000" kern="0" dirty="0"/>
-              <a:t>ANS: Rewrite it to prefer readers</a:t>
-            </a:r>
-            <a:endParaRPr lang="en-SE" sz="2000" kern="0" dirty="0"/>
-          </a:p>
-        </p:txBody>
-      </p:sp>
-    </p:spTree>
-    <p:extLst>
-      <p:ext uri="{BB962C8B-B14F-4D97-AF65-F5344CB8AC3E}">
-        <p14:creationId xmlns:p14="http://schemas.microsoft.com/office/powerpoint/2010/main" val="3368096441"/>
-      </p:ext>
-    </p:extLst>
-  </p:cSld>
-  <p:clrMapOvr>
-    <a:masterClrMapping/>
-  </p:clrMapOvr>
-  <p:transition/>
-</p:sld>
-</file>
-
-<file path=ppt/slides/slide18.xml><?xml version="1.0" encoding="utf-8"?>
-<p:sld xmlns:a="http://schemas.openxmlformats.org/drawingml/2006/main" xmlns:r="http://schemas.openxmlformats.org/officeDocument/2006/relationships" xmlns:p="http://schemas.openxmlformats.org/presentationml/2006/main">
-  <p:cSld>
-    <p:spTree>
-      <p:nvGrpSpPr>
-        <p:cNvPr id="1" name=""/>
-        <p:cNvGrpSpPr/>
-        <p:nvPr/>
-      </p:nvGrpSpPr>
-      <p:grpSpPr>
-        <a:xfrm>
-          <a:off x="0" y="0"/>
-          <a:ext cx="0" cy="0"/>
-          <a:chOff x="0" y="0"/>
-          <a:chExt cx="0" cy="0"/>
-        </a:xfrm>
-      </p:grpSpPr>
-      <p:sp>
-        <p:nvSpPr>
           <p:cNvPr id="2" name="object 2"/>
           <p:cNvSpPr txBox="1">
             <a:spLocks noGrp="1"/>
@@ -22489,17 +18776,17 @@
           <a:effectLst/>
           <a:extLst>
             <a:ext uri="{FAA26D3D-D897-4be2-8F04-BA451C77F1D7}">
-              <ma14:placeholderFlag xmlns:ma14="http://schemas.microsoft.com/office/mac/drawingml/2011/main" xmlns="" val="1"/>
+              <ma14:placeholderFlag xmlns="" xmlns:ma14="http://schemas.microsoft.com/office/mac/drawingml/2011/main" val="1"/>
             </a:ext>
             <a:ext uri="{909E8E84-426E-40dd-AFC4-6F175D3DCCD1}">
-              <a14:hiddenFill xmlns:a14="http://schemas.microsoft.com/office/drawing/2010/main" xmlns="">
+              <a14:hiddenFill xmlns="" xmlns:a14="http://schemas.microsoft.com/office/drawing/2010/main">
                 <a:solidFill>
                   <a:schemeClr val="bg1"/>
                 </a:solidFill>
               </a14:hiddenFill>
             </a:ext>
             <a:ext uri="{91240B29-F687-4f45-9708-019B960494DF}">
-              <a14:hiddenLine xmlns:a14="http://schemas.microsoft.com/office/drawing/2010/main" xmlns="" w="12700">
+              <a14:hiddenLine xmlns="" xmlns:a14="http://schemas.microsoft.com/office/drawing/2010/main" w="12700">
                 <a:pattFill prst="narHorz">
                   <a:fgClr>
                     <a:schemeClr val="tx1"/>
@@ -22514,7 +18801,7 @@
               </a14:hiddenLine>
             </a:ext>
             <a:ext uri="{AF507438-7753-43e0-B8FC-AC1667EBCBE1}">
-              <a14:hiddenEffects xmlns:a14="http://schemas.microsoft.com/office/drawing/2010/main" xmlns="">
+              <a14:hiddenEffects xmlns="" xmlns:a14="http://schemas.microsoft.com/office/drawing/2010/main">
                 <a:effectLst>
                   <a:outerShdw blurRad="63500" dist="38099" dir="2700000" algn="ctr" rotWithShape="0">
                     <a:schemeClr val="bg2">
@@ -22866,7 +19153,7 @@
                 <a:cs typeface="Arial"/>
               </a:rPr>
               <a:pPr algn="ctr"/>
-              <a:t>18</a:t>
+              <a:t>16</a:t>
             </a:fld>
             <a:endParaRPr lang="nb-NO" sz="1400" b="0" i="0" dirty="0">
               <a:solidFill>
@@ -22887,7 +19174,7 @@
 </p:sld>
 </file>
 
-<file path=ppt/slides/slide19.xml><?xml version="1.0" encoding="utf-8"?>
+<file path=ppt/slides/slide17.xml><?xml version="1.0" encoding="utf-8"?>
 <p:sld xmlns:a="http://schemas.openxmlformats.org/drawingml/2006/main" xmlns:r="http://schemas.openxmlformats.org/officeDocument/2006/relationships" xmlns:p="http://schemas.openxmlformats.org/presentationml/2006/main">
   <p:cSld>
     <p:spTree>
@@ -25451,17 +21738,17 @@
           <a:effectLst/>
           <a:extLst>
             <a:ext uri="{FAA26D3D-D897-4be2-8F04-BA451C77F1D7}">
-              <ma14:placeholderFlag xmlns:ma14="http://schemas.microsoft.com/office/mac/drawingml/2011/main" xmlns="" val="1"/>
+              <ma14:placeholderFlag xmlns="" xmlns:ma14="http://schemas.microsoft.com/office/mac/drawingml/2011/main" val="1"/>
             </a:ext>
             <a:ext uri="{909E8E84-426E-40dd-AFC4-6F175D3DCCD1}">
-              <a14:hiddenFill xmlns:a14="http://schemas.microsoft.com/office/drawing/2010/main" xmlns="">
+              <a14:hiddenFill xmlns="" xmlns:a14="http://schemas.microsoft.com/office/drawing/2010/main">
                 <a:solidFill>
                   <a:schemeClr val="bg1"/>
                 </a:solidFill>
               </a14:hiddenFill>
             </a:ext>
             <a:ext uri="{91240B29-F687-4f45-9708-019B960494DF}">
-              <a14:hiddenLine xmlns:a14="http://schemas.microsoft.com/office/drawing/2010/main" xmlns="" w="12700">
+              <a14:hiddenLine xmlns="" xmlns:a14="http://schemas.microsoft.com/office/drawing/2010/main" w="12700">
                 <a:pattFill prst="narHorz">
                   <a:fgClr>
                     <a:schemeClr val="tx1"/>
@@ -25476,7 +21763,7 @@
               </a14:hiddenLine>
             </a:ext>
             <a:ext uri="{AF507438-7753-43e0-B8FC-AC1667EBCBE1}">
-              <a14:hiddenEffects xmlns:a14="http://schemas.microsoft.com/office/drawing/2010/main" xmlns="">
+              <a14:hiddenEffects xmlns="" xmlns:a14="http://schemas.microsoft.com/office/drawing/2010/main">
                 <a:effectLst>
                   <a:outerShdw blurRad="63500" dist="38099" dir="2700000" algn="ctr" rotWithShape="0">
                     <a:schemeClr val="bg2">
@@ -25828,7 +22115,7 @@
                 <a:cs typeface="Arial"/>
               </a:rPr>
               <a:pPr algn="ctr"/>
-              <a:t>19</a:t>
+              <a:t>17</a:t>
             </a:fld>
             <a:endParaRPr lang="nb-NO" sz="1400" b="0" i="0" dirty="0">
               <a:solidFill>
@@ -25849,1034 +22136,7 @@
 </p:sld>
 </file>
 
-<file path=ppt/slides/slide2.xml><?xml version="1.0" encoding="utf-8"?>
-<p:sld xmlns:a="http://schemas.openxmlformats.org/drawingml/2006/main" xmlns:r="http://schemas.openxmlformats.org/officeDocument/2006/relationships" xmlns:p="http://schemas.openxmlformats.org/presentationml/2006/main">
-  <p:cSld>
-    <p:spTree>
-      <p:nvGrpSpPr>
-        <p:cNvPr id="1" name=""/>
-        <p:cNvGrpSpPr/>
-        <p:nvPr/>
-      </p:nvGrpSpPr>
-      <p:grpSpPr>
-        <a:xfrm>
-          <a:off x="0" y="0"/>
-          <a:ext cx="0" cy="0"/>
-          <a:chOff x="0" y="0"/>
-          <a:chExt cx="0" cy="0"/>
-        </a:xfrm>
-      </p:grpSpPr>
-      <p:sp>
-        <p:nvSpPr>
-          <p:cNvPr id="2" name="Title 1">
-            <a:extLst>
-              <a:ext uri="{FF2B5EF4-FFF2-40B4-BE49-F238E27FC236}">
-                <a16:creationId xmlns:a16="http://schemas.microsoft.com/office/drawing/2014/main" id="{8F70288D-85B6-6CC3-1FB2-3B04FD5CDA2E}"/>
-              </a:ext>
-            </a:extLst>
-          </p:cNvPr>
-          <p:cNvSpPr>
-            <a:spLocks noGrp="1"/>
-          </p:cNvSpPr>
-          <p:nvPr>
-            <p:ph type="title"/>
-          </p:nvPr>
-        </p:nvSpPr>
-        <p:spPr/>
-        <p:txBody>
-          <a:bodyPr/>
-          <a:lstStyle/>
-          <a:p>
-            <a:r>
-              <a:rPr lang="en-GB" dirty="0"/>
-              <a:t>Concurrency I</a:t>
-            </a:r>
-            <a:endParaRPr lang="en-SE" dirty="0"/>
-          </a:p>
-        </p:txBody>
-      </p:sp>
-      <p:sp>
-        <p:nvSpPr>
-          <p:cNvPr id="3" name="Content Placeholder 2">
-            <a:extLst>
-              <a:ext uri="{FF2B5EF4-FFF2-40B4-BE49-F238E27FC236}">
-                <a16:creationId xmlns:a16="http://schemas.microsoft.com/office/drawing/2014/main" id="{F457968C-088E-2EEC-6B87-D73D14EA4986}"/>
-              </a:ext>
-            </a:extLst>
-          </p:cNvPr>
-          <p:cNvSpPr>
-            <a:spLocks noGrp="1"/>
-          </p:cNvSpPr>
-          <p:nvPr>
-            <p:ph idx="1"/>
-          </p:nvPr>
-        </p:nvSpPr>
-        <p:spPr>
-          <a:xfrm>
-            <a:off x="812800" y="2695986"/>
-            <a:ext cx="10566400" cy="3323814"/>
-          </a:xfrm>
-        </p:spPr>
-        <p:txBody>
-          <a:bodyPr>
-            <a:normAutofit fontScale="92500" lnSpcReduction="10000"/>
-          </a:bodyPr>
-          <a:lstStyle/>
-          <a:p>
-            <a:r>
-              <a:rPr lang="en-GB" dirty="0"/>
-              <a:t>Consider two concurrent threads T0, T1, which access a shared variable x that has been initialized to 0. There is no mutex protection. </a:t>
-            </a:r>
-          </a:p>
-          <a:p>
-            <a:r>
-              <a:rPr lang="en-GB" dirty="0"/>
-              <a:t>Q1: What are the minimum, maximum, and all possible values of x after the two threads have completed execution?</a:t>
-            </a:r>
-          </a:p>
-          <a:p>
-            <a:r>
-              <a:rPr lang="en-GB" dirty="0"/>
-              <a:t>Q2: Suppose we protect statement ‘x = x+2’ in Thread B within a critical section using a mutex lock. What are all the minimum, maximum, and all possible final values of x? </a:t>
-            </a:r>
-            <a:endParaRPr lang="en-SE" dirty="0"/>
-          </a:p>
-        </p:txBody>
-      </p:sp>
-      <p:sp>
-        <p:nvSpPr>
-          <p:cNvPr id="4" name="Plassholder for innhold 2">
-            <a:extLst>
-              <a:ext uri="{FF2B5EF4-FFF2-40B4-BE49-F238E27FC236}">
-                <a16:creationId xmlns:a16="http://schemas.microsoft.com/office/drawing/2014/main" id="{758290D7-B791-5228-8CF4-A4FA620CB43A}"/>
-              </a:ext>
-            </a:extLst>
-          </p:cNvPr>
-          <p:cNvSpPr txBox="1">
-            <a:spLocks/>
-          </p:cNvSpPr>
-          <p:nvPr/>
-        </p:nvSpPr>
-        <p:spPr bwMode="auto">
-          <a:xfrm>
-            <a:off x="2514600" y="1419860"/>
-            <a:ext cx="3699076" cy="1276127"/>
-          </a:xfrm>
-          <a:prstGeom prst="rect">
-            <a:avLst/>
-          </a:prstGeom>
-          <a:noFill/>
-          <a:ln>
-            <a:solidFill>
-              <a:schemeClr val="accent1">
-                <a:lumMod val="50000"/>
-              </a:schemeClr>
-            </a:solidFill>
-          </a:ln>
-          <a:effectLst/>
-          <a:extLst>
-            <a:ext uri="{FAA26D3D-D897-4be2-8F04-BA451C77F1D7}">
-              <ma14:placeholderFlag xmlns:ma14="http://schemas.microsoft.com/office/mac/drawingml/2011/main" xmlns="" val="1"/>
-            </a:ext>
-            <a:ext uri="{909E8E84-426E-40dd-AFC4-6F175D3DCCD1}">
-              <a14:hiddenFill xmlns:a14="http://schemas.microsoft.com/office/drawing/2010/main" xmlns="">
-                <a:solidFill>
-                  <a:schemeClr val="bg1"/>
-                </a:solidFill>
-              </a14:hiddenFill>
-            </a:ext>
-            <a:ext uri="{91240B29-F687-4f45-9708-019B960494DF}">
-              <a14:hiddenLine xmlns:a14="http://schemas.microsoft.com/office/drawing/2010/main" xmlns="" w="12700">
-                <a:pattFill prst="narHorz">
-                  <a:fgClr>
-                    <a:schemeClr val="tx1"/>
-                  </a:fgClr>
-                  <a:bgClr>
-                    <a:schemeClr val="bg1"/>
-                  </a:bgClr>
-                </a:pattFill>
-                <a:miter lim="800000"/>
-                <a:headEnd/>
-                <a:tailEnd/>
-              </a14:hiddenLine>
-            </a:ext>
-            <a:ext uri="{AF507438-7753-43e0-B8FC-AC1667EBCBE1}">
-              <a14:hiddenEffects xmlns:a14="http://schemas.microsoft.com/office/drawing/2010/main" xmlns="">
-                <a:effectLst>
-                  <a:outerShdw blurRad="63500" dist="38099" dir="2700000" algn="ctr" rotWithShape="0">
-                    <a:schemeClr val="bg2">
-                      <a:alpha val="74998"/>
-                    </a:schemeClr>
-                  </a:outerShdw>
-                </a:effectLst>
-              </a14:hiddenEffects>
-            </a:ext>
-          </a:extLst>
-        </p:spPr>
-        <p:txBody>
-          <a:bodyPr vert="horz" wrap="square" lIns="90478" tIns="44445" rIns="90478" bIns="44445" numCol="1" anchor="t" anchorCtr="0" compatLnSpc="1">
-            <a:prstTxWarp prst="textNoShape">
-              <a:avLst/>
-            </a:prstTxWarp>
-            <a:noAutofit/>
-          </a:bodyPr>
-          <a:lstStyle>
-            <a:lvl1pPr marL="285750" indent="-285750" algn="l" rtl="0" eaLnBrk="0" fontAlgn="base" hangingPunct="0">
-              <a:lnSpc>
-                <a:spcPct val="90000"/>
-              </a:lnSpc>
-              <a:spcBef>
-                <a:spcPct val="30000"/>
-              </a:spcBef>
-              <a:spcAft>
-                <a:spcPct val="0"/>
-              </a:spcAft>
-              <a:buSzPct val="100000"/>
-              <a:buChar char="•"/>
-              <a:defRPr sz="2400">
-                <a:solidFill>
-                  <a:schemeClr val="tx1"/>
-                </a:solidFill>
-                <a:latin typeface="Gill Sans" charset="0"/>
-                <a:ea typeface="ＭＳ Ｐゴシック" charset="0"/>
-                <a:cs typeface="Gill Sans" charset="0"/>
-              </a:defRPr>
-            </a:lvl1pPr>
-            <a:lvl2pPr marL="685800" indent="-228600" algn="l" rtl="0" eaLnBrk="0" fontAlgn="base" hangingPunct="0">
-              <a:lnSpc>
-                <a:spcPct val="90000"/>
-              </a:lnSpc>
-              <a:spcBef>
-                <a:spcPct val="30000"/>
-              </a:spcBef>
-              <a:spcAft>
-                <a:spcPct val="0"/>
-              </a:spcAft>
-              <a:buSzPct val="100000"/>
-              <a:buChar char="–"/>
-              <a:defRPr sz="2200">
-                <a:solidFill>
-                  <a:schemeClr val="tx1"/>
-                </a:solidFill>
-                <a:latin typeface="Gill Sans" charset="0"/>
-                <a:ea typeface="Gill Sans" charset="0"/>
-                <a:cs typeface="Gill Sans" charset="0"/>
-              </a:defRPr>
-            </a:lvl2pPr>
-            <a:lvl3pPr marL="1143000" indent="-228600" algn="l" rtl="0" eaLnBrk="0" fontAlgn="base" hangingPunct="0">
-              <a:lnSpc>
-                <a:spcPct val="90000"/>
-              </a:lnSpc>
-              <a:spcBef>
-                <a:spcPct val="30000"/>
-              </a:spcBef>
-              <a:spcAft>
-                <a:spcPct val="0"/>
-              </a:spcAft>
-              <a:buSzPct val="100000"/>
-              <a:buChar char="»"/>
-              <a:defRPr sz="2000">
-                <a:solidFill>
-                  <a:schemeClr val="tx1"/>
-                </a:solidFill>
-                <a:latin typeface="Gill Sans" charset="0"/>
-                <a:ea typeface="Gill Sans" charset="0"/>
-                <a:cs typeface="Gill Sans" charset="0"/>
-              </a:defRPr>
-            </a:lvl3pPr>
-            <a:lvl4pPr marL="1543050" indent="-171450" algn="l" rtl="0" eaLnBrk="0" fontAlgn="base" hangingPunct="0">
-              <a:lnSpc>
-                <a:spcPct val="90000"/>
-              </a:lnSpc>
-              <a:spcBef>
-                <a:spcPct val="30000"/>
-              </a:spcBef>
-              <a:spcAft>
-                <a:spcPct val="0"/>
-              </a:spcAft>
-              <a:buSzPct val="100000"/>
-              <a:buChar char="•"/>
-              <a:defRPr sz="2000">
-                <a:solidFill>
-                  <a:schemeClr val="tx1"/>
-                </a:solidFill>
-                <a:latin typeface="Gill Sans" charset="0"/>
-                <a:ea typeface="Gill Sans" charset="0"/>
-                <a:cs typeface="Gill Sans" charset="0"/>
-              </a:defRPr>
-            </a:lvl4pPr>
-            <a:lvl5pPr marL="2000250" indent="-171450" algn="l" rtl="0" eaLnBrk="0" fontAlgn="base" hangingPunct="0">
-              <a:lnSpc>
-                <a:spcPct val="90000"/>
-              </a:lnSpc>
-              <a:spcBef>
-                <a:spcPct val="30000"/>
-              </a:spcBef>
-              <a:spcAft>
-                <a:spcPct val="0"/>
-              </a:spcAft>
-              <a:buSzPct val="100000"/>
-              <a:buChar char="–"/>
-              <a:defRPr sz="2000">
-                <a:solidFill>
-                  <a:schemeClr val="tx1"/>
-                </a:solidFill>
-                <a:latin typeface="Gill Sans" charset="0"/>
-                <a:ea typeface="Gill Sans" charset="0"/>
-                <a:cs typeface="Gill Sans" charset="0"/>
-              </a:defRPr>
-            </a:lvl5pPr>
-            <a:lvl6pPr marL="2457450" indent="-171450" algn="l" rtl="0" eaLnBrk="0" fontAlgn="base" hangingPunct="0">
-              <a:lnSpc>
-                <a:spcPct val="90000"/>
-              </a:lnSpc>
-              <a:spcBef>
-                <a:spcPct val="30000"/>
-              </a:spcBef>
-              <a:spcAft>
-                <a:spcPct val="0"/>
-              </a:spcAft>
-              <a:buSzPct val="100000"/>
-              <a:buChar char="–"/>
-              <a:defRPr sz="2000" b="1">
-                <a:solidFill>
-                  <a:schemeClr val="tx1"/>
-                </a:solidFill>
-                <a:latin typeface="+mn-lt"/>
-              </a:defRPr>
-            </a:lvl6pPr>
-            <a:lvl7pPr marL="2914650" indent="-171450" algn="l" rtl="0" eaLnBrk="0" fontAlgn="base" hangingPunct="0">
-              <a:lnSpc>
-                <a:spcPct val="90000"/>
-              </a:lnSpc>
-              <a:spcBef>
-                <a:spcPct val="30000"/>
-              </a:spcBef>
-              <a:spcAft>
-                <a:spcPct val="0"/>
-              </a:spcAft>
-              <a:buSzPct val="100000"/>
-              <a:buChar char="–"/>
-              <a:defRPr sz="2000" b="1">
-                <a:solidFill>
-                  <a:schemeClr val="tx1"/>
-                </a:solidFill>
-                <a:latin typeface="+mn-lt"/>
-              </a:defRPr>
-            </a:lvl7pPr>
-            <a:lvl8pPr marL="3371850" indent="-171450" algn="l" rtl="0" eaLnBrk="0" fontAlgn="base" hangingPunct="0">
-              <a:lnSpc>
-                <a:spcPct val="90000"/>
-              </a:lnSpc>
-              <a:spcBef>
-                <a:spcPct val="30000"/>
-              </a:spcBef>
-              <a:spcAft>
-                <a:spcPct val="0"/>
-              </a:spcAft>
-              <a:buSzPct val="100000"/>
-              <a:buChar char="–"/>
-              <a:defRPr sz="2000" b="1">
-                <a:solidFill>
-                  <a:schemeClr val="tx1"/>
-                </a:solidFill>
-                <a:latin typeface="+mn-lt"/>
-              </a:defRPr>
-            </a:lvl8pPr>
-            <a:lvl9pPr marL="3829050" indent="-171450" algn="l" rtl="0" eaLnBrk="0" fontAlgn="base" hangingPunct="0">
-              <a:lnSpc>
-                <a:spcPct val="90000"/>
-              </a:lnSpc>
-              <a:spcBef>
-                <a:spcPct val="30000"/>
-              </a:spcBef>
-              <a:spcAft>
-                <a:spcPct val="0"/>
-              </a:spcAft>
-              <a:buSzPct val="100000"/>
-              <a:buChar char="–"/>
-              <a:defRPr sz="2000" b="1">
-                <a:solidFill>
-                  <a:schemeClr val="tx1"/>
-                </a:solidFill>
-                <a:latin typeface="+mn-lt"/>
-              </a:defRPr>
-            </a:lvl9pPr>
-          </a:lstStyle>
-          <a:p>
-            <a:pPr marL="0" indent="0">
-              <a:buFontTx/>
-              <a:buNone/>
-            </a:pPr>
-            <a:r>
-              <a:rPr lang="en-GB" altLang="zh-CN" sz="1700" b="0" kern="0" dirty="0">
-                <a:latin typeface="Courier New" panose="02070309020205020404" pitchFamily="49" charset="0"/>
-                <a:cs typeface="Courier New" panose="02070309020205020404" pitchFamily="49" charset="0"/>
-              </a:rPr>
-              <a:t>//Thread T0</a:t>
-            </a:r>
-          </a:p>
-          <a:p>
-            <a:pPr marL="0" indent="0">
-              <a:buFontTx/>
-              <a:buNone/>
-            </a:pPr>
-            <a:r>
-              <a:rPr lang="en-GB" altLang="zh-CN" sz="1700" b="0" kern="0" dirty="0">
-                <a:latin typeface="Courier New" panose="02070309020205020404" pitchFamily="49" charset="0"/>
-                <a:cs typeface="Courier New" panose="02070309020205020404" pitchFamily="49" charset="0"/>
-              </a:rPr>
-              <a:t>for (int i=0; i&lt;5; i++) {  </a:t>
-            </a:r>
-          </a:p>
-          <a:p>
-            <a:pPr marL="0" indent="0">
-              <a:buFontTx/>
-              <a:buNone/>
-            </a:pPr>
-            <a:r>
-              <a:rPr lang="en-GB" altLang="zh-CN" sz="1700" b="0" kern="0" dirty="0">
-                <a:latin typeface="Courier New" panose="02070309020205020404" pitchFamily="49" charset="0"/>
-                <a:cs typeface="Courier New" panose="02070309020205020404" pitchFamily="49" charset="0"/>
-              </a:rPr>
-              <a:t>   x = x + 1;</a:t>
-            </a:r>
-          </a:p>
-          <a:p>
-            <a:pPr marL="0" indent="0">
-              <a:buFontTx/>
-              <a:buNone/>
-            </a:pPr>
-            <a:r>
-              <a:rPr lang="en-GB" altLang="zh-CN" sz="1700" b="0" kern="0" dirty="0">
-                <a:latin typeface="Courier New" panose="02070309020205020404" pitchFamily="49" charset="0"/>
-                <a:cs typeface="Courier New" panose="02070309020205020404" pitchFamily="49" charset="0"/>
-              </a:rPr>
-              <a:t>}</a:t>
-            </a:r>
-          </a:p>
-        </p:txBody>
-      </p:sp>
-      <p:sp>
-        <p:nvSpPr>
-          <p:cNvPr id="5" name="Plassholder for innhold 2">
-            <a:extLst>
-              <a:ext uri="{FF2B5EF4-FFF2-40B4-BE49-F238E27FC236}">
-                <a16:creationId xmlns:a16="http://schemas.microsoft.com/office/drawing/2014/main" id="{9D5B75F7-DF91-87EF-42D7-37808B097603}"/>
-              </a:ext>
-            </a:extLst>
-          </p:cNvPr>
-          <p:cNvSpPr txBox="1">
-            <a:spLocks/>
-          </p:cNvSpPr>
-          <p:nvPr/>
-        </p:nvSpPr>
-        <p:spPr bwMode="auto">
-          <a:xfrm>
-            <a:off x="6324600" y="1419859"/>
-            <a:ext cx="3699076" cy="1276127"/>
-          </a:xfrm>
-          <a:prstGeom prst="rect">
-            <a:avLst/>
-          </a:prstGeom>
-          <a:noFill/>
-          <a:ln>
-            <a:solidFill>
-              <a:schemeClr val="accent1">
-                <a:lumMod val="50000"/>
-              </a:schemeClr>
-            </a:solidFill>
-          </a:ln>
-          <a:effectLst/>
-          <a:extLst>
-            <a:ext uri="{FAA26D3D-D897-4be2-8F04-BA451C77F1D7}">
-              <ma14:placeholderFlag xmlns:ma14="http://schemas.microsoft.com/office/mac/drawingml/2011/main" xmlns="" val="1"/>
-            </a:ext>
-            <a:ext uri="{909E8E84-426E-40dd-AFC4-6F175D3DCCD1}">
-              <a14:hiddenFill xmlns:a14="http://schemas.microsoft.com/office/drawing/2010/main" xmlns="">
-                <a:solidFill>
-                  <a:schemeClr val="bg1"/>
-                </a:solidFill>
-              </a14:hiddenFill>
-            </a:ext>
-            <a:ext uri="{91240B29-F687-4f45-9708-019B960494DF}">
-              <a14:hiddenLine xmlns:a14="http://schemas.microsoft.com/office/drawing/2010/main" xmlns="" w="12700">
-                <a:pattFill prst="narHorz">
-                  <a:fgClr>
-                    <a:schemeClr val="tx1"/>
-                  </a:fgClr>
-                  <a:bgClr>
-                    <a:schemeClr val="bg1"/>
-                  </a:bgClr>
-                </a:pattFill>
-                <a:miter lim="800000"/>
-                <a:headEnd/>
-                <a:tailEnd/>
-              </a14:hiddenLine>
-            </a:ext>
-            <a:ext uri="{AF507438-7753-43e0-B8FC-AC1667EBCBE1}">
-              <a14:hiddenEffects xmlns:a14="http://schemas.microsoft.com/office/drawing/2010/main" xmlns="">
-                <a:effectLst>
-                  <a:outerShdw blurRad="63500" dist="38099" dir="2700000" algn="ctr" rotWithShape="0">
-                    <a:schemeClr val="bg2">
-                      <a:alpha val="74998"/>
-                    </a:schemeClr>
-                  </a:outerShdw>
-                </a:effectLst>
-              </a14:hiddenEffects>
-            </a:ext>
-          </a:extLst>
-        </p:spPr>
-        <p:txBody>
-          <a:bodyPr vert="horz" wrap="square" lIns="90478" tIns="44445" rIns="90478" bIns="44445" numCol="1" anchor="t" anchorCtr="0" compatLnSpc="1">
-            <a:prstTxWarp prst="textNoShape">
-              <a:avLst/>
-            </a:prstTxWarp>
-            <a:noAutofit/>
-          </a:bodyPr>
-          <a:lstStyle>
-            <a:lvl1pPr marL="285750" indent="-285750" algn="l" rtl="0" eaLnBrk="0" fontAlgn="base" hangingPunct="0">
-              <a:lnSpc>
-                <a:spcPct val="90000"/>
-              </a:lnSpc>
-              <a:spcBef>
-                <a:spcPct val="30000"/>
-              </a:spcBef>
-              <a:spcAft>
-                <a:spcPct val="0"/>
-              </a:spcAft>
-              <a:buSzPct val="100000"/>
-              <a:buChar char="•"/>
-              <a:defRPr sz="2400">
-                <a:solidFill>
-                  <a:schemeClr val="tx1"/>
-                </a:solidFill>
-                <a:latin typeface="Gill Sans" charset="0"/>
-                <a:ea typeface="ＭＳ Ｐゴシック" charset="0"/>
-                <a:cs typeface="Gill Sans" charset="0"/>
-              </a:defRPr>
-            </a:lvl1pPr>
-            <a:lvl2pPr marL="685800" indent="-228600" algn="l" rtl="0" eaLnBrk="0" fontAlgn="base" hangingPunct="0">
-              <a:lnSpc>
-                <a:spcPct val="90000"/>
-              </a:lnSpc>
-              <a:spcBef>
-                <a:spcPct val="30000"/>
-              </a:spcBef>
-              <a:spcAft>
-                <a:spcPct val="0"/>
-              </a:spcAft>
-              <a:buSzPct val="100000"/>
-              <a:buChar char="–"/>
-              <a:defRPr sz="2200">
-                <a:solidFill>
-                  <a:schemeClr val="tx1"/>
-                </a:solidFill>
-                <a:latin typeface="Gill Sans" charset="0"/>
-                <a:ea typeface="Gill Sans" charset="0"/>
-                <a:cs typeface="Gill Sans" charset="0"/>
-              </a:defRPr>
-            </a:lvl2pPr>
-            <a:lvl3pPr marL="1143000" indent="-228600" algn="l" rtl="0" eaLnBrk="0" fontAlgn="base" hangingPunct="0">
-              <a:lnSpc>
-                <a:spcPct val="90000"/>
-              </a:lnSpc>
-              <a:spcBef>
-                <a:spcPct val="30000"/>
-              </a:spcBef>
-              <a:spcAft>
-                <a:spcPct val="0"/>
-              </a:spcAft>
-              <a:buSzPct val="100000"/>
-              <a:buChar char="»"/>
-              <a:defRPr sz="2000">
-                <a:solidFill>
-                  <a:schemeClr val="tx1"/>
-                </a:solidFill>
-                <a:latin typeface="Gill Sans" charset="0"/>
-                <a:ea typeface="Gill Sans" charset="0"/>
-                <a:cs typeface="Gill Sans" charset="0"/>
-              </a:defRPr>
-            </a:lvl3pPr>
-            <a:lvl4pPr marL="1543050" indent="-171450" algn="l" rtl="0" eaLnBrk="0" fontAlgn="base" hangingPunct="0">
-              <a:lnSpc>
-                <a:spcPct val="90000"/>
-              </a:lnSpc>
-              <a:spcBef>
-                <a:spcPct val="30000"/>
-              </a:spcBef>
-              <a:spcAft>
-                <a:spcPct val="0"/>
-              </a:spcAft>
-              <a:buSzPct val="100000"/>
-              <a:buChar char="•"/>
-              <a:defRPr sz="2000">
-                <a:solidFill>
-                  <a:schemeClr val="tx1"/>
-                </a:solidFill>
-                <a:latin typeface="Gill Sans" charset="0"/>
-                <a:ea typeface="Gill Sans" charset="0"/>
-                <a:cs typeface="Gill Sans" charset="0"/>
-              </a:defRPr>
-            </a:lvl4pPr>
-            <a:lvl5pPr marL="2000250" indent="-171450" algn="l" rtl="0" eaLnBrk="0" fontAlgn="base" hangingPunct="0">
-              <a:lnSpc>
-                <a:spcPct val="90000"/>
-              </a:lnSpc>
-              <a:spcBef>
-                <a:spcPct val="30000"/>
-              </a:spcBef>
-              <a:spcAft>
-                <a:spcPct val="0"/>
-              </a:spcAft>
-              <a:buSzPct val="100000"/>
-              <a:buChar char="–"/>
-              <a:defRPr sz="2000">
-                <a:solidFill>
-                  <a:schemeClr val="tx1"/>
-                </a:solidFill>
-                <a:latin typeface="Gill Sans" charset="0"/>
-                <a:ea typeface="Gill Sans" charset="0"/>
-                <a:cs typeface="Gill Sans" charset="0"/>
-              </a:defRPr>
-            </a:lvl5pPr>
-            <a:lvl6pPr marL="2457450" indent="-171450" algn="l" rtl="0" eaLnBrk="0" fontAlgn="base" hangingPunct="0">
-              <a:lnSpc>
-                <a:spcPct val="90000"/>
-              </a:lnSpc>
-              <a:spcBef>
-                <a:spcPct val="30000"/>
-              </a:spcBef>
-              <a:spcAft>
-                <a:spcPct val="0"/>
-              </a:spcAft>
-              <a:buSzPct val="100000"/>
-              <a:buChar char="–"/>
-              <a:defRPr sz="2000" b="1">
-                <a:solidFill>
-                  <a:schemeClr val="tx1"/>
-                </a:solidFill>
-                <a:latin typeface="+mn-lt"/>
-              </a:defRPr>
-            </a:lvl6pPr>
-            <a:lvl7pPr marL="2914650" indent="-171450" algn="l" rtl="0" eaLnBrk="0" fontAlgn="base" hangingPunct="0">
-              <a:lnSpc>
-                <a:spcPct val="90000"/>
-              </a:lnSpc>
-              <a:spcBef>
-                <a:spcPct val="30000"/>
-              </a:spcBef>
-              <a:spcAft>
-                <a:spcPct val="0"/>
-              </a:spcAft>
-              <a:buSzPct val="100000"/>
-              <a:buChar char="–"/>
-              <a:defRPr sz="2000" b="1">
-                <a:solidFill>
-                  <a:schemeClr val="tx1"/>
-                </a:solidFill>
-                <a:latin typeface="+mn-lt"/>
-              </a:defRPr>
-            </a:lvl7pPr>
-            <a:lvl8pPr marL="3371850" indent="-171450" algn="l" rtl="0" eaLnBrk="0" fontAlgn="base" hangingPunct="0">
-              <a:lnSpc>
-                <a:spcPct val="90000"/>
-              </a:lnSpc>
-              <a:spcBef>
-                <a:spcPct val="30000"/>
-              </a:spcBef>
-              <a:spcAft>
-                <a:spcPct val="0"/>
-              </a:spcAft>
-              <a:buSzPct val="100000"/>
-              <a:buChar char="–"/>
-              <a:defRPr sz="2000" b="1">
-                <a:solidFill>
-                  <a:schemeClr val="tx1"/>
-                </a:solidFill>
-                <a:latin typeface="+mn-lt"/>
-              </a:defRPr>
-            </a:lvl8pPr>
-            <a:lvl9pPr marL="3829050" indent="-171450" algn="l" rtl="0" eaLnBrk="0" fontAlgn="base" hangingPunct="0">
-              <a:lnSpc>
-                <a:spcPct val="90000"/>
-              </a:lnSpc>
-              <a:spcBef>
-                <a:spcPct val="30000"/>
-              </a:spcBef>
-              <a:spcAft>
-                <a:spcPct val="0"/>
-              </a:spcAft>
-              <a:buSzPct val="100000"/>
-              <a:buChar char="–"/>
-              <a:defRPr sz="2000" b="1">
-                <a:solidFill>
-                  <a:schemeClr val="tx1"/>
-                </a:solidFill>
-                <a:latin typeface="+mn-lt"/>
-              </a:defRPr>
-            </a:lvl9pPr>
-          </a:lstStyle>
-          <a:p>
-            <a:pPr marL="0" indent="0">
-              <a:buFontTx/>
-              <a:buNone/>
-            </a:pPr>
-            <a:r>
-              <a:rPr lang="en-GB" altLang="zh-CN" sz="1700" b="0" kern="0" dirty="0">
-                <a:latin typeface="Courier New" panose="02070309020205020404" pitchFamily="49" charset="0"/>
-                <a:cs typeface="Courier New" panose="02070309020205020404" pitchFamily="49" charset="0"/>
-              </a:rPr>
-              <a:t>//Thread T0</a:t>
-            </a:r>
-          </a:p>
-          <a:p>
-            <a:pPr marL="0" indent="0">
-              <a:buFontTx/>
-              <a:buNone/>
-            </a:pPr>
-            <a:r>
-              <a:rPr lang="en-GB" altLang="zh-CN" sz="1700" b="0" kern="0" dirty="0">
-                <a:latin typeface="Courier New" panose="02070309020205020404" pitchFamily="49" charset="0"/>
-                <a:cs typeface="Courier New" panose="02070309020205020404" pitchFamily="49" charset="0"/>
-              </a:rPr>
-              <a:t>for (int j=0; j&lt;5; </a:t>
-            </a:r>
-            <a:r>
-              <a:rPr lang="en-GB" altLang="zh-CN" sz="1700" b="0" kern="0" dirty="0" err="1">
-                <a:latin typeface="Courier New" panose="02070309020205020404" pitchFamily="49" charset="0"/>
-                <a:cs typeface="Courier New" panose="02070309020205020404" pitchFamily="49" charset="0"/>
-              </a:rPr>
-              <a:t>j++</a:t>
-            </a:r>
-            <a:r>
-              <a:rPr lang="en-GB" altLang="zh-CN" sz="1700" b="0" kern="0" dirty="0">
-                <a:latin typeface="Courier New" panose="02070309020205020404" pitchFamily="49" charset="0"/>
-                <a:cs typeface="Courier New" panose="02070309020205020404" pitchFamily="49" charset="0"/>
-              </a:rPr>
-              <a:t>) {  </a:t>
-            </a:r>
-          </a:p>
-          <a:p>
-            <a:pPr marL="0" indent="0">
-              <a:buFontTx/>
-              <a:buNone/>
-            </a:pPr>
-            <a:r>
-              <a:rPr lang="en-GB" altLang="zh-CN" sz="1700" b="0" kern="0" dirty="0">
-                <a:latin typeface="Courier New" panose="02070309020205020404" pitchFamily="49" charset="0"/>
-                <a:cs typeface="Courier New" panose="02070309020205020404" pitchFamily="49" charset="0"/>
-              </a:rPr>
-              <a:t>   x = x + 2;</a:t>
-            </a:r>
-          </a:p>
-          <a:p>
-            <a:pPr marL="0" indent="0">
-              <a:buFontTx/>
-              <a:buNone/>
-            </a:pPr>
-            <a:r>
-              <a:rPr lang="en-GB" altLang="zh-CN" sz="1700" b="0" kern="0" dirty="0">
-                <a:latin typeface="Courier New" panose="02070309020205020404" pitchFamily="49" charset="0"/>
-                <a:cs typeface="Courier New" panose="02070309020205020404" pitchFamily="49" charset="0"/>
-              </a:rPr>
-              <a:t>}</a:t>
-            </a:r>
-          </a:p>
-        </p:txBody>
-      </p:sp>
-      <p:sp>
-        <p:nvSpPr>
-          <p:cNvPr id="6" name="Plassholder for innhold 2">
-            <a:extLst>
-              <a:ext uri="{FF2B5EF4-FFF2-40B4-BE49-F238E27FC236}">
-                <a16:creationId xmlns:a16="http://schemas.microsoft.com/office/drawing/2014/main" id="{2D37079E-C01B-98FE-3AB3-789AD906045B}"/>
-              </a:ext>
-            </a:extLst>
-          </p:cNvPr>
-          <p:cNvSpPr txBox="1">
-            <a:spLocks/>
-          </p:cNvSpPr>
-          <p:nvPr/>
-        </p:nvSpPr>
-        <p:spPr bwMode="auto">
-          <a:xfrm>
-            <a:off x="5213551" y="836112"/>
-            <a:ext cx="2000250" cy="446762"/>
-          </a:xfrm>
-          <a:prstGeom prst="rect">
-            <a:avLst/>
-          </a:prstGeom>
-          <a:noFill/>
-          <a:ln>
-            <a:solidFill>
-              <a:schemeClr val="tx1"/>
-            </a:solidFill>
-          </a:ln>
-          <a:effectLst/>
-          <a:extLst>
-            <a:ext uri="{FAA26D3D-D897-4be2-8F04-BA451C77F1D7}">
-              <ma14:placeholderFlag xmlns:ma14="http://schemas.microsoft.com/office/mac/drawingml/2011/main" xmlns="" val="1"/>
-            </a:ext>
-            <a:ext uri="{909E8E84-426E-40dd-AFC4-6F175D3DCCD1}">
-              <a14:hiddenFill xmlns:a14="http://schemas.microsoft.com/office/drawing/2010/main" xmlns="">
-                <a:solidFill>
-                  <a:schemeClr val="bg1"/>
-                </a:solidFill>
-              </a14:hiddenFill>
-            </a:ext>
-            <a:ext uri="{91240B29-F687-4f45-9708-019B960494DF}">
-              <a14:hiddenLine xmlns:a14="http://schemas.microsoft.com/office/drawing/2010/main" xmlns="" w="12700">
-                <a:pattFill prst="narHorz">
-                  <a:fgClr>
-                    <a:schemeClr val="tx1"/>
-                  </a:fgClr>
-                  <a:bgClr>
-                    <a:schemeClr val="bg1"/>
-                  </a:bgClr>
-                </a:pattFill>
-                <a:miter lim="800000"/>
-                <a:headEnd/>
-                <a:tailEnd/>
-              </a14:hiddenLine>
-            </a:ext>
-            <a:ext uri="{AF507438-7753-43e0-B8FC-AC1667EBCBE1}">
-              <a14:hiddenEffects xmlns:a14="http://schemas.microsoft.com/office/drawing/2010/main" xmlns="">
-                <a:effectLst>
-                  <a:outerShdw blurRad="63500" dist="38099" dir="2700000" algn="ctr" rotWithShape="0">
-                    <a:schemeClr val="bg2">
-                      <a:alpha val="74998"/>
-                    </a:schemeClr>
-                  </a:outerShdw>
-                </a:effectLst>
-              </a14:hiddenEffects>
-            </a:ext>
-          </a:extLst>
-        </p:spPr>
-        <p:txBody>
-          <a:bodyPr vert="horz" wrap="square" lIns="90478" tIns="44445" rIns="90478" bIns="44445" numCol="1" anchor="t" anchorCtr="0" compatLnSpc="1">
-            <a:prstTxWarp prst="textNoShape">
-              <a:avLst/>
-            </a:prstTxWarp>
-            <a:normAutofit/>
-          </a:bodyPr>
-          <a:lstStyle>
-            <a:lvl1pPr marL="285750" indent="-285750" algn="l" rtl="0" eaLnBrk="0" fontAlgn="base" hangingPunct="0">
-              <a:lnSpc>
-                <a:spcPct val="90000"/>
-              </a:lnSpc>
-              <a:spcBef>
-                <a:spcPct val="30000"/>
-              </a:spcBef>
-              <a:spcAft>
-                <a:spcPct val="0"/>
-              </a:spcAft>
-              <a:buSzPct val="100000"/>
-              <a:buChar char="•"/>
-              <a:defRPr sz="2400">
-                <a:solidFill>
-                  <a:schemeClr val="tx1"/>
-                </a:solidFill>
-                <a:latin typeface="Gill Sans" charset="0"/>
-                <a:ea typeface="ＭＳ Ｐゴシック" charset="0"/>
-                <a:cs typeface="Gill Sans" charset="0"/>
-              </a:defRPr>
-            </a:lvl1pPr>
-            <a:lvl2pPr marL="685800" indent="-228600" algn="l" rtl="0" eaLnBrk="0" fontAlgn="base" hangingPunct="0">
-              <a:lnSpc>
-                <a:spcPct val="90000"/>
-              </a:lnSpc>
-              <a:spcBef>
-                <a:spcPct val="30000"/>
-              </a:spcBef>
-              <a:spcAft>
-                <a:spcPct val="0"/>
-              </a:spcAft>
-              <a:buSzPct val="100000"/>
-              <a:buChar char="–"/>
-              <a:defRPr sz="2200">
-                <a:solidFill>
-                  <a:schemeClr val="tx1"/>
-                </a:solidFill>
-                <a:latin typeface="Gill Sans" charset="0"/>
-                <a:ea typeface="Gill Sans" charset="0"/>
-                <a:cs typeface="Gill Sans" charset="0"/>
-              </a:defRPr>
-            </a:lvl2pPr>
-            <a:lvl3pPr marL="1143000" indent="-228600" algn="l" rtl="0" eaLnBrk="0" fontAlgn="base" hangingPunct="0">
-              <a:lnSpc>
-                <a:spcPct val="90000"/>
-              </a:lnSpc>
-              <a:spcBef>
-                <a:spcPct val="30000"/>
-              </a:spcBef>
-              <a:spcAft>
-                <a:spcPct val="0"/>
-              </a:spcAft>
-              <a:buSzPct val="100000"/>
-              <a:buChar char="»"/>
-              <a:defRPr sz="2000">
-                <a:solidFill>
-                  <a:schemeClr val="tx1"/>
-                </a:solidFill>
-                <a:latin typeface="Gill Sans" charset="0"/>
-                <a:ea typeface="Gill Sans" charset="0"/>
-                <a:cs typeface="Gill Sans" charset="0"/>
-              </a:defRPr>
-            </a:lvl3pPr>
-            <a:lvl4pPr marL="1543050" indent="-171450" algn="l" rtl="0" eaLnBrk="0" fontAlgn="base" hangingPunct="0">
-              <a:lnSpc>
-                <a:spcPct val="90000"/>
-              </a:lnSpc>
-              <a:spcBef>
-                <a:spcPct val="30000"/>
-              </a:spcBef>
-              <a:spcAft>
-                <a:spcPct val="0"/>
-              </a:spcAft>
-              <a:buSzPct val="100000"/>
-              <a:buChar char="•"/>
-              <a:defRPr sz="2000">
-                <a:solidFill>
-                  <a:schemeClr val="tx1"/>
-                </a:solidFill>
-                <a:latin typeface="Gill Sans" charset="0"/>
-                <a:ea typeface="Gill Sans" charset="0"/>
-                <a:cs typeface="Gill Sans" charset="0"/>
-              </a:defRPr>
-            </a:lvl4pPr>
-            <a:lvl5pPr marL="2000250" indent="-171450" algn="l" rtl="0" eaLnBrk="0" fontAlgn="base" hangingPunct="0">
-              <a:lnSpc>
-                <a:spcPct val="90000"/>
-              </a:lnSpc>
-              <a:spcBef>
-                <a:spcPct val="30000"/>
-              </a:spcBef>
-              <a:spcAft>
-                <a:spcPct val="0"/>
-              </a:spcAft>
-              <a:buSzPct val="100000"/>
-              <a:buChar char="–"/>
-              <a:defRPr sz="2000">
-                <a:solidFill>
-                  <a:schemeClr val="tx1"/>
-                </a:solidFill>
-                <a:latin typeface="Gill Sans" charset="0"/>
-                <a:ea typeface="Gill Sans" charset="0"/>
-                <a:cs typeface="Gill Sans" charset="0"/>
-              </a:defRPr>
-            </a:lvl5pPr>
-            <a:lvl6pPr marL="2457450" indent="-171450" algn="l" rtl="0" eaLnBrk="0" fontAlgn="base" hangingPunct="0">
-              <a:lnSpc>
-                <a:spcPct val="90000"/>
-              </a:lnSpc>
-              <a:spcBef>
-                <a:spcPct val="30000"/>
-              </a:spcBef>
-              <a:spcAft>
-                <a:spcPct val="0"/>
-              </a:spcAft>
-              <a:buSzPct val="100000"/>
-              <a:buChar char="–"/>
-              <a:defRPr sz="2000" b="1">
-                <a:solidFill>
-                  <a:schemeClr val="tx1"/>
-                </a:solidFill>
-                <a:latin typeface="+mn-lt"/>
-              </a:defRPr>
-            </a:lvl6pPr>
-            <a:lvl7pPr marL="2914650" indent="-171450" algn="l" rtl="0" eaLnBrk="0" fontAlgn="base" hangingPunct="0">
-              <a:lnSpc>
-                <a:spcPct val="90000"/>
-              </a:lnSpc>
-              <a:spcBef>
-                <a:spcPct val="30000"/>
-              </a:spcBef>
-              <a:spcAft>
-                <a:spcPct val="0"/>
-              </a:spcAft>
-              <a:buSzPct val="100000"/>
-              <a:buChar char="–"/>
-              <a:defRPr sz="2000" b="1">
-                <a:solidFill>
-                  <a:schemeClr val="tx1"/>
-                </a:solidFill>
-                <a:latin typeface="+mn-lt"/>
-              </a:defRPr>
-            </a:lvl7pPr>
-            <a:lvl8pPr marL="3371850" indent="-171450" algn="l" rtl="0" eaLnBrk="0" fontAlgn="base" hangingPunct="0">
-              <a:lnSpc>
-                <a:spcPct val="90000"/>
-              </a:lnSpc>
-              <a:spcBef>
-                <a:spcPct val="30000"/>
-              </a:spcBef>
-              <a:spcAft>
-                <a:spcPct val="0"/>
-              </a:spcAft>
-              <a:buSzPct val="100000"/>
-              <a:buChar char="–"/>
-              <a:defRPr sz="2000" b="1">
-                <a:solidFill>
-                  <a:schemeClr val="tx1"/>
-                </a:solidFill>
-                <a:latin typeface="+mn-lt"/>
-              </a:defRPr>
-            </a:lvl8pPr>
-            <a:lvl9pPr marL="3829050" indent="-171450" algn="l" rtl="0" eaLnBrk="0" fontAlgn="base" hangingPunct="0">
-              <a:lnSpc>
-                <a:spcPct val="90000"/>
-              </a:lnSpc>
-              <a:spcBef>
-                <a:spcPct val="30000"/>
-              </a:spcBef>
-              <a:spcAft>
-                <a:spcPct val="0"/>
-              </a:spcAft>
-              <a:buSzPct val="100000"/>
-              <a:buChar char="–"/>
-              <a:defRPr sz="2000" b="1">
-                <a:solidFill>
-                  <a:schemeClr val="tx1"/>
-                </a:solidFill>
-                <a:latin typeface="+mn-lt"/>
-              </a:defRPr>
-            </a:lvl9pPr>
-          </a:lstStyle>
-          <a:p>
-            <a:pPr marL="0" indent="0">
-              <a:buFontTx/>
-              <a:buNone/>
-            </a:pPr>
-            <a:r>
-              <a:rPr lang="en-GB" altLang="zh-CN" sz="1700" b="0" kern="0" dirty="0">
-                <a:latin typeface="Courier New" panose="02070309020205020404" pitchFamily="49" charset="0"/>
-                <a:cs typeface="Courier New" panose="02070309020205020404" pitchFamily="49" charset="0"/>
-              </a:rPr>
-              <a:t>int x = 0;</a:t>
-            </a:r>
-            <a:endParaRPr lang="en-US" altLang="zh-CN" sz="1700" b="0" kern="0" dirty="0">
-              <a:latin typeface="Courier New" panose="02070309020205020404" pitchFamily="49" charset="0"/>
-              <a:cs typeface="Courier New" panose="02070309020205020404" pitchFamily="49" charset="0"/>
-            </a:endParaRPr>
-          </a:p>
-        </p:txBody>
-      </p:sp>
-    </p:spTree>
-    <p:extLst>
-      <p:ext uri="{BB962C8B-B14F-4D97-AF65-F5344CB8AC3E}">
-        <p14:creationId xmlns:p14="http://schemas.microsoft.com/office/powerpoint/2010/main" val="2751476572"/>
-      </p:ext>
-    </p:extLst>
-  </p:cSld>
-  <p:clrMapOvr>
-    <a:masterClrMapping/>
-  </p:clrMapOvr>
-  <p:transition/>
-</p:sld>
-</file>
-
-<file path=ppt/slides/slide20.xml><?xml version="1.0" encoding="utf-8"?>
+<file path=ppt/slides/slide18.xml><?xml version="1.0" encoding="utf-8"?>
 <p:sld xmlns:a="http://schemas.openxmlformats.org/drawingml/2006/main" xmlns:r="http://schemas.openxmlformats.org/officeDocument/2006/relationships" xmlns:p="http://schemas.openxmlformats.org/presentationml/2006/main">
   <p:cSld>
     <p:spTree>
@@ -28693,7 +23953,7 @@
                 <a:cs typeface="Arial"/>
               </a:rPr>
               <a:pPr algn="ctr"/>
-              <a:t>20</a:t>
+              <a:t>18</a:t>
             </a:fld>
             <a:endParaRPr lang="nb-NO" sz="1400" b="0" i="0" dirty="0">
               <a:solidFill>
@@ -28736,17 +23996,17 @@
           <a:effectLst/>
           <a:extLst>
             <a:ext uri="{FAA26D3D-D897-4be2-8F04-BA451C77F1D7}">
-              <ma14:placeholderFlag xmlns:ma14="http://schemas.microsoft.com/office/mac/drawingml/2011/main" xmlns="" val="1"/>
+              <ma14:placeholderFlag xmlns="" xmlns:ma14="http://schemas.microsoft.com/office/mac/drawingml/2011/main" val="1"/>
             </a:ext>
             <a:ext uri="{909E8E84-426E-40dd-AFC4-6F175D3DCCD1}">
-              <a14:hiddenFill xmlns:a14="http://schemas.microsoft.com/office/drawing/2010/main" xmlns="">
+              <a14:hiddenFill xmlns="" xmlns:a14="http://schemas.microsoft.com/office/drawing/2010/main">
                 <a:solidFill>
                   <a:schemeClr val="bg1"/>
                 </a:solidFill>
               </a14:hiddenFill>
             </a:ext>
             <a:ext uri="{91240B29-F687-4f45-9708-019B960494DF}">
-              <a14:hiddenLine xmlns:a14="http://schemas.microsoft.com/office/drawing/2010/main" xmlns="" w="12700">
+              <a14:hiddenLine xmlns="" xmlns:a14="http://schemas.microsoft.com/office/drawing/2010/main" w="12700">
                 <a:pattFill prst="narHorz">
                   <a:fgClr>
                     <a:schemeClr val="tx1"/>
@@ -28761,7 +24021,7 @@
               </a14:hiddenLine>
             </a:ext>
             <a:ext uri="{AF507438-7753-43e0-B8FC-AC1667EBCBE1}">
-              <a14:hiddenEffects xmlns:a14="http://schemas.microsoft.com/office/drawing/2010/main" xmlns="">
+              <a14:hiddenEffects xmlns="" xmlns:a14="http://schemas.microsoft.com/office/drawing/2010/main">
                 <a:effectLst>
                   <a:outerShdw blurRad="63500" dist="38099" dir="2700000" algn="ctr" rotWithShape="0">
                     <a:schemeClr val="bg2">
@@ -29006,17 +24266,17 @@
           <a:effectLst/>
           <a:extLst>
             <a:ext uri="{FAA26D3D-D897-4be2-8F04-BA451C77F1D7}">
-              <ma14:placeholderFlag xmlns:ma14="http://schemas.microsoft.com/office/mac/drawingml/2011/main" xmlns="" val="1"/>
+              <ma14:placeholderFlag xmlns="" xmlns:ma14="http://schemas.microsoft.com/office/mac/drawingml/2011/main" val="1"/>
             </a:ext>
             <a:ext uri="{909E8E84-426E-40dd-AFC4-6F175D3DCCD1}">
-              <a14:hiddenFill xmlns:a14="http://schemas.microsoft.com/office/drawing/2010/main" xmlns="">
+              <a14:hiddenFill xmlns="" xmlns:a14="http://schemas.microsoft.com/office/drawing/2010/main">
                 <a:solidFill>
                   <a:schemeClr val="bg1"/>
                 </a:solidFill>
               </a14:hiddenFill>
             </a:ext>
             <a:ext uri="{91240B29-F687-4f45-9708-019B960494DF}">
-              <a14:hiddenLine xmlns:a14="http://schemas.microsoft.com/office/drawing/2010/main" xmlns="" w="12700">
+              <a14:hiddenLine xmlns="" xmlns:a14="http://schemas.microsoft.com/office/drawing/2010/main" w="12700">
                 <a:pattFill prst="narHorz">
                   <a:fgClr>
                     <a:schemeClr val="tx1"/>
@@ -29031,7 +24291,7 @@
               </a14:hiddenLine>
             </a:ext>
             <a:ext uri="{AF507438-7753-43e0-B8FC-AC1667EBCBE1}">
-              <a14:hiddenEffects xmlns:a14="http://schemas.microsoft.com/office/drawing/2010/main" xmlns="">
+              <a14:hiddenEffects xmlns="" xmlns:a14="http://schemas.microsoft.com/office/drawing/2010/main">
                 <a:effectLst>
                   <a:outerShdw blurRad="63500" dist="38099" dir="2700000" algn="ctr" rotWithShape="0">
                     <a:schemeClr val="bg2">
@@ -29276,17 +24536,17 @@
           <a:effectLst/>
           <a:extLst>
             <a:ext uri="{FAA26D3D-D897-4be2-8F04-BA451C77F1D7}">
-              <ma14:placeholderFlag xmlns:ma14="http://schemas.microsoft.com/office/mac/drawingml/2011/main" xmlns="" val="1"/>
+              <ma14:placeholderFlag xmlns="" xmlns:ma14="http://schemas.microsoft.com/office/mac/drawingml/2011/main" val="1"/>
             </a:ext>
             <a:ext uri="{909E8E84-426E-40dd-AFC4-6F175D3DCCD1}">
-              <a14:hiddenFill xmlns:a14="http://schemas.microsoft.com/office/drawing/2010/main" xmlns="">
+              <a14:hiddenFill xmlns="" xmlns:a14="http://schemas.microsoft.com/office/drawing/2010/main">
                 <a:solidFill>
                   <a:schemeClr val="bg1"/>
                 </a:solidFill>
               </a14:hiddenFill>
             </a:ext>
             <a:ext uri="{91240B29-F687-4f45-9708-019B960494DF}">
-              <a14:hiddenLine xmlns:a14="http://schemas.microsoft.com/office/drawing/2010/main" xmlns="" w="12700">
+              <a14:hiddenLine xmlns="" xmlns:a14="http://schemas.microsoft.com/office/drawing/2010/main" w="12700">
                 <a:pattFill prst="narHorz">
                   <a:fgClr>
                     <a:schemeClr val="tx1"/>
@@ -29301,7 +24561,7 @@
               </a14:hiddenLine>
             </a:ext>
             <a:ext uri="{AF507438-7753-43e0-B8FC-AC1667EBCBE1}">
-              <a14:hiddenEffects xmlns:a14="http://schemas.microsoft.com/office/drawing/2010/main" xmlns="">
+              <a14:hiddenEffects xmlns="" xmlns:a14="http://schemas.microsoft.com/office/drawing/2010/main">
                 <a:effectLst>
                   <a:outerShdw blurRad="63500" dist="38099" dir="2700000" algn="ctr" rotWithShape="0">
                     <a:schemeClr val="bg2">
@@ -29540,7 +24800,7 @@
 </p:sld>
 </file>
 
-<file path=ppt/slides/slide21.xml><?xml version="1.0" encoding="utf-8"?>
+<file path=ppt/slides/slide19.xml><?xml version="1.0" encoding="utf-8"?>
 <p:sld xmlns:a="http://schemas.openxmlformats.org/drawingml/2006/main" xmlns:r="http://schemas.openxmlformats.org/officeDocument/2006/relationships" xmlns:p="http://schemas.openxmlformats.org/presentationml/2006/main">
   <p:cSld>
     <p:spTree>
@@ -33162,7 +28422,7 @@
                 <a:cs typeface="Arial"/>
               </a:rPr>
               <a:pPr algn="ctr"/>
-              <a:t>21</a:t>
+              <a:t>19</a:t>
             </a:fld>
             <a:endParaRPr lang="nb-NO" sz="1400" b="0" i="0" dirty="0">
               <a:solidFill>
@@ -33260,7 +28520,1034 @@
 </p:sld>
 </file>
 
-<file path=ppt/slides/slide22.xml><?xml version="1.0" encoding="utf-8"?>
+<file path=ppt/slides/slide2.xml><?xml version="1.0" encoding="utf-8"?>
+<p:sld xmlns:a="http://schemas.openxmlformats.org/drawingml/2006/main" xmlns:r="http://schemas.openxmlformats.org/officeDocument/2006/relationships" xmlns:p="http://schemas.openxmlformats.org/presentationml/2006/main">
+  <p:cSld>
+    <p:spTree>
+      <p:nvGrpSpPr>
+        <p:cNvPr id="1" name=""/>
+        <p:cNvGrpSpPr/>
+        <p:nvPr/>
+      </p:nvGrpSpPr>
+      <p:grpSpPr>
+        <a:xfrm>
+          <a:off x="0" y="0"/>
+          <a:ext cx="0" cy="0"/>
+          <a:chOff x="0" y="0"/>
+          <a:chExt cx="0" cy="0"/>
+        </a:xfrm>
+      </p:grpSpPr>
+      <p:sp>
+        <p:nvSpPr>
+          <p:cNvPr id="2" name="Title 1">
+            <a:extLst>
+              <a:ext uri="{FF2B5EF4-FFF2-40B4-BE49-F238E27FC236}">
+                <a16:creationId xmlns:a16="http://schemas.microsoft.com/office/drawing/2014/main" id="{8F70288D-85B6-6CC3-1FB2-3B04FD5CDA2E}"/>
+              </a:ext>
+            </a:extLst>
+          </p:cNvPr>
+          <p:cNvSpPr>
+            <a:spLocks noGrp="1"/>
+          </p:cNvSpPr>
+          <p:nvPr>
+            <p:ph type="title"/>
+          </p:nvPr>
+        </p:nvSpPr>
+        <p:spPr/>
+        <p:txBody>
+          <a:bodyPr/>
+          <a:lstStyle/>
+          <a:p>
+            <a:r>
+              <a:rPr lang="en-GB" dirty="0"/>
+              <a:t>Concurrency I</a:t>
+            </a:r>
+            <a:endParaRPr lang="en-SE" dirty="0"/>
+          </a:p>
+        </p:txBody>
+      </p:sp>
+      <p:sp>
+        <p:nvSpPr>
+          <p:cNvPr id="3" name="Content Placeholder 2">
+            <a:extLst>
+              <a:ext uri="{FF2B5EF4-FFF2-40B4-BE49-F238E27FC236}">
+                <a16:creationId xmlns:a16="http://schemas.microsoft.com/office/drawing/2014/main" id="{F457968C-088E-2EEC-6B87-D73D14EA4986}"/>
+              </a:ext>
+            </a:extLst>
+          </p:cNvPr>
+          <p:cNvSpPr>
+            <a:spLocks noGrp="1"/>
+          </p:cNvSpPr>
+          <p:nvPr>
+            <p:ph idx="1"/>
+          </p:nvPr>
+        </p:nvSpPr>
+        <p:spPr>
+          <a:xfrm>
+            <a:off x="812800" y="2695986"/>
+            <a:ext cx="10566400" cy="3323814"/>
+          </a:xfrm>
+        </p:spPr>
+        <p:txBody>
+          <a:bodyPr>
+            <a:normAutofit fontScale="92500" lnSpcReduction="10000"/>
+          </a:bodyPr>
+          <a:lstStyle/>
+          <a:p>
+            <a:r>
+              <a:rPr lang="en-GB" dirty="0"/>
+              <a:t>Consider two concurrent threads T0, T1, which access a shared variable x that has been initialized to 0. There is no mutex protection. </a:t>
+            </a:r>
+          </a:p>
+          <a:p>
+            <a:r>
+              <a:rPr lang="en-GB" dirty="0"/>
+              <a:t>Q1: What are the minimum, maximum, and all possible values of x after the two threads have completed execution?</a:t>
+            </a:r>
+          </a:p>
+          <a:p>
+            <a:r>
+              <a:rPr lang="en-GB" dirty="0"/>
+              <a:t>Q2: Suppose we protect statement ‘x = x+2’ in Thread B within a critical section using a mutex lock. What are all the minimum, maximum, and all possible final values of x? </a:t>
+            </a:r>
+            <a:endParaRPr lang="en-SE" dirty="0"/>
+          </a:p>
+        </p:txBody>
+      </p:sp>
+      <p:sp>
+        <p:nvSpPr>
+          <p:cNvPr id="4" name="Plassholder for innhold 2">
+            <a:extLst>
+              <a:ext uri="{FF2B5EF4-FFF2-40B4-BE49-F238E27FC236}">
+                <a16:creationId xmlns:a16="http://schemas.microsoft.com/office/drawing/2014/main" id="{758290D7-B791-5228-8CF4-A4FA620CB43A}"/>
+              </a:ext>
+            </a:extLst>
+          </p:cNvPr>
+          <p:cNvSpPr txBox="1">
+            <a:spLocks/>
+          </p:cNvSpPr>
+          <p:nvPr/>
+        </p:nvSpPr>
+        <p:spPr bwMode="auto">
+          <a:xfrm>
+            <a:off x="2514600" y="1419860"/>
+            <a:ext cx="3699076" cy="1276127"/>
+          </a:xfrm>
+          <a:prstGeom prst="rect">
+            <a:avLst/>
+          </a:prstGeom>
+          <a:noFill/>
+          <a:ln>
+            <a:solidFill>
+              <a:schemeClr val="accent1">
+                <a:lumMod val="50000"/>
+              </a:schemeClr>
+            </a:solidFill>
+          </a:ln>
+          <a:effectLst/>
+          <a:extLst>
+            <a:ext uri="{FAA26D3D-D897-4be2-8F04-BA451C77F1D7}">
+              <ma14:placeholderFlag xmlns="" xmlns:ma14="http://schemas.microsoft.com/office/mac/drawingml/2011/main" val="1"/>
+            </a:ext>
+            <a:ext uri="{909E8E84-426E-40dd-AFC4-6F175D3DCCD1}">
+              <a14:hiddenFill xmlns="" xmlns:a14="http://schemas.microsoft.com/office/drawing/2010/main">
+                <a:solidFill>
+                  <a:schemeClr val="bg1"/>
+                </a:solidFill>
+              </a14:hiddenFill>
+            </a:ext>
+            <a:ext uri="{91240B29-F687-4f45-9708-019B960494DF}">
+              <a14:hiddenLine xmlns="" xmlns:a14="http://schemas.microsoft.com/office/drawing/2010/main" w="12700">
+                <a:pattFill prst="narHorz">
+                  <a:fgClr>
+                    <a:schemeClr val="tx1"/>
+                  </a:fgClr>
+                  <a:bgClr>
+                    <a:schemeClr val="bg1"/>
+                  </a:bgClr>
+                </a:pattFill>
+                <a:miter lim="800000"/>
+                <a:headEnd/>
+                <a:tailEnd/>
+              </a14:hiddenLine>
+            </a:ext>
+            <a:ext uri="{AF507438-7753-43e0-B8FC-AC1667EBCBE1}">
+              <a14:hiddenEffects xmlns="" xmlns:a14="http://schemas.microsoft.com/office/drawing/2010/main">
+                <a:effectLst>
+                  <a:outerShdw blurRad="63500" dist="38099" dir="2700000" algn="ctr" rotWithShape="0">
+                    <a:schemeClr val="bg2">
+                      <a:alpha val="74998"/>
+                    </a:schemeClr>
+                  </a:outerShdw>
+                </a:effectLst>
+              </a14:hiddenEffects>
+            </a:ext>
+          </a:extLst>
+        </p:spPr>
+        <p:txBody>
+          <a:bodyPr vert="horz" wrap="square" lIns="90478" tIns="44445" rIns="90478" bIns="44445" numCol="1" anchor="t" anchorCtr="0" compatLnSpc="1">
+            <a:prstTxWarp prst="textNoShape">
+              <a:avLst/>
+            </a:prstTxWarp>
+            <a:noAutofit/>
+          </a:bodyPr>
+          <a:lstStyle>
+            <a:lvl1pPr marL="285750" indent="-285750" algn="l" rtl="0" eaLnBrk="0" fontAlgn="base" hangingPunct="0">
+              <a:lnSpc>
+                <a:spcPct val="90000"/>
+              </a:lnSpc>
+              <a:spcBef>
+                <a:spcPct val="30000"/>
+              </a:spcBef>
+              <a:spcAft>
+                <a:spcPct val="0"/>
+              </a:spcAft>
+              <a:buSzPct val="100000"/>
+              <a:buChar char="•"/>
+              <a:defRPr sz="2400">
+                <a:solidFill>
+                  <a:schemeClr val="tx1"/>
+                </a:solidFill>
+                <a:latin typeface="Gill Sans" charset="0"/>
+                <a:ea typeface="ＭＳ Ｐゴシック" charset="0"/>
+                <a:cs typeface="Gill Sans" charset="0"/>
+              </a:defRPr>
+            </a:lvl1pPr>
+            <a:lvl2pPr marL="685800" indent="-228600" algn="l" rtl="0" eaLnBrk="0" fontAlgn="base" hangingPunct="0">
+              <a:lnSpc>
+                <a:spcPct val="90000"/>
+              </a:lnSpc>
+              <a:spcBef>
+                <a:spcPct val="30000"/>
+              </a:spcBef>
+              <a:spcAft>
+                <a:spcPct val="0"/>
+              </a:spcAft>
+              <a:buSzPct val="100000"/>
+              <a:buChar char="–"/>
+              <a:defRPr sz="2200">
+                <a:solidFill>
+                  <a:schemeClr val="tx1"/>
+                </a:solidFill>
+                <a:latin typeface="Gill Sans" charset="0"/>
+                <a:ea typeface="Gill Sans" charset="0"/>
+                <a:cs typeface="Gill Sans" charset="0"/>
+              </a:defRPr>
+            </a:lvl2pPr>
+            <a:lvl3pPr marL="1143000" indent="-228600" algn="l" rtl="0" eaLnBrk="0" fontAlgn="base" hangingPunct="0">
+              <a:lnSpc>
+                <a:spcPct val="90000"/>
+              </a:lnSpc>
+              <a:spcBef>
+                <a:spcPct val="30000"/>
+              </a:spcBef>
+              <a:spcAft>
+                <a:spcPct val="0"/>
+              </a:spcAft>
+              <a:buSzPct val="100000"/>
+              <a:buChar char="»"/>
+              <a:defRPr sz="2000">
+                <a:solidFill>
+                  <a:schemeClr val="tx1"/>
+                </a:solidFill>
+                <a:latin typeface="Gill Sans" charset="0"/>
+                <a:ea typeface="Gill Sans" charset="0"/>
+                <a:cs typeface="Gill Sans" charset="0"/>
+              </a:defRPr>
+            </a:lvl3pPr>
+            <a:lvl4pPr marL="1543050" indent="-171450" algn="l" rtl="0" eaLnBrk="0" fontAlgn="base" hangingPunct="0">
+              <a:lnSpc>
+                <a:spcPct val="90000"/>
+              </a:lnSpc>
+              <a:spcBef>
+                <a:spcPct val="30000"/>
+              </a:spcBef>
+              <a:spcAft>
+                <a:spcPct val="0"/>
+              </a:spcAft>
+              <a:buSzPct val="100000"/>
+              <a:buChar char="•"/>
+              <a:defRPr sz="2000">
+                <a:solidFill>
+                  <a:schemeClr val="tx1"/>
+                </a:solidFill>
+                <a:latin typeface="Gill Sans" charset="0"/>
+                <a:ea typeface="Gill Sans" charset="0"/>
+                <a:cs typeface="Gill Sans" charset="0"/>
+              </a:defRPr>
+            </a:lvl4pPr>
+            <a:lvl5pPr marL="2000250" indent="-171450" algn="l" rtl="0" eaLnBrk="0" fontAlgn="base" hangingPunct="0">
+              <a:lnSpc>
+                <a:spcPct val="90000"/>
+              </a:lnSpc>
+              <a:spcBef>
+                <a:spcPct val="30000"/>
+              </a:spcBef>
+              <a:spcAft>
+                <a:spcPct val="0"/>
+              </a:spcAft>
+              <a:buSzPct val="100000"/>
+              <a:buChar char="–"/>
+              <a:defRPr sz="2000">
+                <a:solidFill>
+                  <a:schemeClr val="tx1"/>
+                </a:solidFill>
+                <a:latin typeface="Gill Sans" charset="0"/>
+                <a:ea typeface="Gill Sans" charset="0"/>
+                <a:cs typeface="Gill Sans" charset="0"/>
+              </a:defRPr>
+            </a:lvl5pPr>
+            <a:lvl6pPr marL="2457450" indent="-171450" algn="l" rtl="0" eaLnBrk="0" fontAlgn="base" hangingPunct="0">
+              <a:lnSpc>
+                <a:spcPct val="90000"/>
+              </a:lnSpc>
+              <a:spcBef>
+                <a:spcPct val="30000"/>
+              </a:spcBef>
+              <a:spcAft>
+                <a:spcPct val="0"/>
+              </a:spcAft>
+              <a:buSzPct val="100000"/>
+              <a:buChar char="–"/>
+              <a:defRPr sz="2000" b="1">
+                <a:solidFill>
+                  <a:schemeClr val="tx1"/>
+                </a:solidFill>
+                <a:latin typeface="+mn-lt"/>
+              </a:defRPr>
+            </a:lvl6pPr>
+            <a:lvl7pPr marL="2914650" indent="-171450" algn="l" rtl="0" eaLnBrk="0" fontAlgn="base" hangingPunct="0">
+              <a:lnSpc>
+                <a:spcPct val="90000"/>
+              </a:lnSpc>
+              <a:spcBef>
+                <a:spcPct val="30000"/>
+              </a:spcBef>
+              <a:spcAft>
+                <a:spcPct val="0"/>
+              </a:spcAft>
+              <a:buSzPct val="100000"/>
+              <a:buChar char="–"/>
+              <a:defRPr sz="2000" b="1">
+                <a:solidFill>
+                  <a:schemeClr val="tx1"/>
+                </a:solidFill>
+                <a:latin typeface="+mn-lt"/>
+              </a:defRPr>
+            </a:lvl7pPr>
+            <a:lvl8pPr marL="3371850" indent="-171450" algn="l" rtl="0" eaLnBrk="0" fontAlgn="base" hangingPunct="0">
+              <a:lnSpc>
+                <a:spcPct val="90000"/>
+              </a:lnSpc>
+              <a:spcBef>
+                <a:spcPct val="30000"/>
+              </a:spcBef>
+              <a:spcAft>
+                <a:spcPct val="0"/>
+              </a:spcAft>
+              <a:buSzPct val="100000"/>
+              <a:buChar char="–"/>
+              <a:defRPr sz="2000" b="1">
+                <a:solidFill>
+                  <a:schemeClr val="tx1"/>
+                </a:solidFill>
+                <a:latin typeface="+mn-lt"/>
+              </a:defRPr>
+            </a:lvl8pPr>
+            <a:lvl9pPr marL="3829050" indent="-171450" algn="l" rtl="0" eaLnBrk="0" fontAlgn="base" hangingPunct="0">
+              <a:lnSpc>
+                <a:spcPct val="90000"/>
+              </a:lnSpc>
+              <a:spcBef>
+                <a:spcPct val="30000"/>
+              </a:spcBef>
+              <a:spcAft>
+                <a:spcPct val="0"/>
+              </a:spcAft>
+              <a:buSzPct val="100000"/>
+              <a:buChar char="–"/>
+              <a:defRPr sz="2000" b="1">
+                <a:solidFill>
+                  <a:schemeClr val="tx1"/>
+                </a:solidFill>
+                <a:latin typeface="+mn-lt"/>
+              </a:defRPr>
+            </a:lvl9pPr>
+          </a:lstStyle>
+          <a:p>
+            <a:pPr marL="0" indent="0">
+              <a:buFontTx/>
+              <a:buNone/>
+            </a:pPr>
+            <a:r>
+              <a:rPr lang="en-GB" altLang="zh-CN" sz="1700" b="0" kern="0" dirty="0">
+                <a:latin typeface="Courier New" panose="02070309020205020404" pitchFamily="49" charset="0"/>
+                <a:cs typeface="Courier New" panose="02070309020205020404" pitchFamily="49" charset="0"/>
+              </a:rPr>
+              <a:t>//Thread T0</a:t>
+            </a:r>
+          </a:p>
+          <a:p>
+            <a:pPr marL="0" indent="0">
+              <a:buFontTx/>
+              <a:buNone/>
+            </a:pPr>
+            <a:r>
+              <a:rPr lang="en-GB" altLang="zh-CN" sz="1700" b="0" kern="0" dirty="0">
+                <a:latin typeface="Courier New" panose="02070309020205020404" pitchFamily="49" charset="0"/>
+                <a:cs typeface="Courier New" panose="02070309020205020404" pitchFamily="49" charset="0"/>
+              </a:rPr>
+              <a:t>for (int i=0; i&lt;5; i++) {  </a:t>
+            </a:r>
+          </a:p>
+          <a:p>
+            <a:pPr marL="0" indent="0">
+              <a:buFontTx/>
+              <a:buNone/>
+            </a:pPr>
+            <a:r>
+              <a:rPr lang="en-GB" altLang="zh-CN" sz="1700" b="0" kern="0" dirty="0">
+                <a:latin typeface="Courier New" panose="02070309020205020404" pitchFamily="49" charset="0"/>
+                <a:cs typeface="Courier New" panose="02070309020205020404" pitchFamily="49" charset="0"/>
+              </a:rPr>
+              <a:t>   x = x + 1;</a:t>
+            </a:r>
+          </a:p>
+          <a:p>
+            <a:pPr marL="0" indent="0">
+              <a:buFontTx/>
+              <a:buNone/>
+            </a:pPr>
+            <a:r>
+              <a:rPr lang="en-GB" altLang="zh-CN" sz="1700" b="0" kern="0" dirty="0">
+                <a:latin typeface="Courier New" panose="02070309020205020404" pitchFamily="49" charset="0"/>
+                <a:cs typeface="Courier New" panose="02070309020205020404" pitchFamily="49" charset="0"/>
+              </a:rPr>
+              <a:t>}</a:t>
+            </a:r>
+          </a:p>
+        </p:txBody>
+      </p:sp>
+      <p:sp>
+        <p:nvSpPr>
+          <p:cNvPr id="5" name="Plassholder for innhold 2">
+            <a:extLst>
+              <a:ext uri="{FF2B5EF4-FFF2-40B4-BE49-F238E27FC236}">
+                <a16:creationId xmlns:a16="http://schemas.microsoft.com/office/drawing/2014/main" id="{9D5B75F7-DF91-87EF-42D7-37808B097603}"/>
+              </a:ext>
+            </a:extLst>
+          </p:cNvPr>
+          <p:cNvSpPr txBox="1">
+            <a:spLocks/>
+          </p:cNvSpPr>
+          <p:nvPr/>
+        </p:nvSpPr>
+        <p:spPr bwMode="auto">
+          <a:xfrm>
+            <a:off x="6324600" y="1419859"/>
+            <a:ext cx="3699076" cy="1276127"/>
+          </a:xfrm>
+          <a:prstGeom prst="rect">
+            <a:avLst/>
+          </a:prstGeom>
+          <a:noFill/>
+          <a:ln>
+            <a:solidFill>
+              <a:schemeClr val="accent1">
+                <a:lumMod val="50000"/>
+              </a:schemeClr>
+            </a:solidFill>
+          </a:ln>
+          <a:effectLst/>
+          <a:extLst>
+            <a:ext uri="{FAA26D3D-D897-4be2-8F04-BA451C77F1D7}">
+              <ma14:placeholderFlag xmlns="" xmlns:ma14="http://schemas.microsoft.com/office/mac/drawingml/2011/main" val="1"/>
+            </a:ext>
+            <a:ext uri="{909E8E84-426E-40dd-AFC4-6F175D3DCCD1}">
+              <a14:hiddenFill xmlns="" xmlns:a14="http://schemas.microsoft.com/office/drawing/2010/main">
+                <a:solidFill>
+                  <a:schemeClr val="bg1"/>
+                </a:solidFill>
+              </a14:hiddenFill>
+            </a:ext>
+            <a:ext uri="{91240B29-F687-4f45-9708-019B960494DF}">
+              <a14:hiddenLine xmlns="" xmlns:a14="http://schemas.microsoft.com/office/drawing/2010/main" w="12700">
+                <a:pattFill prst="narHorz">
+                  <a:fgClr>
+                    <a:schemeClr val="tx1"/>
+                  </a:fgClr>
+                  <a:bgClr>
+                    <a:schemeClr val="bg1"/>
+                  </a:bgClr>
+                </a:pattFill>
+                <a:miter lim="800000"/>
+                <a:headEnd/>
+                <a:tailEnd/>
+              </a14:hiddenLine>
+            </a:ext>
+            <a:ext uri="{AF507438-7753-43e0-B8FC-AC1667EBCBE1}">
+              <a14:hiddenEffects xmlns="" xmlns:a14="http://schemas.microsoft.com/office/drawing/2010/main">
+                <a:effectLst>
+                  <a:outerShdw blurRad="63500" dist="38099" dir="2700000" algn="ctr" rotWithShape="0">
+                    <a:schemeClr val="bg2">
+                      <a:alpha val="74998"/>
+                    </a:schemeClr>
+                  </a:outerShdw>
+                </a:effectLst>
+              </a14:hiddenEffects>
+            </a:ext>
+          </a:extLst>
+        </p:spPr>
+        <p:txBody>
+          <a:bodyPr vert="horz" wrap="square" lIns="90478" tIns="44445" rIns="90478" bIns="44445" numCol="1" anchor="t" anchorCtr="0" compatLnSpc="1">
+            <a:prstTxWarp prst="textNoShape">
+              <a:avLst/>
+            </a:prstTxWarp>
+            <a:noAutofit/>
+          </a:bodyPr>
+          <a:lstStyle>
+            <a:lvl1pPr marL="285750" indent="-285750" algn="l" rtl="0" eaLnBrk="0" fontAlgn="base" hangingPunct="0">
+              <a:lnSpc>
+                <a:spcPct val="90000"/>
+              </a:lnSpc>
+              <a:spcBef>
+                <a:spcPct val="30000"/>
+              </a:spcBef>
+              <a:spcAft>
+                <a:spcPct val="0"/>
+              </a:spcAft>
+              <a:buSzPct val="100000"/>
+              <a:buChar char="•"/>
+              <a:defRPr sz="2400">
+                <a:solidFill>
+                  <a:schemeClr val="tx1"/>
+                </a:solidFill>
+                <a:latin typeface="Gill Sans" charset="0"/>
+                <a:ea typeface="ＭＳ Ｐゴシック" charset="0"/>
+                <a:cs typeface="Gill Sans" charset="0"/>
+              </a:defRPr>
+            </a:lvl1pPr>
+            <a:lvl2pPr marL="685800" indent="-228600" algn="l" rtl="0" eaLnBrk="0" fontAlgn="base" hangingPunct="0">
+              <a:lnSpc>
+                <a:spcPct val="90000"/>
+              </a:lnSpc>
+              <a:spcBef>
+                <a:spcPct val="30000"/>
+              </a:spcBef>
+              <a:spcAft>
+                <a:spcPct val="0"/>
+              </a:spcAft>
+              <a:buSzPct val="100000"/>
+              <a:buChar char="–"/>
+              <a:defRPr sz="2200">
+                <a:solidFill>
+                  <a:schemeClr val="tx1"/>
+                </a:solidFill>
+                <a:latin typeface="Gill Sans" charset="0"/>
+                <a:ea typeface="Gill Sans" charset="0"/>
+                <a:cs typeface="Gill Sans" charset="0"/>
+              </a:defRPr>
+            </a:lvl2pPr>
+            <a:lvl3pPr marL="1143000" indent="-228600" algn="l" rtl="0" eaLnBrk="0" fontAlgn="base" hangingPunct="0">
+              <a:lnSpc>
+                <a:spcPct val="90000"/>
+              </a:lnSpc>
+              <a:spcBef>
+                <a:spcPct val="30000"/>
+              </a:spcBef>
+              <a:spcAft>
+                <a:spcPct val="0"/>
+              </a:spcAft>
+              <a:buSzPct val="100000"/>
+              <a:buChar char="»"/>
+              <a:defRPr sz="2000">
+                <a:solidFill>
+                  <a:schemeClr val="tx1"/>
+                </a:solidFill>
+                <a:latin typeface="Gill Sans" charset="0"/>
+                <a:ea typeface="Gill Sans" charset="0"/>
+                <a:cs typeface="Gill Sans" charset="0"/>
+              </a:defRPr>
+            </a:lvl3pPr>
+            <a:lvl4pPr marL="1543050" indent="-171450" algn="l" rtl="0" eaLnBrk="0" fontAlgn="base" hangingPunct="0">
+              <a:lnSpc>
+                <a:spcPct val="90000"/>
+              </a:lnSpc>
+              <a:spcBef>
+                <a:spcPct val="30000"/>
+              </a:spcBef>
+              <a:spcAft>
+                <a:spcPct val="0"/>
+              </a:spcAft>
+              <a:buSzPct val="100000"/>
+              <a:buChar char="•"/>
+              <a:defRPr sz="2000">
+                <a:solidFill>
+                  <a:schemeClr val="tx1"/>
+                </a:solidFill>
+                <a:latin typeface="Gill Sans" charset="0"/>
+                <a:ea typeface="Gill Sans" charset="0"/>
+                <a:cs typeface="Gill Sans" charset="0"/>
+              </a:defRPr>
+            </a:lvl4pPr>
+            <a:lvl5pPr marL="2000250" indent="-171450" algn="l" rtl="0" eaLnBrk="0" fontAlgn="base" hangingPunct="0">
+              <a:lnSpc>
+                <a:spcPct val="90000"/>
+              </a:lnSpc>
+              <a:spcBef>
+                <a:spcPct val="30000"/>
+              </a:spcBef>
+              <a:spcAft>
+                <a:spcPct val="0"/>
+              </a:spcAft>
+              <a:buSzPct val="100000"/>
+              <a:buChar char="–"/>
+              <a:defRPr sz="2000">
+                <a:solidFill>
+                  <a:schemeClr val="tx1"/>
+                </a:solidFill>
+                <a:latin typeface="Gill Sans" charset="0"/>
+                <a:ea typeface="Gill Sans" charset="0"/>
+                <a:cs typeface="Gill Sans" charset="0"/>
+              </a:defRPr>
+            </a:lvl5pPr>
+            <a:lvl6pPr marL="2457450" indent="-171450" algn="l" rtl="0" eaLnBrk="0" fontAlgn="base" hangingPunct="0">
+              <a:lnSpc>
+                <a:spcPct val="90000"/>
+              </a:lnSpc>
+              <a:spcBef>
+                <a:spcPct val="30000"/>
+              </a:spcBef>
+              <a:spcAft>
+                <a:spcPct val="0"/>
+              </a:spcAft>
+              <a:buSzPct val="100000"/>
+              <a:buChar char="–"/>
+              <a:defRPr sz="2000" b="1">
+                <a:solidFill>
+                  <a:schemeClr val="tx1"/>
+                </a:solidFill>
+                <a:latin typeface="+mn-lt"/>
+              </a:defRPr>
+            </a:lvl6pPr>
+            <a:lvl7pPr marL="2914650" indent="-171450" algn="l" rtl="0" eaLnBrk="0" fontAlgn="base" hangingPunct="0">
+              <a:lnSpc>
+                <a:spcPct val="90000"/>
+              </a:lnSpc>
+              <a:spcBef>
+                <a:spcPct val="30000"/>
+              </a:spcBef>
+              <a:spcAft>
+                <a:spcPct val="0"/>
+              </a:spcAft>
+              <a:buSzPct val="100000"/>
+              <a:buChar char="–"/>
+              <a:defRPr sz="2000" b="1">
+                <a:solidFill>
+                  <a:schemeClr val="tx1"/>
+                </a:solidFill>
+                <a:latin typeface="+mn-lt"/>
+              </a:defRPr>
+            </a:lvl7pPr>
+            <a:lvl8pPr marL="3371850" indent="-171450" algn="l" rtl="0" eaLnBrk="0" fontAlgn="base" hangingPunct="0">
+              <a:lnSpc>
+                <a:spcPct val="90000"/>
+              </a:lnSpc>
+              <a:spcBef>
+                <a:spcPct val="30000"/>
+              </a:spcBef>
+              <a:spcAft>
+                <a:spcPct val="0"/>
+              </a:spcAft>
+              <a:buSzPct val="100000"/>
+              <a:buChar char="–"/>
+              <a:defRPr sz="2000" b="1">
+                <a:solidFill>
+                  <a:schemeClr val="tx1"/>
+                </a:solidFill>
+                <a:latin typeface="+mn-lt"/>
+              </a:defRPr>
+            </a:lvl8pPr>
+            <a:lvl9pPr marL="3829050" indent="-171450" algn="l" rtl="0" eaLnBrk="0" fontAlgn="base" hangingPunct="0">
+              <a:lnSpc>
+                <a:spcPct val="90000"/>
+              </a:lnSpc>
+              <a:spcBef>
+                <a:spcPct val="30000"/>
+              </a:spcBef>
+              <a:spcAft>
+                <a:spcPct val="0"/>
+              </a:spcAft>
+              <a:buSzPct val="100000"/>
+              <a:buChar char="–"/>
+              <a:defRPr sz="2000" b="1">
+                <a:solidFill>
+                  <a:schemeClr val="tx1"/>
+                </a:solidFill>
+                <a:latin typeface="+mn-lt"/>
+              </a:defRPr>
+            </a:lvl9pPr>
+          </a:lstStyle>
+          <a:p>
+            <a:pPr marL="0" indent="0">
+              <a:buFontTx/>
+              <a:buNone/>
+            </a:pPr>
+            <a:r>
+              <a:rPr lang="en-GB" altLang="zh-CN" sz="1700" b="0" kern="0" dirty="0">
+                <a:latin typeface="Courier New" panose="02070309020205020404" pitchFamily="49" charset="0"/>
+                <a:cs typeface="Courier New" panose="02070309020205020404" pitchFamily="49" charset="0"/>
+              </a:rPr>
+              <a:t>//Thread T0</a:t>
+            </a:r>
+          </a:p>
+          <a:p>
+            <a:pPr marL="0" indent="0">
+              <a:buFontTx/>
+              <a:buNone/>
+            </a:pPr>
+            <a:r>
+              <a:rPr lang="en-GB" altLang="zh-CN" sz="1700" b="0" kern="0" dirty="0">
+                <a:latin typeface="Courier New" panose="02070309020205020404" pitchFamily="49" charset="0"/>
+                <a:cs typeface="Courier New" panose="02070309020205020404" pitchFamily="49" charset="0"/>
+              </a:rPr>
+              <a:t>for (int j=0; j&lt;5; </a:t>
+            </a:r>
+            <a:r>
+              <a:rPr lang="en-GB" altLang="zh-CN" sz="1700" b="0" kern="0" dirty="0" err="1">
+                <a:latin typeface="Courier New" panose="02070309020205020404" pitchFamily="49" charset="0"/>
+                <a:cs typeface="Courier New" panose="02070309020205020404" pitchFamily="49" charset="0"/>
+              </a:rPr>
+              <a:t>j++</a:t>
+            </a:r>
+            <a:r>
+              <a:rPr lang="en-GB" altLang="zh-CN" sz="1700" b="0" kern="0" dirty="0">
+                <a:latin typeface="Courier New" panose="02070309020205020404" pitchFamily="49" charset="0"/>
+                <a:cs typeface="Courier New" panose="02070309020205020404" pitchFamily="49" charset="0"/>
+              </a:rPr>
+              <a:t>) {  </a:t>
+            </a:r>
+          </a:p>
+          <a:p>
+            <a:pPr marL="0" indent="0">
+              <a:buFontTx/>
+              <a:buNone/>
+            </a:pPr>
+            <a:r>
+              <a:rPr lang="en-GB" altLang="zh-CN" sz="1700" b="0" kern="0" dirty="0">
+                <a:latin typeface="Courier New" panose="02070309020205020404" pitchFamily="49" charset="0"/>
+                <a:cs typeface="Courier New" panose="02070309020205020404" pitchFamily="49" charset="0"/>
+              </a:rPr>
+              <a:t>   x = x + 2;</a:t>
+            </a:r>
+          </a:p>
+          <a:p>
+            <a:pPr marL="0" indent="0">
+              <a:buFontTx/>
+              <a:buNone/>
+            </a:pPr>
+            <a:r>
+              <a:rPr lang="en-GB" altLang="zh-CN" sz="1700" b="0" kern="0" dirty="0">
+                <a:latin typeface="Courier New" panose="02070309020205020404" pitchFamily="49" charset="0"/>
+                <a:cs typeface="Courier New" panose="02070309020205020404" pitchFamily="49" charset="0"/>
+              </a:rPr>
+              <a:t>}</a:t>
+            </a:r>
+          </a:p>
+        </p:txBody>
+      </p:sp>
+      <p:sp>
+        <p:nvSpPr>
+          <p:cNvPr id="6" name="Plassholder for innhold 2">
+            <a:extLst>
+              <a:ext uri="{FF2B5EF4-FFF2-40B4-BE49-F238E27FC236}">
+                <a16:creationId xmlns:a16="http://schemas.microsoft.com/office/drawing/2014/main" id="{2D37079E-C01B-98FE-3AB3-789AD906045B}"/>
+              </a:ext>
+            </a:extLst>
+          </p:cNvPr>
+          <p:cNvSpPr txBox="1">
+            <a:spLocks/>
+          </p:cNvSpPr>
+          <p:nvPr/>
+        </p:nvSpPr>
+        <p:spPr bwMode="auto">
+          <a:xfrm>
+            <a:off x="5213551" y="836112"/>
+            <a:ext cx="2000250" cy="446762"/>
+          </a:xfrm>
+          <a:prstGeom prst="rect">
+            <a:avLst/>
+          </a:prstGeom>
+          <a:noFill/>
+          <a:ln>
+            <a:solidFill>
+              <a:schemeClr val="tx1"/>
+            </a:solidFill>
+          </a:ln>
+          <a:effectLst/>
+          <a:extLst>
+            <a:ext uri="{FAA26D3D-D897-4be2-8F04-BA451C77F1D7}">
+              <ma14:placeholderFlag xmlns="" xmlns:ma14="http://schemas.microsoft.com/office/mac/drawingml/2011/main" val="1"/>
+            </a:ext>
+            <a:ext uri="{909E8E84-426E-40dd-AFC4-6F175D3DCCD1}">
+              <a14:hiddenFill xmlns="" xmlns:a14="http://schemas.microsoft.com/office/drawing/2010/main">
+                <a:solidFill>
+                  <a:schemeClr val="bg1"/>
+                </a:solidFill>
+              </a14:hiddenFill>
+            </a:ext>
+            <a:ext uri="{91240B29-F687-4f45-9708-019B960494DF}">
+              <a14:hiddenLine xmlns="" xmlns:a14="http://schemas.microsoft.com/office/drawing/2010/main" w="12700">
+                <a:pattFill prst="narHorz">
+                  <a:fgClr>
+                    <a:schemeClr val="tx1"/>
+                  </a:fgClr>
+                  <a:bgClr>
+                    <a:schemeClr val="bg1"/>
+                  </a:bgClr>
+                </a:pattFill>
+                <a:miter lim="800000"/>
+                <a:headEnd/>
+                <a:tailEnd/>
+              </a14:hiddenLine>
+            </a:ext>
+            <a:ext uri="{AF507438-7753-43e0-B8FC-AC1667EBCBE1}">
+              <a14:hiddenEffects xmlns="" xmlns:a14="http://schemas.microsoft.com/office/drawing/2010/main">
+                <a:effectLst>
+                  <a:outerShdw blurRad="63500" dist="38099" dir="2700000" algn="ctr" rotWithShape="0">
+                    <a:schemeClr val="bg2">
+                      <a:alpha val="74998"/>
+                    </a:schemeClr>
+                  </a:outerShdw>
+                </a:effectLst>
+              </a14:hiddenEffects>
+            </a:ext>
+          </a:extLst>
+        </p:spPr>
+        <p:txBody>
+          <a:bodyPr vert="horz" wrap="square" lIns="90478" tIns="44445" rIns="90478" bIns="44445" numCol="1" anchor="t" anchorCtr="0" compatLnSpc="1">
+            <a:prstTxWarp prst="textNoShape">
+              <a:avLst/>
+            </a:prstTxWarp>
+            <a:normAutofit/>
+          </a:bodyPr>
+          <a:lstStyle>
+            <a:lvl1pPr marL="285750" indent="-285750" algn="l" rtl="0" eaLnBrk="0" fontAlgn="base" hangingPunct="0">
+              <a:lnSpc>
+                <a:spcPct val="90000"/>
+              </a:lnSpc>
+              <a:spcBef>
+                <a:spcPct val="30000"/>
+              </a:spcBef>
+              <a:spcAft>
+                <a:spcPct val="0"/>
+              </a:spcAft>
+              <a:buSzPct val="100000"/>
+              <a:buChar char="•"/>
+              <a:defRPr sz="2400">
+                <a:solidFill>
+                  <a:schemeClr val="tx1"/>
+                </a:solidFill>
+                <a:latin typeface="Gill Sans" charset="0"/>
+                <a:ea typeface="ＭＳ Ｐゴシック" charset="0"/>
+                <a:cs typeface="Gill Sans" charset="0"/>
+              </a:defRPr>
+            </a:lvl1pPr>
+            <a:lvl2pPr marL="685800" indent="-228600" algn="l" rtl="0" eaLnBrk="0" fontAlgn="base" hangingPunct="0">
+              <a:lnSpc>
+                <a:spcPct val="90000"/>
+              </a:lnSpc>
+              <a:spcBef>
+                <a:spcPct val="30000"/>
+              </a:spcBef>
+              <a:spcAft>
+                <a:spcPct val="0"/>
+              </a:spcAft>
+              <a:buSzPct val="100000"/>
+              <a:buChar char="–"/>
+              <a:defRPr sz="2200">
+                <a:solidFill>
+                  <a:schemeClr val="tx1"/>
+                </a:solidFill>
+                <a:latin typeface="Gill Sans" charset="0"/>
+                <a:ea typeface="Gill Sans" charset="0"/>
+                <a:cs typeface="Gill Sans" charset="0"/>
+              </a:defRPr>
+            </a:lvl2pPr>
+            <a:lvl3pPr marL="1143000" indent="-228600" algn="l" rtl="0" eaLnBrk="0" fontAlgn="base" hangingPunct="0">
+              <a:lnSpc>
+                <a:spcPct val="90000"/>
+              </a:lnSpc>
+              <a:spcBef>
+                <a:spcPct val="30000"/>
+              </a:spcBef>
+              <a:spcAft>
+                <a:spcPct val="0"/>
+              </a:spcAft>
+              <a:buSzPct val="100000"/>
+              <a:buChar char="»"/>
+              <a:defRPr sz="2000">
+                <a:solidFill>
+                  <a:schemeClr val="tx1"/>
+                </a:solidFill>
+                <a:latin typeface="Gill Sans" charset="0"/>
+                <a:ea typeface="Gill Sans" charset="0"/>
+                <a:cs typeface="Gill Sans" charset="0"/>
+              </a:defRPr>
+            </a:lvl3pPr>
+            <a:lvl4pPr marL="1543050" indent="-171450" algn="l" rtl="0" eaLnBrk="0" fontAlgn="base" hangingPunct="0">
+              <a:lnSpc>
+                <a:spcPct val="90000"/>
+              </a:lnSpc>
+              <a:spcBef>
+                <a:spcPct val="30000"/>
+              </a:spcBef>
+              <a:spcAft>
+                <a:spcPct val="0"/>
+              </a:spcAft>
+              <a:buSzPct val="100000"/>
+              <a:buChar char="•"/>
+              <a:defRPr sz="2000">
+                <a:solidFill>
+                  <a:schemeClr val="tx1"/>
+                </a:solidFill>
+                <a:latin typeface="Gill Sans" charset="0"/>
+                <a:ea typeface="Gill Sans" charset="0"/>
+                <a:cs typeface="Gill Sans" charset="0"/>
+              </a:defRPr>
+            </a:lvl4pPr>
+            <a:lvl5pPr marL="2000250" indent="-171450" algn="l" rtl="0" eaLnBrk="0" fontAlgn="base" hangingPunct="0">
+              <a:lnSpc>
+                <a:spcPct val="90000"/>
+              </a:lnSpc>
+              <a:spcBef>
+                <a:spcPct val="30000"/>
+              </a:spcBef>
+              <a:spcAft>
+                <a:spcPct val="0"/>
+              </a:spcAft>
+              <a:buSzPct val="100000"/>
+              <a:buChar char="–"/>
+              <a:defRPr sz="2000">
+                <a:solidFill>
+                  <a:schemeClr val="tx1"/>
+                </a:solidFill>
+                <a:latin typeface="Gill Sans" charset="0"/>
+                <a:ea typeface="Gill Sans" charset="0"/>
+                <a:cs typeface="Gill Sans" charset="0"/>
+              </a:defRPr>
+            </a:lvl5pPr>
+            <a:lvl6pPr marL="2457450" indent="-171450" algn="l" rtl="0" eaLnBrk="0" fontAlgn="base" hangingPunct="0">
+              <a:lnSpc>
+                <a:spcPct val="90000"/>
+              </a:lnSpc>
+              <a:spcBef>
+                <a:spcPct val="30000"/>
+              </a:spcBef>
+              <a:spcAft>
+                <a:spcPct val="0"/>
+              </a:spcAft>
+              <a:buSzPct val="100000"/>
+              <a:buChar char="–"/>
+              <a:defRPr sz="2000" b="1">
+                <a:solidFill>
+                  <a:schemeClr val="tx1"/>
+                </a:solidFill>
+                <a:latin typeface="+mn-lt"/>
+              </a:defRPr>
+            </a:lvl6pPr>
+            <a:lvl7pPr marL="2914650" indent="-171450" algn="l" rtl="0" eaLnBrk="0" fontAlgn="base" hangingPunct="0">
+              <a:lnSpc>
+                <a:spcPct val="90000"/>
+              </a:lnSpc>
+              <a:spcBef>
+                <a:spcPct val="30000"/>
+              </a:spcBef>
+              <a:spcAft>
+                <a:spcPct val="0"/>
+              </a:spcAft>
+              <a:buSzPct val="100000"/>
+              <a:buChar char="–"/>
+              <a:defRPr sz="2000" b="1">
+                <a:solidFill>
+                  <a:schemeClr val="tx1"/>
+                </a:solidFill>
+                <a:latin typeface="+mn-lt"/>
+              </a:defRPr>
+            </a:lvl7pPr>
+            <a:lvl8pPr marL="3371850" indent="-171450" algn="l" rtl="0" eaLnBrk="0" fontAlgn="base" hangingPunct="0">
+              <a:lnSpc>
+                <a:spcPct val="90000"/>
+              </a:lnSpc>
+              <a:spcBef>
+                <a:spcPct val="30000"/>
+              </a:spcBef>
+              <a:spcAft>
+                <a:spcPct val="0"/>
+              </a:spcAft>
+              <a:buSzPct val="100000"/>
+              <a:buChar char="–"/>
+              <a:defRPr sz="2000" b="1">
+                <a:solidFill>
+                  <a:schemeClr val="tx1"/>
+                </a:solidFill>
+                <a:latin typeface="+mn-lt"/>
+              </a:defRPr>
+            </a:lvl8pPr>
+            <a:lvl9pPr marL="3829050" indent="-171450" algn="l" rtl="0" eaLnBrk="0" fontAlgn="base" hangingPunct="0">
+              <a:lnSpc>
+                <a:spcPct val="90000"/>
+              </a:lnSpc>
+              <a:spcBef>
+                <a:spcPct val="30000"/>
+              </a:spcBef>
+              <a:spcAft>
+                <a:spcPct val="0"/>
+              </a:spcAft>
+              <a:buSzPct val="100000"/>
+              <a:buChar char="–"/>
+              <a:defRPr sz="2000" b="1">
+                <a:solidFill>
+                  <a:schemeClr val="tx1"/>
+                </a:solidFill>
+                <a:latin typeface="+mn-lt"/>
+              </a:defRPr>
+            </a:lvl9pPr>
+          </a:lstStyle>
+          <a:p>
+            <a:pPr marL="0" indent="0">
+              <a:buFontTx/>
+              <a:buNone/>
+            </a:pPr>
+            <a:r>
+              <a:rPr lang="en-GB" altLang="zh-CN" sz="1700" b="0" kern="0" dirty="0">
+                <a:latin typeface="Courier New" panose="02070309020205020404" pitchFamily="49" charset="0"/>
+                <a:cs typeface="Courier New" panose="02070309020205020404" pitchFamily="49" charset="0"/>
+              </a:rPr>
+              <a:t>int x = 0;</a:t>
+            </a:r>
+            <a:endParaRPr lang="en-US" altLang="zh-CN" sz="1700" b="0" kern="0" dirty="0">
+              <a:latin typeface="Courier New" panose="02070309020205020404" pitchFamily="49" charset="0"/>
+              <a:cs typeface="Courier New" panose="02070309020205020404" pitchFamily="49" charset="0"/>
+            </a:endParaRPr>
+          </a:p>
+        </p:txBody>
+      </p:sp>
+    </p:spTree>
+    <p:extLst>
+      <p:ext uri="{BB962C8B-B14F-4D97-AF65-F5344CB8AC3E}">
+        <p14:creationId xmlns:p14="http://schemas.microsoft.com/office/powerpoint/2010/main" val="2751476572"/>
+      </p:ext>
+    </p:extLst>
+  </p:cSld>
+  <p:clrMapOvr>
+    <a:masterClrMapping/>
+  </p:clrMapOvr>
+  <p:transition/>
+</p:sld>
+</file>
+
+<file path=ppt/slides/slide20.xml><?xml version="1.0" encoding="utf-8"?>
 <p:sld xmlns:a="http://schemas.openxmlformats.org/drawingml/2006/main" xmlns:r="http://schemas.openxmlformats.org/officeDocument/2006/relationships" xmlns:p="http://schemas.openxmlformats.org/presentationml/2006/main">
   <p:cSld>
     <p:spTree>
@@ -33783,7 +30070,7 @@
 </p:sld>
 </file>
 
-<file path=ppt/slides/slide23.xml><?xml version="1.0" encoding="utf-8"?>
+<file path=ppt/slides/slide21.xml><?xml version="1.0" encoding="utf-8"?>
 <p:sld xmlns:a="http://schemas.openxmlformats.org/drawingml/2006/main" xmlns:r="http://schemas.openxmlformats.org/officeDocument/2006/relationships" xmlns:p="http://schemas.openxmlformats.org/presentationml/2006/main">
   <p:cSld>
     <p:spTree>
@@ -35233,7 +31520,7 @@
 </p:sld>
 </file>
 
-<file path=ppt/slides/slide24.xml><?xml version="1.0" encoding="utf-8"?>
+<file path=ppt/slides/slide22.xml><?xml version="1.0" encoding="utf-8"?>
 <p:sld xmlns:a="http://schemas.openxmlformats.org/drawingml/2006/main" xmlns:r="http://schemas.openxmlformats.org/officeDocument/2006/relationships" xmlns:p="http://schemas.openxmlformats.org/presentationml/2006/main">
   <p:cSld>
     <p:spTree>
@@ -37578,7 +33865,7 @@
                 <a:cs typeface="Arial"/>
               </a:rPr>
               <a:pPr algn="ctr"/>
-              <a:t>24</a:t>
+              <a:t>22</a:t>
             </a:fld>
             <a:endParaRPr lang="nb-NO" sz="1400" b="0" i="0" dirty="0">
               <a:solidFill>
@@ -37599,7 +33886,7 @@
 </p:sld>
 </file>
 
-<file path=ppt/slides/slide25.xml><?xml version="1.0" encoding="utf-8"?>
+<file path=ppt/slides/slide23.xml><?xml version="1.0" encoding="utf-8"?>
 <p:sld xmlns:a="http://schemas.openxmlformats.org/drawingml/2006/main" xmlns:r="http://schemas.openxmlformats.org/officeDocument/2006/relationships" xmlns:p="http://schemas.openxmlformats.org/presentationml/2006/main">
   <p:cSld>
     <p:spTree>
@@ -40205,7 +36492,7 @@
                 <a:cs typeface="Arial"/>
               </a:rPr>
               <a:pPr algn="ctr"/>
-              <a:t>25</a:t>
+              <a:t>23</a:t>
             </a:fld>
             <a:endParaRPr lang="nb-NO" sz="1400" b="0" i="0" dirty="0">
               <a:solidFill>
@@ -42397,7 +38684,7 @@
 </p:sld>
 </file>
 
-<file path=ppt/slides/slide26.xml><?xml version="1.0" encoding="utf-8"?>
+<file path=ppt/slides/slide24.xml><?xml version="1.0" encoding="utf-8"?>
 <p:sld xmlns:a="http://schemas.openxmlformats.org/drawingml/2006/main" xmlns:r="http://schemas.openxmlformats.org/officeDocument/2006/relationships" xmlns:p="http://schemas.openxmlformats.org/presentationml/2006/main">
   <p:cSld>
     <p:spTree>
@@ -44734,7 +41021,7 @@
                 <a:cs typeface="Arial"/>
               </a:rPr>
               <a:pPr algn="ctr"/>
-              <a:t>26</a:t>
+              <a:t>24</a:t>
             </a:fld>
             <a:endParaRPr lang="nb-NO" sz="1400" b="0" i="0" dirty="0">
               <a:solidFill>
@@ -44909,17 +41196,17 @@
           <a:effectLst/>
           <a:extLst>
             <a:ext uri="{FAA26D3D-D897-4be2-8F04-BA451C77F1D7}">
-              <ma14:placeholderFlag xmlns:ma14="http://schemas.microsoft.com/office/mac/drawingml/2011/main" xmlns="" val="1"/>
+              <ma14:placeholderFlag xmlns="" xmlns:ma14="http://schemas.microsoft.com/office/mac/drawingml/2011/main" val="1"/>
             </a:ext>
             <a:ext uri="{909E8E84-426E-40dd-AFC4-6F175D3DCCD1}">
-              <a14:hiddenFill xmlns:a14="http://schemas.microsoft.com/office/drawing/2010/main" xmlns="">
+              <a14:hiddenFill xmlns="" xmlns:a14="http://schemas.microsoft.com/office/drawing/2010/main">
                 <a:solidFill>
                   <a:schemeClr val="bg1"/>
                 </a:solidFill>
               </a14:hiddenFill>
             </a:ext>
             <a:ext uri="{91240B29-F687-4f45-9708-019B960494DF}">
-              <a14:hiddenLine xmlns:a14="http://schemas.microsoft.com/office/drawing/2010/main" xmlns="" w="12700">
+              <a14:hiddenLine xmlns="" xmlns:a14="http://schemas.microsoft.com/office/drawing/2010/main" w="12700">
                 <a:pattFill prst="narHorz">
                   <a:fgClr>
                     <a:schemeClr val="tx1"/>
@@ -44934,7 +41221,7 @@
               </a14:hiddenLine>
             </a:ext>
             <a:ext uri="{AF507438-7753-43e0-B8FC-AC1667EBCBE1}">
-              <a14:hiddenEffects xmlns:a14="http://schemas.microsoft.com/office/drawing/2010/main" xmlns="">
+              <a14:hiddenEffects xmlns="" xmlns:a14="http://schemas.microsoft.com/office/drawing/2010/main">
                 <a:effectLst>
                   <a:outerShdw blurRad="63500" dist="38099" dir="2700000" algn="ctr" rotWithShape="0">
                     <a:schemeClr val="bg2">
@@ -45223,17 +41510,17 @@
           <a:effectLst/>
           <a:extLst>
             <a:ext uri="{FAA26D3D-D897-4be2-8F04-BA451C77F1D7}">
-              <ma14:placeholderFlag xmlns:ma14="http://schemas.microsoft.com/office/mac/drawingml/2011/main" xmlns="" val="1"/>
+              <ma14:placeholderFlag xmlns="" xmlns:ma14="http://schemas.microsoft.com/office/mac/drawingml/2011/main" val="1"/>
             </a:ext>
             <a:ext uri="{909E8E84-426E-40dd-AFC4-6F175D3DCCD1}">
-              <a14:hiddenFill xmlns:a14="http://schemas.microsoft.com/office/drawing/2010/main" xmlns="">
+              <a14:hiddenFill xmlns="" xmlns:a14="http://schemas.microsoft.com/office/drawing/2010/main">
                 <a:solidFill>
                   <a:schemeClr val="bg1"/>
                 </a:solidFill>
               </a14:hiddenFill>
             </a:ext>
             <a:ext uri="{91240B29-F687-4f45-9708-019B960494DF}">
-              <a14:hiddenLine xmlns:a14="http://schemas.microsoft.com/office/drawing/2010/main" xmlns="" w="12700">
+              <a14:hiddenLine xmlns="" xmlns:a14="http://schemas.microsoft.com/office/drawing/2010/main" w="12700">
                 <a:pattFill prst="narHorz">
                   <a:fgClr>
                     <a:schemeClr val="tx1"/>
@@ -45248,7 +41535,7 @@
               </a14:hiddenLine>
             </a:ext>
             <a:ext uri="{AF507438-7753-43e0-B8FC-AC1667EBCBE1}">
-              <a14:hiddenEffects xmlns:a14="http://schemas.microsoft.com/office/drawing/2010/main" xmlns="">
+              <a14:hiddenEffects xmlns="" xmlns:a14="http://schemas.microsoft.com/office/drawing/2010/main">
                 <a:effectLst>
                   <a:outerShdw blurRad="63500" dist="38099" dir="2700000" algn="ctr" rotWithShape="0">
                     <a:schemeClr val="bg2">
@@ -45549,17 +41836,17 @@
           <a:effectLst/>
           <a:extLst>
             <a:ext uri="{FAA26D3D-D897-4be2-8F04-BA451C77F1D7}">
-              <ma14:placeholderFlag xmlns:ma14="http://schemas.microsoft.com/office/mac/drawingml/2011/main" xmlns="" val="1"/>
+              <ma14:placeholderFlag xmlns="" xmlns:ma14="http://schemas.microsoft.com/office/mac/drawingml/2011/main" val="1"/>
             </a:ext>
             <a:ext uri="{909E8E84-426E-40dd-AFC4-6F175D3DCCD1}">
-              <a14:hiddenFill xmlns:a14="http://schemas.microsoft.com/office/drawing/2010/main" xmlns="">
+              <a14:hiddenFill xmlns="" xmlns:a14="http://schemas.microsoft.com/office/drawing/2010/main">
                 <a:solidFill>
                   <a:schemeClr val="bg1"/>
                 </a:solidFill>
               </a14:hiddenFill>
             </a:ext>
             <a:ext uri="{91240B29-F687-4f45-9708-019B960494DF}">
-              <a14:hiddenLine xmlns:a14="http://schemas.microsoft.com/office/drawing/2010/main" xmlns="" w="12700">
+              <a14:hiddenLine xmlns="" xmlns:a14="http://schemas.microsoft.com/office/drawing/2010/main" w="12700">
                 <a:pattFill prst="narHorz">
                   <a:fgClr>
                     <a:schemeClr val="tx1"/>
@@ -45574,7 +41861,7 @@
               </a14:hiddenLine>
             </a:ext>
             <a:ext uri="{AF507438-7753-43e0-B8FC-AC1667EBCBE1}">
-              <a14:hiddenEffects xmlns:a14="http://schemas.microsoft.com/office/drawing/2010/main" xmlns="">
+              <a14:hiddenEffects xmlns="" xmlns:a14="http://schemas.microsoft.com/office/drawing/2010/main">
                 <a:effectLst>
                   <a:outerShdw blurRad="63500" dist="38099" dir="2700000" algn="ctr" rotWithShape="0">
                     <a:schemeClr val="bg2">
@@ -45930,17 +42217,17 @@
           <a:effectLst/>
           <a:extLst>
             <a:ext uri="{FAA26D3D-D897-4be2-8F04-BA451C77F1D7}">
-              <ma14:placeholderFlag xmlns:ma14="http://schemas.microsoft.com/office/mac/drawingml/2011/main" xmlns="" val="1"/>
+              <ma14:placeholderFlag xmlns="" xmlns:ma14="http://schemas.microsoft.com/office/mac/drawingml/2011/main" val="1"/>
             </a:ext>
             <a:ext uri="{909E8E84-426E-40dd-AFC4-6F175D3DCCD1}">
-              <a14:hiddenFill xmlns:a14="http://schemas.microsoft.com/office/drawing/2010/main" xmlns="">
+              <a14:hiddenFill xmlns="" xmlns:a14="http://schemas.microsoft.com/office/drawing/2010/main">
                 <a:solidFill>
                   <a:schemeClr val="bg1"/>
                 </a:solidFill>
               </a14:hiddenFill>
             </a:ext>
             <a:ext uri="{91240B29-F687-4f45-9708-019B960494DF}">
-              <a14:hiddenLine xmlns:a14="http://schemas.microsoft.com/office/drawing/2010/main" xmlns="" w="12700">
+              <a14:hiddenLine xmlns="" xmlns:a14="http://schemas.microsoft.com/office/drawing/2010/main" w="12700">
                 <a:pattFill prst="narHorz">
                   <a:fgClr>
                     <a:schemeClr val="tx1"/>
@@ -45955,7 +42242,7 @@
               </a14:hiddenLine>
             </a:ext>
             <a:ext uri="{AF507438-7753-43e0-B8FC-AC1667EBCBE1}">
-              <a14:hiddenEffects xmlns:a14="http://schemas.microsoft.com/office/drawing/2010/main" xmlns="">
+              <a14:hiddenEffects xmlns="" xmlns:a14="http://schemas.microsoft.com/office/drawing/2010/main">
                 <a:effectLst>
                   <a:outerShdw blurRad="63500" dist="38099" dir="2700000" algn="ctr" rotWithShape="0">
                     <a:schemeClr val="bg2">
@@ -46953,17 +43240,17 @@
           <a:effectLst/>
           <a:extLst>
             <a:ext uri="{FAA26D3D-D897-4be2-8F04-BA451C77F1D7}">
-              <ma14:placeholderFlag xmlns:ma14="http://schemas.microsoft.com/office/mac/drawingml/2011/main" xmlns="" val="1"/>
+              <ma14:placeholderFlag xmlns="" xmlns:ma14="http://schemas.microsoft.com/office/mac/drawingml/2011/main" val="1"/>
             </a:ext>
             <a:ext uri="{909E8E84-426E-40dd-AFC4-6F175D3DCCD1}">
-              <a14:hiddenFill xmlns:a14="http://schemas.microsoft.com/office/drawing/2010/main" xmlns="">
+              <a14:hiddenFill xmlns="" xmlns:a14="http://schemas.microsoft.com/office/drawing/2010/main">
                 <a:solidFill>
                   <a:schemeClr val="bg1"/>
                 </a:solidFill>
               </a14:hiddenFill>
             </a:ext>
             <a:ext uri="{91240B29-F687-4f45-9708-019B960494DF}">
-              <a14:hiddenLine xmlns:a14="http://schemas.microsoft.com/office/drawing/2010/main" xmlns="" w="12700">
+              <a14:hiddenLine xmlns="" xmlns:a14="http://schemas.microsoft.com/office/drawing/2010/main" w="12700">
                 <a:pattFill prst="narHorz">
                   <a:fgClr>
                     <a:schemeClr val="tx1"/>
@@ -46978,7 +43265,7 @@
               </a14:hiddenLine>
             </a:ext>
             <a:ext uri="{AF507438-7753-43e0-B8FC-AC1667EBCBE1}">
-              <a14:hiddenEffects xmlns:a14="http://schemas.microsoft.com/office/drawing/2010/main" xmlns="">
+              <a14:hiddenEffects xmlns="" xmlns:a14="http://schemas.microsoft.com/office/drawing/2010/main">
                 <a:effectLst>
                   <a:outerShdw blurRad="63500" dist="38099" dir="2700000" algn="ctr" rotWithShape="0">
                     <a:schemeClr val="bg2">
@@ -47305,17 +43592,17 @@
           <a:effectLst/>
           <a:extLst>
             <a:ext uri="{FAA26D3D-D897-4be2-8F04-BA451C77F1D7}">
-              <ma14:placeholderFlag xmlns:ma14="http://schemas.microsoft.com/office/mac/drawingml/2011/main" xmlns="" val="1"/>
+              <ma14:placeholderFlag xmlns="" xmlns:ma14="http://schemas.microsoft.com/office/mac/drawingml/2011/main" val="1"/>
             </a:ext>
             <a:ext uri="{909E8E84-426E-40dd-AFC4-6F175D3DCCD1}">
-              <a14:hiddenFill xmlns:a14="http://schemas.microsoft.com/office/drawing/2010/main" xmlns="">
+              <a14:hiddenFill xmlns="" xmlns:a14="http://schemas.microsoft.com/office/drawing/2010/main">
                 <a:solidFill>
                   <a:schemeClr val="bg1"/>
                 </a:solidFill>
               </a14:hiddenFill>
             </a:ext>
             <a:ext uri="{91240B29-F687-4f45-9708-019B960494DF}">
-              <a14:hiddenLine xmlns:a14="http://schemas.microsoft.com/office/drawing/2010/main" xmlns="" w="12700">
+              <a14:hiddenLine xmlns="" xmlns:a14="http://schemas.microsoft.com/office/drawing/2010/main" w="12700">
                 <a:pattFill prst="narHorz">
                   <a:fgClr>
                     <a:schemeClr val="tx1"/>
@@ -47330,7 +43617,7 @@
               </a14:hiddenLine>
             </a:ext>
             <a:ext uri="{AF507438-7753-43e0-B8FC-AC1667EBCBE1}">
-              <a14:hiddenEffects xmlns:a14="http://schemas.microsoft.com/office/drawing/2010/main" xmlns="">
+              <a14:hiddenEffects xmlns="" xmlns:a14="http://schemas.microsoft.com/office/drawing/2010/main">
                 <a:effectLst>
                   <a:outerShdw blurRad="63500" dist="38099" dir="2700000" algn="ctr" rotWithShape="0">
                     <a:schemeClr val="bg2">
@@ -47655,17 +43942,17 @@
           <a:effectLst/>
           <a:extLst>
             <a:ext uri="{FAA26D3D-D897-4be2-8F04-BA451C77F1D7}">
-              <ma14:placeholderFlag xmlns:ma14="http://schemas.microsoft.com/office/mac/drawingml/2011/main" xmlns="" val="1"/>
+              <ma14:placeholderFlag xmlns="" xmlns:ma14="http://schemas.microsoft.com/office/mac/drawingml/2011/main" val="1"/>
             </a:ext>
             <a:ext uri="{909E8E84-426E-40dd-AFC4-6F175D3DCCD1}">
-              <a14:hiddenFill xmlns:a14="http://schemas.microsoft.com/office/drawing/2010/main" xmlns="">
+              <a14:hiddenFill xmlns="" xmlns:a14="http://schemas.microsoft.com/office/drawing/2010/main">
                 <a:solidFill>
                   <a:schemeClr val="bg1"/>
                 </a:solidFill>
               </a14:hiddenFill>
             </a:ext>
             <a:ext uri="{91240B29-F687-4f45-9708-019B960494DF}">
-              <a14:hiddenLine xmlns:a14="http://schemas.microsoft.com/office/drawing/2010/main" xmlns="" w="12700">
+              <a14:hiddenLine xmlns="" xmlns:a14="http://schemas.microsoft.com/office/drawing/2010/main" w="12700">
                 <a:pattFill prst="narHorz">
                   <a:fgClr>
                     <a:schemeClr val="tx1"/>
@@ -47680,7 +43967,7 @@
               </a14:hiddenLine>
             </a:ext>
             <a:ext uri="{AF507438-7753-43e0-B8FC-AC1667EBCBE1}">
-              <a14:hiddenEffects xmlns:a14="http://schemas.microsoft.com/office/drawing/2010/main" xmlns="">
+              <a14:hiddenEffects xmlns="" xmlns:a14="http://schemas.microsoft.com/office/drawing/2010/main">
                 <a:effectLst>
                   <a:outerShdw blurRad="63500" dist="38099" dir="2700000" algn="ctr" rotWithShape="0">
                     <a:schemeClr val="bg2">
@@ -48043,17 +44330,17 @@
           <a:effectLst/>
           <a:extLst>
             <a:ext uri="{FAA26D3D-D897-4be2-8F04-BA451C77F1D7}">
-              <ma14:placeholderFlag xmlns:ma14="http://schemas.microsoft.com/office/mac/drawingml/2011/main" xmlns="" val="1"/>
+              <ma14:placeholderFlag xmlns="" xmlns:ma14="http://schemas.microsoft.com/office/mac/drawingml/2011/main" val="1"/>
             </a:ext>
             <a:ext uri="{909E8E84-426E-40dd-AFC4-6F175D3DCCD1}">
-              <a14:hiddenFill xmlns:a14="http://schemas.microsoft.com/office/drawing/2010/main" xmlns="">
+              <a14:hiddenFill xmlns="" xmlns:a14="http://schemas.microsoft.com/office/drawing/2010/main">
                 <a:solidFill>
                   <a:schemeClr val="bg1"/>
                 </a:solidFill>
               </a14:hiddenFill>
             </a:ext>
             <a:ext uri="{91240B29-F687-4f45-9708-019B960494DF}">
-              <a14:hiddenLine xmlns:a14="http://schemas.microsoft.com/office/drawing/2010/main" xmlns="" w="12700">
+              <a14:hiddenLine xmlns="" xmlns:a14="http://schemas.microsoft.com/office/drawing/2010/main" w="12700">
                 <a:pattFill prst="narHorz">
                   <a:fgClr>
                     <a:schemeClr val="tx1"/>
@@ -48068,7 +44355,7 @@
               </a14:hiddenLine>
             </a:ext>
             <a:ext uri="{AF507438-7753-43e0-B8FC-AC1667EBCBE1}">
-              <a14:hiddenEffects xmlns:a14="http://schemas.microsoft.com/office/drawing/2010/main" xmlns="">
+              <a14:hiddenEffects xmlns="" xmlns:a14="http://schemas.microsoft.com/office/drawing/2010/main">
                 <a:effectLst>
                   <a:outerShdw blurRad="63500" dist="38099" dir="2700000" algn="ctr" rotWithShape="0">
                     <a:schemeClr val="bg2">
@@ -48383,17 +44670,17 @@
           <a:effectLst/>
           <a:extLst>
             <a:ext uri="{FAA26D3D-D897-4be2-8F04-BA451C77F1D7}">
-              <ma14:placeholderFlag xmlns:ma14="http://schemas.microsoft.com/office/mac/drawingml/2011/main" xmlns="" val="1"/>
+              <ma14:placeholderFlag xmlns="" xmlns:ma14="http://schemas.microsoft.com/office/mac/drawingml/2011/main" val="1"/>
             </a:ext>
             <a:ext uri="{909E8E84-426E-40dd-AFC4-6F175D3DCCD1}">
-              <a14:hiddenFill xmlns:a14="http://schemas.microsoft.com/office/drawing/2010/main" xmlns="">
+              <a14:hiddenFill xmlns="" xmlns:a14="http://schemas.microsoft.com/office/drawing/2010/main">
                 <a:solidFill>
                   <a:schemeClr val="bg1"/>
                 </a:solidFill>
               </a14:hiddenFill>
             </a:ext>
             <a:ext uri="{91240B29-F687-4f45-9708-019B960494DF}">
-              <a14:hiddenLine xmlns:a14="http://schemas.microsoft.com/office/drawing/2010/main" xmlns="" w="12700">
+              <a14:hiddenLine xmlns="" xmlns:a14="http://schemas.microsoft.com/office/drawing/2010/main" w="12700">
                 <a:pattFill prst="narHorz">
                   <a:fgClr>
                     <a:schemeClr val="tx1"/>
@@ -48408,7 +44695,7 @@
               </a14:hiddenLine>
             </a:ext>
             <a:ext uri="{AF507438-7753-43e0-B8FC-AC1667EBCBE1}">
-              <a14:hiddenEffects xmlns:a14="http://schemas.microsoft.com/office/drawing/2010/main" xmlns="">
+              <a14:hiddenEffects xmlns="" xmlns:a14="http://schemas.microsoft.com/office/drawing/2010/main">
                 <a:effectLst>
                   <a:outerShdw blurRad="63500" dist="38099" dir="2700000" algn="ctr" rotWithShape="0">
                     <a:schemeClr val="bg2">
@@ -48732,17 +45019,17 @@
           <a:effectLst/>
           <a:extLst>
             <a:ext uri="{FAA26D3D-D897-4be2-8F04-BA451C77F1D7}">
-              <ma14:placeholderFlag xmlns:ma14="http://schemas.microsoft.com/office/mac/drawingml/2011/main" xmlns="" val="1"/>
+              <ma14:placeholderFlag xmlns="" xmlns:ma14="http://schemas.microsoft.com/office/mac/drawingml/2011/main" val="1"/>
             </a:ext>
             <a:ext uri="{909E8E84-426E-40dd-AFC4-6F175D3DCCD1}">
-              <a14:hiddenFill xmlns:a14="http://schemas.microsoft.com/office/drawing/2010/main" xmlns="">
+              <a14:hiddenFill xmlns="" xmlns:a14="http://schemas.microsoft.com/office/drawing/2010/main">
                 <a:solidFill>
                   <a:schemeClr val="bg1"/>
                 </a:solidFill>
               </a14:hiddenFill>
             </a:ext>
             <a:ext uri="{91240B29-F687-4f45-9708-019B960494DF}">
-              <a14:hiddenLine xmlns:a14="http://schemas.microsoft.com/office/drawing/2010/main" xmlns="" w="12700">
+              <a14:hiddenLine xmlns="" xmlns:a14="http://schemas.microsoft.com/office/drawing/2010/main" w="12700">
                 <a:pattFill prst="narHorz">
                   <a:fgClr>
                     <a:schemeClr val="tx1"/>
@@ -48757,7 +45044,7 @@
               </a14:hiddenLine>
             </a:ext>
             <a:ext uri="{AF507438-7753-43e0-B8FC-AC1667EBCBE1}">
-              <a14:hiddenEffects xmlns:a14="http://schemas.microsoft.com/office/drawing/2010/main" xmlns="">
+              <a14:hiddenEffects xmlns="" xmlns:a14="http://schemas.microsoft.com/office/drawing/2010/main">
                 <a:effectLst>
                   <a:outerShdw blurRad="63500" dist="38099" dir="2700000" algn="ctr" rotWithShape="0">
                     <a:schemeClr val="bg2">
@@ -50133,7 +46420,7 @@
         <a:effectLst/>
         <a:extLst>
           <a:ext uri="{AF507438-7753-43e0-B8FC-AC1667EBCBE1}">
-            <a14:hiddenEffects xmlns:a14="http://schemas.microsoft.com/office/drawing/2010/main" xmlns="">
+            <a14:hiddenEffects xmlns="" xmlns:a14="http://schemas.microsoft.com/office/drawing/2010/main">
               <a:effectLst>
                 <a:outerShdw dist="35921" dir="2700000" algn="ctr" rotWithShape="0">
                   <a:schemeClr val="bg2"/>
@@ -50206,7 +46493,7 @@
         <a:effectLst/>
         <a:extLst>
           <a:ext uri="{AF507438-7753-43e0-B8FC-AC1667EBCBE1}">
-            <a14:hiddenEffects xmlns:a14="http://schemas.microsoft.com/office/drawing/2010/main" xmlns="">
+            <a14:hiddenEffects xmlns="" xmlns:a14="http://schemas.microsoft.com/office/drawing/2010/main">
               <a:effectLst>
                 <a:outerShdw dist="35921" dir="2700000" algn="ctr" rotWithShape="0">
                   <a:schemeClr val="bg2"/>

--- a/PPTs/L3-Exercises ANS.pptx
+++ b/PPTs/L3-Exercises ANS.pptx
@@ -29198,7 +29198,7 @@
                 <a:latin typeface="Courier New" panose="02070309020205020404" pitchFamily="49" charset="0"/>
                 <a:cs typeface="Courier New" panose="02070309020205020404" pitchFamily="49" charset="0"/>
               </a:rPr>
-              <a:t>//Thread T0</a:t>
+              <a:t>//Thread T1</a:t>
             </a:r>
           </a:p>
           <a:p>
@@ -41123,7 +41123,7 @@
         </p:spPr>
         <p:txBody>
           <a:bodyPr>
-            <a:normAutofit fontScale="77500" lnSpcReduction="20000"/>
+            <a:normAutofit fontScale="70000" lnSpcReduction="20000"/>
           </a:bodyPr>
           <a:lstStyle/>
           <a:p>
@@ -41136,15 +41136,19 @@
             <a:pPr lvl="1"/>
             <a:r>
               <a:rPr lang="en-GB" dirty="0"/>
-              <a:t>The x=x+2 statements can be “erased” by being between the load and store of an x=x+1 statement, and vice versa. Each x=x+1 statement can either do nothing (if erased by Thread T1) or increase x by 1. Each x=x+2 statement can either do nothing (if erased by Thread T0) or increase x by 2</a:t>
+              <a:t>The x=x+2 statements can be “erased” by “</a:t>
+            </a:r>
+            <a:r>
+              <a:rPr lang="en-US" dirty="0"/>
+              <a:t>sneaking in </a:t>
             </a:r>
             <a:r>
               <a:rPr lang="en-GB"/>
-              <a:t>. Since </a:t>
+              <a:t>between” </a:t>
             </a:r>
             <a:r>
               <a:rPr lang="en-GB" dirty="0"/>
-              <a:t>there are 5 of each type, and since x starts at 0, x has min 5 and max (5*1)+(5*2)=15. Possible values are 5, 6, 7,…15, e.g., If three increments from Thread T0 and two increments from Thread T1 are applied, then x=(3×1)+(2×2)=7.</a:t>
+              <a:t>the load and store of an x=x+1 statement, and vice versa. Each x=x+1 statement can either do nothing (if erased by Thread T1) or increase x by 1. Each x=x+2 statement can either do nothing (if erased by Thread T0) or increase x by 2. Since there are 5 of each type, and since x starts at 0, x has min 5 and max (5*1)+(5*2)=15. Possible values are 5, 6, 7,…15, e.g., If three increments from Thread T0 and two increments from Thread T1 are applied, then x=(3×1)+(2×2)=7.</a:t>
             </a:r>
           </a:p>
           <a:p>
@@ -41747,7 +41751,7 @@
                 <a:latin typeface="Courier New" panose="02070309020205020404" pitchFamily="49" charset="0"/>
                 <a:cs typeface="Courier New" panose="02070309020205020404" pitchFamily="49" charset="0"/>
               </a:rPr>
-              <a:t>//Thread T0</a:t>
+              <a:t>//Thread T1</a:t>
             </a:r>
           </a:p>
           <a:p>
